--- a/Documentation/Design Show Poster/Senior Design Show Poster.pptx
+++ b/Documentation/Design Show Poster/Senior Design Show Poster.pptx
@@ -288,7 +288,7 @@
           <a:p>
             <a:fld id="{08F7D037-1E52-45C7-976A-93EFD4975647}" type="datetimeFigureOut">
               <a:rPr lang="en-US" smtClean="0"/>
-              <a:t>5/7/2015</a:t>
+              <a:t>5/8/2015</a:t>
             </a:fld>
             <a:endParaRPr lang="en-US"/>
           </a:p>
@@ -458,7 +458,7 @@
           <a:p>
             <a:fld id="{08F7D037-1E52-45C7-976A-93EFD4975647}" type="datetimeFigureOut">
               <a:rPr lang="en-US" smtClean="0"/>
-              <a:t>5/7/2015</a:t>
+              <a:t>5/8/2015</a:t>
             </a:fld>
             <a:endParaRPr lang="en-US"/>
           </a:p>
@@ -638,7 +638,7 @@
           <a:p>
             <a:fld id="{08F7D037-1E52-45C7-976A-93EFD4975647}" type="datetimeFigureOut">
               <a:rPr lang="en-US" smtClean="0"/>
-              <a:t>5/7/2015</a:t>
+              <a:t>5/8/2015</a:t>
             </a:fld>
             <a:endParaRPr lang="en-US"/>
           </a:p>
@@ -808,7 +808,7 @@
           <a:p>
             <a:fld id="{08F7D037-1E52-45C7-976A-93EFD4975647}" type="datetimeFigureOut">
               <a:rPr lang="en-US" smtClean="0"/>
-              <a:t>5/7/2015</a:t>
+              <a:t>5/8/2015</a:t>
             </a:fld>
             <a:endParaRPr lang="en-US"/>
           </a:p>
@@ -1054,7 +1054,7 @@
           <a:p>
             <a:fld id="{08F7D037-1E52-45C7-976A-93EFD4975647}" type="datetimeFigureOut">
               <a:rPr lang="en-US" smtClean="0"/>
-              <a:t>5/7/2015</a:t>
+              <a:t>5/8/2015</a:t>
             </a:fld>
             <a:endParaRPr lang="en-US"/>
           </a:p>
@@ -1342,7 +1342,7 @@
           <a:p>
             <a:fld id="{08F7D037-1E52-45C7-976A-93EFD4975647}" type="datetimeFigureOut">
               <a:rPr lang="en-US" smtClean="0"/>
-              <a:t>5/7/2015</a:t>
+              <a:t>5/8/2015</a:t>
             </a:fld>
             <a:endParaRPr lang="en-US"/>
           </a:p>
@@ -1769,7 +1769,7 @@
           <a:p>
             <a:fld id="{08F7D037-1E52-45C7-976A-93EFD4975647}" type="datetimeFigureOut">
               <a:rPr lang="en-US" smtClean="0"/>
-              <a:t>5/7/2015</a:t>
+              <a:t>5/8/2015</a:t>
             </a:fld>
             <a:endParaRPr lang="en-US"/>
           </a:p>
@@ -1887,7 +1887,7 @@
           <a:p>
             <a:fld id="{08F7D037-1E52-45C7-976A-93EFD4975647}" type="datetimeFigureOut">
               <a:rPr lang="en-US" smtClean="0"/>
-              <a:t>5/7/2015</a:t>
+              <a:t>5/8/2015</a:t>
             </a:fld>
             <a:endParaRPr lang="en-US"/>
           </a:p>
@@ -1982,7 +1982,7 @@
           <a:p>
             <a:fld id="{08F7D037-1E52-45C7-976A-93EFD4975647}" type="datetimeFigureOut">
               <a:rPr lang="en-US" smtClean="0"/>
-              <a:t>5/7/2015</a:t>
+              <a:t>5/8/2015</a:t>
             </a:fld>
             <a:endParaRPr lang="en-US"/>
           </a:p>
@@ -2259,7 +2259,7 @@
           <a:p>
             <a:fld id="{08F7D037-1E52-45C7-976A-93EFD4975647}" type="datetimeFigureOut">
               <a:rPr lang="en-US" smtClean="0"/>
-              <a:t>5/7/2015</a:t>
+              <a:t>5/8/2015</a:t>
             </a:fld>
             <a:endParaRPr lang="en-US"/>
           </a:p>
@@ -2512,7 +2512,7 @@
           <a:p>
             <a:fld id="{08F7D037-1E52-45C7-976A-93EFD4975647}" type="datetimeFigureOut">
               <a:rPr lang="en-US" smtClean="0"/>
-              <a:t>5/7/2015</a:t>
+              <a:t>5/8/2015</a:t>
             </a:fld>
             <a:endParaRPr lang="en-US"/>
           </a:p>
@@ -2725,7 +2725,7 @@
           <a:p>
             <a:fld id="{08F7D037-1E52-45C7-976A-93EFD4975647}" type="datetimeFigureOut">
               <a:rPr lang="en-US" smtClean="0"/>
-              <a:t>5/7/2015</a:t>
+              <a:t>5/8/2015</a:t>
             </a:fld>
             <a:endParaRPr lang="en-US"/>
           </a:p>
@@ -3123,7 +3123,7 @@
         </p:blipFill>
         <p:spPr bwMode="auto">
           <a:xfrm>
-            <a:off x="304800" y="38100"/>
+            <a:off x="0" y="-91581"/>
             <a:ext cx="1524000" cy="1524000"/>
           </a:xfrm>
           <a:prstGeom prst="rect">
@@ -3186,7 +3186,7 @@
         </p:blipFill>
         <p:spPr>
           <a:xfrm>
-            <a:off x="1828800" y="38100"/>
+            <a:off x="1562100" y="60603"/>
             <a:ext cx="1524000" cy="1524000"/>
           </a:xfrm>
           <a:prstGeom prst="rect">
@@ -3202,7 +3202,7 @@
         </p:nvGrpSpPr>
         <p:grpSpPr>
           <a:xfrm>
-            <a:off x="3352800" y="60387"/>
+            <a:off x="3086100" y="27321"/>
             <a:ext cx="2648310" cy="439947"/>
             <a:chOff x="6461183" y="94891"/>
             <a:chExt cx="2648310" cy="439947"/>
@@ -3300,7 +3300,7 @@
         </p:blipFill>
         <p:spPr bwMode="auto">
           <a:xfrm>
-            <a:off x="3744764" y="762216"/>
+            <a:off x="3200042" y="670419"/>
             <a:ext cx="1863305" cy="914184"/>
           </a:xfrm>
           <a:prstGeom prst="rect">
@@ -3316,6 +3316,1204 @@
               </a14:hiddenFill>
             </a:ext>
           </a:extLst>
+        </p:spPr>
+      </p:pic>
+      <p:sp>
+        <p:nvSpPr>
+          <p:cNvPr id="2" name="TextBox 1"/>
+          <p:cNvSpPr txBox="1"/>
+          <p:nvPr/>
+        </p:nvSpPr>
+        <p:spPr>
+          <a:xfrm>
+            <a:off x="11201400" y="3886200"/>
+            <a:ext cx="9525000" cy="4524315"/>
+          </a:xfrm>
+          <a:prstGeom prst="rect">
+            <a:avLst/>
+          </a:prstGeom>
+          <a:noFill/>
+        </p:spPr>
+        <p:txBody>
+          <a:bodyPr wrap="square" rtlCol="0">
+            <a:spAutoFit/>
+          </a:bodyPr>
+          <a:lstStyle/>
+          <a:p>
+            <a:pPr lvl="0"/>
+            <a:r>
+              <a:rPr lang="en-US" sz="2800" b="1" dirty="0" smtClean="0"/>
+              <a:t>Design Constraints/Criteria</a:t>
+            </a:r>
+          </a:p>
+          <a:p>
+            <a:pPr marL="342900" lvl="0" indent="-342900">
+              <a:buFont typeface="Arial" panose="020B0604020202020204" pitchFamily="34" charset="0"/>
+              <a:buChar char="•"/>
+            </a:pPr>
+            <a:r>
+              <a:rPr lang="en-US" sz="2000" dirty="0" smtClean="0"/>
+              <a:t>A </a:t>
+            </a:r>
+            <a:r>
+              <a:rPr lang="en-US" sz="2000" dirty="0"/>
+              <a:t>maximum weight of 35 kg for portability</a:t>
+            </a:r>
+          </a:p>
+          <a:p>
+            <a:pPr marL="342900" lvl="0" indent="-342900">
+              <a:buFont typeface="Arial" panose="020B0604020202020204" pitchFamily="34" charset="0"/>
+              <a:buChar char="•"/>
+            </a:pPr>
+            <a:r>
+              <a:rPr lang="en-US" sz="2000" dirty="0"/>
+              <a:t>Maximum size of 0.75 m x 0.75 m x 1.0 m box for portability</a:t>
+            </a:r>
+          </a:p>
+          <a:p>
+            <a:pPr marL="342900" lvl="0" indent="-342900">
+              <a:buFont typeface="Arial" panose="020B0604020202020204" pitchFamily="34" charset="0"/>
+              <a:buChar char="•"/>
+            </a:pPr>
+            <a:r>
+              <a:rPr lang="en-US" sz="2000" dirty="0"/>
+              <a:t>Custom debug panel creation to facilitate troubleshooting</a:t>
+            </a:r>
+          </a:p>
+          <a:p>
+            <a:pPr marL="342900" lvl="0" indent="-342900">
+              <a:buFont typeface="Arial" panose="020B0604020202020204" pitchFamily="34" charset="0"/>
+              <a:buChar char="•"/>
+            </a:pPr>
+            <a:r>
+              <a:rPr lang="en-US" sz="2000" dirty="0"/>
+              <a:t>MATLAB and Simulink model support to allow mechanical engineering students to update control algorithms without knowledge of C/C++</a:t>
+            </a:r>
+          </a:p>
+          <a:p>
+            <a:pPr marL="342900" lvl="0" indent="-342900">
+              <a:buFont typeface="Arial" panose="020B0604020202020204" pitchFamily="34" charset="0"/>
+              <a:buChar char="•"/>
+            </a:pPr>
+            <a:r>
+              <a:rPr lang="en-US" sz="2000" dirty="0"/>
+              <a:t>Electronic fuses and shielding to protect the robot and operator during use and maintenance</a:t>
+            </a:r>
+          </a:p>
+          <a:p>
+            <a:pPr marL="342900" lvl="0" indent="-342900">
+              <a:buFont typeface="Arial" panose="020B0604020202020204" pitchFamily="34" charset="0"/>
+              <a:buChar char="•"/>
+            </a:pPr>
+            <a:r>
+              <a:rPr lang="en-US" sz="2000" dirty="0"/>
+              <a:t>Mechanical protection to reduce the risk of pinching and self-collision damage to the robot</a:t>
+            </a:r>
+          </a:p>
+          <a:p>
+            <a:pPr marL="342900" lvl="0" indent="-342900">
+              <a:buFont typeface="Arial" panose="020B0604020202020204" pitchFamily="34" charset="0"/>
+              <a:buChar char="•"/>
+            </a:pPr>
+            <a:r>
+              <a:rPr lang="en-US" sz="2000" dirty="0"/>
+              <a:t>An easy to access emergency stop to quickly depower the robot</a:t>
+            </a:r>
+          </a:p>
+          <a:p>
+            <a:pPr marL="342900" lvl="0" indent="-342900">
+              <a:buFont typeface="Arial" panose="020B0604020202020204" pitchFamily="34" charset="0"/>
+              <a:buChar char="•"/>
+            </a:pPr>
+            <a:r>
+              <a:rPr lang="en-US" sz="2000" dirty="0"/>
+              <a:t>A pressure relief valve to reduce the risk of overloading and damaging pneumatic components</a:t>
+            </a:r>
+          </a:p>
+          <a:p>
+            <a:endParaRPr lang="en-US" sz="2000" dirty="0"/>
+          </a:p>
+        </p:txBody>
+      </p:sp>
+      <p:sp>
+        <p:nvSpPr>
+          <p:cNvPr id="10" name="TextBox 9"/>
+          <p:cNvSpPr txBox="1"/>
+          <p:nvPr/>
+        </p:nvSpPr>
+        <p:spPr>
+          <a:xfrm>
+            <a:off x="453247" y="3886200"/>
+            <a:ext cx="9525000" cy="2985433"/>
+          </a:xfrm>
+          <a:prstGeom prst="rect">
+            <a:avLst/>
+          </a:prstGeom>
+          <a:noFill/>
+        </p:spPr>
+        <p:txBody>
+          <a:bodyPr wrap="square" rtlCol="0">
+            <a:spAutoFit/>
+          </a:bodyPr>
+          <a:lstStyle/>
+          <a:p>
+            <a:pPr lvl="0"/>
+            <a:r>
+              <a:rPr lang="en-US" sz="2800" b="1" dirty="0" smtClean="0"/>
+              <a:t>Problem Statement</a:t>
+            </a:r>
+          </a:p>
+          <a:p>
+            <a:r>
+              <a:rPr lang="en-US" sz="2000" dirty="0"/>
+              <a:t>Milwaukee School of Engineering (MSOE) participates in community outreach programs where science, technology, engineering, and mathematics (STEM) topics are demonstrated to encourage younger generations to enter into STEM based degrees and careers. Having an automated control system to demonstrate and interact with would increase the excitement at these outreach programs. Development of a robot with pneumatic locomotion for the Milwaukee School of Engineering’s controls classes would give students a first-hand experience with complex control systems.</a:t>
+            </a:r>
+          </a:p>
+          <a:p>
+            <a:endParaRPr lang="en-US" sz="2000" dirty="0"/>
+          </a:p>
+        </p:txBody>
+      </p:sp>
+      <p:sp>
+        <p:nvSpPr>
+          <p:cNvPr id="11" name="TextBox 10"/>
+          <p:cNvSpPr txBox="1"/>
+          <p:nvPr/>
+        </p:nvSpPr>
+        <p:spPr>
+          <a:xfrm>
+            <a:off x="515861" y="7645122"/>
+            <a:ext cx="9525000" cy="2369880"/>
+          </a:xfrm>
+          <a:prstGeom prst="rect">
+            <a:avLst/>
+          </a:prstGeom>
+          <a:noFill/>
+        </p:spPr>
+        <p:txBody>
+          <a:bodyPr wrap="square" rtlCol="0">
+            <a:spAutoFit/>
+          </a:bodyPr>
+          <a:lstStyle/>
+          <a:p>
+            <a:r>
+              <a:rPr lang="en-US" sz="2800" b="1" dirty="0" smtClean="0"/>
+              <a:t>Mechanical Design</a:t>
+            </a:r>
+          </a:p>
+          <a:p>
+            <a:r>
+              <a:rPr lang="en-US" sz="2000" dirty="0" smtClean="0"/>
+              <a:t>Chassis Construction</a:t>
+            </a:r>
+          </a:p>
+          <a:p>
+            <a:pPr marL="342900" indent="-342900">
+              <a:buFont typeface="Arial" panose="020B0604020202020204" pitchFamily="34" charset="0"/>
+              <a:buChar char="•"/>
+            </a:pPr>
+            <a:r>
+              <a:rPr lang="en-US" sz="2000" dirty="0" smtClean="0"/>
+              <a:t>6105-T5 T-Slotted Aluminum Framing (Yield Strength = 275 </a:t>
+            </a:r>
+            <a:r>
+              <a:rPr lang="en-US" sz="2000" dirty="0" err="1" smtClean="0"/>
+              <a:t>Mpa</a:t>
+            </a:r>
+            <a:r>
+              <a:rPr lang="en-US" sz="2000" dirty="0" smtClean="0"/>
+              <a:t>)</a:t>
+            </a:r>
+          </a:p>
+          <a:p>
+            <a:pPr marL="342900" indent="-342900">
+              <a:buFont typeface="Arial" panose="020B0604020202020204" pitchFamily="34" charset="0"/>
+              <a:buChar char="•"/>
+            </a:pPr>
+            <a:r>
+              <a:rPr lang="en-US" sz="2000" dirty="0" smtClean="0"/>
+              <a:t>6061 Aluminum Plate</a:t>
+            </a:r>
+            <a:r>
+              <a:rPr lang="en-US" sz="2000" dirty="0"/>
+              <a:t> </a:t>
+            </a:r>
+            <a:r>
+              <a:rPr lang="en-US" sz="2000" dirty="0" smtClean="0"/>
+              <a:t>(Yield </a:t>
+            </a:r>
+            <a:r>
+              <a:rPr lang="en-US" sz="2000" dirty="0"/>
+              <a:t>Strength = </a:t>
+            </a:r>
+            <a:r>
+              <a:rPr lang="en-US" sz="2000" dirty="0" smtClean="0"/>
+              <a:t>276 </a:t>
+            </a:r>
+            <a:r>
+              <a:rPr lang="en-US" sz="2000" dirty="0" err="1" smtClean="0"/>
+              <a:t>Mpa</a:t>
+            </a:r>
+            <a:r>
+              <a:rPr lang="en-US" sz="2000" dirty="0" smtClean="0"/>
+              <a:t>)</a:t>
+            </a:r>
+          </a:p>
+          <a:p>
+            <a:r>
+              <a:rPr lang="en-US" sz="2000" dirty="0" smtClean="0"/>
+              <a:t>Leg Construction</a:t>
+            </a:r>
+          </a:p>
+          <a:p>
+            <a:pPr marL="342900" indent="-342900">
+              <a:buFont typeface="Arial" panose="020B0604020202020204" pitchFamily="34" charset="0"/>
+              <a:buChar char="•"/>
+            </a:pPr>
+            <a:r>
+              <a:rPr lang="en-US" sz="2000" dirty="0" smtClean="0"/>
+              <a:t>6061 Aluminum Bar (</a:t>
+            </a:r>
+            <a:r>
+              <a:rPr lang="en-US" sz="2000" dirty="0"/>
+              <a:t>Yield Strength = </a:t>
+            </a:r>
+            <a:r>
+              <a:rPr lang="en-US" sz="2000" dirty="0" smtClean="0"/>
+              <a:t>276 </a:t>
+            </a:r>
+            <a:r>
+              <a:rPr lang="en-US" sz="2000" dirty="0" err="1" smtClean="0"/>
+              <a:t>Mpa</a:t>
+            </a:r>
+            <a:r>
+              <a:rPr lang="en-US" sz="2000" dirty="0" smtClean="0"/>
+              <a:t>)</a:t>
+            </a:r>
+          </a:p>
+          <a:p>
+            <a:endParaRPr lang="en-US" sz="2000" dirty="0"/>
+          </a:p>
+        </p:txBody>
+      </p:sp>
+      <p:grpSp>
+        <p:nvGrpSpPr>
+          <p:cNvPr id="3" name="Group 2"/>
+          <p:cNvGrpSpPr/>
+          <p:nvPr/>
+        </p:nvGrpSpPr>
+        <p:grpSpPr>
+          <a:xfrm>
+            <a:off x="5662855" y="10813266"/>
+            <a:ext cx="5011552" cy="5634355"/>
+            <a:chOff x="586740" y="13258800"/>
+            <a:chExt cx="5943600" cy="6624955"/>
+          </a:xfrm>
+        </p:grpSpPr>
+        <p:pic>
+          <p:nvPicPr>
+            <p:cNvPr id="12" name="Picture 11"/>
+            <p:cNvPicPr/>
+            <p:nvPr/>
+          </p:nvPicPr>
+          <p:blipFill>
+            <a:blip r:embed="rId6"/>
+            <a:stretch>
+              <a:fillRect/>
+            </a:stretch>
+          </p:blipFill>
+          <p:spPr>
+            <a:xfrm>
+              <a:off x="3986774" y="13258800"/>
+              <a:ext cx="2543566" cy="3586162"/>
+            </a:xfrm>
+            <a:prstGeom prst="rect">
+              <a:avLst/>
+            </a:prstGeom>
+          </p:spPr>
+        </p:pic>
+        <p:pic>
+          <p:nvPicPr>
+            <p:cNvPr id="13" name="Picture 12"/>
+            <p:cNvPicPr/>
+            <p:nvPr/>
+          </p:nvPicPr>
+          <p:blipFill>
+            <a:blip r:embed="rId7"/>
+            <a:stretch>
+              <a:fillRect/>
+            </a:stretch>
+          </p:blipFill>
+          <p:spPr>
+            <a:xfrm>
+              <a:off x="614924" y="13258800"/>
+              <a:ext cx="2766060" cy="3451225"/>
+            </a:xfrm>
+            <a:prstGeom prst="rect">
+              <a:avLst/>
+            </a:prstGeom>
+          </p:spPr>
+        </p:pic>
+        <p:pic>
+          <p:nvPicPr>
+            <p:cNvPr id="14" name="Picture 13"/>
+            <p:cNvPicPr/>
+            <p:nvPr/>
+          </p:nvPicPr>
+          <p:blipFill>
+            <a:blip r:embed="rId8"/>
+            <a:stretch>
+              <a:fillRect/>
+            </a:stretch>
+          </p:blipFill>
+          <p:spPr>
+            <a:xfrm>
+              <a:off x="586740" y="17221200"/>
+              <a:ext cx="5943600" cy="2662555"/>
+            </a:xfrm>
+            <a:prstGeom prst="rect">
+              <a:avLst/>
+            </a:prstGeom>
+          </p:spPr>
+        </p:pic>
+      </p:grpSp>
+      <p:sp>
+        <p:nvSpPr>
+          <p:cNvPr id="15" name="TextBox 14"/>
+          <p:cNvSpPr txBox="1"/>
+          <p:nvPr/>
+        </p:nvSpPr>
+        <p:spPr>
+          <a:xfrm>
+            <a:off x="11216640" y="8469510"/>
+            <a:ext cx="9525000" cy="4339650"/>
+          </a:xfrm>
+          <a:prstGeom prst="rect">
+            <a:avLst/>
+          </a:prstGeom>
+          <a:noFill/>
+        </p:spPr>
+        <p:txBody>
+          <a:bodyPr wrap="square" rtlCol="0">
+            <a:spAutoFit/>
+          </a:bodyPr>
+          <a:lstStyle/>
+          <a:p>
+            <a:r>
+              <a:rPr lang="en-US" sz="2800" b="1" dirty="0" smtClean="0"/>
+              <a:t>Pneumatic Design</a:t>
+            </a:r>
+          </a:p>
+          <a:p>
+            <a:r>
+              <a:rPr lang="en-US" sz="2000" dirty="0" smtClean="0"/>
+              <a:t>Using pneumatic systems as the driving force for the legs, the following components will be utilized:</a:t>
+            </a:r>
+          </a:p>
+          <a:p>
+            <a:pPr marL="342900" indent="-342900">
+              <a:buFont typeface="Arial" panose="020B0604020202020204" pitchFamily="34" charset="0"/>
+              <a:buChar char="•"/>
+            </a:pPr>
+            <a:r>
+              <a:rPr lang="en-US" sz="2000" dirty="0" smtClean="0"/>
+              <a:t>Double-acting, air cylinders with position feedback sensors (1.5 in. bore diameter)</a:t>
+            </a:r>
+          </a:p>
+          <a:p>
+            <a:pPr marL="342900" indent="-342900">
+              <a:buFont typeface="Arial" panose="020B0604020202020204" pitchFamily="34" charset="0"/>
+              <a:buChar char="•"/>
+            </a:pPr>
+            <a:r>
+              <a:rPr lang="en-US" sz="2000" dirty="0" smtClean="0"/>
+              <a:t>Two-solenoid 4 way 3 position directional control valves (0.37 </a:t>
+            </a:r>
+            <a:r>
+              <a:rPr lang="en-US" sz="2000" dirty="0" err="1" smtClean="0"/>
+              <a:t>C</a:t>
+            </a:r>
+            <a:r>
+              <a:rPr lang="en-US" sz="2000" baseline="-25000" dirty="0" err="1" smtClean="0"/>
+              <a:t>v</a:t>
+            </a:r>
+            <a:r>
+              <a:rPr lang="en-US" sz="2000" dirty="0" smtClean="0"/>
+              <a:t>)</a:t>
+            </a:r>
+          </a:p>
+          <a:p>
+            <a:pPr marL="342900" indent="-342900">
+              <a:buFont typeface="Arial" panose="020B0604020202020204" pitchFamily="34" charset="0"/>
+              <a:buChar char="•"/>
+            </a:pPr>
+            <a:r>
+              <a:rPr lang="en-US" sz="2000" dirty="0" smtClean="0"/>
+              <a:t>Air-compressor</a:t>
+            </a:r>
+          </a:p>
+          <a:p>
+            <a:pPr marL="342900" indent="-342900">
+              <a:buFont typeface="Arial" panose="020B0604020202020204" pitchFamily="34" charset="0"/>
+              <a:buChar char="•"/>
+            </a:pPr>
+            <a:r>
+              <a:rPr lang="en-US" sz="2000" dirty="0" smtClean="0"/>
+              <a:t>Pressure relief valve</a:t>
+            </a:r>
+          </a:p>
+          <a:p>
+            <a:pPr marL="342900" indent="-342900">
+              <a:buFont typeface="Arial" panose="020B0604020202020204" pitchFamily="34" charset="0"/>
+              <a:buChar char="•"/>
+            </a:pPr>
+            <a:r>
+              <a:rPr lang="en-US" sz="2000" dirty="0" smtClean="0"/>
+              <a:t>Soft start/dump solenoid valve</a:t>
+            </a:r>
+          </a:p>
+          <a:p>
+            <a:pPr marL="342900" indent="-342900">
+              <a:buFont typeface="Arial" panose="020B0604020202020204" pitchFamily="34" charset="0"/>
+              <a:buChar char="•"/>
+            </a:pPr>
+            <a:r>
+              <a:rPr lang="en-US" sz="2000" dirty="0" smtClean="0"/>
+              <a:t>Secondary receiver tank</a:t>
+            </a:r>
+          </a:p>
+          <a:p>
+            <a:endParaRPr lang="en-US" sz="2000" dirty="0" smtClean="0"/>
+          </a:p>
+          <a:p>
+            <a:endParaRPr lang="en-US" sz="2000" dirty="0"/>
+          </a:p>
+          <a:p>
+            <a:endParaRPr lang="en-US" sz="2800" dirty="0" smtClean="0"/>
+          </a:p>
+          <a:p>
+            <a:endParaRPr lang="en-US" sz="2000" dirty="0"/>
+          </a:p>
+        </p:txBody>
+      </p:sp>
+      <p:pic>
+        <p:nvPicPr>
+          <p:cNvPr id="16" name="Picture 15" descr="D:\MyDocs\Documents\Senior Design Git\AgileRoboticControls\System Modelling\Mechanical\Pneumatics\Sample Circuit.png"/>
+          <p:cNvPicPr/>
+          <p:nvPr/>
+        </p:nvPicPr>
+        <p:blipFill>
+          <a:blip r:embed="rId9">
+            <a:extLst>
+              <a:ext uri="{28A0092B-C50C-407E-A947-70E740481C1C}">
+                <a14:useLocalDpi xmlns:a14="http://schemas.microsoft.com/office/drawing/2010/main" val="0"/>
+              </a:ext>
+            </a:extLst>
+          </a:blip>
+          <a:srcRect/>
+          <a:stretch>
+            <a:fillRect/>
+          </a:stretch>
+        </p:blipFill>
+        <p:spPr bwMode="auto">
+          <a:xfrm>
+            <a:off x="12256770" y="11762609"/>
+            <a:ext cx="7444740" cy="3139440"/>
+          </a:xfrm>
+          <a:prstGeom prst="rect">
+            <a:avLst/>
+          </a:prstGeom>
+          <a:noFill/>
+          <a:ln>
+            <a:noFill/>
+          </a:ln>
+        </p:spPr>
+      </p:pic>
+      <p:pic>
+        <p:nvPicPr>
+          <p:cNvPr id="17" name="Picture 16"/>
+          <p:cNvPicPr/>
+          <p:nvPr/>
+        </p:nvPicPr>
+        <p:blipFill>
+          <a:blip r:embed="rId10" cstate="print">
+            <a:extLst>
+              <a:ext uri="{28A0092B-C50C-407E-A947-70E740481C1C}">
+                <a14:useLocalDpi xmlns:a14="http://schemas.microsoft.com/office/drawing/2010/main" val="0"/>
+              </a:ext>
+            </a:extLst>
+          </a:blip>
+          <a:stretch>
+            <a:fillRect/>
+          </a:stretch>
+        </p:blipFill>
+        <p:spPr>
+          <a:xfrm>
+            <a:off x="113602" y="10813266"/>
+            <a:ext cx="4888785" cy="4157169"/>
+          </a:xfrm>
+          <a:prstGeom prst="rect">
+            <a:avLst/>
+          </a:prstGeom>
+          <a:ln>
+            <a:solidFill>
+              <a:schemeClr val="bg1"/>
+            </a:solidFill>
+          </a:ln>
+        </p:spPr>
+      </p:pic>
+      <p:grpSp>
+        <p:nvGrpSpPr>
+          <p:cNvPr id="18" name="Group 17"/>
+          <p:cNvGrpSpPr/>
+          <p:nvPr/>
+        </p:nvGrpSpPr>
+        <p:grpSpPr>
+          <a:xfrm>
+            <a:off x="22936200" y="4813999"/>
+            <a:ext cx="11904784" cy="2831123"/>
+            <a:chOff x="158262" y="2839915"/>
+            <a:chExt cx="11904784" cy="2831123"/>
+          </a:xfrm>
+        </p:grpSpPr>
+        <p:grpSp>
+          <p:nvGrpSpPr>
+            <p:cNvPr id="19" name="Group 18"/>
+            <p:cNvGrpSpPr/>
+            <p:nvPr/>
+          </p:nvGrpSpPr>
+          <p:grpSpPr>
+            <a:xfrm>
+              <a:off x="158262" y="2839915"/>
+              <a:ext cx="11904784" cy="2831123"/>
+              <a:chOff x="158262" y="2839915"/>
+              <a:chExt cx="11904784" cy="2831123"/>
+            </a:xfrm>
+          </p:grpSpPr>
+          <p:sp>
+            <p:nvSpPr>
+              <p:cNvPr id="26" name="Rectangle 25"/>
+              <p:cNvSpPr/>
+              <p:nvPr/>
+            </p:nvSpPr>
+            <p:spPr>
+              <a:xfrm>
+                <a:off x="158262" y="2839915"/>
+                <a:ext cx="11904784" cy="2831123"/>
+              </a:xfrm>
+              <a:prstGeom prst="rect">
+                <a:avLst/>
+              </a:prstGeom>
+              <a:solidFill>
+                <a:schemeClr val="bg1"/>
+              </a:solidFill>
+              <a:ln>
+                <a:solidFill>
+                  <a:schemeClr val="tx1"/>
+                </a:solidFill>
+              </a:ln>
+            </p:spPr>
+            <p:style>
+              <a:lnRef idx="2">
+                <a:schemeClr val="accent1">
+                  <a:shade val="50000"/>
+                </a:schemeClr>
+              </a:lnRef>
+              <a:fillRef idx="1">
+                <a:schemeClr val="accent1"/>
+              </a:fillRef>
+              <a:effectRef idx="0">
+                <a:schemeClr val="accent1"/>
+              </a:effectRef>
+              <a:fontRef idx="minor">
+                <a:schemeClr val="lt1"/>
+              </a:fontRef>
+            </p:style>
+            <p:txBody>
+              <a:bodyPr rtlCol="0" anchor="ctr"/>
+              <a:lstStyle/>
+              <a:p>
+                <a:pPr algn="ctr"/>
+                <a:endParaRPr lang="en-US"/>
+              </a:p>
+            </p:txBody>
+          </p:sp>
+          <p:pic>
+            <p:nvPicPr>
+              <p:cNvPr id="27" name="Picture 26"/>
+              <p:cNvPicPr>
+                <a:picLocks noChangeAspect="1"/>
+              </p:cNvPicPr>
+              <p:nvPr/>
+            </p:nvPicPr>
+            <p:blipFill>
+              <a:blip r:embed="rId11">
+                <a:extLst>
+                  <a:ext uri="{28A0092B-C50C-407E-A947-70E740481C1C}">
+                    <a14:useLocalDpi xmlns:a14="http://schemas.microsoft.com/office/drawing/2010/main" val="0"/>
+                  </a:ext>
+                </a:extLst>
+              </a:blip>
+              <a:stretch>
+                <a:fillRect/>
+              </a:stretch>
+            </p:blipFill>
+            <p:spPr>
+              <a:xfrm>
+                <a:off x="318463" y="2948917"/>
+                <a:ext cx="11601656" cy="2563363"/>
+              </a:xfrm>
+              <a:prstGeom prst="rect">
+                <a:avLst/>
+              </a:prstGeom>
+            </p:spPr>
+          </p:pic>
+        </p:grpSp>
+        <p:grpSp>
+          <p:nvGrpSpPr>
+            <p:cNvPr id="20" name="Group 19"/>
+            <p:cNvGrpSpPr/>
+            <p:nvPr/>
+          </p:nvGrpSpPr>
+          <p:grpSpPr>
+            <a:xfrm>
+              <a:off x="641874" y="2977740"/>
+              <a:ext cx="3912872" cy="2496851"/>
+              <a:chOff x="641874" y="2977740"/>
+              <a:chExt cx="3912872" cy="2496851"/>
+            </a:xfrm>
+          </p:grpSpPr>
+          <p:sp>
+            <p:nvSpPr>
+              <p:cNvPr id="21" name="TextBox 20"/>
+              <p:cNvSpPr txBox="1"/>
+              <p:nvPr/>
+            </p:nvSpPr>
+            <p:spPr>
+              <a:xfrm>
+                <a:off x="2122099" y="2977740"/>
+                <a:ext cx="914400" cy="769441"/>
+              </a:xfrm>
+              <a:prstGeom prst="rect">
+                <a:avLst/>
+              </a:prstGeom>
+              <a:solidFill>
+                <a:schemeClr val="bg1"/>
+              </a:solidFill>
+              <a:ln>
+                <a:solidFill>
+                  <a:schemeClr val="bg1"/>
+                </a:solidFill>
+              </a:ln>
+            </p:spPr>
+            <p:txBody>
+              <a:bodyPr wrap="square" rtlCol="0">
+                <a:spAutoFit/>
+              </a:bodyPr>
+              <a:lstStyle/>
+              <a:p>
+                <a:endParaRPr lang="en-US" sz="1100" dirty="0" smtClean="0">
+                  <a:latin typeface="Arial" panose="020B0604020202020204" pitchFamily="34" charset="0"/>
+                  <a:cs typeface="Arial" panose="020B0604020202020204" pitchFamily="34" charset="0"/>
+                </a:endParaRPr>
+              </a:p>
+              <a:p>
+                <a:r>
+                  <a:rPr lang="en-US" sz="1100" dirty="0" smtClean="0">
+                    <a:latin typeface="Arial" panose="020B0604020202020204" pitchFamily="34" charset="0"/>
+                    <a:cs typeface="Arial" panose="020B0604020202020204" pitchFamily="34" charset="0"/>
+                  </a:rPr>
+                  <a:t>Inverse Leg Kinematics</a:t>
+                </a:r>
+              </a:p>
+              <a:p>
+                <a:endParaRPr lang="en-US" sz="1100" dirty="0">
+                  <a:latin typeface="Arial" panose="020B0604020202020204" pitchFamily="34" charset="0"/>
+                  <a:cs typeface="Arial" panose="020B0604020202020204" pitchFamily="34" charset="0"/>
+                </a:endParaRPr>
+              </a:p>
+            </p:txBody>
+          </p:sp>
+          <p:sp>
+            <p:nvSpPr>
+              <p:cNvPr id="22" name="TextBox 21"/>
+              <p:cNvSpPr txBox="1"/>
+              <p:nvPr/>
+            </p:nvSpPr>
+            <p:spPr>
+              <a:xfrm>
+                <a:off x="1699404" y="4696524"/>
+                <a:ext cx="983412" cy="769441"/>
+              </a:xfrm>
+              <a:prstGeom prst="rect">
+                <a:avLst/>
+              </a:prstGeom>
+              <a:solidFill>
+                <a:schemeClr val="bg1"/>
+              </a:solidFill>
+              <a:ln>
+                <a:solidFill>
+                  <a:schemeClr val="bg1"/>
+                </a:solidFill>
+              </a:ln>
+            </p:spPr>
+            <p:txBody>
+              <a:bodyPr wrap="square" rtlCol="0">
+                <a:spAutoFit/>
+              </a:bodyPr>
+              <a:lstStyle/>
+              <a:p>
+                <a:endParaRPr lang="en-US" sz="1100" dirty="0" smtClean="0">
+                  <a:latin typeface="Arial" panose="020B0604020202020204" pitchFamily="34" charset="0"/>
+                  <a:cs typeface="Arial" panose="020B0604020202020204" pitchFamily="34" charset="0"/>
+                </a:endParaRPr>
+              </a:p>
+              <a:p>
+                <a:r>
+                  <a:rPr lang="en-US" sz="1100" dirty="0" smtClean="0">
+                    <a:latin typeface="Arial" panose="020B0604020202020204" pitchFamily="34" charset="0"/>
+                    <a:cs typeface="Arial" panose="020B0604020202020204" pitchFamily="34" charset="0"/>
+                  </a:rPr>
+                  <a:t>Forward Leg Kinematics</a:t>
+                </a:r>
+              </a:p>
+              <a:p>
+                <a:endParaRPr lang="en-US" sz="1100" dirty="0">
+                  <a:latin typeface="Arial" panose="020B0604020202020204" pitchFamily="34" charset="0"/>
+                  <a:cs typeface="Arial" panose="020B0604020202020204" pitchFamily="34" charset="0"/>
+                </a:endParaRPr>
+              </a:p>
+            </p:txBody>
+          </p:sp>
+          <p:sp>
+            <p:nvSpPr>
+              <p:cNvPr id="23" name="TextBox 22"/>
+              <p:cNvSpPr txBox="1"/>
+              <p:nvPr/>
+            </p:nvSpPr>
+            <p:spPr>
+              <a:xfrm>
+                <a:off x="3579961" y="2977740"/>
+                <a:ext cx="974785" cy="769441"/>
+              </a:xfrm>
+              <a:prstGeom prst="rect">
+                <a:avLst/>
+              </a:prstGeom>
+              <a:solidFill>
+                <a:schemeClr val="bg1"/>
+              </a:solidFill>
+              <a:ln>
+                <a:solidFill>
+                  <a:schemeClr val="bg1"/>
+                </a:solidFill>
+              </a:ln>
+            </p:spPr>
+            <p:txBody>
+              <a:bodyPr wrap="square" rtlCol="0">
+                <a:spAutoFit/>
+              </a:bodyPr>
+              <a:lstStyle/>
+              <a:p>
+                <a:r>
+                  <a:rPr lang="en-US" sz="1100" dirty="0" smtClean="0">
+                    <a:latin typeface="Arial" panose="020B0604020202020204" pitchFamily="34" charset="0"/>
+                    <a:cs typeface="Arial" panose="020B0604020202020204" pitchFamily="34" charset="0"/>
+                  </a:rPr>
+                  <a:t>Angle to Cylinder Length</a:t>
+                </a:r>
+              </a:p>
+              <a:p>
+                <a:endParaRPr lang="en-US" sz="1100" dirty="0">
+                  <a:latin typeface="Arial" panose="020B0604020202020204" pitchFamily="34" charset="0"/>
+                  <a:cs typeface="Arial" panose="020B0604020202020204" pitchFamily="34" charset="0"/>
+                </a:endParaRPr>
+              </a:p>
+            </p:txBody>
+          </p:sp>
+          <p:sp>
+            <p:nvSpPr>
+              <p:cNvPr id="24" name="TextBox 23"/>
+              <p:cNvSpPr txBox="1"/>
+              <p:nvPr/>
+            </p:nvSpPr>
+            <p:spPr>
+              <a:xfrm>
+                <a:off x="3441939" y="4705150"/>
+                <a:ext cx="974784" cy="769441"/>
+              </a:xfrm>
+              <a:prstGeom prst="rect">
+                <a:avLst/>
+              </a:prstGeom>
+              <a:solidFill>
+                <a:schemeClr val="bg1"/>
+              </a:solidFill>
+              <a:ln>
+                <a:solidFill>
+                  <a:schemeClr val="bg1"/>
+                </a:solidFill>
+              </a:ln>
+            </p:spPr>
+            <p:txBody>
+              <a:bodyPr wrap="square" rtlCol="0">
+                <a:spAutoFit/>
+              </a:bodyPr>
+              <a:lstStyle/>
+              <a:p>
+                <a:r>
+                  <a:rPr lang="en-US" sz="1100" dirty="0" smtClean="0">
+                    <a:latin typeface="Arial" panose="020B0604020202020204" pitchFamily="34" charset="0"/>
+                    <a:cs typeface="Arial" panose="020B0604020202020204" pitchFamily="34" charset="0"/>
+                  </a:rPr>
+                  <a:t>Cylinder Length to Angle</a:t>
+                </a:r>
+              </a:p>
+              <a:p>
+                <a:endParaRPr lang="en-US" sz="1100" dirty="0">
+                  <a:latin typeface="Arial" panose="020B0604020202020204" pitchFamily="34" charset="0"/>
+                  <a:cs typeface="Arial" panose="020B0604020202020204" pitchFamily="34" charset="0"/>
+                </a:endParaRPr>
+              </a:p>
+            </p:txBody>
+          </p:sp>
+          <p:sp>
+            <p:nvSpPr>
+              <p:cNvPr id="25" name="TextBox 24"/>
+              <p:cNvSpPr txBox="1"/>
+              <p:nvPr/>
+            </p:nvSpPr>
+            <p:spPr>
+              <a:xfrm>
+                <a:off x="641874" y="2977740"/>
+                <a:ext cx="999077" cy="769441"/>
+              </a:xfrm>
+              <a:prstGeom prst="rect">
+                <a:avLst/>
+              </a:prstGeom>
+              <a:solidFill>
+                <a:schemeClr val="bg1"/>
+              </a:solidFill>
+              <a:ln>
+                <a:solidFill>
+                  <a:schemeClr val="bg1"/>
+                </a:solidFill>
+              </a:ln>
+            </p:spPr>
+            <p:txBody>
+              <a:bodyPr wrap="square" rtlCol="0">
+                <a:spAutoFit/>
+              </a:bodyPr>
+              <a:lstStyle/>
+              <a:p>
+                <a:r>
+                  <a:rPr lang="en-US" sz="1100" dirty="0" smtClean="0">
+                    <a:latin typeface="Arial" panose="020B0604020202020204" pitchFamily="34" charset="0"/>
+                    <a:cs typeface="Arial" panose="020B0604020202020204" pitchFamily="34" charset="0"/>
+                  </a:rPr>
+                  <a:t>Desired Foot Position</a:t>
+                </a:r>
+                <a:endParaRPr lang="en-US" sz="1100" dirty="0">
+                  <a:latin typeface="Arial" panose="020B0604020202020204" pitchFamily="34" charset="0"/>
+                  <a:cs typeface="Arial" panose="020B0604020202020204" pitchFamily="34" charset="0"/>
+                </a:endParaRPr>
+              </a:p>
+              <a:p>
+                <a:r>
+                  <a:rPr lang="en-US" sz="1100" dirty="0" smtClean="0">
+                    <a:latin typeface="Arial" panose="020B0604020202020204" pitchFamily="34" charset="0"/>
+                    <a:cs typeface="Arial" panose="020B0604020202020204" pitchFamily="34" charset="0"/>
+                  </a:rPr>
+                  <a:t>Set by State Machine</a:t>
+                </a:r>
+                <a:endParaRPr lang="en-US" sz="1100" dirty="0">
+                  <a:latin typeface="Arial" panose="020B0604020202020204" pitchFamily="34" charset="0"/>
+                  <a:cs typeface="Arial" panose="020B0604020202020204" pitchFamily="34" charset="0"/>
+                </a:endParaRPr>
+              </a:p>
+            </p:txBody>
+          </p:sp>
+        </p:grpSp>
+      </p:grpSp>
+      <p:sp>
+        <p:nvSpPr>
+          <p:cNvPr id="28" name="TextBox 27"/>
+          <p:cNvSpPr txBox="1"/>
+          <p:nvPr/>
+        </p:nvSpPr>
+        <p:spPr>
+          <a:xfrm>
+            <a:off x="23107211" y="3886200"/>
+            <a:ext cx="9525000" cy="523220"/>
+          </a:xfrm>
+          <a:prstGeom prst="rect">
+            <a:avLst/>
+          </a:prstGeom>
+          <a:noFill/>
+        </p:spPr>
+        <p:txBody>
+          <a:bodyPr wrap="square" rtlCol="0">
+            <a:spAutoFit/>
+          </a:bodyPr>
+          <a:lstStyle/>
+          <a:p>
+            <a:r>
+              <a:rPr lang="en-US" sz="2800" b="1" dirty="0" smtClean="0"/>
+              <a:t>Control System</a:t>
+            </a:r>
+            <a:endParaRPr lang="en-US" sz="2000" dirty="0"/>
+          </a:p>
+        </p:txBody>
+      </p:sp>
+      <p:sp>
+        <p:nvSpPr>
+          <p:cNvPr id="4" name="TextBox 3"/>
+          <p:cNvSpPr txBox="1"/>
+          <p:nvPr/>
+        </p:nvSpPr>
+        <p:spPr>
+          <a:xfrm>
+            <a:off x="10127150" y="-31224"/>
+            <a:ext cx="13792200" cy="3631763"/>
+          </a:xfrm>
+          <a:prstGeom prst="rect">
+            <a:avLst/>
+          </a:prstGeom>
+          <a:noFill/>
+        </p:spPr>
+        <p:txBody>
+          <a:bodyPr wrap="square" rtlCol="0">
+            <a:spAutoFit/>
+          </a:bodyPr>
+          <a:lstStyle/>
+          <a:p>
+            <a:r>
+              <a:rPr lang="en-US" sz="5400" b="1" dirty="0"/>
+              <a:t>Development of an Agile Educational Robot</a:t>
+            </a:r>
+            <a:endParaRPr lang="en-US" sz="5400" dirty="0"/>
+          </a:p>
+          <a:p>
+            <a:pPr algn="ctr"/>
+            <a:r>
+              <a:rPr lang="en-US" sz="4800" dirty="0"/>
+              <a:t>Team A.R.C</a:t>
+            </a:r>
+            <a:r>
+              <a:rPr lang="en-US" sz="4800" dirty="0" smtClean="0"/>
+              <a:t>.</a:t>
+            </a:r>
+          </a:p>
+          <a:p>
+            <a:pPr algn="ctr"/>
+            <a:r>
+              <a:rPr lang="en-US" sz="2000" dirty="0"/>
+              <a:t>Logan Beaver</a:t>
+            </a:r>
+          </a:p>
+          <a:p>
+            <a:pPr algn="ctr"/>
+            <a:r>
+              <a:rPr lang="en-US" sz="2000" dirty="0"/>
+              <a:t>Justin Campbell</a:t>
+            </a:r>
+          </a:p>
+          <a:p>
+            <a:pPr algn="ctr"/>
+            <a:r>
+              <a:rPr lang="en-US" sz="2000" dirty="0"/>
+              <a:t>Tyler Paddock</a:t>
+            </a:r>
+          </a:p>
+          <a:p>
+            <a:pPr algn="ctr"/>
+            <a:r>
+              <a:rPr lang="en-US" sz="2000" dirty="0"/>
+              <a:t>Ronald Shipman</a:t>
+            </a:r>
+          </a:p>
+          <a:p>
+            <a:pPr algn="ctr"/>
+            <a:endParaRPr lang="en-US" sz="4800" dirty="0"/>
+          </a:p>
+        </p:txBody>
+      </p:sp>
+      <p:sp>
+        <p:nvSpPr>
+          <p:cNvPr id="30" name="TextBox 29"/>
+          <p:cNvSpPr txBox="1"/>
+          <p:nvPr/>
+        </p:nvSpPr>
+        <p:spPr>
+          <a:xfrm>
+            <a:off x="762000" y="1584603"/>
+            <a:ext cx="1826474" cy="400110"/>
+          </a:xfrm>
+          <a:prstGeom prst="rect">
+            <a:avLst/>
+          </a:prstGeom>
+          <a:noFill/>
+        </p:spPr>
+        <p:txBody>
+          <a:bodyPr wrap="square" rtlCol="0">
+            <a:spAutoFit/>
+          </a:bodyPr>
+          <a:lstStyle/>
+          <a:p>
+            <a:r>
+              <a:rPr lang="en-US" sz="2000" dirty="0" smtClean="0"/>
+              <a:t>Spring, 2015</a:t>
+            </a:r>
+            <a:endParaRPr lang="en-US" sz="2000" dirty="0"/>
+          </a:p>
+        </p:txBody>
+      </p:sp>
+      <p:sp>
+        <p:nvSpPr>
+          <p:cNvPr id="31" name="TextBox 30"/>
+          <p:cNvSpPr txBox="1"/>
+          <p:nvPr/>
+        </p:nvSpPr>
+        <p:spPr>
+          <a:xfrm>
+            <a:off x="27227791" y="26140247"/>
+            <a:ext cx="8124224" cy="1815882"/>
+          </a:xfrm>
+          <a:prstGeom prst="rect">
+            <a:avLst/>
+          </a:prstGeom>
+          <a:noFill/>
+        </p:spPr>
+        <p:txBody>
+          <a:bodyPr wrap="square" rtlCol="0">
+            <a:spAutoFit/>
+          </a:bodyPr>
+          <a:lstStyle/>
+          <a:p>
+            <a:r>
+              <a:rPr lang="en-US" sz="2800" b="1" dirty="0" smtClean="0"/>
+              <a:t>Acknowledgements</a:t>
+            </a:r>
+          </a:p>
+          <a:p>
+            <a:r>
+              <a:rPr lang="en-US" sz="2800" i="1" dirty="0" smtClean="0"/>
+              <a:t>Special thanks to Joy Global, Inc., the National Fluid Power Association, Emerson and  Dr. Luis A. Rodriguez for their support</a:t>
+            </a:r>
+            <a:endParaRPr lang="en-US" sz="2800" i="1" dirty="0"/>
+          </a:p>
+        </p:txBody>
+      </p:sp>
+      <p:sp>
+        <p:nvSpPr>
+          <p:cNvPr id="33" name="TextBox 32"/>
+          <p:cNvSpPr txBox="1"/>
+          <p:nvPr/>
+        </p:nvSpPr>
+        <p:spPr>
+          <a:xfrm>
+            <a:off x="300847" y="17983200"/>
+            <a:ext cx="9525000" cy="830997"/>
+          </a:xfrm>
+          <a:prstGeom prst="rect">
+            <a:avLst/>
+          </a:prstGeom>
+          <a:noFill/>
+        </p:spPr>
+        <p:txBody>
+          <a:bodyPr wrap="square" rtlCol="0">
+            <a:spAutoFit/>
+          </a:bodyPr>
+          <a:lstStyle/>
+          <a:p>
+            <a:r>
+              <a:rPr lang="en-US" sz="2800" b="1" dirty="0" smtClean="0"/>
+              <a:t>Electrical Design</a:t>
+            </a:r>
+          </a:p>
+          <a:p>
+            <a:endParaRPr lang="en-US" sz="2000" dirty="0"/>
+          </a:p>
+        </p:txBody>
+      </p:sp>
+      <p:pic>
+        <p:nvPicPr>
+          <p:cNvPr id="34" name="Content Placeholder 3"/>
+          <p:cNvPicPr>
+            <a:picLocks noChangeAspect="1"/>
+          </p:cNvPicPr>
+          <p:nvPr/>
+        </p:nvPicPr>
+        <p:blipFill>
+          <a:blip r:embed="rId12"/>
+          <a:stretch>
+            <a:fillRect/>
+          </a:stretch>
+        </p:blipFill>
+        <p:spPr>
+          <a:xfrm>
+            <a:off x="27311472" y="7990357"/>
+            <a:ext cx="7942105" cy="4351338"/>
+          </a:xfrm>
+          <a:prstGeom prst="rect">
+            <a:avLst/>
+          </a:prstGeom>
+        </p:spPr>
+      </p:pic>
+      <p:pic>
+        <p:nvPicPr>
+          <p:cNvPr id="35" name="Content Placeholder 3"/>
+          <p:cNvPicPr>
+            <a:picLocks noChangeAspect="1"/>
+          </p:cNvPicPr>
+          <p:nvPr/>
+        </p:nvPicPr>
+        <p:blipFill>
+          <a:blip r:embed="rId13">
+            <a:extLst>
+              <a:ext uri="{28A0092B-C50C-407E-A947-70E740481C1C}">
+                <a14:useLocalDpi xmlns:a14="http://schemas.microsoft.com/office/drawing/2010/main" val="0"/>
+              </a:ext>
+            </a:extLst>
+          </a:blip>
+          <a:stretch>
+            <a:fillRect/>
+          </a:stretch>
+        </p:blipFill>
+        <p:spPr>
+          <a:xfrm>
+            <a:off x="453247" y="23964578"/>
+            <a:ext cx="6457020" cy="4351338"/>
+          </a:xfrm>
+          <a:prstGeom prst="rect">
+            <a:avLst/>
+          </a:prstGeom>
+        </p:spPr>
+      </p:pic>
+      <p:pic>
+        <p:nvPicPr>
+          <p:cNvPr id="36" name="Picture 35"/>
+          <p:cNvPicPr/>
+          <p:nvPr/>
+        </p:nvPicPr>
+        <p:blipFill>
+          <a:blip r:embed="rId14" cstate="print">
+            <a:extLst>
+              <a:ext uri="{28A0092B-C50C-407E-A947-70E740481C1C}">
+                <a14:useLocalDpi xmlns:a14="http://schemas.microsoft.com/office/drawing/2010/main" val="0"/>
+              </a:ext>
+            </a:extLst>
+          </a:blip>
+          <a:stretch>
+            <a:fillRect/>
+          </a:stretch>
+        </p:blipFill>
+        <p:spPr>
+          <a:xfrm>
+            <a:off x="515861" y="20726400"/>
+            <a:ext cx="5943600" cy="2583815"/>
+          </a:xfrm>
+          <a:prstGeom prst="rect">
+            <a:avLst/>
+          </a:prstGeom>
         </p:spPr>
       </p:pic>
     </p:spTree>

--- a/Documentation/Design Show Poster/Senior Design Show Poster.pptx
+++ b/Documentation/Design Show Poster/Senior Design Show Poster.pptx
@@ -104,6 +104,22 @@
       </a:defRPr>
     </a:lvl9pPr>
   </p:defaultTextStyle>
+  <p:extLst>
+    <p:ext uri="{EFAFB233-063F-42B5-8137-9DF3F51BA10A}">
+      <p15:sldGuideLst xmlns:p15="http://schemas.microsoft.com/office/powerpoint/2012/main">
+        <p15:guide id="1" orient="horz" pos="9216">
+          <p15:clr>
+            <a:srgbClr val="A4A3A4"/>
+          </p15:clr>
+        </p15:guide>
+        <p15:guide id="2" pos="11520">
+          <p15:clr>
+            <a:srgbClr val="A4A3A4"/>
+          </p15:clr>
+        </p15:guide>
+      </p15:sldGuideLst>
+    </p:ext>
+  </p:extLst>
 </p:presentation>
 </file>
 
@@ -288,7 +304,7 @@
           <a:p>
             <a:fld id="{08F7D037-1E52-45C7-976A-93EFD4975647}" type="datetimeFigureOut">
               <a:rPr lang="en-US" smtClean="0"/>
-              <a:t>5/8/2015</a:t>
+              <a:t>5/12/2015</a:t>
             </a:fld>
             <a:endParaRPr lang="en-US"/>
           </a:p>
@@ -458,7 +474,7 @@
           <a:p>
             <a:fld id="{08F7D037-1E52-45C7-976A-93EFD4975647}" type="datetimeFigureOut">
               <a:rPr lang="en-US" smtClean="0"/>
-              <a:t>5/8/2015</a:t>
+              <a:t>5/12/2015</a:t>
             </a:fld>
             <a:endParaRPr lang="en-US"/>
           </a:p>
@@ -638,7 +654,7 @@
           <a:p>
             <a:fld id="{08F7D037-1E52-45C7-976A-93EFD4975647}" type="datetimeFigureOut">
               <a:rPr lang="en-US" smtClean="0"/>
-              <a:t>5/8/2015</a:t>
+              <a:t>5/12/2015</a:t>
             </a:fld>
             <a:endParaRPr lang="en-US"/>
           </a:p>
@@ -808,7 +824,7 @@
           <a:p>
             <a:fld id="{08F7D037-1E52-45C7-976A-93EFD4975647}" type="datetimeFigureOut">
               <a:rPr lang="en-US" smtClean="0"/>
-              <a:t>5/8/2015</a:t>
+              <a:t>5/12/2015</a:t>
             </a:fld>
             <a:endParaRPr lang="en-US"/>
           </a:p>
@@ -1054,7 +1070,7 @@
           <a:p>
             <a:fld id="{08F7D037-1E52-45C7-976A-93EFD4975647}" type="datetimeFigureOut">
               <a:rPr lang="en-US" smtClean="0"/>
-              <a:t>5/8/2015</a:t>
+              <a:t>5/12/2015</a:t>
             </a:fld>
             <a:endParaRPr lang="en-US"/>
           </a:p>
@@ -1342,7 +1358,7 @@
           <a:p>
             <a:fld id="{08F7D037-1E52-45C7-976A-93EFD4975647}" type="datetimeFigureOut">
               <a:rPr lang="en-US" smtClean="0"/>
-              <a:t>5/8/2015</a:t>
+              <a:t>5/12/2015</a:t>
             </a:fld>
             <a:endParaRPr lang="en-US"/>
           </a:p>
@@ -1769,7 +1785,7 @@
           <a:p>
             <a:fld id="{08F7D037-1E52-45C7-976A-93EFD4975647}" type="datetimeFigureOut">
               <a:rPr lang="en-US" smtClean="0"/>
-              <a:t>5/8/2015</a:t>
+              <a:t>5/12/2015</a:t>
             </a:fld>
             <a:endParaRPr lang="en-US"/>
           </a:p>
@@ -1887,7 +1903,7 @@
           <a:p>
             <a:fld id="{08F7D037-1E52-45C7-976A-93EFD4975647}" type="datetimeFigureOut">
               <a:rPr lang="en-US" smtClean="0"/>
-              <a:t>5/8/2015</a:t>
+              <a:t>5/12/2015</a:t>
             </a:fld>
             <a:endParaRPr lang="en-US"/>
           </a:p>
@@ -1982,7 +1998,7 @@
           <a:p>
             <a:fld id="{08F7D037-1E52-45C7-976A-93EFD4975647}" type="datetimeFigureOut">
               <a:rPr lang="en-US" smtClean="0"/>
-              <a:t>5/8/2015</a:t>
+              <a:t>5/12/2015</a:t>
             </a:fld>
             <a:endParaRPr lang="en-US"/>
           </a:p>
@@ -2259,7 +2275,7 @@
           <a:p>
             <a:fld id="{08F7D037-1E52-45C7-976A-93EFD4975647}" type="datetimeFigureOut">
               <a:rPr lang="en-US" smtClean="0"/>
-              <a:t>5/8/2015</a:t>
+              <a:t>5/12/2015</a:t>
             </a:fld>
             <a:endParaRPr lang="en-US"/>
           </a:p>
@@ -2512,7 +2528,7 @@
           <a:p>
             <a:fld id="{08F7D037-1E52-45C7-976A-93EFD4975647}" type="datetimeFigureOut">
               <a:rPr lang="en-US" smtClean="0"/>
-              <a:t>5/8/2015</a:t>
+              <a:t>5/12/2015</a:t>
             </a:fld>
             <a:endParaRPr lang="en-US"/>
           </a:p>
@@ -2725,7 +2741,7 @@
           <a:p>
             <a:fld id="{08F7D037-1E52-45C7-976A-93EFD4975647}" type="datetimeFigureOut">
               <a:rPr lang="en-US" smtClean="0"/>
-              <a:t>5/8/2015</a:t>
+              <a:t>5/12/2015</a:t>
             </a:fld>
             <a:endParaRPr lang="en-US"/>
           </a:p>
@@ -3862,377 +3878,6 @@
           </a:ln>
         </p:spPr>
       </p:pic>
-      <p:grpSp>
-        <p:nvGrpSpPr>
-          <p:cNvPr id="18" name="Group 17"/>
-          <p:cNvGrpSpPr/>
-          <p:nvPr/>
-        </p:nvGrpSpPr>
-        <p:grpSpPr>
-          <a:xfrm>
-            <a:off x="22936200" y="4813999"/>
-            <a:ext cx="11904784" cy="2831123"/>
-            <a:chOff x="158262" y="2839915"/>
-            <a:chExt cx="11904784" cy="2831123"/>
-          </a:xfrm>
-        </p:grpSpPr>
-        <p:grpSp>
-          <p:nvGrpSpPr>
-            <p:cNvPr id="19" name="Group 18"/>
-            <p:cNvGrpSpPr/>
-            <p:nvPr/>
-          </p:nvGrpSpPr>
-          <p:grpSpPr>
-            <a:xfrm>
-              <a:off x="158262" y="2839915"/>
-              <a:ext cx="11904784" cy="2831123"/>
-              <a:chOff x="158262" y="2839915"/>
-              <a:chExt cx="11904784" cy="2831123"/>
-            </a:xfrm>
-          </p:grpSpPr>
-          <p:sp>
-            <p:nvSpPr>
-              <p:cNvPr id="26" name="Rectangle 25"/>
-              <p:cNvSpPr/>
-              <p:nvPr/>
-            </p:nvSpPr>
-            <p:spPr>
-              <a:xfrm>
-                <a:off x="158262" y="2839915"/>
-                <a:ext cx="11904784" cy="2831123"/>
-              </a:xfrm>
-              <a:prstGeom prst="rect">
-                <a:avLst/>
-              </a:prstGeom>
-              <a:solidFill>
-                <a:schemeClr val="bg1"/>
-              </a:solidFill>
-              <a:ln>
-                <a:solidFill>
-                  <a:schemeClr val="tx1"/>
-                </a:solidFill>
-              </a:ln>
-            </p:spPr>
-            <p:style>
-              <a:lnRef idx="2">
-                <a:schemeClr val="accent1">
-                  <a:shade val="50000"/>
-                </a:schemeClr>
-              </a:lnRef>
-              <a:fillRef idx="1">
-                <a:schemeClr val="accent1"/>
-              </a:fillRef>
-              <a:effectRef idx="0">
-                <a:schemeClr val="accent1"/>
-              </a:effectRef>
-              <a:fontRef idx="minor">
-                <a:schemeClr val="lt1"/>
-              </a:fontRef>
-            </p:style>
-            <p:txBody>
-              <a:bodyPr rtlCol="0" anchor="ctr"/>
-              <a:lstStyle/>
-              <a:p>
-                <a:pPr algn="ctr"/>
-                <a:endParaRPr lang="en-US"/>
-              </a:p>
-            </p:txBody>
-          </p:sp>
-          <p:pic>
-            <p:nvPicPr>
-              <p:cNvPr id="27" name="Picture 26"/>
-              <p:cNvPicPr>
-                <a:picLocks noChangeAspect="1"/>
-              </p:cNvPicPr>
-              <p:nvPr/>
-            </p:nvPicPr>
-            <p:blipFill>
-              <a:blip r:embed="rId11">
-                <a:extLst>
-                  <a:ext uri="{28A0092B-C50C-407E-A947-70E740481C1C}">
-                    <a14:useLocalDpi xmlns:a14="http://schemas.microsoft.com/office/drawing/2010/main" val="0"/>
-                  </a:ext>
-                </a:extLst>
-              </a:blip>
-              <a:stretch>
-                <a:fillRect/>
-              </a:stretch>
-            </p:blipFill>
-            <p:spPr>
-              <a:xfrm>
-                <a:off x="318463" y="2948917"/>
-                <a:ext cx="11601656" cy="2563363"/>
-              </a:xfrm>
-              <a:prstGeom prst="rect">
-                <a:avLst/>
-              </a:prstGeom>
-            </p:spPr>
-          </p:pic>
-        </p:grpSp>
-        <p:grpSp>
-          <p:nvGrpSpPr>
-            <p:cNvPr id="20" name="Group 19"/>
-            <p:cNvGrpSpPr/>
-            <p:nvPr/>
-          </p:nvGrpSpPr>
-          <p:grpSpPr>
-            <a:xfrm>
-              <a:off x="641874" y="2977740"/>
-              <a:ext cx="3912872" cy="2496851"/>
-              <a:chOff x="641874" y="2977740"/>
-              <a:chExt cx="3912872" cy="2496851"/>
-            </a:xfrm>
-          </p:grpSpPr>
-          <p:sp>
-            <p:nvSpPr>
-              <p:cNvPr id="21" name="TextBox 20"/>
-              <p:cNvSpPr txBox="1"/>
-              <p:nvPr/>
-            </p:nvSpPr>
-            <p:spPr>
-              <a:xfrm>
-                <a:off x="2122099" y="2977740"/>
-                <a:ext cx="914400" cy="769441"/>
-              </a:xfrm>
-              <a:prstGeom prst="rect">
-                <a:avLst/>
-              </a:prstGeom>
-              <a:solidFill>
-                <a:schemeClr val="bg1"/>
-              </a:solidFill>
-              <a:ln>
-                <a:solidFill>
-                  <a:schemeClr val="bg1"/>
-                </a:solidFill>
-              </a:ln>
-            </p:spPr>
-            <p:txBody>
-              <a:bodyPr wrap="square" rtlCol="0">
-                <a:spAutoFit/>
-              </a:bodyPr>
-              <a:lstStyle/>
-              <a:p>
-                <a:endParaRPr lang="en-US" sz="1100" dirty="0" smtClean="0">
-                  <a:latin typeface="Arial" panose="020B0604020202020204" pitchFamily="34" charset="0"/>
-                  <a:cs typeface="Arial" panose="020B0604020202020204" pitchFamily="34" charset="0"/>
-                </a:endParaRPr>
-              </a:p>
-              <a:p>
-                <a:r>
-                  <a:rPr lang="en-US" sz="1100" dirty="0" smtClean="0">
-                    <a:latin typeface="Arial" panose="020B0604020202020204" pitchFamily="34" charset="0"/>
-                    <a:cs typeface="Arial" panose="020B0604020202020204" pitchFamily="34" charset="0"/>
-                  </a:rPr>
-                  <a:t>Inverse Leg Kinematics</a:t>
-                </a:r>
-              </a:p>
-              <a:p>
-                <a:endParaRPr lang="en-US" sz="1100" dirty="0">
-                  <a:latin typeface="Arial" panose="020B0604020202020204" pitchFamily="34" charset="0"/>
-                  <a:cs typeface="Arial" panose="020B0604020202020204" pitchFamily="34" charset="0"/>
-                </a:endParaRPr>
-              </a:p>
-            </p:txBody>
-          </p:sp>
-          <p:sp>
-            <p:nvSpPr>
-              <p:cNvPr id="22" name="TextBox 21"/>
-              <p:cNvSpPr txBox="1"/>
-              <p:nvPr/>
-            </p:nvSpPr>
-            <p:spPr>
-              <a:xfrm>
-                <a:off x="1699404" y="4696524"/>
-                <a:ext cx="983412" cy="769441"/>
-              </a:xfrm>
-              <a:prstGeom prst="rect">
-                <a:avLst/>
-              </a:prstGeom>
-              <a:solidFill>
-                <a:schemeClr val="bg1"/>
-              </a:solidFill>
-              <a:ln>
-                <a:solidFill>
-                  <a:schemeClr val="bg1"/>
-                </a:solidFill>
-              </a:ln>
-            </p:spPr>
-            <p:txBody>
-              <a:bodyPr wrap="square" rtlCol="0">
-                <a:spAutoFit/>
-              </a:bodyPr>
-              <a:lstStyle/>
-              <a:p>
-                <a:endParaRPr lang="en-US" sz="1100" dirty="0" smtClean="0">
-                  <a:latin typeface="Arial" panose="020B0604020202020204" pitchFamily="34" charset="0"/>
-                  <a:cs typeface="Arial" panose="020B0604020202020204" pitchFamily="34" charset="0"/>
-                </a:endParaRPr>
-              </a:p>
-              <a:p>
-                <a:r>
-                  <a:rPr lang="en-US" sz="1100" dirty="0" smtClean="0">
-                    <a:latin typeface="Arial" panose="020B0604020202020204" pitchFamily="34" charset="0"/>
-                    <a:cs typeface="Arial" panose="020B0604020202020204" pitchFamily="34" charset="0"/>
-                  </a:rPr>
-                  <a:t>Forward Leg Kinematics</a:t>
-                </a:r>
-              </a:p>
-              <a:p>
-                <a:endParaRPr lang="en-US" sz="1100" dirty="0">
-                  <a:latin typeface="Arial" panose="020B0604020202020204" pitchFamily="34" charset="0"/>
-                  <a:cs typeface="Arial" panose="020B0604020202020204" pitchFamily="34" charset="0"/>
-                </a:endParaRPr>
-              </a:p>
-            </p:txBody>
-          </p:sp>
-          <p:sp>
-            <p:nvSpPr>
-              <p:cNvPr id="23" name="TextBox 22"/>
-              <p:cNvSpPr txBox="1"/>
-              <p:nvPr/>
-            </p:nvSpPr>
-            <p:spPr>
-              <a:xfrm>
-                <a:off x="3579961" y="2977740"/>
-                <a:ext cx="974785" cy="769441"/>
-              </a:xfrm>
-              <a:prstGeom prst="rect">
-                <a:avLst/>
-              </a:prstGeom>
-              <a:solidFill>
-                <a:schemeClr val="bg1"/>
-              </a:solidFill>
-              <a:ln>
-                <a:solidFill>
-                  <a:schemeClr val="bg1"/>
-                </a:solidFill>
-              </a:ln>
-            </p:spPr>
-            <p:txBody>
-              <a:bodyPr wrap="square" rtlCol="0">
-                <a:spAutoFit/>
-              </a:bodyPr>
-              <a:lstStyle/>
-              <a:p>
-                <a:r>
-                  <a:rPr lang="en-US" sz="1100" dirty="0" smtClean="0">
-                    <a:latin typeface="Arial" panose="020B0604020202020204" pitchFamily="34" charset="0"/>
-                    <a:cs typeface="Arial" panose="020B0604020202020204" pitchFamily="34" charset="0"/>
-                  </a:rPr>
-                  <a:t>Angle to Cylinder Length</a:t>
-                </a:r>
-              </a:p>
-              <a:p>
-                <a:endParaRPr lang="en-US" sz="1100" dirty="0">
-                  <a:latin typeface="Arial" panose="020B0604020202020204" pitchFamily="34" charset="0"/>
-                  <a:cs typeface="Arial" panose="020B0604020202020204" pitchFamily="34" charset="0"/>
-                </a:endParaRPr>
-              </a:p>
-            </p:txBody>
-          </p:sp>
-          <p:sp>
-            <p:nvSpPr>
-              <p:cNvPr id="24" name="TextBox 23"/>
-              <p:cNvSpPr txBox="1"/>
-              <p:nvPr/>
-            </p:nvSpPr>
-            <p:spPr>
-              <a:xfrm>
-                <a:off x="3441939" y="4705150"/>
-                <a:ext cx="974784" cy="769441"/>
-              </a:xfrm>
-              <a:prstGeom prst="rect">
-                <a:avLst/>
-              </a:prstGeom>
-              <a:solidFill>
-                <a:schemeClr val="bg1"/>
-              </a:solidFill>
-              <a:ln>
-                <a:solidFill>
-                  <a:schemeClr val="bg1"/>
-                </a:solidFill>
-              </a:ln>
-            </p:spPr>
-            <p:txBody>
-              <a:bodyPr wrap="square" rtlCol="0">
-                <a:spAutoFit/>
-              </a:bodyPr>
-              <a:lstStyle/>
-              <a:p>
-                <a:r>
-                  <a:rPr lang="en-US" sz="1100" dirty="0" smtClean="0">
-                    <a:latin typeface="Arial" panose="020B0604020202020204" pitchFamily="34" charset="0"/>
-                    <a:cs typeface="Arial" panose="020B0604020202020204" pitchFamily="34" charset="0"/>
-                  </a:rPr>
-                  <a:t>Cylinder Length to Angle</a:t>
-                </a:r>
-              </a:p>
-              <a:p>
-                <a:endParaRPr lang="en-US" sz="1100" dirty="0">
-                  <a:latin typeface="Arial" panose="020B0604020202020204" pitchFamily="34" charset="0"/>
-                  <a:cs typeface="Arial" panose="020B0604020202020204" pitchFamily="34" charset="0"/>
-                </a:endParaRPr>
-              </a:p>
-            </p:txBody>
-          </p:sp>
-          <p:sp>
-            <p:nvSpPr>
-              <p:cNvPr id="25" name="TextBox 24"/>
-              <p:cNvSpPr txBox="1"/>
-              <p:nvPr/>
-            </p:nvSpPr>
-            <p:spPr>
-              <a:xfrm>
-                <a:off x="641874" y="2977740"/>
-                <a:ext cx="999077" cy="769441"/>
-              </a:xfrm>
-              <a:prstGeom prst="rect">
-                <a:avLst/>
-              </a:prstGeom>
-              <a:solidFill>
-                <a:schemeClr val="bg1"/>
-              </a:solidFill>
-              <a:ln>
-                <a:solidFill>
-                  <a:schemeClr val="bg1"/>
-                </a:solidFill>
-              </a:ln>
-            </p:spPr>
-            <p:txBody>
-              <a:bodyPr wrap="square" rtlCol="0">
-                <a:spAutoFit/>
-              </a:bodyPr>
-              <a:lstStyle/>
-              <a:p>
-                <a:r>
-                  <a:rPr lang="en-US" sz="1100" dirty="0" smtClean="0">
-                    <a:latin typeface="Arial" panose="020B0604020202020204" pitchFamily="34" charset="0"/>
-                    <a:cs typeface="Arial" panose="020B0604020202020204" pitchFamily="34" charset="0"/>
-                  </a:rPr>
-                  <a:t>Desired Foot Position</a:t>
-                </a:r>
-                <a:endParaRPr lang="en-US" sz="1100" dirty="0">
-                  <a:latin typeface="Arial" panose="020B0604020202020204" pitchFamily="34" charset="0"/>
-                  <a:cs typeface="Arial" panose="020B0604020202020204" pitchFamily="34" charset="0"/>
-                </a:endParaRPr>
-              </a:p>
-              <a:p>
-                <a:r>
-                  <a:rPr lang="en-US" sz="1100" dirty="0" smtClean="0">
-                    <a:latin typeface="Arial" panose="020B0604020202020204" pitchFamily="34" charset="0"/>
-                    <a:cs typeface="Arial" panose="020B0604020202020204" pitchFamily="34" charset="0"/>
-                  </a:rPr>
-                  <a:t>Set by State Machine</a:t>
-                </a:r>
-                <a:endParaRPr lang="en-US" sz="1100" dirty="0">
-                  <a:latin typeface="Arial" panose="020B0604020202020204" pitchFamily="34" charset="0"/>
-                  <a:cs typeface="Arial" panose="020B0604020202020204" pitchFamily="34" charset="0"/>
-                </a:endParaRPr>
-              </a:p>
-            </p:txBody>
-          </p:sp>
-        </p:grpSp>
-      </p:grpSp>
       <p:sp>
         <p:nvSpPr>
           <p:cNvPr id="28" name="TextBox 27"/>
@@ -4242,7 +3887,7 @@
         <p:spPr>
           <a:xfrm>
             <a:off x="23107211" y="3886200"/>
-            <a:ext cx="9525000" cy="523220"/>
+            <a:ext cx="9525000" cy="2062103"/>
           </a:xfrm>
           <a:prstGeom prst="rect">
             <a:avLst/>
@@ -4257,7 +3902,73 @@
           <a:p>
             <a:r>
               <a:rPr lang="en-US" sz="2800" b="1" dirty="0" smtClean="0"/>
-              <a:t>Control System</a:t>
+              <a:t>User Control</a:t>
+            </a:r>
+          </a:p>
+          <a:p>
+            <a:pPr marL="342900" indent="-342900">
+              <a:buFont typeface="Arial" panose="020B0604020202020204" pitchFamily="34" charset="0"/>
+              <a:buChar char="•"/>
+            </a:pPr>
+            <a:r>
+              <a:rPr lang="en-US" sz="2000" dirty="0" smtClean="0"/>
+              <a:t>User input is read by a USB controller</a:t>
+            </a:r>
+          </a:p>
+          <a:p>
+            <a:pPr marL="342900" indent="-342900">
+              <a:buFont typeface="Arial" panose="020B0604020202020204" pitchFamily="34" charset="0"/>
+              <a:buChar char="•"/>
+            </a:pPr>
+            <a:r>
+              <a:rPr lang="en-US" sz="2000" dirty="0" smtClean="0"/>
+              <a:t>Real time Java application parses user input</a:t>
+            </a:r>
+          </a:p>
+          <a:p>
+            <a:pPr marL="342900" indent="-342900">
+              <a:buFont typeface="Arial" panose="020B0604020202020204" pitchFamily="34" charset="0"/>
+              <a:buChar char="•"/>
+            </a:pPr>
+            <a:r>
+              <a:rPr lang="en-US" sz="2000" dirty="0" smtClean="0"/>
+              <a:t>Application sends commands through an </a:t>
+            </a:r>
+            <a:r>
+              <a:rPr lang="en-US" sz="2000" dirty="0" err="1" smtClean="0"/>
+              <a:t>Xbee</a:t>
+            </a:r>
+            <a:r>
+              <a:rPr lang="en-US" sz="2000" dirty="0" smtClean="0"/>
+              <a:t> wireless chip</a:t>
+            </a:r>
+          </a:p>
+          <a:p>
+            <a:pPr marL="342900" indent="-342900">
+              <a:buFont typeface="Arial" panose="020B0604020202020204" pitchFamily="34" charset="0"/>
+              <a:buChar char="•"/>
+            </a:pPr>
+            <a:r>
+              <a:rPr lang="en-US" sz="2000" dirty="0" smtClean="0"/>
+              <a:t>Partner </a:t>
+            </a:r>
+            <a:r>
+              <a:rPr lang="en-US" sz="2000" dirty="0" err="1" smtClean="0"/>
+              <a:t>Xbee</a:t>
+            </a:r>
+            <a:r>
+              <a:rPr lang="en-US" sz="2000" dirty="0" smtClean="0"/>
+              <a:t> chip receives the command and sends it to the Arduino</a:t>
+            </a:r>
+          </a:p>
+          <a:p>
+            <a:pPr marL="342900" indent="-342900">
+              <a:buFont typeface="Arial" panose="020B0604020202020204" pitchFamily="34" charset="0"/>
+              <a:buChar char="•"/>
+            </a:pPr>
+            <a:r>
+              <a:rPr lang="en-US" sz="2000" dirty="0" smtClean="0"/>
+              <a:t>Arduino decodes the serial command and adjusts the robot state accordingly</a:t>
             </a:r>
             <a:endParaRPr lang="en-US" sz="2000" dirty="0"/>
           </a:p>
@@ -4436,30 +4147,6 @@
       </p:sp>
       <p:pic>
         <p:nvPicPr>
-          <p:cNvPr id="34" name="Content Placeholder 3"/>
-          <p:cNvPicPr>
-            <a:picLocks noChangeAspect="1"/>
-          </p:cNvPicPr>
-          <p:nvPr/>
-        </p:nvPicPr>
-        <p:blipFill>
-          <a:blip r:embed="rId12"/>
-          <a:stretch>
-            <a:fillRect/>
-          </a:stretch>
-        </p:blipFill>
-        <p:spPr>
-          <a:xfrm>
-            <a:off x="27311472" y="7990357"/>
-            <a:ext cx="7942105" cy="4351338"/>
-          </a:xfrm>
-          <a:prstGeom prst="rect">
-            <a:avLst/>
-          </a:prstGeom>
-        </p:spPr>
-      </p:pic>
-      <p:pic>
-        <p:nvPicPr>
           <p:cNvPr id="35" name="Content Placeholder 3"/>
           <p:cNvPicPr>
             <a:picLocks noChangeAspect="1"/>
@@ -4467,7 +4154,7 @@
           <p:nvPr/>
         </p:nvPicPr>
         <p:blipFill>
-          <a:blip r:embed="rId13">
+          <a:blip r:embed="rId11">
             <a:extLst>
               <a:ext uri="{28A0092B-C50C-407E-A947-70E740481C1C}">
                 <a14:useLocalDpi xmlns:a14="http://schemas.microsoft.com/office/drawing/2010/main" val="0"/>
@@ -4495,7 +4182,7 @@
           <p:nvPr/>
         </p:nvPicPr>
         <p:blipFill>
-          <a:blip r:embed="rId14" cstate="print">
+          <a:blip r:embed="rId12" cstate="print">
             <a:extLst>
               <a:ext uri="{28A0092B-C50C-407E-A947-70E740481C1C}">
                 <a14:useLocalDpi xmlns:a14="http://schemas.microsoft.com/office/drawing/2010/main" val="0"/>
@@ -4516,6 +4203,2373 @@
           </a:prstGeom>
         </p:spPr>
       </p:pic>
+      <p:sp>
+        <p:nvSpPr>
+          <p:cNvPr id="99" name="TextBox 98"/>
+          <p:cNvSpPr txBox="1"/>
+          <p:nvPr/>
+        </p:nvSpPr>
+        <p:spPr>
+          <a:xfrm>
+            <a:off x="23107211" y="8953157"/>
+            <a:ext cx="9525000" cy="1754326"/>
+          </a:xfrm>
+          <a:prstGeom prst="rect">
+            <a:avLst/>
+          </a:prstGeom>
+          <a:noFill/>
+        </p:spPr>
+        <p:txBody>
+          <a:bodyPr wrap="square" rtlCol="0">
+            <a:spAutoFit/>
+          </a:bodyPr>
+          <a:lstStyle/>
+          <a:p>
+            <a:r>
+              <a:rPr lang="en-US" sz="2800" b="1" dirty="0" smtClean="0"/>
+              <a:t>Control System</a:t>
+            </a:r>
+          </a:p>
+          <a:p>
+            <a:pPr marL="342900" indent="-342900">
+              <a:buFont typeface="Arial" panose="020B0604020202020204" pitchFamily="34" charset="0"/>
+              <a:buChar char="•"/>
+            </a:pPr>
+            <a:r>
+              <a:rPr lang="en-US" sz="2000" dirty="0" err="1" smtClean="0"/>
+              <a:t>Mathworks</a:t>
+            </a:r>
+            <a:r>
+              <a:rPr lang="en-US" sz="2000" dirty="0" smtClean="0"/>
+              <a:t> Simulink model is loaded onto the Arduino</a:t>
+            </a:r>
+          </a:p>
+          <a:p>
+            <a:pPr marL="342900" indent="-342900">
+              <a:buFont typeface="Arial" panose="020B0604020202020204" pitchFamily="34" charset="0"/>
+              <a:buChar char="•"/>
+            </a:pPr>
+            <a:r>
+              <a:rPr lang="en-US" sz="2000" dirty="0" smtClean="0"/>
+              <a:t>Utilizes PID feedback loops to control cylinder lengths</a:t>
+            </a:r>
+          </a:p>
+          <a:p>
+            <a:pPr marL="342900" indent="-342900">
+              <a:buFont typeface="Arial" panose="020B0604020202020204" pitchFamily="34" charset="0"/>
+              <a:buChar char="•"/>
+            </a:pPr>
+            <a:r>
+              <a:rPr lang="en-US" sz="2000" dirty="0" smtClean="0"/>
+              <a:t>Desired length is calculated by a state machine based on user input and current length</a:t>
+            </a:r>
+          </a:p>
+          <a:p>
+            <a:pPr marL="342900" indent="-342900">
+              <a:buFont typeface="Arial" panose="020B0604020202020204" pitchFamily="34" charset="0"/>
+              <a:buChar char="•"/>
+            </a:pPr>
+            <a:endParaRPr lang="en-US" sz="2000" dirty="0"/>
+          </a:p>
+        </p:txBody>
+      </p:sp>
+      <p:grpSp>
+        <p:nvGrpSpPr>
+          <p:cNvPr id="32" name="Group 31"/>
+          <p:cNvGrpSpPr/>
+          <p:nvPr/>
+        </p:nvGrpSpPr>
+        <p:grpSpPr>
+          <a:xfrm>
+            <a:off x="23698200" y="6233964"/>
+            <a:ext cx="8763000" cy="2223550"/>
+            <a:chOff x="23698200" y="6233964"/>
+            <a:chExt cx="8763000" cy="2223550"/>
+          </a:xfrm>
+        </p:grpSpPr>
+        <p:grpSp>
+          <p:nvGrpSpPr>
+            <p:cNvPr id="37" name="Group 36"/>
+            <p:cNvGrpSpPr/>
+            <p:nvPr/>
+          </p:nvGrpSpPr>
+          <p:grpSpPr>
+            <a:xfrm>
+              <a:off x="23863176" y="6233964"/>
+              <a:ext cx="8013069" cy="1508760"/>
+              <a:chOff x="114300" y="909320"/>
+              <a:chExt cx="8013647" cy="1508760"/>
+            </a:xfrm>
+          </p:grpSpPr>
+          <p:grpSp>
+            <p:nvGrpSpPr>
+              <p:cNvPr id="38" name="Group 37"/>
+              <p:cNvGrpSpPr/>
+              <p:nvPr/>
+            </p:nvGrpSpPr>
+            <p:grpSpPr>
+              <a:xfrm>
+                <a:off x="7254187" y="1620520"/>
+                <a:ext cx="873760" cy="797560"/>
+                <a:chOff x="7153883" y="1257300"/>
+                <a:chExt cx="873760" cy="797560"/>
+              </a:xfrm>
+            </p:grpSpPr>
+            <p:grpSp>
+              <p:nvGrpSpPr>
+                <p:cNvPr id="86" name="Group 85"/>
+                <p:cNvGrpSpPr/>
+                <p:nvPr/>
+              </p:nvGrpSpPr>
+              <p:grpSpPr>
+                <a:xfrm rot="1124969">
+                  <a:off x="7684743" y="1374140"/>
+                  <a:ext cx="342900" cy="680720"/>
+                  <a:chOff x="8013700" y="1485900"/>
+                  <a:chExt cx="342900" cy="680720"/>
+                </a:xfrm>
+              </p:grpSpPr>
+              <p:cxnSp>
+                <p:nvCxnSpPr>
+                  <p:cNvPr id="97" name="Straight Connector 96"/>
+                  <p:cNvCxnSpPr/>
+                  <p:nvPr/>
+                </p:nvCxnSpPr>
+                <p:spPr>
+                  <a:xfrm>
+                    <a:off x="8013700" y="1485900"/>
+                    <a:ext cx="342900" cy="342900"/>
+                  </a:xfrm>
+                  <a:prstGeom prst="line">
+                    <a:avLst/>
+                  </a:prstGeom>
+                  <a:ln w="12700"/>
+                </p:spPr>
+                <p:style>
+                  <a:lnRef idx="1">
+                    <a:schemeClr val="dk1"/>
+                  </a:lnRef>
+                  <a:fillRef idx="0">
+                    <a:schemeClr val="dk1"/>
+                  </a:fillRef>
+                  <a:effectRef idx="0">
+                    <a:schemeClr val="dk1"/>
+                  </a:effectRef>
+                  <a:fontRef idx="minor">
+                    <a:schemeClr val="tx1"/>
+                  </a:fontRef>
+                </p:style>
+              </p:cxnSp>
+              <p:cxnSp>
+                <p:nvCxnSpPr>
+                  <p:cNvPr id="98" name="Straight Connector 97"/>
+                  <p:cNvCxnSpPr/>
+                  <p:nvPr/>
+                </p:nvCxnSpPr>
+                <p:spPr>
+                  <a:xfrm flipH="1">
+                    <a:off x="8242300" y="1823720"/>
+                    <a:ext cx="114300" cy="342900"/>
+                  </a:xfrm>
+                  <a:prstGeom prst="line">
+                    <a:avLst/>
+                  </a:prstGeom>
+                  <a:ln w="12700"/>
+                </p:spPr>
+                <p:style>
+                  <a:lnRef idx="1">
+                    <a:schemeClr val="dk1"/>
+                  </a:lnRef>
+                  <a:fillRef idx="0">
+                    <a:schemeClr val="dk1"/>
+                  </a:fillRef>
+                  <a:effectRef idx="0">
+                    <a:schemeClr val="dk1"/>
+                  </a:effectRef>
+                  <a:fontRef idx="minor">
+                    <a:schemeClr val="tx1"/>
+                  </a:fontRef>
+                </p:style>
+              </p:cxnSp>
+            </p:grpSp>
+            <p:grpSp>
+              <p:nvGrpSpPr>
+                <p:cNvPr id="87" name="Group 86"/>
+                <p:cNvGrpSpPr/>
+                <p:nvPr/>
+              </p:nvGrpSpPr>
+              <p:grpSpPr>
+                <a:xfrm rot="1124969">
+                  <a:off x="7285963" y="1371600"/>
+                  <a:ext cx="342900" cy="680720"/>
+                  <a:chOff x="7442200" y="1480820"/>
+                  <a:chExt cx="342900" cy="680720"/>
+                </a:xfrm>
+              </p:grpSpPr>
+              <p:cxnSp>
+                <p:nvCxnSpPr>
+                  <p:cNvPr id="95" name="Straight Connector 94"/>
+                  <p:cNvCxnSpPr/>
+                  <p:nvPr/>
+                </p:nvCxnSpPr>
+                <p:spPr>
+                  <a:xfrm>
+                    <a:off x="7442200" y="1480820"/>
+                    <a:ext cx="342900" cy="342900"/>
+                  </a:xfrm>
+                  <a:prstGeom prst="line">
+                    <a:avLst/>
+                  </a:prstGeom>
+                  <a:ln w="12700"/>
+                </p:spPr>
+                <p:style>
+                  <a:lnRef idx="1">
+                    <a:schemeClr val="dk1"/>
+                  </a:lnRef>
+                  <a:fillRef idx="0">
+                    <a:schemeClr val="dk1"/>
+                  </a:fillRef>
+                  <a:effectRef idx="0">
+                    <a:schemeClr val="dk1"/>
+                  </a:effectRef>
+                  <a:fontRef idx="minor">
+                    <a:schemeClr val="tx1"/>
+                  </a:fontRef>
+                </p:style>
+              </p:cxnSp>
+              <p:cxnSp>
+                <p:nvCxnSpPr>
+                  <p:cNvPr id="96" name="Straight Connector 95"/>
+                  <p:cNvCxnSpPr/>
+                  <p:nvPr/>
+                </p:nvCxnSpPr>
+                <p:spPr>
+                  <a:xfrm flipH="1">
+                    <a:off x="7670800" y="1818640"/>
+                    <a:ext cx="114300" cy="342900"/>
+                  </a:xfrm>
+                  <a:prstGeom prst="line">
+                    <a:avLst/>
+                  </a:prstGeom>
+                  <a:ln w="12700"/>
+                </p:spPr>
+                <p:style>
+                  <a:lnRef idx="1">
+                    <a:schemeClr val="dk1"/>
+                  </a:lnRef>
+                  <a:fillRef idx="0">
+                    <a:schemeClr val="dk1"/>
+                  </a:fillRef>
+                  <a:effectRef idx="0">
+                    <a:schemeClr val="dk1"/>
+                  </a:effectRef>
+                  <a:fontRef idx="minor">
+                    <a:schemeClr val="tx1"/>
+                  </a:fontRef>
+                </p:style>
+              </p:cxnSp>
+            </p:grpSp>
+            <p:sp>
+              <p:nvSpPr>
+                <p:cNvPr id="88" name="Rectangle 87"/>
+                <p:cNvSpPr/>
+                <p:nvPr/>
+              </p:nvSpPr>
+              <p:spPr>
+                <a:xfrm>
+                  <a:off x="7170420" y="1257300"/>
+                  <a:ext cx="769620" cy="228600"/>
+                </a:xfrm>
+                <a:prstGeom prst="rect">
+                  <a:avLst/>
+                </a:prstGeom>
+                <a:solidFill>
+                  <a:schemeClr val="bg1">
+                    <a:lumMod val="85000"/>
+                  </a:schemeClr>
+                </a:solidFill>
+                <a:ln w="12700">
+                  <a:solidFill>
+                    <a:schemeClr val="tx1"/>
+                  </a:solidFill>
+                </a:ln>
+              </p:spPr>
+              <p:style>
+                <a:lnRef idx="2">
+                  <a:schemeClr val="accent1">
+                    <a:shade val="50000"/>
+                  </a:schemeClr>
+                </a:lnRef>
+                <a:fillRef idx="1">
+                  <a:schemeClr val="accent1"/>
+                </a:fillRef>
+                <a:effectRef idx="0">
+                  <a:schemeClr val="accent1"/>
+                </a:effectRef>
+                <a:fontRef idx="minor">
+                  <a:schemeClr val="lt1"/>
+                </a:fontRef>
+              </p:style>
+              <p:txBody>
+                <a:bodyPr rot="0" spcFirstLastPara="0" vert="horz" wrap="square" lIns="91440" tIns="45720" rIns="91440" bIns="45720" numCol="1" spcCol="0" rtlCol="0" fromWordArt="0" anchor="ctr" anchorCtr="0" forceAA="0" compatLnSpc="1">
+                  <a:prstTxWarp prst="textNoShape">
+                    <a:avLst/>
+                  </a:prstTxWarp>
+                  <a:noAutofit/>
+                </a:bodyPr>
+                <a:lstStyle/>
+                <a:p>
+                  <a:endParaRPr lang="en-US"/>
+                </a:p>
+              </p:txBody>
+            </p:sp>
+            <p:grpSp>
+              <p:nvGrpSpPr>
+                <p:cNvPr id="89" name="Group 88"/>
+                <p:cNvGrpSpPr/>
+                <p:nvPr/>
+              </p:nvGrpSpPr>
+              <p:grpSpPr>
+                <a:xfrm rot="1124969">
+                  <a:off x="7153883" y="1371600"/>
+                  <a:ext cx="342900" cy="680720"/>
+                  <a:chOff x="7200900" y="1485900"/>
+                  <a:chExt cx="342900" cy="680720"/>
+                </a:xfrm>
+              </p:grpSpPr>
+              <p:cxnSp>
+                <p:nvCxnSpPr>
+                  <p:cNvPr id="93" name="Straight Connector 92"/>
+                  <p:cNvCxnSpPr/>
+                  <p:nvPr/>
+                </p:nvCxnSpPr>
+                <p:spPr>
+                  <a:xfrm>
+                    <a:off x="7200900" y="1485900"/>
+                    <a:ext cx="342900" cy="342900"/>
+                  </a:xfrm>
+                  <a:prstGeom prst="line">
+                    <a:avLst/>
+                  </a:prstGeom>
+                  <a:ln w="12700"/>
+                </p:spPr>
+                <p:style>
+                  <a:lnRef idx="1">
+                    <a:schemeClr val="dk1"/>
+                  </a:lnRef>
+                  <a:fillRef idx="0">
+                    <a:schemeClr val="dk1"/>
+                  </a:fillRef>
+                  <a:effectRef idx="0">
+                    <a:schemeClr val="dk1"/>
+                  </a:effectRef>
+                  <a:fontRef idx="minor">
+                    <a:schemeClr val="tx1"/>
+                  </a:fontRef>
+                </p:style>
+              </p:cxnSp>
+              <p:cxnSp>
+                <p:nvCxnSpPr>
+                  <p:cNvPr id="94" name="Straight Connector 93"/>
+                  <p:cNvCxnSpPr/>
+                  <p:nvPr/>
+                </p:nvCxnSpPr>
+                <p:spPr>
+                  <a:xfrm flipH="1">
+                    <a:off x="7429500" y="1823720"/>
+                    <a:ext cx="114300" cy="342900"/>
+                  </a:xfrm>
+                  <a:prstGeom prst="line">
+                    <a:avLst/>
+                  </a:prstGeom>
+                  <a:ln w="12700"/>
+                </p:spPr>
+                <p:style>
+                  <a:lnRef idx="1">
+                    <a:schemeClr val="dk1"/>
+                  </a:lnRef>
+                  <a:fillRef idx="0">
+                    <a:schemeClr val="dk1"/>
+                  </a:fillRef>
+                  <a:effectRef idx="0">
+                    <a:schemeClr val="dk1"/>
+                  </a:effectRef>
+                  <a:fontRef idx="minor">
+                    <a:schemeClr val="tx1"/>
+                  </a:fontRef>
+                </p:style>
+              </p:cxnSp>
+            </p:grpSp>
+            <p:grpSp>
+              <p:nvGrpSpPr>
+                <p:cNvPr id="90" name="Group 89"/>
+                <p:cNvGrpSpPr/>
+                <p:nvPr/>
+              </p:nvGrpSpPr>
+              <p:grpSpPr>
+                <a:xfrm rot="1124969">
+                  <a:off x="7552716" y="1371600"/>
+                  <a:ext cx="342900" cy="680720"/>
+                  <a:chOff x="7785100" y="1485900"/>
+                  <a:chExt cx="342900" cy="680720"/>
+                </a:xfrm>
+              </p:grpSpPr>
+              <p:cxnSp>
+                <p:nvCxnSpPr>
+                  <p:cNvPr id="91" name="Straight Connector 90"/>
+                  <p:cNvCxnSpPr/>
+                  <p:nvPr/>
+                </p:nvCxnSpPr>
+                <p:spPr>
+                  <a:xfrm>
+                    <a:off x="7785100" y="1485900"/>
+                    <a:ext cx="342900" cy="342900"/>
+                  </a:xfrm>
+                  <a:prstGeom prst="line">
+                    <a:avLst/>
+                  </a:prstGeom>
+                  <a:ln w="12700"/>
+                </p:spPr>
+                <p:style>
+                  <a:lnRef idx="1">
+                    <a:schemeClr val="dk1"/>
+                  </a:lnRef>
+                  <a:fillRef idx="0">
+                    <a:schemeClr val="dk1"/>
+                  </a:fillRef>
+                  <a:effectRef idx="0">
+                    <a:schemeClr val="dk1"/>
+                  </a:effectRef>
+                  <a:fontRef idx="minor">
+                    <a:schemeClr val="tx1"/>
+                  </a:fontRef>
+                </p:style>
+              </p:cxnSp>
+              <p:cxnSp>
+                <p:nvCxnSpPr>
+                  <p:cNvPr id="92" name="Straight Connector 91"/>
+                  <p:cNvCxnSpPr/>
+                  <p:nvPr/>
+                </p:nvCxnSpPr>
+                <p:spPr>
+                  <a:xfrm flipH="1">
+                    <a:off x="8013700" y="1823720"/>
+                    <a:ext cx="114300" cy="342900"/>
+                  </a:xfrm>
+                  <a:prstGeom prst="line">
+                    <a:avLst/>
+                  </a:prstGeom>
+                  <a:ln w="12700"/>
+                </p:spPr>
+                <p:style>
+                  <a:lnRef idx="1">
+                    <a:schemeClr val="dk1"/>
+                  </a:lnRef>
+                  <a:fillRef idx="0">
+                    <a:schemeClr val="dk1"/>
+                  </a:fillRef>
+                  <a:effectRef idx="0">
+                    <a:schemeClr val="dk1"/>
+                  </a:effectRef>
+                  <a:fontRef idx="minor">
+                    <a:schemeClr val="tx1"/>
+                  </a:fontRef>
+                </p:style>
+              </p:cxnSp>
+            </p:grpSp>
+          </p:grpSp>
+          <p:cxnSp>
+            <p:nvCxnSpPr>
+              <p:cNvPr id="39" name="Curved Connector 38"/>
+              <p:cNvCxnSpPr>
+                <a:stCxn id="51" idx="0"/>
+                <a:endCxn id="54" idx="1"/>
+              </p:cNvCxnSpPr>
+              <p:nvPr/>
+            </p:nvCxnSpPr>
+            <p:spPr>
+              <a:xfrm rot="16200000" flipH="1">
+                <a:off x="1256822" y="1331936"/>
+                <a:ext cx="514816" cy="1086340"/>
+              </a:xfrm>
+              <a:prstGeom prst="curvedConnector4">
+                <a:avLst>
+                  <a:gd name="adj1" fmla="val -44404"/>
+                  <a:gd name="adj2" fmla="val 89260"/>
+                </a:avLst>
+              </a:prstGeom>
+              <a:ln w="9525">
+                <a:solidFill>
+                  <a:schemeClr val="tx1"/>
+                </a:solidFill>
+                <a:headEnd type="none" w="med" len="med"/>
+                <a:tailEnd type="triangle" w="med" len="med"/>
+              </a:ln>
+            </p:spPr>
+            <p:style>
+              <a:lnRef idx="1">
+                <a:schemeClr val="accent1"/>
+              </a:lnRef>
+              <a:fillRef idx="0">
+                <a:schemeClr val="accent1"/>
+              </a:fillRef>
+              <a:effectRef idx="0">
+                <a:schemeClr val="accent1"/>
+              </a:effectRef>
+              <a:fontRef idx="minor">
+                <a:schemeClr val="tx1"/>
+              </a:fontRef>
+            </p:style>
+          </p:cxnSp>
+          <p:cxnSp>
+            <p:nvCxnSpPr>
+              <p:cNvPr id="40" name="Curved Connector 39"/>
+              <p:cNvCxnSpPr>
+                <a:stCxn id="54" idx="3"/>
+                <a:endCxn id="58" idx="1"/>
+              </p:cNvCxnSpPr>
+              <p:nvPr/>
+            </p:nvCxnSpPr>
+            <p:spPr>
+              <a:xfrm>
+                <a:off x="3429000" y="2132514"/>
+                <a:ext cx="342900" cy="1086"/>
+              </a:xfrm>
+              <a:prstGeom prst="curvedConnector3">
+                <a:avLst>
+                  <a:gd name="adj1" fmla="val 50000"/>
+                </a:avLst>
+              </a:prstGeom>
+              <a:ln w="9525">
+                <a:solidFill>
+                  <a:schemeClr val="tx1"/>
+                </a:solidFill>
+                <a:headEnd type="triangle" w="med" len="med"/>
+                <a:tailEnd type="triangle" w="med" len="med"/>
+              </a:ln>
+            </p:spPr>
+            <p:style>
+              <a:lnRef idx="1">
+                <a:schemeClr val="accent1"/>
+              </a:lnRef>
+              <a:fillRef idx="0">
+                <a:schemeClr val="accent1"/>
+              </a:fillRef>
+              <a:effectRef idx="0">
+                <a:schemeClr val="accent1"/>
+              </a:effectRef>
+              <a:fontRef idx="minor">
+                <a:schemeClr val="tx1"/>
+              </a:fontRef>
+            </p:style>
+          </p:cxnSp>
+          <p:cxnSp>
+            <p:nvCxnSpPr>
+              <p:cNvPr id="41" name="Curved Connector 40"/>
+              <p:cNvCxnSpPr>
+                <a:stCxn id="58" idx="3"/>
+                <a:endCxn id="59" idx="3"/>
+              </p:cNvCxnSpPr>
+              <p:nvPr/>
+            </p:nvCxnSpPr>
+            <p:spPr>
+              <a:xfrm>
+                <a:off x="4343400" y="2133600"/>
+                <a:ext cx="342900" cy="5080"/>
+              </a:xfrm>
+              <a:prstGeom prst="curvedConnector3">
+                <a:avLst>
+                  <a:gd name="adj1" fmla="val 50000"/>
+                </a:avLst>
+              </a:prstGeom>
+              <a:ln w="9525">
+                <a:solidFill>
+                  <a:schemeClr val="tx1"/>
+                </a:solidFill>
+                <a:prstDash val="dash"/>
+                <a:headEnd type="triangle" w="med" len="med"/>
+                <a:tailEnd type="triangle" w="med" len="med"/>
+              </a:ln>
+            </p:spPr>
+            <p:style>
+              <a:lnRef idx="1">
+                <a:schemeClr val="accent1"/>
+              </a:lnRef>
+              <a:fillRef idx="0">
+                <a:schemeClr val="accent1"/>
+              </a:fillRef>
+              <a:effectRef idx="0">
+                <a:schemeClr val="accent1"/>
+              </a:effectRef>
+              <a:fontRef idx="minor">
+                <a:schemeClr val="tx1"/>
+              </a:fontRef>
+            </p:style>
+          </p:cxnSp>
+          <p:cxnSp>
+            <p:nvCxnSpPr>
+              <p:cNvPr id="42" name="Curved Connector 41"/>
+              <p:cNvCxnSpPr>
+                <a:stCxn id="59" idx="1"/>
+                <a:endCxn id="60" idx="1"/>
+              </p:cNvCxnSpPr>
+              <p:nvPr/>
+            </p:nvCxnSpPr>
+            <p:spPr>
+              <a:xfrm flipV="1">
+                <a:off x="5257800" y="1652270"/>
+                <a:ext cx="457200" cy="486410"/>
+              </a:xfrm>
+              <a:prstGeom prst="curvedConnector3">
+                <a:avLst>
+                  <a:gd name="adj1" fmla="val 50000"/>
+                </a:avLst>
+              </a:prstGeom>
+              <a:ln w="9525">
+                <a:solidFill>
+                  <a:schemeClr val="tx1"/>
+                </a:solidFill>
+                <a:headEnd type="triangle" w="med" len="med"/>
+                <a:tailEnd type="triangle" w="med" len="med"/>
+              </a:ln>
+            </p:spPr>
+            <p:style>
+              <a:lnRef idx="1">
+                <a:schemeClr val="accent1"/>
+              </a:lnRef>
+              <a:fillRef idx="0">
+                <a:schemeClr val="accent1"/>
+              </a:fillRef>
+              <a:effectRef idx="0">
+                <a:schemeClr val="accent1"/>
+              </a:effectRef>
+              <a:fontRef idx="minor">
+                <a:schemeClr val="tx1"/>
+              </a:fontRef>
+            </p:style>
+          </p:cxnSp>
+          <p:cxnSp>
+            <p:nvCxnSpPr>
+              <p:cNvPr id="43" name="Curved Connector 42"/>
+              <p:cNvCxnSpPr>
+                <a:stCxn id="60" idx="3"/>
+              </p:cNvCxnSpPr>
+              <p:nvPr/>
+            </p:nvCxnSpPr>
+            <p:spPr>
+              <a:xfrm>
+                <a:off x="6743700" y="1652270"/>
+                <a:ext cx="527024" cy="82550"/>
+              </a:xfrm>
+              <a:prstGeom prst="curvedConnector3">
+                <a:avLst>
+                  <a:gd name="adj1" fmla="val 50000"/>
+                </a:avLst>
+              </a:prstGeom>
+              <a:ln w="9525">
+                <a:solidFill>
+                  <a:schemeClr val="tx1"/>
+                </a:solidFill>
+                <a:headEnd type="triangle" w="med" len="med"/>
+                <a:tailEnd type="triangle" w="med" len="med"/>
+              </a:ln>
+            </p:spPr>
+            <p:style>
+              <a:lnRef idx="1">
+                <a:schemeClr val="accent1"/>
+              </a:lnRef>
+              <a:fillRef idx="0">
+                <a:schemeClr val="accent1"/>
+              </a:fillRef>
+              <a:effectRef idx="0">
+                <a:schemeClr val="accent1"/>
+              </a:effectRef>
+              <a:fontRef idx="minor">
+                <a:schemeClr val="tx1"/>
+              </a:fontRef>
+            </p:style>
+          </p:cxnSp>
+          <p:grpSp>
+            <p:nvGrpSpPr>
+              <p:cNvPr id="44" name="Group 43"/>
+              <p:cNvGrpSpPr/>
+              <p:nvPr/>
+            </p:nvGrpSpPr>
+            <p:grpSpPr>
+              <a:xfrm>
+                <a:off x="3771898" y="1887665"/>
+                <a:ext cx="571502" cy="487677"/>
+                <a:chOff x="3771898" y="1887665"/>
+                <a:chExt cx="571502" cy="487677"/>
+              </a:xfrm>
+            </p:grpSpPr>
+            <p:sp>
+              <p:nvSpPr>
+                <p:cNvPr id="84" name="Snip Same Side Corner Rectangle 83"/>
+                <p:cNvSpPr/>
+                <p:nvPr/>
+              </p:nvSpPr>
+              <p:spPr>
+                <a:xfrm rot="5400000">
+                  <a:off x="3831590" y="1847850"/>
+                  <a:ext cx="452120" cy="571500"/>
+                </a:xfrm>
+                <a:prstGeom prst="snip2SameRect">
+                  <a:avLst>
+                    <a:gd name="adj1" fmla="val 32667"/>
+                    <a:gd name="adj2" fmla="val 0"/>
+                  </a:avLst>
+                </a:prstGeom>
+                <a:solidFill>
+                  <a:schemeClr val="accent1">
+                    <a:lumMod val="75000"/>
+                  </a:schemeClr>
+                </a:solidFill>
+              </p:spPr>
+              <p:style>
+                <a:lnRef idx="2">
+                  <a:schemeClr val="dk1"/>
+                </a:lnRef>
+                <a:fillRef idx="1">
+                  <a:schemeClr val="lt1"/>
+                </a:fillRef>
+                <a:effectRef idx="0">
+                  <a:schemeClr val="dk1"/>
+                </a:effectRef>
+                <a:fontRef idx="minor">
+                  <a:schemeClr val="dk1"/>
+                </a:fontRef>
+              </p:style>
+              <p:txBody>
+                <a:bodyPr rot="0" spcFirstLastPara="0" vert="horz" wrap="square" lIns="91440" tIns="45720" rIns="91440" bIns="45720" numCol="1" spcCol="0" rtlCol="0" fromWordArt="0" anchor="ctr" anchorCtr="0" forceAA="0" compatLnSpc="1">
+                  <a:prstTxWarp prst="textNoShape">
+                    <a:avLst/>
+                  </a:prstTxWarp>
+                  <a:noAutofit/>
+                </a:bodyPr>
+                <a:lstStyle/>
+                <a:p>
+                  <a:endParaRPr lang="en-US"/>
+                </a:p>
+              </p:txBody>
+            </p:sp>
+            <p:sp>
+              <p:nvSpPr>
+                <p:cNvPr id="85" name="Text Box 49"/>
+                <p:cNvSpPr txBox="1"/>
+                <p:nvPr/>
+              </p:nvSpPr>
+              <p:spPr>
+                <a:xfrm rot="5400000">
+                  <a:off x="3655584" y="2003979"/>
+                  <a:ext cx="487677" cy="255049"/>
+                </a:xfrm>
+                <a:prstGeom prst="rect">
+                  <a:avLst/>
+                </a:prstGeom>
+                <a:noFill/>
+                <a:ln w="6350">
+                  <a:noFill/>
+                </a:ln>
+                <a:effectLst/>
+              </p:spPr>
+              <p:style>
+                <a:lnRef idx="0">
+                  <a:schemeClr val="accent1"/>
+                </a:lnRef>
+                <a:fillRef idx="0">
+                  <a:schemeClr val="accent1"/>
+                </a:fillRef>
+                <a:effectRef idx="0">
+                  <a:schemeClr val="accent1"/>
+                </a:effectRef>
+                <a:fontRef idx="minor">
+                  <a:schemeClr val="dk1"/>
+                </a:fontRef>
+              </p:style>
+              <p:txBody>
+                <a:bodyPr rot="0" spcFirstLastPara="0" vert="horz" wrap="square" lIns="91440" tIns="45720" rIns="91440" bIns="45720" numCol="1" spcCol="0" rtlCol="0" fromWordArt="0" anchor="t" anchorCtr="0" forceAA="0" compatLnSpc="1">
+                  <a:prstTxWarp prst="textNoShape">
+                    <a:avLst/>
+                  </a:prstTxWarp>
+                  <a:noAutofit/>
+                </a:bodyPr>
+                <a:lstStyle/>
+                <a:p>
+                  <a:pPr marL="0" marR="0">
+                    <a:lnSpc>
+                      <a:spcPct val="107000"/>
+                    </a:lnSpc>
+                    <a:spcBef>
+                      <a:spcPts val="0"/>
+                    </a:spcBef>
+                    <a:spcAft>
+                      <a:spcPts val="800"/>
+                    </a:spcAft>
+                  </a:pPr>
+                  <a:r>
+                    <a:rPr lang="en-US" sz="1100">
+                      <a:solidFill>
+                        <a:srgbClr val="FFFFFF"/>
+                      </a:solidFill>
+                      <a:effectLst/>
+                      <a:ea typeface="Calibri" panose="020F0502020204030204" pitchFamily="34" charset="0"/>
+                      <a:cs typeface="Times New Roman" panose="02020603050405020304" pitchFamily="18" charset="0"/>
+                    </a:rPr>
+                    <a:t>XBee</a:t>
+                  </a:r>
+                  <a:endParaRPr lang="en-US" sz="1100">
+                    <a:effectLst/>
+                    <a:ea typeface="Calibri" panose="020F0502020204030204" pitchFamily="34" charset="0"/>
+                    <a:cs typeface="Times New Roman" panose="02020603050405020304" pitchFamily="18" charset="0"/>
+                  </a:endParaRPr>
+                </a:p>
+              </p:txBody>
+            </p:sp>
+          </p:grpSp>
+          <p:grpSp>
+            <p:nvGrpSpPr>
+              <p:cNvPr id="45" name="Group 44"/>
+              <p:cNvGrpSpPr/>
+              <p:nvPr/>
+            </p:nvGrpSpPr>
+            <p:grpSpPr>
+              <a:xfrm>
+                <a:off x="4686300" y="1895917"/>
+                <a:ext cx="572127" cy="487045"/>
+                <a:chOff x="4686300" y="1895917"/>
+                <a:chExt cx="572127" cy="487045"/>
+              </a:xfrm>
+            </p:grpSpPr>
+            <p:sp>
+              <p:nvSpPr>
+                <p:cNvPr id="82" name="Snip Same Side Corner Rectangle 81"/>
+                <p:cNvSpPr/>
+                <p:nvPr/>
+              </p:nvSpPr>
+              <p:spPr>
+                <a:xfrm rot="16200000">
+                  <a:off x="4745990" y="1852930"/>
+                  <a:ext cx="452120" cy="571500"/>
+                </a:xfrm>
+                <a:prstGeom prst="snip2SameRect">
+                  <a:avLst>
+                    <a:gd name="adj1" fmla="val 32667"/>
+                    <a:gd name="adj2" fmla="val 0"/>
+                  </a:avLst>
+                </a:prstGeom>
+                <a:solidFill>
+                  <a:schemeClr val="accent1">
+                    <a:lumMod val="75000"/>
+                  </a:schemeClr>
+                </a:solidFill>
+              </p:spPr>
+              <p:style>
+                <a:lnRef idx="2">
+                  <a:schemeClr val="dk1"/>
+                </a:lnRef>
+                <a:fillRef idx="1">
+                  <a:schemeClr val="lt1"/>
+                </a:fillRef>
+                <a:effectRef idx="0">
+                  <a:schemeClr val="dk1"/>
+                </a:effectRef>
+                <a:fontRef idx="minor">
+                  <a:schemeClr val="dk1"/>
+                </a:fontRef>
+              </p:style>
+              <p:txBody>
+                <a:bodyPr rot="0" spcFirstLastPara="0" vert="horz" wrap="square" lIns="91440" tIns="45720" rIns="91440" bIns="45720" numCol="1" spcCol="0" rtlCol="0" fromWordArt="0" anchor="ctr" anchorCtr="0" forceAA="0" compatLnSpc="1">
+                  <a:prstTxWarp prst="textNoShape">
+                    <a:avLst/>
+                  </a:prstTxWarp>
+                  <a:noAutofit/>
+                </a:bodyPr>
+                <a:lstStyle/>
+                <a:p>
+                  <a:endParaRPr lang="en-US"/>
+                </a:p>
+              </p:txBody>
+            </p:sp>
+            <p:sp>
+              <p:nvSpPr>
+                <p:cNvPr id="83" name="Text Box 77"/>
+                <p:cNvSpPr txBox="1"/>
+                <p:nvPr/>
+              </p:nvSpPr>
+              <p:spPr>
+                <a:xfrm rot="16200000">
+                  <a:off x="4887587" y="2012122"/>
+                  <a:ext cx="487045" cy="254635"/>
+                </a:xfrm>
+                <a:prstGeom prst="rect">
+                  <a:avLst/>
+                </a:prstGeom>
+                <a:noFill/>
+                <a:ln w="6350">
+                  <a:noFill/>
+                </a:ln>
+                <a:effectLst/>
+              </p:spPr>
+              <p:style>
+                <a:lnRef idx="0">
+                  <a:schemeClr val="accent1"/>
+                </a:lnRef>
+                <a:fillRef idx="0">
+                  <a:schemeClr val="accent1"/>
+                </a:fillRef>
+                <a:effectRef idx="0">
+                  <a:schemeClr val="accent1"/>
+                </a:effectRef>
+                <a:fontRef idx="minor">
+                  <a:schemeClr val="dk1"/>
+                </a:fontRef>
+              </p:style>
+              <p:txBody>
+                <a:bodyPr rot="0" spcFirstLastPara="0" vert="horz" wrap="square" lIns="91440" tIns="45720" rIns="91440" bIns="45720" numCol="1" spcCol="0" rtlCol="0" fromWordArt="0" anchor="t" anchorCtr="0" forceAA="0" compatLnSpc="1">
+                  <a:prstTxWarp prst="textNoShape">
+                    <a:avLst/>
+                  </a:prstTxWarp>
+                  <a:noAutofit/>
+                </a:bodyPr>
+                <a:lstStyle/>
+                <a:p>
+                  <a:pPr marL="0" marR="0">
+                    <a:lnSpc>
+                      <a:spcPct val="106000"/>
+                    </a:lnSpc>
+                    <a:spcBef>
+                      <a:spcPts val="0"/>
+                    </a:spcBef>
+                    <a:spcAft>
+                      <a:spcPts val="800"/>
+                    </a:spcAft>
+                  </a:pPr>
+                  <a:r>
+                    <a:rPr lang="en-US" sz="1100">
+                      <a:solidFill>
+                        <a:srgbClr val="FFFFFF"/>
+                      </a:solidFill>
+                      <a:effectLst/>
+                      <a:ea typeface="Calibri" panose="020F0502020204030204" pitchFamily="34" charset="0"/>
+                    </a:rPr>
+                    <a:t>XBee</a:t>
+                  </a:r>
+                  <a:endParaRPr lang="en-US" sz="1200">
+                    <a:effectLst/>
+                    <a:latin typeface="Times New Roman" panose="02020603050405020304" pitchFamily="18" charset="0"/>
+                    <a:ea typeface="Times New Roman" panose="02020603050405020304" pitchFamily="18" charset="0"/>
+                  </a:endParaRPr>
+                </a:p>
+              </p:txBody>
+            </p:sp>
+          </p:grpSp>
+          <p:grpSp>
+            <p:nvGrpSpPr>
+              <p:cNvPr id="46" name="Group 45"/>
+              <p:cNvGrpSpPr/>
+              <p:nvPr/>
+            </p:nvGrpSpPr>
+            <p:grpSpPr>
+              <a:xfrm>
+                <a:off x="5715000" y="909320"/>
+                <a:ext cx="1028700" cy="1485900"/>
+                <a:chOff x="5715000" y="909320"/>
+                <a:chExt cx="1028700" cy="1485900"/>
+              </a:xfrm>
+            </p:grpSpPr>
+            <p:grpSp>
+              <p:nvGrpSpPr>
+                <p:cNvPr id="76" name="Group 75"/>
+                <p:cNvGrpSpPr/>
+                <p:nvPr/>
+              </p:nvGrpSpPr>
+              <p:grpSpPr>
+                <a:xfrm>
+                  <a:off x="5715000" y="909320"/>
+                  <a:ext cx="1028700" cy="1485900"/>
+                  <a:chOff x="5715000" y="909320"/>
+                  <a:chExt cx="1028700" cy="1485900"/>
+                </a:xfrm>
+              </p:grpSpPr>
+              <p:sp>
+                <p:nvSpPr>
+                  <p:cNvPr id="78" name="Rectangle 77"/>
+                  <p:cNvSpPr/>
+                  <p:nvPr/>
+                </p:nvSpPr>
+                <p:spPr>
+                  <a:xfrm>
+                    <a:off x="5715000" y="909320"/>
+                    <a:ext cx="1028700" cy="1485900"/>
+                  </a:xfrm>
+                  <a:prstGeom prst="rect">
+                    <a:avLst/>
+                  </a:prstGeom>
+                  <a:solidFill>
+                    <a:schemeClr val="accent1">
+                      <a:lumMod val="75000"/>
+                    </a:schemeClr>
+                  </a:solidFill>
+                </p:spPr>
+                <p:style>
+                  <a:lnRef idx="2">
+                    <a:schemeClr val="dk1"/>
+                  </a:lnRef>
+                  <a:fillRef idx="1">
+                    <a:schemeClr val="lt1"/>
+                  </a:fillRef>
+                  <a:effectRef idx="0">
+                    <a:schemeClr val="dk1"/>
+                  </a:effectRef>
+                  <a:fontRef idx="minor">
+                    <a:schemeClr val="dk1"/>
+                  </a:fontRef>
+                </p:style>
+                <p:txBody>
+                  <a:bodyPr rot="0" spcFirstLastPara="0" vert="horz" wrap="square" lIns="91440" tIns="45720" rIns="91440" bIns="45720" numCol="1" spcCol="0" rtlCol="0" fromWordArt="0" anchor="ctr" anchorCtr="0" forceAA="0" compatLnSpc="1">
+                    <a:prstTxWarp prst="textNoShape">
+                      <a:avLst/>
+                    </a:prstTxWarp>
+                    <a:noAutofit/>
+                  </a:bodyPr>
+                  <a:lstStyle/>
+                  <a:p>
+                    <a:endParaRPr lang="en-US"/>
+                  </a:p>
+                </p:txBody>
+              </p:sp>
+              <p:sp>
+                <p:nvSpPr>
+                  <p:cNvPr id="79" name="Rectangle 78"/>
+                  <p:cNvSpPr/>
+                  <p:nvPr/>
+                </p:nvSpPr>
+                <p:spPr>
+                  <a:xfrm>
+                    <a:off x="5787453" y="962834"/>
+                    <a:ext cx="54864" cy="1188720"/>
+                  </a:xfrm>
+                  <a:prstGeom prst="rect">
+                    <a:avLst/>
+                  </a:prstGeom>
+                </p:spPr>
+                <p:style>
+                  <a:lnRef idx="2">
+                    <a:schemeClr val="dk1">
+                      <a:shade val="50000"/>
+                    </a:schemeClr>
+                  </a:lnRef>
+                  <a:fillRef idx="1">
+                    <a:schemeClr val="dk1"/>
+                  </a:fillRef>
+                  <a:effectRef idx="0">
+                    <a:schemeClr val="dk1"/>
+                  </a:effectRef>
+                  <a:fontRef idx="minor">
+                    <a:schemeClr val="lt1"/>
+                  </a:fontRef>
+                </p:style>
+                <p:txBody>
+                  <a:bodyPr rot="0" spcFirstLastPara="0" vert="horz" wrap="square" lIns="91440" tIns="45720" rIns="91440" bIns="45720" numCol="1" spcCol="0" rtlCol="0" fromWordArt="0" anchor="ctr" anchorCtr="0" forceAA="0" compatLnSpc="1">
+                    <a:prstTxWarp prst="textNoShape">
+                      <a:avLst/>
+                    </a:prstTxWarp>
+                    <a:noAutofit/>
+                  </a:bodyPr>
+                  <a:lstStyle/>
+                  <a:p>
+                    <a:endParaRPr lang="en-US"/>
+                  </a:p>
+                </p:txBody>
+              </p:sp>
+              <p:sp>
+                <p:nvSpPr>
+                  <p:cNvPr id="80" name="Rectangle 79"/>
+                  <p:cNvSpPr/>
+                  <p:nvPr/>
+                </p:nvSpPr>
+                <p:spPr>
+                  <a:xfrm>
+                    <a:off x="6583009" y="962578"/>
+                    <a:ext cx="54864" cy="1188720"/>
+                  </a:xfrm>
+                  <a:prstGeom prst="rect">
+                    <a:avLst/>
+                  </a:prstGeom>
+                </p:spPr>
+                <p:style>
+                  <a:lnRef idx="2">
+                    <a:schemeClr val="dk1">
+                      <a:shade val="50000"/>
+                    </a:schemeClr>
+                  </a:lnRef>
+                  <a:fillRef idx="1">
+                    <a:schemeClr val="dk1"/>
+                  </a:fillRef>
+                  <a:effectRef idx="0">
+                    <a:schemeClr val="dk1"/>
+                  </a:effectRef>
+                  <a:fontRef idx="minor">
+                    <a:schemeClr val="lt1"/>
+                  </a:fontRef>
+                </p:style>
+                <p:txBody>
+                  <a:bodyPr rot="0" spcFirstLastPara="0" vert="horz" wrap="square" lIns="91440" tIns="45720" rIns="91440" bIns="45720" numCol="1" spcCol="0" rtlCol="0" fromWordArt="0" anchor="ctr" anchorCtr="0" forceAA="0" compatLnSpc="1">
+                    <a:prstTxWarp prst="textNoShape">
+                      <a:avLst/>
+                    </a:prstTxWarp>
+                    <a:noAutofit/>
+                  </a:bodyPr>
+                  <a:lstStyle/>
+                  <a:p>
+                    <a:endParaRPr lang="en-US"/>
+                  </a:p>
+                </p:txBody>
+              </p:sp>
+              <p:sp>
+                <p:nvSpPr>
+                  <p:cNvPr id="81" name="Rectangle 80"/>
+                  <p:cNvSpPr/>
+                  <p:nvPr/>
+                </p:nvSpPr>
+                <p:spPr>
+                  <a:xfrm>
+                    <a:off x="5787453" y="2231219"/>
+                    <a:ext cx="850420" cy="109728"/>
+                  </a:xfrm>
+                  <a:prstGeom prst="rect">
+                    <a:avLst/>
+                  </a:prstGeom>
+                </p:spPr>
+                <p:style>
+                  <a:lnRef idx="2">
+                    <a:schemeClr val="dk1">
+                      <a:shade val="50000"/>
+                    </a:schemeClr>
+                  </a:lnRef>
+                  <a:fillRef idx="1">
+                    <a:schemeClr val="dk1"/>
+                  </a:fillRef>
+                  <a:effectRef idx="0">
+                    <a:schemeClr val="dk1"/>
+                  </a:effectRef>
+                  <a:fontRef idx="minor">
+                    <a:schemeClr val="lt1"/>
+                  </a:fontRef>
+                </p:style>
+                <p:txBody>
+                  <a:bodyPr rot="0" spcFirstLastPara="0" vert="horz" wrap="square" lIns="91440" tIns="45720" rIns="91440" bIns="45720" numCol="1" spcCol="0" rtlCol="0" fromWordArt="0" anchor="ctr" anchorCtr="0" forceAA="0" compatLnSpc="1">
+                    <a:prstTxWarp prst="textNoShape">
+                      <a:avLst/>
+                    </a:prstTxWarp>
+                    <a:noAutofit/>
+                  </a:bodyPr>
+                  <a:lstStyle/>
+                  <a:p>
+                    <a:endParaRPr lang="en-US"/>
+                  </a:p>
+                </p:txBody>
+              </p:sp>
+            </p:grpSp>
+            <p:sp>
+              <p:nvSpPr>
+                <p:cNvPr id="77" name="Text Box 77"/>
+                <p:cNvSpPr txBox="1"/>
+                <p:nvPr/>
+              </p:nvSpPr>
+              <p:spPr>
+                <a:xfrm rot="5400000">
+                  <a:off x="5266247" y="1386601"/>
+                  <a:ext cx="1339817" cy="442312"/>
+                </a:xfrm>
+                <a:prstGeom prst="rect">
+                  <a:avLst/>
+                </a:prstGeom>
+                <a:noFill/>
+                <a:ln w="6350">
+                  <a:noFill/>
+                </a:ln>
+                <a:effectLst/>
+              </p:spPr>
+              <p:style>
+                <a:lnRef idx="0">
+                  <a:schemeClr val="accent1"/>
+                </a:lnRef>
+                <a:fillRef idx="0">
+                  <a:schemeClr val="accent1"/>
+                </a:fillRef>
+                <a:effectRef idx="0">
+                  <a:schemeClr val="accent1"/>
+                </a:effectRef>
+                <a:fontRef idx="minor">
+                  <a:schemeClr val="dk1"/>
+                </a:fontRef>
+              </p:style>
+              <p:txBody>
+                <a:bodyPr rot="0" spcFirstLastPara="0" vert="horz" wrap="square" lIns="91440" tIns="45720" rIns="91440" bIns="45720" numCol="1" spcCol="0" rtlCol="0" fromWordArt="0" anchor="t" anchorCtr="0" forceAA="0" compatLnSpc="1">
+                  <a:prstTxWarp prst="textNoShape">
+                    <a:avLst/>
+                  </a:prstTxWarp>
+                  <a:noAutofit/>
+                </a:bodyPr>
+                <a:lstStyle/>
+                <a:p>
+                  <a:pPr marL="0" marR="0">
+                    <a:lnSpc>
+                      <a:spcPct val="106000"/>
+                    </a:lnSpc>
+                    <a:spcBef>
+                      <a:spcPts val="0"/>
+                    </a:spcBef>
+                    <a:spcAft>
+                      <a:spcPts val="800"/>
+                    </a:spcAft>
+                  </a:pPr>
+                  <a:r>
+                    <a:rPr lang="en-US" sz="1100" dirty="0">
+                      <a:solidFill>
+                        <a:srgbClr val="FFFFFF"/>
+                      </a:solidFill>
+                      <a:effectLst/>
+                      <a:ea typeface="Calibri" panose="020F0502020204030204" pitchFamily="34" charset="0"/>
+                    </a:rPr>
+                    <a:t>Arduino Mega 2560</a:t>
+                  </a:r>
+                  <a:endParaRPr lang="en-US" sz="1200" dirty="0">
+                    <a:effectLst/>
+                    <a:latin typeface="Times New Roman" panose="02020603050405020304" pitchFamily="18" charset="0"/>
+                    <a:ea typeface="Times New Roman" panose="02020603050405020304" pitchFamily="18" charset="0"/>
+                  </a:endParaRPr>
+                </a:p>
+              </p:txBody>
+            </p:sp>
+          </p:grpSp>
+          <p:grpSp>
+            <p:nvGrpSpPr>
+              <p:cNvPr id="47" name="Group 46"/>
+              <p:cNvGrpSpPr/>
+              <p:nvPr/>
+            </p:nvGrpSpPr>
+            <p:grpSpPr>
+              <a:xfrm>
+                <a:off x="2057400" y="1174721"/>
+                <a:ext cx="1371600" cy="1220499"/>
+                <a:chOff x="2057400" y="1174721"/>
+                <a:chExt cx="1371600" cy="1220499"/>
+              </a:xfrm>
+            </p:grpSpPr>
+            <p:grpSp>
+              <p:nvGrpSpPr>
+                <p:cNvPr id="69" name="Group 68"/>
+                <p:cNvGrpSpPr/>
+                <p:nvPr/>
+              </p:nvGrpSpPr>
+              <p:grpSpPr>
+                <a:xfrm>
+                  <a:off x="2057400" y="1174721"/>
+                  <a:ext cx="1371600" cy="1220499"/>
+                  <a:chOff x="2057400" y="1174721"/>
+                  <a:chExt cx="1371600" cy="1220499"/>
+                </a:xfrm>
+              </p:grpSpPr>
+              <p:grpSp>
+                <p:nvGrpSpPr>
+                  <p:cNvPr id="71" name="Group 70"/>
+                  <p:cNvGrpSpPr/>
+                  <p:nvPr/>
+                </p:nvGrpSpPr>
+                <p:grpSpPr>
+                  <a:xfrm>
+                    <a:off x="2057400" y="1174721"/>
+                    <a:ext cx="1371600" cy="1220499"/>
+                    <a:chOff x="2743200" y="1028700"/>
+                    <a:chExt cx="1371600" cy="1220499"/>
+                  </a:xfrm>
+                </p:grpSpPr>
+                <p:sp>
+                  <p:nvSpPr>
+                    <p:cNvPr id="73" name="Rounded Rectangle 72"/>
+                    <p:cNvSpPr/>
+                    <p:nvPr/>
+                  </p:nvSpPr>
+                  <p:spPr>
+                    <a:xfrm>
+                      <a:off x="2743200" y="2134899"/>
+                      <a:ext cx="1371600" cy="114300"/>
+                    </a:xfrm>
+                    <a:prstGeom prst="roundRect">
+                      <a:avLst/>
+                    </a:prstGeom>
+                    <a:solidFill>
+                      <a:schemeClr val="tx1">
+                        <a:lumMod val="85000"/>
+                        <a:lumOff val="15000"/>
+                      </a:schemeClr>
+                    </a:solidFill>
+                  </p:spPr>
+                  <p:style>
+                    <a:lnRef idx="2">
+                      <a:schemeClr val="dk1"/>
+                    </a:lnRef>
+                    <a:fillRef idx="1">
+                      <a:schemeClr val="lt1"/>
+                    </a:fillRef>
+                    <a:effectRef idx="0">
+                      <a:schemeClr val="dk1"/>
+                    </a:effectRef>
+                    <a:fontRef idx="minor">
+                      <a:schemeClr val="dk1"/>
+                    </a:fontRef>
+                  </p:style>
+                  <p:txBody>
+                    <a:bodyPr rot="0" spcFirstLastPara="0" vert="horz" wrap="square" lIns="91440" tIns="45720" rIns="91440" bIns="45720" numCol="1" spcCol="0" rtlCol="0" fromWordArt="0" anchor="ctr" anchorCtr="0" forceAA="0" compatLnSpc="1">
+                      <a:prstTxWarp prst="textNoShape">
+                        <a:avLst/>
+                      </a:prstTxWarp>
+                      <a:noAutofit/>
+                    </a:bodyPr>
+                    <a:lstStyle/>
+                    <a:p>
+                      <a:endParaRPr lang="en-US"/>
+                    </a:p>
+                  </p:txBody>
+                </p:sp>
+                <p:sp>
+                  <p:nvSpPr>
+                    <p:cNvPr id="74" name="Rounded Rectangle 73"/>
+                    <p:cNvSpPr/>
+                    <p:nvPr/>
+                  </p:nvSpPr>
+                  <p:spPr>
+                    <a:xfrm>
+                      <a:off x="2743200" y="1028700"/>
+                      <a:ext cx="1371600" cy="800100"/>
+                    </a:xfrm>
+                    <a:prstGeom prst="roundRect">
+                      <a:avLst>
+                        <a:gd name="adj" fmla="val 3036"/>
+                      </a:avLst>
+                    </a:prstGeom>
+                    <a:solidFill>
+                      <a:schemeClr val="tx1">
+                        <a:lumMod val="85000"/>
+                        <a:lumOff val="15000"/>
+                      </a:schemeClr>
+                    </a:solidFill>
+                  </p:spPr>
+                  <p:style>
+                    <a:lnRef idx="2">
+                      <a:schemeClr val="dk1"/>
+                    </a:lnRef>
+                    <a:fillRef idx="1">
+                      <a:schemeClr val="lt1"/>
+                    </a:fillRef>
+                    <a:effectRef idx="0">
+                      <a:schemeClr val="dk1"/>
+                    </a:effectRef>
+                    <a:fontRef idx="minor">
+                      <a:schemeClr val="dk1"/>
+                    </a:fontRef>
+                  </p:style>
+                  <p:txBody>
+                    <a:bodyPr rot="0" spcFirstLastPara="0" vert="horz" wrap="square" lIns="91440" tIns="45720" rIns="91440" bIns="45720" numCol="1" spcCol="0" rtlCol="0" fromWordArt="0" anchor="ctr" anchorCtr="0" forceAA="0" compatLnSpc="1">
+                      <a:prstTxWarp prst="textNoShape">
+                        <a:avLst/>
+                      </a:prstTxWarp>
+                      <a:noAutofit/>
+                    </a:bodyPr>
+                    <a:lstStyle/>
+                    <a:p>
+                      <a:endParaRPr lang="en-US"/>
+                    </a:p>
+                  </p:txBody>
+                </p:sp>
+                <p:sp>
+                  <p:nvSpPr>
+                    <p:cNvPr id="75" name="Rounded Rectangle 74"/>
+                    <p:cNvSpPr/>
+                    <p:nvPr/>
+                  </p:nvSpPr>
+                  <p:spPr>
+                    <a:xfrm>
+                      <a:off x="2743200" y="1820334"/>
+                      <a:ext cx="1371600" cy="332318"/>
+                    </a:xfrm>
+                    <a:prstGeom prst="roundRect">
+                      <a:avLst>
+                        <a:gd name="adj" fmla="val 0"/>
+                      </a:avLst>
+                    </a:prstGeom>
+                    <a:solidFill>
+                      <a:schemeClr val="tx1">
+                        <a:lumMod val="65000"/>
+                        <a:lumOff val="35000"/>
+                      </a:schemeClr>
+                    </a:solidFill>
+                  </p:spPr>
+                  <p:style>
+                    <a:lnRef idx="2">
+                      <a:schemeClr val="dk1"/>
+                    </a:lnRef>
+                    <a:fillRef idx="1">
+                      <a:schemeClr val="lt1"/>
+                    </a:fillRef>
+                    <a:effectRef idx="0">
+                      <a:schemeClr val="dk1"/>
+                    </a:effectRef>
+                    <a:fontRef idx="minor">
+                      <a:schemeClr val="dk1"/>
+                    </a:fontRef>
+                  </p:style>
+                  <p:txBody>
+                    <a:bodyPr rot="0" spcFirstLastPara="0" vert="horz" wrap="square" lIns="91440" tIns="45720" rIns="91440" bIns="45720" numCol="1" spcCol="0" rtlCol="0" fromWordArt="0" anchor="ctr" anchorCtr="0" forceAA="0" compatLnSpc="1">
+                      <a:prstTxWarp prst="textNoShape">
+                        <a:avLst/>
+                      </a:prstTxWarp>
+                      <a:noAutofit/>
+                    </a:bodyPr>
+                    <a:lstStyle/>
+                    <a:p>
+                      <a:endParaRPr lang="en-US"/>
+                    </a:p>
+                  </p:txBody>
+                </p:sp>
+              </p:grpSp>
+              <p:sp>
+                <p:nvSpPr>
+                  <p:cNvPr id="72" name="Rounded Rectangle 71"/>
+                  <p:cNvSpPr/>
+                  <p:nvPr/>
+                </p:nvSpPr>
+                <p:spPr>
+                  <a:xfrm>
+                    <a:off x="2097146" y="1218425"/>
+                    <a:ext cx="1292109" cy="702591"/>
+                  </a:xfrm>
+                  <a:prstGeom prst="roundRect">
+                    <a:avLst>
+                      <a:gd name="adj" fmla="val 1930"/>
+                    </a:avLst>
+                  </a:prstGeom>
+                  <a:solidFill>
+                    <a:schemeClr val="bg1"/>
+                  </a:solidFill>
+                  <a:ln>
+                    <a:solidFill>
+                      <a:schemeClr val="tx1"/>
+                    </a:solidFill>
+                  </a:ln>
+                </p:spPr>
+                <p:style>
+                  <a:lnRef idx="2">
+                    <a:schemeClr val="accent1">
+                      <a:shade val="50000"/>
+                    </a:schemeClr>
+                  </a:lnRef>
+                  <a:fillRef idx="1">
+                    <a:schemeClr val="accent1"/>
+                  </a:fillRef>
+                  <a:effectRef idx="0">
+                    <a:schemeClr val="accent1"/>
+                  </a:effectRef>
+                  <a:fontRef idx="minor">
+                    <a:schemeClr val="lt1"/>
+                  </a:fontRef>
+                </p:style>
+                <p:txBody>
+                  <a:bodyPr rot="0" spcFirstLastPara="0" vert="horz" wrap="square" lIns="91440" tIns="45720" rIns="91440" bIns="45720" numCol="1" spcCol="0" rtlCol="0" fromWordArt="0" anchor="ctr" anchorCtr="0" forceAA="0" compatLnSpc="1">
+                    <a:prstTxWarp prst="textNoShape">
+                      <a:avLst/>
+                    </a:prstTxWarp>
+                    <a:noAutofit/>
+                  </a:bodyPr>
+                  <a:lstStyle/>
+                  <a:p>
+                    <a:endParaRPr lang="en-US"/>
+                  </a:p>
+                </p:txBody>
+              </p:sp>
+            </p:grpSp>
+            <p:pic>
+              <p:nvPicPr>
+                <p:cNvPr id="70" name="Picture 69"/>
+                <p:cNvPicPr>
+                  <a:picLocks noChangeAspect="1"/>
+                </p:cNvPicPr>
+                <p:nvPr/>
+              </p:nvPicPr>
+              <p:blipFill rotWithShape="1">
+                <a:blip r:embed="rId13"/>
+                <a:srcRect l="16517" t="5696" r="17632" b="12101"/>
+                <a:stretch/>
+              </p:blipFill>
+              <p:spPr>
+                <a:xfrm>
+                  <a:off x="2198813" y="1235967"/>
+                  <a:ext cx="1078837" cy="673361"/>
+                </a:xfrm>
+                <a:prstGeom prst="rect">
+                  <a:avLst/>
+                </a:prstGeom>
+              </p:spPr>
+            </p:pic>
+          </p:grpSp>
+          <p:grpSp>
+            <p:nvGrpSpPr>
+              <p:cNvPr id="48" name="Group 47"/>
+              <p:cNvGrpSpPr/>
+              <p:nvPr/>
+            </p:nvGrpSpPr>
+            <p:grpSpPr>
+              <a:xfrm>
+                <a:off x="114300" y="1595120"/>
+                <a:ext cx="1714500" cy="800100"/>
+                <a:chOff x="114300" y="1595120"/>
+                <a:chExt cx="1714500" cy="800100"/>
+              </a:xfrm>
+            </p:grpSpPr>
+            <p:grpSp>
+              <p:nvGrpSpPr>
+                <p:cNvPr id="49" name="Group 48"/>
+                <p:cNvGrpSpPr/>
+                <p:nvPr/>
+              </p:nvGrpSpPr>
+              <p:grpSpPr>
+                <a:xfrm>
+                  <a:off x="114300" y="1595120"/>
+                  <a:ext cx="1714500" cy="800100"/>
+                  <a:chOff x="114300" y="1595120"/>
+                  <a:chExt cx="1714500" cy="800100"/>
+                </a:xfrm>
+              </p:grpSpPr>
+              <p:grpSp>
+                <p:nvGrpSpPr>
+                  <p:cNvPr id="52" name="Group 51"/>
+                  <p:cNvGrpSpPr/>
+                  <p:nvPr/>
+                </p:nvGrpSpPr>
+                <p:grpSpPr>
+                  <a:xfrm>
+                    <a:off x="114300" y="1595120"/>
+                    <a:ext cx="1714500" cy="800100"/>
+                    <a:chOff x="114300" y="1595120"/>
+                    <a:chExt cx="1714500" cy="800100"/>
+                  </a:xfrm>
+                </p:grpSpPr>
+                <p:grpSp>
+                  <p:nvGrpSpPr>
+                    <p:cNvPr id="55" name="Group 54"/>
+                    <p:cNvGrpSpPr/>
+                    <p:nvPr/>
+                  </p:nvGrpSpPr>
+                  <p:grpSpPr>
+                    <a:xfrm>
+                      <a:off x="114300" y="1595120"/>
+                      <a:ext cx="1714500" cy="800100"/>
+                      <a:chOff x="114300" y="1595120"/>
+                      <a:chExt cx="1714500" cy="800100"/>
+                    </a:xfrm>
+                  </p:grpSpPr>
+                  <p:grpSp>
+                    <p:nvGrpSpPr>
+                      <p:cNvPr id="61" name="Group 60"/>
+                      <p:cNvGrpSpPr/>
+                      <p:nvPr/>
+                    </p:nvGrpSpPr>
+                    <p:grpSpPr>
+                      <a:xfrm>
+                        <a:off x="114300" y="1595120"/>
+                        <a:ext cx="1714500" cy="800100"/>
+                        <a:chOff x="457200" y="1600200"/>
+                        <a:chExt cx="1714500" cy="800100"/>
+                      </a:xfrm>
+                      <a:solidFill>
+                        <a:schemeClr val="bg1">
+                          <a:lumMod val="85000"/>
+                        </a:schemeClr>
+                      </a:solidFill>
+                    </p:grpSpPr>
+                    <p:sp>
+                      <p:nvSpPr>
+                        <p:cNvPr id="65" name="Rounded Rectangle 64"/>
+                        <p:cNvSpPr/>
+                        <p:nvPr/>
+                      </p:nvSpPr>
+                      <p:spPr>
+                        <a:xfrm>
+                          <a:off x="457200" y="1600200"/>
+                          <a:ext cx="1714500" cy="571500"/>
+                        </a:xfrm>
+                        <a:prstGeom prst="roundRect">
+                          <a:avLst/>
+                        </a:prstGeom>
+                        <a:grpFill/>
+                      </p:spPr>
+                      <p:style>
+                        <a:lnRef idx="2">
+                          <a:schemeClr val="dk1"/>
+                        </a:lnRef>
+                        <a:fillRef idx="1">
+                          <a:schemeClr val="lt1"/>
+                        </a:fillRef>
+                        <a:effectRef idx="0">
+                          <a:schemeClr val="dk1"/>
+                        </a:effectRef>
+                        <a:fontRef idx="minor">
+                          <a:schemeClr val="dk1"/>
+                        </a:fontRef>
+                      </p:style>
+                      <p:txBody>
+                        <a:bodyPr rot="0" spcFirstLastPara="0" vert="horz" wrap="square" lIns="91440" tIns="45720" rIns="91440" bIns="45720" numCol="1" spcCol="0" rtlCol="0" fromWordArt="0" anchor="ctr" anchorCtr="0" forceAA="0" compatLnSpc="1">
+                          <a:prstTxWarp prst="textNoShape">
+                            <a:avLst/>
+                          </a:prstTxWarp>
+                          <a:noAutofit/>
+                        </a:bodyPr>
+                        <a:lstStyle/>
+                        <a:p>
+                          <a:endParaRPr lang="en-US"/>
+                        </a:p>
+                      </p:txBody>
+                    </p:sp>
+                    <p:sp>
+                      <p:nvSpPr>
+                        <p:cNvPr id="66" name="Oval 65"/>
+                        <p:cNvSpPr/>
+                        <p:nvPr/>
+                      </p:nvSpPr>
+                      <p:spPr>
+                        <a:xfrm>
+                          <a:off x="457200" y="1714500"/>
+                          <a:ext cx="685800" cy="685800"/>
+                        </a:xfrm>
+                        <a:prstGeom prst="ellipse">
+                          <a:avLst/>
+                        </a:prstGeom>
+                        <a:grpFill/>
+                      </p:spPr>
+                      <p:style>
+                        <a:lnRef idx="2">
+                          <a:schemeClr val="dk1"/>
+                        </a:lnRef>
+                        <a:fillRef idx="1">
+                          <a:schemeClr val="lt1"/>
+                        </a:fillRef>
+                        <a:effectRef idx="0">
+                          <a:schemeClr val="dk1"/>
+                        </a:effectRef>
+                        <a:fontRef idx="minor">
+                          <a:schemeClr val="dk1"/>
+                        </a:fontRef>
+                      </p:style>
+                      <p:txBody>
+                        <a:bodyPr rot="0" spcFirstLastPara="0" vert="horz" wrap="square" lIns="91440" tIns="45720" rIns="91440" bIns="45720" numCol="1" spcCol="0" rtlCol="0" fromWordArt="0" anchor="ctr" anchorCtr="0" forceAA="0" compatLnSpc="1">
+                          <a:prstTxWarp prst="textNoShape">
+                            <a:avLst/>
+                          </a:prstTxWarp>
+                          <a:noAutofit/>
+                        </a:bodyPr>
+                        <a:lstStyle/>
+                        <a:p>
+                          <a:endParaRPr lang="en-US"/>
+                        </a:p>
+                      </p:txBody>
+                    </p:sp>
+                    <p:sp>
+                      <p:nvSpPr>
+                        <p:cNvPr id="67" name="Oval 66"/>
+                        <p:cNvSpPr/>
+                        <p:nvPr/>
+                      </p:nvSpPr>
+                      <p:spPr>
+                        <a:xfrm>
+                          <a:off x="1485900" y="1714500"/>
+                          <a:ext cx="685800" cy="685800"/>
+                        </a:xfrm>
+                        <a:prstGeom prst="ellipse">
+                          <a:avLst/>
+                        </a:prstGeom>
+                        <a:grpFill/>
+                      </p:spPr>
+                      <p:style>
+                        <a:lnRef idx="2">
+                          <a:schemeClr val="dk1"/>
+                        </a:lnRef>
+                        <a:fillRef idx="1">
+                          <a:schemeClr val="lt1"/>
+                        </a:fillRef>
+                        <a:effectRef idx="0">
+                          <a:schemeClr val="dk1"/>
+                        </a:effectRef>
+                        <a:fontRef idx="minor">
+                          <a:schemeClr val="dk1"/>
+                        </a:fontRef>
+                      </p:style>
+                      <p:txBody>
+                        <a:bodyPr rot="0" spcFirstLastPara="0" vert="horz" wrap="square" lIns="91440" tIns="45720" rIns="91440" bIns="45720" numCol="1" spcCol="0" rtlCol="0" fromWordArt="0" anchor="ctr" anchorCtr="0" forceAA="0" compatLnSpc="1">
+                          <a:prstTxWarp prst="textNoShape">
+                            <a:avLst/>
+                          </a:prstTxWarp>
+                          <a:noAutofit/>
+                        </a:bodyPr>
+                        <a:lstStyle/>
+                        <a:p>
+                          <a:endParaRPr lang="en-US"/>
+                        </a:p>
+                      </p:txBody>
+                    </p:sp>
+                    <p:sp>
+                      <p:nvSpPr>
+                        <p:cNvPr id="68" name="Rounded Rectangle 67"/>
+                        <p:cNvSpPr/>
+                        <p:nvPr/>
+                      </p:nvSpPr>
+                      <p:spPr>
+                        <a:xfrm>
+                          <a:off x="460964" y="1622778"/>
+                          <a:ext cx="1705991" cy="535517"/>
+                        </a:xfrm>
+                        <a:prstGeom prst="roundRect">
+                          <a:avLst/>
+                        </a:prstGeom>
+                        <a:grpFill/>
+                        <a:ln>
+                          <a:noFill/>
+                        </a:ln>
+                      </p:spPr>
+                      <p:style>
+                        <a:lnRef idx="2">
+                          <a:schemeClr val="dk1"/>
+                        </a:lnRef>
+                        <a:fillRef idx="1">
+                          <a:schemeClr val="lt1"/>
+                        </a:fillRef>
+                        <a:effectRef idx="0">
+                          <a:schemeClr val="dk1"/>
+                        </a:effectRef>
+                        <a:fontRef idx="minor">
+                          <a:schemeClr val="dk1"/>
+                        </a:fontRef>
+                      </p:style>
+                      <p:txBody>
+                        <a:bodyPr rot="0" spcFirstLastPara="0" vert="horz" wrap="square" lIns="91440" tIns="45720" rIns="91440" bIns="45720" numCol="1" spcCol="0" rtlCol="0" fromWordArt="0" anchor="ctr" anchorCtr="0" forceAA="0" compatLnSpc="1">
+                          <a:prstTxWarp prst="textNoShape">
+                            <a:avLst/>
+                          </a:prstTxWarp>
+                          <a:noAutofit/>
+                        </a:bodyPr>
+                        <a:lstStyle/>
+                        <a:p>
+                          <a:endParaRPr lang="en-US"/>
+                        </a:p>
+                      </p:txBody>
+                    </p:sp>
+                  </p:grpSp>
+                  <p:grpSp>
+                    <p:nvGrpSpPr>
+                      <p:cNvPr id="62" name="Group 61"/>
+                      <p:cNvGrpSpPr/>
+                      <p:nvPr/>
+                    </p:nvGrpSpPr>
+                    <p:grpSpPr>
+                      <a:xfrm>
+                        <a:off x="240890" y="1919227"/>
+                        <a:ext cx="365760" cy="366773"/>
+                        <a:chOff x="240890" y="1874520"/>
+                        <a:chExt cx="365760" cy="366773"/>
+                      </a:xfrm>
+                    </p:grpSpPr>
+                    <p:sp>
+                      <p:nvSpPr>
+                        <p:cNvPr id="63" name="Rectangle 62"/>
+                        <p:cNvSpPr/>
+                        <p:nvPr/>
+                      </p:nvSpPr>
+                      <p:spPr>
+                        <a:xfrm>
+                          <a:off x="390473" y="1874520"/>
+                          <a:ext cx="70973" cy="366773"/>
+                        </a:xfrm>
+                        <a:prstGeom prst="rect">
+                          <a:avLst/>
+                        </a:prstGeom>
+                      </p:spPr>
+                      <p:style>
+                        <a:lnRef idx="2">
+                          <a:schemeClr val="dk1">
+                            <a:shade val="50000"/>
+                          </a:schemeClr>
+                        </a:lnRef>
+                        <a:fillRef idx="1">
+                          <a:schemeClr val="dk1"/>
+                        </a:fillRef>
+                        <a:effectRef idx="0">
+                          <a:schemeClr val="dk1"/>
+                        </a:effectRef>
+                        <a:fontRef idx="minor">
+                          <a:schemeClr val="lt1"/>
+                        </a:fontRef>
+                      </p:style>
+                      <p:txBody>
+                        <a:bodyPr rot="0" spcFirstLastPara="0" vert="horz" wrap="square" lIns="91440" tIns="45720" rIns="91440" bIns="45720" numCol="1" spcCol="0" rtlCol="0" fromWordArt="0" anchor="ctr" anchorCtr="0" forceAA="0" compatLnSpc="1">
+                          <a:prstTxWarp prst="textNoShape">
+                            <a:avLst/>
+                          </a:prstTxWarp>
+                          <a:noAutofit/>
+                        </a:bodyPr>
+                        <a:lstStyle/>
+                        <a:p>
+                          <a:endParaRPr lang="en-US"/>
+                        </a:p>
+                      </p:txBody>
+                    </p:sp>
+                    <p:sp>
+                      <p:nvSpPr>
+                        <p:cNvPr id="64" name="Rectangle 63"/>
+                        <p:cNvSpPr/>
+                        <p:nvPr/>
+                      </p:nvSpPr>
+                      <p:spPr>
+                        <a:xfrm>
+                          <a:off x="240890" y="2021321"/>
+                          <a:ext cx="365760" cy="73632"/>
+                        </a:xfrm>
+                        <a:prstGeom prst="rect">
+                          <a:avLst/>
+                        </a:prstGeom>
+                      </p:spPr>
+                      <p:style>
+                        <a:lnRef idx="2">
+                          <a:schemeClr val="dk1">
+                            <a:shade val="50000"/>
+                          </a:schemeClr>
+                        </a:lnRef>
+                        <a:fillRef idx="1">
+                          <a:schemeClr val="dk1"/>
+                        </a:fillRef>
+                        <a:effectRef idx="0">
+                          <a:schemeClr val="dk1"/>
+                        </a:effectRef>
+                        <a:fontRef idx="minor">
+                          <a:schemeClr val="lt1"/>
+                        </a:fontRef>
+                      </p:style>
+                      <p:txBody>
+                        <a:bodyPr rot="0" spcFirstLastPara="0" vert="horz" wrap="square" lIns="91440" tIns="45720" rIns="91440" bIns="45720" numCol="1" spcCol="0" rtlCol="0" fromWordArt="0" anchor="ctr" anchorCtr="0" forceAA="0" compatLnSpc="1">
+                          <a:prstTxWarp prst="textNoShape">
+                            <a:avLst/>
+                          </a:prstTxWarp>
+                          <a:noAutofit/>
+                        </a:bodyPr>
+                        <a:lstStyle/>
+                        <a:p>
+                          <a:endParaRPr lang="en-US"/>
+                        </a:p>
+                      </p:txBody>
+                    </p:sp>
+                  </p:grpSp>
+                </p:grpSp>
+                <p:grpSp>
+                  <p:nvGrpSpPr>
+                    <p:cNvPr id="56" name="Group 55"/>
+                    <p:cNvGrpSpPr/>
+                    <p:nvPr/>
+                  </p:nvGrpSpPr>
+                  <p:grpSpPr>
+                    <a:xfrm>
+                      <a:off x="1371600" y="1861474"/>
+                      <a:ext cx="342900" cy="419446"/>
+                      <a:chOff x="1371600" y="1861474"/>
+                      <a:chExt cx="342900" cy="419446"/>
+                    </a:xfrm>
+                  </p:grpSpPr>
+                  <p:sp>
+                    <p:nvSpPr>
+                      <p:cNvPr id="57" name="Oval 56"/>
+                      <p:cNvSpPr/>
+                      <p:nvPr/>
+                    </p:nvSpPr>
+                    <p:spPr>
+                      <a:xfrm>
+                        <a:off x="1402080" y="2166620"/>
+                        <a:ext cx="114300" cy="114300"/>
+                      </a:xfrm>
+                      <a:prstGeom prst="ellipse">
+                        <a:avLst/>
+                      </a:prstGeom>
+                      <a:solidFill>
+                        <a:schemeClr val="accent6"/>
+                      </a:solidFill>
+                      <a:ln w="12700">
+                        <a:solidFill>
+                          <a:schemeClr val="tx1"/>
+                        </a:solidFill>
+                      </a:ln>
+                    </p:spPr>
+                    <p:style>
+                      <a:lnRef idx="3">
+                        <a:schemeClr val="lt1"/>
+                      </a:lnRef>
+                      <a:fillRef idx="1">
+                        <a:schemeClr val="accent5"/>
+                      </a:fillRef>
+                      <a:effectRef idx="1">
+                        <a:schemeClr val="accent5"/>
+                      </a:effectRef>
+                      <a:fontRef idx="minor">
+                        <a:schemeClr val="lt1"/>
+                      </a:fontRef>
+                    </p:style>
+                    <p:txBody>
+                      <a:bodyPr rot="0" spcFirstLastPara="0" vert="horz" wrap="square" lIns="91440" tIns="45720" rIns="91440" bIns="45720" numCol="1" spcCol="0" rtlCol="0" fromWordArt="0" anchor="ctr" anchorCtr="0" forceAA="0" compatLnSpc="1">
+                        <a:prstTxWarp prst="textNoShape">
+                          <a:avLst/>
+                        </a:prstTxWarp>
+                        <a:noAutofit/>
+                      </a:bodyPr>
+                      <a:lstStyle/>
+                      <a:p>
+                        <a:endParaRPr lang="en-US"/>
+                      </a:p>
+                    </p:txBody>
+                  </p:sp>
+                  <p:sp>
+                    <p:nvSpPr>
+                      <p:cNvPr id="58" name="Oval 57"/>
+                      <p:cNvSpPr/>
+                      <p:nvPr/>
+                    </p:nvSpPr>
+                    <p:spPr>
+                      <a:xfrm>
+                        <a:off x="1595628" y="2066028"/>
+                        <a:ext cx="114300" cy="114300"/>
+                      </a:xfrm>
+                      <a:prstGeom prst="ellipse">
+                        <a:avLst/>
+                      </a:prstGeom>
+                      <a:ln>
+                        <a:solidFill>
+                          <a:schemeClr val="tx1"/>
+                        </a:solidFill>
+                      </a:ln>
+                    </p:spPr>
+                    <p:style>
+                      <a:lnRef idx="2">
+                        <a:schemeClr val="accent1">
+                          <a:shade val="50000"/>
+                        </a:schemeClr>
+                      </a:lnRef>
+                      <a:fillRef idx="1">
+                        <a:schemeClr val="accent1"/>
+                      </a:fillRef>
+                      <a:effectRef idx="0">
+                        <a:schemeClr val="accent1"/>
+                      </a:effectRef>
+                      <a:fontRef idx="minor">
+                        <a:schemeClr val="lt1"/>
+                      </a:fontRef>
+                    </p:style>
+                    <p:txBody>
+                      <a:bodyPr rot="0" spcFirstLastPara="0" vert="horz" wrap="square" lIns="91440" tIns="45720" rIns="91440" bIns="45720" numCol="1" spcCol="0" rtlCol="0" fromWordArt="0" anchor="ctr" anchorCtr="0" forceAA="0" compatLnSpc="1">
+                        <a:prstTxWarp prst="textNoShape">
+                          <a:avLst/>
+                        </a:prstTxWarp>
+                        <a:noAutofit/>
+                      </a:bodyPr>
+                      <a:lstStyle/>
+                      <a:p>
+                        <a:endParaRPr lang="en-US"/>
+                      </a:p>
+                    </p:txBody>
+                  </p:sp>
+                  <p:sp>
+                    <p:nvSpPr>
+                      <p:cNvPr id="59" name="Oval 58"/>
+                      <p:cNvSpPr/>
+                      <p:nvPr/>
+                    </p:nvSpPr>
+                    <p:spPr>
+                      <a:xfrm>
+                        <a:off x="1371600" y="1943100"/>
+                        <a:ext cx="114300" cy="114300"/>
+                      </a:xfrm>
+                      <a:prstGeom prst="ellipse">
+                        <a:avLst/>
+                      </a:prstGeom>
+                      <a:solidFill>
+                        <a:schemeClr val="accent2"/>
+                      </a:solidFill>
+                      <a:ln w="12700">
+                        <a:solidFill>
+                          <a:schemeClr val="tx1"/>
+                        </a:solidFill>
+                      </a:ln>
+                    </p:spPr>
+                    <p:style>
+                      <a:lnRef idx="2">
+                        <a:schemeClr val="accent1">
+                          <a:shade val="50000"/>
+                        </a:schemeClr>
+                      </a:lnRef>
+                      <a:fillRef idx="1">
+                        <a:schemeClr val="accent1"/>
+                      </a:fillRef>
+                      <a:effectRef idx="0">
+                        <a:schemeClr val="accent1"/>
+                      </a:effectRef>
+                      <a:fontRef idx="minor">
+                        <a:schemeClr val="lt1"/>
+                      </a:fontRef>
+                    </p:style>
+                    <p:txBody>
+                      <a:bodyPr rot="0" spcFirstLastPara="0" vert="horz" wrap="square" lIns="91440" tIns="45720" rIns="91440" bIns="45720" numCol="1" spcCol="0" rtlCol="0" fromWordArt="0" anchor="ctr" anchorCtr="0" forceAA="0" compatLnSpc="1">
+                        <a:prstTxWarp prst="textNoShape">
+                          <a:avLst/>
+                        </a:prstTxWarp>
+                        <a:noAutofit/>
+                      </a:bodyPr>
+                      <a:lstStyle/>
+                      <a:p>
+                        <a:endParaRPr lang="en-US"/>
+                      </a:p>
+                    </p:txBody>
+                  </p:sp>
+                  <p:sp>
+                    <p:nvSpPr>
+                      <p:cNvPr id="60" name="Oval 59"/>
+                      <p:cNvSpPr/>
+                      <p:nvPr/>
+                    </p:nvSpPr>
+                    <p:spPr>
+                      <a:xfrm>
+                        <a:off x="1600200" y="1861474"/>
+                        <a:ext cx="114300" cy="114300"/>
+                      </a:xfrm>
+                      <a:prstGeom prst="ellipse">
+                        <a:avLst/>
+                      </a:prstGeom>
+                      <a:solidFill>
+                        <a:schemeClr val="accent4"/>
+                      </a:solidFill>
+                      <a:ln>
+                        <a:solidFill>
+                          <a:schemeClr val="tx1"/>
+                        </a:solidFill>
+                      </a:ln>
+                    </p:spPr>
+                    <p:style>
+                      <a:lnRef idx="2">
+                        <a:schemeClr val="accent1">
+                          <a:shade val="50000"/>
+                        </a:schemeClr>
+                      </a:lnRef>
+                      <a:fillRef idx="1">
+                        <a:schemeClr val="accent1"/>
+                      </a:fillRef>
+                      <a:effectRef idx="0">
+                        <a:schemeClr val="accent1"/>
+                      </a:effectRef>
+                      <a:fontRef idx="minor">
+                        <a:schemeClr val="lt1"/>
+                      </a:fontRef>
+                    </p:style>
+                    <p:txBody>
+                      <a:bodyPr rot="0" spcFirstLastPara="0" vert="horz" wrap="square" lIns="91440" tIns="45720" rIns="91440" bIns="45720" numCol="1" spcCol="0" rtlCol="0" fromWordArt="0" anchor="ctr" anchorCtr="0" forceAA="0" compatLnSpc="1">
+                        <a:prstTxWarp prst="textNoShape">
+                          <a:avLst/>
+                        </a:prstTxWarp>
+                        <a:noAutofit/>
+                      </a:bodyPr>
+                      <a:lstStyle/>
+                      <a:p>
+                        <a:endParaRPr lang="en-US"/>
+                      </a:p>
+                    </p:txBody>
+                  </p:sp>
+                </p:grpSp>
+              </p:grpSp>
+              <p:sp>
+                <p:nvSpPr>
+                  <p:cNvPr id="53" name="Rounded Rectangle 52"/>
+                  <p:cNvSpPr/>
+                  <p:nvPr/>
+                </p:nvSpPr>
+                <p:spPr>
+                  <a:xfrm>
+                    <a:off x="746760" y="1901537"/>
+                    <a:ext cx="152133" cy="41563"/>
+                  </a:xfrm>
+                  <a:prstGeom prst="roundRect">
+                    <a:avLst>
+                      <a:gd name="adj" fmla="val 50000"/>
+                    </a:avLst>
+                  </a:prstGeom>
+                </p:spPr>
+                <p:style>
+                  <a:lnRef idx="2">
+                    <a:schemeClr val="dk1">
+                      <a:shade val="50000"/>
+                    </a:schemeClr>
+                  </a:lnRef>
+                  <a:fillRef idx="1">
+                    <a:schemeClr val="dk1"/>
+                  </a:fillRef>
+                  <a:effectRef idx="0">
+                    <a:schemeClr val="dk1"/>
+                  </a:effectRef>
+                  <a:fontRef idx="minor">
+                    <a:schemeClr val="lt1"/>
+                  </a:fontRef>
+                </p:style>
+                <p:txBody>
+                  <a:bodyPr rot="0" spcFirstLastPara="0" vert="horz" wrap="square" lIns="91440" tIns="45720" rIns="91440" bIns="45720" numCol="1" spcCol="0" rtlCol="0" fromWordArt="0" anchor="ctr" anchorCtr="0" forceAA="0" compatLnSpc="1">
+                    <a:prstTxWarp prst="textNoShape">
+                      <a:avLst/>
+                    </a:prstTxWarp>
+                    <a:noAutofit/>
+                  </a:bodyPr>
+                  <a:lstStyle/>
+                  <a:p>
+                    <a:endParaRPr lang="en-US"/>
+                  </a:p>
+                </p:txBody>
+              </p:sp>
+              <p:sp>
+                <p:nvSpPr>
+                  <p:cNvPr id="54" name="Rounded Rectangle 53"/>
+                  <p:cNvSpPr/>
+                  <p:nvPr/>
+                </p:nvSpPr>
+                <p:spPr>
+                  <a:xfrm>
+                    <a:off x="1024763" y="1901825"/>
+                    <a:ext cx="151765" cy="41275"/>
+                  </a:xfrm>
+                  <a:prstGeom prst="roundRect">
+                    <a:avLst>
+                      <a:gd name="adj" fmla="val 50000"/>
+                    </a:avLst>
+                  </a:prstGeom>
+                </p:spPr>
+                <p:style>
+                  <a:lnRef idx="2">
+                    <a:schemeClr val="dk1">
+                      <a:shade val="50000"/>
+                    </a:schemeClr>
+                  </a:lnRef>
+                  <a:fillRef idx="1">
+                    <a:schemeClr val="dk1"/>
+                  </a:fillRef>
+                  <a:effectRef idx="0">
+                    <a:schemeClr val="dk1"/>
+                  </a:effectRef>
+                  <a:fontRef idx="minor">
+                    <a:schemeClr val="lt1"/>
+                  </a:fontRef>
+                </p:style>
+                <p:txBody>
+                  <a:bodyPr rot="0" spcFirstLastPara="0" vert="horz" wrap="square" lIns="91440" tIns="45720" rIns="91440" bIns="45720" numCol="1" spcCol="0" rtlCol="0" fromWordArt="0" anchor="ctr" anchorCtr="0" forceAA="0" compatLnSpc="1">
+                    <a:prstTxWarp prst="textNoShape">
+                      <a:avLst/>
+                    </a:prstTxWarp>
+                    <a:noAutofit/>
+                  </a:bodyPr>
+                  <a:lstStyle/>
+                  <a:p>
+                    <a:endParaRPr lang="en-US"/>
+                  </a:p>
+                </p:txBody>
+              </p:sp>
+            </p:grpSp>
+            <p:cxnSp>
+              <p:nvCxnSpPr>
+                <p:cNvPr id="50" name="Straight Connector 49"/>
+                <p:cNvCxnSpPr/>
+                <p:nvPr/>
+              </p:nvCxnSpPr>
+              <p:spPr>
+                <a:xfrm>
+                  <a:off x="116758" y="1667962"/>
+                  <a:ext cx="0" cy="429002"/>
+                </a:xfrm>
+                <a:prstGeom prst="line">
+                  <a:avLst/>
+                </a:prstGeom>
+                <a:ln w="12700"/>
+              </p:spPr>
+              <p:style>
+                <a:lnRef idx="1">
+                  <a:schemeClr val="dk1"/>
+                </a:lnRef>
+                <a:fillRef idx="0">
+                  <a:schemeClr val="dk1"/>
+                </a:fillRef>
+                <a:effectRef idx="0">
+                  <a:schemeClr val="dk1"/>
+                </a:effectRef>
+                <a:fontRef idx="minor">
+                  <a:schemeClr val="tx1"/>
+                </a:fontRef>
+              </p:style>
+            </p:cxnSp>
+            <p:cxnSp>
+              <p:nvCxnSpPr>
+                <p:cNvPr id="51" name="Straight Connector 50"/>
+                <p:cNvCxnSpPr/>
+                <p:nvPr/>
+              </p:nvCxnSpPr>
+              <p:spPr>
+                <a:xfrm>
+                  <a:off x="1828800" y="1668339"/>
+                  <a:ext cx="0" cy="428625"/>
+                </a:xfrm>
+                <a:prstGeom prst="line">
+                  <a:avLst/>
+                </a:prstGeom>
+                <a:ln w="12700"/>
+              </p:spPr>
+              <p:style>
+                <a:lnRef idx="1">
+                  <a:schemeClr val="dk1"/>
+                </a:lnRef>
+                <a:fillRef idx="0">
+                  <a:schemeClr val="dk1"/>
+                </a:fillRef>
+                <a:effectRef idx="0">
+                  <a:schemeClr val="dk1"/>
+                </a:effectRef>
+                <a:fontRef idx="minor">
+                  <a:schemeClr val="tx1"/>
+                </a:fontRef>
+              </p:style>
+            </p:cxnSp>
+          </p:grpSp>
+        </p:grpSp>
+        <p:sp>
+          <p:nvSpPr>
+            <p:cNvPr id="29" name="TextBox 28"/>
+            <p:cNvSpPr txBox="1"/>
+            <p:nvPr/>
+          </p:nvSpPr>
+          <p:spPr>
+            <a:xfrm>
+              <a:off x="23698200" y="8118960"/>
+              <a:ext cx="8763000" cy="338554"/>
+            </a:xfrm>
+            <a:prstGeom prst="rect">
+              <a:avLst/>
+            </a:prstGeom>
+            <a:noFill/>
+          </p:spPr>
+          <p:txBody>
+            <a:bodyPr wrap="square" rtlCol="0">
+              <a:spAutoFit/>
+            </a:bodyPr>
+            <a:lstStyle/>
+            <a:p>
+              <a:pPr algn="ctr"/>
+              <a:r>
+                <a:rPr lang="en-US" sz="1600" dirty="0" smtClean="0"/>
+                <a:t>High Level System Communication Diagram</a:t>
+              </a:r>
+              <a:endParaRPr lang="en-US" sz="1600" dirty="0"/>
+            </a:p>
+          </p:txBody>
+        </p:sp>
+      </p:grpSp>
+      <p:grpSp>
+        <p:nvGrpSpPr>
+          <p:cNvPr id="100" name="Group 99"/>
+          <p:cNvGrpSpPr/>
+          <p:nvPr/>
+        </p:nvGrpSpPr>
+        <p:grpSpPr>
+          <a:xfrm>
+            <a:off x="23670735" y="10834472"/>
+            <a:ext cx="7944709" cy="3383011"/>
+            <a:chOff x="23670735" y="10834472"/>
+            <a:chExt cx="7944709" cy="3383011"/>
+          </a:xfrm>
+        </p:grpSpPr>
+        <p:pic>
+          <p:nvPicPr>
+            <p:cNvPr id="101" name="Content Placeholder 3"/>
+            <p:cNvPicPr>
+              <a:picLocks noChangeAspect="1"/>
+            </p:cNvPicPr>
+            <p:nvPr/>
+          </p:nvPicPr>
+          <p:blipFill rotWithShape="1">
+            <a:blip r:embed="rId14"/>
+            <a:srcRect b="49539"/>
+            <a:stretch/>
+          </p:blipFill>
+          <p:spPr>
+            <a:xfrm>
+              <a:off x="23673339" y="10834472"/>
+              <a:ext cx="7942105" cy="2195728"/>
+            </a:xfrm>
+            <a:prstGeom prst="rect">
+              <a:avLst/>
+            </a:prstGeom>
+          </p:spPr>
+        </p:pic>
+        <p:pic>
+          <p:nvPicPr>
+            <p:cNvPr id="102" name="Content Placeholder 3"/>
+            <p:cNvPicPr>
+              <a:picLocks noChangeAspect="1"/>
+            </p:cNvPicPr>
+            <p:nvPr/>
+          </p:nvPicPr>
+          <p:blipFill rotWithShape="1">
+            <a:blip r:embed="rId14"/>
+            <a:srcRect t="72715"/>
+            <a:stretch/>
+          </p:blipFill>
+          <p:spPr>
+            <a:xfrm>
+              <a:off x="23670735" y="13030200"/>
+              <a:ext cx="7942105" cy="1187283"/>
+            </a:xfrm>
+            <a:prstGeom prst="rect">
+              <a:avLst/>
+            </a:prstGeom>
+          </p:spPr>
+        </p:pic>
+      </p:grpSp>
+      <p:sp>
+        <p:nvSpPr>
+          <p:cNvPr id="104" name="TextBox 103"/>
+          <p:cNvSpPr txBox="1"/>
+          <p:nvPr/>
+        </p:nvSpPr>
+        <p:spPr>
+          <a:xfrm>
+            <a:off x="23260287" y="14013909"/>
+            <a:ext cx="8763000" cy="338554"/>
+          </a:xfrm>
+          <a:prstGeom prst="rect">
+            <a:avLst/>
+          </a:prstGeom>
+          <a:noFill/>
+        </p:spPr>
+        <p:txBody>
+          <a:bodyPr wrap="square" rtlCol="0">
+            <a:spAutoFit/>
+          </a:bodyPr>
+          <a:lstStyle/>
+          <a:p>
+            <a:pPr algn="ctr"/>
+            <a:r>
+              <a:rPr lang="en-US" sz="1600" dirty="0" smtClean="0"/>
+              <a:t>PID Control subsystem for a single cylinder</a:t>
+            </a:r>
+            <a:endParaRPr lang="en-US" sz="1600" dirty="0"/>
+          </a:p>
+        </p:txBody>
+      </p:sp>
     </p:spTree>
     <p:extLst>
       <p:ext uri="{BB962C8B-B14F-4D97-AF65-F5344CB8AC3E}">

--- a/Documentation/Design Show Poster/Senior Design Show Poster.pptx
+++ b/Documentation/Design Show Poster/Senior Design Show Poster.pptx
@@ -304,7 +304,7 @@
           <a:p>
             <a:fld id="{08F7D037-1E52-45C7-976A-93EFD4975647}" type="datetimeFigureOut">
               <a:rPr lang="en-US" smtClean="0"/>
-              <a:t>5/12/2015</a:t>
+              <a:t>5/14/2015</a:t>
             </a:fld>
             <a:endParaRPr lang="en-US"/>
           </a:p>
@@ -474,7 +474,7 @@
           <a:p>
             <a:fld id="{08F7D037-1E52-45C7-976A-93EFD4975647}" type="datetimeFigureOut">
               <a:rPr lang="en-US" smtClean="0"/>
-              <a:t>5/12/2015</a:t>
+              <a:t>5/14/2015</a:t>
             </a:fld>
             <a:endParaRPr lang="en-US"/>
           </a:p>
@@ -654,7 +654,7 @@
           <a:p>
             <a:fld id="{08F7D037-1E52-45C7-976A-93EFD4975647}" type="datetimeFigureOut">
               <a:rPr lang="en-US" smtClean="0"/>
-              <a:t>5/12/2015</a:t>
+              <a:t>5/14/2015</a:t>
             </a:fld>
             <a:endParaRPr lang="en-US"/>
           </a:p>
@@ -824,7 +824,7 @@
           <a:p>
             <a:fld id="{08F7D037-1E52-45C7-976A-93EFD4975647}" type="datetimeFigureOut">
               <a:rPr lang="en-US" smtClean="0"/>
-              <a:t>5/12/2015</a:t>
+              <a:t>5/14/2015</a:t>
             </a:fld>
             <a:endParaRPr lang="en-US"/>
           </a:p>
@@ -1070,7 +1070,7 @@
           <a:p>
             <a:fld id="{08F7D037-1E52-45C7-976A-93EFD4975647}" type="datetimeFigureOut">
               <a:rPr lang="en-US" smtClean="0"/>
-              <a:t>5/12/2015</a:t>
+              <a:t>5/14/2015</a:t>
             </a:fld>
             <a:endParaRPr lang="en-US"/>
           </a:p>
@@ -1358,7 +1358,7 @@
           <a:p>
             <a:fld id="{08F7D037-1E52-45C7-976A-93EFD4975647}" type="datetimeFigureOut">
               <a:rPr lang="en-US" smtClean="0"/>
-              <a:t>5/12/2015</a:t>
+              <a:t>5/14/2015</a:t>
             </a:fld>
             <a:endParaRPr lang="en-US"/>
           </a:p>
@@ -1785,7 +1785,7 @@
           <a:p>
             <a:fld id="{08F7D037-1E52-45C7-976A-93EFD4975647}" type="datetimeFigureOut">
               <a:rPr lang="en-US" smtClean="0"/>
-              <a:t>5/12/2015</a:t>
+              <a:t>5/14/2015</a:t>
             </a:fld>
             <a:endParaRPr lang="en-US"/>
           </a:p>
@@ -1903,7 +1903,7 @@
           <a:p>
             <a:fld id="{08F7D037-1E52-45C7-976A-93EFD4975647}" type="datetimeFigureOut">
               <a:rPr lang="en-US" smtClean="0"/>
-              <a:t>5/12/2015</a:t>
+              <a:t>5/14/2015</a:t>
             </a:fld>
             <a:endParaRPr lang="en-US"/>
           </a:p>
@@ -1998,7 +1998,7 @@
           <a:p>
             <a:fld id="{08F7D037-1E52-45C7-976A-93EFD4975647}" type="datetimeFigureOut">
               <a:rPr lang="en-US" smtClean="0"/>
-              <a:t>5/12/2015</a:t>
+              <a:t>5/14/2015</a:t>
             </a:fld>
             <a:endParaRPr lang="en-US"/>
           </a:p>
@@ -2275,7 +2275,7 @@
           <a:p>
             <a:fld id="{08F7D037-1E52-45C7-976A-93EFD4975647}" type="datetimeFigureOut">
               <a:rPr lang="en-US" smtClean="0"/>
-              <a:t>5/12/2015</a:t>
+              <a:t>5/14/2015</a:t>
             </a:fld>
             <a:endParaRPr lang="en-US"/>
           </a:p>
@@ -2528,7 +2528,7 @@
           <a:p>
             <a:fld id="{08F7D037-1E52-45C7-976A-93EFD4975647}" type="datetimeFigureOut">
               <a:rPr lang="en-US" smtClean="0"/>
-              <a:t>5/12/2015</a:t>
+              <a:t>5/14/2015</a:t>
             </a:fld>
             <a:endParaRPr lang="en-US"/>
           </a:p>
@@ -2741,7 +2741,7 @@
           <a:p>
             <a:fld id="{08F7D037-1E52-45C7-976A-93EFD4975647}" type="datetimeFigureOut">
               <a:rPr lang="en-US" smtClean="0"/>
-              <a:t>5/12/2015</a:t>
+              <a:t>5/14/2015</a:t>
             </a:fld>
             <a:endParaRPr lang="en-US"/>
           </a:p>
@@ -3343,7 +3343,7 @@
         <p:spPr>
           <a:xfrm>
             <a:off x="11201400" y="3886200"/>
-            <a:ext cx="9525000" cy="4524315"/>
+            <a:ext cx="9525000" cy="4585871"/>
           </a:xfrm>
           <a:prstGeom prst="rect">
             <a:avLst/>
@@ -3358,7 +3358,7 @@
           <a:p>
             <a:pPr lvl="0"/>
             <a:r>
-              <a:rPr lang="en-US" sz="2800" b="1" dirty="0" smtClean="0"/>
+              <a:rPr lang="en-US" sz="3200" b="1" dirty="0" smtClean="0"/>
               <a:t>Design Constraints/Criteria</a:t>
             </a:r>
           </a:p>
@@ -3459,8 +3459,8 @@
         </p:nvSpPr>
         <p:spPr>
           <a:xfrm>
-            <a:off x="453247" y="3886200"/>
-            <a:ext cx="9525000" cy="2985433"/>
+            <a:off x="515861" y="4015554"/>
+            <a:ext cx="9525000" cy="3046988"/>
           </a:xfrm>
           <a:prstGeom prst="rect">
             <a:avLst/>
@@ -3475,7 +3475,7 @@
           <a:p>
             <a:pPr lvl="0"/>
             <a:r>
-              <a:rPr lang="en-US" sz="2800" b="1" dirty="0" smtClean="0"/>
+              <a:rPr lang="en-US" sz="3200" b="1" dirty="0" smtClean="0"/>
               <a:t>Problem Statement</a:t>
             </a:r>
           </a:p>
@@ -3499,7 +3499,7 @@
         <p:spPr>
           <a:xfrm>
             <a:off x="515861" y="7645122"/>
-            <a:ext cx="9525000" cy="2369880"/>
+            <a:ext cx="9525000" cy="2431435"/>
           </a:xfrm>
           <a:prstGeom prst="rect">
             <a:avLst/>
@@ -3513,7 +3513,7 @@
           <a:lstStyle/>
           <a:p>
             <a:r>
-              <a:rPr lang="en-US" sz="2800" b="1" dirty="0" smtClean="0"/>
+              <a:rPr lang="en-US" sz="3200" b="1" dirty="0" smtClean="0"/>
               <a:t>Mechanical Design</a:t>
             </a:r>
           </a:p>
@@ -3702,7 +3702,7 @@
         <p:spPr>
           <a:xfrm>
             <a:off x="11216640" y="8469510"/>
-            <a:ext cx="9525000" cy="4339650"/>
+            <a:ext cx="9525000" cy="4401205"/>
           </a:xfrm>
           <a:prstGeom prst="rect">
             <a:avLst/>
@@ -3716,7 +3716,7 @@
           <a:lstStyle/>
           <a:p>
             <a:r>
-              <a:rPr lang="en-US" sz="2800" b="1" dirty="0" smtClean="0"/>
+              <a:rPr lang="en-US" sz="3200" b="1" dirty="0" smtClean="0"/>
               <a:t>Pneumatic Design</a:t>
             </a:r>
           </a:p>
@@ -3886,8 +3886,8 @@
         </p:nvSpPr>
         <p:spPr>
           <a:xfrm>
-            <a:off x="23107211" y="3886200"/>
-            <a:ext cx="9525000" cy="2062103"/>
+            <a:off x="23084207" y="3533402"/>
+            <a:ext cx="9525000" cy="3724096"/>
           </a:xfrm>
           <a:prstGeom prst="rect">
             <a:avLst/>
@@ -3901,24 +3901,43 @@
           <a:lstStyle/>
           <a:p>
             <a:r>
-              <a:rPr lang="en-US" sz="2800" b="1" dirty="0" smtClean="0"/>
-              <a:t>User Control</a:t>
-            </a:r>
-          </a:p>
-          <a:p>
-            <a:pPr marL="342900" indent="-342900">
-              <a:buFont typeface="Arial" panose="020B0604020202020204" pitchFamily="34" charset="0"/>
-              <a:buChar char="•"/>
+              <a:rPr lang="en-US" sz="3200" b="1" dirty="0" smtClean="0"/>
+              <a:t>Human Machine Interface</a:t>
+            </a:r>
+          </a:p>
+          <a:p>
+            <a:r>
+              <a:rPr lang="en-US" sz="2000" dirty="0" smtClean="0"/>
+              <a:t>The user requests a direction of movement using a joy stick. The microcontroller onboard the robot receives the user’s request, but does not move until it is in a stable state and ready to accept another command.</a:t>
+            </a:r>
+          </a:p>
+          <a:p>
+            <a:endParaRPr lang="en-US" sz="2000" dirty="0" smtClean="0"/>
+          </a:p>
+          <a:p>
+            <a:r>
+              <a:rPr lang="en-US" sz="2400" b="1" dirty="0" smtClean="0"/>
+              <a:t>Sequence of Events in Sending a Command</a:t>
+            </a:r>
+          </a:p>
+          <a:p>
+            <a:pPr marL="457200" indent="-457200">
+              <a:buFont typeface="+mj-lt"/>
+              <a:buAutoNum type="arabicPeriod"/>
             </a:pPr>
             <a:r>
               <a:rPr lang="en-US" sz="2000" dirty="0" smtClean="0"/>
-              <a:t>User input is read by a USB controller</a:t>
-            </a:r>
-          </a:p>
-          <a:p>
-            <a:pPr marL="342900" indent="-342900">
-              <a:buFont typeface="Arial" panose="020B0604020202020204" pitchFamily="34" charset="0"/>
-              <a:buChar char="•"/>
+              <a:t>User </a:t>
+            </a:r>
+            <a:r>
+              <a:rPr lang="en-US" sz="2000" dirty="0" smtClean="0"/>
+              <a:t>input is read by a USB controller</a:t>
+            </a:r>
+          </a:p>
+          <a:p>
+            <a:pPr marL="457200" indent="-457200">
+              <a:buFont typeface="+mj-lt"/>
+              <a:buAutoNum type="arabicPeriod"/>
             </a:pPr>
             <a:r>
               <a:rPr lang="en-US" sz="2000" dirty="0" smtClean="0"/>
@@ -3926,9 +3945,9 @@
             </a:r>
           </a:p>
           <a:p>
-            <a:pPr marL="342900" indent="-342900">
-              <a:buFont typeface="Arial" panose="020B0604020202020204" pitchFamily="34" charset="0"/>
-              <a:buChar char="•"/>
+            <a:pPr marL="457200" indent="-457200">
+              <a:buFont typeface="+mj-lt"/>
+              <a:buAutoNum type="arabicPeriod"/>
             </a:pPr>
             <a:r>
               <a:rPr lang="en-US" sz="2000" dirty="0" smtClean="0"/>
@@ -3936,17 +3955,18 @@
             </a:r>
             <a:r>
               <a:rPr lang="en-US" sz="2000" dirty="0" err="1" smtClean="0"/>
-              <a:t>Xbee</a:t>
+              <a:t>XBee</a:t>
             </a:r>
             <a:r>
               <a:rPr lang="en-US" sz="2000" dirty="0" smtClean="0"/>
-              <a:t> wireless chip</a:t>
-            </a:r>
-          </a:p>
-          <a:p>
-            <a:pPr marL="342900" indent="-342900">
-              <a:buFont typeface="Arial" panose="020B0604020202020204" pitchFamily="34" charset="0"/>
-              <a:buChar char="•"/>
+              <a:t> radio module</a:t>
+            </a:r>
+            <a:endParaRPr lang="en-US" sz="2000" dirty="0" smtClean="0"/>
+          </a:p>
+          <a:p>
+            <a:pPr marL="457200" indent="-457200">
+              <a:buFont typeface="+mj-lt"/>
+              <a:buAutoNum type="arabicPeriod"/>
             </a:pPr>
             <a:r>
               <a:rPr lang="en-US" sz="2000" dirty="0" smtClean="0"/>
@@ -3954,21 +3974,34 @@
             </a:r>
             <a:r>
               <a:rPr lang="en-US" sz="2000" dirty="0" err="1" smtClean="0"/>
-              <a:t>Xbee</a:t>
+              <a:t>XBee</a:t>
             </a:r>
             <a:r>
               <a:rPr lang="en-US" sz="2000" dirty="0" smtClean="0"/>
-              <a:t> chip receives the command and sends it to the Arduino</a:t>
-            </a:r>
-          </a:p>
-          <a:p>
-            <a:pPr marL="342900" indent="-342900">
-              <a:buFont typeface="Arial" panose="020B0604020202020204" pitchFamily="34" charset="0"/>
-              <a:buChar char="•"/>
+              <a:t> </a:t>
+            </a:r>
+            <a:r>
+              <a:rPr lang="en-US" sz="2000" dirty="0" smtClean="0"/>
+              <a:t>chip receives the command and sends it to the </a:t>
+            </a:r>
+            <a:r>
+              <a:rPr lang="en-US" sz="2000" dirty="0" smtClean="0"/>
+              <a:t>Arduino microcontroller</a:t>
+            </a:r>
+            <a:endParaRPr lang="en-US" sz="2000" dirty="0" smtClean="0"/>
+          </a:p>
+          <a:p>
+            <a:pPr marL="457200" indent="-457200">
+              <a:buFont typeface="+mj-lt"/>
+              <a:buAutoNum type="arabicPeriod"/>
             </a:pPr>
             <a:r>
               <a:rPr lang="en-US" sz="2000" dirty="0" smtClean="0"/>
-              <a:t>Arduino decodes the serial command and adjusts the robot state accordingly</a:t>
+              <a:t>Arduino decodes the serial command </a:t>
+            </a:r>
+            <a:r>
+              <a:rPr lang="en-US" sz="2000" dirty="0" smtClean="0"/>
+              <a:t>executes an action accordingly</a:t>
             </a:r>
             <a:endParaRPr lang="en-US" sz="2000" dirty="0"/>
           </a:p>
@@ -4121,8 +4154,8 @@
         </p:nvSpPr>
         <p:spPr>
           <a:xfrm>
-            <a:off x="300847" y="17983200"/>
-            <a:ext cx="9525000" cy="830997"/>
+            <a:off x="300847" y="17979914"/>
+            <a:ext cx="9632507" cy="892552"/>
           </a:xfrm>
           <a:prstGeom prst="rect">
             <a:avLst/>
@@ -4136,7 +4169,7 @@
           <a:lstStyle/>
           <a:p>
             <a:r>
-              <a:rPr lang="en-US" sz="2800" b="1" dirty="0" smtClean="0"/>
+              <a:rPr lang="en-US" sz="3200" b="1" dirty="0" smtClean="0"/>
               <a:t>Electrical Design</a:t>
             </a:r>
           </a:p>
@@ -4145,64 +4178,6 @@
           </a:p>
         </p:txBody>
       </p:sp>
-      <p:pic>
-        <p:nvPicPr>
-          <p:cNvPr id="35" name="Content Placeholder 3"/>
-          <p:cNvPicPr>
-            <a:picLocks noChangeAspect="1"/>
-          </p:cNvPicPr>
-          <p:nvPr/>
-        </p:nvPicPr>
-        <p:blipFill>
-          <a:blip r:embed="rId11">
-            <a:extLst>
-              <a:ext uri="{28A0092B-C50C-407E-A947-70E740481C1C}">
-                <a14:useLocalDpi xmlns:a14="http://schemas.microsoft.com/office/drawing/2010/main" val="0"/>
-              </a:ext>
-            </a:extLst>
-          </a:blip>
-          <a:stretch>
-            <a:fillRect/>
-          </a:stretch>
-        </p:blipFill>
-        <p:spPr>
-          <a:xfrm>
-            <a:off x="453247" y="23964578"/>
-            <a:ext cx="6457020" cy="4351338"/>
-          </a:xfrm>
-          <a:prstGeom prst="rect">
-            <a:avLst/>
-          </a:prstGeom>
-        </p:spPr>
-      </p:pic>
-      <p:pic>
-        <p:nvPicPr>
-          <p:cNvPr id="36" name="Picture 35"/>
-          <p:cNvPicPr/>
-          <p:nvPr/>
-        </p:nvPicPr>
-        <p:blipFill>
-          <a:blip r:embed="rId12" cstate="print">
-            <a:extLst>
-              <a:ext uri="{28A0092B-C50C-407E-A947-70E740481C1C}">
-                <a14:useLocalDpi xmlns:a14="http://schemas.microsoft.com/office/drawing/2010/main" val="0"/>
-              </a:ext>
-            </a:extLst>
-          </a:blip>
-          <a:stretch>
-            <a:fillRect/>
-          </a:stretch>
-        </p:blipFill>
-        <p:spPr>
-          <a:xfrm>
-            <a:off x="515861" y="20726400"/>
-            <a:ext cx="5943600" cy="2583815"/>
-          </a:xfrm>
-          <a:prstGeom prst="rect">
-            <a:avLst/>
-          </a:prstGeom>
-        </p:spPr>
-      </p:pic>
       <p:sp>
         <p:nvSpPr>
           <p:cNvPr id="99" name="TextBox 98"/>
@@ -4211,8 +4186,8 @@
         </p:nvSpPr>
         <p:spPr>
           <a:xfrm>
-            <a:off x="23107211" y="8953157"/>
-            <a:ext cx="9525000" cy="1754326"/>
+            <a:off x="23233523" y="10906222"/>
+            <a:ext cx="9525000" cy="1815882"/>
           </a:xfrm>
           <a:prstGeom prst="rect">
             <a:avLst/>
@@ -4226,9 +4201,14 @@
           <a:lstStyle/>
           <a:p>
             <a:r>
-              <a:rPr lang="en-US" sz="2800" b="1" dirty="0" smtClean="0"/>
-              <a:t>Control System</a:t>
-            </a:r>
+              <a:rPr lang="en-US" sz="3200" b="1" dirty="0" smtClean="0"/>
+              <a:t>Control </a:t>
+            </a:r>
+            <a:r>
+              <a:rPr lang="en-US" sz="3200" b="1" dirty="0" smtClean="0"/>
+              <a:t>Architecture: Two Link Leg</a:t>
+            </a:r>
+            <a:endParaRPr lang="en-US" sz="3200" b="1" dirty="0" smtClean="0"/>
           </a:p>
           <a:p>
             <a:pPr marL="342900" indent="-342900">
@@ -4281,7 +4261,7 @@
         </p:nvGrpSpPr>
         <p:grpSpPr>
           <a:xfrm>
-            <a:off x="23698200" y="6233964"/>
+            <a:off x="23614523" y="7406123"/>
             <a:ext cx="8763000" cy="2223550"/>
             <a:chOff x="23698200" y="6233964"/>
             <a:chExt cx="8763000" cy="2223550"/>
@@ -5700,7 +5680,7 @@
                 <p:nvPr/>
               </p:nvPicPr>
               <p:blipFill rotWithShape="1">
-                <a:blip r:embed="rId13"/>
+                <a:blip r:embed="rId11"/>
                 <a:srcRect l="16517" t="5696" r="17632" b="12101"/>
                 <a:stretch/>
               </p:blipFill>
@@ -6471,7 +6451,19 @@
               <a:pPr algn="ctr"/>
               <a:r>
                 <a:rPr lang="en-US" sz="1600" dirty="0" smtClean="0"/>
-                <a:t>High Level System Communication Diagram</a:t>
+                <a:t>High </a:t>
+              </a:r>
+              <a:r>
+                <a:rPr lang="en-US" sz="1600" dirty="0" smtClean="0"/>
+                <a:t>Level </a:t>
+              </a:r>
+              <a:r>
+                <a:rPr lang="en-US" sz="1600" dirty="0" smtClean="0"/>
+                <a:t>Communication </a:t>
+              </a:r>
+              <a:r>
+                <a:rPr lang="en-US" sz="1600" dirty="0" smtClean="0"/>
+                <a:t>System Diagram</a:t>
               </a:r>
               <a:endParaRPr lang="en-US" sz="1600" dirty="0"/>
             </a:p>
@@ -6486,7 +6478,7 @@
         </p:nvGrpSpPr>
         <p:grpSpPr>
           <a:xfrm>
-            <a:off x="23670735" y="10834472"/>
+            <a:off x="23797047" y="12787537"/>
             <a:ext cx="7944709" cy="3383011"/>
             <a:chOff x="23670735" y="10834472"/>
             <a:chExt cx="7944709" cy="3383011"/>
@@ -6501,7 +6493,7 @@
             <p:nvPr/>
           </p:nvPicPr>
           <p:blipFill rotWithShape="1">
-            <a:blip r:embed="rId14"/>
+            <a:blip r:embed="rId12"/>
             <a:srcRect b="49539"/>
             <a:stretch/>
           </p:blipFill>
@@ -6524,7 +6516,7 @@
             <p:nvPr/>
           </p:nvPicPr>
           <p:blipFill rotWithShape="1">
-            <a:blip r:embed="rId14"/>
+            <a:blip r:embed="rId12"/>
             <a:srcRect t="72715"/>
             <a:stretch/>
           </p:blipFill>
@@ -6547,7 +6539,7 @@
         </p:nvSpPr>
         <p:spPr>
           <a:xfrm>
-            <a:off x="23260287" y="14013909"/>
+            <a:off x="23386599" y="15966974"/>
             <a:ext cx="8763000" cy="338554"/>
           </a:xfrm>
           <a:prstGeom prst="rect">
@@ -6564,9 +6556,80 @@
             <a:pPr algn="ctr"/>
             <a:r>
               <a:rPr lang="en-US" sz="1600" dirty="0" smtClean="0"/>
-              <a:t>PID Control subsystem for a single cylinder</a:t>
+              <a:t>Control </a:t>
+            </a:r>
+            <a:r>
+              <a:rPr lang="en-US" sz="1600" dirty="0"/>
+              <a:t>S</a:t>
+            </a:r>
+            <a:r>
+              <a:rPr lang="en-US" sz="1600" dirty="0" smtClean="0"/>
+              <a:t>ubsystem For a Single Leg</a:t>
             </a:r>
             <a:endParaRPr lang="en-US" sz="1600" dirty="0"/>
+          </a:p>
+        </p:txBody>
+      </p:sp>
+      <p:sp>
+        <p:nvSpPr>
+          <p:cNvPr id="19" name="TextBox 18"/>
+          <p:cNvSpPr txBox="1"/>
+          <p:nvPr/>
+        </p:nvSpPr>
+        <p:spPr>
+          <a:xfrm>
+            <a:off x="318432" y="18721159"/>
+            <a:ext cx="9740014" cy="6555641"/>
+          </a:xfrm>
+          <a:prstGeom prst="rect">
+            <a:avLst/>
+          </a:prstGeom>
+          <a:noFill/>
+        </p:spPr>
+        <p:txBody>
+          <a:bodyPr wrap="square" rtlCol="0">
+            <a:spAutoFit/>
+          </a:bodyPr>
+          <a:lstStyle/>
+          <a:p>
+            <a:r>
+              <a:rPr lang="en-US" sz="2000" dirty="0" smtClean="0"/>
+              <a:t>The electronics of the robot are separated into subsystems. The communication subsystem, microcontroller subsystem, motherboard subsystem, and debug panel subsystem. The communication subsystem interfaces a user controlled computer with the Arduino microcontroller using </a:t>
+            </a:r>
+            <a:r>
+              <a:rPr lang="en-US" sz="2000" dirty="0" err="1" smtClean="0"/>
+              <a:t>Xbee</a:t>
+            </a:r>
+            <a:r>
+              <a:rPr lang="en-US" sz="2000" dirty="0" smtClean="0"/>
+              <a:t> modules. The microcontroller subsystem includes the microcontroller, </a:t>
+            </a:r>
+            <a:r>
+              <a:rPr lang="en-US" sz="2000" dirty="0" err="1" smtClean="0"/>
+              <a:t>Xbee</a:t>
+            </a:r>
+            <a:r>
+              <a:rPr lang="en-US" sz="2000" dirty="0" smtClean="0"/>
+              <a:t> shield, and battery supply for the microcontroller. This microcontroller battery supply is implemented as a standard replaceable 9 volt battery. The motherboard subsystem handles to signal conditioning for the command and feedback signals.</a:t>
+            </a:r>
+          </a:p>
+          <a:p>
+            <a:endParaRPr lang="en-US" sz="2000" dirty="0" smtClean="0"/>
+          </a:p>
+          <a:p>
+            <a:r>
+              <a:rPr lang="en-US" sz="2000" dirty="0" smtClean="0"/>
+              <a:t>The microcontroller uses a pulse width modulated signal with a varying duty cycle to indicate an open or close command to each of the eight pneumatic valves. The motherboard’s signal conditioning hardware includes a third order active low pass filter to convert the pulse width modulated signal into an analog signal. This analog signal is then scaled by another amplifier circuit to the proper magnitude for the pneumatic valve. The current extension of the pneumatic cylinder is reported as feedback to the microcontroller. This feedback signal passes through an analog filter to scale down the voltage for the Arduino.</a:t>
+            </a:r>
+          </a:p>
+          <a:p>
+            <a:endParaRPr lang="en-US" sz="2000" dirty="0"/>
+          </a:p>
+          <a:p>
+            <a:r>
+              <a:rPr lang="en-US" sz="2000" dirty="0" smtClean="0"/>
+              <a:t>A debug panel is included to provide electrical access to the command and feedback signals to and from the pneumatic cylinder. Additionally the debug panel has a toggle switch for the microcontroller battery, status LEDs, battery level LEDs, and an emergency stop a higher power battery bank that powers the pneumatic valves.</a:t>
+            </a:r>
           </a:p>
         </p:txBody>
       </p:sp>

--- a/Documentation/Design Show Poster/Senior Design Show Poster.pptx
+++ b/Documentation/Design Show Poster/Senior Design Show Poster.pptx
@@ -304,7 +304,7 @@
           <a:p>
             <a:fld id="{08F7D037-1E52-45C7-976A-93EFD4975647}" type="datetimeFigureOut">
               <a:rPr lang="en-US" smtClean="0"/>
-              <a:t>5/14/2015</a:t>
+              <a:t>5/15/2015</a:t>
             </a:fld>
             <a:endParaRPr lang="en-US"/>
           </a:p>
@@ -474,7 +474,7 @@
           <a:p>
             <a:fld id="{08F7D037-1E52-45C7-976A-93EFD4975647}" type="datetimeFigureOut">
               <a:rPr lang="en-US" smtClean="0"/>
-              <a:t>5/14/2015</a:t>
+              <a:t>5/15/2015</a:t>
             </a:fld>
             <a:endParaRPr lang="en-US"/>
           </a:p>
@@ -654,7 +654,7 @@
           <a:p>
             <a:fld id="{08F7D037-1E52-45C7-976A-93EFD4975647}" type="datetimeFigureOut">
               <a:rPr lang="en-US" smtClean="0"/>
-              <a:t>5/14/2015</a:t>
+              <a:t>5/15/2015</a:t>
             </a:fld>
             <a:endParaRPr lang="en-US"/>
           </a:p>
@@ -824,7 +824,7 @@
           <a:p>
             <a:fld id="{08F7D037-1E52-45C7-976A-93EFD4975647}" type="datetimeFigureOut">
               <a:rPr lang="en-US" smtClean="0"/>
-              <a:t>5/14/2015</a:t>
+              <a:t>5/15/2015</a:t>
             </a:fld>
             <a:endParaRPr lang="en-US"/>
           </a:p>
@@ -1070,7 +1070,7 @@
           <a:p>
             <a:fld id="{08F7D037-1E52-45C7-976A-93EFD4975647}" type="datetimeFigureOut">
               <a:rPr lang="en-US" smtClean="0"/>
-              <a:t>5/14/2015</a:t>
+              <a:t>5/15/2015</a:t>
             </a:fld>
             <a:endParaRPr lang="en-US"/>
           </a:p>
@@ -1358,7 +1358,7 @@
           <a:p>
             <a:fld id="{08F7D037-1E52-45C7-976A-93EFD4975647}" type="datetimeFigureOut">
               <a:rPr lang="en-US" smtClean="0"/>
-              <a:t>5/14/2015</a:t>
+              <a:t>5/15/2015</a:t>
             </a:fld>
             <a:endParaRPr lang="en-US"/>
           </a:p>
@@ -1785,7 +1785,7 @@
           <a:p>
             <a:fld id="{08F7D037-1E52-45C7-976A-93EFD4975647}" type="datetimeFigureOut">
               <a:rPr lang="en-US" smtClean="0"/>
-              <a:t>5/14/2015</a:t>
+              <a:t>5/15/2015</a:t>
             </a:fld>
             <a:endParaRPr lang="en-US"/>
           </a:p>
@@ -1903,7 +1903,7 @@
           <a:p>
             <a:fld id="{08F7D037-1E52-45C7-976A-93EFD4975647}" type="datetimeFigureOut">
               <a:rPr lang="en-US" smtClean="0"/>
-              <a:t>5/14/2015</a:t>
+              <a:t>5/15/2015</a:t>
             </a:fld>
             <a:endParaRPr lang="en-US"/>
           </a:p>
@@ -1998,7 +1998,7 @@
           <a:p>
             <a:fld id="{08F7D037-1E52-45C7-976A-93EFD4975647}" type="datetimeFigureOut">
               <a:rPr lang="en-US" smtClean="0"/>
-              <a:t>5/14/2015</a:t>
+              <a:t>5/15/2015</a:t>
             </a:fld>
             <a:endParaRPr lang="en-US"/>
           </a:p>
@@ -2275,7 +2275,7 @@
           <a:p>
             <a:fld id="{08F7D037-1E52-45C7-976A-93EFD4975647}" type="datetimeFigureOut">
               <a:rPr lang="en-US" smtClean="0"/>
-              <a:t>5/14/2015</a:t>
+              <a:t>5/15/2015</a:t>
             </a:fld>
             <a:endParaRPr lang="en-US"/>
           </a:p>
@@ -2528,7 +2528,7 @@
           <a:p>
             <a:fld id="{08F7D037-1E52-45C7-976A-93EFD4975647}" type="datetimeFigureOut">
               <a:rPr lang="en-US" smtClean="0"/>
-              <a:t>5/14/2015</a:t>
+              <a:t>5/15/2015</a:t>
             </a:fld>
             <a:endParaRPr lang="en-US"/>
           </a:p>
@@ -2741,7 +2741,7 @@
           <a:p>
             <a:fld id="{08F7D037-1E52-45C7-976A-93EFD4975647}" type="datetimeFigureOut">
               <a:rPr lang="en-US" smtClean="0"/>
-              <a:t>5/14/2015</a:t>
+              <a:t>5/15/2015</a:t>
             </a:fld>
             <a:endParaRPr lang="en-US"/>
           </a:p>
@@ -3116,224 +3116,6 @@
           <a:chExt cx="0" cy="0"/>
         </a:xfrm>
       </p:grpSpPr>
-      <p:pic>
-        <p:nvPicPr>
-          <p:cNvPr id="1026" name="Picture 2"/>
-          <p:cNvPicPr>
-            <a:picLocks noChangeAspect="1" noChangeArrowheads="1"/>
-          </p:cNvPicPr>
-          <p:nvPr/>
-        </p:nvPicPr>
-        <p:blipFill>
-          <a:blip r:embed="rId2">
-            <a:extLst>
-              <a:ext uri="{28A0092B-C50C-407E-A947-70E740481C1C}">
-                <a14:useLocalDpi xmlns:a14="http://schemas.microsoft.com/office/drawing/2010/main" val="0"/>
-              </a:ext>
-            </a:extLst>
-          </a:blip>
-          <a:srcRect/>
-          <a:stretch>
-            <a:fillRect/>
-          </a:stretch>
-        </p:blipFill>
-        <p:spPr bwMode="auto">
-          <a:xfrm>
-            <a:off x="0" y="-91581"/>
-            <a:ext cx="1524000" cy="1524000"/>
-          </a:xfrm>
-          <a:prstGeom prst="rect">
-            <a:avLst/>
-          </a:prstGeom>
-          <a:noFill/>
-          <a:ln>
-            <a:noFill/>
-          </a:ln>
-          <a:effectLst/>
-          <a:extLst>
-            <a:ext uri="{909E8E84-426E-40DD-AFC4-6F175D3DCCD1}">
-              <a14:hiddenFill xmlns:a14="http://schemas.microsoft.com/office/drawing/2010/main">
-                <a:solidFill>
-                  <a:schemeClr val="accent1"/>
-                </a:solidFill>
-              </a14:hiddenFill>
-            </a:ext>
-            <a:ext uri="{91240B29-F687-4F45-9708-019B960494DF}">
-              <a14:hiddenLine xmlns:a14="http://schemas.microsoft.com/office/drawing/2010/main" w="9525">
-                <a:solidFill>
-                  <a:schemeClr val="tx1"/>
-                </a:solidFill>
-                <a:miter lim="800000"/>
-                <a:headEnd/>
-                <a:tailEnd/>
-              </a14:hiddenLine>
-            </a:ext>
-            <a:ext uri="{AF507438-7753-43E0-B8FC-AC1667EBCBE1}">
-              <a14:hiddenEffects xmlns:a14="http://schemas.microsoft.com/office/drawing/2010/main">
-                <a:effectLst>
-                  <a:outerShdw dist="35921" dir="2700000" algn="ctr" rotWithShape="0">
-                    <a:schemeClr val="bg2"/>
-                  </a:outerShdw>
-                </a:effectLst>
-              </a14:hiddenEffects>
-            </a:ext>
-          </a:extLst>
-        </p:spPr>
-      </p:pic>
-      <p:pic>
-        <p:nvPicPr>
-          <p:cNvPr id="5" name="Picture 4"/>
-          <p:cNvPicPr>
-            <a:picLocks noChangeAspect="1"/>
-          </p:cNvPicPr>
-          <p:nvPr/>
-        </p:nvPicPr>
-        <p:blipFill>
-          <a:blip r:embed="rId3" cstate="print">
-            <a:extLst>
-              <a:ext uri="{28A0092B-C50C-407E-A947-70E740481C1C}">
-                <a14:useLocalDpi xmlns:a14="http://schemas.microsoft.com/office/drawing/2010/main" val="0"/>
-              </a:ext>
-            </a:extLst>
-          </a:blip>
-          <a:stretch>
-            <a:fillRect/>
-          </a:stretch>
-        </p:blipFill>
-        <p:spPr>
-          <a:xfrm>
-            <a:off x="1562100" y="60603"/>
-            <a:ext cx="1524000" cy="1524000"/>
-          </a:xfrm>
-          <a:prstGeom prst="rect">
-            <a:avLst/>
-          </a:prstGeom>
-        </p:spPr>
-      </p:pic>
-      <p:grpSp>
-        <p:nvGrpSpPr>
-          <p:cNvPr id="6" name="Group 5"/>
-          <p:cNvGrpSpPr/>
-          <p:nvPr/>
-        </p:nvGrpSpPr>
-        <p:grpSpPr>
-          <a:xfrm>
-            <a:off x="3086100" y="27321"/>
-            <a:ext cx="2648310" cy="439947"/>
-            <a:chOff x="6461183" y="94891"/>
-            <a:chExt cx="2648310" cy="439947"/>
-          </a:xfrm>
-        </p:grpSpPr>
-        <p:sp>
-          <p:nvSpPr>
-            <p:cNvPr id="7" name="Rectangle 6"/>
-            <p:cNvSpPr/>
-            <p:nvPr/>
-          </p:nvSpPr>
-          <p:spPr>
-            <a:xfrm>
-              <a:off x="6461183" y="94891"/>
-              <a:ext cx="2648310" cy="439947"/>
-            </a:xfrm>
-            <a:prstGeom prst="rect">
-              <a:avLst/>
-            </a:prstGeom>
-          </p:spPr>
-          <p:style>
-            <a:lnRef idx="2">
-              <a:schemeClr val="dk1"/>
-            </a:lnRef>
-            <a:fillRef idx="1">
-              <a:schemeClr val="lt1"/>
-            </a:fillRef>
-            <a:effectRef idx="0">
-              <a:schemeClr val="dk1"/>
-            </a:effectRef>
-            <a:fontRef idx="minor">
-              <a:schemeClr val="dk1"/>
-            </a:fontRef>
-          </p:style>
-          <p:txBody>
-            <a:bodyPr rtlCol="0" anchor="ctr"/>
-            <a:lstStyle/>
-            <a:p>
-              <a:pPr algn="ctr"/>
-              <a:endParaRPr lang="en-US"/>
-            </a:p>
-          </p:txBody>
-        </p:sp>
-        <p:pic>
-          <p:nvPicPr>
-            <p:cNvPr id="8" name="Picture 7"/>
-            <p:cNvPicPr>
-              <a:picLocks noChangeAspect="1"/>
-            </p:cNvPicPr>
-            <p:nvPr/>
-          </p:nvPicPr>
-          <p:blipFill>
-            <a:blip r:embed="rId4">
-              <a:extLst>
-                <a:ext uri="{28A0092B-C50C-407E-A947-70E740481C1C}">
-                  <a14:useLocalDpi xmlns:a14="http://schemas.microsoft.com/office/drawing/2010/main" val="0"/>
-                </a:ext>
-              </a:extLst>
-            </a:blip>
-            <a:stretch>
-              <a:fillRect/>
-            </a:stretch>
-          </p:blipFill>
-          <p:spPr>
-            <a:xfrm>
-              <a:off x="6575125" y="189707"/>
-              <a:ext cx="2419350" cy="247650"/>
-            </a:xfrm>
-            <a:prstGeom prst="rect">
-              <a:avLst/>
-            </a:prstGeom>
-          </p:spPr>
-        </p:pic>
-      </p:grpSp>
-      <p:pic>
-        <p:nvPicPr>
-          <p:cNvPr id="9" name="Picture 2" descr="http://www.clustervision.com/sites/default/files/images/Emerson-logo.preview.png"/>
-          <p:cNvPicPr>
-            <a:picLocks noChangeAspect="1" noChangeArrowheads="1"/>
-          </p:cNvPicPr>
-          <p:nvPr/>
-        </p:nvPicPr>
-        <p:blipFill>
-          <a:blip r:embed="rId5" cstate="print">
-            <a:extLst>
-              <a:ext uri="{28A0092B-C50C-407E-A947-70E740481C1C}">
-                <a14:useLocalDpi xmlns:a14="http://schemas.microsoft.com/office/drawing/2010/main" val="0"/>
-              </a:ext>
-            </a:extLst>
-          </a:blip>
-          <a:srcRect/>
-          <a:stretch>
-            <a:fillRect/>
-          </a:stretch>
-        </p:blipFill>
-        <p:spPr bwMode="auto">
-          <a:xfrm>
-            <a:off x="3200042" y="670419"/>
-            <a:ext cx="1863305" cy="914184"/>
-          </a:xfrm>
-          <a:prstGeom prst="rect">
-            <a:avLst/>
-          </a:prstGeom>
-          <a:noFill/>
-          <a:extLst>
-            <a:ext uri="{909E8E84-426E-40DD-AFC4-6F175D3DCCD1}">
-              <a14:hiddenFill xmlns:a14="http://schemas.microsoft.com/office/drawing/2010/main">
-                <a:solidFill>
-                  <a:srgbClr val="FFFFFF"/>
-                </a:solidFill>
-              </a14:hiddenFill>
-            </a:ext>
-          </a:extLst>
-        </p:spPr>
-      </p:pic>
       <p:sp>
         <p:nvSpPr>
           <p:cNvPr id="2" name="TextBox 1"/>
@@ -3460,7 +3242,7 @@
         <p:spPr>
           <a:xfrm>
             <a:off x="515861" y="4015554"/>
-            <a:ext cx="9525000" cy="3046988"/>
+            <a:ext cx="9525000" cy="3354765"/>
           </a:xfrm>
           <a:prstGeom prst="rect">
             <a:avLst/>
@@ -3481,11 +3263,13 @@
           </a:p>
           <a:p>
             <a:r>
-              <a:rPr lang="en-US" sz="2000" dirty="0"/>
-              <a:t>Milwaukee School of Engineering (MSOE) participates in community outreach programs where science, technology, engineering, and mathematics (STEM) topics are demonstrated to encourage younger generations to enter into STEM based degrees and careers. Having an automated control system to demonstrate and interact with would increase the excitement at these outreach programs. Development of a robot with pneumatic locomotion for the Milwaukee School of Engineering’s controls classes would give students a first-hand experience with complex control systems.</a:t>
-            </a:r>
-          </a:p>
-          <a:p>
+              <a:rPr lang="en-US" sz="2000" dirty="0" smtClean="0"/>
+              <a:t>Recently there has been a decline in interest and proficiency related to science, technology, engineering, and mathematics (STEM) fields. According to a 2013 survey by Junior Achievement USA, 46% of US teenagers showed interest in pursuing a STEM or medical related career, which was a 15% decrease from previous years. In addition there is a huge deficit </a:t>
+            </a:r>
+            <a:r>
+              <a:rPr lang="en-US" sz="2000" dirty="0" smtClean="0"/>
+              <a:t>of fluid power engineers in the United States with only 1% of Universities with engineering programs teaching a fluid power concentration. It has also been shown by a study conducted at the University of Nebraska that introducing students to topics in robotics not only improves their attitude towards STEM topics, but also increase their self-efficacy of topics within robotics.</a:t>
+            </a:r>
             <a:endParaRPr lang="en-US" sz="2000" dirty="0"/>
           </a:p>
         </p:txBody>
@@ -3498,7 +3282,7 @@
         </p:nvSpPr>
         <p:spPr>
           <a:xfrm>
-            <a:off x="515861" y="7645122"/>
+            <a:off x="484508" y="9563744"/>
             <a:ext cx="9525000" cy="2431435"/>
           </a:xfrm>
           <a:prstGeom prst="rect">
@@ -3620,7 +3404,7 @@
         </p:nvGrpSpPr>
         <p:grpSpPr>
           <a:xfrm>
-            <a:off x="5662855" y="10813266"/>
+            <a:off x="5580248" y="12157849"/>
             <a:ext cx="5011552" cy="5634355"/>
             <a:chOff x="586740" y="13258800"/>
             <a:chExt cx="5943600" cy="6624955"/>
@@ -3633,7 +3417,7 @@
             <p:nvPr/>
           </p:nvPicPr>
           <p:blipFill>
-            <a:blip r:embed="rId6"/>
+            <a:blip r:embed="rId2"/>
             <a:stretch>
               <a:fillRect/>
             </a:stretch>
@@ -3655,7 +3439,7 @@
             <p:nvPr/>
           </p:nvPicPr>
           <p:blipFill>
-            <a:blip r:embed="rId7"/>
+            <a:blip r:embed="rId3"/>
             <a:stretch>
               <a:fillRect/>
             </a:stretch>
@@ -3677,7 +3461,7 @@
             <p:nvPr/>
           </p:nvPicPr>
           <p:blipFill>
-            <a:blip r:embed="rId8"/>
+            <a:blip r:embed="rId4"/>
             <a:stretch>
               <a:fillRect/>
             </a:stretch>
@@ -3819,7 +3603,7 @@
           <p:nvPr/>
         </p:nvPicPr>
         <p:blipFill>
-          <a:blip r:embed="rId9">
+          <a:blip r:embed="rId5">
             <a:extLst>
               <a:ext uri="{28A0092B-C50C-407E-A947-70E740481C1C}">
                 <a14:useLocalDpi xmlns:a14="http://schemas.microsoft.com/office/drawing/2010/main" val="0"/>
@@ -3852,7 +3636,7 @@
           <p:nvPr/>
         </p:nvPicPr>
         <p:blipFill>
-          <a:blip r:embed="rId10" cstate="print">
+          <a:blip r:embed="rId6" cstate="print">
             <a:extLst>
               <a:ext uri="{28A0092B-C50C-407E-A947-70E740481C1C}">
                 <a14:useLocalDpi xmlns:a14="http://schemas.microsoft.com/office/drawing/2010/main" val="0"/>
@@ -3865,7 +3649,7 @@
         </p:blipFill>
         <p:spPr>
           <a:xfrm>
-            <a:off x="113602" y="10813266"/>
+            <a:off x="377001" y="12157849"/>
             <a:ext cx="4888785" cy="4157169"/>
           </a:xfrm>
           <a:prstGeom prst="rect">
@@ -3880,14 +3664,14 @@
       </p:pic>
       <p:sp>
         <p:nvSpPr>
-          <p:cNvPr id="28" name="TextBox 27"/>
+          <p:cNvPr id="4" name="TextBox 3"/>
           <p:cNvSpPr txBox="1"/>
           <p:nvPr/>
         </p:nvSpPr>
         <p:spPr>
           <a:xfrm>
-            <a:off x="23084207" y="3533402"/>
-            <a:ext cx="9525000" cy="3724096"/>
+            <a:off x="8874369" y="135057"/>
+            <a:ext cx="16002450" cy="3631763"/>
           </a:xfrm>
           <a:prstGeom prst="rect">
             <a:avLst/>
@@ -3901,122 +3685,284 @@
           <a:lstStyle/>
           <a:p>
             <a:r>
-              <a:rPr lang="en-US" sz="3200" b="1" dirty="0" smtClean="0"/>
-              <a:t>Human Machine Interface</a:t>
-            </a:r>
-          </a:p>
-          <a:p>
-            <a:r>
-              <a:rPr lang="en-US" sz="2000" dirty="0" smtClean="0"/>
-              <a:t>The user requests a direction of movement using a joy stick. The microcontroller onboard the robot receives the user’s request, but does not move until it is in a stable state and ready to accept another command.</a:t>
-            </a:r>
-          </a:p>
-          <a:p>
-            <a:endParaRPr lang="en-US" sz="2000" dirty="0" smtClean="0"/>
-          </a:p>
-          <a:p>
-            <a:r>
-              <a:rPr lang="en-US" sz="2400" b="1" dirty="0" smtClean="0"/>
-              <a:t>Sequence of Events in Sending a Command</a:t>
-            </a:r>
-          </a:p>
-          <a:p>
-            <a:pPr marL="457200" indent="-457200">
-              <a:buFont typeface="+mj-lt"/>
-              <a:buAutoNum type="arabicPeriod"/>
-            </a:pPr>
-            <a:r>
-              <a:rPr lang="en-US" sz="2000" dirty="0" smtClean="0"/>
-              <a:t>User </a:t>
-            </a:r>
-            <a:r>
-              <a:rPr lang="en-US" sz="2000" dirty="0" smtClean="0"/>
-              <a:t>input is read by a USB controller</a:t>
-            </a:r>
-          </a:p>
-          <a:p>
-            <a:pPr marL="457200" indent="-457200">
-              <a:buFont typeface="+mj-lt"/>
-              <a:buAutoNum type="arabicPeriod"/>
-            </a:pPr>
-            <a:r>
-              <a:rPr lang="en-US" sz="2000" dirty="0" smtClean="0"/>
-              <a:t>Real time Java application parses user input</a:t>
-            </a:r>
-          </a:p>
-          <a:p>
-            <a:pPr marL="457200" indent="-457200">
-              <a:buFont typeface="+mj-lt"/>
-              <a:buAutoNum type="arabicPeriod"/>
-            </a:pPr>
-            <a:r>
-              <a:rPr lang="en-US" sz="2000" dirty="0" smtClean="0"/>
-              <a:t>Application sends commands through an </a:t>
-            </a:r>
-            <a:r>
-              <a:rPr lang="en-US" sz="2000" dirty="0" err="1" smtClean="0"/>
-              <a:t>XBee</a:t>
-            </a:r>
-            <a:r>
-              <a:rPr lang="en-US" sz="2000" dirty="0" smtClean="0"/>
-              <a:t> radio module</a:t>
-            </a:r>
-            <a:endParaRPr lang="en-US" sz="2000" dirty="0" smtClean="0"/>
-          </a:p>
-          <a:p>
-            <a:pPr marL="457200" indent="-457200">
-              <a:buFont typeface="+mj-lt"/>
-              <a:buAutoNum type="arabicPeriod"/>
-            </a:pPr>
-            <a:r>
-              <a:rPr lang="en-US" sz="2000" dirty="0" smtClean="0"/>
-              <a:t>Partner </a:t>
-            </a:r>
-            <a:r>
-              <a:rPr lang="en-US" sz="2000" dirty="0" err="1" smtClean="0"/>
-              <a:t>XBee</a:t>
-            </a:r>
-            <a:r>
-              <a:rPr lang="en-US" sz="2000" dirty="0" smtClean="0"/>
-              <a:t> </a:t>
-            </a:r>
-            <a:r>
-              <a:rPr lang="en-US" sz="2000" dirty="0" smtClean="0"/>
-              <a:t>chip receives the command and sends it to the </a:t>
-            </a:r>
-            <a:r>
-              <a:rPr lang="en-US" sz="2000" dirty="0" smtClean="0"/>
-              <a:t>Arduino microcontroller</a:t>
-            </a:r>
-            <a:endParaRPr lang="en-US" sz="2000" dirty="0" smtClean="0"/>
-          </a:p>
-          <a:p>
-            <a:pPr marL="457200" indent="-457200">
-              <a:buFont typeface="+mj-lt"/>
-              <a:buAutoNum type="arabicPeriod"/>
-            </a:pPr>
-            <a:r>
-              <a:rPr lang="en-US" sz="2000" dirty="0" smtClean="0"/>
-              <a:t>Arduino decodes the serial command </a:t>
-            </a:r>
-            <a:r>
-              <a:rPr lang="en-US" sz="2000" dirty="0" smtClean="0"/>
-              <a:t>executes an action accordingly</a:t>
-            </a:r>
-            <a:endParaRPr lang="en-US" sz="2000" dirty="0"/>
+              <a:rPr lang="en-US" sz="5400" b="1" dirty="0"/>
+              <a:t>Development of an </a:t>
+            </a:r>
+            <a:r>
+              <a:rPr lang="en-US" sz="5400" b="1" dirty="0" smtClean="0"/>
+              <a:t>Agile Pneumatic </a:t>
+            </a:r>
+            <a:r>
+              <a:rPr lang="en-US" sz="5400" b="1" dirty="0"/>
+              <a:t>Educational Robot</a:t>
+            </a:r>
+            <a:endParaRPr lang="en-US" sz="5400" dirty="0"/>
+          </a:p>
+          <a:p>
+            <a:pPr algn="ctr"/>
+            <a:r>
+              <a:rPr lang="en-US" sz="4800" dirty="0"/>
+              <a:t>Team A.R.C</a:t>
+            </a:r>
+            <a:r>
+              <a:rPr lang="en-US" sz="4800" dirty="0" smtClean="0"/>
+              <a:t>.</a:t>
+            </a:r>
+          </a:p>
+          <a:p>
+            <a:pPr algn="ctr"/>
+            <a:r>
+              <a:rPr lang="en-US" sz="2000" dirty="0"/>
+              <a:t>Logan Beaver</a:t>
+            </a:r>
+          </a:p>
+          <a:p>
+            <a:pPr algn="ctr"/>
+            <a:r>
+              <a:rPr lang="en-US" sz="2000" dirty="0"/>
+              <a:t>Justin Campbell</a:t>
+            </a:r>
+          </a:p>
+          <a:p>
+            <a:pPr algn="ctr"/>
+            <a:r>
+              <a:rPr lang="en-US" sz="2000" dirty="0"/>
+              <a:t>Tyler Paddock</a:t>
+            </a:r>
+          </a:p>
+          <a:p>
+            <a:pPr algn="ctr"/>
+            <a:r>
+              <a:rPr lang="en-US" sz="2000" dirty="0"/>
+              <a:t>Ronald Shipman</a:t>
+            </a:r>
+          </a:p>
+          <a:p>
+            <a:pPr algn="ctr"/>
+            <a:endParaRPr lang="en-US" sz="4800" dirty="0"/>
           </a:p>
         </p:txBody>
       </p:sp>
+      <p:grpSp>
+        <p:nvGrpSpPr>
+          <p:cNvPr id="172" name="Group 171"/>
+          <p:cNvGrpSpPr/>
+          <p:nvPr/>
+        </p:nvGrpSpPr>
+        <p:grpSpPr>
+          <a:xfrm>
+            <a:off x="553286" y="463380"/>
+            <a:ext cx="5619392" cy="2070022"/>
+            <a:chOff x="361590" y="285906"/>
+            <a:chExt cx="5619392" cy="2070022"/>
+          </a:xfrm>
+        </p:grpSpPr>
+        <p:pic>
+          <p:nvPicPr>
+            <p:cNvPr id="1026" name="Picture 2"/>
+            <p:cNvPicPr>
+              <a:picLocks noChangeAspect="1" noChangeArrowheads="1"/>
+            </p:cNvPicPr>
+            <p:nvPr/>
+          </p:nvPicPr>
+          <p:blipFill>
+            <a:blip r:embed="rId7">
+              <a:extLst>
+                <a:ext uri="{28A0092B-C50C-407E-A947-70E740481C1C}">
+                  <a14:useLocalDpi xmlns:a14="http://schemas.microsoft.com/office/drawing/2010/main" val="0"/>
+                </a:ext>
+              </a:extLst>
+            </a:blip>
+            <a:srcRect/>
+            <a:stretch>
+              <a:fillRect/>
+            </a:stretch>
+          </p:blipFill>
+          <p:spPr bwMode="auto">
+            <a:xfrm>
+              <a:off x="361590" y="285906"/>
+              <a:ext cx="1524000" cy="1524000"/>
+            </a:xfrm>
+            <a:prstGeom prst="rect">
+              <a:avLst/>
+            </a:prstGeom>
+            <a:noFill/>
+            <a:ln>
+              <a:noFill/>
+            </a:ln>
+            <a:effectLst/>
+            <a:extLst>
+              <a:ext uri="{909E8E84-426E-40DD-AFC4-6F175D3DCCD1}">
+                <a14:hiddenFill xmlns:a14="http://schemas.microsoft.com/office/drawing/2010/main">
+                  <a:solidFill>
+                    <a:schemeClr val="accent1"/>
+                  </a:solidFill>
+                </a14:hiddenFill>
+              </a:ext>
+              <a:ext uri="{91240B29-F687-4F45-9708-019B960494DF}">
+                <a14:hiddenLine xmlns:a14="http://schemas.microsoft.com/office/drawing/2010/main" w="9525">
+                  <a:solidFill>
+                    <a:schemeClr val="tx1"/>
+                  </a:solidFill>
+                  <a:miter lim="800000"/>
+                  <a:headEnd/>
+                  <a:tailEnd/>
+                </a14:hiddenLine>
+              </a:ext>
+              <a:ext uri="{AF507438-7753-43E0-B8FC-AC1667EBCBE1}">
+                <a14:hiddenEffects xmlns:a14="http://schemas.microsoft.com/office/drawing/2010/main">
+                  <a:effectLst>
+                    <a:outerShdw dist="35921" dir="2700000" algn="ctr" rotWithShape="0">
+                      <a:schemeClr val="bg2"/>
+                    </a:outerShdw>
+                  </a:effectLst>
+                </a14:hiddenEffects>
+              </a:ext>
+            </a:extLst>
+          </p:spPr>
+        </p:pic>
+        <p:pic>
+          <p:nvPicPr>
+            <p:cNvPr id="5" name="Picture 4"/>
+            <p:cNvPicPr>
+              <a:picLocks noChangeAspect="1"/>
+            </p:cNvPicPr>
+            <p:nvPr/>
+          </p:nvPicPr>
+          <p:blipFill>
+            <a:blip r:embed="rId8" cstate="print">
+              <a:extLst>
+                <a:ext uri="{28A0092B-C50C-407E-A947-70E740481C1C}">
+                  <a14:useLocalDpi xmlns:a14="http://schemas.microsoft.com/office/drawing/2010/main" val="0"/>
+                </a:ext>
+              </a:extLst>
+            </a:blip>
+            <a:stretch>
+              <a:fillRect/>
+            </a:stretch>
+          </p:blipFill>
+          <p:spPr>
+            <a:xfrm>
+              <a:off x="1923690" y="304800"/>
+              <a:ext cx="1524000" cy="1524000"/>
+            </a:xfrm>
+            <a:prstGeom prst="rect">
+              <a:avLst/>
+            </a:prstGeom>
+          </p:spPr>
+        </p:pic>
+        <p:pic>
+          <p:nvPicPr>
+            <p:cNvPr id="8" name="Picture 7"/>
+            <p:cNvPicPr>
+              <a:picLocks noChangeAspect="1"/>
+            </p:cNvPicPr>
+            <p:nvPr/>
+          </p:nvPicPr>
+          <p:blipFill>
+            <a:blip r:embed="rId9">
+              <a:extLst>
+                <a:ext uri="{28A0092B-C50C-407E-A947-70E740481C1C}">
+                  <a14:useLocalDpi xmlns:a14="http://schemas.microsoft.com/office/drawing/2010/main" val="0"/>
+                </a:ext>
+              </a:extLst>
+            </a:blip>
+            <a:stretch>
+              <a:fillRect/>
+            </a:stretch>
+          </p:blipFill>
+          <p:spPr>
+            <a:xfrm>
+              <a:off x="3561632" y="438150"/>
+              <a:ext cx="2419350" cy="247650"/>
+            </a:xfrm>
+            <a:prstGeom prst="rect">
+              <a:avLst/>
+            </a:prstGeom>
+          </p:spPr>
+        </p:pic>
+        <p:pic>
+          <p:nvPicPr>
+            <p:cNvPr id="9" name="Picture 2" descr="http://www.clustervision.com/sites/default/files/images/Emerson-logo.preview.png"/>
+            <p:cNvPicPr>
+              <a:picLocks noChangeAspect="1" noChangeArrowheads="1"/>
+            </p:cNvPicPr>
+            <p:nvPr/>
+          </p:nvPicPr>
+          <p:blipFill>
+            <a:blip r:embed="rId10" cstate="print">
+              <a:extLst>
+                <a:ext uri="{28A0092B-C50C-407E-A947-70E740481C1C}">
+                  <a14:useLocalDpi xmlns:a14="http://schemas.microsoft.com/office/drawing/2010/main" val="0"/>
+                </a:ext>
+              </a:extLst>
+            </a:blip>
+            <a:srcRect/>
+            <a:stretch>
+              <a:fillRect/>
+            </a:stretch>
+          </p:blipFill>
+          <p:spPr bwMode="auto">
+            <a:xfrm>
+              <a:off x="3851695" y="762000"/>
+              <a:ext cx="1863305" cy="914184"/>
+            </a:xfrm>
+            <a:prstGeom prst="rect">
+              <a:avLst/>
+            </a:prstGeom>
+            <a:noFill/>
+            <a:extLst>
+              <a:ext uri="{909E8E84-426E-40DD-AFC4-6F175D3DCCD1}">
+                <a14:hiddenFill xmlns:a14="http://schemas.microsoft.com/office/drawing/2010/main">
+                  <a:solidFill>
+                    <a:srgbClr val="FFFFFF"/>
+                  </a:solidFill>
+                </a14:hiddenFill>
+              </a:ext>
+            </a:extLst>
+          </p:spPr>
+        </p:pic>
+        <p:sp>
+          <p:nvSpPr>
+            <p:cNvPr id="30" name="TextBox 29"/>
+            <p:cNvSpPr txBox="1"/>
+            <p:nvPr/>
+          </p:nvSpPr>
+          <p:spPr>
+            <a:xfrm>
+              <a:off x="2209800" y="1955818"/>
+              <a:ext cx="1826474" cy="400110"/>
+            </a:xfrm>
+            <a:prstGeom prst="rect">
+              <a:avLst/>
+            </a:prstGeom>
+            <a:noFill/>
+          </p:spPr>
+          <p:txBody>
+            <a:bodyPr wrap="square" rtlCol="0">
+              <a:spAutoFit/>
+            </a:bodyPr>
+            <a:lstStyle/>
+            <a:p>
+              <a:r>
+                <a:rPr lang="en-US" sz="2000" dirty="0" smtClean="0"/>
+                <a:t>Spring, 2015</a:t>
+              </a:r>
+              <a:endParaRPr lang="en-US" sz="2000" dirty="0"/>
+            </a:p>
+          </p:txBody>
+        </p:sp>
+      </p:grpSp>
       <p:sp>
         <p:nvSpPr>
-          <p:cNvPr id="4" name="TextBox 3"/>
+          <p:cNvPr id="31" name="TextBox 30"/>
           <p:cNvSpPr txBox="1"/>
           <p:nvPr/>
         </p:nvSpPr>
         <p:spPr>
           <a:xfrm>
-            <a:off x="10127150" y="-31224"/>
-            <a:ext cx="13792200" cy="3631763"/>
+            <a:off x="418402" y="27849964"/>
+            <a:ext cx="34481198" cy="954107"/>
           </a:xfrm>
           <a:prstGeom prst="rect">
             <a:avLst/>
@@ -4030,109 +3976,6 @@
           <a:lstStyle/>
           <a:p>
             <a:r>
-              <a:rPr lang="en-US" sz="5400" b="1" dirty="0"/>
-              <a:t>Development of an Agile Educational Robot</a:t>
-            </a:r>
-            <a:endParaRPr lang="en-US" sz="5400" dirty="0"/>
-          </a:p>
-          <a:p>
-            <a:pPr algn="ctr"/>
-            <a:r>
-              <a:rPr lang="en-US" sz="4800" dirty="0"/>
-              <a:t>Team A.R.C</a:t>
-            </a:r>
-            <a:r>
-              <a:rPr lang="en-US" sz="4800" dirty="0" smtClean="0"/>
-              <a:t>.</a:t>
-            </a:r>
-          </a:p>
-          <a:p>
-            <a:pPr algn="ctr"/>
-            <a:r>
-              <a:rPr lang="en-US" sz="2000" dirty="0"/>
-              <a:t>Logan Beaver</a:t>
-            </a:r>
-          </a:p>
-          <a:p>
-            <a:pPr algn="ctr"/>
-            <a:r>
-              <a:rPr lang="en-US" sz="2000" dirty="0"/>
-              <a:t>Justin Campbell</a:t>
-            </a:r>
-          </a:p>
-          <a:p>
-            <a:pPr algn="ctr"/>
-            <a:r>
-              <a:rPr lang="en-US" sz="2000" dirty="0"/>
-              <a:t>Tyler Paddock</a:t>
-            </a:r>
-          </a:p>
-          <a:p>
-            <a:pPr algn="ctr"/>
-            <a:r>
-              <a:rPr lang="en-US" sz="2000" dirty="0"/>
-              <a:t>Ronald Shipman</a:t>
-            </a:r>
-          </a:p>
-          <a:p>
-            <a:pPr algn="ctr"/>
-            <a:endParaRPr lang="en-US" sz="4800" dirty="0"/>
-          </a:p>
-        </p:txBody>
-      </p:sp>
-      <p:sp>
-        <p:nvSpPr>
-          <p:cNvPr id="30" name="TextBox 29"/>
-          <p:cNvSpPr txBox="1"/>
-          <p:nvPr/>
-        </p:nvSpPr>
-        <p:spPr>
-          <a:xfrm>
-            <a:off x="762000" y="1584603"/>
-            <a:ext cx="1826474" cy="400110"/>
-          </a:xfrm>
-          <a:prstGeom prst="rect">
-            <a:avLst/>
-          </a:prstGeom>
-          <a:noFill/>
-        </p:spPr>
-        <p:txBody>
-          <a:bodyPr wrap="square" rtlCol="0">
-            <a:spAutoFit/>
-          </a:bodyPr>
-          <a:lstStyle/>
-          <a:p>
-            <a:r>
-              <a:rPr lang="en-US" sz="2000" dirty="0" smtClean="0"/>
-              <a:t>Spring, 2015</a:t>
-            </a:r>
-            <a:endParaRPr lang="en-US" sz="2000" dirty="0"/>
-          </a:p>
-        </p:txBody>
-      </p:sp>
-      <p:sp>
-        <p:nvSpPr>
-          <p:cNvPr id="31" name="TextBox 30"/>
-          <p:cNvSpPr txBox="1"/>
-          <p:nvPr/>
-        </p:nvSpPr>
-        <p:spPr>
-          <a:xfrm>
-            <a:off x="27227791" y="26140247"/>
-            <a:ext cx="8124224" cy="1815882"/>
-          </a:xfrm>
-          <a:prstGeom prst="rect">
-            <a:avLst/>
-          </a:prstGeom>
-          <a:noFill/>
-        </p:spPr>
-        <p:txBody>
-          <a:bodyPr wrap="square" rtlCol="0">
-            <a:spAutoFit/>
-          </a:bodyPr>
-          <a:lstStyle/>
-          <a:p>
-            <a:r>
               <a:rPr lang="en-US" sz="2800" b="1" dirty="0" smtClean="0"/>
               <a:t>Acknowledgements</a:t>
             </a:r>
@@ -4140,821 +3983,589 @@
           <a:p>
             <a:r>
               <a:rPr lang="en-US" sz="2800" i="1" dirty="0" smtClean="0"/>
-              <a:t>Special thanks to Joy Global, Inc., the National Fluid Power Association, Emerson and  Dr. Luis A. Rodriguez for their support</a:t>
+              <a:t>Special thanks to Joy Global, Inc., the National Fluid Power Association, </a:t>
+            </a:r>
+            <a:r>
+              <a:rPr lang="en-US" sz="2800" i="1" dirty="0" smtClean="0"/>
+              <a:t>Emerson, Otto J </a:t>
+            </a:r>
+            <a:r>
+              <a:rPr lang="en-US" sz="2800" i="1" dirty="0" err="1" smtClean="0"/>
+              <a:t>Maha</a:t>
+            </a:r>
+            <a:r>
+              <a:rPr lang="en-US" sz="2800" i="1" dirty="0" smtClean="0"/>
+              <a:t> Endowment Fund, MSOE, </a:t>
+            </a:r>
+            <a:r>
+              <a:rPr lang="en-US" sz="2800" i="1" dirty="0" smtClean="0"/>
+              <a:t>and  Dr. Luis A. Rodriguez for their support</a:t>
             </a:r>
             <a:endParaRPr lang="en-US" sz="2800" i="1" dirty="0"/>
-          </a:p>
-        </p:txBody>
-      </p:sp>
-      <p:sp>
-        <p:nvSpPr>
-          <p:cNvPr id="33" name="TextBox 32"/>
-          <p:cNvSpPr txBox="1"/>
-          <p:nvPr/>
-        </p:nvSpPr>
-        <p:spPr>
-          <a:xfrm>
-            <a:off x="300847" y="17979914"/>
-            <a:ext cx="9632507" cy="892552"/>
-          </a:xfrm>
-          <a:prstGeom prst="rect">
-            <a:avLst/>
-          </a:prstGeom>
-          <a:noFill/>
-        </p:spPr>
-        <p:txBody>
-          <a:bodyPr wrap="square" rtlCol="0">
-            <a:spAutoFit/>
-          </a:bodyPr>
-          <a:lstStyle/>
-          <a:p>
-            <a:r>
-              <a:rPr lang="en-US" sz="3200" b="1" dirty="0" smtClean="0"/>
-              <a:t>Electrical Design</a:t>
-            </a:r>
-          </a:p>
-          <a:p>
-            <a:endParaRPr lang="en-US" sz="2000" dirty="0"/>
-          </a:p>
-        </p:txBody>
-      </p:sp>
-      <p:sp>
-        <p:nvSpPr>
-          <p:cNvPr id="99" name="TextBox 98"/>
-          <p:cNvSpPr txBox="1"/>
-          <p:nvPr/>
-        </p:nvSpPr>
-        <p:spPr>
-          <a:xfrm>
-            <a:off x="23233523" y="10906222"/>
-            <a:ext cx="9525000" cy="1815882"/>
-          </a:xfrm>
-          <a:prstGeom prst="rect">
-            <a:avLst/>
-          </a:prstGeom>
-          <a:noFill/>
-        </p:spPr>
-        <p:txBody>
-          <a:bodyPr wrap="square" rtlCol="0">
-            <a:spAutoFit/>
-          </a:bodyPr>
-          <a:lstStyle/>
-          <a:p>
-            <a:r>
-              <a:rPr lang="en-US" sz="3200" b="1" dirty="0" smtClean="0"/>
-              <a:t>Control </a:t>
-            </a:r>
-            <a:r>
-              <a:rPr lang="en-US" sz="3200" b="1" dirty="0" smtClean="0"/>
-              <a:t>Architecture: Two Link Leg</a:t>
-            </a:r>
-            <a:endParaRPr lang="en-US" sz="3200" b="1" dirty="0" smtClean="0"/>
-          </a:p>
-          <a:p>
-            <a:pPr marL="342900" indent="-342900">
-              <a:buFont typeface="Arial" panose="020B0604020202020204" pitchFamily="34" charset="0"/>
-              <a:buChar char="•"/>
-            </a:pPr>
-            <a:r>
-              <a:rPr lang="en-US" sz="2000" dirty="0" err="1" smtClean="0"/>
-              <a:t>Mathworks</a:t>
-            </a:r>
-            <a:r>
-              <a:rPr lang="en-US" sz="2000" dirty="0" smtClean="0"/>
-              <a:t> Simulink model is loaded onto the Arduino</a:t>
-            </a:r>
-          </a:p>
-          <a:p>
-            <a:pPr marL="342900" indent="-342900">
-              <a:buFont typeface="Arial" panose="020B0604020202020204" pitchFamily="34" charset="0"/>
-              <a:buChar char="•"/>
-            </a:pPr>
-            <a:r>
-              <a:rPr lang="en-US" sz="2000" dirty="0" smtClean="0"/>
-              <a:t>Utilizes PID feedback loops to control cylinder lengths</a:t>
-            </a:r>
-          </a:p>
-          <a:p>
-            <a:pPr marL="342900" indent="-342900">
-              <a:buFont typeface="Arial" panose="020B0604020202020204" pitchFamily="34" charset="0"/>
-              <a:buChar char="•"/>
-            </a:pPr>
-            <a:r>
-              <a:rPr lang="en-US" sz="2000" dirty="0" smtClean="0"/>
-              <a:t>Desired length is calculated by a state machine based on user input and current length</a:t>
-            </a:r>
-          </a:p>
-          <a:p>
-            <a:pPr marL="342900" indent="-342900">
-              <a:buFont typeface="Arial" panose="020B0604020202020204" pitchFamily="34" charset="0"/>
-              <a:buChar char="•"/>
-            </a:pPr>
-            <a:endParaRPr lang="en-US" sz="2000" dirty="0"/>
           </a:p>
         </p:txBody>
       </p:sp>
       <p:grpSp>
         <p:nvGrpSpPr>
-          <p:cNvPr id="32" name="Group 31"/>
+          <p:cNvPr id="169" name="Group 168"/>
           <p:cNvGrpSpPr/>
           <p:nvPr/>
         </p:nvGrpSpPr>
         <p:grpSpPr>
           <a:xfrm>
-            <a:off x="23614523" y="7406123"/>
-            <a:ext cx="8763000" cy="2223550"/>
-            <a:chOff x="23698200" y="6233964"/>
-            <a:chExt cx="8763000" cy="2223550"/>
+            <a:off x="23084207" y="3533402"/>
+            <a:ext cx="9525000" cy="6614948"/>
+            <a:chOff x="23084207" y="3533402"/>
+            <a:chExt cx="9525000" cy="6614948"/>
           </a:xfrm>
         </p:grpSpPr>
+        <p:sp>
+          <p:nvSpPr>
+            <p:cNvPr id="28" name="TextBox 27"/>
+            <p:cNvSpPr txBox="1"/>
+            <p:nvPr/>
+          </p:nvSpPr>
+          <p:spPr>
+            <a:xfrm>
+              <a:off x="23084207" y="3533402"/>
+              <a:ext cx="9525000" cy="4031873"/>
+            </a:xfrm>
+            <a:prstGeom prst="rect">
+              <a:avLst/>
+            </a:prstGeom>
+            <a:noFill/>
+          </p:spPr>
+          <p:txBody>
+            <a:bodyPr wrap="square" rtlCol="0">
+              <a:spAutoFit/>
+            </a:bodyPr>
+            <a:lstStyle/>
+            <a:p>
+              <a:r>
+                <a:rPr lang="en-US" sz="3200" b="1" dirty="0" smtClean="0"/>
+                <a:t>Human Machine Interface</a:t>
+              </a:r>
+            </a:p>
+            <a:p>
+              <a:r>
+                <a:rPr lang="en-US" sz="2000" dirty="0" smtClean="0"/>
+                <a:t>To control the robot the user sends a direction request to the Java Graphical User Interface (GUI), which encodes the request and wirelessly transmits it to the robot’s onboard Arduino microcontroller. The microcontroller then updates the robot’s desired foot positions based on its current state.</a:t>
+              </a:r>
+              <a:endParaRPr lang="en-US" sz="2000" dirty="0" smtClean="0"/>
+            </a:p>
+            <a:p>
+              <a:endParaRPr lang="en-US" sz="2000" dirty="0" smtClean="0"/>
+            </a:p>
+            <a:p>
+              <a:r>
+                <a:rPr lang="en-US" sz="2400" b="1" dirty="0" smtClean="0"/>
+                <a:t>Sequence of Events in Sending a Command</a:t>
+              </a:r>
+            </a:p>
+            <a:p>
+              <a:pPr marL="457200" indent="-457200">
+                <a:buFont typeface="+mj-lt"/>
+                <a:buAutoNum type="arabicPeriod"/>
+              </a:pPr>
+              <a:r>
+                <a:rPr lang="en-US" sz="2000" dirty="0" smtClean="0"/>
+                <a:t>User input is read by a USB controller</a:t>
+              </a:r>
+            </a:p>
+            <a:p>
+              <a:pPr marL="457200" indent="-457200">
+                <a:buFont typeface="+mj-lt"/>
+                <a:buAutoNum type="arabicPeriod"/>
+              </a:pPr>
+              <a:r>
+                <a:rPr lang="en-US" sz="2000" dirty="0" smtClean="0"/>
+                <a:t>Real time Java application parses user input</a:t>
+              </a:r>
+            </a:p>
+            <a:p>
+              <a:pPr marL="457200" indent="-457200">
+                <a:buFont typeface="+mj-lt"/>
+                <a:buAutoNum type="arabicPeriod"/>
+              </a:pPr>
+              <a:r>
+                <a:rPr lang="en-US" sz="2000" dirty="0" smtClean="0"/>
+                <a:t>Application sends commands through an </a:t>
+              </a:r>
+              <a:r>
+                <a:rPr lang="en-US" sz="2000" dirty="0" err="1" smtClean="0"/>
+                <a:t>XBee</a:t>
+              </a:r>
+              <a:r>
+                <a:rPr lang="en-US" sz="2000" dirty="0" smtClean="0"/>
+                <a:t> radio module</a:t>
+              </a:r>
+            </a:p>
+            <a:p>
+              <a:pPr marL="457200" indent="-457200">
+                <a:buFont typeface="+mj-lt"/>
+                <a:buAutoNum type="arabicPeriod"/>
+              </a:pPr>
+              <a:r>
+                <a:rPr lang="en-US" sz="2000" dirty="0" smtClean="0"/>
+                <a:t>Partner </a:t>
+              </a:r>
+              <a:r>
+                <a:rPr lang="en-US" sz="2000" dirty="0" err="1" smtClean="0"/>
+                <a:t>XBee</a:t>
+              </a:r>
+              <a:r>
+                <a:rPr lang="en-US" sz="2000" dirty="0" smtClean="0"/>
+                <a:t> chip receives the command and sends it to the Arduino microcontroller</a:t>
+              </a:r>
+            </a:p>
+            <a:p>
+              <a:pPr marL="457200" indent="-457200">
+                <a:buFont typeface="+mj-lt"/>
+                <a:buAutoNum type="arabicPeriod"/>
+              </a:pPr>
+              <a:r>
+                <a:rPr lang="en-US" sz="2000" dirty="0" smtClean="0"/>
+                <a:t>Arduino decodes the serial command executes an action accordingly</a:t>
+              </a:r>
+              <a:endParaRPr lang="en-US" sz="2000" dirty="0"/>
+            </a:p>
+          </p:txBody>
+        </p:sp>
         <p:grpSp>
           <p:nvGrpSpPr>
-            <p:cNvPr id="37" name="Group 36"/>
+            <p:cNvPr id="32" name="Group 31"/>
             <p:cNvGrpSpPr/>
             <p:nvPr/>
           </p:nvGrpSpPr>
           <p:grpSpPr>
             <a:xfrm>
-              <a:off x="23863176" y="6233964"/>
-              <a:ext cx="8013069" cy="1508760"/>
-              <a:chOff x="114300" y="909320"/>
-              <a:chExt cx="8013647" cy="1508760"/>
+              <a:off x="23614523" y="7924800"/>
+              <a:ext cx="8763000" cy="2223550"/>
+              <a:chOff x="23698200" y="6233964"/>
+              <a:chExt cx="8763000" cy="2223550"/>
             </a:xfrm>
           </p:grpSpPr>
           <p:grpSp>
             <p:nvGrpSpPr>
-              <p:cNvPr id="38" name="Group 37"/>
+              <p:cNvPr id="37" name="Group 36"/>
               <p:cNvGrpSpPr/>
               <p:nvPr/>
             </p:nvGrpSpPr>
             <p:grpSpPr>
               <a:xfrm>
-                <a:off x="7254187" y="1620520"/>
-                <a:ext cx="873760" cy="797560"/>
-                <a:chOff x="7153883" y="1257300"/>
-                <a:chExt cx="873760" cy="797560"/>
+                <a:off x="23863176" y="6233964"/>
+                <a:ext cx="8013069" cy="1508760"/>
+                <a:chOff x="114300" y="909320"/>
+                <a:chExt cx="8013647" cy="1508760"/>
               </a:xfrm>
             </p:grpSpPr>
             <p:grpSp>
               <p:nvGrpSpPr>
-                <p:cNvPr id="86" name="Group 85"/>
+                <p:cNvPr id="38" name="Group 37"/>
                 <p:cNvGrpSpPr/>
                 <p:nvPr/>
               </p:nvGrpSpPr>
               <p:grpSpPr>
-                <a:xfrm rot="1124969">
-                  <a:off x="7684743" y="1374140"/>
-                  <a:ext cx="342900" cy="680720"/>
-                  <a:chOff x="8013700" y="1485900"/>
-                  <a:chExt cx="342900" cy="680720"/>
+                <a:xfrm>
+                  <a:off x="7254187" y="1620520"/>
+                  <a:ext cx="873760" cy="797560"/>
+                  <a:chOff x="7153883" y="1257300"/>
+                  <a:chExt cx="873760" cy="797560"/>
                 </a:xfrm>
               </p:grpSpPr>
-              <p:cxnSp>
-                <p:nvCxnSpPr>
-                  <p:cNvPr id="97" name="Straight Connector 96"/>
-                  <p:cNvCxnSpPr/>
+              <p:grpSp>
+                <p:nvGrpSpPr>
+                  <p:cNvPr id="86" name="Group 85"/>
+                  <p:cNvGrpSpPr/>
                   <p:nvPr/>
-                </p:nvCxnSpPr>
+                </p:nvGrpSpPr>
+                <p:grpSpPr>
+                  <a:xfrm rot="1124969">
+                    <a:off x="7684743" y="1374140"/>
+                    <a:ext cx="342900" cy="680720"/>
+                    <a:chOff x="8013700" y="1485900"/>
+                    <a:chExt cx="342900" cy="680720"/>
+                  </a:xfrm>
+                </p:grpSpPr>
+                <p:cxnSp>
+                  <p:nvCxnSpPr>
+                    <p:cNvPr id="97" name="Straight Connector 96"/>
+                    <p:cNvCxnSpPr/>
+                    <p:nvPr/>
+                  </p:nvCxnSpPr>
+                  <p:spPr>
+                    <a:xfrm>
+                      <a:off x="8013700" y="1485900"/>
+                      <a:ext cx="342900" cy="342900"/>
+                    </a:xfrm>
+                    <a:prstGeom prst="line">
+                      <a:avLst/>
+                    </a:prstGeom>
+                    <a:ln w="12700"/>
+                  </p:spPr>
+                  <p:style>
+                    <a:lnRef idx="1">
+                      <a:schemeClr val="dk1"/>
+                    </a:lnRef>
+                    <a:fillRef idx="0">
+                      <a:schemeClr val="dk1"/>
+                    </a:fillRef>
+                    <a:effectRef idx="0">
+                      <a:schemeClr val="dk1"/>
+                    </a:effectRef>
+                    <a:fontRef idx="minor">
+                      <a:schemeClr val="tx1"/>
+                    </a:fontRef>
+                  </p:style>
+                </p:cxnSp>
+                <p:cxnSp>
+                  <p:nvCxnSpPr>
+                    <p:cNvPr id="98" name="Straight Connector 97"/>
+                    <p:cNvCxnSpPr/>
+                    <p:nvPr/>
+                  </p:nvCxnSpPr>
+                  <p:spPr>
+                    <a:xfrm flipH="1">
+                      <a:off x="8242300" y="1823720"/>
+                      <a:ext cx="114300" cy="342900"/>
+                    </a:xfrm>
+                    <a:prstGeom prst="line">
+                      <a:avLst/>
+                    </a:prstGeom>
+                    <a:ln w="12700"/>
+                  </p:spPr>
+                  <p:style>
+                    <a:lnRef idx="1">
+                      <a:schemeClr val="dk1"/>
+                    </a:lnRef>
+                    <a:fillRef idx="0">
+                      <a:schemeClr val="dk1"/>
+                    </a:fillRef>
+                    <a:effectRef idx="0">
+                      <a:schemeClr val="dk1"/>
+                    </a:effectRef>
+                    <a:fontRef idx="minor">
+                      <a:schemeClr val="tx1"/>
+                    </a:fontRef>
+                  </p:style>
+                </p:cxnSp>
+              </p:grpSp>
+              <p:grpSp>
+                <p:nvGrpSpPr>
+                  <p:cNvPr id="87" name="Group 86"/>
+                  <p:cNvGrpSpPr/>
+                  <p:nvPr/>
+                </p:nvGrpSpPr>
+                <p:grpSpPr>
+                  <a:xfrm rot="1124969">
+                    <a:off x="7285963" y="1371600"/>
+                    <a:ext cx="342900" cy="680720"/>
+                    <a:chOff x="7442200" y="1480820"/>
+                    <a:chExt cx="342900" cy="680720"/>
+                  </a:xfrm>
+                </p:grpSpPr>
+                <p:cxnSp>
+                  <p:nvCxnSpPr>
+                    <p:cNvPr id="95" name="Straight Connector 94"/>
+                    <p:cNvCxnSpPr/>
+                    <p:nvPr/>
+                  </p:nvCxnSpPr>
+                  <p:spPr>
+                    <a:xfrm>
+                      <a:off x="7442200" y="1480820"/>
+                      <a:ext cx="342900" cy="342900"/>
+                    </a:xfrm>
+                    <a:prstGeom prst="line">
+                      <a:avLst/>
+                    </a:prstGeom>
+                    <a:ln w="12700"/>
+                  </p:spPr>
+                  <p:style>
+                    <a:lnRef idx="1">
+                      <a:schemeClr val="dk1"/>
+                    </a:lnRef>
+                    <a:fillRef idx="0">
+                      <a:schemeClr val="dk1"/>
+                    </a:fillRef>
+                    <a:effectRef idx="0">
+                      <a:schemeClr val="dk1"/>
+                    </a:effectRef>
+                    <a:fontRef idx="minor">
+                      <a:schemeClr val="tx1"/>
+                    </a:fontRef>
+                  </p:style>
+                </p:cxnSp>
+                <p:cxnSp>
+                  <p:nvCxnSpPr>
+                    <p:cNvPr id="96" name="Straight Connector 95"/>
+                    <p:cNvCxnSpPr/>
+                    <p:nvPr/>
+                  </p:nvCxnSpPr>
+                  <p:spPr>
+                    <a:xfrm flipH="1">
+                      <a:off x="7670800" y="1818640"/>
+                      <a:ext cx="114300" cy="342900"/>
+                    </a:xfrm>
+                    <a:prstGeom prst="line">
+                      <a:avLst/>
+                    </a:prstGeom>
+                    <a:ln w="12700"/>
+                  </p:spPr>
+                  <p:style>
+                    <a:lnRef idx="1">
+                      <a:schemeClr val="dk1"/>
+                    </a:lnRef>
+                    <a:fillRef idx="0">
+                      <a:schemeClr val="dk1"/>
+                    </a:fillRef>
+                    <a:effectRef idx="0">
+                      <a:schemeClr val="dk1"/>
+                    </a:effectRef>
+                    <a:fontRef idx="minor">
+                      <a:schemeClr val="tx1"/>
+                    </a:fontRef>
+                  </p:style>
+                </p:cxnSp>
+              </p:grpSp>
+              <p:sp>
+                <p:nvSpPr>
+                  <p:cNvPr id="88" name="Rectangle 87"/>
+                  <p:cNvSpPr/>
+                  <p:nvPr/>
+                </p:nvSpPr>
                 <p:spPr>
                   <a:xfrm>
-                    <a:off x="8013700" y="1485900"/>
-                    <a:ext cx="342900" cy="342900"/>
+                    <a:off x="7170420" y="1257300"/>
+                    <a:ext cx="769620" cy="228600"/>
                   </a:xfrm>
-                  <a:prstGeom prst="line">
+                  <a:prstGeom prst="rect">
                     <a:avLst/>
                   </a:prstGeom>
-                  <a:ln w="12700"/>
+                  <a:solidFill>
+                    <a:schemeClr val="bg1">
+                      <a:lumMod val="85000"/>
+                    </a:schemeClr>
+                  </a:solidFill>
+                  <a:ln w="12700">
+                    <a:solidFill>
+                      <a:schemeClr val="tx1"/>
+                    </a:solidFill>
+                  </a:ln>
                 </p:spPr>
                 <p:style>
-                  <a:lnRef idx="1">
-                    <a:schemeClr val="dk1"/>
+                  <a:lnRef idx="2">
+                    <a:schemeClr val="accent1">
+                      <a:shade val="50000"/>
+                    </a:schemeClr>
                   </a:lnRef>
-                  <a:fillRef idx="0">
-                    <a:schemeClr val="dk1"/>
+                  <a:fillRef idx="1">
+                    <a:schemeClr val="accent1"/>
                   </a:fillRef>
                   <a:effectRef idx="0">
-                    <a:schemeClr val="dk1"/>
+                    <a:schemeClr val="accent1"/>
                   </a:effectRef>
                   <a:fontRef idx="minor">
-                    <a:schemeClr val="tx1"/>
+                    <a:schemeClr val="lt1"/>
                   </a:fontRef>
                 </p:style>
-              </p:cxnSp>
-              <p:cxnSp>
-                <p:nvCxnSpPr>
-                  <p:cNvPr id="98" name="Straight Connector 97"/>
-                  <p:cNvCxnSpPr/>
+                <p:txBody>
+                  <a:bodyPr rot="0" spcFirstLastPara="0" vert="horz" wrap="square" lIns="91440" tIns="45720" rIns="91440" bIns="45720" numCol="1" spcCol="0" rtlCol="0" fromWordArt="0" anchor="ctr" anchorCtr="0" forceAA="0" compatLnSpc="1">
+                    <a:prstTxWarp prst="textNoShape">
+                      <a:avLst/>
+                    </a:prstTxWarp>
+                    <a:noAutofit/>
+                  </a:bodyPr>
+                  <a:lstStyle/>
+                  <a:p>
+                    <a:endParaRPr lang="en-US"/>
+                  </a:p>
+                </p:txBody>
+              </p:sp>
+              <p:grpSp>
+                <p:nvGrpSpPr>
+                  <p:cNvPr id="89" name="Group 88"/>
+                  <p:cNvGrpSpPr/>
                   <p:nvPr/>
-                </p:nvCxnSpPr>
-                <p:spPr>
-                  <a:xfrm flipH="1">
-                    <a:off x="8242300" y="1823720"/>
-                    <a:ext cx="114300" cy="342900"/>
+                </p:nvGrpSpPr>
+                <p:grpSpPr>
+                  <a:xfrm rot="1124969">
+                    <a:off x="7153883" y="1371600"/>
+                    <a:ext cx="342900" cy="680720"/>
+                    <a:chOff x="7200900" y="1485900"/>
+                    <a:chExt cx="342900" cy="680720"/>
                   </a:xfrm>
-                  <a:prstGeom prst="line">
-                    <a:avLst/>
-                  </a:prstGeom>
-                  <a:ln w="12700"/>
-                </p:spPr>
-                <p:style>
-                  <a:lnRef idx="1">
-                    <a:schemeClr val="dk1"/>
-                  </a:lnRef>
-                  <a:fillRef idx="0">
-                    <a:schemeClr val="dk1"/>
-                  </a:fillRef>
-                  <a:effectRef idx="0">
-                    <a:schemeClr val="dk1"/>
-                  </a:effectRef>
-                  <a:fontRef idx="minor">
-                    <a:schemeClr val="tx1"/>
-                  </a:fontRef>
-                </p:style>
-              </p:cxnSp>
+                </p:grpSpPr>
+                <p:cxnSp>
+                  <p:nvCxnSpPr>
+                    <p:cNvPr id="93" name="Straight Connector 92"/>
+                    <p:cNvCxnSpPr/>
+                    <p:nvPr/>
+                  </p:nvCxnSpPr>
+                  <p:spPr>
+                    <a:xfrm>
+                      <a:off x="7200900" y="1485900"/>
+                      <a:ext cx="342900" cy="342900"/>
+                    </a:xfrm>
+                    <a:prstGeom prst="line">
+                      <a:avLst/>
+                    </a:prstGeom>
+                    <a:ln w="12700"/>
+                  </p:spPr>
+                  <p:style>
+                    <a:lnRef idx="1">
+                      <a:schemeClr val="dk1"/>
+                    </a:lnRef>
+                    <a:fillRef idx="0">
+                      <a:schemeClr val="dk1"/>
+                    </a:fillRef>
+                    <a:effectRef idx="0">
+                      <a:schemeClr val="dk1"/>
+                    </a:effectRef>
+                    <a:fontRef idx="minor">
+                      <a:schemeClr val="tx1"/>
+                    </a:fontRef>
+                  </p:style>
+                </p:cxnSp>
+                <p:cxnSp>
+                  <p:nvCxnSpPr>
+                    <p:cNvPr id="94" name="Straight Connector 93"/>
+                    <p:cNvCxnSpPr/>
+                    <p:nvPr/>
+                  </p:nvCxnSpPr>
+                  <p:spPr>
+                    <a:xfrm flipH="1">
+                      <a:off x="7429500" y="1823720"/>
+                      <a:ext cx="114300" cy="342900"/>
+                    </a:xfrm>
+                    <a:prstGeom prst="line">
+                      <a:avLst/>
+                    </a:prstGeom>
+                    <a:ln w="12700"/>
+                  </p:spPr>
+                  <p:style>
+                    <a:lnRef idx="1">
+                      <a:schemeClr val="dk1"/>
+                    </a:lnRef>
+                    <a:fillRef idx="0">
+                      <a:schemeClr val="dk1"/>
+                    </a:fillRef>
+                    <a:effectRef idx="0">
+                      <a:schemeClr val="dk1"/>
+                    </a:effectRef>
+                    <a:fontRef idx="minor">
+                      <a:schemeClr val="tx1"/>
+                    </a:fontRef>
+                  </p:style>
+                </p:cxnSp>
+              </p:grpSp>
+              <p:grpSp>
+                <p:nvGrpSpPr>
+                  <p:cNvPr id="90" name="Group 89"/>
+                  <p:cNvGrpSpPr/>
+                  <p:nvPr/>
+                </p:nvGrpSpPr>
+                <p:grpSpPr>
+                  <a:xfrm rot="1124969">
+                    <a:off x="7552716" y="1371600"/>
+                    <a:ext cx="342900" cy="680720"/>
+                    <a:chOff x="7785100" y="1485900"/>
+                    <a:chExt cx="342900" cy="680720"/>
+                  </a:xfrm>
+                </p:grpSpPr>
+                <p:cxnSp>
+                  <p:nvCxnSpPr>
+                    <p:cNvPr id="91" name="Straight Connector 90"/>
+                    <p:cNvCxnSpPr/>
+                    <p:nvPr/>
+                  </p:nvCxnSpPr>
+                  <p:spPr>
+                    <a:xfrm>
+                      <a:off x="7785100" y="1485900"/>
+                      <a:ext cx="342900" cy="342900"/>
+                    </a:xfrm>
+                    <a:prstGeom prst="line">
+                      <a:avLst/>
+                    </a:prstGeom>
+                    <a:ln w="12700"/>
+                  </p:spPr>
+                  <p:style>
+                    <a:lnRef idx="1">
+                      <a:schemeClr val="dk1"/>
+                    </a:lnRef>
+                    <a:fillRef idx="0">
+                      <a:schemeClr val="dk1"/>
+                    </a:fillRef>
+                    <a:effectRef idx="0">
+                      <a:schemeClr val="dk1"/>
+                    </a:effectRef>
+                    <a:fontRef idx="minor">
+                      <a:schemeClr val="tx1"/>
+                    </a:fontRef>
+                  </p:style>
+                </p:cxnSp>
+                <p:cxnSp>
+                  <p:nvCxnSpPr>
+                    <p:cNvPr id="92" name="Straight Connector 91"/>
+                    <p:cNvCxnSpPr/>
+                    <p:nvPr/>
+                  </p:nvCxnSpPr>
+                  <p:spPr>
+                    <a:xfrm flipH="1">
+                      <a:off x="8013700" y="1823720"/>
+                      <a:ext cx="114300" cy="342900"/>
+                    </a:xfrm>
+                    <a:prstGeom prst="line">
+                      <a:avLst/>
+                    </a:prstGeom>
+                    <a:ln w="12700"/>
+                  </p:spPr>
+                  <p:style>
+                    <a:lnRef idx="1">
+                      <a:schemeClr val="dk1"/>
+                    </a:lnRef>
+                    <a:fillRef idx="0">
+                      <a:schemeClr val="dk1"/>
+                    </a:fillRef>
+                    <a:effectRef idx="0">
+                      <a:schemeClr val="dk1"/>
+                    </a:effectRef>
+                    <a:fontRef idx="minor">
+                      <a:schemeClr val="tx1"/>
+                    </a:fontRef>
+                  </p:style>
+                </p:cxnSp>
+              </p:grpSp>
             </p:grpSp>
-            <p:grpSp>
-              <p:nvGrpSpPr>
-                <p:cNvPr id="87" name="Group 86"/>
-                <p:cNvGrpSpPr/>
+            <p:cxnSp>
+              <p:nvCxnSpPr>
+                <p:cNvPr id="39" name="Curved Connector 38"/>
+                <p:cNvCxnSpPr>
+                  <a:stCxn id="51" idx="0"/>
+                  <a:endCxn id="54" idx="1"/>
+                </p:cNvCxnSpPr>
                 <p:nvPr/>
-              </p:nvGrpSpPr>
-              <p:grpSpPr>
-                <a:xfrm rot="1124969">
-                  <a:off x="7285963" y="1371600"/>
-                  <a:ext cx="342900" cy="680720"/>
-                  <a:chOff x="7442200" y="1480820"/>
-                  <a:chExt cx="342900" cy="680720"/>
+              </p:nvCxnSpPr>
+              <p:spPr>
+                <a:xfrm rot="16200000" flipH="1">
+                  <a:off x="1256822" y="1331936"/>
+                  <a:ext cx="514816" cy="1086340"/>
                 </a:xfrm>
-              </p:grpSpPr>
-              <p:cxnSp>
-                <p:nvCxnSpPr>
-                  <p:cNvPr id="95" name="Straight Connector 94"/>
-                  <p:cNvCxnSpPr/>
-                  <p:nvPr/>
-                </p:nvCxnSpPr>
-                <p:spPr>
-                  <a:xfrm>
-                    <a:off x="7442200" y="1480820"/>
-                    <a:ext cx="342900" cy="342900"/>
-                  </a:xfrm>
-                  <a:prstGeom prst="line">
-                    <a:avLst/>
-                  </a:prstGeom>
-                  <a:ln w="12700"/>
-                </p:spPr>
-                <p:style>
-                  <a:lnRef idx="1">
-                    <a:schemeClr val="dk1"/>
-                  </a:lnRef>
-                  <a:fillRef idx="0">
-                    <a:schemeClr val="dk1"/>
-                  </a:fillRef>
-                  <a:effectRef idx="0">
-                    <a:schemeClr val="dk1"/>
-                  </a:effectRef>
-                  <a:fontRef idx="minor">
-                    <a:schemeClr val="tx1"/>
-                  </a:fontRef>
-                </p:style>
-              </p:cxnSp>
-              <p:cxnSp>
-                <p:nvCxnSpPr>
-                  <p:cNvPr id="96" name="Straight Connector 95"/>
-                  <p:cNvCxnSpPr/>
-                  <p:nvPr/>
-                </p:nvCxnSpPr>
-                <p:spPr>
-                  <a:xfrm flipH="1">
-                    <a:off x="7670800" y="1818640"/>
-                    <a:ext cx="114300" cy="342900"/>
-                  </a:xfrm>
-                  <a:prstGeom prst="line">
-                    <a:avLst/>
-                  </a:prstGeom>
-                  <a:ln w="12700"/>
-                </p:spPr>
-                <p:style>
-                  <a:lnRef idx="1">
-                    <a:schemeClr val="dk1"/>
-                  </a:lnRef>
-                  <a:fillRef idx="0">
-                    <a:schemeClr val="dk1"/>
-                  </a:fillRef>
-                  <a:effectRef idx="0">
-                    <a:schemeClr val="dk1"/>
-                  </a:effectRef>
-                  <a:fontRef idx="minor">
-                    <a:schemeClr val="tx1"/>
-                  </a:fontRef>
-                </p:style>
-              </p:cxnSp>
-            </p:grpSp>
-            <p:sp>
-              <p:nvSpPr>
-                <p:cNvPr id="88" name="Rectangle 87"/>
-                <p:cNvSpPr/>
-                <p:nvPr/>
-              </p:nvSpPr>
-              <p:spPr>
-                <a:xfrm>
-                  <a:off x="7170420" y="1257300"/>
-                  <a:ext cx="769620" cy="228600"/>
-                </a:xfrm>
-                <a:prstGeom prst="rect">
-                  <a:avLst/>
+                <a:prstGeom prst="curvedConnector4">
+                  <a:avLst>
+                    <a:gd name="adj1" fmla="val -44404"/>
+                    <a:gd name="adj2" fmla="val 89260"/>
+                  </a:avLst>
                 </a:prstGeom>
-                <a:solidFill>
-                  <a:schemeClr val="bg1">
-                    <a:lumMod val="85000"/>
-                  </a:schemeClr>
-                </a:solidFill>
-                <a:ln w="12700">
+                <a:ln w="9525">
                   <a:solidFill>
                     <a:schemeClr val="tx1"/>
                   </a:solidFill>
+                  <a:headEnd type="none" w="med" len="med"/>
+                  <a:tailEnd type="triangle" w="med" len="med"/>
                 </a:ln>
               </p:spPr>
               <p:style>
-                <a:lnRef idx="2">
-                  <a:schemeClr val="accent1">
-                    <a:shade val="50000"/>
-                  </a:schemeClr>
-                </a:lnRef>
-                <a:fillRef idx="1">
-                  <a:schemeClr val="accent1"/>
-                </a:fillRef>
-                <a:effectRef idx="0">
-                  <a:schemeClr val="accent1"/>
-                </a:effectRef>
-                <a:fontRef idx="minor">
-                  <a:schemeClr val="lt1"/>
-                </a:fontRef>
-              </p:style>
-              <p:txBody>
-                <a:bodyPr rot="0" spcFirstLastPara="0" vert="horz" wrap="square" lIns="91440" tIns="45720" rIns="91440" bIns="45720" numCol="1" spcCol="0" rtlCol="0" fromWordArt="0" anchor="ctr" anchorCtr="0" forceAA="0" compatLnSpc="1">
-                  <a:prstTxWarp prst="textNoShape">
-                    <a:avLst/>
-                  </a:prstTxWarp>
-                  <a:noAutofit/>
-                </a:bodyPr>
-                <a:lstStyle/>
-                <a:p>
-                  <a:endParaRPr lang="en-US"/>
-                </a:p>
-              </p:txBody>
-            </p:sp>
-            <p:grpSp>
-              <p:nvGrpSpPr>
-                <p:cNvPr id="89" name="Group 88"/>
-                <p:cNvGrpSpPr/>
-                <p:nvPr/>
-              </p:nvGrpSpPr>
-              <p:grpSpPr>
-                <a:xfrm rot="1124969">
-                  <a:off x="7153883" y="1371600"/>
-                  <a:ext cx="342900" cy="680720"/>
-                  <a:chOff x="7200900" y="1485900"/>
-                  <a:chExt cx="342900" cy="680720"/>
-                </a:xfrm>
-              </p:grpSpPr>
-              <p:cxnSp>
-                <p:nvCxnSpPr>
-                  <p:cNvPr id="93" name="Straight Connector 92"/>
-                  <p:cNvCxnSpPr/>
-                  <p:nvPr/>
-                </p:nvCxnSpPr>
-                <p:spPr>
-                  <a:xfrm>
-                    <a:off x="7200900" y="1485900"/>
-                    <a:ext cx="342900" cy="342900"/>
-                  </a:xfrm>
-                  <a:prstGeom prst="line">
-                    <a:avLst/>
-                  </a:prstGeom>
-                  <a:ln w="12700"/>
-                </p:spPr>
-                <p:style>
-                  <a:lnRef idx="1">
-                    <a:schemeClr val="dk1"/>
-                  </a:lnRef>
-                  <a:fillRef idx="0">
-                    <a:schemeClr val="dk1"/>
-                  </a:fillRef>
-                  <a:effectRef idx="0">
-                    <a:schemeClr val="dk1"/>
-                  </a:effectRef>
-                  <a:fontRef idx="minor">
-                    <a:schemeClr val="tx1"/>
-                  </a:fontRef>
-                </p:style>
-              </p:cxnSp>
-              <p:cxnSp>
-                <p:nvCxnSpPr>
-                  <p:cNvPr id="94" name="Straight Connector 93"/>
-                  <p:cNvCxnSpPr/>
-                  <p:nvPr/>
-                </p:nvCxnSpPr>
-                <p:spPr>
-                  <a:xfrm flipH="1">
-                    <a:off x="7429500" y="1823720"/>
-                    <a:ext cx="114300" cy="342900"/>
-                  </a:xfrm>
-                  <a:prstGeom prst="line">
-                    <a:avLst/>
-                  </a:prstGeom>
-                  <a:ln w="12700"/>
-                </p:spPr>
-                <p:style>
-                  <a:lnRef idx="1">
-                    <a:schemeClr val="dk1"/>
-                  </a:lnRef>
-                  <a:fillRef idx="0">
-                    <a:schemeClr val="dk1"/>
-                  </a:fillRef>
-                  <a:effectRef idx="0">
-                    <a:schemeClr val="dk1"/>
-                  </a:effectRef>
-                  <a:fontRef idx="minor">
-                    <a:schemeClr val="tx1"/>
-                  </a:fontRef>
-                </p:style>
-              </p:cxnSp>
-            </p:grpSp>
-            <p:grpSp>
-              <p:nvGrpSpPr>
-                <p:cNvPr id="90" name="Group 89"/>
-                <p:cNvGrpSpPr/>
-                <p:nvPr/>
-              </p:nvGrpSpPr>
-              <p:grpSpPr>
-                <a:xfrm rot="1124969">
-                  <a:off x="7552716" y="1371600"/>
-                  <a:ext cx="342900" cy="680720"/>
-                  <a:chOff x="7785100" y="1485900"/>
-                  <a:chExt cx="342900" cy="680720"/>
-                </a:xfrm>
-              </p:grpSpPr>
-              <p:cxnSp>
-                <p:nvCxnSpPr>
-                  <p:cNvPr id="91" name="Straight Connector 90"/>
-                  <p:cNvCxnSpPr/>
-                  <p:nvPr/>
-                </p:nvCxnSpPr>
-                <p:spPr>
-                  <a:xfrm>
-                    <a:off x="7785100" y="1485900"/>
-                    <a:ext cx="342900" cy="342900"/>
-                  </a:xfrm>
-                  <a:prstGeom prst="line">
-                    <a:avLst/>
-                  </a:prstGeom>
-                  <a:ln w="12700"/>
-                </p:spPr>
-                <p:style>
-                  <a:lnRef idx="1">
-                    <a:schemeClr val="dk1"/>
-                  </a:lnRef>
-                  <a:fillRef idx="0">
-                    <a:schemeClr val="dk1"/>
-                  </a:fillRef>
-                  <a:effectRef idx="0">
-                    <a:schemeClr val="dk1"/>
-                  </a:effectRef>
-                  <a:fontRef idx="minor">
-                    <a:schemeClr val="tx1"/>
-                  </a:fontRef>
-                </p:style>
-              </p:cxnSp>
-              <p:cxnSp>
-                <p:nvCxnSpPr>
-                  <p:cNvPr id="92" name="Straight Connector 91"/>
-                  <p:cNvCxnSpPr/>
-                  <p:nvPr/>
-                </p:nvCxnSpPr>
-                <p:spPr>
-                  <a:xfrm flipH="1">
-                    <a:off x="8013700" y="1823720"/>
-                    <a:ext cx="114300" cy="342900"/>
-                  </a:xfrm>
-                  <a:prstGeom prst="line">
-                    <a:avLst/>
-                  </a:prstGeom>
-                  <a:ln w="12700"/>
-                </p:spPr>
-                <p:style>
-                  <a:lnRef idx="1">
-                    <a:schemeClr val="dk1"/>
-                  </a:lnRef>
-                  <a:fillRef idx="0">
-                    <a:schemeClr val="dk1"/>
-                  </a:fillRef>
-                  <a:effectRef idx="0">
-                    <a:schemeClr val="dk1"/>
-                  </a:effectRef>
-                  <a:fontRef idx="minor">
-                    <a:schemeClr val="tx1"/>
-                  </a:fontRef>
-                </p:style>
-              </p:cxnSp>
-            </p:grpSp>
-          </p:grpSp>
-          <p:cxnSp>
-            <p:nvCxnSpPr>
-              <p:cNvPr id="39" name="Curved Connector 38"/>
-              <p:cNvCxnSpPr>
-                <a:stCxn id="51" idx="0"/>
-                <a:endCxn id="54" idx="1"/>
-              </p:cNvCxnSpPr>
-              <p:nvPr/>
-            </p:nvCxnSpPr>
-            <p:spPr>
-              <a:xfrm rot="16200000" flipH="1">
-                <a:off x="1256822" y="1331936"/>
-                <a:ext cx="514816" cy="1086340"/>
-              </a:xfrm>
-              <a:prstGeom prst="curvedConnector4">
-                <a:avLst>
-                  <a:gd name="adj1" fmla="val -44404"/>
-                  <a:gd name="adj2" fmla="val 89260"/>
-                </a:avLst>
-              </a:prstGeom>
-              <a:ln w="9525">
-                <a:solidFill>
-                  <a:schemeClr val="tx1"/>
-                </a:solidFill>
-                <a:headEnd type="none" w="med" len="med"/>
-                <a:tailEnd type="triangle" w="med" len="med"/>
-              </a:ln>
-            </p:spPr>
-            <p:style>
-              <a:lnRef idx="1">
-                <a:schemeClr val="accent1"/>
-              </a:lnRef>
-              <a:fillRef idx="0">
-                <a:schemeClr val="accent1"/>
-              </a:fillRef>
-              <a:effectRef idx="0">
-                <a:schemeClr val="accent1"/>
-              </a:effectRef>
-              <a:fontRef idx="minor">
-                <a:schemeClr val="tx1"/>
-              </a:fontRef>
-            </p:style>
-          </p:cxnSp>
-          <p:cxnSp>
-            <p:nvCxnSpPr>
-              <p:cNvPr id="40" name="Curved Connector 39"/>
-              <p:cNvCxnSpPr>
-                <a:stCxn id="54" idx="3"/>
-                <a:endCxn id="58" idx="1"/>
-              </p:cNvCxnSpPr>
-              <p:nvPr/>
-            </p:nvCxnSpPr>
-            <p:spPr>
-              <a:xfrm>
-                <a:off x="3429000" y="2132514"/>
-                <a:ext cx="342900" cy="1086"/>
-              </a:xfrm>
-              <a:prstGeom prst="curvedConnector3">
-                <a:avLst>
-                  <a:gd name="adj1" fmla="val 50000"/>
-                </a:avLst>
-              </a:prstGeom>
-              <a:ln w="9525">
-                <a:solidFill>
-                  <a:schemeClr val="tx1"/>
-                </a:solidFill>
-                <a:headEnd type="triangle" w="med" len="med"/>
-                <a:tailEnd type="triangle" w="med" len="med"/>
-              </a:ln>
-            </p:spPr>
-            <p:style>
-              <a:lnRef idx="1">
-                <a:schemeClr val="accent1"/>
-              </a:lnRef>
-              <a:fillRef idx="0">
-                <a:schemeClr val="accent1"/>
-              </a:fillRef>
-              <a:effectRef idx="0">
-                <a:schemeClr val="accent1"/>
-              </a:effectRef>
-              <a:fontRef idx="minor">
-                <a:schemeClr val="tx1"/>
-              </a:fontRef>
-            </p:style>
-          </p:cxnSp>
-          <p:cxnSp>
-            <p:nvCxnSpPr>
-              <p:cNvPr id="41" name="Curved Connector 40"/>
-              <p:cNvCxnSpPr>
-                <a:stCxn id="58" idx="3"/>
-                <a:endCxn id="59" idx="3"/>
-              </p:cNvCxnSpPr>
-              <p:nvPr/>
-            </p:nvCxnSpPr>
-            <p:spPr>
-              <a:xfrm>
-                <a:off x="4343400" y="2133600"/>
-                <a:ext cx="342900" cy="5080"/>
-              </a:xfrm>
-              <a:prstGeom prst="curvedConnector3">
-                <a:avLst>
-                  <a:gd name="adj1" fmla="val 50000"/>
-                </a:avLst>
-              </a:prstGeom>
-              <a:ln w="9525">
-                <a:solidFill>
-                  <a:schemeClr val="tx1"/>
-                </a:solidFill>
-                <a:prstDash val="dash"/>
-                <a:headEnd type="triangle" w="med" len="med"/>
-                <a:tailEnd type="triangle" w="med" len="med"/>
-              </a:ln>
-            </p:spPr>
-            <p:style>
-              <a:lnRef idx="1">
-                <a:schemeClr val="accent1"/>
-              </a:lnRef>
-              <a:fillRef idx="0">
-                <a:schemeClr val="accent1"/>
-              </a:fillRef>
-              <a:effectRef idx="0">
-                <a:schemeClr val="accent1"/>
-              </a:effectRef>
-              <a:fontRef idx="minor">
-                <a:schemeClr val="tx1"/>
-              </a:fontRef>
-            </p:style>
-          </p:cxnSp>
-          <p:cxnSp>
-            <p:nvCxnSpPr>
-              <p:cNvPr id="42" name="Curved Connector 41"/>
-              <p:cNvCxnSpPr>
-                <a:stCxn id="59" idx="1"/>
-                <a:endCxn id="60" idx="1"/>
-              </p:cNvCxnSpPr>
-              <p:nvPr/>
-            </p:nvCxnSpPr>
-            <p:spPr>
-              <a:xfrm flipV="1">
-                <a:off x="5257800" y="1652270"/>
-                <a:ext cx="457200" cy="486410"/>
-              </a:xfrm>
-              <a:prstGeom prst="curvedConnector3">
-                <a:avLst>
-                  <a:gd name="adj1" fmla="val 50000"/>
-                </a:avLst>
-              </a:prstGeom>
-              <a:ln w="9525">
-                <a:solidFill>
-                  <a:schemeClr val="tx1"/>
-                </a:solidFill>
-                <a:headEnd type="triangle" w="med" len="med"/>
-                <a:tailEnd type="triangle" w="med" len="med"/>
-              </a:ln>
-            </p:spPr>
-            <p:style>
-              <a:lnRef idx="1">
-                <a:schemeClr val="accent1"/>
-              </a:lnRef>
-              <a:fillRef idx="0">
-                <a:schemeClr val="accent1"/>
-              </a:fillRef>
-              <a:effectRef idx="0">
-                <a:schemeClr val="accent1"/>
-              </a:effectRef>
-              <a:fontRef idx="minor">
-                <a:schemeClr val="tx1"/>
-              </a:fontRef>
-            </p:style>
-          </p:cxnSp>
-          <p:cxnSp>
-            <p:nvCxnSpPr>
-              <p:cNvPr id="43" name="Curved Connector 42"/>
-              <p:cNvCxnSpPr>
-                <a:stCxn id="60" idx="3"/>
-              </p:cNvCxnSpPr>
-              <p:nvPr/>
-            </p:nvCxnSpPr>
-            <p:spPr>
-              <a:xfrm>
-                <a:off x="6743700" y="1652270"/>
-                <a:ext cx="527024" cy="82550"/>
-              </a:xfrm>
-              <a:prstGeom prst="curvedConnector3">
-                <a:avLst>
-                  <a:gd name="adj1" fmla="val 50000"/>
-                </a:avLst>
-              </a:prstGeom>
-              <a:ln w="9525">
-                <a:solidFill>
-                  <a:schemeClr val="tx1"/>
-                </a:solidFill>
-                <a:headEnd type="triangle" w="med" len="med"/>
-                <a:tailEnd type="triangle" w="med" len="med"/>
-              </a:ln>
-            </p:spPr>
-            <p:style>
-              <a:lnRef idx="1">
-                <a:schemeClr val="accent1"/>
-              </a:lnRef>
-              <a:fillRef idx="0">
-                <a:schemeClr val="accent1"/>
-              </a:fillRef>
-              <a:effectRef idx="0">
-                <a:schemeClr val="accent1"/>
-              </a:effectRef>
-              <a:fontRef idx="minor">
-                <a:schemeClr val="tx1"/>
-              </a:fontRef>
-            </p:style>
-          </p:cxnSp>
-          <p:grpSp>
-            <p:nvGrpSpPr>
-              <p:cNvPr id="44" name="Group 43"/>
-              <p:cNvGrpSpPr/>
-              <p:nvPr/>
-            </p:nvGrpSpPr>
-            <p:grpSpPr>
-              <a:xfrm>
-                <a:off x="3771898" y="1887665"/>
-                <a:ext cx="571502" cy="487677"/>
-                <a:chOff x="3771898" y="1887665"/>
-                <a:chExt cx="571502" cy="487677"/>
-              </a:xfrm>
-            </p:grpSpPr>
-            <p:sp>
-              <p:nvSpPr>
-                <p:cNvPr id="84" name="Snip Same Side Corner Rectangle 83"/>
-                <p:cNvSpPr/>
-                <p:nvPr/>
-              </p:nvSpPr>
-              <p:spPr>
-                <a:xfrm rot="5400000">
-                  <a:off x="3831590" y="1847850"/>
-                  <a:ext cx="452120" cy="571500"/>
-                </a:xfrm>
-                <a:prstGeom prst="snip2SameRect">
-                  <a:avLst>
-                    <a:gd name="adj1" fmla="val 32667"/>
-                    <a:gd name="adj2" fmla="val 0"/>
-                  </a:avLst>
-                </a:prstGeom>
-                <a:solidFill>
-                  <a:schemeClr val="accent1">
-                    <a:lumMod val="75000"/>
-                  </a:schemeClr>
-                </a:solidFill>
-              </p:spPr>
-              <p:style>
-                <a:lnRef idx="2">
-                  <a:schemeClr val="dk1"/>
-                </a:lnRef>
-                <a:fillRef idx="1">
-                  <a:schemeClr val="lt1"/>
-                </a:fillRef>
-                <a:effectRef idx="0">
-                  <a:schemeClr val="dk1"/>
-                </a:effectRef>
-                <a:fontRef idx="minor">
-                  <a:schemeClr val="dk1"/>
-                </a:fontRef>
-              </p:style>
-              <p:txBody>
-                <a:bodyPr rot="0" spcFirstLastPara="0" vert="horz" wrap="square" lIns="91440" tIns="45720" rIns="91440" bIns="45720" numCol="1" spcCol="0" rtlCol="0" fromWordArt="0" anchor="ctr" anchorCtr="0" forceAA="0" compatLnSpc="1">
-                  <a:prstTxWarp prst="textNoShape">
-                    <a:avLst/>
-                  </a:prstTxWarp>
-                  <a:noAutofit/>
-                </a:bodyPr>
-                <a:lstStyle/>
-                <a:p>
-                  <a:endParaRPr lang="en-US"/>
-                </a:p>
-              </p:txBody>
-            </p:sp>
-            <p:sp>
-              <p:nvSpPr>
-                <p:cNvPr id="85" name="Text Box 49"/>
-                <p:cNvSpPr txBox="1"/>
-                <p:nvPr/>
-              </p:nvSpPr>
-              <p:spPr>
-                <a:xfrm rot="5400000">
-                  <a:off x="3655584" y="2003979"/>
-                  <a:ext cx="487677" cy="255049"/>
-                </a:xfrm>
-                <a:prstGeom prst="rect">
-                  <a:avLst/>
-                </a:prstGeom>
-                <a:noFill/>
-                <a:ln w="6350">
-                  <a:noFill/>
-                </a:ln>
-                <a:effectLst/>
-              </p:spPr>
-              <p:style>
-                <a:lnRef idx="0">
+                <a:lnRef idx="1">
                   <a:schemeClr val="accent1"/>
                 </a:lnRef>
                 <a:fillRef idx="0">
@@ -4964,135 +4575,39 @@
                   <a:schemeClr val="accent1"/>
                 </a:effectRef>
                 <a:fontRef idx="minor">
-                  <a:schemeClr val="dk1"/>
+                  <a:schemeClr val="tx1"/>
                 </a:fontRef>
               </p:style>
-              <p:txBody>
-                <a:bodyPr rot="0" spcFirstLastPara="0" vert="horz" wrap="square" lIns="91440" tIns="45720" rIns="91440" bIns="45720" numCol="1" spcCol="0" rtlCol="0" fromWordArt="0" anchor="t" anchorCtr="0" forceAA="0" compatLnSpc="1">
-                  <a:prstTxWarp prst="textNoShape">
-                    <a:avLst/>
-                  </a:prstTxWarp>
-                  <a:noAutofit/>
-                </a:bodyPr>
-                <a:lstStyle/>
-                <a:p>
-                  <a:pPr marL="0" marR="0">
-                    <a:lnSpc>
-                      <a:spcPct val="107000"/>
-                    </a:lnSpc>
-                    <a:spcBef>
-                      <a:spcPts val="0"/>
-                    </a:spcBef>
-                    <a:spcAft>
-                      <a:spcPts val="800"/>
-                    </a:spcAft>
-                  </a:pPr>
-                  <a:r>
-                    <a:rPr lang="en-US" sz="1100">
-                      <a:solidFill>
-                        <a:srgbClr val="FFFFFF"/>
-                      </a:solidFill>
-                      <a:effectLst/>
-                      <a:ea typeface="Calibri" panose="020F0502020204030204" pitchFamily="34" charset="0"/>
-                      <a:cs typeface="Times New Roman" panose="02020603050405020304" pitchFamily="18" charset="0"/>
-                    </a:rPr>
-                    <a:t>XBee</a:t>
-                  </a:r>
-                  <a:endParaRPr lang="en-US" sz="1100">
-                    <a:effectLst/>
-                    <a:ea typeface="Calibri" panose="020F0502020204030204" pitchFamily="34" charset="0"/>
-                    <a:cs typeface="Times New Roman" panose="02020603050405020304" pitchFamily="18" charset="0"/>
-                  </a:endParaRPr>
-                </a:p>
-              </p:txBody>
-            </p:sp>
-          </p:grpSp>
-          <p:grpSp>
-            <p:nvGrpSpPr>
-              <p:cNvPr id="45" name="Group 44"/>
-              <p:cNvGrpSpPr/>
-              <p:nvPr/>
-            </p:nvGrpSpPr>
-            <p:grpSpPr>
-              <a:xfrm>
-                <a:off x="4686300" y="1895917"/>
-                <a:ext cx="572127" cy="487045"/>
-                <a:chOff x="4686300" y="1895917"/>
-                <a:chExt cx="572127" cy="487045"/>
-              </a:xfrm>
-            </p:grpSpPr>
-            <p:sp>
-              <p:nvSpPr>
-                <p:cNvPr id="82" name="Snip Same Side Corner Rectangle 81"/>
-                <p:cNvSpPr/>
+            </p:cxnSp>
+            <p:cxnSp>
+              <p:nvCxnSpPr>
+                <p:cNvPr id="40" name="Curved Connector 39"/>
+                <p:cNvCxnSpPr>
+                  <a:stCxn id="54" idx="3"/>
+                  <a:endCxn id="58" idx="1"/>
+                </p:cNvCxnSpPr>
                 <p:nvPr/>
-              </p:nvSpPr>
+              </p:nvCxnSpPr>
               <p:spPr>
-                <a:xfrm rot="16200000">
-                  <a:off x="4745990" y="1852930"/>
-                  <a:ext cx="452120" cy="571500"/>
+                <a:xfrm>
+                  <a:off x="3429000" y="2132514"/>
+                  <a:ext cx="342900" cy="1086"/>
                 </a:xfrm>
-                <a:prstGeom prst="snip2SameRect">
+                <a:prstGeom prst="curvedConnector3">
                   <a:avLst>
-                    <a:gd name="adj1" fmla="val 32667"/>
-                    <a:gd name="adj2" fmla="val 0"/>
+                    <a:gd name="adj1" fmla="val 50000"/>
                   </a:avLst>
                 </a:prstGeom>
-                <a:solidFill>
-                  <a:schemeClr val="accent1">
-                    <a:lumMod val="75000"/>
-                  </a:schemeClr>
-                </a:solidFill>
+                <a:ln w="9525">
+                  <a:solidFill>
+                    <a:schemeClr val="tx1"/>
+                  </a:solidFill>
+                  <a:headEnd type="triangle" w="med" len="med"/>
+                  <a:tailEnd type="triangle" w="med" len="med"/>
+                </a:ln>
               </p:spPr>
               <p:style>
-                <a:lnRef idx="2">
-                  <a:schemeClr val="dk1"/>
-                </a:lnRef>
-                <a:fillRef idx="1">
-                  <a:schemeClr val="lt1"/>
-                </a:fillRef>
-                <a:effectRef idx="0">
-                  <a:schemeClr val="dk1"/>
-                </a:effectRef>
-                <a:fontRef idx="minor">
-                  <a:schemeClr val="dk1"/>
-                </a:fontRef>
-              </p:style>
-              <p:txBody>
-                <a:bodyPr rot="0" spcFirstLastPara="0" vert="horz" wrap="square" lIns="91440" tIns="45720" rIns="91440" bIns="45720" numCol="1" spcCol="0" rtlCol="0" fromWordArt="0" anchor="ctr" anchorCtr="0" forceAA="0" compatLnSpc="1">
-                  <a:prstTxWarp prst="textNoShape">
-                    <a:avLst/>
-                  </a:prstTxWarp>
-                  <a:noAutofit/>
-                </a:bodyPr>
-                <a:lstStyle/>
-                <a:p>
-                  <a:endParaRPr lang="en-US"/>
-                </a:p>
-              </p:txBody>
-            </p:sp>
-            <p:sp>
-              <p:nvSpPr>
-                <p:cNvPr id="83" name="Text Box 77"/>
-                <p:cNvSpPr txBox="1"/>
-                <p:nvPr/>
-              </p:nvSpPr>
-              <p:spPr>
-                <a:xfrm rot="16200000">
-                  <a:off x="4887587" y="2012122"/>
-                  <a:ext cx="487045" cy="254635"/>
-                </a:xfrm>
-                <a:prstGeom prst="rect">
-                  <a:avLst/>
-                </a:prstGeom>
-                <a:noFill/>
-                <a:ln w="6350">
-                  <a:noFill/>
-                </a:ln>
-                <a:effectLst/>
-              </p:spPr>
-              <p:style>
-                <a:lnRef idx="0">
+                <a:lnRef idx="1">
                   <a:schemeClr val="accent1"/>
                 </a:lnRef>
                 <a:fillRef idx="0">
@@ -5102,89 +4617,166 @@
                   <a:schemeClr val="accent1"/>
                 </a:effectRef>
                 <a:fontRef idx="minor">
-                  <a:schemeClr val="dk1"/>
+                  <a:schemeClr val="tx1"/>
                 </a:fontRef>
               </p:style>
-              <p:txBody>
-                <a:bodyPr rot="0" spcFirstLastPara="0" vert="horz" wrap="square" lIns="91440" tIns="45720" rIns="91440" bIns="45720" numCol="1" spcCol="0" rtlCol="0" fromWordArt="0" anchor="t" anchorCtr="0" forceAA="0" compatLnSpc="1">
-                  <a:prstTxWarp prst="textNoShape">
-                    <a:avLst/>
-                  </a:prstTxWarp>
-                  <a:noAutofit/>
-                </a:bodyPr>
-                <a:lstStyle/>
-                <a:p>
-                  <a:pPr marL="0" marR="0">
-                    <a:lnSpc>
-                      <a:spcPct val="106000"/>
-                    </a:lnSpc>
-                    <a:spcBef>
-                      <a:spcPts val="0"/>
-                    </a:spcBef>
-                    <a:spcAft>
-                      <a:spcPts val="800"/>
-                    </a:spcAft>
-                  </a:pPr>
-                  <a:r>
-                    <a:rPr lang="en-US" sz="1100">
-                      <a:solidFill>
-                        <a:srgbClr val="FFFFFF"/>
-                      </a:solidFill>
-                      <a:effectLst/>
-                      <a:ea typeface="Calibri" panose="020F0502020204030204" pitchFamily="34" charset="0"/>
-                    </a:rPr>
-                    <a:t>XBee</a:t>
-                  </a:r>
-                  <a:endParaRPr lang="en-US" sz="1200">
-                    <a:effectLst/>
-                    <a:latin typeface="Times New Roman" panose="02020603050405020304" pitchFamily="18" charset="0"/>
-                    <a:ea typeface="Times New Roman" panose="02020603050405020304" pitchFamily="18" charset="0"/>
-                  </a:endParaRPr>
-                </a:p>
-              </p:txBody>
-            </p:sp>
-          </p:grpSp>
-          <p:grpSp>
-            <p:nvGrpSpPr>
-              <p:cNvPr id="46" name="Group 45"/>
-              <p:cNvGrpSpPr/>
-              <p:nvPr/>
-            </p:nvGrpSpPr>
-            <p:grpSpPr>
-              <a:xfrm>
-                <a:off x="5715000" y="909320"/>
-                <a:ext cx="1028700" cy="1485900"/>
-                <a:chOff x="5715000" y="909320"/>
-                <a:chExt cx="1028700" cy="1485900"/>
-              </a:xfrm>
-            </p:grpSpPr>
+            </p:cxnSp>
+            <p:cxnSp>
+              <p:nvCxnSpPr>
+                <p:cNvPr id="41" name="Curved Connector 40"/>
+                <p:cNvCxnSpPr>
+                  <a:stCxn id="58" idx="3"/>
+                  <a:endCxn id="59" idx="3"/>
+                </p:cNvCxnSpPr>
+                <p:nvPr/>
+              </p:nvCxnSpPr>
+              <p:spPr>
+                <a:xfrm>
+                  <a:off x="4343400" y="2133600"/>
+                  <a:ext cx="342900" cy="5080"/>
+                </a:xfrm>
+                <a:prstGeom prst="curvedConnector3">
+                  <a:avLst>
+                    <a:gd name="adj1" fmla="val 50000"/>
+                  </a:avLst>
+                </a:prstGeom>
+                <a:ln w="9525">
+                  <a:solidFill>
+                    <a:schemeClr val="tx1"/>
+                  </a:solidFill>
+                  <a:prstDash val="dash"/>
+                  <a:headEnd type="triangle" w="med" len="med"/>
+                  <a:tailEnd type="triangle" w="med" len="med"/>
+                </a:ln>
+              </p:spPr>
+              <p:style>
+                <a:lnRef idx="1">
+                  <a:schemeClr val="accent1"/>
+                </a:lnRef>
+                <a:fillRef idx="0">
+                  <a:schemeClr val="accent1"/>
+                </a:fillRef>
+                <a:effectRef idx="0">
+                  <a:schemeClr val="accent1"/>
+                </a:effectRef>
+                <a:fontRef idx="minor">
+                  <a:schemeClr val="tx1"/>
+                </a:fontRef>
+              </p:style>
+            </p:cxnSp>
+            <p:cxnSp>
+              <p:nvCxnSpPr>
+                <p:cNvPr id="42" name="Curved Connector 41"/>
+                <p:cNvCxnSpPr>
+                  <a:stCxn id="59" idx="1"/>
+                  <a:endCxn id="60" idx="1"/>
+                </p:cNvCxnSpPr>
+                <p:nvPr/>
+              </p:nvCxnSpPr>
+              <p:spPr>
+                <a:xfrm flipV="1">
+                  <a:off x="5257800" y="1652270"/>
+                  <a:ext cx="457200" cy="486410"/>
+                </a:xfrm>
+                <a:prstGeom prst="curvedConnector3">
+                  <a:avLst>
+                    <a:gd name="adj1" fmla="val 50000"/>
+                  </a:avLst>
+                </a:prstGeom>
+                <a:ln w="9525">
+                  <a:solidFill>
+                    <a:schemeClr val="tx1"/>
+                  </a:solidFill>
+                  <a:headEnd type="triangle" w="med" len="med"/>
+                  <a:tailEnd type="triangle" w="med" len="med"/>
+                </a:ln>
+              </p:spPr>
+              <p:style>
+                <a:lnRef idx="1">
+                  <a:schemeClr val="accent1"/>
+                </a:lnRef>
+                <a:fillRef idx="0">
+                  <a:schemeClr val="accent1"/>
+                </a:fillRef>
+                <a:effectRef idx="0">
+                  <a:schemeClr val="accent1"/>
+                </a:effectRef>
+                <a:fontRef idx="minor">
+                  <a:schemeClr val="tx1"/>
+                </a:fontRef>
+              </p:style>
+            </p:cxnSp>
+            <p:cxnSp>
+              <p:nvCxnSpPr>
+                <p:cNvPr id="43" name="Curved Connector 42"/>
+                <p:cNvCxnSpPr>
+                  <a:stCxn id="60" idx="3"/>
+                </p:cNvCxnSpPr>
+                <p:nvPr/>
+              </p:nvCxnSpPr>
+              <p:spPr>
+                <a:xfrm>
+                  <a:off x="6743700" y="1652270"/>
+                  <a:ext cx="527024" cy="82550"/>
+                </a:xfrm>
+                <a:prstGeom prst="curvedConnector3">
+                  <a:avLst>
+                    <a:gd name="adj1" fmla="val 50000"/>
+                  </a:avLst>
+                </a:prstGeom>
+                <a:ln w="9525">
+                  <a:solidFill>
+                    <a:schemeClr val="tx1"/>
+                  </a:solidFill>
+                  <a:headEnd type="triangle" w="med" len="med"/>
+                  <a:tailEnd type="triangle" w="med" len="med"/>
+                </a:ln>
+              </p:spPr>
+              <p:style>
+                <a:lnRef idx="1">
+                  <a:schemeClr val="accent1"/>
+                </a:lnRef>
+                <a:fillRef idx="0">
+                  <a:schemeClr val="accent1"/>
+                </a:fillRef>
+                <a:effectRef idx="0">
+                  <a:schemeClr val="accent1"/>
+                </a:effectRef>
+                <a:fontRef idx="minor">
+                  <a:schemeClr val="tx1"/>
+                </a:fontRef>
+              </p:style>
+            </p:cxnSp>
             <p:grpSp>
               <p:nvGrpSpPr>
-                <p:cNvPr id="76" name="Group 75"/>
+                <p:cNvPr id="44" name="Group 43"/>
                 <p:cNvGrpSpPr/>
                 <p:nvPr/>
               </p:nvGrpSpPr>
               <p:grpSpPr>
                 <a:xfrm>
-                  <a:off x="5715000" y="909320"/>
-                  <a:ext cx="1028700" cy="1485900"/>
-                  <a:chOff x="5715000" y="909320"/>
-                  <a:chExt cx="1028700" cy="1485900"/>
+                  <a:off x="3771898" y="1887665"/>
+                  <a:ext cx="571502" cy="487677"/>
+                  <a:chOff x="3771898" y="1887665"/>
+                  <a:chExt cx="571502" cy="487677"/>
                 </a:xfrm>
               </p:grpSpPr>
               <p:sp>
                 <p:nvSpPr>
-                  <p:cNvPr id="78" name="Rectangle 77"/>
+                  <p:cNvPr id="84" name="Snip Same Side Corner Rectangle 83"/>
                   <p:cNvSpPr/>
                   <p:nvPr/>
                 </p:nvSpPr>
                 <p:spPr>
-                  <a:xfrm>
-                    <a:off x="5715000" y="909320"/>
-                    <a:ext cx="1028700" cy="1485900"/>
+                  <a:xfrm rot="5400000">
+                    <a:off x="3831590" y="1847850"/>
+                    <a:ext cx="452120" cy="571500"/>
                   </a:xfrm>
-                  <a:prstGeom prst="rect">
-                    <a:avLst/>
+                  <a:prstGeom prst="snip2SameRect">
+                    <a:avLst>
+                      <a:gd name="adj1" fmla="val 32667"/>
+                      <a:gd name="adj2" fmla="val 0"/>
+                    </a:avLst>
                   </a:prstGeom>
                   <a:solidFill>
                     <a:schemeClr val="accent1">
@@ -5221,33 +4813,127 @@
               </p:sp>
               <p:sp>
                 <p:nvSpPr>
-                  <p:cNvPr id="79" name="Rectangle 78"/>
+                  <p:cNvPr id="85" name="Text Box 49"/>
+                  <p:cNvSpPr txBox="1"/>
+                  <p:nvPr/>
+                </p:nvSpPr>
+                <p:spPr>
+                  <a:xfrm rot="5400000">
+                    <a:off x="3655584" y="2003979"/>
+                    <a:ext cx="487677" cy="255049"/>
+                  </a:xfrm>
+                  <a:prstGeom prst="rect">
+                    <a:avLst/>
+                  </a:prstGeom>
+                  <a:noFill/>
+                  <a:ln w="6350">
+                    <a:noFill/>
+                  </a:ln>
+                  <a:effectLst/>
+                </p:spPr>
+                <p:style>
+                  <a:lnRef idx="0">
+                    <a:schemeClr val="accent1"/>
+                  </a:lnRef>
+                  <a:fillRef idx="0">
+                    <a:schemeClr val="accent1"/>
+                  </a:fillRef>
+                  <a:effectRef idx="0">
+                    <a:schemeClr val="accent1"/>
+                  </a:effectRef>
+                  <a:fontRef idx="minor">
+                    <a:schemeClr val="dk1"/>
+                  </a:fontRef>
+                </p:style>
+                <p:txBody>
+                  <a:bodyPr rot="0" spcFirstLastPara="0" vert="horz" wrap="square" lIns="91440" tIns="45720" rIns="91440" bIns="45720" numCol="1" spcCol="0" rtlCol="0" fromWordArt="0" anchor="t" anchorCtr="0" forceAA="0" compatLnSpc="1">
+                    <a:prstTxWarp prst="textNoShape">
+                      <a:avLst/>
+                    </a:prstTxWarp>
+                    <a:noAutofit/>
+                  </a:bodyPr>
+                  <a:lstStyle/>
+                  <a:p>
+                    <a:pPr marL="0" marR="0">
+                      <a:lnSpc>
+                        <a:spcPct val="107000"/>
+                      </a:lnSpc>
+                      <a:spcBef>
+                        <a:spcPts val="0"/>
+                      </a:spcBef>
+                      <a:spcAft>
+                        <a:spcPts val="800"/>
+                      </a:spcAft>
+                    </a:pPr>
+                    <a:r>
+                      <a:rPr lang="en-US" sz="1100">
+                        <a:solidFill>
+                          <a:srgbClr val="FFFFFF"/>
+                        </a:solidFill>
+                        <a:effectLst/>
+                        <a:ea typeface="Calibri" panose="020F0502020204030204" pitchFamily="34" charset="0"/>
+                        <a:cs typeface="Times New Roman" panose="02020603050405020304" pitchFamily="18" charset="0"/>
+                      </a:rPr>
+                      <a:t>XBee</a:t>
+                    </a:r>
+                    <a:endParaRPr lang="en-US" sz="1100">
+                      <a:effectLst/>
+                      <a:ea typeface="Calibri" panose="020F0502020204030204" pitchFamily="34" charset="0"/>
+                      <a:cs typeface="Times New Roman" panose="02020603050405020304" pitchFamily="18" charset="0"/>
+                    </a:endParaRPr>
+                  </a:p>
+                </p:txBody>
+              </p:sp>
+            </p:grpSp>
+            <p:grpSp>
+              <p:nvGrpSpPr>
+                <p:cNvPr id="45" name="Group 44"/>
+                <p:cNvGrpSpPr/>
+                <p:nvPr/>
+              </p:nvGrpSpPr>
+              <p:grpSpPr>
+                <a:xfrm>
+                  <a:off x="4686300" y="1895917"/>
+                  <a:ext cx="572127" cy="487045"/>
+                  <a:chOff x="4686300" y="1895917"/>
+                  <a:chExt cx="572127" cy="487045"/>
+                </a:xfrm>
+              </p:grpSpPr>
+              <p:sp>
+                <p:nvSpPr>
+                  <p:cNvPr id="82" name="Snip Same Side Corner Rectangle 81"/>
                   <p:cNvSpPr/>
                   <p:nvPr/>
                 </p:nvSpPr>
                 <p:spPr>
-                  <a:xfrm>
-                    <a:off x="5787453" y="962834"/>
-                    <a:ext cx="54864" cy="1188720"/>
+                  <a:xfrm rot="16200000">
+                    <a:off x="4745990" y="1852930"/>
+                    <a:ext cx="452120" cy="571500"/>
                   </a:xfrm>
-                  <a:prstGeom prst="rect">
-                    <a:avLst/>
+                  <a:prstGeom prst="snip2SameRect">
+                    <a:avLst>
+                      <a:gd name="adj1" fmla="val 32667"/>
+                      <a:gd name="adj2" fmla="val 0"/>
+                    </a:avLst>
                   </a:prstGeom>
+                  <a:solidFill>
+                    <a:schemeClr val="accent1">
+                      <a:lumMod val="75000"/>
+                    </a:schemeClr>
+                  </a:solidFill>
                 </p:spPr>
                 <p:style>
                   <a:lnRef idx="2">
-                    <a:schemeClr val="dk1">
-                      <a:shade val="50000"/>
-                    </a:schemeClr>
+                    <a:schemeClr val="dk1"/>
                   </a:lnRef>
                   <a:fillRef idx="1">
-                    <a:schemeClr val="dk1"/>
+                    <a:schemeClr val="lt1"/>
                   </a:fillRef>
                   <a:effectRef idx="0">
                     <a:schemeClr val="dk1"/>
                   </a:effectRef>
                   <a:fontRef idx="minor">
-                    <a:schemeClr val="lt1"/>
+                    <a:schemeClr val="dk1"/>
                   </a:fontRef>
                 </p:style>
                 <p:txBody>
@@ -5265,37 +4951,40 @@
               </p:sp>
               <p:sp>
                 <p:nvSpPr>
-                  <p:cNvPr id="80" name="Rectangle 79"/>
-                  <p:cNvSpPr/>
+                  <p:cNvPr id="83" name="Text Box 77"/>
+                  <p:cNvSpPr txBox="1"/>
                   <p:nvPr/>
                 </p:nvSpPr>
                 <p:spPr>
-                  <a:xfrm>
-                    <a:off x="6583009" y="962578"/>
-                    <a:ext cx="54864" cy="1188720"/>
+                  <a:xfrm rot="16200000">
+                    <a:off x="4887587" y="2012122"/>
+                    <a:ext cx="487045" cy="254635"/>
                   </a:xfrm>
                   <a:prstGeom prst="rect">
                     <a:avLst/>
                   </a:prstGeom>
+                  <a:noFill/>
+                  <a:ln w="6350">
+                    <a:noFill/>
+                  </a:ln>
+                  <a:effectLst/>
                 </p:spPr>
                 <p:style>
-                  <a:lnRef idx="2">
-                    <a:schemeClr val="dk1">
-                      <a:shade val="50000"/>
-                    </a:schemeClr>
+                  <a:lnRef idx="0">
+                    <a:schemeClr val="accent1"/>
                   </a:lnRef>
-                  <a:fillRef idx="1">
-                    <a:schemeClr val="dk1"/>
+                  <a:fillRef idx="0">
+                    <a:schemeClr val="accent1"/>
                   </a:fillRef>
                   <a:effectRef idx="0">
-                    <a:schemeClr val="dk1"/>
+                    <a:schemeClr val="accent1"/>
                   </a:effectRef>
                   <a:fontRef idx="minor">
-                    <a:schemeClr val="lt1"/>
+                    <a:schemeClr val="dk1"/>
                   </a:fontRef>
                 </p:style>
                 <p:txBody>
-                  <a:bodyPr rot="0" spcFirstLastPara="0" vert="horz" wrap="square" lIns="91440" tIns="45720" rIns="91440" bIns="45720" numCol="1" spcCol="0" rtlCol="0" fromWordArt="0" anchor="ctr" anchorCtr="0" forceAA="0" compatLnSpc="1">
+                  <a:bodyPr rot="0" spcFirstLastPara="0" vert="horz" wrap="square" lIns="91440" tIns="45720" rIns="91440" bIns="45720" numCol="1" spcCol="0" rtlCol="0" fromWordArt="0" anchor="t" anchorCtr="0" forceAA="0" compatLnSpc="1">
                     <a:prstTxWarp prst="textNoShape">
                       <a:avLst/>
                     </a:prstTxWarp>
@@ -5303,188 +4992,81 @@
                   </a:bodyPr>
                   <a:lstStyle/>
                   <a:p>
-                    <a:endParaRPr lang="en-US"/>
-                  </a:p>
-                </p:txBody>
-              </p:sp>
-              <p:sp>
-                <p:nvSpPr>
-                  <p:cNvPr id="81" name="Rectangle 80"/>
-                  <p:cNvSpPr/>
-                  <p:nvPr/>
-                </p:nvSpPr>
-                <p:spPr>
-                  <a:xfrm>
-                    <a:off x="5787453" y="2231219"/>
-                    <a:ext cx="850420" cy="109728"/>
-                  </a:xfrm>
-                  <a:prstGeom prst="rect">
-                    <a:avLst/>
-                  </a:prstGeom>
-                </p:spPr>
-                <p:style>
-                  <a:lnRef idx="2">
-                    <a:schemeClr val="dk1">
-                      <a:shade val="50000"/>
-                    </a:schemeClr>
-                  </a:lnRef>
-                  <a:fillRef idx="1">
-                    <a:schemeClr val="dk1"/>
-                  </a:fillRef>
-                  <a:effectRef idx="0">
-                    <a:schemeClr val="dk1"/>
-                  </a:effectRef>
-                  <a:fontRef idx="minor">
-                    <a:schemeClr val="lt1"/>
-                  </a:fontRef>
-                </p:style>
-                <p:txBody>
-                  <a:bodyPr rot="0" spcFirstLastPara="0" vert="horz" wrap="square" lIns="91440" tIns="45720" rIns="91440" bIns="45720" numCol="1" spcCol="0" rtlCol="0" fromWordArt="0" anchor="ctr" anchorCtr="0" forceAA="0" compatLnSpc="1">
-                    <a:prstTxWarp prst="textNoShape">
-                      <a:avLst/>
-                    </a:prstTxWarp>
-                    <a:noAutofit/>
-                  </a:bodyPr>
-                  <a:lstStyle/>
-                  <a:p>
-                    <a:endParaRPr lang="en-US"/>
+                    <a:pPr marL="0" marR="0">
+                      <a:lnSpc>
+                        <a:spcPct val="106000"/>
+                      </a:lnSpc>
+                      <a:spcBef>
+                        <a:spcPts val="0"/>
+                      </a:spcBef>
+                      <a:spcAft>
+                        <a:spcPts val="800"/>
+                      </a:spcAft>
+                    </a:pPr>
+                    <a:r>
+                      <a:rPr lang="en-US" sz="1100">
+                        <a:solidFill>
+                          <a:srgbClr val="FFFFFF"/>
+                        </a:solidFill>
+                        <a:effectLst/>
+                        <a:ea typeface="Calibri" panose="020F0502020204030204" pitchFamily="34" charset="0"/>
+                      </a:rPr>
+                      <a:t>XBee</a:t>
+                    </a:r>
+                    <a:endParaRPr lang="en-US" sz="1200">
+                      <a:effectLst/>
+                      <a:latin typeface="Times New Roman" panose="02020603050405020304" pitchFamily="18" charset="0"/>
+                      <a:ea typeface="Times New Roman" panose="02020603050405020304" pitchFamily="18" charset="0"/>
+                    </a:endParaRPr>
                   </a:p>
                 </p:txBody>
               </p:sp>
             </p:grpSp>
-            <p:sp>
-              <p:nvSpPr>
-                <p:cNvPr id="77" name="Text Box 77"/>
-                <p:cNvSpPr txBox="1"/>
-                <p:nvPr/>
-              </p:nvSpPr>
-              <p:spPr>
-                <a:xfrm rot="5400000">
-                  <a:off x="5266247" y="1386601"/>
-                  <a:ext cx="1339817" cy="442312"/>
-                </a:xfrm>
-                <a:prstGeom prst="rect">
-                  <a:avLst/>
-                </a:prstGeom>
-                <a:noFill/>
-                <a:ln w="6350">
-                  <a:noFill/>
-                </a:ln>
-                <a:effectLst/>
-              </p:spPr>
-              <p:style>
-                <a:lnRef idx="0">
-                  <a:schemeClr val="accent1"/>
-                </a:lnRef>
-                <a:fillRef idx="0">
-                  <a:schemeClr val="accent1"/>
-                </a:fillRef>
-                <a:effectRef idx="0">
-                  <a:schemeClr val="accent1"/>
-                </a:effectRef>
-                <a:fontRef idx="minor">
-                  <a:schemeClr val="dk1"/>
-                </a:fontRef>
-              </p:style>
-              <p:txBody>
-                <a:bodyPr rot="0" spcFirstLastPara="0" vert="horz" wrap="square" lIns="91440" tIns="45720" rIns="91440" bIns="45720" numCol="1" spcCol="0" rtlCol="0" fromWordArt="0" anchor="t" anchorCtr="0" forceAA="0" compatLnSpc="1">
-                  <a:prstTxWarp prst="textNoShape">
-                    <a:avLst/>
-                  </a:prstTxWarp>
-                  <a:noAutofit/>
-                </a:bodyPr>
-                <a:lstStyle/>
-                <a:p>
-                  <a:pPr marL="0" marR="0">
-                    <a:lnSpc>
-                      <a:spcPct val="106000"/>
-                    </a:lnSpc>
-                    <a:spcBef>
-                      <a:spcPts val="0"/>
-                    </a:spcBef>
-                    <a:spcAft>
-                      <a:spcPts val="800"/>
-                    </a:spcAft>
-                  </a:pPr>
-                  <a:r>
-                    <a:rPr lang="en-US" sz="1100" dirty="0">
-                      <a:solidFill>
-                        <a:srgbClr val="FFFFFF"/>
-                      </a:solidFill>
-                      <a:effectLst/>
-                      <a:ea typeface="Calibri" panose="020F0502020204030204" pitchFamily="34" charset="0"/>
-                    </a:rPr>
-                    <a:t>Arduino Mega 2560</a:t>
-                  </a:r>
-                  <a:endParaRPr lang="en-US" sz="1200" dirty="0">
-                    <a:effectLst/>
-                    <a:latin typeface="Times New Roman" panose="02020603050405020304" pitchFamily="18" charset="0"/>
-                    <a:ea typeface="Times New Roman" panose="02020603050405020304" pitchFamily="18" charset="0"/>
-                  </a:endParaRPr>
-                </a:p>
-              </p:txBody>
-            </p:sp>
-          </p:grpSp>
-          <p:grpSp>
-            <p:nvGrpSpPr>
-              <p:cNvPr id="47" name="Group 46"/>
-              <p:cNvGrpSpPr/>
-              <p:nvPr/>
-            </p:nvGrpSpPr>
-            <p:grpSpPr>
-              <a:xfrm>
-                <a:off x="2057400" y="1174721"/>
-                <a:ext cx="1371600" cy="1220499"/>
-                <a:chOff x="2057400" y="1174721"/>
-                <a:chExt cx="1371600" cy="1220499"/>
-              </a:xfrm>
-            </p:grpSpPr>
             <p:grpSp>
               <p:nvGrpSpPr>
-                <p:cNvPr id="69" name="Group 68"/>
+                <p:cNvPr id="46" name="Group 45"/>
                 <p:cNvGrpSpPr/>
                 <p:nvPr/>
               </p:nvGrpSpPr>
               <p:grpSpPr>
                 <a:xfrm>
-                  <a:off x="2057400" y="1174721"/>
-                  <a:ext cx="1371600" cy="1220499"/>
-                  <a:chOff x="2057400" y="1174721"/>
-                  <a:chExt cx="1371600" cy="1220499"/>
+                  <a:off x="5715000" y="909320"/>
+                  <a:ext cx="1028700" cy="1485900"/>
+                  <a:chOff x="5715000" y="909320"/>
+                  <a:chExt cx="1028700" cy="1485900"/>
                 </a:xfrm>
               </p:grpSpPr>
               <p:grpSp>
                 <p:nvGrpSpPr>
-                  <p:cNvPr id="71" name="Group 70"/>
+                  <p:cNvPr id="76" name="Group 75"/>
                   <p:cNvGrpSpPr/>
                   <p:nvPr/>
                 </p:nvGrpSpPr>
                 <p:grpSpPr>
                   <a:xfrm>
-                    <a:off x="2057400" y="1174721"/>
-                    <a:ext cx="1371600" cy="1220499"/>
-                    <a:chOff x="2743200" y="1028700"/>
-                    <a:chExt cx="1371600" cy="1220499"/>
+                    <a:off x="5715000" y="909320"/>
+                    <a:ext cx="1028700" cy="1485900"/>
+                    <a:chOff x="5715000" y="909320"/>
+                    <a:chExt cx="1028700" cy="1485900"/>
                   </a:xfrm>
                 </p:grpSpPr>
                 <p:sp>
                   <p:nvSpPr>
-                    <p:cNvPr id="73" name="Rounded Rectangle 72"/>
+                    <p:cNvPr id="78" name="Rectangle 77"/>
                     <p:cNvSpPr/>
                     <p:nvPr/>
                   </p:nvSpPr>
                   <p:spPr>
                     <a:xfrm>
-                      <a:off x="2743200" y="2134899"/>
-                      <a:ext cx="1371600" cy="114300"/>
+                      <a:off x="5715000" y="909320"/>
+                      <a:ext cx="1028700" cy="1485900"/>
                     </a:xfrm>
-                    <a:prstGeom prst="roundRect">
+                    <a:prstGeom prst="rect">
                       <a:avLst/>
                     </a:prstGeom>
                     <a:solidFill>
-                      <a:schemeClr val="tx1">
-                        <a:lumMod val="85000"/>
-                        <a:lumOff val="15000"/>
+                      <a:schemeClr val="accent1">
+                        <a:lumMod val="75000"/>
                       </a:schemeClr>
                     </a:solidFill>
                   </p:spPr>
@@ -5517,39 +5099,33 @@
                 </p:sp>
                 <p:sp>
                   <p:nvSpPr>
-                    <p:cNvPr id="74" name="Rounded Rectangle 73"/>
+                    <p:cNvPr id="79" name="Rectangle 78"/>
                     <p:cNvSpPr/>
                     <p:nvPr/>
                   </p:nvSpPr>
                   <p:spPr>
                     <a:xfrm>
-                      <a:off x="2743200" y="1028700"/>
-                      <a:ext cx="1371600" cy="800100"/>
+                      <a:off x="5787453" y="962834"/>
+                      <a:ext cx="54864" cy="1188720"/>
                     </a:xfrm>
-                    <a:prstGeom prst="roundRect">
-                      <a:avLst>
-                        <a:gd name="adj" fmla="val 3036"/>
-                      </a:avLst>
+                    <a:prstGeom prst="rect">
+                      <a:avLst/>
                     </a:prstGeom>
-                    <a:solidFill>
-                      <a:schemeClr val="tx1">
-                        <a:lumMod val="85000"/>
-                        <a:lumOff val="15000"/>
-                      </a:schemeClr>
-                    </a:solidFill>
                   </p:spPr>
                   <p:style>
                     <a:lnRef idx="2">
-                      <a:schemeClr val="dk1"/>
+                      <a:schemeClr val="dk1">
+                        <a:shade val="50000"/>
+                      </a:schemeClr>
                     </a:lnRef>
                     <a:fillRef idx="1">
-                      <a:schemeClr val="lt1"/>
+                      <a:schemeClr val="dk1"/>
                     </a:fillRef>
                     <a:effectRef idx="0">
                       <a:schemeClr val="dk1"/>
                     </a:effectRef>
                     <a:fontRef idx="minor">
-                      <a:schemeClr val="dk1"/>
+                      <a:schemeClr val="lt1"/>
                     </a:fontRef>
                   </p:style>
                   <p:txBody>
@@ -5567,39 +5143,77 @@
                 </p:sp>
                 <p:sp>
                   <p:nvSpPr>
-                    <p:cNvPr id="75" name="Rounded Rectangle 74"/>
+                    <p:cNvPr id="80" name="Rectangle 79"/>
                     <p:cNvSpPr/>
                     <p:nvPr/>
                   </p:nvSpPr>
                   <p:spPr>
                     <a:xfrm>
-                      <a:off x="2743200" y="1820334"/>
-                      <a:ext cx="1371600" cy="332318"/>
+                      <a:off x="6583009" y="962578"/>
+                      <a:ext cx="54864" cy="1188720"/>
                     </a:xfrm>
-                    <a:prstGeom prst="roundRect">
-                      <a:avLst>
-                        <a:gd name="adj" fmla="val 0"/>
-                      </a:avLst>
+                    <a:prstGeom prst="rect">
+                      <a:avLst/>
                     </a:prstGeom>
-                    <a:solidFill>
-                      <a:schemeClr val="tx1">
-                        <a:lumMod val="65000"/>
-                        <a:lumOff val="35000"/>
-                      </a:schemeClr>
-                    </a:solidFill>
                   </p:spPr>
                   <p:style>
                     <a:lnRef idx="2">
-                      <a:schemeClr val="dk1"/>
+                      <a:schemeClr val="dk1">
+                        <a:shade val="50000"/>
+                      </a:schemeClr>
                     </a:lnRef>
                     <a:fillRef idx="1">
-                      <a:schemeClr val="lt1"/>
+                      <a:schemeClr val="dk1"/>
                     </a:fillRef>
                     <a:effectRef idx="0">
                       <a:schemeClr val="dk1"/>
                     </a:effectRef>
                     <a:fontRef idx="minor">
+                      <a:schemeClr val="lt1"/>
+                    </a:fontRef>
+                  </p:style>
+                  <p:txBody>
+                    <a:bodyPr rot="0" spcFirstLastPara="0" vert="horz" wrap="square" lIns="91440" tIns="45720" rIns="91440" bIns="45720" numCol="1" spcCol="0" rtlCol="0" fromWordArt="0" anchor="ctr" anchorCtr="0" forceAA="0" compatLnSpc="1">
+                      <a:prstTxWarp prst="textNoShape">
+                        <a:avLst/>
+                      </a:prstTxWarp>
+                      <a:noAutofit/>
+                    </a:bodyPr>
+                    <a:lstStyle/>
+                    <a:p>
+                      <a:endParaRPr lang="en-US"/>
+                    </a:p>
+                  </p:txBody>
+                </p:sp>
+                <p:sp>
+                  <p:nvSpPr>
+                    <p:cNvPr id="81" name="Rectangle 80"/>
+                    <p:cNvSpPr/>
+                    <p:nvPr/>
+                  </p:nvSpPr>
+                  <p:spPr>
+                    <a:xfrm>
+                      <a:off x="5787453" y="2231219"/>
+                      <a:ext cx="850420" cy="109728"/>
+                    </a:xfrm>
+                    <a:prstGeom prst="rect">
+                      <a:avLst/>
+                    </a:prstGeom>
+                  </p:spPr>
+                  <p:style>
+                    <a:lnRef idx="2">
+                      <a:schemeClr val="dk1">
+                        <a:shade val="50000"/>
+                      </a:schemeClr>
+                    </a:lnRef>
+                    <a:fillRef idx="1">
                       <a:schemeClr val="dk1"/>
+                    </a:fillRef>
+                    <a:effectRef idx="0">
+                      <a:schemeClr val="dk1"/>
+                    </a:effectRef>
+                    <a:fontRef idx="minor">
+                      <a:schemeClr val="lt1"/>
                     </a:fontRef>
                   </p:style>
                   <p:txBody>
@@ -5618,47 +5232,40 @@
               </p:grpSp>
               <p:sp>
                 <p:nvSpPr>
-                  <p:cNvPr id="72" name="Rounded Rectangle 71"/>
-                  <p:cNvSpPr/>
+                  <p:cNvPr id="77" name="Text Box 77"/>
+                  <p:cNvSpPr txBox="1"/>
                   <p:nvPr/>
                 </p:nvSpPr>
                 <p:spPr>
-                  <a:xfrm>
-                    <a:off x="2097146" y="1218425"/>
-                    <a:ext cx="1292109" cy="702591"/>
+                  <a:xfrm rot="5400000">
+                    <a:off x="5266247" y="1386601"/>
+                    <a:ext cx="1339817" cy="442312"/>
                   </a:xfrm>
-                  <a:prstGeom prst="roundRect">
-                    <a:avLst>
-                      <a:gd name="adj" fmla="val 1930"/>
-                    </a:avLst>
+                  <a:prstGeom prst="rect">
+                    <a:avLst/>
                   </a:prstGeom>
-                  <a:solidFill>
-                    <a:schemeClr val="bg1"/>
-                  </a:solidFill>
-                  <a:ln>
-                    <a:solidFill>
-                      <a:schemeClr val="tx1"/>
-                    </a:solidFill>
+                  <a:noFill/>
+                  <a:ln w="6350">
+                    <a:noFill/>
                   </a:ln>
+                  <a:effectLst/>
                 </p:spPr>
                 <p:style>
-                  <a:lnRef idx="2">
-                    <a:schemeClr val="accent1">
-                      <a:shade val="50000"/>
-                    </a:schemeClr>
+                  <a:lnRef idx="0">
+                    <a:schemeClr val="accent1"/>
                   </a:lnRef>
-                  <a:fillRef idx="1">
+                  <a:fillRef idx="0">
                     <a:schemeClr val="accent1"/>
                   </a:fillRef>
                   <a:effectRef idx="0">
                     <a:schemeClr val="accent1"/>
                   </a:effectRef>
                   <a:fontRef idx="minor">
-                    <a:schemeClr val="lt1"/>
+                    <a:schemeClr val="dk1"/>
                   </a:fontRef>
                 </p:style>
                 <p:txBody>
-                  <a:bodyPr rot="0" spcFirstLastPara="0" vert="horz" wrap="square" lIns="91440" tIns="45720" rIns="91440" bIns="45720" numCol="1" spcCol="0" rtlCol="0" fromWordArt="0" anchor="ctr" anchorCtr="0" forceAA="0" compatLnSpc="1">
+                  <a:bodyPr rot="0" spcFirstLastPara="0" vert="horz" wrap="square" lIns="91440" tIns="45720" rIns="91440" bIns="45720" numCol="1" spcCol="0" rtlCol="0" fromWordArt="0" anchor="t" anchorCtr="0" forceAA="0" compatLnSpc="1">
                     <a:prstTxWarp prst="textNoShape">
                       <a:avLst/>
                     </a:prstTxWarp>
@@ -5666,52 +5273,309 @@
                   </a:bodyPr>
                   <a:lstStyle/>
                   <a:p>
-                    <a:endParaRPr lang="en-US"/>
+                    <a:pPr marL="0" marR="0">
+                      <a:lnSpc>
+                        <a:spcPct val="106000"/>
+                      </a:lnSpc>
+                      <a:spcBef>
+                        <a:spcPts val="0"/>
+                      </a:spcBef>
+                      <a:spcAft>
+                        <a:spcPts val="800"/>
+                      </a:spcAft>
+                    </a:pPr>
+                    <a:r>
+                      <a:rPr lang="en-US" sz="1100" dirty="0">
+                        <a:solidFill>
+                          <a:srgbClr val="FFFFFF"/>
+                        </a:solidFill>
+                        <a:effectLst/>
+                        <a:ea typeface="Calibri" panose="020F0502020204030204" pitchFamily="34" charset="0"/>
+                      </a:rPr>
+                      <a:t>Arduino Mega 2560</a:t>
+                    </a:r>
+                    <a:endParaRPr lang="en-US" sz="1200" dirty="0">
+                      <a:effectLst/>
+                      <a:latin typeface="Times New Roman" panose="02020603050405020304" pitchFamily="18" charset="0"/>
+                      <a:ea typeface="Times New Roman" panose="02020603050405020304" pitchFamily="18" charset="0"/>
+                    </a:endParaRPr>
                   </a:p>
                 </p:txBody>
               </p:sp>
             </p:grpSp>
-            <p:pic>
-              <p:nvPicPr>
-                <p:cNvPr id="70" name="Picture 69"/>
-                <p:cNvPicPr>
-                  <a:picLocks noChangeAspect="1"/>
-                </p:cNvPicPr>
-                <p:nvPr/>
-              </p:nvPicPr>
-              <p:blipFill rotWithShape="1">
-                <a:blip r:embed="rId11"/>
-                <a:srcRect l="16517" t="5696" r="17632" b="12101"/>
-                <a:stretch/>
-              </p:blipFill>
-              <p:spPr>
-                <a:xfrm>
-                  <a:off x="2198813" y="1235967"/>
-                  <a:ext cx="1078837" cy="673361"/>
-                </a:xfrm>
-                <a:prstGeom prst="rect">
-                  <a:avLst/>
-                </a:prstGeom>
-              </p:spPr>
-            </p:pic>
-          </p:grpSp>
-          <p:grpSp>
-            <p:nvGrpSpPr>
-              <p:cNvPr id="48" name="Group 47"/>
-              <p:cNvGrpSpPr/>
-              <p:nvPr/>
-            </p:nvGrpSpPr>
-            <p:grpSpPr>
-              <a:xfrm>
-                <a:off x="114300" y="1595120"/>
-                <a:ext cx="1714500" cy="800100"/>
-                <a:chOff x="114300" y="1595120"/>
-                <a:chExt cx="1714500" cy="800100"/>
-              </a:xfrm>
-            </p:grpSpPr>
             <p:grpSp>
               <p:nvGrpSpPr>
-                <p:cNvPr id="49" name="Group 48"/>
+                <p:cNvPr id="47" name="Group 46"/>
+                <p:cNvGrpSpPr/>
+                <p:nvPr/>
+              </p:nvGrpSpPr>
+              <p:grpSpPr>
+                <a:xfrm>
+                  <a:off x="2057400" y="1174721"/>
+                  <a:ext cx="1371600" cy="1220499"/>
+                  <a:chOff x="2057400" y="1174721"/>
+                  <a:chExt cx="1371600" cy="1220499"/>
+                </a:xfrm>
+              </p:grpSpPr>
+              <p:grpSp>
+                <p:nvGrpSpPr>
+                  <p:cNvPr id="69" name="Group 68"/>
+                  <p:cNvGrpSpPr/>
+                  <p:nvPr/>
+                </p:nvGrpSpPr>
+                <p:grpSpPr>
+                  <a:xfrm>
+                    <a:off x="2057400" y="1174721"/>
+                    <a:ext cx="1371600" cy="1220499"/>
+                    <a:chOff x="2057400" y="1174721"/>
+                    <a:chExt cx="1371600" cy="1220499"/>
+                  </a:xfrm>
+                </p:grpSpPr>
+                <p:grpSp>
+                  <p:nvGrpSpPr>
+                    <p:cNvPr id="71" name="Group 70"/>
+                    <p:cNvGrpSpPr/>
+                    <p:nvPr/>
+                  </p:nvGrpSpPr>
+                  <p:grpSpPr>
+                    <a:xfrm>
+                      <a:off x="2057400" y="1174721"/>
+                      <a:ext cx="1371600" cy="1220499"/>
+                      <a:chOff x="2743200" y="1028700"/>
+                      <a:chExt cx="1371600" cy="1220499"/>
+                    </a:xfrm>
+                  </p:grpSpPr>
+                  <p:sp>
+                    <p:nvSpPr>
+                      <p:cNvPr id="73" name="Rounded Rectangle 72"/>
+                      <p:cNvSpPr/>
+                      <p:nvPr/>
+                    </p:nvSpPr>
+                    <p:spPr>
+                      <a:xfrm>
+                        <a:off x="2743200" y="2134899"/>
+                        <a:ext cx="1371600" cy="114300"/>
+                      </a:xfrm>
+                      <a:prstGeom prst="roundRect">
+                        <a:avLst/>
+                      </a:prstGeom>
+                      <a:solidFill>
+                        <a:schemeClr val="tx1">
+                          <a:lumMod val="85000"/>
+                          <a:lumOff val="15000"/>
+                        </a:schemeClr>
+                      </a:solidFill>
+                    </p:spPr>
+                    <p:style>
+                      <a:lnRef idx="2">
+                        <a:schemeClr val="dk1"/>
+                      </a:lnRef>
+                      <a:fillRef idx="1">
+                        <a:schemeClr val="lt1"/>
+                      </a:fillRef>
+                      <a:effectRef idx="0">
+                        <a:schemeClr val="dk1"/>
+                      </a:effectRef>
+                      <a:fontRef idx="minor">
+                        <a:schemeClr val="dk1"/>
+                      </a:fontRef>
+                    </p:style>
+                    <p:txBody>
+                      <a:bodyPr rot="0" spcFirstLastPara="0" vert="horz" wrap="square" lIns="91440" tIns="45720" rIns="91440" bIns="45720" numCol="1" spcCol="0" rtlCol="0" fromWordArt="0" anchor="ctr" anchorCtr="0" forceAA="0" compatLnSpc="1">
+                        <a:prstTxWarp prst="textNoShape">
+                          <a:avLst/>
+                        </a:prstTxWarp>
+                        <a:noAutofit/>
+                      </a:bodyPr>
+                      <a:lstStyle/>
+                      <a:p>
+                        <a:endParaRPr lang="en-US"/>
+                      </a:p>
+                    </p:txBody>
+                  </p:sp>
+                  <p:sp>
+                    <p:nvSpPr>
+                      <p:cNvPr id="74" name="Rounded Rectangle 73"/>
+                      <p:cNvSpPr/>
+                      <p:nvPr/>
+                    </p:nvSpPr>
+                    <p:spPr>
+                      <a:xfrm>
+                        <a:off x="2743200" y="1028700"/>
+                        <a:ext cx="1371600" cy="800100"/>
+                      </a:xfrm>
+                      <a:prstGeom prst="roundRect">
+                        <a:avLst>
+                          <a:gd name="adj" fmla="val 3036"/>
+                        </a:avLst>
+                      </a:prstGeom>
+                      <a:solidFill>
+                        <a:schemeClr val="tx1">
+                          <a:lumMod val="85000"/>
+                          <a:lumOff val="15000"/>
+                        </a:schemeClr>
+                      </a:solidFill>
+                    </p:spPr>
+                    <p:style>
+                      <a:lnRef idx="2">
+                        <a:schemeClr val="dk1"/>
+                      </a:lnRef>
+                      <a:fillRef idx="1">
+                        <a:schemeClr val="lt1"/>
+                      </a:fillRef>
+                      <a:effectRef idx="0">
+                        <a:schemeClr val="dk1"/>
+                      </a:effectRef>
+                      <a:fontRef idx="minor">
+                        <a:schemeClr val="dk1"/>
+                      </a:fontRef>
+                    </p:style>
+                    <p:txBody>
+                      <a:bodyPr rot="0" spcFirstLastPara="0" vert="horz" wrap="square" lIns="91440" tIns="45720" rIns="91440" bIns="45720" numCol="1" spcCol="0" rtlCol="0" fromWordArt="0" anchor="ctr" anchorCtr="0" forceAA="0" compatLnSpc="1">
+                        <a:prstTxWarp prst="textNoShape">
+                          <a:avLst/>
+                        </a:prstTxWarp>
+                        <a:noAutofit/>
+                      </a:bodyPr>
+                      <a:lstStyle/>
+                      <a:p>
+                        <a:endParaRPr lang="en-US"/>
+                      </a:p>
+                    </p:txBody>
+                  </p:sp>
+                  <p:sp>
+                    <p:nvSpPr>
+                      <p:cNvPr id="75" name="Rounded Rectangle 74"/>
+                      <p:cNvSpPr/>
+                      <p:nvPr/>
+                    </p:nvSpPr>
+                    <p:spPr>
+                      <a:xfrm>
+                        <a:off x="2743200" y="1820334"/>
+                        <a:ext cx="1371600" cy="332318"/>
+                      </a:xfrm>
+                      <a:prstGeom prst="roundRect">
+                        <a:avLst>
+                          <a:gd name="adj" fmla="val 0"/>
+                        </a:avLst>
+                      </a:prstGeom>
+                      <a:solidFill>
+                        <a:schemeClr val="tx1">
+                          <a:lumMod val="65000"/>
+                          <a:lumOff val="35000"/>
+                        </a:schemeClr>
+                      </a:solidFill>
+                    </p:spPr>
+                    <p:style>
+                      <a:lnRef idx="2">
+                        <a:schemeClr val="dk1"/>
+                      </a:lnRef>
+                      <a:fillRef idx="1">
+                        <a:schemeClr val="lt1"/>
+                      </a:fillRef>
+                      <a:effectRef idx="0">
+                        <a:schemeClr val="dk1"/>
+                      </a:effectRef>
+                      <a:fontRef idx="minor">
+                        <a:schemeClr val="dk1"/>
+                      </a:fontRef>
+                    </p:style>
+                    <p:txBody>
+                      <a:bodyPr rot="0" spcFirstLastPara="0" vert="horz" wrap="square" lIns="91440" tIns="45720" rIns="91440" bIns="45720" numCol="1" spcCol="0" rtlCol="0" fromWordArt="0" anchor="ctr" anchorCtr="0" forceAA="0" compatLnSpc="1">
+                        <a:prstTxWarp prst="textNoShape">
+                          <a:avLst/>
+                        </a:prstTxWarp>
+                        <a:noAutofit/>
+                      </a:bodyPr>
+                      <a:lstStyle/>
+                      <a:p>
+                        <a:endParaRPr lang="en-US"/>
+                      </a:p>
+                    </p:txBody>
+                  </p:sp>
+                </p:grpSp>
+                <p:sp>
+                  <p:nvSpPr>
+                    <p:cNvPr id="72" name="Rounded Rectangle 71"/>
+                    <p:cNvSpPr/>
+                    <p:nvPr/>
+                  </p:nvSpPr>
+                  <p:spPr>
+                    <a:xfrm>
+                      <a:off x="2097146" y="1218425"/>
+                      <a:ext cx="1292109" cy="702591"/>
+                    </a:xfrm>
+                    <a:prstGeom prst="roundRect">
+                      <a:avLst>
+                        <a:gd name="adj" fmla="val 1930"/>
+                      </a:avLst>
+                    </a:prstGeom>
+                    <a:solidFill>
+                      <a:schemeClr val="bg1"/>
+                    </a:solidFill>
+                    <a:ln>
+                      <a:solidFill>
+                        <a:schemeClr val="tx1"/>
+                      </a:solidFill>
+                    </a:ln>
+                  </p:spPr>
+                  <p:style>
+                    <a:lnRef idx="2">
+                      <a:schemeClr val="accent1">
+                        <a:shade val="50000"/>
+                      </a:schemeClr>
+                    </a:lnRef>
+                    <a:fillRef idx="1">
+                      <a:schemeClr val="accent1"/>
+                    </a:fillRef>
+                    <a:effectRef idx="0">
+                      <a:schemeClr val="accent1"/>
+                    </a:effectRef>
+                    <a:fontRef idx="minor">
+                      <a:schemeClr val="lt1"/>
+                    </a:fontRef>
+                  </p:style>
+                  <p:txBody>
+                    <a:bodyPr rot="0" spcFirstLastPara="0" vert="horz" wrap="square" lIns="91440" tIns="45720" rIns="91440" bIns="45720" numCol="1" spcCol="0" rtlCol="0" fromWordArt="0" anchor="ctr" anchorCtr="0" forceAA="0" compatLnSpc="1">
+                      <a:prstTxWarp prst="textNoShape">
+                        <a:avLst/>
+                      </a:prstTxWarp>
+                      <a:noAutofit/>
+                    </a:bodyPr>
+                    <a:lstStyle/>
+                    <a:p>
+                      <a:endParaRPr lang="en-US"/>
+                    </a:p>
+                  </p:txBody>
+                </p:sp>
+              </p:grpSp>
+              <p:pic>
+                <p:nvPicPr>
+                  <p:cNvPr id="70" name="Picture 69"/>
+                  <p:cNvPicPr>
+                    <a:picLocks noChangeAspect="1"/>
+                  </p:cNvPicPr>
+                  <p:nvPr/>
+                </p:nvPicPr>
+                <p:blipFill rotWithShape="1">
+                  <a:blip r:embed="rId11"/>
+                  <a:srcRect l="16517" t="5696" r="17632" b="12101"/>
+                  <a:stretch/>
+                </p:blipFill>
+                <p:spPr>
+                  <a:xfrm>
+                    <a:off x="2198813" y="1235967"/>
+                    <a:ext cx="1078837" cy="673361"/>
+                  </a:xfrm>
+                  <a:prstGeom prst="rect">
+                    <a:avLst/>
+                  </a:prstGeom>
+                </p:spPr>
+              </p:pic>
+            </p:grpSp>
+            <p:grpSp>
+              <p:nvGrpSpPr>
+                <p:cNvPr id="48" name="Group 47"/>
                 <p:cNvGrpSpPr/>
                 <p:nvPr/>
               </p:nvGrpSpPr>
@@ -5725,7 +5589,7 @@
               </p:grpSpPr>
               <p:grpSp>
                 <p:nvGrpSpPr>
-                  <p:cNvPr id="52" name="Group 51"/>
+                  <p:cNvPr id="49" name="Group 48"/>
                   <p:cNvGrpSpPr/>
                   <p:nvPr/>
                 </p:nvGrpSpPr>
@@ -5739,7 +5603,7 @@
                 </p:grpSpPr>
                 <p:grpSp>
                   <p:nvGrpSpPr>
-                    <p:cNvPr id="55" name="Group 54"/>
+                    <p:cNvPr id="52" name="Group 51"/>
                     <p:cNvGrpSpPr/>
                     <p:nvPr/>
                   </p:nvGrpSpPr>
@@ -5753,7 +5617,7 @@
                   </p:grpSpPr>
                   <p:grpSp>
                     <p:nvGrpSpPr>
-                      <p:cNvPr id="61" name="Group 60"/>
+                      <p:cNvPr id="55" name="Group 54"/>
                       <p:cNvGrpSpPr/>
                       <p:nvPr/>
                     </p:nvGrpSpPr>
@@ -5761,231 +5625,355 @@
                       <a:xfrm>
                         <a:off x="114300" y="1595120"/>
                         <a:ext cx="1714500" cy="800100"/>
-                        <a:chOff x="457200" y="1600200"/>
+                        <a:chOff x="114300" y="1595120"/>
                         <a:chExt cx="1714500" cy="800100"/>
                       </a:xfrm>
-                      <a:solidFill>
-                        <a:schemeClr val="bg1">
-                          <a:lumMod val="85000"/>
-                        </a:schemeClr>
-                      </a:solidFill>
+                    </p:grpSpPr>
+                    <p:grpSp>
+                      <p:nvGrpSpPr>
+                        <p:cNvPr id="61" name="Group 60"/>
+                        <p:cNvGrpSpPr/>
+                        <p:nvPr/>
+                      </p:nvGrpSpPr>
+                      <p:grpSpPr>
+                        <a:xfrm>
+                          <a:off x="114300" y="1595120"/>
+                          <a:ext cx="1714500" cy="800100"/>
+                          <a:chOff x="457200" y="1600200"/>
+                          <a:chExt cx="1714500" cy="800100"/>
+                        </a:xfrm>
+                        <a:solidFill>
+                          <a:schemeClr val="bg1">
+                            <a:lumMod val="85000"/>
+                          </a:schemeClr>
+                        </a:solidFill>
+                      </p:grpSpPr>
+                      <p:sp>
+                        <p:nvSpPr>
+                          <p:cNvPr id="65" name="Rounded Rectangle 64"/>
+                          <p:cNvSpPr/>
+                          <p:nvPr/>
+                        </p:nvSpPr>
+                        <p:spPr>
+                          <a:xfrm>
+                            <a:off x="457200" y="1600200"/>
+                            <a:ext cx="1714500" cy="571500"/>
+                          </a:xfrm>
+                          <a:prstGeom prst="roundRect">
+                            <a:avLst/>
+                          </a:prstGeom>
+                          <a:grpFill/>
+                        </p:spPr>
+                        <p:style>
+                          <a:lnRef idx="2">
+                            <a:schemeClr val="dk1"/>
+                          </a:lnRef>
+                          <a:fillRef idx="1">
+                            <a:schemeClr val="lt1"/>
+                          </a:fillRef>
+                          <a:effectRef idx="0">
+                            <a:schemeClr val="dk1"/>
+                          </a:effectRef>
+                          <a:fontRef idx="minor">
+                            <a:schemeClr val="dk1"/>
+                          </a:fontRef>
+                        </p:style>
+                        <p:txBody>
+                          <a:bodyPr rot="0" spcFirstLastPara="0" vert="horz" wrap="square" lIns="91440" tIns="45720" rIns="91440" bIns="45720" numCol="1" spcCol="0" rtlCol="0" fromWordArt="0" anchor="ctr" anchorCtr="0" forceAA="0" compatLnSpc="1">
+                            <a:prstTxWarp prst="textNoShape">
+                              <a:avLst/>
+                            </a:prstTxWarp>
+                            <a:noAutofit/>
+                          </a:bodyPr>
+                          <a:lstStyle/>
+                          <a:p>
+                            <a:endParaRPr lang="en-US"/>
+                          </a:p>
+                        </p:txBody>
+                      </p:sp>
+                      <p:sp>
+                        <p:nvSpPr>
+                          <p:cNvPr id="66" name="Oval 65"/>
+                          <p:cNvSpPr/>
+                          <p:nvPr/>
+                        </p:nvSpPr>
+                        <p:spPr>
+                          <a:xfrm>
+                            <a:off x="457200" y="1714500"/>
+                            <a:ext cx="685800" cy="685800"/>
+                          </a:xfrm>
+                          <a:prstGeom prst="ellipse">
+                            <a:avLst/>
+                          </a:prstGeom>
+                          <a:grpFill/>
+                        </p:spPr>
+                        <p:style>
+                          <a:lnRef idx="2">
+                            <a:schemeClr val="dk1"/>
+                          </a:lnRef>
+                          <a:fillRef idx="1">
+                            <a:schemeClr val="lt1"/>
+                          </a:fillRef>
+                          <a:effectRef idx="0">
+                            <a:schemeClr val="dk1"/>
+                          </a:effectRef>
+                          <a:fontRef idx="minor">
+                            <a:schemeClr val="dk1"/>
+                          </a:fontRef>
+                        </p:style>
+                        <p:txBody>
+                          <a:bodyPr rot="0" spcFirstLastPara="0" vert="horz" wrap="square" lIns="91440" tIns="45720" rIns="91440" bIns="45720" numCol="1" spcCol="0" rtlCol="0" fromWordArt="0" anchor="ctr" anchorCtr="0" forceAA="0" compatLnSpc="1">
+                            <a:prstTxWarp prst="textNoShape">
+                              <a:avLst/>
+                            </a:prstTxWarp>
+                            <a:noAutofit/>
+                          </a:bodyPr>
+                          <a:lstStyle/>
+                          <a:p>
+                            <a:endParaRPr lang="en-US"/>
+                          </a:p>
+                        </p:txBody>
+                      </p:sp>
+                      <p:sp>
+                        <p:nvSpPr>
+                          <p:cNvPr id="67" name="Oval 66"/>
+                          <p:cNvSpPr/>
+                          <p:nvPr/>
+                        </p:nvSpPr>
+                        <p:spPr>
+                          <a:xfrm>
+                            <a:off x="1485900" y="1714500"/>
+                            <a:ext cx="685800" cy="685800"/>
+                          </a:xfrm>
+                          <a:prstGeom prst="ellipse">
+                            <a:avLst/>
+                          </a:prstGeom>
+                          <a:grpFill/>
+                        </p:spPr>
+                        <p:style>
+                          <a:lnRef idx="2">
+                            <a:schemeClr val="dk1"/>
+                          </a:lnRef>
+                          <a:fillRef idx="1">
+                            <a:schemeClr val="lt1"/>
+                          </a:fillRef>
+                          <a:effectRef idx="0">
+                            <a:schemeClr val="dk1"/>
+                          </a:effectRef>
+                          <a:fontRef idx="minor">
+                            <a:schemeClr val="dk1"/>
+                          </a:fontRef>
+                        </p:style>
+                        <p:txBody>
+                          <a:bodyPr rot="0" spcFirstLastPara="0" vert="horz" wrap="square" lIns="91440" tIns="45720" rIns="91440" bIns="45720" numCol="1" spcCol="0" rtlCol="0" fromWordArt="0" anchor="ctr" anchorCtr="0" forceAA="0" compatLnSpc="1">
+                            <a:prstTxWarp prst="textNoShape">
+                              <a:avLst/>
+                            </a:prstTxWarp>
+                            <a:noAutofit/>
+                          </a:bodyPr>
+                          <a:lstStyle/>
+                          <a:p>
+                            <a:endParaRPr lang="en-US"/>
+                          </a:p>
+                        </p:txBody>
+                      </p:sp>
+                      <p:sp>
+                        <p:nvSpPr>
+                          <p:cNvPr id="68" name="Rounded Rectangle 67"/>
+                          <p:cNvSpPr/>
+                          <p:nvPr/>
+                        </p:nvSpPr>
+                        <p:spPr>
+                          <a:xfrm>
+                            <a:off x="460964" y="1622778"/>
+                            <a:ext cx="1705991" cy="535517"/>
+                          </a:xfrm>
+                          <a:prstGeom prst="roundRect">
+                            <a:avLst/>
+                          </a:prstGeom>
+                          <a:grpFill/>
+                          <a:ln>
+                            <a:noFill/>
+                          </a:ln>
+                        </p:spPr>
+                        <p:style>
+                          <a:lnRef idx="2">
+                            <a:schemeClr val="dk1"/>
+                          </a:lnRef>
+                          <a:fillRef idx="1">
+                            <a:schemeClr val="lt1"/>
+                          </a:fillRef>
+                          <a:effectRef idx="0">
+                            <a:schemeClr val="dk1"/>
+                          </a:effectRef>
+                          <a:fontRef idx="minor">
+                            <a:schemeClr val="dk1"/>
+                          </a:fontRef>
+                        </p:style>
+                        <p:txBody>
+                          <a:bodyPr rot="0" spcFirstLastPara="0" vert="horz" wrap="square" lIns="91440" tIns="45720" rIns="91440" bIns="45720" numCol="1" spcCol="0" rtlCol="0" fromWordArt="0" anchor="ctr" anchorCtr="0" forceAA="0" compatLnSpc="1">
+                            <a:prstTxWarp prst="textNoShape">
+                              <a:avLst/>
+                            </a:prstTxWarp>
+                            <a:noAutofit/>
+                          </a:bodyPr>
+                          <a:lstStyle/>
+                          <a:p>
+                            <a:endParaRPr lang="en-US"/>
+                          </a:p>
+                        </p:txBody>
+                      </p:sp>
+                    </p:grpSp>
+                    <p:grpSp>
+                      <p:nvGrpSpPr>
+                        <p:cNvPr id="62" name="Group 61"/>
+                        <p:cNvGrpSpPr/>
+                        <p:nvPr/>
+                      </p:nvGrpSpPr>
+                      <p:grpSpPr>
+                        <a:xfrm>
+                          <a:off x="240890" y="1919227"/>
+                          <a:ext cx="365760" cy="366773"/>
+                          <a:chOff x="240890" y="1874520"/>
+                          <a:chExt cx="365760" cy="366773"/>
+                        </a:xfrm>
+                      </p:grpSpPr>
+                      <p:sp>
+                        <p:nvSpPr>
+                          <p:cNvPr id="63" name="Rectangle 62"/>
+                          <p:cNvSpPr/>
+                          <p:nvPr/>
+                        </p:nvSpPr>
+                        <p:spPr>
+                          <a:xfrm>
+                            <a:off x="390473" y="1874520"/>
+                            <a:ext cx="70973" cy="366773"/>
+                          </a:xfrm>
+                          <a:prstGeom prst="rect">
+                            <a:avLst/>
+                          </a:prstGeom>
+                        </p:spPr>
+                        <p:style>
+                          <a:lnRef idx="2">
+                            <a:schemeClr val="dk1">
+                              <a:shade val="50000"/>
+                            </a:schemeClr>
+                          </a:lnRef>
+                          <a:fillRef idx="1">
+                            <a:schemeClr val="dk1"/>
+                          </a:fillRef>
+                          <a:effectRef idx="0">
+                            <a:schemeClr val="dk1"/>
+                          </a:effectRef>
+                          <a:fontRef idx="minor">
+                            <a:schemeClr val="lt1"/>
+                          </a:fontRef>
+                        </p:style>
+                        <p:txBody>
+                          <a:bodyPr rot="0" spcFirstLastPara="0" vert="horz" wrap="square" lIns="91440" tIns="45720" rIns="91440" bIns="45720" numCol="1" spcCol="0" rtlCol="0" fromWordArt="0" anchor="ctr" anchorCtr="0" forceAA="0" compatLnSpc="1">
+                            <a:prstTxWarp prst="textNoShape">
+                              <a:avLst/>
+                            </a:prstTxWarp>
+                            <a:noAutofit/>
+                          </a:bodyPr>
+                          <a:lstStyle/>
+                          <a:p>
+                            <a:endParaRPr lang="en-US"/>
+                          </a:p>
+                        </p:txBody>
+                      </p:sp>
+                      <p:sp>
+                        <p:nvSpPr>
+                          <p:cNvPr id="64" name="Rectangle 63"/>
+                          <p:cNvSpPr/>
+                          <p:nvPr/>
+                        </p:nvSpPr>
+                        <p:spPr>
+                          <a:xfrm>
+                            <a:off x="240890" y="2021321"/>
+                            <a:ext cx="365760" cy="73632"/>
+                          </a:xfrm>
+                          <a:prstGeom prst="rect">
+                            <a:avLst/>
+                          </a:prstGeom>
+                        </p:spPr>
+                        <p:style>
+                          <a:lnRef idx="2">
+                            <a:schemeClr val="dk1">
+                              <a:shade val="50000"/>
+                            </a:schemeClr>
+                          </a:lnRef>
+                          <a:fillRef idx="1">
+                            <a:schemeClr val="dk1"/>
+                          </a:fillRef>
+                          <a:effectRef idx="0">
+                            <a:schemeClr val="dk1"/>
+                          </a:effectRef>
+                          <a:fontRef idx="minor">
+                            <a:schemeClr val="lt1"/>
+                          </a:fontRef>
+                        </p:style>
+                        <p:txBody>
+                          <a:bodyPr rot="0" spcFirstLastPara="0" vert="horz" wrap="square" lIns="91440" tIns="45720" rIns="91440" bIns="45720" numCol="1" spcCol="0" rtlCol="0" fromWordArt="0" anchor="ctr" anchorCtr="0" forceAA="0" compatLnSpc="1">
+                            <a:prstTxWarp prst="textNoShape">
+                              <a:avLst/>
+                            </a:prstTxWarp>
+                            <a:noAutofit/>
+                          </a:bodyPr>
+                          <a:lstStyle/>
+                          <a:p>
+                            <a:endParaRPr lang="en-US"/>
+                          </a:p>
+                        </p:txBody>
+                      </p:sp>
+                    </p:grpSp>
+                  </p:grpSp>
+                  <p:grpSp>
+                    <p:nvGrpSpPr>
+                      <p:cNvPr id="56" name="Group 55"/>
+                      <p:cNvGrpSpPr/>
+                      <p:nvPr/>
+                    </p:nvGrpSpPr>
+                    <p:grpSpPr>
+                      <a:xfrm>
+                        <a:off x="1371600" y="1861474"/>
+                        <a:ext cx="342900" cy="419446"/>
+                        <a:chOff x="1371600" y="1861474"/>
+                        <a:chExt cx="342900" cy="419446"/>
+                      </a:xfrm>
                     </p:grpSpPr>
                     <p:sp>
                       <p:nvSpPr>
-                        <p:cNvPr id="65" name="Rounded Rectangle 64"/>
+                        <p:cNvPr id="57" name="Oval 56"/>
                         <p:cNvSpPr/>
                         <p:nvPr/>
                       </p:nvSpPr>
                       <p:spPr>
                         <a:xfrm>
-                          <a:off x="457200" y="1600200"/>
-                          <a:ext cx="1714500" cy="571500"/>
-                        </a:xfrm>
-                        <a:prstGeom prst="roundRect">
-                          <a:avLst/>
-                        </a:prstGeom>
-                        <a:grpFill/>
-                      </p:spPr>
-                      <p:style>
-                        <a:lnRef idx="2">
-                          <a:schemeClr val="dk1"/>
-                        </a:lnRef>
-                        <a:fillRef idx="1">
-                          <a:schemeClr val="lt1"/>
-                        </a:fillRef>
-                        <a:effectRef idx="0">
-                          <a:schemeClr val="dk1"/>
-                        </a:effectRef>
-                        <a:fontRef idx="minor">
-                          <a:schemeClr val="dk1"/>
-                        </a:fontRef>
-                      </p:style>
-                      <p:txBody>
-                        <a:bodyPr rot="0" spcFirstLastPara="0" vert="horz" wrap="square" lIns="91440" tIns="45720" rIns="91440" bIns="45720" numCol="1" spcCol="0" rtlCol="0" fromWordArt="0" anchor="ctr" anchorCtr="0" forceAA="0" compatLnSpc="1">
-                          <a:prstTxWarp prst="textNoShape">
-                            <a:avLst/>
-                          </a:prstTxWarp>
-                          <a:noAutofit/>
-                        </a:bodyPr>
-                        <a:lstStyle/>
-                        <a:p>
-                          <a:endParaRPr lang="en-US"/>
-                        </a:p>
-                      </p:txBody>
-                    </p:sp>
-                    <p:sp>
-                      <p:nvSpPr>
-                        <p:cNvPr id="66" name="Oval 65"/>
-                        <p:cNvSpPr/>
-                        <p:nvPr/>
-                      </p:nvSpPr>
-                      <p:spPr>
-                        <a:xfrm>
-                          <a:off x="457200" y="1714500"/>
-                          <a:ext cx="685800" cy="685800"/>
+                          <a:off x="1402080" y="2166620"/>
+                          <a:ext cx="114300" cy="114300"/>
                         </a:xfrm>
                         <a:prstGeom prst="ellipse">
                           <a:avLst/>
                         </a:prstGeom>
-                        <a:grpFill/>
-                      </p:spPr>
-                      <p:style>
-                        <a:lnRef idx="2">
-                          <a:schemeClr val="dk1"/>
-                        </a:lnRef>
-                        <a:fillRef idx="1">
-                          <a:schemeClr val="lt1"/>
-                        </a:fillRef>
-                        <a:effectRef idx="0">
-                          <a:schemeClr val="dk1"/>
-                        </a:effectRef>
-                        <a:fontRef idx="minor">
-                          <a:schemeClr val="dk1"/>
-                        </a:fontRef>
-                      </p:style>
-                      <p:txBody>
-                        <a:bodyPr rot="0" spcFirstLastPara="0" vert="horz" wrap="square" lIns="91440" tIns="45720" rIns="91440" bIns="45720" numCol="1" spcCol="0" rtlCol="0" fromWordArt="0" anchor="ctr" anchorCtr="0" forceAA="0" compatLnSpc="1">
-                          <a:prstTxWarp prst="textNoShape">
-                            <a:avLst/>
-                          </a:prstTxWarp>
-                          <a:noAutofit/>
-                        </a:bodyPr>
-                        <a:lstStyle/>
-                        <a:p>
-                          <a:endParaRPr lang="en-US"/>
-                        </a:p>
-                      </p:txBody>
-                    </p:sp>
-                    <p:sp>
-                      <p:nvSpPr>
-                        <p:cNvPr id="67" name="Oval 66"/>
-                        <p:cNvSpPr/>
-                        <p:nvPr/>
-                      </p:nvSpPr>
-                      <p:spPr>
-                        <a:xfrm>
-                          <a:off x="1485900" y="1714500"/>
-                          <a:ext cx="685800" cy="685800"/>
-                        </a:xfrm>
-                        <a:prstGeom prst="ellipse">
-                          <a:avLst/>
-                        </a:prstGeom>
-                        <a:grpFill/>
-                      </p:spPr>
-                      <p:style>
-                        <a:lnRef idx="2">
-                          <a:schemeClr val="dk1"/>
-                        </a:lnRef>
-                        <a:fillRef idx="1">
-                          <a:schemeClr val="lt1"/>
-                        </a:fillRef>
-                        <a:effectRef idx="0">
-                          <a:schemeClr val="dk1"/>
-                        </a:effectRef>
-                        <a:fontRef idx="minor">
-                          <a:schemeClr val="dk1"/>
-                        </a:fontRef>
-                      </p:style>
-                      <p:txBody>
-                        <a:bodyPr rot="0" spcFirstLastPara="0" vert="horz" wrap="square" lIns="91440" tIns="45720" rIns="91440" bIns="45720" numCol="1" spcCol="0" rtlCol="0" fromWordArt="0" anchor="ctr" anchorCtr="0" forceAA="0" compatLnSpc="1">
-                          <a:prstTxWarp prst="textNoShape">
-                            <a:avLst/>
-                          </a:prstTxWarp>
-                          <a:noAutofit/>
-                        </a:bodyPr>
-                        <a:lstStyle/>
-                        <a:p>
-                          <a:endParaRPr lang="en-US"/>
-                        </a:p>
-                      </p:txBody>
-                    </p:sp>
-                    <p:sp>
-                      <p:nvSpPr>
-                        <p:cNvPr id="68" name="Rounded Rectangle 67"/>
-                        <p:cNvSpPr/>
-                        <p:nvPr/>
-                      </p:nvSpPr>
-                      <p:spPr>
-                        <a:xfrm>
-                          <a:off x="460964" y="1622778"/>
-                          <a:ext cx="1705991" cy="535517"/>
-                        </a:xfrm>
-                        <a:prstGeom prst="roundRect">
-                          <a:avLst/>
-                        </a:prstGeom>
-                        <a:grpFill/>
-                        <a:ln>
-                          <a:noFill/>
+                        <a:solidFill>
+                          <a:schemeClr val="accent6"/>
+                        </a:solidFill>
+                        <a:ln w="12700">
+                          <a:solidFill>
+                            <a:schemeClr val="tx1"/>
+                          </a:solidFill>
                         </a:ln>
                       </p:spPr>
                       <p:style>
-                        <a:lnRef idx="2">
-                          <a:schemeClr val="dk1"/>
+                        <a:lnRef idx="3">
+                          <a:schemeClr val="lt1"/>
                         </a:lnRef>
                         <a:fillRef idx="1">
-                          <a:schemeClr val="lt1"/>
+                          <a:schemeClr val="accent5"/>
                         </a:fillRef>
-                        <a:effectRef idx="0">
-                          <a:schemeClr val="dk1"/>
-                        </a:effectRef>
-                        <a:fontRef idx="minor">
-                          <a:schemeClr val="dk1"/>
-                        </a:fontRef>
-                      </p:style>
-                      <p:txBody>
-                        <a:bodyPr rot="0" spcFirstLastPara="0" vert="horz" wrap="square" lIns="91440" tIns="45720" rIns="91440" bIns="45720" numCol="1" spcCol="0" rtlCol="0" fromWordArt="0" anchor="ctr" anchorCtr="0" forceAA="0" compatLnSpc="1">
-                          <a:prstTxWarp prst="textNoShape">
-                            <a:avLst/>
-                          </a:prstTxWarp>
-                          <a:noAutofit/>
-                        </a:bodyPr>
-                        <a:lstStyle/>
-                        <a:p>
-                          <a:endParaRPr lang="en-US"/>
-                        </a:p>
-                      </p:txBody>
-                    </p:sp>
-                  </p:grpSp>
-                  <p:grpSp>
-                    <p:nvGrpSpPr>
-                      <p:cNvPr id="62" name="Group 61"/>
-                      <p:cNvGrpSpPr/>
-                      <p:nvPr/>
-                    </p:nvGrpSpPr>
-                    <p:grpSpPr>
-                      <a:xfrm>
-                        <a:off x="240890" y="1919227"/>
-                        <a:ext cx="365760" cy="366773"/>
-                        <a:chOff x="240890" y="1874520"/>
-                        <a:chExt cx="365760" cy="366773"/>
-                      </a:xfrm>
-                    </p:grpSpPr>
-                    <p:sp>
-                      <p:nvSpPr>
-                        <p:cNvPr id="63" name="Rectangle 62"/>
-                        <p:cNvSpPr/>
-                        <p:nvPr/>
-                      </p:nvSpPr>
-                      <p:spPr>
-                        <a:xfrm>
-                          <a:off x="390473" y="1874520"/>
-                          <a:ext cx="70973" cy="366773"/>
-                        </a:xfrm>
-                        <a:prstGeom prst="rect">
-                          <a:avLst/>
-                        </a:prstGeom>
-                      </p:spPr>
-                      <p:style>
-                        <a:lnRef idx="2">
-                          <a:schemeClr val="dk1">
-                            <a:shade val="50000"/>
-                          </a:schemeClr>
-                        </a:lnRef>
-                        <a:fillRef idx="1">
-                          <a:schemeClr val="dk1"/>
-                        </a:fillRef>
-                        <a:effectRef idx="0">
-                          <a:schemeClr val="dk1"/>
+                        <a:effectRef idx="1">
+                          <a:schemeClr val="accent5"/>
                         </a:effectRef>
                         <a:fontRef idx="minor">
                           <a:schemeClr val="lt1"/>
@@ -6006,30 +5994,139 @@
                     </p:sp>
                     <p:sp>
                       <p:nvSpPr>
-                        <p:cNvPr id="64" name="Rectangle 63"/>
+                        <p:cNvPr id="58" name="Oval 57"/>
                         <p:cNvSpPr/>
                         <p:nvPr/>
                       </p:nvSpPr>
                       <p:spPr>
                         <a:xfrm>
-                          <a:off x="240890" y="2021321"/>
-                          <a:ext cx="365760" cy="73632"/>
+                          <a:off x="1595628" y="2066028"/>
+                          <a:ext cx="114300" cy="114300"/>
                         </a:xfrm>
-                        <a:prstGeom prst="rect">
+                        <a:prstGeom prst="ellipse">
                           <a:avLst/>
                         </a:prstGeom>
+                        <a:ln>
+                          <a:solidFill>
+                            <a:schemeClr val="tx1"/>
+                          </a:solidFill>
+                        </a:ln>
                       </p:spPr>
                       <p:style>
                         <a:lnRef idx="2">
-                          <a:schemeClr val="dk1">
+                          <a:schemeClr val="accent1">
                             <a:shade val="50000"/>
                           </a:schemeClr>
                         </a:lnRef>
                         <a:fillRef idx="1">
-                          <a:schemeClr val="dk1"/>
+                          <a:schemeClr val="accent1"/>
                         </a:fillRef>
                         <a:effectRef idx="0">
-                          <a:schemeClr val="dk1"/>
+                          <a:schemeClr val="accent1"/>
+                        </a:effectRef>
+                        <a:fontRef idx="minor">
+                          <a:schemeClr val="lt1"/>
+                        </a:fontRef>
+                      </p:style>
+                      <p:txBody>
+                        <a:bodyPr rot="0" spcFirstLastPara="0" vert="horz" wrap="square" lIns="91440" tIns="45720" rIns="91440" bIns="45720" numCol="1" spcCol="0" rtlCol="0" fromWordArt="0" anchor="ctr" anchorCtr="0" forceAA="0" compatLnSpc="1">
+                          <a:prstTxWarp prst="textNoShape">
+                            <a:avLst/>
+                          </a:prstTxWarp>
+                          <a:noAutofit/>
+                        </a:bodyPr>
+                        <a:lstStyle/>
+                        <a:p>
+                          <a:endParaRPr lang="en-US"/>
+                        </a:p>
+                      </p:txBody>
+                    </p:sp>
+                    <p:sp>
+                      <p:nvSpPr>
+                        <p:cNvPr id="59" name="Oval 58"/>
+                        <p:cNvSpPr/>
+                        <p:nvPr/>
+                      </p:nvSpPr>
+                      <p:spPr>
+                        <a:xfrm>
+                          <a:off x="1371600" y="1943100"/>
+                          <a:ext cx="114300" cy="114300"/>
+                        </a:xfrm>
+                        <a:prstGeom prst="ellipse">
+                          <a:avLst/>
+                        </a:prstGeom>
+                        <a:solidFill>
+                          <a:schemeClr val="accent2"/>
+                        </a:solidFill>
+                        <a:ln w="12700">
+                          <a:solidFill>
+                            <a:schemeClr val="tx1"/>
+                          </a:solidFill>
+                        </a:ln>
+                      </p:spPr>
+                      <p:style>
+                        <a:lnRef idx="2">
+                          <a:schemeClr val="accent1">
+                            <a:shade val="50000"/>
+                          </a:schemeClr>
+                        </a:lnRef>
+                        <a:fillRef idx="1">
+                          <a:schemeClr val="accent1"/>
+                        </a:fillRef>
+                        <a:effectRef idx="0">
+                          <a:schemeClr val="accent1"/>
+                        </a:effectRef>
+                        <a:fontRef idx="minor">
+                          <a:schemeClr val="lt1"/>
+                        </a:fontRef>
+                      </p:style>
+                      <p:txBody>
+                        <a:bodyPr rot="0" spcFirstLastPara="0" vert="horz" wrap="square" lIns="91440" tIns="45720" rIns="91440" bIns="45720" numCol="1" spcCol="0" rtlCol="0" fromWordArt="0" anchor="ctr" anchorCtr="0" forceAA="0" compatLnSpc="1">
+                          <a:prstTxWarp prst="textNoShape">
+                            <a:avLst/>
+                          </a:prstTxWarp>
+                          <a:noAutofit/>
+                        </a:bodyPr>
+                        <a:lstStyle/>
+                        <a:p>
+                          <a:endParaRPr lang="en-US"/>
+                        </a:p>
+                      </p:txBody>
+                    </p:sp>
+                    <p:sp>
+                      <p:nvSpPr>
+                        <p:cNvPr id="60" name="Oval 59"/>
+                        <p:cNvSpPr/>
+                        <p:nvPr/>
+                      </p:nvSpPr>
+                      <p:spPr>
+                        <a:xfrm>
+                          <a:off x="1600200" y="1861474"/>
+                          <a:ext cx="114300" cy="114300"/>
+                        </a:xfrm>
+                        <a:prstGeom prst="ellipse">
+                          <a:avLst/>
+                        </a:prstGeom>
+                        <a:solidFill>
+                          <a:schemeClr val="accent4"/>
+                        </a:solidFill>
+                        <a:ln>
+                          <a:solidFill>
+                            <a:schemeClr val="tx1"/>
+                          </a:solidFill>
+                        </a:ln>
+                      </p:spPr>
+                      <p:style>
+                        <a:lnRef idx="2">
+                          <a:schemeClr val="accent1">
+                            <a:shade val="50000"/>
+                          </a:schemeClr>
+                        </a:lnRef>
+                        <a:fillRef idx="1">
+                          <a:schemeClr val="accent1"/>
+                        </a:fillRef>
+                        <a:effectRef idx="0">
+                          <a:schemeClr val="accent1"/>
                         </a:effectRef>
                         <a:fontRef idx="minor">
                           <a:schemeClr val="lt1"/>
@@ -6050,135 +6147,659 @@
                     </p:sp>
                   </p:grpSp>
                 </p:grpSp>
+                <p:sp>
+                  <p:nvSpPr>
+                    <p:cNvPr id="53" name="Rounded Rectangle 52"/>
+                    <p:cNvSpPr/>
+                    <p:nvPr/>
+                  </p:nvSpPr>
+                  <p:spPr>
+                    <a:xfrm>
+                      <a:off x="746760" y="1901537"/>
+                      <a:ext cx="152133" cy="41563"/>
+                    </a:xfrm>
+                    <a:prstGeom prst="roundRect">
+                      <a:avLst>
+                        <a:gd name="adj" fmla="val 50000"/>
+                      </a:avLst>
+                    </a:prstGeom>
+                  </p:spPr>
+                  <p:style>
+                    <a:lnRef idx="2">
+                      <a:schemeClr val="dk1">
+                        <a:shade val="50000"/>
+                      </a:schemeClr>
+                    </a:lnRef>
+                    <a:fillRef idx="1">
+                      <a:schemeClr val="dk1"/>
+                    </a:fillRef>
+                    <a:effectRef idx="0">
+                      <a:schemeClr val="dk1"/>
+                    </a:effectRef>
+                    <a:fontRef idx="minor">
+                      <a:schemeClr val="lt1"/>
+                    </a:fontRef>
+                  </p:style>
+                  <p:txBody>
+                    <a:bodyPr rot="0" spcFirstLastPara="0" vert="horz" wrap="square" lIns="91440" tIns="45720" rIns="91440" bIns="45720" numCol="1" spcCol="0" rtlCol="0" fromWordArt="0" anchor="ctr" anchorCtr="0" forceAA="0" compatLnSpc="1">
+                      <a:prstTxWarp prst="textNoShape">
+                        <a:avLst/>
+                      </a:prstTxWarp>
+                      <a:noAutofit/>
+                    </a:bodyPr>
+                    <a:lstStyle/>
+                    <a:p>
+                      <a:endParaRPr lang="en-US"/>
+                    </a:p>
+                  </p:txBody>
+                </p:sp>
+                <p:sp>
+                  <p:nvSpPr>
+                    <p:cNvPr id="54" name="Rounded Rectangle 53"/>
+                    <p:cNvSpPr/>
+                    <p:nvPr/>
+                  </p:nvSpPr>
+                  <p:spPr>
+                    <a:xfrm>
+                      <a:off x="1024763" y="1901825"/>
+                      <a:ext cx="151765" cy="41275"/>
+                    </a:xfrm>
+                    <a:prstGeom prst="roundRect">
+                      <a:avLst>
+                        <a:gd name="adj" fmla="val 50000"/>
+                      </a:avLst>
+                    </a:prstGeom>
+                  </p:spPr>
+                  <p:style>
+                    <a:lnRef idx="2">
+                      <a:schemeClr val="dk1">
+                        <a:shade val="50000"/>
+                      </a:schemeClr>
+                    </a:lnRef>
+                    <a:fillRef idx="1">
+                      <a:schemeClr val="dk1"/>
+                    </a:fillRef>
+                    <a:effectRef idx="0">
+                      <a:schemeClr val="dk1"/>
+                    </a:effectRef>
+                    <a:fontRef idx="minor">
+                      <a:schemeClr val="lt1"/>
+                    </a:fontRef>
+                  </p:style>
+                  <p:txBody>
+                    <a:bodyPr rot="0" spcFirstLastPara="0" vert="horz" wrap="square" lIns="91440" tIns="45720" rIns="91440" bIns="45720" numCol="1" spcCol="0" rtlCol="0" fromWordArt="0" anchor="ctr" anchorCtr="0" forceAA="0" compatLnSpc="1">
+                      <a:prstTxWarp prst="textNoShape">
+                        <a:avLst/>
+                      </a:prstTxWarp>
+                      <a:noAutofit/>
+                    </a:bodyPr>
+                    <a:lstStyle/>
+                    <a:p>
+                      <a:endParaRPr lang="en-US"/>
+                    </a:p>
+                  </p:txBody>
+                </p:sp>
+              </p:grpSp>
+              <p:cxnSp>
+                <p:nvCxnSpPr>
+                  <p:cNvPr id="50" name="Straight Connector 49"/>
+                  <p:cNvCxnSpPr/>
+                  <p:nvPr/>
+                </p:nvCxnSpPr>
+                <p:spPr>
+                  <a:xfrm>
+                    <a:off x="116758" y="1667962"/>
+                    <a:ext cx="0" cy="429002"/>
+                  </a:xfrm>
+                  <a:prstGeom prst="line">
+                    <a:avLst/>
+                  </a:prstGeom>
+                  <a:ln w="12700"/>
+                </p:spPr>
+                <p:style>
+                  <a:lnRef idx="1">
+                    <a:schemeClr val="dk1"/>
+                  </a:lnRef>
+                  <a:fillRef idx="0">
+                    <a:schemeClr val="dk1"/>
+                  </a:fillRef>
+                  <a:effectRef idx="0">
+                    <a:schemeClr val="dk1"/>
+                  </a:effectRef>
+                  <a:fontRef idx="minor">
+                    <a:schemeClr val="tx1"/>
+                  </a:fontRef>
+                </p:style>
+              </p:cxnSp>
+              <p:cxnSp>
+                <p:nvCxnSpPr>
+                  <p:cNvPr id="51" name="Straight Connector 50"/>
+                  <p:cNvCxnSpPr/>
+                  <p:nvPr/>
+                </p:nvCxnSpPr>
+                <p:spPr>
+                  <a:xfrm>
+                    <a:off x="1828800" y="1668339"/>
+                    <a:ext cx="0" cy="428625"/>
+                  </a:xfrm>
+                  <a:prstGeom prst="line">
+                    <a:avLst/>
+                  </a:prstGeom>
+                  <a:ln w="12700"/>
+                </p:spPr>
+                <p:style>
+                  <a:lnRef idx="1">
+                    <a:schemeClr val="dk1"/>
+                  </a:lnRef>
+                  <a:fillRef idx="0">
+                    <a:schemeClr val="dk1"/>
+                  </a:fillRef>
+                  <a:effectRef idx="0">
+                    <a:schemeClr val="dk1"/>
+                  </a:effectRef>
+                  <a:fontRef idx="minor">
+                    <a:schemeClr val="tx1"/>
+                  </a:fontRef>
+                </p:style>
+              </p:cxnSp>
+            </p:grpSp>
+          </p:grpSp>
+          <p:sp>
+            <p:nvSpPr>
+              <p:cNvPr id="29" name="TextBox 28"/>
+              <p:cNvSpPr txBox="1"/>
+              <p:nvPr/>
+            </p:nvSpPr>
+            <p:spPr>
+              <a:xfrm>
+                <a:off x="23698200" y="8118960"/>
+                <a:ext cx="8763000" cy="338554"/>
+              </a:xfrm>
+              <a:prstGeom prst="rect">
+                <a:avLst/>
+              </a:prstGeom>
+              <a:noFill/>
+            </p:spPr>
+            <p:txBody>
+              <a:bodyPr wrap="square" rtlCol="0">
+                <a:spAutoFit/>
+              </a:bodyPr>
+              <a:lstStyle/>
+              <a:p>
+                <a:pPr algn="ctr"/>
+                <a:r>
+                  <a:rPr lang="en-US" sz="1600" dirty="0" smtClean="0"/>
+                  <a:t>High Level Communication System Diagram</a:t>
+                </a:r>
+                <a:endParaRPr lang="en-US" sz="1600" dirty="0"/>
+              </a:p>
+            </p:txBody>
+          </p:sp>
+        </p:grpSp>
+      </p:grpSp>
+      <p:grpSp>
+        <p:nvGrpSpPr>
+          <p:cNvPr id="170" name="Group 169"/>
+          <p:cNvGrpSpPr/>
+          <p:nvPr/>
+        </p:nvGrpSpPr>
+        <p:grpSpPr>
+          <a:xfrm>
+            <a:off x="23233523" y="10906222"/>
+            <a:ext cx="9525000" cy="5264326"/>
+            <a:chOff x="23233523" y="10906222"/>
+            <a:chExt cx="9525000" cy="5264326"/>
+          </a:xfrm>
+        </p:grpSpPr>
+        <p:sp>
+          <p:nvSpPr>
+            <p:cNvPr id="99" name="TextBox 98"/>
+            <p:cNvSpPr txBox="1"/>
+            <p:nvPr/>
+          </p:nvSpPr>
+          <p:spPr>
+            <a:xfrm>
+              <a:off x="23233523" y="10906222"/>
+              <a:ext cx="9525000" cy="1815882"/>
+            </a:xfrm>
+            <a:prstGeom prst="rect">
+              <a:avLst/>
+            </a:prstGeom>
+            <a:noFill/>
+          </p:spPr>
+          <p:txBody>
+            <a:bodyPr wrap="square" rtlCol="0">
+              <a:spAutoFit/>
+            </a:bodyPr>
+            <a:lstStyle/>
+            <a:p>
+              <a:r>
+                <a:rPr lang="en-US" sz="3200" b="1" dirty="0" smtClean="0"/>
+                <a:t>Control Architecture: Two Link Leg</a:t>
+              </a:r>
+            </a:p>
+            <a:p>
+              <a:pPr marL="342900" indent="-342900">
+                <a:buFont typeface="Arial" panose="020B0604020202020204" pitchFamily="34" charset="0"/>
+                <a:buChar char="•"/>
+              </a:pPr>
+              <a:r>
+                <a:rPr lang="en-US" sz="2000" dirty="0" err="1" smtClean="0"/>
+                <a:t>Mathworks</a:t>
+              </a:r>
+              <a:r>
+                <a:rPr lang="en-US" sz="2000" dirty="0" smtClean="0"/>
+                <a:t> Simulink model is loaded onto the Arduino</a:t>
+              </a:r>
+            </a:p>
+            <a:p>
+              <a:pPr marL="342900" indent="-342900">
+                <a:buFont typeface="Arial" panose="020B0604020202020204" pitchFamily="34" charset="0"/>
+                <a:buChar char="•"/>
+              </a:pPr>
+              <a:r>
+                <a:rPr lang="en-US" sz="2000" dirty="0" smtClean="0"/>
+                <a:t>Utilizes PID feedback loops to control cylinder lengths</a:t>
+              </a:r>
+            </a:p>
+            <a:p>
+              <a:pPr marL="342900" indent="-342900">
+                <a:buFont typeface="Arial" panose="020B0604020202020204" pitchFamily="34" charset="0"/>
+                <a:buChar char="•"/>
+              </a:pPr>
+              <a:r>
+                <a:rPr lang="en-US" sz="2000" dirty="0" smtClean="0"/>
+                <a:t>Desired length is calculated by a state machine based on user input and current length</a:t>
+              </a:r>
+            </a:p>
+            <a:p>
+              <a:pPr marL="342900" indent="-342900">
+                <a:buFont typeface="Arial" panose="020B0604020202020204" pitchFamily="34" charset="0"/>
+                <a:buChar char="•"/>
+              </a:pPr>
+              <a:endParaRPr lang="en-US" sz="2000" dirty="0"/>
+            </a:p>
+          </p:txBody>
+        </p:sp>
+        <p:grpSp>
+          <p:nvGrpSpPr>
+            <p:cNvPr id="100" name="Group 99"/>
+            <p:cNvGrpSpPr/>
+            <p:nvPr/>
+          </p:nvGrpSpPr>
+          <p:grpSpPr>
+            <a:xfrm>
+              <a:off x="23797047" y="12787537"/>
+              <a:ext cx="7944709" cy="3383011"/>
+              <a:chOff x="23670735" y="10834472"/>
+              <a:chExt cx="7944709" cy="3383011"/>
+            </a:xfrm>
+          </p:grpSpPr>
+          <p:pic>
+            <p:nvPicPr>
+              <p:cNvPr id="101" name="Content Placeholder 3"/>
+              <p:cNvPicPr>
+                <a:picLocks noChangeAspect="1"/>
+              </p:cNvPicPr>
+              <p:nvPr/>
+            </p:nvPicPr>
+            <p:blipFill rotWithShape="1">
+              <a:blip r:embed="rId12"/>
+              <a:srcRect b="49539"/>
+              <a:stretch/>
+            </p:blipFill>
+            <p:spPr>
+              <a:xfrm>
+                <a:off x="23673339" y="10834472"/>
+                <a:ext cx="7942105" cy="2195728"/>
+              </a:xfrm>
+              <a:prstGeom prst="rect">
+                <a:avLst/>
+              </a:prstGeom>
+            </p:spPr>
+          </p:pic>
+          <p:pic>
+            <p:nvPicPr>
+              <p:cNvPr id="102" name="Content Placeholder 3"/>
+              <p:cNvPicPr>
+                <a:picLocks noChangeAspect="1"/>
+              </p:cNvPicPr>
+              <p:nvPr/>
+            </p:nvPicPr>
+            <p:blipFill rotWithShape="1">
+              <a:blip r:embed="rId12"/>
+              <a:srcRect t="72715"/>
+              <a:stretch/>
+            </p:blipFill>
+            <p:spPr>
+              <a:xfrm>
+                <a:off x="23670735" y="13030200"/>
+                <a:ext cx="7942105" cy="1187283"/>
+              </a:xfrm>
+              <a:prstGeom prst="rect">
+                <a:avLst/>
+              </a:prstGeom>
+            </p:spPr>
+          </p:pic>
+        </p:grpSp>
+      </p:grpSp>
+      <p:sp>
+        <p:nvSpPr>
+          <p:cNvPr id="104" name="TextBox 103"/>
+          <p:cNvSpPr txBox="1"/>
+          <p:nvPr/>
+        </p:nvSpPr>
+        <p:spPr>
+          <a:xfrm>
+            <a:off x="23386599" y="15966974"/>
+            <a:ext cx="8763000" cy="338554"/>
+          </a:xfrm>
+          <a:prstGeom prst="rect">
+            <a:avLst/>
+          </a:prstGeom>
+          <a:noFill/>
+        </p:spPr>
+        <p:txBody>
+          <a:bodyPr wrap="square" rtlCol="0">
+            <a:spAutoFit/>
+          </a:bodyPr>
+          <a:lstStyle/>
+          <a:p>
+            <a:pPr algn="ctr"/>
+            <a:r>
+              <a:rPr lang="en-US" sz="1600" dirty="0" smtClean="0"/>
+              <a:t>Control </a:t>
+            </a:r>
+            <a:r>
+              <a:rPr lang="en-US" sz="1600" dirty="0"/>
+              <a:t>S</a:t>
+            </a:r>
+            <a:r>
+              <a:rPr lang="en-US" sz="1600" dirty="0" smtClean="0"/>
+              <a:t>ubsystem For a Single Leg</a:t>
+            </a:r>
+            <a:endParaRPr lang="en-US" sz="1600" dirty="0"/>
+          </a:p>
+        </p:txBody>
+      </p:sp>
+      <p:grpSp>
+        <p:nvGrpSpPr>
+          <p:cNvPr id="171" name="Group 170"/>
+          <p:cNvGrpSpPr/>
+          <p:nvPr/>
+        </p:nvGrpSpPr>
+        <p:grpSpPr>
+          <a:xfrm>
+            <a:off x="377001" y="19354800"/>
+            <a:ext cx="9757599" cy="7296886"/>
+            <a:chOff x="300847" y="17979914"/>
+            <a:chExt cx="9757599" cy="7296886"/>
+          </a:xfrm>
+        </p:grpSpPr>
+        <p:sp>
+          <p:nvSpPr>
+            <p:cNvPr id="33" name="TextBox 32"/>
+            <p:cNvSpPr txBox="1"/>
+            <p:nvPr/>
+          </p:nvSpPr>
+          <p:spPr>
+            <a:xfrm>
+              <a:off x="300847" y="17979914"/>
+              <a:ext cx="9632507" cy="892552"/>
+            </a:xfrm>
+            <a:prstGeom prst="rect">
+              <a:avLst/>
+            </a:prstGeom>
+            <a:noFill/>
+          </p:spPr>
+          <p:txBody>
+            <a:bodyPr wrap="square" rtlCol="0">
+              <a:spAutoFit/>
+            </a:bodyPr>
+            <a:lstStyle/>
+            <a:p>
+              <a:r>
+                <a:rPr lang="en-US" sz="3200" b="1" dirty="0" smtClean="0"/>
+                <a:t>Electrical Design</a:t>
+              </a:r>
+            </a:p>
+            <a:p>
+              <a:endParaRPr lang="en-US" sz="2000" dirty="0"/>
+            </a:p>
+          </p:txBody>
+        </p:sp>
+        <p:sp>
+          <p:nvSpPr>
+            <p:cNvPr id="19" name="TextBox 18"/>
+            <p:cNvSpPr txBox="1"/>
+            <p:nvPr/>
+          </p:nvSpPr>
+          <p:spPr>
+            <a:xfrm>
+              <a:off x="318432" y="18721159"/>
+              <a:ext cx="9740014" cy="6555641"/>
+            </a:xfrm>
+            <a:prstGeom prst="rect">
+              <a:avLst/>
+            </a:prstGeom>
+            <a:noFill/>
+          </p:spPr>
+          <p:txBody>
+            <a:bodyPr wrap="square" rtlCol="0">
+              <a:spAutoFit/>
+            </a:bodyPr>
+            <a:lstStyle/>
+            <a:p>
+              <a:r>
+                <a:rPr lang="en-US" sz="2000" dirty="0" smtClean="0"/>
+                <a:t>The electronics of the robot are separated into subsystems. The communication subsystem, microcontroller subsystem, motherboard subsystem, and debug panel subsystem. The communication subsystem interfaces a user controlled computer with the Arduino microcontroller using </a:t>
+              </a:r>
+              <a:r>
+                <a:rPr lang="en-US" sz="2000" dirty="0" err="1" smtClean="0"/>
+                <a:t>Xbee</a:t>
+              </a:r>
+              <a:r>
+                <a:rPr lang="en-US" sz="2000" dirty="0" smtClean="0"/>
+                <a:t> modules. The microcontroller subsystem includes the microcontroller, </a:t>
+              </a:r>
+              <a:r>
+                <a:rPr lang="en-US" sz="2000" dirty="0" err="1" smtClean="0"/>
+                <a:t>Xbee</a:t>
+              </a:r>
+              <a:r>
+                <a:rPr lang="en-US" sz="2000" dirty="0" smtClean="0"/>
+                <a:t> shield, and battery supply for the microcontroller. This microcontroller battery supply is implemented as a standard replaceable 9 volt battery. The motherboard subsystem handles to signal conditioning for the command and feedback signals.</a:t>
+              </a:r>
+            </a:p>
+            <a:p>
+              <a:endParaRPr lang="en-US" sz="2000" dirty="0" smtClean="0"/>
+            </a:p>
+            <a:p>
+              <a:r>
+                <a:rPr lang="en-US" sz="2000" dirty="0" smtClean="0"/>
+                <a:t>The microcontroller uses a pulse width modulated signal with a varying duty cycle to indicate an open or close command to each of the eight pneumatic valves. The motherboard’s signal conditioning hardware includes a third order active low pass filter to convert the pulse width modulated signal into an analog signal. This analog signal is then scaled by another amplifier circuit to the proper magnitude for the pneumatic valve. The current extension of the pneumatic cylinder is reported as feedback to the microcontroller. This feedback signal passes through an analog filter to scale down the voltage for the Arduino.</a:t>
+              </a:r>
+            </a:p>
+            <a:p>
+              <a:endParaRPr lang="en-US" sz="2000" dirty="0"/>
+            </a:p>
+            <a:p>
+              <a:r>
+                <a:rPr lang="en-US" sz="2000" dirty="0" smtClean="0"/>
+                <a:t>A debug panel is included to provide electrical access to the command and feedback signals to and from the pneumatic cylinder. Additionally the debug panel has a toggle switch for the microcontroller battery, status LEDs, battery level LEDs, and an emergency stop a higher power battery bank that powers the pneumatic valves.</a:t>
+              </a:r>
+            </a:p>
+          </p:txBody>
+        </p:sp>
+      </p:grpSp>
+      <p:grpSp>
+        <p:nvGrpSpPr>
+          <p:cNvPr id="168" name="Group 167"/>
+          <p:cNvGrpSpPr/>
+          <p:nvPr/>
+        </p:nvGrpSpPr>
+        <p:grpSpPr>
+          <a:xfrm>
+            <a:off x="11216640" y="15457670"/>
+            <a:ext cx="9868969" cy="6792730"/>
+            <a:chOff x="11216640" y="16219670"/>
+            <a:chExt cx="9868969" cy="6792730"/>
+          </a:xfrm>
+        </p:grpSpPr>
+        <p:sp>
+          <p:nvSpPr>
+            <p:cNvPr id="103" name="TextBox 102"/>
+            <p:cNvSpPr txBox="1"/>
+            <p:nvPr/>
+          </p:nvSpPr>
+          <p:spPr>
+            <a:xfrm>
+              <a:off x="11216640" y="16219670"/>
+              <a:ext cx="9540240" cy="2739211"/>
+            </a:xfrm>
+            <a:prstGeom prst="rect">
+              <a:avLst/>
+            </a:prstGeom>
+            <a:noFill/>
+          </p:spPr>
+          <p:txBody>
+            <a:bodyPr wrap="square" rtlCol="0">
+              <a:spAutoFit/>
+            </a:bodyPr>
+            <a:lstStyle/>
+            <a:p>
+              <a:r>
+                <a:rPr lang="en-US" sz="3200" b="1" dirty="0" smtClean="0"/>
+                <a:t>Stability and Gait Development</a:t>
+              </a:r>
+              <a:endParaRPr lang="en-US" sz="3200" b="1" dirty="0" smtClean="0"/>
+            </a:p>
+            <a:p>
+              <a:r>
+                <a:rPr lang="en-US" sz="2000" dirty="0" smtClean="0"/>
+                <a:t>In order to ensure dynamic stability for the robot the Zero Moment Point (ZMP) method was used. The zero moment point can be calculated from the reaction forces acting on each foot. The location where the torque induced by these reactions is zero is the ZMP. In low speed applications such as this one the ZMP can be approximated by the center of gravity (CG). As long as the CG falls within the convex polygon created by the robot’s contact points with the ground it is in a statically stable pose. When the CG passes outside of this polygon an unbalanced tipping moment is created and the robot becomes unstable.</a:t>
+              </a:r>
+            </a:p>
+          </p:txBody>
+        </p:sp>
+        <p:grpSp>
+          <p:nvGrpSpPr>
+            <p:cNvPr id="167" name="Group 166"/>
+            <p:cNvGrpSpPr/>
+            <p:nvPr/>
+          </p:nvGrpSpPr>
+          <p:grpSpPr>
+            <a:xfrm>
+              <a:off x="11216640" y="19014757"/>
+              <a:ext cx="9868969" cy="3997643"/>
+              <a:chOff x="11216640" y="19014757"/>
+              <a:chExt cx="9868969" cy="3997643"/>
+            </a:xfrm>
+          </p:grpSpPr>
+          <p:sp>
+            <p:nvSpPr>
+              <p:cNvPr id="1045" name="TextBox 1044"/>
+              <p:cNvSpPr txBox="1"/>
+              <p:nvPr/>
+            </p:nvSpPr>
+            <p:spPr>
+              <a:xfrm>
+                <a:off x="14072977" y="21412114"/>
+                <a:ext cx="1943665" cy="338554"/>
+              </a:xfrm>
+              <a:prstGeom prst="rect">
+                <a:avLst/>
+              </a:prstGeom>
+              <a:noFill/>
+            </p:spPr>
+            <p:txBody>
+              <a:bodyPr wrap="square" rtlCol="0">
+                <a:spAutoFit/>
+              </a:bodyPr>
+              <a:lstStyle/>
+              <a:p>
+                <a:r>
+                  <a:rPr lang="en-US" sz="1600" dirty="0" smtClean="0"/>
+                  <a:t>Points of Contact</a:t>
+                </a:r>
+                <a:endParaRPr lang="en-US" sz="1600" dirty="0"/>
+              </a:p>
+            </p:txBody>
+          </p:sp>
+          <p:grpSp>
+            <p:nvGrpSpPr>
+              <p:cNvPr id="166" name="Group 165"/>
+              <p:cNvGrpSpPr/>
+              <p:nvPr/>
+            </p:nvGrpSpPr>
+            <p:grpSpPr>
+              <a:xfrm>
+                <a:off x="11216640" y="19014757"/>
+                <a:ext cx="9868969" cy="3997643"/>
+                <a:chOff x="11216640" y="19014757"/>
+                <a:chExt cx="9868969" cy="3997643"/>
+              </a:xfrm>
+            </p:grpSpPr>
+            <p:grpSp>
+              <p:nvGrpSpPr>
+                <p:cNvPr id="165" name="Group 164"/>
+                <p:cNvGrpSpPr/>
+                <p:nvPr/>
+              </p:nvGrpSpPr>
+              <p:grpSpPr>
+                <a:xfrm>
+                  <a:off x="11216640" y="19380069"/>
+                  <a:ext cx="9509760" cy="3632331"/>
+                  <a:chOff x="11216640" y="19380069"/>
+                  <a:chExt cx="9509760" cy="3632331"/>
+                </a:xfrm>
+              </p:grpSpPr>
+              <p:grpSp>
+                <p:nvGrpSpPr>
+                  <p:cNvPr id="164" name="Group 163"/>
+                  <p:cNvGrpSpPr/>
+                  <p:nvPr/>
+                </p:nvGrpSpPr>
+                <p:grpSpPr>
+                  <a:xfrm>
+                    <a:off x="12287250" y="19380069"/>
+                    <a:ext cx="6855345" cy="2565531"/>
+                    <a:chOff x="12287250" y="19380069"/>
+                    <a:chExt cx="6855345" cy="2565531"/>
+                  </a:xfrm>
+                </p:grpSpPr>
                 <p:grpSp>
                   <p:nvGrpSpPr>
-                    <p:cNvPr id="56" name="Group 55"/>
+                    <p:cNvPr id="1043" name="Group 1042"/>
                     <p:cNvGrpSpPr/>
                     <p:nvPr/>
                   </p:nvGrpSpPr>
                   <p:grpSpPr>
                     <a:xfrm>
-                      <a:off x="1371600" y="1861474"/>
-                      <a:ext cx="342900" cy="419446"/>
-                      <a:chOff x="1371600" y="1861474"/>
-                      <a:chExt cx="342900" cy="419446"/>
+                      <a:off x="12287250" y="19380069"/>
+                      <a:ext cx="2526030" cy="1780981"/>
+                      <a:chOff x="12256770" y="19122112"/>
+                      <a:chExt cx="2526030" cy="1780981"/>
                     </a:xfrm>
                   </p:grpSpPr>
                   <p:sp>
                     <p:nvSpPr>
-                      <p:cNvPr id="57" name="Oval 56"/>
+                      <p:cNvPr id="131" name="Rectangle 130"/>
                       <p:cNvSpPr/>
                       <p:nvPr/>
                     </p:nvSpPr>
                     <p:spPr>
                       <a:xfrm>
-                        <a:off x="1402080" y="2166620"/>
-                        <a:ext cx="114300" cy="114300"/>
+                        <a:off x="12256770" y="19489667"/>
+                        <a:ext cx="2291575" cy="1108029"/>
                       </a:xfrm>
-                      <a:prstGeom prst="ellipse">
+                      <a:prstGeom prst="rect">
                         <a:avLst/>
                       </a:prstGeom>
                       <a:solidFill>
-                        <a:schemeClr val="accent6"/>
-                      </a:solidFill>
-                      <a:ln w="12700">
-                        <a:solidFill>
-                          <a:schemeClr val="tx1"/>
-                        </a:solidFill>
-                      </a:ln>
-                    </p:spPr>
-                    <p:style>
-                      <a:lnRef idx="3">
-                        <a:schemeClr val="lt1"/>
-                      </a:lnRef>
-                      <a:fillRef idx="1">
-                        <a:schemeClr val="accent5"/>
-                      </a:fillRef>
-                      <a:effectRef idx="1">
-                        <a:schemeClr val="accent5"/>
-                      </a:effectRef>
-                      <a:fontRef idx="minor">
-                        <a:schemeClr val="lt1"/>
-                      </a:fontRef>
-                    </p:style>
-                    <p:txBody>
-                      <a:bodyPr rot="0" spcFirstLastPara="0" vert="horz" wrap="square" lIns="91440" tIns="45720" rIns="91440" bIns="45720" numCol="1" spcCol="0" rtlCol="0" fromWordArt="0" anchor="ctr" anchorCtr="0" forceAA="0" compatLnSpc="1">
-                        <a:prstTxWarp prst="textNoShape">
-                          <a:avLst/>
-                        </a:prstTxWarp>
-                        <a:noAutofit/>
-                      </a:bodyPr>
-                      <a:lstStyle/>
-                      <a:p>
-                        <a:endParaRPr lang="en-US"/>
-                      </a:p>
-                    </p:txBody>
-                  </p:sp>
-                  <p:sp>
-                    <p:nvSpPr>
-                      <p:cNvPr id="58" name="Oval 57"/>
-                      <p:cNvSpPr/>
-                      <p:nvPr/>
-                    </p:nvSpPr>
-                    <p:spPr>
-                      <a:xfrm>
-                        <a:off x="1595628" y="2066028"/>
-                        <a:ext cx="114300" cy="114300"/>
-                      </a:xfrm>
-                      <a:prstGeom prst="ellipse">
-                        <a:avLst/>
-                      </a:prstGeom>
-                      <a:ln>
-                        <a:solidFill>
-                          <a:schemeClr val="tx1"/>
-                        </a:solidFill>
-                      </a:ln>
-                    </p:spPr>
-                    <p:style>
-                      <a:lnRef idx="2">
-                        <a:schemeClr val="accent1">
-                          <a:shade val="50000"/>
+                        <a:schemeClr val="bg1">
+                          <a:lumMod val="85000"/>
                         </a:schemeClr>
-                      </a:lnRef>
-                      <a:fillRef idx="1">
-                        <a:schemeClr val="accent1"/>
-                      </a:fillRef>
-                      <a:effectRef idx="0">
-                        <a:schemeClr val="accent1"/>
-                      </a:effectRef>
-                      <a:fontRef idx="minor">
-                        <a:schemeClr val="lt1"/>
-                      </a:fontRef>
-                    </p:style>
-                    <p:txBody>
-                      <a:bodyPr rot="0" spcFirstLastPara="0" vert="horz" wrap="square" lIns="91440" tIns="45720" rIns="91440" bIns="45720" numCol="1" spcCol="0" rtlCol="0" fromWordArt="0" anchor="ctr" anchorCtr="0" forceAA="0" compatLnSpc="1">
-                        <a:prstTxWarp prst="textNoShape">
-                          <a:avLst/>
-                        </a:prstTxWarp>
-                        <a:noAutofit/>
-                      </a:bodyPr>
-                      <a:lstStyle/>
-                      <a:p>
-                        <a:endParaRPr lang="en-US"/>
-                      </a:p>
-                    </p:txBody>
-                  </p:sp>
-                  <p:sp>
-                    <p:nvSpPr>
-                      <p:cNvPr id="59" name="Oval 58"/>
-                      <p:cNvSpPr/>
-                      <p:nvPr/>
-                    </p:nvSpPr>
-                    <p:spPr>
-                      <a:xfrm>
-                        <a:off x="1371600" y="1943100"/>
-                        <a:ext cx="114300" cy="114300"/>
-                      </a:xfrm>
-                      <a:prstGeom prst="ellipse">
-                        <a:avLst/>
-                      </a:prstGeom>
-                      <a:solidFill>
-                        <a:schemeClr val="accent2"/>
                       </a:solidFill>
                       <a:ln w="12700">
                         <a:solidFill>
@@ -6217,24 +6838,26 @@
                   </p:sp>
                   <p:sp>
                     <p:nvSpPr>
-                      <p:cNvPr id="60" name="Oval 59"/>
+                      <p:cNvPr id="1034" name="Right Triangle 1033"/>
                       <p:cNvSpPr/>
                       <p:nvPr/>
                     </p:nvSpPr>
                     <p:spPr>
-                      <a:xfrm>
-                        <a:off x="1600200" y="1861474"/>
-                        <a:ext cx="114300" cy="114300"/>
+                      <a:xfrm rot="5400000">
+                        <a:off x="12741749" y="19102676"/>
+                        <a:ext cx="1532683" cy="1732135"/>
                       </a:xfrm>
-                      <a:prstGeom prst="ellipse">
+                      <a:prstGeom prst="rtTriangle">
                         <a:avLst/>
                       </a:prstGeom>
                       <a:solidFill>
-                        <a:schemeClr val="accent4"/>
+                        <a:srgbClr val="0066CC">
+                          <a:alpha val="50196"/>
+                        </a:srgbClr>
                       </a:solidFill>
-                      <a:ln>
+                      <a:ln w="38100">
                         <a:solidFill>
-                          <a:schemeClr val="tx1"/>
+                          <a:schemeClr val="accent1"/>
                         </a:solidFill>
                       </a:ln>
                     </p:spPr>
@@ -6255,14 +6878,1142 @@
                       </a:fontRef>
                     </p:style>
                     <p:txBody>
-                      <a:bodyPr rot="0" spcFirstLastPara="0" vert="horz" wrap="square" lIns="91440" tIns="45720" rIns="91440" bIns="45720" numCol="1" spcCol="0" rtlCol="0" fromWordArt="0" anchor="ctr" anchorCtr="0" forceAA="0" compatLnSpc="1">
-                        <a:prstTxWarp prst="textNoShape">
-                          <a:avLst/>
-                        </a:prstTxWarp>
-                        <a:noAutofit/>
-                      </a:bodyPr>
+                      <a:bodyPr rtlCol="0" anchor="ctr"/>
                       <a:lstStyle/>
                       <a:p>
+                        <a:pPr algn="ctr"/>
+                        <a:endParaRPr lang="en-US"/>
+                      </a:p>
+                    </p:txBody>
+                  </p:sp>
+                  <p:grpSp>
+                    <p:nvGrpSpPr>
+                      <p:cNvPr id="125" name="Group 124"/>
+                      <p:cNvGrpSpPr/>
+                      <p:nvPr/>
+                    </p:nvGrpSpPr>
+                    <p:grpSpPr>
+                      <a:xfrm>
+                        <a:off x="13708626" y="19880479"/>
+                        <a:ext cx="341441" cy="341529"/>
+                        <a:chOff x="17794159" y="19665322"/>
+                        <a:chExt cx="806115" cy="806323"/>
+                      </a:xfrm>
+                    </p:grpSpPr>
+                    <p:sp>
+                      <p:nvSpPr>
+                        <p:cNvPr id="126" name="Oval 125"/>
+                        <p:cNvSpPr/>
+                        <p:nvPr/>
+                      </p:nvSpPr>
+                      <p:spPr>
+                        <a:xfrm>
+                          <a:off x="17794159" y="19665530"/>
+                          <a:ext cx="806115" cy="806115"/>
+                        </a:xfrm>
+                        <a:prstGeom prst="ellipse">
+                          <a:avLst/>
+                        </a:prstGeom>
+                        <a:solidFill>
+                          <a:schemeClr val="bg1"/>
+                        </a:solidFill>
+                      </p:spPr>
+                      <p:style>
+                        <a:lnRef idx="2">
+                          <a:schemeClr val="dk1">
+                            <a:shade val="50000"/>
+                          </a:schemeClr>
+                        </a:lnRef>
+                        <a:fillRef idx="1">
+                          <a:schemeClr val="dk1"/>
+                        </a:fillRef>
+                        <a:effectRef idx="0">
+                          <a:schemeClr val="dk1"/>
+                        </a:effectRef>
+                        <a:fontRef idx="minor">
+                          <a:schemeClr val="lt1"/>
+                        </a:fontRef>
+                      </p:style>
+                      <p:txBody>
+                        <a:bodyPr rtlCol="0" anchor="ctr"/>
+                        <a:lstStyle/>
+                        <a:p>
+                          <a:pPr algn="ctr"/>
+                          <a:endParaRPr lang="en-US"/>
+                        </a:p>
+                      </p:txBody>
+                    </p:sp>
+                    <p:sp>
+                      <p:nvSpPr>
+                        <p:cNvPr id="127" name="Isosceles Triangle 126"/>
+                        <p:cNvSpPr/>
+                        <p:nvPr/>
+                      </p:nvSpPr>
+                      <p:spPr>
+                        <a:xfrm>
+                          <a:off x="18013138" y="20068588"/>
+                          <a:ext cx="374463" cy="349470"/>
+                        </a:xfrm>
+                        <a:prstGeom prst="triangle">
+                          <a:avLst/>
+                        </a:prstGeom>
+                      </p:spPr>
+                      <p:style>
+                        <a:lnRef idx="2">
+                          <a:schemeClr val="dk1">
+                            <a:shade val="50000"/>
+                          </a:schemeClr>
+                        </a:lnRef>
+                        <a:fillRef idx="1">
+                          <a:schemeClr val="dk1"/>
+                        </a:fillRef>
+                        <a:effectRef idx="0">
+                          <a:schemeClr val="dk1"/>
+                        </a:effectRef>
+                        <a:fontRef idx="minor">
+                          <a:schemeClr val="lt1"/>
+                        </a:fontRef>
+                      </p:style>
+                      <p:txBody>
+                        <a:bodyPr rtlCol="0" anchor="ctr"/>
+                        <a:lstStyle/>
+                        <a:p>
+                          <a:pPr algn="ctr"/>
+                          <a:endParaRPr lang="en-US"/>
+                        </a:p>
+                      </p:txBody>
+                    </p:sp>
+                    <p:sp>
+                      <p:nvSpPr>
+                        <p:cNvPr id="128" name="Isosceles Triangle 127"/>
+                        <p:cNvSpPr/>
+                        <p:nvPr/>
+                      </p:nvSpPr>
+                      <p:spPr>
+                        <a:xfrm rot="10800000">
+                          <a:off x="18017926" y="19725037"/>
+                          <a:ext cx="374463" cy="349470"/>
+                        </a:xfrm>
+                        <a:prstGeom prst="triangle">
+                          <a:avLst/>
+                        </a:prstGeom>
+                      </p:spPr>
+                      <p:style>
+                        <a:lnRef idx="2">
+                          <a:schemeClr val="dk1">
+                            <a:shade val="50000"/>
+                          </a:schemeClr>
+                        </a:lnRef>
+                        <a:fillRef idx="1">
+                          <a:schemeClr val="dk1"/>
+                        </a:fillRef>
+                        <a:effectRef idx="0">
+                          <a:schemeClr val="dk1"/>
+                        </a:effectRef>
+                        <a:fontRef idx="minor">
+                          <a:schemeClr val="lt1"/>
+                        </a:fontRef>
+                      </p:style>
+                      <p:txBody>
+                        <a:bodyPr rtlCol="0" anchor="ctr"/>
+                        <a:lstStyle/>
+                        <a:p>
+                          <a:pPr algn="ctr"/>
+                          <a:endParaRPr lang="en-US"/>
+                        </a:p>
+                      </p:txBody>
+                    </p:sp>
+                    <p:sp>
+                      <p:nvSpPr>
+                        <p:cNvPr id="129" name="Oval 128"/>
+                        <p:cNvSpPr/>
+                        <p:nvPr/>
+                      </p:nvSpPr>
+                      <p:spPr>
+                        <a:xfrm>
+                          <a:off x="18050047" y="19665322"/>
+                          <a:ext cx="310793" cy="192978"/>
+                        </a:xfrm>
+                        <a:prstGeom prst="ellipse">
+                          <a:avLst/>
+                        </a:prstGeom>
+                      </p:spPr>
+                      <p:style>
+                        <a:lnRef idx="2">
+                          <a:schemeClr val="dk1">
+                            <a:shade val="50000"/>
+                          </a:schemeClr>
+                        </a:lnRef>
+                        <a:fillRef idx="1">
+                          <a:schemeClr val="dk1"/>
+                        </a:fillRef>
+                        <a:effectRef idx="0">
+                          <a:schemeClr val="dk1"/>
+                        </a:effectRef>
+                        <a:fontRef idx="minor">
+                          <a:schemeClr val="lt1"/>
+                        </a:fontRef>
+                      </p:style>
+                      <p:txBody>
+                        <a:bodyPr rtlCol="0" anchor="ctr"/>
+                        <a:lstStyle/>
+                        <a:p>
+                          <a:pPr algn="ctr"/>
+                          <a:endParaRPr lang="en-US"/>
+                        </a:p>
+                      </p:txBody>
+                    </p:sp>
+                    <p:sp>
+                      <p:nvSpPr>
+                        <p:cNvPr id="130" name="Oval 129"/>
+                        <p:cNvSpPr/>
+                        <p:nvPr/>
+                      </p:nvSpPr>
+                      <p:spPr>
+                        <a:xfrm>
+                          <a:off x="18047825" y="20269073"/>
+                          <a:ext cx="310793" cy="192978"/>
+                        </a:xfrm>
+                        <a:prstGeom prst="ellipse">
+                          <a:avLst/>
+                        </a:prstGeom>
+                      </p:spPr>
+                      <p:style>
+                        <a:lnRef idx="2">
+                          <a:schemeClr val="dk1">
+                            <a:shade val="50000"/>
+                          </a:schemeClr>
+                        </a:lnRef>
+                        <a:fillRef idx="1">
+                          <a:schemeClr val="dk1"/>
+                        </a:fillRef>
+                        <a:effectRef idx="0">
+                          <a:schemeClr val="dk1"/>
+                        </a:effectRef>
+                        <a:fontRef idx="minor">
+                          <a:schemeClr val="lt1"/>
+                        </a:fontRef>
+                      </p:style>
+                      <p:txBody>
+                        <a:bodyPr rtlCol="0" anchor="ctr"/>
+                        <a:lstStyle/>
+                        <a:p>
+                          <a:pPr algn="ctr"/>
+                          <a:endParaRPr lang="en-US"/>
+                        </a:p>
+                      </p:txBody>
+                    </p:sp>
+                  </p:grpSp>
+                  <p:sp>
+                    <p:nvSpPr>
+                      <p:cNvPr id="124" name="Oval 123"/>
+                      <p:cNvSpPr/>
+                      <p:nvPr/>
+                    </p:nvSpPr>
+                    <p:spPr>
+                      <a:xfrm>
+                        <a:off x="12537130" y="19146645"/>
+                        <a:ext cx="293370" cy="293370"/>
+                      </a:xfrm>
+                      <a:prstGeom prst="ellipse">
+                        <a:avLst/>
+                      </a:prstGeom>
+                    </p:spPr>
+                    <p:style>
+                      <a:lnRef idx="2">
+                        <a:schemeClr val="accent3">
+                          <a:shade val="50000"/>
+                        </a:schemeClr>
+                      </a:lnRef>
+                      <a:fillRef idx="1">
+                        <a:schemeClr val="accent3"/>
+                      </a:fillRef>
+                      <a:effectRef idx="0">
+                        <a:schemeClr val="accent3"/>
+                      </a:effectRef>
+                      <a:fontRef idx="minor">
+                        <a:schemeClr val="lt1"/>
+                      </a:fontRef>
+                    </p:style>
+                    <p:txBody>
+                      <a:bodyPr rtlCol="0" anchor="ctr"/>
+                      <a:lstStyle/>
+                      <a:p>
+                        <a:pPr algn="ctr"/>
+                        <a:endParaRPr lang="en-US"/>
+                      </a:p>
+                    </p:txBody>
+                  </p:sp>
+                  <p:sp>
+                    <p:nvSpPr>
+                      <p:cNvPr id="133" name="Oval 132"/>
+                      <p:cNvSpPr/>
+                      <p:nvPr/>
+                    </p:nvSpPr>
+                    <p:spPr>
+                      <a:xfrm>
+                        <a:off x="12537130" y="20609723"/>
+                        <a:ext cx="293370" cy="293370"/>
+                      </a:xfrm>
+                      <a:prstGeom prst="ellipse">
+                        <a:avLst/>
+                      </a:prstGeom>
+                    </p:spPr>
+                    <p:style>
+                      <a:lnRef idx="2">
+                        <a:schemeClr val="accent3">
+                          <a:shade val="50000"/>
+                        </a:schemeClr>
+                      </a:lnRef>
+                      <a:fillRef idx="1">
+                        <a:schemeClr val="accent3"/>
+                      </a:fillRef>
+                      <a:effectRef idx="0">
+                        <a:schemeClr val="accent3"/>
+                      </a:effectRef>
+                      <a:fontRef idx="minor">
+                        <a:schemeClr val="lt1"/>
+                      </a:fontRef>
+                    </p:style>
+                    <p:txBody>
+                      <a:bodyPr rtlCol="0" anchor="ctr"/>
+                      <a:lstStyle/>
+                      <a:p>
+                        <a:pPr algn="ctr"/>
+                        <a:endParaRPr lang="en-US"/>
+                      </a:p>
+                    </p:txBody>
+                  </p:sp>
+                  <p:sp>
+                    <p:nvSpPr>
+                      <p:cNvPr id="134" name="Oval 133"/>
+                      <p:cNvSpPr/>
+                      <p:nvPr/>
+                    </p:nvSpPr>
+                    <p:spPr>
+                      <a:xfrm>
+                        <a:off x="14109770" y="19122112"/>
+                        <a:ext cx="293370" cy="293370"/>
+                      </a:xfrm>
+                      <a:prstGeom prst="ellipse">
+                        <a:avLst/>
+                      </a:prstGeom>
+                    </p:spPr>
+                    <p:style>
+                      <a:lnRef idx="2">
+                        <a:schemeClr val="accent3">
+                          <a:shade val="50000"/>
+                        </a:schemeClr>
+                      </a:lnRef>
+                      <a:fillRef idx="1">
+                        <a:schemeClr val="accent3"/>
+                      </a:fillRef>
+                      <a:effectRef idx="0">
+                        <a:schemeClr val="accent3"/>
+                      </a:effectRef>
+                      <a:fontRef idx="minor">
+                        <a:schemeClr val="lt1"/>
+                      </a:fontRef>
+                    </p:style>
+                    <p:txBody>
+                      <a:bodyPr rtlCol="0" anchor="ctr"/>
+                      <a:lstStyle/>
+                      <a:p>
+                        <a:pPr algn="ctr"/>
+                        <a:endParaRPr lang="en-US"/>
+                      </a:p>
+                    </p:txBody>
+                  </p:sp>
+                  <p:cxnSp>
+                    <p:nvCxnSpPr>
+                      <p:cNvPr id="1027" name="Straight Connector 1026"/>
+                      <p:cNvCxnSpPr/>
+                      <p:nvPr/>
+                    </p:nvCxnSpPr>
+                    <p:spPr>
+                      <a:xfrm flipV="1">
+                        <a:off x="14109770" y="19268797"/>
+                        <a:ext cx="146685" cy="220870"/>
+                      </a:xfrm>
+                      <a:prstGeom prst="line">
+                        <a:avLst/>
+                      </a:prstGeom>
+                      <a:ln w="57150"/>
+                    </p:spPr>
+                    <p:style>
+                      <a:lnRef idx="1">
+                        <a:schemeClr val="dk1"/>
+                      </a:lnRef>
+                      <a:fillRef idx="0">
+                        <a:schemeClr val="dk1"/>
+                      </a:fillRef>
+                      <a:effectRef idx="0">
+                        <a:schemeClr val="dk1"/>
+                      </a:effectRef>
+                      <a:fontRef idx="minor">
+                        <a:schemeClr val="tx1"/>
+                      </a:fontRef>
+                    </p:style>
+                  </p:cxnSp>
+                  <p:cxnSp>
+                    <p:nvCxnSpPr>
+                      <p:cNvPr id="1029" name="Straight Connector 1028"/>
+                      <p:cNvCxnSpPr/>
+                      <p:nvPr/>
+                    </p:nvCxnSpPr>
+                    <p:spPr>
+                      <a:xfrm flipH="1" flipV="1">
+                        <a:off x="12681786" y="19268797"/>
+                        <a:ext cx="148716" cy="220871"/>
+                      </a:xfrm>
+                      <a:prstGeom prst="line">
+                        <a:avLst/>
+                      </a:prstGeom>
+                      <a:ln w="57150"/>
+                    </p:spPr>
+                    <p:style>
+                      <a:lnRef idx="1">
+                        <a:schemeClr val="dk1"/>
+                      </a:lnRef>
+                      <a:fillRef idx="0">
+                        <a:schemeClr val="dk1"/>
+                      </a:fillRef>
+                      <a:effectRef idx="0">
+                        <a:schemeClr val="dk1"/>
+                      </a:effectRef>
+                      <a:fontRef idx="minor">
+                        <a:schemeClr val="tx1"/>
+                      </a:fontRef>
+                    </p:style>
+                  </p:cxnSp>
+                  <p:cxnSp>
+                    <p:nvCxnSpPr>
+                      <p:cNvPr id="1031" name="Straight Connector 1030"/>
+                      <p:cNvCxnSpPr/>
+                      <p:nvPr/>
+                    </p:nvCxnSpPr>
+                    <p:spPr>
+                      <a:xfrm flipH="1">
+                        <a:off x="12681786" y="20609723"/>
+                        <a:ext cx="237045" cy="147913"/>
+                      </a:xfrm>
+                      <a:prstGeom prst="line">
+                        <a:avLst/>
+                      </a:prstGeom>
+                      <a:ln w="57150"/>
+                    </p:spPr>
+                    <p:style>
+                      <a:lnRef idx="1">
+                        <a:schemeClr val="dk1"/>
+                      </a:lnRef>
+                      <a:fillRef idx="0">
+                        <a:schemeClr val="dk1"/>
+                      </a:fillRef>
+                      <a:effectRef idx="0">
+                        <a:schemeClr val="dk1"/>
+                      </a:effectRef>
+                      <a:fontRef idx="minor">
+                        <a:schemeClr val="tx1"/>
+                      </a:fontRef>
+                    </p:style>
+                  </p:cxnSp>
+                  <p:cxnSp>
+                    <p:nvCxnSpPr>
+                      <p:cNvPr id="1033" name="Straight Connector 1032"/>
+                      <p:cNvCxnSpPr/>
+                      <p:nvPr/>
+                    </p:nvCxnSpPr>
+                    <p:spPr>
+                      <a:xfrm>
+                        <a:off x="14183112" y="20597696"/>
+                        <a:ext cx="599688" cy="120748"/>
+                      </a:xfrm>
+                      <a:prstGeom prst="line">
+                        <a:avLst/>
+                      </a:prstGeom>
+                      <a:ln w="57150"/>
+                    </p:spPr>
+                    <p:style>
+                      <a:lnRef idx="1">
+                        <a:schemeClr val="dk1"/>
+                      </a:lnRef>
+                      <a:fillRef idx="0">
+                        <a:schemeClr val="dk1"/>
+                      </a:fillRef>
+                      <a:effectRef idx="0">
+                        <a:schemeClr val="dk1"/>
+                      </a:effectRef>
+                      <a:fontRef idx="minor">
+                        <a:schemeClr val="tx1"/>
+                      </a:fontRef>
+                    </p:style>
+                  </p:cxnSp>
+                </p:grpSp>
+                <p:grpSp>
+                  <p:nvGrpSpPr>
+                    <p:cNvPr id="1042" name="Group 1041"/>
+                    <p:cNvGrpSpPr/>
+                    <p:nvPr/>
+                  </p:nvGrpSpPr>
+                  <p:grpSpPr>
+                    <a:xfrm>
+                      <a:off x="16401267" y="19460357"/>
+                      <a:ext cx="2741328" cy="2485243"/>
+                      <a:chOff x="16370787" y="19202400"/>
+                      <a:chExt cx="2741328" cy="2485243"/>
+                    </a:xfrm>
+                  </p:grpSpPr>
+                  <p:grpSp>
+                    <p:nvGrpSpPr>
+                      <p:cNvPr id="36" name="Group 35"/>
+                      <p:cNvGrpSpPr/>
+                      <p:nvPr/>
+                    </p:nvGrpSpPr>
+                    <p:grpSpPr>
+                      <a:xfrm>
+                        <a:off x="16370787" y="19202400"/>
+                        <a:ext cx="2741328" cy="2457638"/>
+                        <a:chOff x="20882937" y="12268200"/>
+                        <a:chExt cx="920603" cy="825333"/>
+                      </a:xfrm>
+                    </p:grpSpPr>
+                    <p:cxnSp>
+                      <p:nvCxnSpPr>
+                        <p:cNvPr id="114" name="Straight Connector 113"/>
+                        <p:cNvCxnSpPr/>
+                        <p:nvPr/>
+                      </p:nvCxnSpPr>
+                      <p:spPr>
+                        <a:xfrm rot="1124969">
+                          <a:off x="21451516" y="12394004"/>
+                          <a:ext cx="342875" cy="342900"/>
+                        </a:xfrm>
+                        <a:prstGeom prst="line">
+                          <a:avLst/>
+                        </a:prstGeom>
+                        <a:ln w="57150"/>
+                      </p:spPr>
+                      <p:style>
+                        <a:lnRef idx="1">
+                          <a:schemeClr val="dk1"/>
+                        </a:lnRef>
+                        <a:fillRef idx="0">
+                          <a:schemeClr val="dk1"/>
+                        </a:fillRef>
+                        <a:effectRef idx="0">
+                          <a:schemeClr val="dk1"/>
+                        </a:effectRef>
+                        <a:fontRef idx="minor">
+                          <a:schemeClr val="tx1"/>
+                        </a:fontRef>
+                      </p:style>
+                    </p:cxnSp>
+                    <p:cxnSp>
+                      <p:nvCxnSpPr>
+                        <p:cNvPr id="115" name="Straight Connector 114"/>
+                        <p:cNvCxnSpPr/>
+                        <p:nvPr/>
+                      </p:nvCxnSpPr>
+                      <p:spPr>
+                        <a:xfrm rot="1124969" flipH="1">
+                          <a:off x="21565448" y="12750633"/>
+                          <a:ext cx="114292" cy="342900"/>
+                        </a:xfrm>
+                        <a:prstGeom prst="line">
+                          <a:avLst/>
+                        </a:prstGeom>
+                        <a:ln w="57150"/>
+                      </p:spPr>
+                      <p:style>
+                        <a:lnRef idx="1">
+                          <a:schemeClr val="dk1"/>
+                        </a:lnRef>
+                        <a:fillRef idx="0">
+                          <a:schemeClr val="dk1"/>
+                        </a:fillRef>
+                        <a:effectRef idx="0">
+                          <a:schemeClr val="dk1"/>
+                        </a:effectRef>
+                        <a:fontRef idx="minor">
+                          <a:schemeClr val="tx1"/>
+                        </a:fontRef>
+                      </p:style>
+                    </p:cxnSp>
+                    <p:cxnSp>
+                      <p:nvCxnSpPr>
+                        <p:cNvPr id="116" name="Straight Connector 115"/>
+                        <p:cNvCxnSpPr/>
+                        <p:nvPr/>
+                      </p:nvCxnSpPr>
+                      <p:spPr>
+                        <a:xfrm rot="1124969">
+                          <a:off x="21052764" y="12391464"/>
+                          <a:ext cx="342875" cy="342900"/>
+                        </a:xfrm>
+                        <a:prstGeom prst="line">
+                          <a:avLst/>
+                        </a:prstGeom>
+                        <a:ln w="57150"/>
+                      </p:spPr>
+                      <p:style>
+                        <a:lnRef idx="1">
+                          <a:schemeClr val="dk1"/>
+                        </a:lnRef>
+                        <a:fillRef idx="0">
+                          <a:schemeClr val="dk1"/>
+                        </a:fillRef>
+                        <a:effectRef idx="0">
+                          <a:schemeClr val="dk1"/>
+                        </a:effectRef>
+                        <a:fontRef idx="minor">
+                          <a:schemeClr val="tx1"/>
+                        </a:fontRef>
+                      </p:style>
+                    </p:cxnSp>
+                    <p:cxnSp>
+                      <p:nvCxnSpPr>
+                        <p:cNvPr id="117" name="Straight Connector 116"/>
+                        <p:cNvCxnSpPr/>
+                        <p:nvPr/>
+                      </p:nvCxnSpPr>
+                      <p:spPr>
+                        <a:xfrm rot="1124969" flipH="1">
+                          <a:off x="21166696" y="12748093"/>
+                          <a:ext cx="114292" cy="342900"/>
+                        </a:xfrm>
+                        <a:prstGeom prst="line">
+                          <a:avLst/>
+                        </a:prstGeom>
+                        <a:ln w="57150"/>
+                      </p:spPr>
+                      <p:style>
+                        <a:lnRef idx="1">
+                          <a:schemeClr val="dk1"/>
+                        </a:lnRef>
+                        <a:fillRef idx="0">
+                          <a:schemeClr val="dk1"/>
+                        </a:fillRef>
+                        <a:effectRef idx="0">
+                          <a:schemeClr val="dk1"/>
+                        </a:effectRef>
+                        <a:fontRef idx="minor">
+                          <a:schemeClr val="tx1"/>
+                        </a:fontRef>
+                      </p:style>
+                    </p:cxnSp>
+                    <p:sp>
+                      <p:nvSpPr>
+                        <p:cNvPr id="118" name="Rectangle 117"/>
+                        <p:cNvSpPr/>
+                        <p:nvPr/>
+                      </p:nvSpPr>
+                      <p:spPr>
+                        <a:xfrm>
+                          <a:off x="20882937" y="12268200"/>
+                          <a:ext cx="769565" cy="228600"/>
+                        </a:xfrm>
+                        <a:prstGeom prst="rect">
+                          <a:avLst/>
+                        </a:prstGeom>
+                        <a:solidFill>
+                          <a:schemeClr val="bg1">
+                            <a:lumMod val="85000"/>
+                          </a:schemeClr>
+                        </a:solidFill>
+                        <a:ln w="12700">
+                          <a:solidFill>
+                            <a:schemeClr val="tx1"/>
+                          </a:solidFill>
+                        </a:ln>
+                      </p:spPr>
+                      <p:style>
+                        <a:lnRef idx="2">
+                          <a:schemeClr val="accent1">
+                            <a:shade val="50000"/>
+                          </a:schemeClr>
+                        </a:lnRef>
+                        <a:fillRef idx="1">
+                          <a:schemeClr val="accent1"/>
+                        </a:fillRef>
+                        <a:effectRef idx="0">
+                          <a:schemeClr val="accent1"/>
+                        </a:effectRef>
+                        <a:fontRef idx="minor">
+                          <a:schemeClr val="lt1"/>
+                        </a:fontRef>
+                      </p:style>
+                      <p:txBody>
+                        <a:bodyPr rot="0" spcFirstLastPara="0" vert="horz" wrap="square" lIns="91440" tIns="45720" rIns="91440" bIns="45720" numCol="1" spcCol="0" rtlCol="0" fromWordArt="0" anchor="ctr" anchorCtr="0" forceAA="0" compatLnSpc="1">
+                          <a:prstTxWarp prst="textNoShape">
+                            <a:avLst/>
+                          </a:prstTxWarp>
+                          <a:noAutofit/>
+                        </a:bodyPr>
+                        <a:lstStyle/>
+                        <a:p>
+                          <a:endParaRPr lang="en-US"/>
+                        </a:p>
+                      </p:txBody>
+                    </p:sp>
+                    <p:cxnSp>
+                      <p:nvCxnSpPr>
+                        <p:cNvPr id="119" name="Straight Connector 118"/>
+                        <p:cNvCxnSpPr/>
+                        <p:nvPr/>
+                      </p:nvCxnSpPr>
+                      <p:spPr>
+                        <a:xfrm rot="1124969">
+                          <a:off x="20920694" y="12391464"/>
+                          <a:ext cx="342875" cy="342900"/>
+                        </a:xfrm>
+                        <a:prstGeom prst="line">
+                          <a:avLst/>
+                        </a:prstGeom>
+                        <a:ln w="57150"/>
+                      </p:spPr>
+                      <p:style>
+                        <a:lnRef idx="1">
+                          <a:schemeClr val="dk1"/>
+                        </a:lnRef>
+                        <a:fillRef idx="0">
+                          <a:schemeClr val="dk1"/>
+                        </a:fillRef>
+                        <a:effectRef idx="0">
+                          <a:schemeClr val="dk1"/>
+                        </a:effectRef>
+                        <a:fontRef idx="minor">
+                          <a:schemeClr val="tx1"/>
+                        </a:fontRef>
+                      </p:style>
+                    </p:cxnSp>
+                    <p:cxnSp>
+                      <p:nvCxnSpPr>
+                        <p:cNvPr id="120" name="Straight Connector 119"/>
+                        <p:cNvCxnSpPr/>
+                        <p:nvPr/>
+                      </p:nvCxnSpPr>
+                      <p:spPr>
+                        <a:xfrm rot="1124969" flipH="1">
+                          <a:off x="21034626" y="12748093"/>
+                          <a:ext cx="114292" cy="342900"/>
+                        </a:xfrm>
+                        <a:prstGeom prst="line">
+                          <a:avLst/>
+                        </a:prstGeom>
+                        <a:ln w="57150"/>
+                      </p:spPr>
+                      <p:style>
+                        <a:lnRef idx="1">
+                          <a:schemeClr val="dk1"/>
+                        </a:lnRef>
+                        <a:fillRef idx="0">
+                          <a:schemeClr val="dk1"/>
+                        </a:fillRef>
+                        <a:effectRef idx="0">
+                          <a:schemeClr val="dk1"/>
+                        </a:effectRef>
+                        <a:fontRef idx="minor">
+                          <a:schemeClr val="tx1"/>
+                        </a:fontRef>
+                      </p:style>
+                    </p:cxnSp>
+                    <p:cxnSp>
+                      <p:nvCxnSpPr>
+                        <p:cNvPr id="121" name="Straight Connector 120"/>
+                        <p:cNvCxnSpPr/>
+                        <p:nvPr/>
+                      </p:nvCxnSpPr>
+                      <p:spPr>
+                        <a:xfrm>
+                          <a:off x="21383705" y="12345457"/>
+                          <a:ext cx="348111" cy="294259"/>
+                        </a:xfrm>
+                        <a:prstGeom prst="line">
+                          <a:avLst/>
+                        </a:prstGeom>
+                        <a:ln w="57150"/>
+                      </p:spPr>
+                      <p:style>
+                        <a:lnRef idx="1">
+                          <a:schemeClr val="dk1"/>
+                        </a:lnRef>
+                        <a:fillRef idx="0">
+                          <a:schemeClr val="dk1"/>
+                        </a:fillRef>
+                        <a:effectRef idx="0">
+                          <a:schemeClr val="dk1"/>
+                        </a:effectRef>
+                        <a:fontRef idx="minor">
+                          <a:schemeClr val="tx1"/>
+                        </a:fontRef>
+                      </p:style>
+                    </p:cxnSp>
+                    <p:cxnSp>
+                      <p:nvCxnSpPr>
+                        <p:cNvPr id="122" name="Straight Connector 121"/>
+                        <p:cNvCxnSpPr/>
+                        <p:nvPr/>
+                      </p:nvCxnSpPr>
+                      <p:spPr>
+                        <a:xfrm>
+                          <a:off x="21731820" y="12638118"/>
+                          <a:ext cx="71720" cy="278411"/>
+                        </a:xfrm>
+                        <a:prstGeom prst="line">
+                          <a:avLst/>
+                        </a:prstGeom>
+                        <a:ln w="57150"/>
+                      </p:spPr>
+                      <p:style>
+                        <a:lnRef idx="1">
+                          <a:schemeClr val="dk1"/>
+                        </a:lnRef>
+                        <a:fillRef idx="0">
+                          <a:schemeClr val="dk1"/>
+                        </a:fillRef>
+                        <a:effectRef idx="0">
+                          <a:schemeClr val="dk1"/>
+                        </a:effectRef>
+                        <a:fontRef idx="minor">
+                          <a:schemeClr val="tx1"/>
+                        </a:fontRef>
+                      </p:style>
+                    </p:cxnSp>
+                  </p:grpSp>
+                  <p:grpSp>
+                    <p:nvGrpSpPr>
+                      <p:cNvPr id="27" name="Group 26"/>
+                      <p:cNvGrpSpPr/>
+                      <p:nvPr/>
+                    </p:nvGrpSpPr>
+                    <p:grpSpPr>
+                      <a:xfrm>
+                        <a:off x="17731816" y="19699802"/>
+                        <a:ext cx="341441" cy="341529"/>
+                        <a:chOff x="17794159" y="19665322"/>
+                        <a:chExt cx="806115" cy="806323"/>
+                      </a:xfrm>
+                    </p:grpSpPr>
+                    <p:sp>
+                      <p:nvSpPr>
+                        <p:cNvPr id="109" name="Oval 108"/>
+                        <p:cNvSpPr/>
+                        <p:nvPr/>
+                      </p:nvSpPr>
+                      <p:spPr>
+                        <a:xfrm>
+                          <a:off x="17794159" y="19665530"/>
+                          <a:ext cx="806115" cy="806115"/>
+                        </a:xfrm>
+                        <a:prstGeom prst="ellipse">
+                          <a:avLst/>
+                        </a:prstGeom>
+                        <a:solidFill>
+                          <a:schemeClr val="bg1"/>
+                        </a:solidFill>
+                      </p:spPr>
+                      <p:style>
+                        <a:lnRef idx="2">
+                          <a:schemeClr val="dk1">
+                            <a:shade val="50000"/>
+                          </a:schemeClr>
+                        </a:lnRef>
+                        <a:fillRef idx="1">
+                          <a:schemeClr val="dk1"/>
+                        </a:fillRef>
+                        <a:effectRef idx="0">
+                          <a:schemeClr val="dk1"/>
+                        </a:effectRef>
+                        <a:fontRef idx="minor">
+                          <a:schemeClr val="lt1"/>
+                        </a:fontRef>
+                      </p:style>
+                      <p:txBody>
+                        <a:bodyPr rtlCol="0" anchor="ctr"/>
+                        <a:lstStyle/>
+                        <a:p>
+                          <a:pPr algn="ctr"/>
+                          <a:endParaRPr lang="en-US"/>
+                        </a:p>
+                      </p:txBody>
+                    </p:sp>
+                    <p:sp>
+                      <p:nvSpPr>
+                        <p:cNvPr id="110" name="Isosceles Triangle 109"/>
+                        <p:cNvSpPr/>
+                        <p:nvPr/>
+                      </p:nvSpPr>
+                      <p:spPr>
+                        <a:xfrm>
+                          <a:off x="18013138" y="20068588"/>
+                          <a:ext cx="374463" cy="349470"/>
+                        </a:xfrm>
+                        <a:prstGeom prst="triangle">
+                          <a:avLst/>
+                        </a:prstGeom>
+                      </p:spPr>
+                      <p:style>
+                        <a:lnRef idx="2">
+                          <a:schemeClr val="dk1">
+                            <a:shade val="50000"/>
+                          </a:schemeClr>
+                        </a:lnRef>
+                        <a:fillRef idx="1">
+                          <a:schemeClr val="dk1"/>
+                        </a:fillRef>
+                        <a:effectRef idx="0">
+                          <a:schemeClr val="dk1"/>
+                        </a:effectRef>
+                        <a:fontRef idx="minor">
+                          <a:schemeClr val="lt1"/>
+                        </a:fontRef>
+                      </p:style>
+                      <p:txBody>
+                        <a:bodyPr rtlCol="0" anchor="ctr"/>
+                        <a:lstStyle/>
+                        <a:p>
+                          <a:pPr algn="ctr"/>
+                          <a:endParaRPr lang="en-US"/>
+                        </a:p>
+                      </p:txBody>
+                    </p:sp>
+                    <p:sp>
+                      <p:nvSpPr>
+                        <p:cNvPr id="111" name="Isosceles Triangle 110"/>
+                        <p:cNvSpPr/>
+                        <p:nvPr/>
+                      </p:nvSpPr>
+                      <p:spPr>
+                        <a:xfrm rot="10800000">
+                          <a:off x="18017926" y="19725037"/>
+                          <a:ext cx="374463" cy="349470"/>
+                        </a:xfrm>
+                        <a:prstGeom prst="triangle">
+                          <a:avLst/>
+                        </a:prstGeom>
+                      </p:spPr>
+                      <p:style>
+                        <a:lnRef idx="2">
+                          <a:schemeClr val="dk1">
+                            <a:shade val="50000"/>
+                          </a:schemeClr>
+                        </a:lnRef>
+                        <a:fillRef idx="1">
+                          <a:schemeClr val="dk1"/>
+                        </a:fillRef>
+                        <a:effectRef idx="0">
+                          <a:schemeClr val="dk1"/>
+                        </a:effectRef>
+                        <a:fontRef idx="minor">
+                          <a:schemeClr val="lt1"/>
+                        </a:fontRef>
+                      </p:style>
+                      <p:txBody>
+                        <a:bodyPr rtlCol="0" anchor="ctr"/>
+                        <a:lstStyle/>
+                        <a:p>
+                          <a:pPr algn="ctr"/>
+                          <a:endParaRPr lang="en-US"/>
+                        </a:p>
+                      </p:txBody>
+                    </p:sp>
+                    <p:sp>
+                      <p:nvSpPr>
+                        <p:cNvPr id="112" name="Oval 111"/>
+                        <p:cNvSpPr/>
+                        <p:nvPr/>
+                      </p:nvSpPr>
+                      <p:spPr>
+                        <a:xfrm>
+                          <a:off x="18050047" y="19665322"/>
+                          <a:ext cx="310793" cy="192978"/>
+                        </a:xfrm>
+                        <a:prstGeom prst="ellipse">
+                          <a:avLst/>
+                        </a:prstGeom>
+                      </p:spPr>
+                      <p:style>
+                        <a:lnRef idx="2">
+                          <a:schemeClr val="dk1">
+                            <a:shade val="50000"/>
+                          </a:schemeClr>
+                        </a:lnRef>
+                        <a:fillRef idx="1">
+                          <a:schemeClr val="dk1"/>
+                        </a:fillRef>
+                        <a:effectRef idx="0">
+                          <a:schemeClr val="dk1"/>
+                        </a:effectRef>
+                        <a:fontRef idx="minor">
+                          <a:schemeClr val="lt1"/>
+                        </a:fontRef>
+                      </p:style>
+                      <p:txBody>
+                        <a:bodyPr rtlCol="0" anchor="ctr"/>
+                        <a:lstStyle/>
+                        <a:p>
+                          <a:pPr algn="ctr"/>
+                          <a:endParaRPr lang="en-US"/>
+                        </a:p>
+                      </p:txBody>
+                    </p:sp>
+                    <p:sp>
+                      <p:nvSpPr>
+                        <p:cNvPr id="113" name="Oval 112"/>
+                        <p:cNvSpPr/>
+                        <p:nvPr/>
+                      </p:nvSpPr>
+                      <p:spPr>
+                        <a:xfrm>
+                          <a:off x="18047825" y="20269073"/>
+                          <a:ext cx="310793" cy="192978"/>
+                        </a:xfrm>
+                        <a:prstGeom prst="ellipse">
+                          <a:avLst/>
+                        </a:prstGeom>
+                      </p:spPr>
+                      <p:style>
+                        <a:lnRef idx="2">
+                          <a:schemeClr val="dk1">
+                            <a:shade val="50000"/>
+                          </a:schemeClr>
+                        </a:lnRef>
+                        <a:fillRef idx="1">
+                          <a:schemeClr val="dk1"/>
+                        </a:fillRef>
+                        <a:effectRef idx="0">
+                          <a:schemeClr val="dk1"/>
+                        </a:effectRef>
+                        <a:fontRef idx="minor">
+                          <a:schemeClr val="lt1"/>
+                        </a:fontRef>
+                      </p:style>
+                      <p:txBody>
+                        <a:bodyPr rtlCol="0" anchor="ctr"/>
+                        <a:lstStyle/>
+                        <a:p>
+                          <a:pPr algn="ctr"/>
+                          <a:endParaRPr lang="en-US"/>
+                        </a:p>
+                      </p:txBody>
+                    </p:sp>
+                  </p:grpSp>
+                  <p:sp>
+                    <p:nvSpPr>
+                      <p:cNvPr id="153" name="Oval 152"/>
+                      <p:cNvSpPr/>
+                      <p:nvPr/>
+                    </p:nvSpPr>
+                    <p:spPr>
+                      <a:xfrm>
+                        <a:off x="16523771" y="21352213"/>
+                        <a:ext cx="293370" cy="293370"/>
+                      </a:xfrm>
+                      <a:prstGeom prst="ellipse">
+                        <a:avLst/>
+                      </a:prstGeom>
+                    </p:spPr>
+                    <p:style>
+                      <a:lnRef idx="2">
+                        <a:schemeClr val="accent3">
+                          <a:shade val="50000"/>
+                        </a:schemeClr>
+                      </a:lnRef>
+                      <a:fillRef idx="1">
+                        <a:schemeClr val="accent3"/>
+                      </a:fillRef>
+                      <a:effectRef idx="0">
+                        <a:schemeClr val="accent3"/>
+                      </a:effectRef>
+                      <a:fontRef idx="minor">
+                        <a:schemeClr val="lt1"/>
+                      </a:fontRef>
+                    </p:style>
+                    <p:txBody>
+                      <a:bodyPr rtlCol="0" anchor="ctr"/>
+                      <a:lstStyle/>
+                      <a:p>
+                        <a:pPr algn="ctr"/>
+                        <a:endParaRPr lang="en-US"/>
+                      </a:p>
+                    </p:txBody>
+                  </p:sp>
+                  <p:sp>
+                    <p:nvSpPr>
+                      <p:cNvPr id="154" name="Oval 153"/>
+                      <p:cNvSpPr/>
+                      <p:nvPr/>
+                    </p:nvSpPr>
+                    <p:spPr>
+                      <a:xfrm>
+                        <a:off x="16960777" y="21336812"/>
+                        <a:ext cx="293370" cy="293370"/>
+                      </a:xfrm>
+                      <a:prstGeom prst="ellipse">
+                        <a:avLst/>
+                      </a:prstGeom>
+                    </p:spPr>
+                    <p:style>
+                      <a:lnRef idx="2">
+                        <a:schemeClr val="accent3">
+                          <a:shade val="50000"/>
+                        </a:schemeClr>
+                      </a:lnRef>
+                      <a:fillRef idx="1">
+                        <a:schemeClr val="accent3"/>
+                      </a:fillRef>
+                      <a:effectRef idx="0">
+                        <a:schemeClr val="accent3"/>
+                      </a:effectRef>
+                      <a:fontRef idx="minor">
+                        <a:schemeClr val="lt1"/>
+                      </a:fontRef>
+                    </p:style>
+                    <p:txBody>
+                      <a:bodyPr rtlCol="0" anchor="ctr"/>
+                      <a:lstStyle/>
+                      <a:p>
+                        <a:pPr algn="ctr"/>
+                        <a:endParaRPr lang="en-US"/>
+                      </a:p>
+                    </p:txBody>
+                  </p:sp>
+                  <p:sp>
+                    <p:nvSpPr>
+                      <p:cNvPr id="155" name="Oval 154"/>
+                      <p:cNvSpPr/>
+                      <p:nvPr/>
+                    </p:nvSpPr>
+                    <p:spPr>
+                      <a:xfrm>
+                        <a:off x="18115999" y="21394273"/>
+                        <a:ext cx="293370" cy="293370"/>
+                      </a:xfrm>
+                      <a:prstGeom prst="ellipse">
+                        <a:avLst/>
+                      </a:prstGeom>
+                    </p:spPr>
+                    <p:style>
+                      <a:lnRef idx="2">
+                        <a:schemeClr val="accent3">
+                          <a:shade val="50000"/>
+                        </a:schemeClr>
+                      </a:lnRef>
+                      <a:fillRef idx="1">
+                        <a:schemeClr val="accent3"/>
+                      </a:fillRef>
+                      <a:effectRef idx="0">
+                        <a:schemeClr val="accent3"/>
+                      </a:effectRef>
+                      <a:fontRef idx="minor">
+                        <a:schemeClr val="lt1"/>
+                      </a:fontRef>
+                    </p:style>
+                    <p:txBody>
+                      <a:bodyPr rtlCol="0" anchor="ctr"/>
+                      <a:lstStyle/>
+                      <a:p>
+                        <a:pPr algn="ctr"/>
                         <a:endParaRPr lang="en-US"/>
                       </a:p>
                     </p:txBody>
@@ -6271,112 +8022,114 @@
               </p:grpSp>
               <p:sp>
                 <p:nvSpPr>
-                  <p:cNvPr id="53" name="Rounded Rectangle 52"/>
-                  <p:cNvSpPr/>
+                  <p:cNvPr id="198" name="TextBox 197"/>
+                  <p:cNvSpPr txBox="1"/>
                   <p:nvPr/>
                 </p:nvSpPr>
                 <p:spPr>
                   <a:xfrm>
-                    <a:off x="746760" y="1901537"/>
-                    <a:ext cx="152133" cy="41563"/>
+                    <a:off x="11216640" y="22427625"/>
+                    <a:ext cx="9509760" cy="584775"/>
                   </a:xfrm>
-                  <a:prstGeom prst="roundRect">
-                    <a:avLst>
-                      <a:gd name="adj" fmla="val 50000"/>
-                    </a:avLst>
+                  <a:prstGeom prst="rect">
+                    <a:avLst/>
                   </a:prstGeom>
+                  <a:noFill/>
                 </p:spPr>
-                <p:style>
-                  <a:lnRef idx="2">
-                    <a:schemeClr val="dk1">
-                      <a:shade val="50000"/>
-                    </a:schemeClr>
-                  </a:lnRef>
-                  <a:fillRef idx="1">
-                    <a:schemeClr val="dk1"/>
-                  </a:fillRef>
-                  <a:effectRef idx="0">
-                    <a:schemeClr val="dk1"/>
-                  </a:effectRef>
-                  <a:fontRef idx="minor">
-                    <a:schemeClr val="lt1"/>
-                  </a:fontRef>
-                </p:style>
                 <p:txBody>
-                  <a:bodyPr rot="0" spcFirstLastPara="0" vert="horz" wrap="square" lIns="91440" tIns="45720" rIns="91440" bIns="45720" numCol="1" spcCol="0" rtlCol="0" fromWordArt="0" anchor="ctr" anchorCtr="0" forceAA="0" compatLnSpc="1">
-                    <a:prstTxWarp prst="textNoShape">
-                      <a:avLst/>
-                    </a:prstTxWarp>
-                    <a:noAutofit/>
+                  <a:bodyPr wrap="square" rtlCol="0">
+                    <a:spAutoFit/>
                   </a:bodyPr>
                   <a:lstStyle/>
                   <a:p>
-                    <a:endParaRPr lang="en-US"/>
-                  </a:p>
-                </p:txBody>
-              </p:sp>
-              <p:sp>
-                <p:nvSpPr>
-                  <p:cNvPr id="54" name="Rounded Rectangle 53"/>
-                  <p:cNvSpPr/>
-                  <p:nvPr/>
-                </p:nvSpPr>
-                <p:spPr>
-                  <a:xfrm>
-                    <a:off x="1024763" y="1901825"/>
-                    <a:ext cx="151765" cy="41275"/>
-                  </a:xfrm>
-                  <a:prstGeom prst="roundRect">
-                    <a:avLst>
-                      <a:gd name="adj" fmla="val 50000"/>
-                    </a:avLst>
-                  </a:prstGeom>
-                </p:spPr>
-                <p:style>
-                  <a:lnRef idx="2">
-                    <a:schemeClr val="dk1">
-                      <a:shade val="50000"/>
-                    </a:schemeClr>
-                  </a:lnRef>
-                  <a:fillRef idx="1">
-                    <a:schemeClr val="dk1"/>
-                  </a:fillRef>
-                  <a:effectRef idx="0">
-                    <a:schemeClr val="dk1"/>
-                  </a:effectRef>
-                  <a:fontRef idx="minor">
-                    <a:schemeClr val="lt1"/>
-                  </a:fontRef>
-                </p:style>
-                <p:txBody>
-                  <a:bodyPr rot="0" spcFirstLastPara="0" vert="horz" wrap="square" lIns="91440" tIns="45720" rIns="91440" bIns="45720" numCol="1" spcCol="0" rtlCol="0" fromWordArt="0" anchor="ctr" anchorCtr="0" forceAA="0" compatLnSpc="1">
-                    <a:prstTxWarp prst="textNoShape">
-                      <a:avLst/>
-                    </a:prstTxWarp>
-                    <a:noAutofit/>
-                  </a:bodyPr>
-                  <a:lstStyle/>
-                  <a:p>
-                    <a:endParaRPr lang="en-US"/>
+                    <a:r>
+                      <a:rPr lang="en-US" sz="1600" dirty="0" smtClean="0"/>
+                      <a:t>Top and side view of the robot model’s convex support polygon and an induced tipping moment. The tipping moment is caused by the center of gravity being outside of the convex support polygon.</a:t>
+                    </a:r>
+                    <a:endParaRPr lang="en-US" sz="1600" dirty="0"/>
                   </a:p>
                 </p:txBody>
               </p:sp>
             </p:grpSp>
+            <p:sp>
+              <p:nvSpPr>
+                <p:cNvPr id="160" name="TextBox 159"/>
+                <p:cNvSpPr txBox="1"/>
+                <p:nvPr/>
+              </p:nvSpPr>
+              <p:spPr>
+                <a:xfrm>
+                  <a:off x="19114356" y="19706307"/>
+                  <a:ext cx="1943665" cy="338554"/>
+                </a:xfrm>
+                <a:prstGeom prst="rect">
+                  <a:avLst/>
+                </a:prstGeom>
+                <a:noFill/>
+              </p:spPr>
+              <p:txBody>
+                <a:bodyPr wrap="square" rtlCol="0">
+                  <a:spAutoFit/>
+                </a:bodyPr>
+                <a:lstStyle/>
+                <a:p>
+                  <a:r>
+                    <a:rPr lang="en-US" sz="1600" dirty="0" smtClean="0"/>
+                    <a:t>Center of Gravity</a:t>
+                  </a:r>
+                  <a:endParaRPr lang="en-US" sz="1600" dirty="0"/>
+                </a:p>
+              </p:txBody>
+            </p:sp>
+            <p:sp>
+              <p:nvSpPr>
+                <p:cNvPr id="161" name="TextBox 160"/>
+                <p:cNvSpPr txBox="1"/>
+                <p:nvPr/>
+              </p:nvSpPr>
+              <p:spPr>
+                <a:xfrm>
+                  <a:off x="11463867" y="19041515"/>
+                  <a:ext cx="2275239" cy="338554"/>
+                </a:xfrm>
+                <a:prstGeom prst="rect">
+                  <a:avLst/>
+                </a:prstGeom>
+                <a:noFill/>
+              </p:spPr>
+              <p:txBody>
+                <a:bodyPr wrap="square" rtlCol="0">
+                  <a:spAutoFit/>
+                </a:bodyPr>
+                <a:lstStyle/>
+                <a:p>
+                  <a:r>
+                    <a:rPr lang="en-US" sz="1600" dirty="0" smtClean="0"/>
+                    <a:t>Convex Support Polygon</a:t>
+                  </a:r>
+                  <a:endParaRPr lang="en-US" sz="1600" dirty="0"/>
+                </a:p>
+              </p:txBody>
+            </p:sp>
             <p:cxnSp>
               <p:nvCxnSpPr>
-                <p:cNvPr id="50" name="Straight Connector 49"/>
-                <p:cNvCxnSpPr/>
+                <p:cNvPr id="1049" name="Straight Arrow Connector 1048"/>
+                <p:cNvCxnSpPr>
+                  <a:endCxn id="153" idx="1"/>
+                </p:cNvCxnSpPr>
                 <p:nvPr/>
               </p:nvCxnSpPr>
               <p:spPr>
                 <a:xfrm>
-                  <a:off x="116758" y="1667962"/>
-                  <a:ext cx="0" cy="429002"/>
+                  <a:off x="15661313" y="21568929"/>
+                  <a:ext cx="935901" cy="84204"/>
                 </a:xfrm>
-                <a:prstGeom prst="line">
+                <a:prstGeom prst="straightConnector1">
                   <a:avLst/>
                 </a:prstGeom>
-                <a:ln w="12700"/>
+                <a:ln w="19050">
+                  <a:tailEnd type="triangle"/>
+                </a:ln>
               </p:spPr>
               <p:style>
                 <a:lnRef idx="1">
@@ -6395,19 +8148,24 @@
             </p:cxnSp>
             <p:cxnSp>
               <p:nvCxnSpPr>
-                <p:cNvPr id="51" name="Straight Connector 50"/>
-                <p:cNvCxnSpPr/>
+                <p:cNvPr id="1051" name="Straight Arrow Connector 1050"/>
+                <p:cNvCxnSpPr>
+                  <a:stCxn id="1045" idx="1"/>
+                  <a:endCxn id="133" idx="5"/>
+                </p:cNvCxnSpPr>
                 <p:nvPr/>
               </p:nvCxnSpPr>
               <p:spPr>
-                <a:xfrm>
-                  <a:off x="1828800" y="1668339"/>
-                  <a:ext cx="0" cy="428625"/>
+                <a:xfrm flipH="1" flipV="1">
+                  <a:off x="12818017" y="21118087"/>
+                  <a:ext cx="1254960" cy="463304"/>
                 </a:xfrm>
-                <a:prstGeom prst="line">
+                <a:prstGeom prst="straightConnector1">
                   <a:avLst/>
                 </a:prstGeom>
-                <a:ln w="12700"/>
+                <a:ln w="19050">
+                  <a:tailEnd type="triangle"/>
+                </a:ln>
               </p:spPr>
               <p:style>
                 <a:lnRef idx="1">
@@ -6424,18 +8182,555 @@
                 </a:fontRef>
               </p:style>
             </p:cxnSp>
+            <p:cxnSp>
+              <p:nvCxnSpPr>
+                <p:cNvPr id="1053" name="Straight Arrow Connector 1052"/>
+                <p:cNvCxnSpPr/>
+                <p:nvPr/>
+              </p:nvCxnSpPr>
+              <p:spPr>
+                <a:xfrm>
+                  <a:off x="13569050" y="19215381"/>
+                  <a:ext cx="288306" cy="614318"/>
+                </a:xfrm>
+                <a:prstGeom prst="straightConnector1">
+                  <a:avLst/>
+                </a:prstGeom>
+                <a:ln w="19050">
+                  <a:tailEnd type="triangle"/>
+                </a:ln>
+              </p:spPr>
+              <p:style>
+                <a:lnRef idx="1">
+                  <a:schemeClr val="dk1"/>
+                </a:lnRef>
+                <a:fillRef idx="0">
+                  <a:schemeClr val="dk1"/>
+                </a:fillRef>
+                <a:effectRef idx="0">
+                  <a:schemeClr val="dk1"/>
+                </a:effectRef>
+                <a:fontRef idx="minor">
+                  <a:schemeClr val="tx1"/>
+                </a:fontRef>
+              </p:style>
+            </p:cxnSp>
+            <p:cxnSp>
+              <p:nvCxnSpPr>
+                <p:cNvPr id="1055" name="Straight Arrow Connector 1054"/>
+                <p:cNvCxnSpPr>
+                  <a:stCxn id="160" idx="1"/>
+                  <a:endCxn id="109" idx="6"/>
+                </p:cNvCxnSpPr>
+                <p:nvPr/>
+              </p:nvCxnSpPr>
+              <p:spPr>
+                <a:xfrm flipH="1">
+                  <a:off x="18103737" y="19875584"/>
+                  <a:ext cx="1010619" cy="252984"/>
+                </a:xfrm>
+                <a:prstGeom prst="straightConnector1">
+                  <a:avLst/>
+                </a:prstGeom>
+                <a:ln w="19050">
+                  <a:tailEnd type="triangle"/>
+                </a:ln>
+              </p:spPr>
+              <p:style>
+                <a:lnRef idx="1">
+                  <a:schemeClr val="dk1"/>
+                </a:lnRef>
+                <a:fillRef idx="0">
+                  <a:schemeClr val="dk1"/>
+                </a:fillRef>
+                <a:effectRef idx="0">
+                  <a:schemeClr val="dk1"/>
+                </a:effectRef>
+                <a:fontRef idx="minor">
+                  <a:schemeClr val="tx1"/>
+                </a:fontRef>
+              </p:style>
+            </p:cxnSp>
+            <p:sp>
+              <p:nvSpPr>
+                <p:cNvPr id="141" name="Curved Down Arrow 140"/>
+                <p:cNvSpPr/>
+                <p:nvPr/>
+              </p:nvSpPr>
+              <p:spPr>
+                <a:xfrm rot="4287215">
+                  <a:off x="17696693" y="19423189"/>
+                  <a:ext cx="1617838" cy="800973"/>
+                </a:xfrm>
+                <a:prstGeom prst="curvedDownArrow">
+                  <a:avLst>
+                    <a:gd name="adj1" fmla="val 0"/>
+                    <a:gd name="adj2" fmla="val 22149"/>
+                    <a:gd name="adj3" fmla="val 14852"/>
+                  </a:avLst>
+                </a:prstGeom>
+              </p:spPr>
+              <p:style>
+                <a:lnRef idx="2">
+                  <a:schemeClr val="accent2">
+                    <a:shade val="50000"/>
+                  </a:schemeClr>
+                </a:lnRef>
+                <a:fillRef idx="1">
+                  <a:schemeClr val="accent2"/>
+                </a:fillRef>
+                <a:effectRef idx="0">
+                  <a:schemeClr val="accent2"/>
+                </a:effectRef>
+                <a:fontRef idx="minor">
+                  <a:schemeClr val="lt1"/>
+                </a:fontRef>
+              </p:style>
+              <p:txBody>
+                <a:bodyPr rtlCol="0" anchor="ctr"/>
+                <a:lstStyle/>
+                <a:p>
+                  <a:pPr algn="ctr"/>
+                  <a:endParaRPr lang="en-US">
+                    <a:solidFill>
+                      <a:schemeClr val="tx1"/>
+                    </a:solidFill>
+                  </a:endParaRPr>
+                </a:p>
+              </p:txBody>
+            </p:sp>
+            <p:sp>
+              <p:nvSpPr>
+                <p:cNvPr id="183" name="TextBox 182"/>
+                <p:cNvSpPr txBox="1"/>
+                <p:nvPr/>
+              </p:nvSpPr>
+              <p:spPr>
+                <a:xfrm>
+                  <a:off x="19141944" y="19046104"/>
+                  <a:ext cx="1943665" cy="338554"/>
+                </a:xfrm>
+                <a:prstGeom prst="rect">
+                  <a:avLst/>
+                </a:prstGeom>
+                <a:noFill/>
+              </p:spPr>
+              <p:txBody>
+                <a:bodyPr wrap="square" rtlCol="0">
+                  <a:spAutoFit/>
+                </a:bodyPr>
+                <a:lstStyle/>
+                <a:p>
+                  <a:r>
+                    <a:rPr lang="en-US" sz="1600" dirty="0" smtClean="0"/>
+                    <a:t>Tipping Moment</a:t>
+                  </a:r>
+                  <a:endParaRPr lang="en-US" sz="1600" dirty="0"/>
+                </a:p>
+              </p:txBody>
+            </p:sp>
+            <p:cxnSp>
+              <p:nvCxnSpPr>
+                <p:cNvPr id="185" name="Straight Arrow Connector 184"/>
+                <p:cNvCxnSpPr>
+                  <a:stCxn id="183" idx="1"/>
+                  <a:endCxn id="141" idx="0"/>
+                </p:cNvCxnSpPr>
+                <p:nvPr/>
+              </p:nvCxnSpPr>
+              <p:spPr>
+                <a:xfrm flipH="1">
+                  <a:off x="18871193" y="19215381"/>
+                  <a:ext cx="270751" cy="438862"/>
+                </a:xfrm>
+                <a:prstGeom prst="straightConnector1">
+                  <a:avLst/>
+                </a:prstGeom>
+                <a:ln w="19050">
+                  <a:tailEnd type="triangle"/>
+                </a:ln>
+              </p:spPr>
+              <p:style>
+                <a:lnRef idx="1">
+                  <a:schemeClr val="dk1"/>
+                </a:lnRef>
+                <a:fillRef idx="0">
+                  <a:schemeClr val="dk1"/>
+                </a:fillRef>
+                <a:effectRef idx="0">
+                  <a:schemeClr val="dk1"/>
+                </a:effectRef>
+                <a:fontRef idx="minor">
+                  <a:schemeClr val="tx1"/>
+                </a:fontRef>
+              </p:style>
+            </p:cxnSp>
+            <p:cxnSp>
+              <p:nvCxnSpPr>
+                <p:cNvPr id="158" name="Straight Arrow Connector 157"/>
+                <p:cNvCxnSpPr>
+                  <a:endCxn id="131" idx="3"/>
+                </p:cNvCxnSpPr>
+                <p:nvPr/>
+              </p:nvCxnSpPr>
+              <p:spPr>
+                <a:xfrm flipV="1">
+                  <a:off x="13569050" y="20301639"/>
+                  <a:ext cx="1009775" cy="36304"/>
+                </a:xfrm>
+                <a:prstGeom prst="straightConnector1">
+                  <a:avLst/>
+                </a:prstGeom>
+                <a:ln>
+                  <a:tailEnd type="triangle"/>
+                </a:ln>
+              </p:spPr>
+              <p:style>
+                <a:lnRef idx="2">
+                  <a:schemeClr val="accent2"/>
+                </a:lnRef>
+                <a:fillRef idx="0">
+                  <a:schemeClr val="accent2"/>
+                </a:fillRef>
+                <a:effectRef idx="1">
+                  <a:schemeClr val="accent2"/>
+                </a:effectRef>
+                <a:fontRef idx="minor">
+                  <a:schemeClr val="tx1"/>
+                </a:fontRef>
+              </p:style>
+            </p:cxnSp>
           </p:grpSp>
+        </p:grpSp>
+      </p:grpSp>
+      <p:sp>
+        <p:nvSpPr>
+          <p:cNvPr id="206" name="TextBox 205"/>
+          <p:cNvSpPr txBox="1"/>
+          <p:nvPr/>
+        </p:nvSpPr>
+        <p:spPr>
+          <a:xfrm>
+            <a:off x="23084207" y="16970406"/>
+            <a:ext cx="9525000" cy="892552"/>
+          </a:xfrm>
+          <a:prstGeom prst="rect">
+            <a:avLst/>
+          </a:prstGeom>
+          <a:noFill/>
+        </p:spPr>
+        <p:txBody>
+          <a:bodyPr wrap="square" rtlCol="0">
+            <a:spAutoFit/>
+          </a:bodyPr>
+          <a:lstStyle/>
+          <a:p>
+            <a:r>
+              <a:rPr lang="en-US" sz="3200" b="1" dirty="0" smtClean="0"/>
+              <a:t>Conclusion</a:t>
+            </a:r>
+            <a:endParaRPr lang="en-US" sz="3200" b="1" dirty="0" smtClean="0"/>
+          </a:p>
+          <a:p>
+            <a:pPr marL="342900" indent="-342900">
+              <a:buFont typeface="Arial" panose="020B0604020202020204" pitchFamily="34" charset="0"/>
+              <a:buChar char="•"/>
+            </a:pPr>
+            <a:r>
+              <a:rPr lang="en-US" sz="2000" dirty="0" smtClean="0"/>
+              <a:t>Robots are hard</a:t>
+            </a:r>
+            <a:endParaRPr lang="en-US" sz="2000" dirty="0" smtClean="0"/>
+          </a:p>
+        </p:txBody>
+      </p:sp>
+      <p:sp>
+        <p:nvSpPr>
+          <p:cNvPr id="207" name="TextBox 206"/>
+          <p:cNvSpPr txBox="1"/>
+          <p:nvPr/>
+        </p:nvSpPr>
+        <p:spPr>
+          <a:xfrm>
+            <a:off x="23233523" y="20123107"/>
+            <a:ext cx="9525000" cy="3970318"/>
+          </a:xfrm>
+          <a:prstGeom prst="rect">
+            <a:avLst/>
+          </a:prstGeom>
+          <a:noFill/>
+        </p:spPr>
+        <p:txBody>
+          <a:bodyPr wrap="square" rtlCol="0">
+            <a:spAutoFit/>
+          </a:bodyPr>
+          <a:lstStyle/>
+          <a:p>
+            <a:r>
+              <a:rPr lang="en-US" sz="3200" b="1" dirty="0" smtClean="0"/>
+              <a:t>Future Work</a:t>
+            </a:r>
+          </a:p>
+          <a:p>
+            <a:pPr marL="342900" indent="-342900">
+              <a:buFont typeface="Arial" panose="020B0604020202020204" pitchFamily="34" charset="0"/>
+              <a:buChar char="•"/>
+            </a:pPr>
+            <a:r>
+              <a:rPr lang="en-US" sz="2000" dirty="0" smtClean="0"/>
+              <a:t>Controlling the robot with a cellphone application</a:t>
+            </a:r>
+          </a:p>
+          <a:p>
+            <a:pPr marL="342900" indent="-342900">
+              <a:buFont typeface="Arial" panose="020B0604020202020204" pitchFamily="34" charset="0"/>
+              <a:buChar char="•"/>
+            </a:pPr>
+            <a:r>
+              <a:rPr lang="en-US" sz="2000" dirty="0" smtClean="0"/>
+              <a:t>Integrating gyroscopes and force sensors to determine real time stability</a:t>
+            </a:r>
+          </a:p>
+          <a:p>
+            <a:pPr marL="342900" indent="-342900">
+              <a:buFont typeface="Arial" panose="020B0604020202020204" pitchFamily="34" charset="0"/>
+              <a:buChar char="•"/>
+            </a:pPr>
+            <a:r>
+              <a:rPr lang="en-US" sz="2000" dirty="0" smtClean="0"/>
+              <a:t>Foot trajectory optimization</a:t>
+            </a:r>
+          </a:p>
+          <a:p>
+            <a:pPr marL="342900" indent="-342900">
+              <a:buFont typeface="Arial" panose="020B0604020202020204" pitchFamily="34" charset="0"/>
+              <a:buChar char="•"/>
+            </a:pPr>
+            <a:r>
+              <a:rPr lang="en-US" sz="2000" dirty="0" smtClean="0"/>
+              <a:t>Mechanical design optimizations</a:t>
+            </a:r>
+          </a:p>
+          <a:p>
+            <a:pPr marL="342900" indent="-342900">
+              <a:buFont typeface="Arial" panose="020B0604020202020204" pitchFamily="34" charset="0"/>
+              <a:buChar char="•"/>
+            </a:pPr>
+            <a:r>
+              <a:rPr lang="en-US" sz="2000" dirty="0" smtClean="0"/>
+              <a:t>Implementation of dynamically stable but statically unstable gaits</a:t>
+            </a:r>
+            <a:endParaRPr lang="en-US" sz="2000" dirty="0"/>
+          </a:p>
+          <a:p>
+            <a:pPr marL="342900" indent="-342900">
+              <a:buFont typeface="Arial" panose="020B0604020202020204" pitchFamily="34" charset="0"/>
+              <a:buChar char="•"/>
+            </a:pPr>
+            <a:r>
+              <a:rPr lang="en-US" sz="2000" dirty="0" smtClean="0"/>
+              <a:t>CAN network development</a:t>
+            </a:r>
+          </a:p>
+          <a:p>
+            <a:pPr marL="342900" indent="-342900">
+              <a:buFont typeface="Arial" panose="020B0604020202020204" pitchFamily="34" charset="0"/>
+              <a:buChar char="•"/>
+            </a:pPr>
+            <a:r>
+              <a:rPr lang="en-US" sz="2000" dirty="0" smtClean="0"/>
+              <a:t>Air supply mounting on robot chassis</a:t>
+            </a:r>
+          </a:p>
+          <a:p>
+            <a:pPr marL="342900" indent="-342900">
+              <a:buFont typeface="Arial" panose="020B0604020202020204" pitchFamily="34" charset="0"/>
+              <a:buChar char="•"/>
+            </a:pPr>
+            <a:r>
+              <a:rPr lang="en-US" sz="2000" dirty="0" smtClean="0"/>
+              <a:t>External disturbance resistance</a:t>
+            </a:r>
+          </a:p>
+          <a:p>
+            <a:pPr marL="342900" indent="-342900">
+              <a:buFont typeface="Arial" panose="020B0604020202020204" pitchFamily="34" charset="0"/>
+              <a:buChar char="•"/>
+            </a:pPr>
+            <a:r>
+              <a:rPr lang="en-US" sz="2000" dirty="0" smtClean="0"/>
+              <a:t>Feed forward control design and implementation</a:t>
+            </a:r>
+          </a:p>
+          <a:p>
+            <a:pPr marL="342900" indent="-342900">
+              <a:buFont typeface="Arial" panose="020B0604020202020204" pitchFamily="34" charset="0"/>
+              <a:buChar char="•"/>
+            </a:pPr>
+            <a:r>
+              <a:rPr lang="en-US" sz="2000" dirty="0" smtClean="0"/>
+              <a:t>Autonomous navigation</a:t>
+            </a:r>
+          </a:p>
+          <a:p>
+            <a:pPr marL="342900" indent="-342900">
+              <a:buFont typeface="Arial" panose="020B0604020202020204" pitchFamily="34" charset="0"/>
+              <a:buChar char="•"/>
+            </a:pPr>
+            <a:r>
+              <a:rPr lang="en-US" sz="2000" dirty="0" smtClean="0"/>
+              <a:t>Embedded valve driver creation</a:t>
+            </a:r>
+          </a:p>
+        </p:txBody>
+      </p:sp>
+      <p:sp>
+        <p:nvSpPr>
+          <p:cNvPr id="209" name="TextBox 208"/>
+          <p:cNvSpPr txBox="1"/>
+          <p:nvPr/>
+        </p:nvSpPr>
+        <p:spPr>
+          <a:xfrm>
+            <a:off x="531101" y="7620000"/>
+            <a:ext cx="9525000" cy="1815882"/>
+          </a:xfrm>
+          <a:prstGeom prst="rect">
+            <a:avLst/>
+          </a:prstGeom>
+          <a:noFill/>
+        </p:spPr>
+        <p:txBody>
+          <a:bodyPr wrap="square" rtlCol="0">
+            <a:spAutoFit/>
+          </a:bodyPr>
+          <a:lstStyle/>
+          <a:p>
+            <a:pPr lvl="0"/>
+            <a:r>
+              <a:rPr lang="en-US" sz="3200" b="1" dirty="0" smtClean="0"/>
+              <a:t>Objective</a:t>
+            </a:r>
+            <a:endParaRPr lang="en-US" sz="3200" b="1" dirty="0" smtClean="0"/>
+          </a:p>
+          <a:p>
+            <a:r>
+              <a:rPr lang="en-US" sz="2000" dirty="0" smtClean="0"/>
+              <a:t>To address the existing challenges an educational robotics platform was developed to increase student interest in STEM fields, fluid power, and robotics through outreach opportunities, laboratory exercises, and research experiences.</a:t>
+            </a:r>
+            <a:endParaRPr lang="en-US" sz="2000" dirty="0"/>
+          </a:p>
+          <a:p>
+            <a:endParaRPr lang="en-US" sz="2000" dirty="0"/>
+          </a:p>
+        </p:txBody>
+      </p:sp>
+      <p:grpSp>
+        <p:nvGrpSpPr>
+          <p:cNvPr id="173" name="Group 172"/>
+          <p:cNvGrpSpPr/>
+          <p:nvPr/>
+        </p:nvGrpSpPr>
+        <p:grpSpPr>
+          <a:xfrm>
+            <a:off x="10972800" y="22479000"/>
+            <a:ext cx="9784080" cy="4962315"/>
+            <a:chOff x="10972800" y="22479000"/>
+            <a:chExt cx="9784080" cy="4962315"/>
+          </a:xfrm>
+        </p:grpSpPr>
+        <p:grpSp>
+          <p:nvGrpSpPr>
+            <p:cNvPr id="1044" name="Group 1043"/>
+            <p:cNvGrpSpPr/>
+            <p:nvPr/>
+          </p:nvGrpSpPr>
+          <p:grpSpPr>
+            <a:xfrm>
+              <a:off x="10972800" y="22479000"/>
+              <a:ext cx="9555480" cy="4239483"/>
+              <a:chOff x="11186160" y="21889790"/>
+              <a:chExt cx="9555480" cy="4239483"/>
+            </a:xfrm>
+          </p:grpSpPr>
+          <p:pic>
+            <p:nvPicPr>
+              <p:cNvPr id="105" name="Picture 104" descr="D:\MyDocs\Desktop\Gaits.png"/>
+              <p:cNvPicPr/>
+              <p:nvPr/>
+            </p:nvPicPr>
+            <p:blipFill>
+              <a:blip r:embed="rId13">
+                <a:extLst>
+                  <a:ext uri="{28A0092B-C50C-407E-A947-70E740481C1C}">
+                    <a14:useLocalDpi xmlns:a14="http://schemas.microsoft.com/office/drawing/2010/main" val="0"/>
+                  </a:ext>
+                </a:extLst>
+              </a:blip>
+              <a:srcRect/>
+              <a:stretch>
+                <a:fillRect/>
+              </a:stretch>
+            </p:blipFill>
+            <p:spPr bwMode="auto">
+              <a:xfrm>
+                <a:off x="11201400" y="22726385"/>
+                <a:ext cx="9540240" cy="3402888"/>
+              </a:xfrm>
+              <a:prstGeom prst="rect">
+                <a:avLst/>
+              </a:prstGeom>
+              <a:noFill/>
+              <a:ln>
+                <a:noFill/>
+              </a:ln>
+            </p:spPr>
+          </p:pic>
+          <p:sp>
+            <p:nvSpPr>
+              <p:cNvPr id="152" name="TextBox 151"/>
+              <p:cNvSpPr txBox="1"/>
+              <p:nvPr/>
+            </p:nvSpPr>
+            <p:spPr>
+              <a:xfrm>
+                <a:off x="11186160" y="21889790"/>
+                <a:ext cx="9540240" cy="707886"/>
+              </a:xfrm>
+              <a:prstGeom prst="rect">
+                <a:avLst/>
+              </a:prstGeom>
+              <a:noFill/>
+            </p:spPr>
+            <p:txBody>
+              <a:bodyPr wrap="square" rtlCol="0">
+                <a:spAutoFit/>
+              </a:bodyPr>
+              <a:lstStyle/>
+              <a:p>
+                <a:r>
+                  <a:rPr lang="en-US" sz="2000" dirty="0"/>
+                  <a:t>The four gaits examined during the project were drag, creep, and walk. A diagram of leg actuations can be seen below for each gait</a:t>
+                </a:r>
+                <a:r>
+                  <a:rPr lang="en-US" sz="2000" dirty="0" smtClean="0"/>
+                  <a:t>:</a:t>
+                </a:r>
+                <a:endParaRPr lang="en-US" sz="2000" dirty="0"/>
+              </a:p>
+            </p:txBody>
+          </p:sp>
         </p:grpSp>
         <p:sp>
           <p:nvSpPr>
-            <p:cNvPr id="29" name="TextBox 28"/>
+            <p:cNvPr id="211" name="TextBox 210"/>
             <p:cNvSpPr txBox="1"/>
             <p:nvPr/>
           </p:nvSpPr>
           <p:spPr>
             <a:xfrm>
-              <a:off x="23698200" y="8118960"/>
-              <a:ext cx="8763000" cy="338554"/>
+              <a:off x="11247120" y="26856540"/>
+              <a:ext cx="9509760" cy="584775"/>
             </a:xfrm>
             <a:prstGeom prst="rect">
               <a:avLst/>
@@ -6448,191 +8743,15 @@
             </a:bodyPr>
             <a:lstStyle/>
             <a:p>
-              <a:pPr algn="ctr"/>
               <a:r>
                 <a:rPr lang="en-US" sz="1600" dirty="0" smtClean="0"/>
-                <a:t>High </a:t>
-              </a:r>
-              <a:r>
-                <a:rPr lang="en-US" sz="1600" dirty="0" smtClean="0"/>
-                <a:t>Level </a:t>
-              </a:r>
-              <a:r>
-                <a:rPr lang="en-US" sz="1600" dirty="0" smtClean="0"/>
-                <a:t>Communication </a:t>
-              </a:r>
-              <a:r>
-                <a:rPr lang="en-US" sz="1600" dirty="0" smtClean="0"/>
-                <a:t>System Diagram</a:t>
+                <a:t>Three slow gait patterns for a four legged robot. The drag and creep gait involve moving a single leg, and are statically stable. The walk gait involves moving two legs at once, and is dynamically stable.</a:t>
               </a:r>
               <a:endParaRPr lang="en-US" sz="1600" dirty="0"/>
             </a:p>
           </p:txBody>
         </p:sp>
       </p:grpSp>
-      <p:grpSp>
-        <p:nvGrpSpPr>
-          <p:cNvPr id="100" name="Group 99"/>
-          <p:cNvGrpSpPr/>
-          <p:nvPr/>
-        </p:nvGrpSpPr>
-        <p:grpSpPr>
-          <a:xfrm>
-            <a:off x="23797047" y="12787537"/>
-            <a:ext cx="7944709" cy="3383011"/>
-            <a:chOff x="23670735" y="10834472"/>
-            <a:chExt cx="7944709" cy="3383011"/>
-          </a:xfrm>
-        </p:grpSpPr>
-        <p:pic>
-          <p:nvPicPr>
-            <p:cNvPr id="101" name="Content Placeholder 3"/>
-            <p:cNvPicPr>
-              <a:picLocks noChangeAspect="1"/>
-            </p:cNvPicPr>
-            <p:nvPr/>
-          </p:nvPicPr>
-          <p:blipFill rotWithShape="1">
-            <a:blip r:embed="rId12"/>
-            <a:srcRect b="49539"/>
-            <a:stretch/>
-          </p:blipFill>
-          <p:spPr>
-            <a:xfrm>
-              <a:off x="23673339" y="10834472"/>
-              <a:ext cx="7942105" cy="2195728"/>
-            </a:xfrm>
-            <a:prstGeom prst="rect">
-              <a:avLst/>
-            </a:prstGeom>
-          </p:spPr>
-        </p:pic>
-        <p:pic>
-          <p:nvPicPr>
-            <p:cNvPr id="102" name="Content Placeholder 3"/>
-            <p:cNvPicPr>
-              <a:picLocks noChangeAspect="1"/>
-            </p:cNvPicPr>
-            <p:nvPr/>
-          </p:nvPicPr>
-          <p:blipFill rotWithShape="1">
-            <a:blip r:embed="rId12"/>
-            <a:srcRect t="72715"/>
-            <a:stretch/>
-          </p:blipFill>
-          <p:spPr>
-            <a:xfrm>
-              <a:off x="23670735" y="13030200"/>
-              <a:ext cx="7942105" cy="1187283"/>
-            </a:xfrm>
-            <a:prstGeom prst="rect">
-              <a:avLst/>
-            </a:prstGeom>
-          </p:spPr>
-        </p:pic>
-      </p:grpSp>
-      <p:sp>
-        <p:nvSpPr>
-          <p:cNvPr id="104" name="TextBox 103"/>
-          <p:cNvSpPr txBox="1"/>
-          <p:nvPr/>
-        </p:nvSpPr>
-        <p:spPr>
-          <a:xfrm>
-            <a:off x="23386599" y="15966974"/>
-            <a:ext cx="8763000" cy="338554"/>
-          </a:xfrm>
-          <a:prstGeom prst="rect">
-            <a:avLst/>
-          </a:prstGeom>
-          <a:noFill/>
-        </p:spPr>
-        <p:txBody>
-          <a:bodyPr wrap="square" rtlCol="0">
-            <a:spAutoFit/>
-          </a:bodyPr>
-          <a:lstStyle/>
-          <a:p>
-            <a:pPr algn="ctr"/>
-            <a:r>
-              <a:rPr lang="en-US" sz="1600" dirty="0" smtClean="0"/>
-              <a:t>Control </a:t>
-            </a:r>
-            <a:r>
-              <a:rPr lang="en-US" sz="1600" dirty="0"/>
-              <a:t>S</a:t>
-            </a:r>
-            <a:r>
-              <a:rPr lang="en-US" sz="1600" dirty="0" smtClean="0"/>
-              <a:t>ubsystem For a Single Leg</a:t>
-            </a:r>
-            <a:endParaRPr lang="en-US" sz="1600" dirty="0"/>
-          </a:p>
-        </p:txBody>
-      </p:sp>
-      <p:sp>
-        <p:nvSpPr>
-          <p:cNvPr id="19" name="TextBox 18"/>
-          <p:cNvSpPr txBox="1"/>
-          <p:nvPr/>
-        </p:nvSpPr>
-        <p:spPr>
-          <a:xfrm>
-            <a:off x="318432" y="18721159"/>
-            <a:ext cx="9740014" cy="6555641"/>
-          </a:xfrm>
-          <a:prstGeom prst="rect">
-            <a:avLst/>
-          </a:prstGeom>
-          <a:noFill/>
-        </p:spPr>
-        <p:txBody>
-          <a:bodyPr wrap="square" rtlCol="0">
-            <a:spAutoFit/>
-          </a:bodyPr>
-          <a:lstStyle/>
-          <a:p>
-            <a:r>
-              <a:rPr lang="en-US" sz="2000" dirty="0" smtClean="0"/>
-              <a:t>The electronics of the robot are separated into subsystems. The communication subsystem, microcontroller subsystem, motherboard subsystem, and debug panel subsystem. The communication subsystem interfaces a user controlled computer with the Arduino microcontroller using </a:t>
-            </a:r>
-            <a:r>
-              <a:rPr lang="en-US" sz="2000" dirty="0" err="1" smtClean="0"/>
-              <a:t>Xbee</a:t>
-            </a:r>
-            <a:r>
-              <a:rPr lang="en-US" sz="2000" dirty="0" smtClean="0"/>
-              <a:t> modules. The microcontroller subsystem includes the microcontroller, </a:t>
-            </a:r>
-            <a:r>
-              <a:rPr lang="en-US" sz="2000" dirty="0" err="1" smtClean="0"/>
-              <a:t>Xbee</a:t>
-            </a:r>
-            <a:r>
-              <a:rPr lang="en-US" sz="2000" dirty="0" smtClean="0"/>
-              <a:t> shield, and battery supply for the microcontroller. This microcontroller battery supply is implemented as a standard replaceable 9 volt battery. The motherboard subsystem handles to signal conditioning for the command and feedback signals.</a:t>
-            </a:r>
-          </a:p>
-          <a:p>
-            <a:endParaRPr lang="en-US" sz="2000" dirty="0" smtClean="0"/>
-          </a:p>
-          <a:p>
-            <a:r>
-              <a:rPr lang="en-US" sz="2000" dirty="0" smtClean="0"/>
-              <a:t>The microcontroller uses a pulse width modulated signal with a varying duty cycle to indicate an open or close command to each of the eight pneumatic valves. The motherboard’s signal conditioning hardware includes a third order active low pass filter to convert the pulse width modulated signal into an analog signal. This analog signal is then scaled by another amplifier circuit to the proper magnitude for the pneumatic valve. The current extension of the pneumatic cylinder is reported as feedback to the microcontroller. This feedback signal passes through an analog filter to scale down the voltage for the Arduino.</a:t>
-            </a:r>
-          </a:p>
-          <a:p>
-            <a:endParaRPr lang="en-US" sz="2000" dirty="0"/>
-          </a:p>
-          <a:p>
-            <a:r>
-              <a:rPr lang="en-US" sz="2000" dirty="0" smtClean="0"/>
-              <a:t>A debug panel is included to provide electrical access to the command and feedback signals to and from the pneumatic cylinder. Additionally the debug panel has a toggle switch for the microcontroller battery, status LEDs, battery level LEDs, and an emergency stop a higher power battery bank that powers the pneumatic valves.</a:t>
-            </a:r>
-          </a:p>
-        </p:txBody>
-      </p:sp>
     </p:spTree>
     <p:extLst>
       <p:ext uri="{BB962C8B-B14F-4D97-AF65-F5344CB8AC3E}">

--- a/Documentation/Design Show Poster/Senior Design Show Poster.pptx
+++ b/Documentation/Design Show Poster/Senior Design Show Poster.pptx
@@ -106,7 +106,7 @@
   </p:defaultTextStyle>
   <p:extLst>
     <p:ext uri="{EFAFB233-063F-42B5-8137-9DF3F51BA10A}">
-      <p15:sldGuideLst xmlns:p15="http://schemas.microsoft.com/office/powerpoint/2012/main">
+      <p15:sldGuideLst xmlns:p15="http://schemas.microsoft.com/office/powerpoint/2012/main" xmlns="">
         <p15:guide id="1" orient="horz" pos="9216">
           <p15:clr>
             <a:srgbClr val="A4A3A4"/>
@@ -3124,8 +3124,8 @@
         </p:nvSpPr>
         <p:spPr>
           <a:xfrm>
-            <a:off x="11201400" y="3886200"/>
-            <a:ext cx="9525000" cy="4585871"/>
+            <a:off x="11183442" y="3790124"/>
+            <a:ext cx="9525000" cy="5632311"/>
           </a:xfrm>
           <a:prstGeom prst="rect">
             <a:avLst/>
@@ -3141,8 +3141,16 @@
             <a:pPr lvl="0"/>
             <a:r>
               <a:rPr lang="en-US" sz="3200" b="1" dirty="0" smtClean="0"/>
-              <a:t>Design Constraints/Criteria</a:t>
-            </a:r>
+              <a:t>Design Criteria and Constraints</a:t>
+            </a:r>
+          </a:p>
+          <a:p>
+            <a:pPr lvl="0"/>
+            <a:r>
+              <a:rPr lang="en-US" sz="2000" b="1" dirty="0" smtClean="0"/>
+              <a:t>Mechanical</a:t>
+            </a:r>
+            <a:endParaRPr lang="en-US" sz="2000" b="1" dirty="0" smtClean="0"/>
           </a:p>
           <a:p>
             <a:pPr marL="342900" lvl="0" indent="-342900">
@@ -3155,7 +3163,11 @@
             </a:r>
             <a:r>
               <a:rPr lang="en-US" sz="2000" dirty="0"/>
-              <a:t>maximum weight of 35 kg for portability</a:t>
+              <a:t>maximum weight of 35 kg for </a:t>
+            </a:r>
+            <a:r>
+              <a:rPr lang="en-US" sz="2000" dirty="0" smtClean="0"/>
+              <a:t>portability</a:t>
             </a:r>
           </a:p>
           <a:p>
@@ -3164,9 +3176,10 @@
               <a:buChar char="•"/>
             </a:pPr>
             <a:r>
-              <a:rPr lang="en-US" sz="2000" dirty="0"/>
-              <a:t>Maximum size of 0.75 m x 0.75 m x 1.0 m box for portability</a:t>
-            </a:r>
+              <a:rPr lang="en-US" sz="2000" dirty="0" smtClean="0"/>
+              <a:t>Maximum speed of 0.5 m/s</a:t>
+            </a:r>
+            <a:endParaRPr lang="en-US" sz="2000" dirty="0"/>
           </a:p>
           <a:p>
             <a:pPr marL="342900" lvl="0" indent="-342900">
@@ -3175,8 +3188,27 @@
             </a:pPr>
             <a:r>
               <a:rPr lang="en-US" sz="2000" dirty="0"/>
-              <a:t>Custom debug panel creation to facilitate troubleshooting</a:t>
-            </a:r>
+              <a:t>Maximum size of 0.75 m x 0.75 m x 1.0 m box for </a:t>
+            </a:r>
+            <a:r>
+              <a:rPr lang="en-US" sz="2000" dirty="0" smtClean="0"/>
+              <a:t>portability</a:t>
+            </a:r>
+          </a:p>
+          <a:p>
+            <a:pPr marL="342900" indent="-342900">
+              <a:buFont typeface="Arial" panose="020B0604020202020204" pitchFamily="34" charset="0"/>
+              <a:buChar char="•"/>
+            </a:pPr>
+            <a:r>
+              <a:rPr lang="en-US" sz="2000" dirty="0"/>
+              <a:t>Mechanical protection to reduce the risk of pinching and self-collision damage to the </a:t>
+            </a:r>
+            <a:r>
+              <a:rPr lang="en-US" sz="2000" dirty="0" smtClean="0"/>
+              <a:t>robot</a:t>
+            </a:r>
+            <a:endParaRPr lang="en-US" sz="2000" dirty="0"/>
           </a:p>
           <a:p>
             <a:pPr marL="342900" lvl="0" indent="-342900">
@@ -3184,9 +3216,39 @@
               <a:buChar char="•"/>
             </a:pPr>
             <a:r>
+              <a:rPr lang="en-US" sz="2000" dirty="0" smtClean="0"/>
+              <a:t>MATLAB </a:t>
+            </a:r>
+            <a:r>
               <a:rPr lang="en-US" sz="2000" dirty="0"/>
-              <a:t>MATLAB and Simulink model support to allow mechanical engineering students to update control algorithms without knowledge of C/C++</a:t>
-            </a:r>
+              <a:t>and Simulink model support to allow mechanical engineering students to update control algorithms without knowledge of C/C</a:t>
+            </a:r>
+            <a:r>
+              <a:rPr lang="en-US" sz="2000" dirty="0" smtClean="0"/>
+              <a:t>++</a:t>
+            </a:r>
+          </a:p>
+          <a:p>
+            <a:pPr marL="342900" indent="-342900">
+              <a:buFont typeface="Arial" panose="020B0604020202020204" pitchFamily="34" charset="0"/>
+              <a:buChar char="•"/>
+            </a:pPr>
+            <a:r>
+              <a:rPr lang="en-US" sz="2000" dirty="0"/>
+              <a:t>A pressure relief valve to reduce the risk of overloading and damaging pneumatic </a:t>
+            </a:r>
+            <a:r>
+              <a:rPr lang="en-US" sz="2000" dirty="0" smtClean="0"/>
+              <a:t>components</a:t>
+            </a:r>
+            <a:endParaRPr lang="en-US" sz="2000" dirty="0" smtClean="0"/>
+          </a:p>
+          <a:p>
+            <a:r>
+              <a:rPr lang="en-US" sz="2000" b="1" dirty="0" smtClean="0"/>
+              <a:t>Electrical</a:t>
+            </a:r>
+            <a:endParaRPr lang="en-US" sz="2000" dirty="0"/>
           </a:p>
           <a:p>
             <a:pPr marL="342900" lvl="0" indent="-342900">
@@ -3195,8 +3257,27 @@
             </a:pPr>
             <a:r>
               <a:rPr lang="en-US" sz="2000" dirty="0"/>
-              <a:t>Electronic fuses and shielding to protect the robot and operator during use and maintenance</a:t>
-            </a:r>
+              <a:t>Electronic fuses and shielding to protect the robot and operator during use and </a:t>
+            </a:r>
+            <a:r>
+              <a:rPr lang="en-US" sz="2000" dirty="0" smtClean="0"/>
+              <a:t>maintenance</a:t>
+            </a:r>
+          </a:p>
+          <a:p>
+            <a:pPr marL="342900" indent="-342900">
+              <a:buFont typeface="Arial" panose="020B0604020202020204" pitchFamily="34" charset="0"/>
+              <a:buChar char="•"/>
+            </a:pPr>
+            <a:r>
+              <a:rPr lang="en-US" sz="2000" dirty="0"/>
+              <a:t>Custom debug panel creation to facilitate </a:t>
+            </a:r>
+            <a:r>
+              <a:rPr lang="en-US" sz="2000" dirty="0" smtClean="0"/>
+              <a:t>troubleshooting</a:t>
+            </a:r>
+            <a:endParaRPr lang="en-US" sz="2000" dirty="0"/>
           </a:p>
           <a:p>
             <a:pPr marL="342900" lvl="0" indent="-342900">
@@ -3204,28 +3285,12 @@
               <a:buChar char="•"/>
             </a:pPr>
             <a:r>
+              <a:rPr lang="en-US" sz="2000" dirty="0" smtClean="0"/>
+              <a:t>An </a:t>
+            </a:r>
+            <a:r>
               <a:rPr lang="en-US" sz="2000" dirty="0"/>
-              <a:t>Mechanical protection to reduce the risk of pinching and self-collision damage to the robot</a:t>
-            </a:r>
-          </a:p>
-          <a:p>
-            <a:pPr marL="342900" lvl="0" indent="-342900">
-              <a:buFont typeface="Arial" panose="020B0604020202020204" pitchFamily="34" charset="0"/>
-              <a:buChar char="•"/>
-            </a:pPr>
-            <a:r>
-              <a:rPr lang="en-US" sz="2000" dirty="0"/>
-              <a:t>An easy to access emergency stop to quickly depower the robot</a:t>
-            </a:r>
-          </a:p>
-          <a:p>
-            <a:pPr marL="342900" lvl="0" indent="-342900">
-              <a:buFont typeface="Arial" panose="020B0604020202020204" pitchFamily="34" charset="0"/>
-              <a:buChar char="•"/>
-            </a:pPr>
-            <a:r>
-              <a:rPr lang="en-US" sz="2000" dirty="0"/>
-              <a:t>A pressure relief valve to reduce the risk of overloading and damaging pneumatic components</a:t>
+              <a:t>easy to access emergency stop to quickly depower the robot</a:t>
             </a:r>
           </a:p>
           <a:p>
@@ -3264,11 +3329,7 @@
           <a:p>
             <a:r>
               <a:rPr lang="en-US" sz="2000" dirty="0" smtClean="0"/>
-              <a:t>Recently there has been a decline in interest and proficiency related to science, technology, engineering, and mathematics (STEM) fields. According to a 2013 survey by Junior Achievement USA, 46% of US teenagers showed interest in pursuing a STEM or medical related career, which was a 15% decrease from previous years. In addition there is a huge deficit </a:t>
-            </a:r>
-            <a:r>
-              <a:rPr lang="en-US" sz="2000" dirty="0" smtClean="0"/>
-              <a:t>of fluid power engineers in the United States with only 1% of Universities with engineering programs teaching a fluid power concentration. It has also been shown by a study conducted at the University of Nebraska that introducing students to topics in robotics not only improves their attitude towards STEM topics, but also increase their self-efficacy of topics within robotics.</a:t>
+              <a:t>Recently there has been a decline in interest and proficiency related to science, technology, engineering, and mathematics (STEM) fields. According to a 2013 survey by Junior Achievement USA, 46% of US teenagers showed interest in pursuing a STEM or medical related career, which was a 15% decrease from previous years. In addition there is a huge deficit of fluid power engineers in the United States with only 1% of Universities with engineering programs teaching a fluid power concentration. It has also been shown by a study conducted at the University of Nebraska that introducing students to topics in robotics not only improves their attitude towards STEM topics, but also increase their self-efficacy of topics within robotics.</a:t>
             </a:r>
             <a:endParaRPr lang="en-US" sz="2000" dirty="0"/>
           </a:p>
@@ -3298,8 +3359,13 @@
           <a:p>
             <a:r>
               <a:rPr lang="en-US" sz="3200" b="1" dirty="0" smtClean="0"/>
-              <a:t>Mechanical Design</a:t>
-            </a:r>
+              <a:t>Mechanical </a:t>
+            </a:r>
+            <a:r>
+              <a:rPr lang="en-US" sz="3200" b="1" dirty="0" smtClean="0"/>
+              <a:t>Design of Chassis</a:t>
+            </a:r>
+            <a:endParaRPr lang="en-US" sz="3200" b="1" dirty="0" smtClean="0"/>
           </a:p>
           <a:p>
             <a:r>
@@ -3485,7 +3551,7 @@
         </p:nvSpPr>
         <p:spPr>
           <a:xfrm>
-            <a:off x="11216640" y="8469510"/>
+            <a:off x="11201400" y="9067052"/>
             <a:ext cx="9525000" cy="4401205"/>
           </a:xfrm>
           <a:prstGeom prst="rect">
@@ -3501,8 +3567,13 @@
           <a:p>
             <a:r>
               <a:rPr lang="en-US" sz="3200" b="1" dirty="0" smtClean="0"/>
-              <a:t>Pneumatic Design</a:t>
-            </a:r>
+              <a:t>Leg Pneumatic </a:t>
+            </a:r>
+            <a:r>
+              <a:rPr lang="en-US" sz="3200" b="1" dirty="0" smtClean="0"/>
+              <a:t>Circuit</a:t>
+            </a:r>
+            <a:endParaRPr lang="en-US" sz="3200" b="1" dirty="0" smtClean="0"/>
           </a:p>
           <a:p>
             <a:r>
@@ -3596,39 +3667,6 @@
           </a:p>
         </p:txBody>
       </p:sp>
-      <p:pic>
-        <p:nvPicPr>
-          <p:cNvPr id="16" name="Picture 15" descr="D:\MyDocs\Documents\Senior Design Git\AgileRoboticControls\System Modelling\Mechanical\Pneumatics\Sample Circuit.png"/>
-          <p:cNvPicPr/>
-          <p:nvPr/>
-        </p:nvPicPr>
-        <p:blipFill>
-          <a:blip r:embed="rId5">
-            <a:extLst>
-              <a:ext uri="{28A0092B-C50C-407E-A947-70E740481C1C}">
-                <a14:useLocalDpi xmlns:a14="http://schemas.microsoft.com/office/drawing/2010/main" val="0"/>
-              </a:ext>
-            </a:extLst>
-          </a:blip>
-          <a:srcRect/>
-          <a:stretch>
-            <a:fillRect/>
-          </a:stretch>
-        </p:blipFill>
-        <p:spPr bwMode="auto">
-          <a:xfrm>
-            <a:off x="12256770" y="11762609"/>
-            <a:ext cx="7444740" cy="3139440"/>
-          </a:xfrm>
-          <a:prstGeom prst="rect">
-            <a:avLst/>
-          </a:prstGeom>
-          <a:noFill/>
-          <a:ln>
-            <a:noFill/>
-          </a:ln>
-        </p:spPr>
-      </p:pic>
       <p:pic>
         <p:nvPicPr>
           <p:cNvPr id="17" name="Picture 16"/>
@@ -3636,7 +3674,7 @@
           <p:nvPr/>
         </p:nvPicPr>
         <p:blipFill>
-          <a:blip r:embed="rId6" cstate="print">
+          <a:blip r:embed="rId5" cstate="print">
             <a:extLst>
               <a:ext uri="{28A0092B-C50C-407E-A947-70E740481C1C}">
                 <a14:useLocalDpi xmlns:a14="http://schemas.microsoft.com/office/drawing/2010/main" val="0"/>
@@ -3766,7 +3804,7 @@
             <p:nvPr/>
           </p:nvPicPr>
           <p:blipFill>
-            <a:blip r:embed="rId7">
+            <a:blip r:embed="rId6">
               <a:extLst>
                 <a:ext uri="{28A0092B-C50C-407E-A947-70E740481C1C}">
                   <a14:useLocalDpi xmlns:a14="http://schemas.microsoft.com/office/drawing/2010/main" val="0"/>
@@ -3830,7 +3868,7 @@
             <p:nvPr/>
           </p:nvPicPr>
           <p:blipFill>
-            <a:blip r:embed="rId8" cstate="print">
+            <a:blip r:embed="rId7" cstate="print">
               <a:extLst>
                 <a:ext uri="{28A0092B-C50C-407E-A947-70E740481C1C}">
                   <a14:useLocalDpi xmlns:a14="http://schemas.microsoft.com/office/drawing/2010/main" val="0"/>
@@ -3860,7 +3898,7 @@
             <p:nvPr/>
           </p:nvPicPr>
           <p:blipFill>
-            <a:blip r:embed="rId9">
+            <a:blip r:embed="rId8">
               <a:extLst>
                 <a:ext uri="{28A0092B-C50C-407E-A947-70E740481C1C}">
                   <a14:useLocalDpi xmlns:a14="http://schemas.microsoft.com/office/drawing/2010/main" val="0"/>
@@ -3890,7 +3928,7 @@
             <p:nvPr/>
           </p:nvPicPr>
           <p:blipFill>
-            <a:blip r:embed="rId10" cstate="print">
+            <a:blip r:embed="rId9" cstate="print">
               <a:extLst>
                 <a:ext uri="{28A0092B-C50C-407E-A947-70E740481C1C}">
                   <a14:useLocalDpi xmlns:a14="http://schemas.microsoft.com/office/drawing/2010/main" val="0"/>
@@ -3983,11 +4021,11 @@
           <a:p>
             <a:r>
               <a:rPr lang="en-US" sz="2800" i="1" dirty="0" smtClean="0"/>
-              <a:t>Special thanks to Joy Global, Inc., the National Fluid Power Association, </a:t>
+              <a:t>Special thanks to Joy Global, Inc., the National Fluid Power Association, Emerson, Otto </a:t>
             </a:r>
             <a:r>
               <a:rPr lang="en-US" sz="2800" i="1" dirty="0" smtClean="0"/>
-              <a:t>Emerson, Otto J </a:t>
+              <a:t>J. </a:t>
             </a:r>
             <a:r>
               <a:rPr lang="en-US" sz="2800" i="1" dirty="0" err="1" smtClean="0"/>
@@ -3995,11 +4033,7 @@
             </a:r>
             <a:r>
               <a:rPr lang="en-US" sz="2800" i="1" dirty="0" smtClean="0"/>
-              <a:t> Endowment Fund, MSOE, </a:t>
-            </a:r>
-            <a:r>
-              <a:rPr lang="en-US" sz="2800" i="1" dirty="0" smtClean="0"/>
-              <a:t>and  Dr. Luis A. Rodriguez for their support</a:t>
+              <a:t> Endowment Fund, MSOE, and  Dr. Luis A. Rodriguez for their support</a:t>
             </a:r>
             <a:endParaRPr lang="en-US" sz="2800" i="1" dirty="0"/>
           </a:p>
@@ -4013,7 +4047,7 @@
         </p:nvGrpSpPr>
         <p:grpSpPr>
           <a:xfrm>
-            <a:off x="23084207" y="3533402"/>
+            <a:off x="23055670" y="3533402"/>
             <a:ext cx="9525000" cy="6614948"/>
             <a:chOff x="23084207" y="3533402"/>
             <a:chExt cx="9525000" cy="6614948"/>
@@ -4051,7 +4085,6 @@
                 <a:rPr lang="en-US" sz="2000" dirty="0" smtClean="0"/>
                 <a:t>To control the robot the user sends a direction request to the Java Graphical User Interface (GUI), which encodes the request and wirelessly transmits it to the robot’s onboard Arduino microcontroller. The microcontroller then updates the robot’s desired foot positions based on its current state.</a:t>
               </a:r>
-              <a:endParaRPr lang="en-US" sz="2000" dirty="0" smtClean="0"/>
             </a:p>
             <a:p>
               <a:endParaRPr lang="en-US" sz="2000" dirty="0" smtClean="0"/>
@@ -5558,7 +5591,7 @@
                   <p:nvPr/>
                 </p:nvPicPr>
                 <p:blipFill rotWithShape="1">
-                  <a:blip r:embed="rId11"/>
+                  <a:blip r:embed="rId10"/>
                   <a:srcRect l="16517" t="5696" r="17632" b="12101"/>
                   <a:stretch/>
                 </p:blipFill>
@@ -6444,7 +6477,7 @@
               <p:nvPr/>
             </p:nvPicPr>
             <p:blipFill rotWithShape="1">
-              <a:blip r:embed="rId12"/>
+              <a:blip r:embed="rId11"/>
               <a:srcRect b="49539"/>
               <a:stretch/>
             </p:blipFill>
@@ -6467,7 +6500,7 @@
               <p:nvPr/>
             </p:nvPicPr>
             <p:blipFill rotWithShape="1">
-              <a:blip r:embed="rId12"/>
+              <a:blip r:embed="rId11"/>
               <a:srcRect t="72715"/>
               <a:stretch/>
             </p:blipFill>
@@ -6672,7 +6705,6 @@
                 <a:rPr lang="en-US" sz="3200" b="1" dirty="0" smtClean="0"/>
                 <a:t>Stability and Gait Development</a:t>
               </a:r>
-              <a:endParaRPr lang="en-US" sz="3200" b="1" dirty="0" smtClean="0"/>
             </a:p>
             <a:p>
               <a:r>
@@ -8429,7 +8461,6 @@
               <a:rPr lang="en-US" sz="3200" b="1" dirty="0" smtClean="0"/>
               <a:t>Conclusion</a:t>
             </a:r>
-            <a:endParaRPr lang="en-US" sz="3200" b="1" dirty="0" smtClean="0"/>
           </a:p>
           <a:p>
             <a:pPr marL="342900" indent="-342900">
@@ -8438,7 +8469,15 @@
             </a:pPr>
             <a:r>
               <a:rPr lang="en-US" sz="2000" dirty="0" smtClean="0"/>
-              <a:t>Robots are hard</a:t>
+              <a:t>Robots are </a:t>
+            </a:r>
+            <a:r>
+              <a:rPr lang="en-US" sz="2000" dirty="0" smtClean="0"/>
+              <a:t>hard. </a:t>
+            </a:r>
+            <a:r>
+              <a:rPr lang="en-US" sz="2000" dirty="0" smtClean="0"/>
+              <a:t>No, seriously.</a:t>
             </a:r>
             <a:endParaRPr lang="en-US" sz="2000" dirty="0" smtClean="0"/>
           </a:p>
@@ -8611,7 +8650,6 @@
               <a:rPr lang="en-US" sz="3200" b="1" dirty="0" smtClean="0"/>
               <a:t>Objective</a:t>
             </a:r>
-            <a:endParaRPr lang="en-US" sz="3200" b="1" dirty="0" smtClean="0"/>
           </a:p>
           <a:p>
             <a:r>
@@ -8660,7 +8698,7 @@
               <p:nvPr/>
             </p:nvPicPr>
             <p:blipFill>
-              <a:blip r:embed="rId13">
+              <a:blip r:embed="rId12">
                 <a:extLst>
                   <a:ext uri="{28A0092B-C50C-407E-A947-70E740481C1C}">
                     <a14:useLocalDpi xmlns:a14="http://schemas.microsoft.com/office/drawing/2010/main" val="0"/>
@@ -8746,6 +8784,105 @@
               <a:r>
                 <a:rPr lang="en-US" sz="1600" dirty="0" smtClean="0"/>
                 <a:t>Three slow gait patterns for a four legged robot. The drag and creep gait involve moving a single leg, and are statically stable. The walk gait involves moving two legs at once, and is dynamically stable.</a:t>
+              </a:r>
+              <a:endParaRPr lang="en-US" sz="1600" dirty="0"/>
+            </a:p>
+          </p:txBody>
+        </p:sp>
+      </p:grpSp>
+      <p:grpSp>
+        <p:nvGrpSpPr>
+          <p:cNvPr id="7" name="Group 6"/>
+          <p:cNvGrpSpPr/>
+          <p:nvPr/>
+        </p:nvGrpSpPr>
+        <p:grpSpPr>
+          <a:xfrm>
+            <a:off x="12256770" y="11832092"/>
+            <a:ext cx="7444740" cy="3559210"/>
+            <a:chOff x="12256770" y="11762609"/>
+            <a:chExt cx="7444740" cy="3559210"/>
+          </a:xfrm>
+        </p:grpSpPr>
+        <p:pic>
+          <p:nvPicPr>
+            <p:cNvPr id="16" name="Picture 15" descr="D:\MyDocs\Documents\Senior Design Git\AgileRoboticControls\System Modelling\Mechanical\Pneumatics\Sample Circuit.png"/>
+            <p:cNvPicPr/>
+            <p:nvPr/>
+          </p:nvPicPr>
+          <p:blipFill>
+            <a:blip r:embed="rId13">
+              <a:extLst>
+                <a:ext uri="{BEBA8EAE-BF5A-486C-A8C5-ECC9F3942E4B}">
+                  <a14:imgProps xmlns:a14="http://schemas.microsoft.com/office/drawing/2010/main">
+                    <a14:imgLayer r:embed="rId14">
+                      <a14:imgEffect>
+                        <a14:backgroundRemoval t="1867" b="96533" l="2541" r="97967">
+                          <a14:foregroundMark x1="4574" y1="18133" x2="95807" y2="86133"/>
+                          <a14:foregroundMark x1="97967" y1="11200" x2="2795" y2="87467"/>
+                          <a14:foregroundMark x1="3685" y1="95467" x2="24524" y2="96800"/>
+                          <a14:foregroundMark x1="20330" y1="14933" x2="57942" y2="17333"/>
+                          <a14:foregroundMark x1="60610" y1="2133" x2="82592" y2="1867"/>
+                          <a14:foregroundMark x1="75476" y1="22667" x2="62897" y2="25333"/>
+                          <a14:foregroundMark x1="74333" y1="16800" x2="81957" y2="21867"/>
+                          <a14:foregroundMark x1="63659" y1="45600" x2="79924" y2="42400"/>
+                          <a14:foregroundMark x1="73825" y1="52000" x2="66328" y2="52000"/>
+                          <a14:backgroundMark x1="762" y1="3467" x2="27319" y2="4800"/>
+                        </a14:backgroundRemoval>
+                      </a14:imgEffect>
+                    </a14:imgLayer>
+                  </a14:imgProps>
+                </a:ext>
+                <a:ext uri="{28A0092B-C50C-407E-A947-70E740481C1C}">
+                  <a14:useLocalDpi xmlns:a14="http://schemas.microsoft.com/office/drawing/2010/main" val="0"/>
+                </a:ext>
+              </a:extLst>
+            </a:blip>
+            <a:srcRect/>
+            <a:stretch>
+              <a:fillRect/>
+            </a:stretch>
+          </p:blipFill>
+          <p:spPr bwMode="auto">
+            <a:xfrm>
+              <a:off x="12256770" y="11762609"/>
+              <a:ext cx="7444740" cy="3139440"/>
+            </a:xfrm>
+            <a:prstGeom prst="rect">
+              <a:avLst/>
+            </a:prstGeom>
+            <a:noFill/>
+            <a:ln>
+              <a:noFill/>
+            </a:ln>
+          </p:spPr>
+        </p:pic>
+        <p:sp>
+          <p:nvSpPr>
+            <p:cNvPr id="6" name="TextBox 5"/>
+            <p:cNvSpPr txBox="1"/>
+            <p:nvPr/>
+          </p:nvSpPr>
+          <p:spPr>
+            <a:xfrm>
+              <a:off x="14286935" y="14983265"/>
+              <a:ext cx="3568113" cy="338554"/>
+            </a:xfrm>
+            <a:prstGeom prst="rect">
+              <a:avLst/>
+            </a:prstGeom>
+            <a:noFill/>
+          </p:spPr>
+          <p:txBody>
+            <a:bodyPr wrap="square" rtlCol="0">
+              <a:spAutoFit/>
+            </a:bodyPr>
+            <a:lstStyle/>
+            <a:p>
+              <a:pPr algn="ctr"/>
+              <a:r>
+                <a:rPr lang="en-US" sz="1600" dirty="0" smtClean="0"/>
+                <a:t>Pneumatic Circuit Diagram</a:t>
               </a:r>
               <a:endParaRPr lang="en-US" sz="1600" dirty="0"/>
             </a:p>

--- a/Documentation/Design Show Poster/Senior Design Show Poster.pptx
+++ b/Documentation/Design Show Poster/Senior Design Show Poster.pptx
@@ -106,7 +106,7 @@
   </p:defaultTextStyle>
   <p:extLst>
     <p:ext uri="{EFAFB233-063F-42B5-8137-9DF3F51BA10A}">
-      <p15:sldGuideLst xmlns:p15="http://schemas.microsoft.com/office/powerpoint/2012/main" xmlns="">
+      <p15:sldGuideLst xmlns:p15="http://schemas.microsoft.com/office/powerpoint/2012/main">
         <p15:guide id="1" orient="horz" pos="9216">
           <p15:clr>
             <a:srgbClr val="A4A3A4"/>
@@ -3124,7 +3124,7 @@
         </p:nvSpPr>
         <p:spPr>
           <a:xfrm>
-            <a:off x="11183442" y="3790124"/>
+            <a:off x="553824" y="9360834"/>
             <a:ext cx="9525000" cy="5632311"/>
           </a:xfrm>
           <a:prstGeom prst="rect">
@@ -3150,7 +3150,6 @@
               <a:rPr lang="en-US" sz="2000" b="1" dirty="0" smtClean="0"/>
               <a:t>Mechanical</a:t>
             </a:r>
-            <a:endParaRPr lang="en-US" sz="2000" b="1" dirty="0" smtClean="0"/>
           </a:p>
           <a:p>
             <a:pPr marL="342900" lvl="0" indent="-342900">
@@ -3241,7 +3240,6 @@
               <a:rPr lang="en-US" sz="2000" dirty="0" smtClean="0"/>
               <a:t>components</a:t>
             </a:r>
-            <a:endParaRPr lang="en-US" sz="2000" dirty="0" smtClean="0"/>
           </a:p>
           <a:p>
             <a:r>
@@ -3306,7 +3304,7 @@
         </p:nvSpPr>
         <p:spPr>
           <a:xfrm>
-            <a:off x="515861" y="4015554"/>
+            <a:off x="553824" y="3257398"/>
             <a:ext cx="9525000" cy="3354765"/>
           </a:xfrm>
           <a:prstGeom prst="rect">
@@ -3327,6 +3325,7 @@
             </a:r>
           </a:p>
           <a:p>
+            <a:pPr algn="just"/>
             <a:r>
               <a:rPr lang="en-US" sz="2000" dirty="0" smtClean="0"/>
               <a:t>Recently there has been a decline in interest and proficiency related to science, technology, engineering, and mathematics (STEM) fields. According to a 2013 survey by Junior Achievement USA, 46% of US teenagers showed interest in pursuing a STEM or medical related career, which was a 15% decrease from previous years. In addition there is a huge deficit of fluid power engineers in the United States with only 1% of Universities with engineering programs teaching a fluid power concentration. It has also been shown by a study conducted at the University of Nebraska that introducing students to topics in robotics not only improves their attitude towards STEM topics, but also increase their self-efficacy of topics within robotics.</a:t>
@@ -3343,7 +3342,7 @@
         </p:nvSpPr>
         <p:spPr>
           <a:xfrm>
-            <a:off x="484508" y="9563744"/>
+            <a:off x="626882" y="15324509"/>
             <a:ext cx="9525000" cy="2431435"/>
           </a:xfrm>
           <a:prstGeom prst="rect">
@@ -3359,13 +3358,8 @@
           <a:p>
             <a:r>
               <a:rPr lang="en-US" sz="3200" b="1" dirty="0" smtClean="0"/>
-              <a:t>Mechanical </a:t>
-            </a:r>
-            <a:r>
-              <a:rPr lang="en-US" sz="3200" b="1" dirty="0" smtClean="0"/>
-              <a:t>Design of Chassis</a:t>
-            </a:r>
-            <a:endParaRPr lang="en-US" sz="3200" b="1" dirty="0" smtClean="0"/>
+              <a:t>Mechanical Design of Chassis</a:t>
+            </a:r>
           </a:p>
           <a:p>
             <a:r>
@@ -3470,7 +3464,7 @@
         </p:nvGrpSpPr>
         <p:grpSpPr>
           <a:xfrm>
-            <a:off x="5580248" y="12157849"/>
+            <a:off x="2140814" y="18135867"/>
             <a:ext cx="5011552" cy="5634355"/>
             <a:chOff x="586740" y="13258800"/>
             <a:chExt cx="5943600" cy="6624955"/>
@@ -3551,7 +3545,7 @@
         </p:nvSpPr>
         <p:spPr>
           <a:xfrm>
-            <a:off x="11201400" y="9067052"/>
+            <a:off x="11088911" y="8688378"/>
             <a:ext cx="9525000" cy="4401205"/>
           </a:xfrm>
           <a:prstGeom prst="rect">
@@ -3567,13 +3561,8 @@
           <a:p>
             <a:r>
               <a:rPr lang="en-US" sz="3200" b="1" dirty="0" smtClean="0"/>
-              <a:t>Leg Pneumatic </a:t>
-            </a:r>
-            <a:r>
-              <a:rPr lang="en-US" sz="3200" b="1" dirty="0" smtClean="0"/>
-              <a:t>Circuit</a:t>
-            </a:r>
-            <a:endParaRPr lang="en-US" sz="3200" b="1" dirty="0" smtClean="0"/>
+              <a:t>Leg Pneumatic Circuit</a:t>
+            </a:r>
           </a:p>
           <a:p>
             <a:r>
@@ -3687,7 +3676,7 @@
         </p:blipFill>
         <p:spPr>
           <a:xfrm>
-            <a:off x="377001" y="12157849"/>
+            <a:off x="13934426" y="3802986"/>
             <a:ext cx="4888785" cy="4157169"/>
           </a:xfrm>
           <a:prstGeom prst="rect">
@@ -3708,8 +3697,8 @@
         </p:nvSpPr>
         <p:spPr>
           <a:xfrm>
-            <a:off x="8874369" y="135057"/>
-            <a:ext cx="16002450" cy="3631763"/>
+            <a:off x="8674258" y="247976"/>
+            <a:ext cx="18959279" cy="2985433"/>
           </a:xfrm>
           <a:prstGeom prst="rect">
             <a:avLst/>
@@ -3722,58 +3711,39 @@
           </a:bodyPr>
           <a:lstStyle/>
           <a:p>
-            <a:r>
-              <a:rPr lang="en-US" sz="5400" b="1" dirty="0"/>
+            <a:pPr algn="ctr"/>
+            <a:r>
+              <a:rPr lang="en-US" sz="6000" b="1" dirty="0"/>
               <a:t>Development of an </a:t>
             </a:r>
             <a:r>
-              <a:rPr lang="en-US" sz="5400" b="1" dirty="0" smtClean="0"/>
+              <a:rPr lang="en-US" sz="6000" b="1" dirty="0" smtClean="0"/>
               <a:t>Agile Pneumatic </a:t>
             </a:r>
             <a:r>
-              <a:rPr lang="en-US" sz="5400" b="1" dirty="0"/>
-              <a:t>Educational Robot</a:t>
-            </a:r>
-            <a:endParaRPr lang="en-US" sz="5400" dirty="0"/>
+              <a:rPr lang="en-US" sz="6000" b="1" dirty="0"/>
+              <a:t>Educational </a:t>
+            </a:r>
+            <a:r>
+              <a:rPr lang="en-US" sz="6000" b="1" dirty="0" smtClean="0"/>
+              <a:t>Robot</a:t>
+            </a:r>
+            <a:endParaRPr lang="en-US" sz="6000" dirty="0" smtClean="0"/>
           </a:p>
           <a:p>
             <a:pPr algn="ctr"/>
             <a:r>
-              <a:rPr lang="en-US" sz="4800" dirty="0"/>
-              <a:t>Team A.R.C</a:t>
-            </a:r>
-            <a:r>
-              <a:rPr lang="en-US" sz="4800" dirty="0" smtClean="0"/>
-              <a:t>.</a:t>
+              <a:rPr lang="en-US" sz="4000" dirty="0" smtClean="0"/>
+              <a:t>Team ARC: Logan Beaver, Justin Campbell, Tyler Paddock Ron Shipman</a:t>
             </a:r>
           </a:p>
           <a:p>
             <a:pPr algn="ctr"/>
             <a:r>
-              <a:rPr lang="en-US" sz="2000" dirty="0"/>
-              <a:t>Logan Beaver</a:t>
-            </a:r>
-          </a:p>
-          <a:p>
-            <a:pPr algn="ctr"/>
-            <a:r>
-              <a:rPr lang="en-US" sz="2000" dirty="0"/>
-              <a:t>Justin Campbell</a:t>
-            </a:r>
-          </a:p>
-          <a:p>
-            <a:pPr algn="ctr"/>
-            <a:r>
-              <a:rPr lang="en-US" sz="2000" dirty="0"/>
-              <a:t>Tyler Paddock</a:t>
-            </a:r>
-          </a:p>
-          <a:p>
-            <a:pPr algn="ctr"/>
-            <a:r>
-              <a:rPr lang="en-US" sz="2000" dirty="0"/>
-              <a:t>Ronald Shipman</a:t>
-            </a:r>
+              <a:rPr lang="en-US" sz="4000" dirty="0" smtClean="0"/>
+              <a:t>Milwaukee School of Engineering – Mechanical Engineering Department</a:t>
+            </a:r>
+            <a:endParaRPr lang="en-US" sz="4000" dirty="0"/>
           </a:p>
           <a:p>
             <a:pPr algn="ctr"/>
@@ -4021,11 +3991,7 @@
           <a:p>
             <a:r>
               <a:rPr lang="en-US" sz="2800" i="1" dirty="0" smtClean="0"/>
-              <a:t>Special thanks to Joy Global, Inc., the National Fluid Power Association, Emerson, Otto </a:t>
-            </a:r>
-            <a:r>
-              <a:rPr lang="en-US" sz="2800" i="1" dirty="0" smtClean="0"/>
-              <a:t>J. </a:t>
+              <a:t>Special thanks to Joy Global, Inc., the National Fluid Power Association, Emerson, Otto J. </a:t>
             </a:r>
             <a:r>
               <a:rPr lang="en-US" sz="2800" i="1" dirty="0" err="1" smtClean="0"/>
@@ -4047,7 +4013,7 @@
         </p:nvGrpSpPr>
         <p:grpSpPr>
           <a:xfrm>
-            <a:off x="23055670" y="3533402"/>
+            <a:off x="24587084" y="8677726"/>
             <a:ext cx="9525000" cy="6614948"/>
             <a:chOff x="23084207" y="3533402"/>
             <a:chExt cx="9525000" cy="6614948"/>
@@ -4081,6 +4047,7 @@
               </a:r>
             </a:p>
             <a:p>
+              <a:pPr algn="just"/>
               <a:r>
                 <a:rPr lang="en-US" sz="2000" dirty="0" smtClean="0"/>
                 <a:t>To control the robot the user sends a direction request to the Java Graphical User Interface (GUI), which encodes the request and wirelessly transmits it to the robot’s onboard Arduino microcontroller. The microcontroller then updates the robot’s desired foot positions based on its current state.</a:t>
@@ -6370,152 +6337,76 @@
           </p:sp>
         </p:grpSp>
       </p:grpSp>
-      <p:grpSp>
-        <p:nvGrpSpPr>
-          <p:cNvPr id="170" name="Group 169"/>
-          <p:cNvGrpSpPr/>
+      <p:sp>
+        <p:nvSpPr>
+          <p:cNvPr id="99" name="TextBox 98"/>
+          <p:cNvSpPr txBox="1"/>
           <p:nvPr/>
-        </p:nvGrpSpPr>
-        <p:grpSpPr>
+        </p:nvSpPr>
+        <p:spPr>
           <a:xfrm>
-            <a:off x="23233523" y="10906222"/>
-            <a:ext cx="9525000" cy="5264326"/>
-            <a:chOff x="23233523" y="10906222"/>
-            <a:chExt cx="9525000" cy="5264326"/>
+            <a:off x="24764937" y="16050546"/>
+            <a:ext cx="9525000" cy="1815882"/>
           </a:xfrm>
-        </p:grpSpPr>
-        <p:sp>
-          <p:nvSpPr>
-            <p:cNvPr id="99" name="TextBox 98"/>
-            <p:cNvSpPr txBox="1"/>
-            <p:nvPr/>
-          </p:nvSpPr>
-          <p:spPr>
-            <a:xfrm>
-              <a:off x="23233523" y="10906222"/>
-              <a:ext cx="9525000" cy="1815882"/>
-            </a:xfrm>
-            <a:prstGeom prst="rect">
-              <a:avLst/>
-            </a:prstGeom>
-            <a:noFill/>
-          </p:spPr>
-          <p:txBody>
-            <a:bodyPr wrap="square" rtlCol="0">
-              <a:spAutoFit/>
-            </a:bodyPr>
-            <a:lstStyle/>
-            <a:p>
-              <a:r>
-                <a:rPr lang="en-US" sz="3200" b="1" dirty="0" smtClean="0"/>
-                <a:t>Control Architecture: Two Link Leg</a:t>
-              </a:r>
-            </a:p>
-            <a:p>
-              <a:pPr marL="342900" indent="-342900">
-                <a:buFont typeface="Arial" panose="020B0604020202020204" pitchFamily="34" charset="0"/>
-                <a:buChar char="•"/>
-              </a:pPr>
-              <a:r>
-                <a:rPr lang="en-US" sz="2000" dirty="0" err="1" smtClean="0"/>
-                <a:t>Mathworks</a:t>
-              </a:r>
-              <a:r>
-                <a:rPr lang="en-US" sz="2000" dirty="0" smtClean="0"/>
-                <a:t> Simulink model is loaded onto the Arduino</a:t>
-              </a:r>
-            </a:p>
-            <a:p>
-              <a:pPr marL="342900" indent="-342900">
-                <a:buFont typeface="Arial" panose="020B0604020202020204" pitchFamily="34" charset="0"/>
-                <a:buChar char="•"/>
-              </a:pPr>
-              <a:r>
-                <a:rPr lang="en-US" sz="2000" dirty="0" smtClean="0"/>
-                <a:t>Utilizes PID feedback loops to control cylinder lengths</a:t>
-              </a:r>
-            </a:p>
-            <a:p>
-              <a:pPr marL="342900" indent="-342900">
-                <a:buFont typeface="Arial" panose="020B0604020202020204" pitchFamily="34" charset="0"/>
-                <a:buChar char="•"/>
-              </a:pPr>
-              <a:r>
-                <a:rPr lang="en-US" sz="2000" dirty="0" smtClean="0"/>
-                <a:t>Desired length is calculated by a state machine based on user input and current length</a:t>
-              </a:r>
-            </a:p>
-            <a:p>
-              <a:pPr marL="342900" indent="-342900">
-                <a:buFont typeface="Arial" panose="020B0604020202020204" pitchFamily="34" charset="0"/>
-                <a:buChar char="•"/>
-              </a:pPr>
-              <a:endParaRPr lang="en-US" sz="2000" dirty="0"/>
-            </a:p>
-          </p:txBody>
-        </p:sp>
-        <p:grpSp>
-          <p:nvGrpSpPr>
-            <p:cNvPr id="100" name="Group 99"/>
-            <p:cNvGrpSpPr/>
-            <p:nvPr/>
-          </p:nvGrpSpPr>
-          <p:grpSpPr>
-            <a:xfrm>
-              <a:off x="23797047" y="12787537"/>
-              <a:ext cx="7944709" cy="3383011"/>
-              <a:chOff x="23670735" y="10834472"/>
-              <a:chExt cx="7944709" cy="3383011"/>
-            </a:xfrm>
-          </p:grpSpPr>
-          <p:pic>
-            <p:nvPicPr>
-              <p:cNvPr id="101" name="Content Placeholder 3"/>
-              <p:cNvPicPr>
-                <a:picLocks noChangeAspect="1"/>
-              </p:cNvPicPr>
-              <p:nvPr/>
-            </p:nvPicPr>
-            <p:blipFill rotWithShape="1">
-              <a:blip r:embed="rId11"/>
-              <a:srcRect b="49539"/>
-              <a:stretch/>
-            </p:blipFill>
-            <p:spPr>
-              <a:xfrm>
-                <a:off x="23673339" y="10834472"/>
-                <a:ext cx="7942105" cy="2195728"/>
-              </a:xfrm>
-              <a:prstGeom prst="rect">
-                <a:avLst/>
-              </a:prstGeom>
-            </p:spPr>
-          </p:pic>
-          <p:pic>
-            <p:nvPicPr>
-              <p:cNvPr id="102" name="Content Placeholder 3"/>
-              <p:cNvPicPr>
-                <a:picLocks noChangeAspect="1"/>
-              </p:cNvPicPr>
-              <p:nvPr/>
-            </p:nvPicPr>
-            <p:blipFill rotWithShape="1">
-              <a:blip r:embed="rId11"/>
-              <a:srcRect t="72715"/>
-              <a:stretch/>
-            </p:blipFill>
-            <p:spPr>
-              <a:xfrm>
-                <a:off x="23670735" y="13030200"/>
-                <a:ext cx="7942105" cy="1187283"/>
-              </a:xfrm>
-              <a:prstGeom prst="rect">
-                <a:avLst/>
-              </a:prstGeom>
-            </p:spPr>
-          </p:pic>
-        </p:grpSp>
-      </p:grpSp>
+          <a:prstGeom prst="rect">
+            <a:avLst/>
+          </a:prstGeom>
+          <a:noFill/>
+        </p:spPr>
+        <p:txBody>
+          <a:bodyPr wrap="square" rtlCol="0">
+            <a:spAutoFit/>
+          </a:bodyPr>
+          <a:lstStyle/>
+          <a:p>
+            <a:r>
+              <a:rPr lang="en-US" sz="3200" b="1" dirty="0" smtClean="0"/>
+              <a:t>Control Architecture: Two Link Leg</a:t>
+            </a:r>
+          </a:p>
+          <a:p>
+            <a:pPr marL="342900" indent="-342900">
+              <a:buFont typeface="Arial" panose="020B0604020202020204" pitchFamily="34" charset="0"/>
+              <a:buChar char="•"/>
+            </a:pPr>
+            <a:r>
+              <a:rPr lang="en-US" sz="2000" dirty="0" err="1" smtClean="0"/>
+              <a:t>Mathworks</a:t>
+            </a:r>
+            <a:r>
+              <a:rPr lang="en-US" sz="2000" dirty="0" smtClean="0"/>
+              <a:t> Simulink model is loaded onto the Arduino</a:t>
+            </a:r>
+          </a:p>
+          <a:p>
+            <a:pPr marL="342900" indent="-342900">
+              <a:buFont typeface="Arial" panose="020B0604020202020204" pitchFamily="34" charset="0"/>
+              <a:buChar char="•"/>
+            </a:pPr>
+            <a:r>
+              <a:rPr lang="en-US" sz="2000" dirty="0" smtClean="0"/>
+              <a:t>Utilizes PID feedback loops to control cylinder lengths</a:t>
+            </a:r>
+          </a:p>
+          <a:p>
+            <a:pPr marL="342900" indent="-342900">
+              <a:buFont typeface="Arial" panose="020B0604020202020204" pitchFamily="34" charset="0"/>
+              <a:buChar char="•"/>
+            </a:pPr>
+            <a:r>
+              <a:rPr lang="en-US" sz="2000" dirty="0" smtClean="0"/>
+              <a:t>Desired length is calculated by a state machine based on user input and current length</a:t>
+            </a:r>
+          </a:p>
+          <a:p>
+            <a:pPr marL="342900" indent="-342900">
+              <a:buFont typeface="Arial" panose="020B0604020202020204" pitchFamily="34" charset="0"/>
+              <a:buChar char="•"/>
+            </a:pPr>
+            <a:endParaRPr lang="en-US" sz="2000" dirty="0"/>
+          </a:p>
+        </p:txBody>
+      </p:sp>
       <p:sp>
         <p:nvSpPr>
           <p:cNvPr id="104" name="TextBox 103"/>
@@ -6524,7 +6415,7 @@
         </p:nvSpPr>
         <p:spPr>
           <a:xfrm>
-            <a:off x="23386599" y="15966974"/>
+            <a:off x="24918013" y="20323627"/>
             <a:ext cx="8763000" cy="338554"/>
           </a:xfrm>
           <a:prstGeom prst="rect">
@@ -6541,15 +6432,7 @@
             <a:pPr algn="ctr"/>
             <a:r>
               <a:rPr lang="en-US" sz="1600" dirty="0" smtClean="0"/>
-              <a:t>Control </a:t>
-            </a:r>
-            <a:r>
-              <a:rPr lang="en-US" sz="1600" dirty="0"/>
-              <a:t>S</a:t>
-            </a:r>
-            <a:r>
-              <a:rPr lang="en-US" sz="1600" dirty="0" smtClean="0"/>
-              <a:t>ubsystem For a Single Leg</a:t>
+              <a:t>Control block diagram for a single leg</a:t>
             </a:r>
             <a:endParaRPr lang="en-US" sz="1600" dirty="0"/>
           </a:p>
@@ -6563,10 +6446,10 @@
         </p:nvGrpSpPr>
         <p:grpSpPr>
           <a:xfrm>
-            <a:off x="377001" y="19354800"/>
-            <a:ext cx="9757599" cy="7296886"/>
+            <a:off x="24632371" y="3257396"/>
+            <a:ext cx="9757599" cy="2372461"/>
             <a:chOff x="300847" y="17979914"/>
-            <a:chExt cx="9757599" cy="7296886"/>
+            <a:chExt cx="9757599" cy="2372461"/>
           </a:xfrm>
         </p:grpSpPr>
         <p:sp>
@@ -6610,7 +6493,7 @@
           <p:spPr>
             <a:xfrm>
               <a:off x="318432" y="18721159"/>
-              <a:ext cx="9740014" cy="6555641"/>
+              <a:ext cx="9740014" cy="1631216"/>
             </a:xfrm>
             <a:prstGeom prst="rect">
               <a:avLst/>
@@ -6623,40 +6506,10 @@
             </a:bodyPr>
             <a:lstStyle/>
             <a:p>
-              <a:r>
-                <a:rPr lang="en-US" sz="2000" dirty="0" smtClean="0"/>
-                <a:t>The electronics of the robot are separated into subsystems. The communication subsystem, microcontroller subsystem, motherboard subsystem, and debug panel subsystem. The communication subsystem interfaces a user controlled computer with the Arduino microcontroller using </a:t>
-              </a:r>
-              <a:r>
-                <a:rPr lang="en-US" sz="2000" dirty="0" err="1" smtClean="0"/>
-                <a:t>Xbee</a:t>
-              </a:r>
-              <a:r>
-                <a:rPr lang="en-US" sz="2000" dirty="0" smtClean="0"/>
-                <a:t> modules. The microcontroller subsystem includes the microcontroller, </a:t>
-              </a:r>
-              <a:r>
-                <a:rPr lang="en-US" sz="2000" dirty="0" err="1" smtClean="0"/>
-                <a:t>Xbee</a:t>
-              </a:r>
-              <a:r>
-                <a:rPr lang="en-US" sz="2000" dirty="0" smtClean="0"/>
-                <a:t> shield, and battery supply for the microcontroller. This microcontroller battery supply is implemented as a standard replaceable 9 volt battery. The motherboard subsystem handles to signal conditioning for the command and feedback signals.</a:t>
-              </a:r>
-            </a:p>
-            <a:p>
-              <a:endParaRPr lang="en-US" sz="2000" dirty="0" smtClean="0"/>
-            </a:p>
-            <a:p>
-              <a:r>
-                <a:rPr lang="en-US" sz="2000" dirty="0" smtClean="0"/>
-                <a:t>The microcontroller uses a pulse width modulated signal with a varying duty cycle to indicate an open or close command to each of the eight pneumatic valves. The motherboard’s signal conditioning hardware includes a third order active low pass filter to convert the pulse width modulated signal into an analog signal. This analog signal is then scaled by another amplifier circuit to the proper magnitude for the pneumatic valve. The current extension of the pneumatic cylinder is reported as feedback to the microcontroller. This feedback signal passes through an analog filter to scale down the voltage for the Arduino.</a:t>
-              </a:r>
-            </a:p>
-            <a:p>
               <a:endParaRPr lang="en-US" sz="2000" dirty="0"/>
             </a:p>
             <a:p>
+              <a:pPr algn="just"/>
               <a:r>
                 <a:rPr lang="en-US" sz="2000" dirty="0" smtClean="0"/>
                 <a:t>A debug panel is included to provide electrical access to the command and feedback signals to and from the pneumatic cylinder. Additionally the debug panel has a toggle switch for the microcontroller battery, status LEDs, battery level LEDs, and an emergency stop a higher power battery bank that powers the pneumatic valves.</a:t>
@@ -6673,7 +6526,7 @@
         </p:nvGrpSpPr>
         <p:grpSpPr>
           <a:xfrm>
-            <a:off x="11216640" y="15457670"/>
+            <a:off x="11104151" y="15352662"/>
             <a:ext cx="9868969" cy="6792730"/>
             <a:chOff x="11216640" y="16219670"/>
             <a:chExt cx="9868969" cy="6792730"/>
@@ -6707,6 +6560,7 @@
               </a:r>
             </a:p>
             <a:p>
+              <a:pPr algn="just"/>
               <a:r>
                 <a:rPr lang="en-US" sz="2000" dirty="0" smtClean="0"/>
                 <a:t>In order to ensure dynamic stability for the robot the Zero Moment Point (ZMP) method was used. The zero moment point can be calculated from the reaction forces acting on each foot. The location where the torque induced by these reactions is zero is the ZMP. In low speed applications such as this one the ZMP can be approximated by the center of gravity (CG). As long as the CG falls within the convex polygon created by the robot’s contact points with the ground it is in a statically stable pose. When the CG passes outside of this polygon an unbalanced tipping moment is created and the robot becomes unstable.</a:t>
@@ -8443,7 +8297,7 @@
         </p:nvSpPr>
         <p:spPr>
           <a:xfrm>
-            <a:off x="23084207" y="16970406"/>
+            <a:off x="24931288" y="20883660"/>
             <a:ext cx="9525000" cy="892552"/>
           </a:xfrm>
           <a:prstGeom prst="rect">
@@ -8469,17 +8323,8 @@
             </a:pPr>
             <a:r>
               <a:rPr lang="en-US" sz="2000" dirty="0" smtClean="0"/>
-              <a:t>Robots are </a:t>
-            </a:r>
-            <a:r>
-              <a:rPr lang="en-US" sz="2000" dirty="0" smtClean="0"/>
-              <a:t>hard. </a:t>
-            </a:r>
-            <a:r>
-              <a:rPr lang="en-US" sz="2000" dirty="0" smtClean="0"/>
-              <a:t>No, seriously.</a:t>
-            </a:r>
-            <a:endParaRPr lang="en-US" sz="2000" dirty="0" smtClean="0"/>
+              <a:t>Robots are hard. No, seriously.</a:t>
+            </a:r>
           </a:p>
         </p:txBody>
       </p:sp>
@@ -8491,7 +8336,7 @@
         </p:nvSpPr>
         <p:spPr>
           <a:xfrm>
-            <a:off x="23233523" y="20123107"/>
+            <a:off x="24931288" y="24416381"/>
             <a:ext cx="9525000" cy="3970318"/>
           </a:xfrm>
           <a:prstGeom prst="rect">
@@ -8631,7 +8476,7 @@
         </p:nvSpPr>
         <p:spPr>
           <a:xfrm>
-            <a:off x="531101" y="7620000"/>
+            <a:off x="569064" y="6861844"/>
             <a:ext cx="9525000" cy="1815882"/>
           </a:xfrm>
           <a:prstGeom prst="rect">
@@ -8652,6 +8497,7 @@
             </a:r>
           </a:p>
           <a:p>
+            <a:pPr algn="just"/>
             <a:r>
               <a:rPr lang="en-US" sz="2000" dirty="0" smtClean="0"/>
               <a:t>To address the existing challenges an educational robotics platform was developed to increase student interest in STEM fields, fluid power, and robotics through outreach opportunities, laboratory exercises, and research experiences.</a:t>
@@ -8698,7 +8544,7 @@
               <p:nvPr/>
             </p:nvPicPr>
             <p:blipFill>
-              <a:blip r:embed="rId12">
+              <a:blip r:embed="rId11">
                 <a:extLst>
                   <a:ext uri="{28A0092B-C50C-407E-A947-70E740481C1C}">
                     <a14:useLocalDpi xmlns:a14="http://schemas.microsoft.com/office/drawing/2010/main" val="0"/>
@@ -8798,7 +8644,7 @@
         </p:nvGrpSpPr>
         <p:grpSpPr>
           <a:xfrm>
-            <a:off x="12256770" y="11832092"/>
+            <a:off x="12144281" y="11453418"/>
             <a:ext cx="7444740" cy="3559210"/>
             <a:chOff x="12256770" y="11762609"/>
             <a:chExt cx="7444740" cy="3559210"/>
@@ -8811,11 +8657,11 @@
             <p:nvPr/>
           </p:nvPicPr>
           <p:blipFill>
-            <a:blip r:embed="rId13">
+            <a:blip r:embed="rId12">
               <a:extLst>
                 <a:ext uri="{BEBA8EAE-BF5A-486C-A8C5-ECC9F3942E4B}">
                   <a14:imgProps xmlns:a14="http://schemas.microsoft.com/office/drawing/2010/main">
-                    <a14:imgLayer r:embed="rId14">
+                    <a14:imgLayer r:embed="rId13">
                       <a14:imgEffect>
                         <a14:backgroundRemoval t="1867" b="96533" l="2541" r="97967">
                           <a14:foregroundMark x1="4574" y1="18133" x2="95807" y2="86133"/>
@@ -8889,6 +8735,83 @@
           </p:txBody>
         </p:sp>
       </p:grpSp>
+      <p:pic>
+        <p:nvPicPr>
+          <p:cNvPr id="159" name="Picture 158"/>
+          <p:cNvPicPr/>
+          <p:nvPr/>
+        </p:nvPicPr>
+        <p:blipFill rotWithShape="1">
+          <a:blip r:embed="rId14">
+            <a:extLst>
+              <a:ext uri="{BEBA8EAE-BF5A-486C-A8C5-ECC9F3942E4B}">
+                <a14:imgProps xmlns:a14="http://schemas.microsoft.com/office/drawing/2010/main">
+                  <a14:imgLayer r:embed="rId15">
+                    <a14:imgEffect>
+                      <a14:sharpenSoften amount="50000"/>
+                    </a14:imgEffect>
+                  </a14:imgLayer>
+                </a14:imgProps>
+              </a:ext>
+              <a:ext uri="{28A0092B-C50C-407E-A947-70E740481C1C}">
+                <a14:useLocalDpi xmlns:a14="http://schemas.microsoft.com/office/drawing/2010/main" val="0"/>
+              </a:ext>
+            </a:extLst>
+          </a:blip>
+          <a:srcRect l="11132" r="28321" b="27402"/>
+          <a:stretch/>
+        </p:blipFill>
+        <p:spPr bwMode="auto">
+          <a:xfrm>
+            <a:off x="34366200" y="360354"/>
+            <a:ext cx="1759585" cy="1158240"/>
+          </a:xfrm>
+          <a:prstGeom prst="rect">
+            <a:avLst/>
+          </a:prstGeom>
+          <a:ln>
+            <a:noFill/>
+          </a:ln>
+          <a:extLst>
+            <a:ext uri="{53640926-AAD7-44D8-BBD7-CCE9431645EC}">
+              <a14:shadowObscured xmlns:a14="http://schemas.microsoft.com/office/drawing/2010/main"/>
+            </a:ext>
+          </a:extLst>
+        </p:spPr>
+      </p:pic>
+      <p:pic>
+        <p:nvPicPr>
+          <p:cNvPr id="162" name="Picture 161" descr="D:\MyDocs\Documents\GitHub\AgileRoboticControls\System Modelling\Control\Control - Implementation.png"/>
+          <p:cNvPicPr/>
+          <p:nvPr/>
+        </p:nvPicPr>
+        <p:blipFill>
+          <a:blip r:embed="rId16">
+            <a:extLst>
+              <a:ext uri="{28A0092B-C50C-407E-A947-70E740481C1C}">
+                <a14:useLocalDpi xmlns:a14="http://schemas.microsoft.com/office/drawing/2010/main" val="0"/>
+              </a:ext>
+            </a:extLst>
+          </a:blip>
+          <a:srcRect/>
+          <a:stretch>
+            <a:fillRect/>
+          </a:stretch>
+        </p:blipFill>
+        <p:spPr bwMode="auto">
+          <a:xfrm>
+            <a:off x="24918013" y="18135600"/>
+            <a:ext cx="9431294" cy="1925001"/>
+          </a:xfrm>
+          <a:prstGeom prst="rect">
+            <a:avLst/>
+          </a:prstGeom>
+          <a:noFill/>
+          <a:ln>
+            <a:noFill/>
+          </a:ln>
+        </p:spPr>
+      </p:pic>
     </p:spTree>
     <p:extLst>
       <p:ext uri="{BB962C8B-B14F-4D97-AF65-F5344CB8AC3E}">

--- a/Documentation/Design Show Poster/Senior Design Show Poster.pptx
+++ b/Documentation/Design Show Poster/Senior Design Show Poster.pptx
@@ -4,6 +4,9 @@
   <p:sldMasterIdLst>
     <p:sldMasterId id="2147483648" r:id="rId1"/>
   </p:sldMasterIdLst>
+  <p:notesMasterIdLst>
+    <p:notesMasterId r:id="rId3"/>
+  </p:notesMasterIdLst>
   <p:sldIdLst>
     <p:sldId id="256" r:id="rId2"/>
   </p:sldIdLst>
@@ -123,6 +126,440 @@
 </p:presentation>
 </file>
 
+<file path=ppt/notesMasters/notesMaster1.xml><?xml version="1.0" encoding="utf-8"?>
+<p:notesMaster xmlns:a="http://schemas.openxmlformats.org/drawingml/2006/main" xmlns:r="http://schemas.openxmlformats.org/officeDocument/2006/relationships" xmlns:p="http://schemas.openxmlformats.org/presentationml/2006/main">
+  <p:cSld>
+    <p:bg>
+      <p:bgRef idx="1001">
+        <a:schemeClr val="bg1"/>
+      </p:bgRef>
+    </p:bg>
+    <p:spTree>
+      <p:nvGrpSpPr>
+        <p:cNvPr id="1" name=""/>
+        <p:cNvGrpSpPr/>
+        <p:nvPr/>
+      </p:nvGrpSpPr>
+      <p:grpSpPr>
+        <a:xfrm>
+          <a:off x="0" y="0"/>
+          <a:ext cx="0" cy="0"/>
+          <a:chOff x="0" y="0"/>
+          <a:chExt cx="0" cy="0"/>
+        </a:xfrm>
+      </p:grpSpPr>
+      <p:sp>
+        <p:nvSpPr>
+          <p:cNvPr id="2" name="Header Placeholder 1"/>
+          <p:cNvSpPr>
+            <a:spLocks noGrp="1"/>
+          </p:cNvSpPr>
+          <p:nvPr>
+            <p:ph type="hdr" sz="quarter"/>
+          </p:nvPr>
+        </p:nvSpPr>
+        <p:spPr>
+          <a:xfrm>
+            <a:off x="0" y="0"/>
+            <a:ext cx="2971800" cy="458788"/>
+          </a:xfrm>
+          <a:prstGeom prst="rect">
+            <a:avLst/>
+          </a:prstGeom>
+        </p:spPr>
+        <p:txBody>
+          <a:bodyPr vert="horz" lIns="91440" tIns="45720" rIns="91440" bIns="45720" rtlCol="0"/>
+          <a:lstStyle>
+            <a:lvl1pPr algn="l">
+              <a:defRPr sz="1200"/>
+            </a:lvl1pPr>
+          </a:lstStyle>
+          <a:p>
+            <a:endParaRPr lang="en-US"/>
+          </a:p>
+        </p:txBody>
+      </p:sp>
+      <p:sp>
+        <p:nvSpPr>
+          <p:cNvPr id="3" name="Date Placeholder 2"/>
+          <p:cNvSpPr>
+            <a:spLocks noGrp="1"/>
+          </p:cNvSpPr>
+          <p:nvPr>
+            <p:ph type="dt" idx="1"/>
+          </p:nvPr>
+        </p:nvSpPr>
+        <p:spPr>
+          <a:xfrm>
+            <a:off x="3884613" y="0"/>
+            <a:ext cx="2971800" cy="458788"/>
+          </a:xfrm>
+          <a:prstGeom prst="rect">
+            <a:avLst/>
+          </a:prstGeom>
+        </p:spPr>
+        <p:txBody>
+          <a:bodyPr vert="horz" lIns="91440" tIns="45720" rIns="91440" bIns="45720" rtlCol="0"/>
+          <a:lstStyle>
+            <a:lvl1pPr algn="r">
+              <a:defRPr sz="1200"/>
+            </a:lvl1pPr>
+          </a:lstStyle>
+          <a:p>
+            <a:fld id="{E3D639CF-A740-4B86-8CAE-05CA98BC618C}" type="datetimeFigureOut">
+              <a:rPr lang="en-US" smtClean="0"/>
+              <a:t>5/18/2015</a:t>
+            </a:fld>
+            <a:endParaRPr lang="en-US"/>
+          </a:p>
+        </p:txBody>
+      </p:sp>
+      <p:sp>
+        <p:nvSpPr>
+          <p:cNvPr id="4" name="Slide Image Placeholder 3"/>
+          <p:cNvSpPr>
+            <a:spLocks noGrp="1" noRot="1" noChangeAspect="1"/>
+          </p:cNvSpPr>
+          <p:nvPr>
+            <p:ph type="sldImg" idx="2"/>
+          </p:nvPr>
+        </p:nvSpPr>
+        <p:spPr>
+          <a:xfrm>
+            <a:off x="1500188" y="1143000"/>
+            <a:ext cx="3857625" cy="3086100"/>
+          </a:xfrm>
+          <a:prstGeom prst="rect">
+            <a:avLst/>
+          </a:prstGeom>
+          <a:noFill/>
+          <a:ln w="12700">
+            <a:solidFill>
+              <a:prstClr val="black"/>
+            </a:solidFill>
+          </a:ln>
+        </p:spPr>
+        <p:txBody>
+          <a:bodyPr vert="horz" lIns="91440" tIns="45720" rIns="91440" bIns="45720" rtlCol="0" anchor="ctr"/>
+          <a:lstStyle/>
+          <a:p>
+            <a:endParaRPr lang="en-US"/>
+          </a:p>
+        </p:txBody>
+      </p:sp>
+      <p:sp>
+        <p:nvSpPr>
+          <p:cNvPr id="5" name="Notes Placeholder 4"/>
+          <p:cNvSpPr>
+            <a:spLocks noGrp="1"/>
+          </p:cNvSpPr>
+          <p:nvPr>
+            <p:ph type="body" sz="quarter" idx="3"/>
+          </p:nvPr>
+        </p:nvSpPr>
+        <p:spPr>
+          <a:xfrm>
+            <a:off x="685800" y="4400550"/>
+            <a:ext cx="5486400" cy="3600450"/>
+          </a:xfrm>
+          <a:prstGeom prst="rect">
+            <a:avLst/>
+          </a:prstGeom>
+        </p:spPr>
+        <p:txBody>
+          <a:bodyPr vert="horz" lIns="91440" tIns="45720" rIns="91440" bIns="45720" rtlCol="0"/>
+          <a:lstStyle/>
+          <a:p>
+            <a:pPr lvl="0"/>
+            <a:r>
+              <a:rPr lang="en-US" smtClean="0"/>
+              <a:t>Click to edit Master text styles</a:t>
+            </a:r>
+          </a:p>
+          <a:p>
+            <a:pPr lvl="1"/>
+            <a:r>
+              <a:rPr lang="en-US" smtClean="0"/>
+              <a:t>Second level</a:t>
+            </a:r>
+          </a:p>
+          <a:p>
+            <a:pPr lvl="2"/>
+            <a:r>
+              <a:rPr lang="en-US" smtClean="0"/>
+              <a:t>Third level</a:t>
+            </a:r>
+          </a:p>
+          <a:p>
+            <a:pPr lvl="3"/>
+            <a:r>
+              <a:rPr lang="en-US" smtClean="0"/>
+              <a:t>Fourth level</a:t>
+            </a:r>
+          </a:p>
+          <a:p>
+            <a:pPr lvl="4"/>
+            <a:r>
+              <a:rPr lang="en-US" smtClean="0"/>
+              <a:t>Fifth level</a:t>
+            </a:r>
+            <a:endParaRPr lang="en-US"/>
+          </a:p>
+        </p:txBody>
+      </p:sp>
+      <p:sp>
+        <p:nvSpPr>
+          <p:cNvPr id="6" name="Footer Placeholder 5"/>
+          <p:cNvSpPr>
+            <a:spLocks noGrp="1"/>
+          </p:cNvSpPr>
+          <p:nvPr>
+            <p:ph type="ftr" sz="quarter" idx="4"/>
+          </p:nvPr>
+        </p:nvSpPr>
+        <p:spPr>
+          <a:xfrm>
+            <a:off x="0" y="8685213"/>
+            <a:ext cx="2971800" cy="458787"/>
+          </a:xfrm>
+          <a:prstGeom prst="rect">
+            <a:avLst/>
+          </a:prstGeom>
+        </p:spPr>
+        <p:txBody>
+          <a:bodyPr vert="horz" lIns="91440" tIns="45720" rIns="91440" bIns="45720" rtlCol="0" anchor="b"/>
+          <a:lstStyle>
+            <a:lvl1pPr algn="l">
+              <a:defRPr sz="1200"/>
+            </a:lvl1pPr>
+          </a:lstStyle>
+          <a:p>
+            <a:endParaRPr lang="en-US"/>
+          </a:p>
+        </p:txBody>
+      </p:sp>
+      <p:sp>
+        <p:nvSpPr>
+          <p:cNvPr id="7" name="Slide Number Placeholder 6"/>
+          <p:cNvSpPr>
+            <a:spLocks noGrp="1"/>
+          </p:cNvSpPr>
+          <p:nvPr>
+            <p:ph type="sldNum" sz="quarter" idx="5"/>
+          </p:nvPr>
+        </p:nvSpPr>
+        <p:spPr>
+          <a:xfrm>
+            <a:off x="3884613" y="8685213"/>
+            <a:ext cx="2971800" cy="458787"/>
+          </a:xfrm>
+          <a:prstGeom prst="rect">
+            <a:avLst/>
+          </a:prstGeom>
+        </p:spPr>
+        <p:txBody>
+          <a:bodyPr vert="horz" lIns="91440" tIns="45720" rIns="91440" bIns="45720" rtlCol="0" anchor="b"/>
+          <a:lstStyle>
+            <a:lvl1pPr algn="r">
+              <a:defRPr sz="1200"/>
+            </a:lvl1pPr>
+          </a:lstStyle>
+          <a:p>
+            <a:fld id="{39A7A307-7305-40EB-AB89-8142FD9B093A}" type="slidenum">
+              <a:rPr lang="en-US" smtClean="0"/>
+              <a:t>‹#›</a:t>
+            </a:fld>
+            <a:endParaRPr lang="en-US"/>
+          </a:p>
+        </p:txBody>
+      </p:sp>
+    </p:spTree>
+    <p:extLst>
+      <p:ext uri="{BB962C8B-B14F-4D97-AF65-F5344CB8AC3E}">
+        <p14:creationId xmlns:p14="http://schemas.microsoft.com/office/powerpoint/2010/main" val="4092560461"/>
+      </p:ext>
+    </p:extLst>
+  </p:cSld>
+  <p:clrMap bg1="lt1" tx1="dk1" bg2="lt2" tx2="dk2" accent1="accent1" accent2="accent2" accent3="accent3" accent4="accent4" accent5="accent5" accent6="accent6" hlink="hlink" folHlink="folHlink"/>
+  <p:notesStyle>
+    <a:lvl1pPr marL="0" algn="l" defTabSz="914400" rtl="0" eaLnBrk="1" latinLnBrk="0" hangingPunct="1">
+      <a:defRPr sz="1200" kern="1200">
+        <a:solidFill>
+          <a:schemeClr val="tx1"/>
+        </a:solidFill>
+        <a:latin typeface="+mn-lt"/>
+        <a:ea typeface="+mn-ea"/>
+        <a:cs typeface="+mn-cs"/>
+      </a:defRPr>
+    </a:lvl1pPr>
+    <a:lvl2pPr marL="457200" algn="l" defTabSz="914400" rtl="0" eaLnBrk="1" latinLnBrk="0" hangingPunct="1">
+      <a:defRPr sz="1200" kern="1200">
+        <a:solidFill>
+          <a:schemeClr val="tx1"/>
+        </a:solidFill>
+        <a:latin typeface="+mn-lt"/>
+        <a:ea typeface="+mn-ea"/>
+        <a:cs typeface="+mn-cs"/>
+      </a:defRPr>
+    </a:lvl2pPr>
+    <a:lvl3pPr marL="914400" algn="l" defTabSz="914400" rtl="0" eaLnBrk="1" latinLnBrk="0" hangingPunct="1">
+      <a:defRPr sz="1200" kern="1200">
+        <a:solidFill>
+          <a:schemeClr val="tx1"/>
+        </a:solidFill>
+        <a:latin typeface="+mn-lt"/>
+        <a:ea typeface="+mn-ea"/>
+        <a:cs typeface="+mn-cs"/>
+      </a:defRPr>
+    </a:lvl3pPr>
+    <a:lvl4pPr marL="1371600" algn="l" defTabSz="914400" rtl="0" eaLnBrk="1" latinLnBrk="0" hangingPunct="1">
+      <a:defRPr sz="1200" kern="1200">
+        <a:solidFill>
+          <a:schemeClr val="tx1"/>
+        </a:solidFill>
+        <a:latin typeface="+mn-lt"/>
+        <a:ea typeface="+mn-ea"/>
+        <a:cs typeface="+mn-cs"/>
+      </a:defRPr>
+    </a:lvl4pPr>
+    <a:lvl5pPr marL="1828800" algn="l" defTabSz="914400" rtl="0" eaLnBrk="1" latinLnBrk="0" hangingPunct="1">
+      <a:defRPr sz="1200" kern="1200">
+        <a:solidFill>
+          <a:schemeClr val="tx1"/>
+        </a:solidFill>
+        <a:latin typeface="+mn-lt"/>
+        <a:ea typeface="+mn-ea"/>
+        <a:cs typeface="+mn-cs"/>
+      </a:defRPr>
+    </a:lvl5pPr>
+    <a:lvl6pPr marL="2286000" algn="l" defTabSz="914400" rtl="0" eaLnBrk="1" latinLnBrk="0" hangingPunct="1">
+      <a:defRPr sz="1200" kern="1200">
+        <a:solidFill>
+          <a:schemeClr val="tx1"/>
+        </a:solidFill>
+        <a:latin typeface="+mn-lt"/>
+        <a:ea typeface="+mn-ea"/>
+        <a:cs typeface="+mn-cs"/>
+      </a:defRPr>
+    </a:lvl6pPr>
+    <a:lvl7pPr marL="2743200" algn="l" defTabSz="914400" rtl="0" eaLnBrk="1" latinLnBrk="0" hangingPunct="1">
+      <a:defRPr sz="1200" kern="1200">
+        <a:solidFill>
+          <a:schemeClr val="tx1"/>
+        </a:solidFill>
+        <a:latin typeface="+mn-lt"/>
+        <a:ea typeface="+mn-ea"/>
+        <a:cs typeface="+mn-cs"/>
+      </a:defRPr>
+    </a:lvl7pPr>
+    <a:lvl8pPr marL="3200400" algn="l" defTabSz="914400" rtl="0" eaLnBrk="1" latinLnBrk="0" hangingPunct="1">
+      <a:defRPr sz="1200" kern="1200">
+        <a:solidFill>
+          <a:schemeClr val="tx1"/>
+        </a:solidFill>
+        <a:latin typeface="+mn-lt"/>
+        <a:ea typeface="+mn-ea"/>
+        <a:cs typeface="+mn-cs"/>
+      </a:defRPr>
+    </a:lvl8pPr>
+    <a:lvl9pPr marL="3657600" algn="l" defTabSz="914400" rtl="0" eaLnBrk="1" latinLnBrk="0" hangingPunct="1">
+      <a:defRPr sz="1200" kern="1200">
+        <a:solidFill>
+          <a:schemeClr val="tx1"/>
+        </a:solidFill>
+        <a:latin typeface="+mn-lt"/>
+        <a:ea typeface="+mn-ea"/>
+        <a:cs typeface="+mn-cs"/>
+      </a:defRPr>
+    </a:lvl9pPr>
+  </p:notesStyle>
+</p:notesMaster>
+</file>
+
+<file path=ppt/notesSlides/notesSlide1.xml><?xml version="1.0" encoding="utf-8"?>
+<p:notes xmlns:a="http://schemas.openxmlformats.org/drawingml/2006/main" xmlns:r="http://schemas.openxmlformats.org/officeDocument/2006/relationships" xmlns:p="http://schemas.openxmlformats.org/presentationml/2006/main">
+  <p:cSld>
+    <p:spTree>
+      <p:nvGrpSpPr>
+        <p:cNvPr id="1" name=""/>
+        <p:cNvGrpSpPr/>
+        <p:nvPr/>
+      </p:nvGrpSpPr>
+      <p:grpSpPr>
+        <a:xfrm>
+          <a:off x="0" y="0"/>
+          <a:ext cx="0" cy="0"/>
+          <a:chOff x="0" y="0"/>
+          <a:chExt cx="0" cy="0"/>
+        </a:xfrm>
+      </p:grpSpPr>
+      <p:sp>
+        <p:nvSpPr>
+          <p:cNvPr id="2" name="Slide Image Placeholder 1"/>
+          <p:cNvSpPr>
+            <a:spLocks noGrp="1" noRot="1" noChangeAspect="1"/>
+          </p:cNvSpPr>
+          <p:nvPr>
+            <p:ph type="sldImg"/>
+          </p:nvPr>
+        </p:nvSpPr>
+        <p:spPr/>
+      </p:sp>
+      <p:sp>
+        <p:nvSpPr>
+          <p:cNvPr id="3" name="Notes Placeholder 2"/>
+          <p:cNvSpPr>
+            <a:spLocks noGrp="1"/>
+          </p:cNvSpPr>
+          <p:nvPr>
+            <p:ph type="body" idx="1"/>
+          </p:nvPr>
+        </p:nvSpPr>
+        <p:spPr/>
+        <p:txBody>
+          <a:bodyPr/>
+          <a:lstStyle/>
+          <a:p>
+            <a:endParaRPr lang="en-US"/>
+          </a:p>
+        </p:txBody>
+      </p:sp>
+      <p:sp>
+        <p:nvSpPr>
+          <p:cNvPr id="4" name="Slide Number Placeholder 3"/>
+          <p:cNvSpPr>
+            <a:spLocks noGrp="1"/>
+          </p:cNvSpPr>
+          <p:nvPr>
+            <p:ph type="sldNum" sz="quarter" idx="10"/>
+          </p:nvPr>
+        </p:nvSpPr>
+        <p:spPr/>
+        <p:txBody>
+          <a:bodyPr/>
+          <a:lstStyle/>
+          <a:p>
+            <a:fld id="{39A7A307-7305-40EB-AB89-8142FD9B093A}" type="slidenum">
+              <a:rPr lang="en-US" smtClean="0"/>
+              <a:t>1</a:t>
+            </a:fld>
+            <a:endParaRPr lang="en-US"/>
+          </a:p>
+        </p:txBody>
+      </p:sp>
+    </p:spTree>
+    <p:extLst>
+      <p:ext uri="{BB962C8B-B14F-4D97-AF65-F5344CB8AC3E}">
+        <p14:creationId xmlns:p14="http://schemas.microsoft.com/office/powerpoint/2010/main" val="3723739611"/>
+      </p:ext>
+    </p:extLst>
+  </p:cSld>
+  <p:clrMapOvr>
+    <a:masterClrMapping/>
+  </p:clrMapOvr>
+</p:notes>
+</file>
+
 <file path=ppt/slideLayouts/slideLayout1.xml><?xml version="1.0" encoding="utf-8"?>
 <p:sldLayout xmlns:a="http://schemas.openxmlformats.org/drawingml/2006/main" xmlns:r="http://schemas.openxmlformats.org/officeDocument/2006/relationships" xmlns:p="http://schemas.openxmlformats.org/presentationml/2006/main" type="title" preserve="1">
   <p:cSld name="Title Slide">
@@ -304,7 +741,7 @@
           <a:p>
             <a:fld id="{08F7D037-1E52-45C7-976A-93EFD4975647}" type="datetimeFigureOut">
               <a:rPr lang="en-US" smtClean="0"/>
-              <a:t>5/15/2015</a:t>
+              <a:t>5/18/2015</a:t>
             </a:fld>
             <a:endParaRPr lang="en-US"/>
           </a:p>
@@ -474,7 +911,7 @@
           <a:p>
             <a:fld id="{08F7D037-1E52-45C7-976A-93EFD4975647}" type="datetimeFigureOut">
               <a:rPr lang="en-US" smtClean="0"/>
-              <a:t>5/15/2015</a:t>
+              <a:t>5/18/2015</a:t>
             </a:fld>
             <a:endParaRPr lang="en-US"/>
           </a:p>
@@ -654,7 +1091,7 @@
           <a:p>
             <a:fld id="{08F7D037-1E52-45C7-976A-93EFD4975647}" type="datetimeFigureOut">
               <a:rPr lang="en-US" smtClean="0"/>
-              <a:t>5/15/2015</a:t>
+              <a:t>5/18/2015</a:t>
             </a:fld>
             <a:endParaRPr lang="en-US"/>
           </a:p>
@@ -824,7 +1261,7 @@
           <a:p>
             <a:fld id="{08F7D037-1E52-45C7-976A-93EFD4975647}" type="datetimeFigureOut">
               <a:rPr lang="en-US" smtClean="0"/>
-              <a:t>5/15/2015</a:t>
+              <a:t>5/18/2015</a:t>
             </a:fld>
             <a:endParaRPr lang="en-US"/>
           </a:p>
@@ -1070,7 +1507,7 @@
           <a:p>
             <a:fld id="{08F7D037-1E52-45C7-976A-93EFD4975647}" type="datetimeFigureOut">
               <a:rPr lang="en-US" smtClean="0"/>
-              <a:t>5/15/2015</a:t>
+              <a:t>5/18/2015</a:t>
             </a:fld>
             <a:endParaRPr lang="en-US"/>
           </a:p>
@@ -1358,7 +1795,7 @@
           <a:p>
             <a:fld id="{08F7D037-1E52-45C7-976A-93EFD4975647}" type="datetimeFigureOut">
               <a:rPr lang="en-US" smtClean="0"/>
-              <a:t>5/15/2015</a:t>
+              <a:t>5/18/2015</a:t>
             </a:fld>
             <a:endParaRPr lang="en-US"/>
           </a:p>
@@ -1785,7 +2222,7 @@
           <a:p>
             <a:fld id="{08F7D037-1E52-45C7-976A-93EFD4975647}" type="datetimeFigureOut">
               <a:rPr lang="en-US" smtClean="0"/>
-              <a:t>5/15/2015</a:t>
+              <a:t>5/18/2015</a:t>
             </a:fld>
             <a:endParaRPr lang="en-US"/>
           </a:p>
@@ -1903,7 +2340,7 @@
           <a:p>
             <a:fld id="{08F7D037-1E52-45C7-976A-93EFD4975647}" type="datetimeFigureOut">
               <a:rPr lang="en-US" smtClean="0"/>
-              <a:t>5/15/2015</a:t>
+              <a:t>5/18/2015</a:t>
             </a:fld>
             <a:endParaRPr lang="en-US"/>
           </a:p>
@@ -1998,7 +2435,7 @@
           <a:p>
             <a:fld id="{08F7D037-1E52-45C7-976A-93EFD4975647}" type="datetimeFigureOut">
               <a:rPr lang="en-US" smtClean="0"/>
-              <a:t>5/15/2015</a:t>
+              <a:t>5/18/2015</a:t>
             </a:fld>
             <a:endParaRPr lang="en-US"/>
           </a:p>
@@ -2275,7 +2712,7 @@
           <a:p>
             <a:fld id="{08F7D037-1E52-45C7-976A-93EFD4975647}" type="datetimeFigureOut">
               <a:rPr lang="en-US" smtClean="0"/>
-              <a:t>5/15/2015</a:t>
+              <a:t>5/18/2015</a:t>
             </a:fld>
             <a:endParaRPr lang="en-US"/>
           </a:p>
@@ -2528,7 +2965,7 @@
           <a:p>
             <a:fld id="{08F7D037-1E52-45C7-976A-93EFD4975647}" type="datetimeFigureOut">
               <a:rPr lang="en-US" smtClean="0"/>
-              <a:t>5/15/2015</a:t>
+              <a:t>5/18/2015</a:t>
             </a:fld>
             <a:endParaRPr lang="en-US"/>
           </a:p>
@@ -2741,7 +3178,7 @@
           <a:p>
             <a:fld id="{08F7D037-1E52-45C7-976A-93EFD4975647}" type="datetimeFigureOut">
               <a:rPr lang="en-US" smtClean="0"/>
-              <a:t>5/15/2015</a:t>
+              <a:t>5/18/2015</a:t>
             </a:fld>
             <a:endParaRPr lang="en-US"/>
           </a:p>
@@ -3124,8 +3561,8 @@
         </p:nvSpPr>
         <p:spPr>
           <a:xfrm>
-            <a:off x="553824" y="9360834"/>
-            <a:ext cx="9525000" cy="5632311"/>
+            <a:off x="554261" y="9770301"/>
+            <a:ext cx="9525000" cy="5016758"/>
           </a:xfrm>
           <a:prstGeom prst="rect">
             <a:avLst/>
@@ -3140,16 +3577,10 @@
           <a:p>
             <a:pPr lvl="0"/>
             <a:r>
-              <a:rPr lang="en-US" sz="3200" b="1" dirty="0" smtClean="0"/>
-              <a:t>Design Criteria and Constraints</a:t>
-            </a:r>
-          </a:p>
-          <a:p>
-            <a:pPr lvl="0"/>
-            <a:r>
               <a:rPr lang="en-US" sz="2000" b="1" dirty="0" smtClean="0"/>
               <a:t>Mechanical</a:t>
             </a:r>
+            <a:endParaRPr lang="en-US" sz="2000" b="1" dirty="0" smtClean="0"/>
           </a:p>
           <a:p>
             <a:pPr marL="342900" lvl="0" indent="-342900">
@@ -3304,8 +3735,8 @@
         </p:nvSpPr>
         <p:spPr>
           <a:xfrm>
-            <a:off x="553824" y="3257398"/>
-            <a:ext cx="9525000" cy="3354765"/>
+            <a:off x="553286" y="3839346"/>
+            <a:ext cx="9525000" cy="2862322"/>
           </a:xfrm>
           <a:prstGeom prst="rect">
             <a:avLst/>
@@ -3318,17 +3749,14 @@
           </a:bodyPr>
           <a:lstStyle/>
           <a:p>
-            <a:pPr lvl="0"/>
-            <a:r>
-              <a:rPr lang="en-US" sz="3200" b="1" dirty="0" smtClean="0"/>
-              <a:t>Problem Statement</a:t>
-            </a:r>
-          </a:p>
-          <a:p>
             <a:pPr algn="just"/>
             <a:r>
               <a:rPr lang="en-US" sz="2000" dirty="0" smtClean="0"/>
-              <a:t>Recently there has been a decline in interest and proficiency related to science, technology, engineering, and mathematics (STEM) fields. According to a 2013 survey by Junior Achievement USA, 46% of US teenagers showed interest in pursuing a STEM or medical related career, which was a 15% decrease from previous years. In addition there is a huge deficit of fluid power engineers in the United States with only 1% of Universities with engineering programs teaching a fluid power concentration. It has also been shown by a study conducted at the University of Nebraska that introducing students to topics in robotics not only improves their attitude towards STEM topics, but also increase their self-efficacy of topics within robotics.</a:t>
+              <a:t>Recently </a:t>
+            </a:r>
+            <a:r>
+              <a:rPr lang="en-US" sz="2000" dirty="0" smtClean="0"/>
+              <a:t>there has been a decline in interest and proficiency related to science, technology, engineering, and mathematics (STEM) fields. According to a 2013 survey by Junior Achievement USA, 46% of US teenagers showed interest in pursuing a STEM or medical related career, which was a 15% decrease from previous years. In addition there is a huge deficit of fluid power engineers in the United States with only 1% of Universities with engineering programs teaching a fluid power concentration. It has also been shown by a study conducted at the University of Nebraska that introducing students to topics in robotics not only improves their attitude towards STEM topics, but also increase their self-efficacy of topics within robotics.</a:t>
             </a:r>
             <a:endParaRPr lang="en-US" sz="2000" dirty="0"/>
           </a:p>
@@ -3342,8 +3770,8 @@
         </p:nvSpPr>
         <p:spPr>
           <a:xfrm>
-            <a:off x="626882" y="15324509"/>
-            <a:ext cx="9525000" cy="2431435"/>
+            <a:off x="553282" y="15631135"/>
+            <a:ext cx="9525000" cy="1938992"/>
           </a:xfrm>
           <a:prstGeom prst="rect">
             <a:avLst/>
@@ -3357,14 +3785,12 @@
           <a:lstStyle/>
           <a:p>
             <a:r>
-              <a:rPr lang="en-US" sz="3200" b="1" dirty="0" smtClean="0"/>
-              <a:t>Mechanical Design of Chassis</a:t>
-            </a:r>
-          </a:p>
-          <a:p>
-            <a:r>
               <a:rPr lang="en-US" sz="2000" dirty="0" smtClean="0"/>
-              <a:t>Chassis Construction</a:t>
+              <a:t>Chassis </a:t>
+            </a:r>
+            <a:r>
+              <a:rPr lang="en-US" sz="2000" dirty="0" smtClean="0"/>
+              <a:t>Construction</a:t>
             </a:r>
           </a:p>
           <a:p>
@@ -3477,7 +3903,7 @@
             <p:nvPr/>
           </p:nvPicPr>
           <p:blipFill>
-            <a:blip r:embed="rId2"/>
+            <a:blip r:embed="rId3"/>
             <a:stretch>
               <a:fillRect/>
             </a:stretch>
@@ -3499,7 +3925,7 @@
             <p:nvPr/>
           </p:nvPicPr>
           <p:blipFill>
-            <a:blip r:embed="rId3"/>
+            <a:blip r:embed="rId4"/>
             <a:stretch>
               <a:fillRect/>
             </a:stretch>
@@ -3521,7 +3947,7 @@
             <p:nvPr/>
           </p:nvPicPr>
           <p:blipFill>
-            <a:blip r:embed="rId4"/>
+            <a:blip r:embed="rId5"/>
             <a:stretch>
               <a:fillRect/>
             </a:stretch>
@@ -3545,8 +3971,8 @@
         </p:nvSpPr>
         <p:spPr>
           <a:xfrm>
-            <a:off x="11088911" y="8688378"/>
-            <a:ext cx="9525000" cy="4401205"/>
+            <a:off x="11088911" y="9084559"/>
+            <a:ext cx="9525000" cy="3908762"/>
           </a:xfrm>
           <a:prstGeom prst="rect">
             <a:avLst/>
@@ -3560,14 +3986,12 @@
           <a:lstStyle/>
           <a:p>
             <a:r>
-              <a:rPr lang="en-US" sz="3200" b="1" dirty="0" smtClean="0"/>
-              <a:t>Leg Pneumatic Circuit</a:t>
-            </a:r>
-          </a:p>
-          <a:p>
-            <a:r>
               <a:rPr lang="en-US" sz="2000" dirty="0" smtClean="0"/>
-              <a:t>Using pneumatic systems as the driving force for the legs, the following components will be utilized:</a:t>
+              <a:t>Using </a:t>
+            </a:r>
+            <a:r>
+              <a:rPr lang="en-US" sz="2000" dirty="0" smtClean="0"/>
+              <a:t>pneumatic systems as the driving force for the legs, the following components will be utilized:</a:t>
             </a:r>
           </a:p>
           <a:p>
@@ -3663,7 +4087,7 @@
           <p:nvPr/>
         </p:nvPicPr>
         <p:blipFill>
-          <a:blip r:embed="rId5" cstate="print">
+          <a:blip r:embed="rId6" cstate="print">
             <a:extLst>
               <a:ext uri="{28A0092B-C50C-407E-A947-70E740481C1C}">
                 <a14:useLocalDpi xmlns:a14="http://schemas.microsoft.com/office/drawing/2010/main" val="0"/>
@@ -3676,7 +4100,7 @@
         </p:blipFill>
         <p:spPr>
           <a:xfrm>
-            <a:off x="13934426" y="3802986"/>
+            <a:off x="13968058" y="3847371"/>
             <a:ext cx="4888785" cy="4157169"/>
           </a:xfrm>
           <a:prstGeom prst="rect">
@@ -3774,7 +4198,7 @@
             <p:nvPr/>
           </p:nvPicPr>
           <p:blipFill>
-            <a:blip r:embed="rId6">
+            <a:blip r:embed="rId7">
               <a:extLst>
                 <a:ext uri="{28A0092B-C50C-407E-A947-70E740481C1C}">
                   <a14:useLocalDpi xmlns:a14="http://schemas.microsoft.com/office/drawing/2010/main" val="0"/>
@@ -3838,7 +4262,7 @@
             <p:nvPr/>
           </p:nvPicPr>
           <p:blipFill>
-            <a:blip r:embed="rId7" cstate="print">
+            <a:blip r:embed="rId8" cstate="print">
               <a:extLst>
                 <a:ext uri="{28A0092B-C50C-407E-A947-70E740481C1C}">
                   <a14:useLocalDpi xmlns:a14="http://schemas.microsoft.com/office/drawing/2010/main" val="0"/>
@@ -3868,7 +4292,7 @@
             <p:nvPr/>
           </p:nvPicPr>
           <p:blipFill>
-            <a:blip r:embed="rId8">
+            <a:blip r:embed="rId9">
               <a:extLst>
                 <a:ext uri="{28A0092B-C50C-407E-A947-70E740481C1C}">
                   <a14:useLocalDpi xmlns:a14="http://schemas.microsoft.com/office/drawing/2010/main" val="0"/>
@@ -3898,7 +4322,7 @@
             <p:nvPr/>
           </p:nvPicPr>
           <p:blipFill>
-            <a:blip r:embed="rId9" cstate="print">
+            <a:blip r:embed="rId10" cstate="print">
               <a:extLst>
                 <a:ext uri="{28A0092B-C50C-407E-A947-70E740481C1C}">
                   <a14:useLocalDpi xmlns:a14="http://schemas.microsoft.com/office/drawing/2010/main" val="0"/>
@@ -4013,10 +4437,10 @@
         </p:nvGrpSpPr>
         <p:grpSpPr>
           <a:xfrm>
-            <a:off x="24587084" y="8677726"/>
-            <a:ext cx="9525000" cy="6614948"/>
-            <a:chOff x="23084207" y="3533402"/>
-            <a:chExt cx="9525000" cy="6614948"/>
+            <a:off x="24560168" y="9410902"/>
+            <a:ext cx="9525000" cy="5881772"/>
+            <a:chOff x="23057291" y="4266578"/>
+            <a:chExt cx="9525000" cy="5881772"/>
           </a:xfrm>
         </p:grpSpPr>
         <p:sp>
@@ -4027,8 +4451,8 @@
           </p:nvSpPr>
           <p:spPr>
             <a:xfrm>
-              <a:off x="23084207" y="3533402"/>
-              <a:ext cx="9525000" cy="4031873"/>
+              <a:off x="23057291" y="4266578"/>
+              <a:ext cx="9525000" cy="3539430"/>
             </a:xfrm>
             <a:prstGeom prst="rect">
               <a:avLst/>
@@ -4041,16 +4465,14 @@
             </a:bodyPr>
             <a:lstStyle/>
             <a:p>
-              <a:r>
-                <a:rPr lang="en-US" sz="3200" b="1" dirty="0" smtClean="0"/>
-                <a:t>Human Machine Interface</a:t>
-              </a:r>
-            </a:p>
-            <a:p>
               <a:pPr algn="just"/>
               <a:r>
                 <a:rPr lang="en-US" sz="2000" dirty="0" smtClean="0"/>
-                <a:t>To control the robot the user sends a direction request to the Java Graphical User Interface (GUI), which encodes the request and wirelessly transmits it to the robot’s onboard Arduino microcontroller. The microcontroller then updates the robot’s desired foot positions based on its current state.</a:t>
+                <a:t>To </a:t>
+              </a:r>
+              <a:r>
+                <a:rPr lang="en-US" sz="2000" dirty="0" smtClean="0"/>
+                <a:t>control the robot the user sends a direction request to the Java Graphical User Interface (GUI), which encodes the request and wirelessly transmits it to the robot’s onboard Arduino microcontroller. The microcontroller then updates the robot’s desired foot positions based on its current state.</a:t>
               </a:r>
             </a:p>
             <a:p>
@@ -5558,7 +5980,7 @@
                   <p:nvPr/>
                 </p:nvPicPr>
                 <p:blipFill rotWithShape="1">
-                  <a:blip r:embed="rId10"/>
+                  <a:blip r:embed="rId11"/>
                   <a:srcRect l="16517" t="5696" r="17632" b="12101"/>
                   <a:stretch/>
                 </p:blipFill>
@@ -6345,8 +6767,8 @@
         </p:nvSpPr>
         <p:spPr>
           <a:xfrm>
-            <a:off x="24764937" y="16050546"/>
-            <a:ext cx="9525000" cy="1815882"/>
+            <a:off x="24817016" y="16738935"/>
+            <a:ext cx="9525000" cy="1323439"/>
           </a:xfrm>
           <a:prstGeom prst="rect">
             <a:avLst/>
@@ -6359,12 +6781,6 @@
           </a:bodyPr>
           <a:lstStyle/>
           <a:p>
-            <a:r>
-              <a:rPr lang="en-US" sz="3200" b="1" dirty="0" smtClean="0"/>
-              <a:t>Control Architecture: Two Link Leg</a:t>
-            </a:r>
-          </a:p>
-          <a:p>
             <a:pPr marL="342900" indent="-342900">
               <a:buFont typeface="Arial" panose="020B0604020202020204" pitchFamily="34" charset="0"/>
               <a:buChar char="•"/>
@@ -6375,7 +6791,11 @@
             </a:r>
             <a:r>
               <a:rPr lang="en-US" sz="2000" dirty="0" smtClean="0"/>
-              <a:t> Simulink model is loaded onto the Arduino</a:t>
+              <a:t> </a:t>
+            </a:r>
+            <a:r>
+              <a:rPr lang="en-US" sz="2000" dirty="0" smtClean="0"/>
+              <a:t>Simulink model is loaded onto the Arduino</a:t>
             </a:r>
           </a:p>
           <a:p>
@@ -6415,7 +6835,7 @@
         </p:nvSpPr>
         <p:spPr>
           <a:xfrm>
-            <a:off x="24918013" y="20323627"/>
+            <a:off x="24931288" y="20126032"/>
             <a:ext cx="8763000" cy="338554"/>
           </a:xfrm>
           <a:prstGeom prst="rect">
@@ -6447,9 +6867,9 @@
         <p:grpSpPr>
           <a:xfrm>
             <a:off x="24632371" y="3257396"/>
-            <a:ext cx="9757599" cy="2372461"/>
+            <a:ext cx="9763054" cy="2494103"/>
             <a:chOff x="300847" y="17979914"/>
-            <a:chExt cx="9757599" cy="2372461"/>
+            <a:chExt cx="9763054" cy="2494103"/>
           </a:xfrm>
         </p:grpSpPr>
         <p:sp>
@@ -6461,39 +6881,7 @@
           <p:spPr>
             <a:xfrm>
               <a:off x="300847" y="17979914"/>
-              <a:ext cx="9632507" cy="892552"/>
-            </a:xfrm>
-            <a:prstGeom prst="rect">
-              <a:avLst/>
-            </a:prstGeom>
-            <a:noFill/>
-          </p:spPr>
-          <p:txBody>
-            <a:bodyPr wrap="square" rtlCol="0">
-              <a:spAutoFit/>
-            </a:bodyPr>
-            <a:lstStyle/>
-            <a:p>
-              <a:r>
-                <a:rPr lang="en-US" sz="3200" b="1" dirty="0" smtClean="0"/>
-                <a:t>Electrical Design</a:t>
-              </a:r>
-            </a:p>
-            <a:p>
-              <a:endParaRPr lang="en-US" sz="2000" dirty="0"/>
-            </a:p>
-          </p:txBody>
-        </p:sp>
-        <p:sp>
-          <p:nvSpPr>
-            <p:cNvPr id="19" name="TextBox 18"/>
-            <p:cNvSpPr txBox="1"/>
-            <p:nvPr/>
-          </p:nvSpPr>
-          <p:spPr>
-            <a:xfrm>
-              <a:off x="318432" y="18721159"/>
-              <a:ext cx="9740014" cy="1631216"/>
+              <a:ext cx="9632507" cy="400110"/>
             </a:xfrm>
             <a:prstGeom prst="rect">
               <a:avLst/>
@@ -6508,40 +6896,18 @@
             <a:p>
               <a:endParaRPr lang="en-US" sz="2000" dirty="0"/>
             </a:p>
-            <a:p>
-              <a:pPr algn="just"/>
-              <a:r>
-                <a:rPr lang="en-US" sz="2000" dirty="0" smtClean="0"/>
-                <a:t>A debug panel is included to provide electrical access to the command and feedback signals to and from the pneumatic cylinder. Additionally the debug panel has a toggle switch for the microcontroller battery, status LEDs, battery level LEDs, and an emergency stop a higher power battery bank that powers the pneumatic valves.</a:t>
-              </a:r>
-            </a:p>
           </p:txBody>
         </p:sp>
-      </p:grpSp>
-      <p:grpSp>
-        <p:nvGrpSpPr>
-          <p:cNvPr id="168" name="Group 167"/>
-          <p:cNvGrpSpPr/>
-          <p:nvPr/>
-        </p:nvGrpSpPr>
-        <p:grpSpPr>
-          <a:xfrm>
-            <a:off x="11104151" y="15352662"/>
-            <a:ext cx="9868969" cy="6792730"/>
-            <a:chOff x="11216640" y="16219670"/>
-            <a:chExt cx="9868969" cy="6792730"/>
-          </a:xfrm>
-        </p:grpSpPr>
         <p:sp>
           <p:nvSpPr>
-            <p:cNvPr id="103" name="TextBox 102"/>
+            <p:cNvPr id="19" name="TextBox 18"/>
             <p:cNvSpPr txBox="1"/>
             <p:nvPr/>
           </p:nvSpPr>
           <p:spPr>
             <a:xfrm>
-              <a:off x="11216640" y="16219670"/>
-              <a:ext cx="9540240" cy="2739211"/>
+              <a:off x="323887" y="18842801"/>
+              <a:ext cx="9740014" cy="1631216"/>
             </a:xfrm>
             <a:prstGeom prst="rect">
               <a:avLst/>
@@ -6555,15 +6921,62 @@
             <a:lstStyle/>
             <a:p>
               <a:r>
-                <a:rPr lang="en-US" sz="3200" b="1" dirty="0" smtClean="0"/>
-                <a:t>Stability and Gait Development</a:t>
+                <a:rPr lang="en-US" sz="2000" dirty="0" smtClean="0"/>
+                <a:t>The Arduino Mega microcontroller outputs pulse-width modulated signals which are converted into analog signals using a low pass filter and amplifiers as signal conditioning circuitry. The analog signal directly controls the valves on the pneumatic subsystem. </a:t>
               </a:r>
+              <a:r>
+                <a:rPr lang="en-US" sz="2000" dirty="0" smtClean="0"/>
+                <a:t>Sensors inside the pneumatic cylinders are used as feedback to the control running on the Arduino microcontroller.</a:t>
+              </a:r>
+              <a:endParaRPr lang="en-US" sz="2000" dirty="0" smtClean="0"/>
             </a:p>
+          </p:txBody>
+        </p:sp>
+      </p:grpSp>
+      <p:grpSp>
+        <p:nvGrpSpPr>
+          <p:cNvPr id="168" name="Group 167"/>
+          <p:cNvGrpSpPr/>
+          <p:nvPr/>
+        </p:nvGrpSpPr>
+        <p:grpSpPr>
+          <a:xfrm>
+            <a:off x="11104151" y="15775460"/>
+            <a:ext cx="9868969" cy="6369932"/>
+            <a:chOff x="11216640" y="16642468"/>
+            <a:chExt cx="9868969" cy="6369932"/>
+          </a:xfrm>
+        </p:grpSpPr>
+        <p:sp>
+          <p:nvSpPr>
+            <p:cNvPr id="103" name="TextBox 102"/>
+            <p:cNvSpPr txBox="1"/>
+            <p:nvPr/>
+          </p:nvSpPr>
+          <p:spPr>
+            <a:xfrm>
+              <a:off x="11216640" y="16642468"/>
+              <a:ext cx="9540240" cy="2246769"/>
+            </a:xfrm>
+            <a:prstGeom prst="rect">
+              <a:avLst/>
+            </a:prstGeom>
+            <a:noFill/>
+          </p:spPr>
+          <p:txBody>
+            <a:bodyPr wrap="square" rtlCol="0">
+              <a:spAutoFit/>
+            </a:bodyPr>
+            <a:lstStyle/>
             <a:p>
               <a:pPr algn="just"/>
               <a:r>
                 <a:rPr lang="en-US" sz="2000" dirty="0" smtClean="0"/>
-                <a:t>In order to ensure dynamic stability for the robot the Zero Moment Point (ZMP) method was used. The zero moment point can be calculated from the reaction forces acting on each foot. The location where the torque induced by these reactions is zero is the ZMP. In low speed applications such as this one the ZMP can be approximated by the center of gravity (CG). As long as the CG falls within the convex polygon created by the robot’s contact points with the ground it is in a statically stable pose. When the CG passes outside of this polygon an unbalanced tipping moment is created and the robot becomes unstable.</a:t>
+                <a:t>In </a:t>
+              </a:r>
+              <a:r>
+                <a:rPr lang="en-US" sz="2000" dirty="0" smtClean="0"/>
+                <a:t>order to ensure dynamic stability for the robot the Zero Moment Point (ZMP) method was used. The zero moment point can be calculated from the reaction forces acting on each foot. The location where the torque induced by these reactions is zero is the ZMP. In low speed applications such as this one the ZMP can be approximated by the center of gravity (CG). As long as the CG falls within the convex polygon created by the robot’s contact points with the ground it is in a statically stable pose. When the CG passes outside of this polygon an unbalanced tipping moment is created and the robot becomes unstable.</a:t>
               </a:r>
             </a:p>
           </p:txBody>
@@ -8297,8 +8710,8 @@
         </p:nvSpPr>
         <p:spPr>
           <a:xfrm>
-            <a:off x="24931288" y="20883660"/>
-            <a:ext cx="9525000" cy="892552"/>
+            <a:off x="24920108" y="21767868"/>
+            <a:ext cx="9525000" cy="400110"/>
           </a:xfrm>
           <a:prstGeom prst="rect">
             <a:avLst/>
@@ -8311,19 +8724,17 @@
           </a:bodyPr>
           <a:lstStyle/>
           <a:p>
-            <a:r>
-              <a:rPr lang="en-US" sz="3200" b="1" dirty="0" smtClean="0"/>
-              <a:t>Conclusion</a:t>
-            </a:r>
-          </a:p>
-          <a:p>
             <a:pPr marL="342900" indent="-342900">
               <a:buFont typeface="Arial" panose="020B0604020202020204" pitchFamily="34" charset="0"/>
               <a:buChar char="•"/>
             </a:pPr>
             <a:r>
               <a:rPr lang="en-US" sz="2000" dirty="0" smtClean="0"/>
-              <a:t>Robots are hard. No, seriously.</a:t>
+              <a:t>Robots </a:t>
+            </a:r>
+            <a:r>
+              <a:rPr lang="en-US" sz="2000" dirty="0" smtClean="0"/>
+              <a:t>are hard. No, seriously.</a:t>
             </a:r>
           </a:p>
         </p:txBody>
@@ -8337,7 +8748,7 @@
         <p:spPr>
           <a:xfrm>
             <a:off x="24931288" y="24416381"/>
-            <a:ext cx="9525000" cy="3970318"/>
+            <a:ext cx="9525000" cy="3477875"/>
           </a:xfrm>
           <a:prstGeom prst="rect">
             <a:avLst/>
@@ -8350,19 +8761,17 @@
           </a:bodyPr>
           <a:lstStyle/>
           <a:p>
-            <a:r>
-              <a:rPr lang="en-US" sz="3200" b="1" dirty="0" smtClean="0"/>
-              <a:t>Future Work</a:t>
-            </a:r>
-          </a:p>
-          <a:p>
             <a:pPr marL="342900" indent="-342900">
               <a:buFont typeface="Arial" panose="020B0604020202020204" pitchFamily="34" charset="0"/>
               <a:buChar char="•"/>
             </a:pPr>
             <a:r>
               <a:rPr lang="en-US" sz="2000" dirty="0" smtClean="0"/>
-              <a:t>Controlling the robot with a cellphone application</a:t>
+              <a:t>Controlling </a:t>
+            </a:r>
+            <a:r>
+              <a:rPr lang="en-US" sz="2000" dirty="0" smtClean="0"/>
+              <a:t>the robot with a cellphone application</a:t>
             </a:r>
           </a:p>
           <a:p>
@@ -8476,8 +8885,8 @@
         </p:nvSpPr>
         <p:spPr>
           <a:xfrm>
-            <a:off x="569064" y="6861844"/>
-            <a:ext cx="9525000" cy="1815882"/>
+            <a:off x="553286" y="7514192"/>
+            <a:ext cx="9525000" cy="1323439"/>
           </a:xfrm>
           <a:prstGeom prst="rect">
             <a:avLst/>
@@ -8490,17 +8899,14 @@
           </a:bodyPr>
           <a:lstStyle/>
           <a:p>
-            <a:pPr lvl="0"/>
-            <a:r>
-              <a:rPr lang="en-US" sz="3200" b="1" dirty="0" smtClean="0"/>
-              <a:t>Objective</a:t>
-            </a:r>
-          </a:p>
-          <a:p>
             <a:pPr algn="just"/>
             <a:r>
               <a:rPr lang="en-US" sz="2000" dirty="0" smtClean="0"/>
-              <a:t>To address the existing challenges an educational robotics platform was developed to increase student interest in STEM fields, fluid power, and robotics through outreach opportunities, laboratory exercises, and research experiences.</a:t>
+              <a:t>To </a:t>
+            </a:r>
+            <a:r>
+              <a:rPr lang="en-US" sz="2000" dirty="0" smtClean="0"/>
+              <a:t>address the existing challenges an educational robotics platform was developed to increase student interest in STEM fields, fluid power, and robotics through outreach opportunities, laboratory exercises, and research experiences.</a:t>
             </a:r>
             <a:endParaRPr lang="en-US" sz="2000" dirty="0"/>
           </a:p>
@@ -8544,7 +8950,7 @@
               <p:nvPr/>
             </p:nvPicPr>
             <p:blipFill>
-              <a:blip r:embed="rId11">
+              <a:blip r:embed="rId12">
                 <a:extLst>
                   <a:ext uri="{28A0092B-C50C-407E-A947-70E740481C1C}">
                     <a14:useLocalDpi xmlns:a14="http://schemas.microsoft.com/office/drawing/2010/main" val="0"/>
@@ -8657,11 +9063,11 @@
             <p:nvPr/>
           </p:nvPicPr>
           <p:blipFill>
-            <a:blip r:embed="rId12">
+            <a:blip r:embed="rId13">
               <a:extLst>
                 <a:ext uri="{BEBA8EAE-BF5A-486C-A8C5-ECC9F3942E4B}">
                   <a14:imgProps xmlns:a14="http://schemas.microsoft.com/office/drawing/2010/main">
-                    <a14:imgLayer r:embed="rId13">
+                    <a14:imgLayer r:embed="rId14">
                       <a14:imgEffect>
                         <a14:backgroundRemoval t="1867" b="96533" l="2541" r="97967">
                           <a14:foregroundMark x1="4574" y1="18133" x2="95807" y2="86133"/>
@@ -8742,11 +9148,11 @@
           <p:nvPr/>
         </p:nvPicPr>
         <p:blipFill rotWithShape="1">
-          <a:blip r:embed="rId14">
+          <a:blip r:embed="rId15">
             <a:extLst>
               <a:ext uri="{BEBA8EAE-BF5A-486C-A8C5-ECC9F3942E4B}">
                 <a14:imgProps xmlns:a14="http://schemas.microsoft.com/office/drawing/2010/main">
-                  <a14:imgLayer r:embed="rId15">
+                  <a14:imgLayer r:embed="rId16">
                     <a14:imgEffect>
                       <a14:sharpenSoften amount="50000"/>
                     </a14:imgEffect>
@@ -8786,7 +9192,7 @@
           <p:nvPr/>
         </p:nvPicPr>
         <p:blipFill>
-          <a:blip r:embed="rId16">
+          <a:blip r:embed="rId17">
             <a:extLst>
               <a:ext uri="{28A0092B-C50C-407E-A947-70E740481C1C}">
                 <a14:useLocalDpi xmlns:a14="http://schemas.microsoft.com/office/drawing/2010/main" val="0"/>
@@ -8800,7 +9206,7 @@
         </p:blipFill>
         <p:spPr bwMode="auto">
           <a:xfrm>
-            <a:off x="24918013" y="18135600"/>
+            <a:off x="24895923" y="17983328"/>
             <a:ext cx="9431294" cy="1925001"/>
           </a:xfrm>
           <a:prstGeom prst="rect">
@@ -8812,6 +9218,1627 @@
           </a:ln>
         </p:spPr>
       </p:pic>
+      <p:sp>
+        <p:nvSpPr>
+          <p:cNvPr id="157" name="Freeform 156"/>
+          <p:cNvSpPr/>
+          <p:nvPr/>
+        </p:nvSpPr>
+        <p:spPr>
+          <a:xfrm>
+            <a:off x="29818788" y="5925956"/>
+            <a:ext cx="2034540" cy="1075055"/>
+          </a:xfrm>
+          <a:custGeom>
+            <a:avLst/>
+            <a:gdLst>
+              <a:gd name="connsiteX0" fmla="*/ 0 w 2034540"/>
+              <a:gd name="connsiteY0" fmla="*/ 1075552 h 1075552"/>
+              <a:gd name="connsiteX1" fmla="*/ 434340 w 2034540"/>
+              <a:gd name="connsiteY1" fmla="*/ 717412 h 1075552"/>
+              <a:gd name="connsiteX2" fmla="*/ 640080 w 2034540"/>
+              <a:gd name="connsiteY2" fmla="*/ 168772 h 1075552"/>
+              <a:gd name="connsiteX3" fmla="*/ 952500 w 2034540"/>
+              <a:gd name="connsiteY3" fmla="*/ 1132 h 1075552"/>
+              <a:gd name="connsiteX4" fmla="*/ 1272540 w 2034540"/>
+              <a:gd name="connsiteY4" fmla="*/ 229732 h 1075552"/>
+              <a:gd name="connsiteX5" fmla="*/ 1554480 w 2034540"/>
+              <a:gd name="connsiteY5" fmla="*/ 260212 h 1075552"/>
+              <a:gd name="connsiteX6" fmla="*/ 1767840 w 2034540"/>
+              <a:gd name="connsiteY6" fmla="*/ 176392 h 1075552"/>
+              <a:gd name="connsiteX7" fmla="*/ 2034540 w 2034540"/>
+              <a:gd name="connsiteY7" fmla="*/ 168772 h 1075552"/>
+            </a:gdLst>
+            <a:ahLst/>
+            <a:cxnLst>
+              <a:cxn ang="0">
+                <a:pos x="connsiteX0" y="connsiteY0"/>
+              </a:cxn>
+              <a:cxn ang="0">
+                <a:pos x="connsiteX1" y="connsiteY1"/>
+              </a:cxn>
+              <a:cxn ang="0">
+                <a:pos x="connsiteX2" y="connsiteY2"/>
+              </a:cxn>
+              <a:cxn ang="0">
+                <a:pos x="connsiteX3" y="connsiteY3"/>
+              </a:cxn>
+              <a:cxn ang="0">
+                <a:pos x="connsiteX4" y="connsiteY4"/>
+              </a:cxn>
+              <a:cxn ang="0">
+                <a:pos x="connsiteX5" y="connsiteY5"/>
+              </a:cxn>
+              <a:cxn ang="0">
+                <a:pos x="connsiteX6" y="connsiteY6"/>
+              </a:cxn>
+              <a:cxn ang="0">
+                <a:pos x="connsiteX7" y="connsiteY7"/>
+              </a:cxn>
+            </a:cxnLst>
+            <a:rect l="l" t="t" r="r" b="b"/>
+            <a:pathLst>
+              <a:path w="2034540" h="1075552">
+                <a:moveTo>
+                  <a:pt x="0" y="1075552"/>
+                </a:moveTo>
+                <a:cubicBezTo>
+                  <a:pt x="163830" y="972047"/>
+                  <a:pt x="327660" y="868542"/>
+                  <a:pt x="434340" y="717412"/>
+                </a:cubicBezTo>
+                <a:cubicBezTo>
+                  <a:pt x="541020" y="566282"/>
+                  <a:pt x="553720" y="288152"/>
+                  <a:pt x="640080" y="168772"/>
+                </a:cubicBezTo>
+                <a:cubicBezTo>
+                  <a:pt x="726440" y="49392"/>
+                  <a:pt x="847090" y="-9028"/>
+                  <a:pt x="952500" y="1132"/>
+                </a:cubicBezTo>
+                <a:cubicBezTo>
+                  <a:pt x="1057910" y="11292"/>
+                  <a:pt x="1172210" y="186552"/>
+                  <a:pt x="1272540" y="229732"/>
+                </a:cubicBezTo>
+                <a:cubicBezTo>
+                  <a:pt x="1372870" y="272912"/>
+                  <a:pt x="1471930" y="269102"/>
+                  <a:pt x="1554480" y="260212"/>
+                </a:cubicBezTo>
+                <a:cubicBezTo>
+                  <a:pt x="1637030" y="251322"/>
+                  <a:pt x="1687830" y="191632"/>
+                  <a:pt x="1767840" y="176392"/>
+                </a:cubicBezTo>
+                <a:cubicBezTo>
+                  <a:pt x="1847850" y="161152"/>
+                  <a:pt x="1969770" y="170042"/>
+                  <a:pt x="2034540" y="168772"/>
+                </a:cubicBezTo>
+              </a:path>
+            </a:pathLst>
+          </a:custGeom>
+        </p:spPr>
+        <p:style>
+          <a:lnRef idx="1">
+            <a:schemeClr val="dk1"/>
+          </a:lnRef>
+          <a:fillRef idx="0">
+            <a:schemeClr val="dk1"/>
+          </a:fillRef>
+          <a:effectRef idx="0">
+            <a:schemeClr val="dk1"/>
+          </a:effectRef>
+          <a:fontRef idx="minor">
+            <a:schemeClr val="tx1"/>
+          </a:fontRef>
+        </p:style>
+        <p:txBody>
+          <a:bodyPr rot="0" spcFirstLastPara="0" vert="horz" wrap="square" lIns="91440" tIns="45720" rIns="91440" bIns="45720" numCol="1" spcCol="0" rtlCol="0" fromWordArt="0" anchor="ctr" anchorCtr="0" forceAA="0" compatLnSpc="1">
+            <a:prstTxWarp prst="textNoShape">
+              <a:avLst/>
+            </a:prstTxWarp>
+            <a:noAutofit/>
+          </a:bodyPr>
+          <a:lstStyle/>
+          <a:p>
+            <a:endParaRPr lang="en-US"/>
+          </a:p>
+        </p:txBody>
+      </p:sp>
+      <p:sp>
+        <p:nvSpPr>
+          <p:cNvPr id="163" name="Rectangle 162"/>
+          <p:cNvSpPr/>
+          <p:nvPr/>
+        </p:nvSpPr>
+        <p:spPr>
+          <a:xfrm>
+            <a:off x="26237388" y="5797686"/>
+            <a:ext cx="815340" cy="1478280"/>
+          </a:xfrm>
+          <a:prstGeom prst="rect">
+            <a:avLst/>
+          </a:prstGeom>
+        </p:spPr>
+        <p:style>
+          <a:lnRef idx="2">
+            <a:schemeClr val="accent1">
+              <a:shade val="50000"/>
+            </a:schemeClr>
+          </a:lnRef>
+          <a:fillRef idx="1">
+            <a:schemeClr val="accent1"/>
+          </a:fillRef>
+          <a:effectRef idx="0">
+            <a:schemeClr val="accent1"/>
+          </a:effectRef>
+          <a:fontRef idx="minor">
+            <a:schemeClr val="lt1"/>
+          </a:fontRef>
+        </p:style>
+        <p:txBody>
+          <a:bodyPr rot="0" spcFirstLastPara="0" vert="horz" wrap="square" lIns="91440" tIns="45720" rIns="91440" bIns="45720" numCol="1" spcCol="0" rtlCol="0" fromWordArt="0" anchor="ctr" anchorCtr="0" forceAA="0" compatLnSpc="1">
+            <a:prstTxWarp prst="textNoShape">
+              <a:avLst/>
+            </a:prstTxWarp>
+            <a:noAutofit/>
+          </a:bodyPr>
+          <a:lstStyle/>
+          <a:p>
+            <a:endParaRPr lang="en-US"/>
+          </a:p>
+        </p:txBody>
+      </p:sp>
+      <p:sp>
+        <p:nvSpPr>
+          <p:cNvPr id="170" name="Rectangle 169"/>
+          <p:cNvSpPr/>
+          <p:nvPr/>
+        </p:nvSpPr>
+        <p:spPr>
+          <a:xfrm>
+            <a:off x="26283108" y="5911986"/>
+            <a:ext cx="45720" cy="1196340"/>
+          </a:xfrm>
+          <a:prstGeom prst="rect">
+            <a:avLst/>
+          </a:prstGeom>
+        </p:spPr>
+        <p:style>
+          <a:lnRef idx="2">
+            <a:schemeClr val="dk1">
+              <a:shade val="50000"/>
+            </a:schemeClr>
+          </a:lnRef>
+          <a:fillRef idx="1">
+            <a:schemeClr val="dk1"/>
+          </a:fillRef>
+          <a:effectRef idx="0">
+            <a:schemeClr val="dk1"/>
+          </a:effectRef>
+          <a:fontRef idx="minor">
+            <a:schemeClr val="lt1"/>
+          </a:fontRef>
+        </p:style>
+        <p:txBody>
+          <a:bodyPr rot="0" spcFirstLastPara="0" vert="horz" wrap="square" lIns="91440" tIns="45720" rIns="91440" bIns="45720" numCol="1" spcCol="0" rtlCol="0" fromWordArt="0" anchor="ctr" anchorCtr="0" forceAA="0" compatLnSpc="1">
+            <a:prstTxWarp prst="textNoShape">
+              <a:avLst/>
+            </a:prstTxWarp>
+            <a:noAutofit/>
+          </a:bodyPr>
+          <a:lstStyle/>
+          <a:p>
+            <a:endParaRPr lang="en-US"/>
+          </a:p>
+        </p:txBody>
+      </p:sp>
+      <p:sp>
+        <p:nvSpPr>
+          <p:cNvPr id="174" name="Rectangle 173"/>
+          <p:cNvSpPr/>
+          <p:nvPr/>
+        </p:nvSpPr>
+        <p:spPr>
+          <a:xfrm>
+            <a:off x="26976528" y="5896746"/>
+            <a:ext cx="45720" cy="1196340"/>
+          </a:xfrm>
+          <a:prstGeom prst="rect">
+            <a:avLst/>
+          </a:prstGeom>
+        </p:spPr>
+        <p:style>
+          <a:lnRef idx="2">
+            <a:schemeClr val="dk1">
+              <a:shade val="50000"/>
+            </a:schemeClr>
+          </a:lnRef>
+          <a:fillRef idx="1">
+            <a:schemeClr val="dk1"/>
+          </a:fillRef>
+          <a:effectRef idx="0">
+            <a:schemeClr val="dk1"/>
+          </a:effectRef>
+          <a:fontRef idx="minor">
+            <a:schemeClr val="lt1"/>
+          </a:fontRef>
+        </p:style>
+        <p:txBody>
+          <a:bodyPr rot="0" spcFirstLastPara="0" vert="horz" wrap="square" lIns="91440" tIns="45720" rIns="91440" bIns="45720" numCol="1" spcCol="0" rtlCol="0" fromWordArt="0" anchor="ctr" anchorCtr="0" forceAA="0" compatLnSpc="1">
+            <a:prstTxWarp prst="textNoShape">
+              <a:avLst/>
+            </a:prstTxWarp>
+            <a:noAutofit/>
+          </a:bodyPr>
+          <a:lstStyle/>
+          <a:p>
+            <a:endParaRPr lang="en-US"/>
+          </a:p>
+        </p:txBody>
+      </p:sp>
+      <p:sp>
+        <p:nvSpPr>
+          <p:cNvPr id="175" name="Rectangle 174"/>
+          <p:cNvSpPr/>
+          <p:nvPr/>
+        </p:nvSpPr>
+        <p:spPr>
+          <a:xfrm>
+            <a:off x="26412648" y="5819911"/>
+            <a:ext cx="472440" cy="45085"/>
+          </a:xfrm>
+          <a:prstGeom prst="rect">
+            <a:avLst/>
+          </a:prstGeom>
+        </p:spPr>
+        <p:style>
+          <a:lnRef idx="2">
+            <a:schemeClr val="dk1">
+              <a:shade val="50000"/>
+            </a:schemeClr>
+          </a:lnRef>
+          <a:fillRef idx="1">
+            <a:schemeClr val="dk1"/>
+          </a:fillRef>
+          <a:effectRef idx="0">
+            <a:schemeClr val="dk1"/>
+          </a:effectRef>
+          <a:fontRef idx="minor">
+            <a:schemeClr val="lt1"/>
+          </a:fontRef>
+        </p:style>
+        <p:txBody>
+          <a:bodyPr rot="0" spcFirstLastPara="0" vert="horz" wrap="square" lIns="91440" tIns="45720" rIns="91440" bIns="45720" numCol="1" spcCol="0" rtlCol="0" fromWordArt="0" anchor="ctr" anchorCtr="0" forceAA="0" compatLnSpc="1">
+            <a:prstTxWarp prst="textNoShape">
+              <a:avLst/>
+            </a:prstTxWarp>
+            <a:noAutofit/>
+          </a:bodyPr>
+          <a:lstStyle/>
+          <a:p>
+            <a:endParaRPr lang="en-US"/>
+          </a:p>
+        </p:txBody>
+      </p:sp>
+      <p:sp>
+        <p:nvSpPr>
+          <p:cNvPr id="176" name="Text Box 1"/>
+          <p:cNvSpPr txBox="1"/>
+          <p:nvPr/>
+        </p:nvSpPr>
+        <p:spPr>
+          <a:xfrm>
+            <a:off x="26298348" y="6110106"/>
+            <a:ext cx="739140" cy="723900"/>
+          </a:xfrm>
+          <a:prstGeom prst="rect">
+            <a:avLst/>
+          </a:prstGeom>
+          <a:noFill/>
+          <a:ln>
+            <a:noFill/>
+          </a:ln>
+          <a:effectLst/>
+        </p:spPr>
+        <p:txBody>
+          <a:bodyPr rot="0" spcFirstLastPara="0" vert="horz" wrap="square" lIns="91440" tIns="45720" rIns="91440" bIns="45720" numCol="1" spcCol="0" rtlCol="0" fromWordArt="0" anchor="t" anchorCtr="0" forceAA="0" compatLnSpc="1">
+            <a:prstTxWarp prst="textNoShape">
+              <a:avLst/>
+            </a:prstTxWarp>
+            <a:noAutofit/>
+          </a:bodyPr>
+          <a:lstStyle/>
+          <a:p>
+            <a:pPr marL="0" marR="0">
+              <a:lnSpc>
+                <a:spcPct val="107000"/>
+              </a:lnSpc>
+              <a:spcBef>
+                <a:spcPts val="0"/>
+              </a:spcBef>
+              <a:spcAft>
+                <a:spcPts val="800"/>
+              </a:spcAft>
+            </a:pPr>
+            <a:r>
+              <a:rPr lang="en-US" sz="1200" dirty="0">
+                <a:ln>
+                  <a:noFill/>
+                </a:ln>
+                <a:solidFill>
+                  <a:schemeClr val="bg1"/>
+                </a:solidFill>
+                <a:effectLst>
+                  <a:outerShdw blurRad="38100" dist="19050" dir="2700000" algn="tl">
+                    <a:schemeClr val="dk1">
+                      <a:alpha val="40000"/>
+                    </a:schemeClr>
+                  </a:outerShdw>
+                </a:effectLst>
+                <a:latin typeface="Calibri" panose="020F0502020204030204" pitchFamily="34" charset="0"/>
+                <a:ea typeface="Calibri" panose="020F0502020204030204" pitchFamily="34" charset="0"/>
+                <a:cs typeface="Times New Roman" panose="02020603050405020304" pitchFamily="18" charset="0"/>
+              </a:rPr>
+              <a:t>Arduino</a:t>
+            </a:r>
+            <a:endParaRPr lang="en-US" sz="1100" dirty="0">
+              <a:solidFill>
+                <a:schemeClr val="bg1"/>
+              </a:solidFill>
+              <a:effectLst/>
+              <a:latin typeface="Calibri" panose="020F0502020204030204" pitchFamily="34" charset="0"/>
+              <a:ea typeface="Calibri" panose="020F0502020204030204" pitchFamily="34" charset="0"/>
+              <a:cs typeface="Times New Roman" panose="02020603050405020304" pitchFamily="18" charset="0"/>
+            </a:endParaRPr>
+          </a:p>
+          <a:p>
+            <a:pPr marL="0" marR="0">
+              <a:lnSpc>
+                <a:spcPct val="107000"/>
+              </a:lnSpc>
+              <a:spcBef>
+                <a:spcPts val="0"/>
+              </a:spcBef>
+              <a:spcAft>
+                <a:spcPts val="800"/>
+              </a:spcAft>
+            </a:pPr>
+            <a:r>
+              <a:rPr lang="en-US" sz="1200" dirty="0">
+                <a:ln>
+                  <a:noFill/>
+                </a:ln>
+                <a:solidFill>
+                  <a:schemeClr val="bg1"/>
+                </a:solidFill>
+                <a:effectLst>
+                  <a:outerShdw blurRad="38100" dist="19050" dir="2700000" algn="tl">
+                    <a:schemeClr val="dk1">
+                      <a:alpha val="40000"/>
+                    </a:schemeClr>
+                  </a:outerShdw>
+                </a:effectLst>
+                <a:latin typeface="Calibri" panose="020F0502020204030204" pitchFamily="34" charset="0"/>
+                <a:ea typeface="Calibri" panose="020F0502020204030204" pitchFamily="34" charset="0"/>
+                <a:cs typeface="Times New Roman" panose="02020603050405020304" pitchFamily="18" charset="0"/>
+              </a:rPr>
+              <a:t>Mega</a:t>
+            </a:r>
+            <a:endParaRPr lang="en-US" sz="1100" dirty="0">
+              <a:solidFill>
+                <a:schemeClr val="bg1"/>
+              </a:solidFill>
+              <a:effectLst/>
+              <a:latin typeface="Calibri" panose="020F0502020204030204" pitchFamily="34" charset="0"/>
+              <a:ea typeface="Calibri" panose="020F0502020204030204" pitchFamily="34" charset="0"/>
+              <a:cs typeface="Times New Roman" panose="02020603050405020304" pitchFamily="18" charset="0"/>
+            </a:endParaRPr>
+          </a:p>
+        </p:txBody>
+      </p:sp>
+      <p:cxnSp>
+        <p:nvCxnSpPr>
+          <p:cNvPr id="177" name="Elbow Connector 176"/>
+          <p:cNvCxnSpPr/>
+          <p:nvPr/>
+        </p:nvCxnSpPr>
+        <p:spPr>
+          <a:xfrm>
+            <a:off x="27106068" y="6079626"/>
+            <a:ext cx="914400" cy="914400"/>
+          </a:xfrm>
+          <a:prstGeom prst="bentConnector3">
+            <a:avLst/>
+          </a:prstGeom>
+        </p:spPr>
+        <p:style>
+          <a:lnRef idx="1">
+            <a:schemeClr val="dk1"/>
+          </a:lnRef>
+          <a:fillRef idx="0">
+            <a:schemeClr val="dk1"/>
+          </a:fillRef>
+          <a:effectRef idx="0">
+            <a:schemeClr val="dk1"/>
+          </a:effectRef>
+          <a:fontRef idx="minor">
+            <a:schemeClr val="tx1"/>
+          </a:fontRef>
+        </p:style>
+      </p:cxnSp>
+      <p:cxnSp>
+        <p:nvCxnSpPr>
+          <p:cNvPr id="178" name="Elbow Connector 177"/>
+          <p:cNvCxnSpPr/>
+          <p:nvPr/>
+        </p:nvCxnSpPr>
+        <p:spPr>
+          <a:xfrm flipV="1">
+            <a:off x="28035708" y="6072006"/>
+            <a:ext cx="426720" cy="922020"/>
+          </a:xfrm>
+          <a:prstGeom prst="bentConnector3">
+            <a:avLst>
+              <a:gd name="adj1" fmla="val 15517"/>
+            </a:avLst>
+          </a:prstGeom>
+        </p:spPr>
+        <p:style>
+          <a:lnRef idx="1">
+            <a:schemeClr val="dk1"/>
+          </a:lnRef>
+          <a:fillRef idx="0">
+            <a:schemeClr val="dk1"/>
+          </a:fillRef>
+          <a:effectRef idx="0">
+            <a:schemeClr val="dk1"/>
+          </a:effectRef>
+          <a:fontRef idx="minor">
+            <a:schemeClr val="tx1"/>
+          </a:fontRef>
+        </p:style>
+      </p:cxnSp>
+      <p:cxnSp>
+        <p:nvCxnSpPr>
+          <p:cNvPr id="179" name="Elbow Connector 178"/>
+          <p:cNvCxnSpPr/>
+          <p:nvPr/>
+        </p:nvCxnSpPr>
+        <p:spPr>
+          <a:xfrm>
+            <a:off x="28218588" y="6072006"/>
+            <a:ext cx="914400" cy="914400"/>
+          </a:xfrm>
+          <a:prstGeom prst="bentConnector3">
+            <a:avLst/>
+          </a:prstGeom>
+        </p:spPr>
+        <p:style>
+          <a:lnRef idx="1">
+            <a:schemeClr val="dk1"/>
+          </a:lnRef>
+          <a:fillRef idx="0">
+            <a:schemeClr val="dk1"/>
+          </a:fillRef>
+          <a:effectRef idx="0">
+            <a:schemeClr val="dk1"/>
+          </a:effectRef>
+          <a:fontRef idx="minor">
+            <a:schemeClr val="tx1"/>
+          </a:fontRef>
+        </p:style>
+      </p:cxnSp>
+      <p:sp>
+        <p:nvSpPr>
+          <p:cNvPr id="180" name="Rectangle 179"/>
+          <p:cNvSpPr/>
+          <p:nvPr/>
+        </p:nvSpPr>
+        <p:spPr>
+          <a:xfrm>
+            <a:off x="29033928" y="5820546"/>
+            <a:ext cx="982980" cy="1447800"/>
+          </a:xfrm>
+          <a:prstGeom prst="rect">
+            <a:avLst/>
+          </a:prstGeom>
+        </p:spPr>
+        <p:style>
+          <a:lnRef idx="2">
+            <a:schemeClr val="accent3">
+              <a:shade val="50000"/>
+            </a:schemeClr>
+          </a:lnRef>
+          <a:fillRef idx="1">
+            <a:schemeClr val="accent3"/>
+          </a:fillRef>
+          <a:effectRef idx="0">
+            <a:schemeClr val="accent3"/>
+          </a:effectRef>
+          <a:fontRef idx="minor">
+            <a:schemeClr val="lt1"/>
+          </a:fontRef>
+        </p:style>
+        <p:txBody>
+          <a:bodyPr rot="0" spcFirstLastPara="0" vert="horz" wrap="square" lIns="91440" tIns="45720" rIns="91440" bIns="45720" numCol="1" spcCol="0" rtlCol="0" fromWordArt="0" anchor="ctr" anchorCtr="0" forceAA="0" compatLnSpc="1">
+            <a:prstTxWarp prst="textNoShape">
+              <a:avLst/>
+            </a:prstTxWarp>
+            <a:noAutofit/>
+          </a:bodyPr>
+          <a:lstStyle/>
+          <a:p>
+            <a:endParaRPr lang="en-US"/>
+          </a:p>
+        </p:txBody>
+      </p:sp>
+      <p:sp>
+        <p:nvSpPr>
+          <p:cNvPr id="181" name="Text Box 17"/>
+          <p:cNvSpPr txBox="1"/>
+          <p:nvPr/>
+        </p:nvSpPr>
+        <p:spPr>
+          <a:xfrm>
+            <a:off x="28962296" y="6430146"/>
+            <a:ext cx="1104020" cy="281231"/>
+          </a:xfrm>
+          <a:prstGeom prst="rect">
+            <a:avLst/>
+          </a:prstGeom>
+          <a:noFill/>
+          <a:ln>
+            <a:noFill/>
+          </a:ln>
+          <a:effectLst/>
+        </p:spPr>
+        <p:txBody>
+          <a:bodyPr rot="0" spcFirstLastPara="0" vert="horz" wrap="none" lIns="91440" tIns="45720" rIns="91440" bIns="45720" numCol="1" spcCol="0" rtlCol="0" fromWordArt="0" anchor="t" anchorCtr="0" forceAA="0" compatLnSpc="1">
+            <a:prstTxWarp prst="textNoShape">
+              <a:avLst/>
+            </a:prstTxWarp>
+            <a:spAutoFit/>
+          </a:bodyPr>
+          <a:lstStyle/>
+          <a:p>
+            <a:pPr marL="0" marR="0" algn="ctr">
+              <a:lnSpc>
+                <a:spcPct val="107000"/>
+              </a:lnSpc>
+              <a:spcBef>
+                <a:spcPts val="0"/>
+              </a:spcBef>
+              <a:spcAft>
+                <a:spcPts val="800"/>
+              </a:spcAft>
+            </a:pPr>
+            <a:r>
+              <a:rPr lang="en-US" sz="1200" dirty="0">
+                <a:ln>
+                  <a:noFill/>
+                </a:ln>
+                <a:solidFill>
+                  <a:schemeClr val="bg1"/>
+                </a:solidFill>
+                <a:effectLst>
+                  <a:outerShdw blurRad="38100" dist="19050" dir="2700000" algn="tl">
+                    <a:schemeClr val="dk1">
+                      <a:alpha val="40000"/>
+                    </a:schemeClr>
+                  </a:outerShdw>
+                </a:effectLst>
+                <a:latin typeface="Calibri" panose="020F0502020204030204" pitchFamily="34" charset="0"/>
+                <a:ea typeface="Calibri" panose="020F0502020204030204" pitchFamily="34" charset="0"/>
+                <a:cs typeface="Times New Roman" panose="02020603050405020304" pitchFamily="18" charset="0"/>
+              </a:rPr>
+              <a:t>Low Pass Filter</a:t>
+            </a:r>
+            <a:endParaRPr lang="en-US" sz="1100" dirty="0">
+              <a:solidFill>
+                <a:schemeClr val="bg1"/>
+              </a:solidFill>
+              <a:effectLst/>
+              <a:latin typeface="Calibri" panose="020F0502020204030204" pitchFamily="34" charset="0"/>
+              <a:ea typeface="Calibri" panose="020F0502020204030204" pitchFamily="34" charset="0"/>
+              <a:cs typeface="Times New Roman" panose="02020603050405020304" pitchFamily="18" charset="0"/>
+            </a:endParaRPr>
+          </a:p>
+        </p:txBody>
+      </p:sp>
+      <p:sp>
+        <p:nvSpPr>
+          <p:cNvPr id="182" name="Rounded Rectangle 181"/>
+          <p:cNvSpPr/>
+          <p:nvPr/>
+        </p:nvSpPr>
+        <p:spPr>
+          <a:xfrm>
+            <a:off x="31590438" y="5843406"/>
+            <a:ext cx="1478280" cy="1531620"/>
+          </a:xfrm>
+          <a:prstGeom prst="roundRect">
+            <a:avLst/>
+          </a:prstGeom>
+        </p:spPr>
+        <p:style>
+          <a:lnRef idx="2">
+            <a:schemeClr val="accent1">
+              <a:shade val="50000"/>
+            </a:schemeClr>
+          </a:lnRef>
+          <a:fillRef idx="1">
+            <a:schemeClr val="accent1"/>
+          </a:fillRef>
+          <a:effectRef idx="0">
+            <a:schemeClr val="accent1"/>
+          </a:effectRef>
+          <a:fontRef idx="minor">
+            <a:schemeClr val="lt1"/>
+          </a:fontRef>
+        </p:style>
+        <p:txBody>
+          <a:bodyPr rot="0" spcFirstLastPara="0" vert="horz" wrap="square" lIns="91440" tIns="45720" rIns="91440" bIns="45720" numCol="1" spcCol="0" rtlCol="0" fromWordArt="0" anchor="ctr" anchorCtr="0" forceAA="0" compatLnSpc="1">
+            <a:prstTxWarp prst="textNoShape">
+              <a:avLst/>
+            </a:prstTxWarp>
+            <a:noAutofit/>
+          </a:bodyPr>
+          <a:lstStyle/>
+          <a:p>
+            <a:endParaRPr lang="en-US"/>
+          </a:p>
+        </p:txBody>
+      </p:sp>
+      <p:sp>
+        <p:nvSpPr>
+          <p:cNvPr id="184" name="Text Box 24"/>
+          <p:cNvSpPr txBox="1"/>
+          <p:nvPr/>
+        </p:nvSpPr>
+        <p:spPr>
+          <a:xfrm>
+            <a:off x="31551068" y="6110106"/>
+            <a:ext cx="1550296" cy="890372"/>
+          </a:xfrm>
+          <a:prstGeom prst="rect">
+            <a:avLst/>
+          </a:prstGeom>
+          <a:noFill/>
+          <a:ln>
+            <a:noFill/>
+          </a:ln>
+          <a:effectLst/>
+        </p:spPr>
+        <p:txBody>
+          <a:bodyPr rot="0" spcFirstLastPara="0" vert="horz" wrap="none" lIns="91440" tIns="45720" rIns="91440" bIns="45720" numCol="1" spcCol="0" rtlCol="0" fromWordArt="0" anchor="t" anchorCtr="0" forceAA="0" compatLnSpc="1">
+            <a:prstTxWarp prst="textNoShape">
+              <a:avLst/>
+            </a:prstTxWarp>
+            <a:spAutoFit/>
+          </a:bodyPr>
+          <a:lstStyle/>
+          <a:p>
+            <a:pPr marL="0" marR="0">
+              <a:lnSpc>
+                <a:spcPct val="107000"/>
+              </a:lnSpc>
+              <a:spcBef>
+                <a:spcPts val="0"/>
+              </a:spcBef>
+              <a:spcAft>
+                <a:spcPts val="800"/>
+              </a:spcAft>
+            </a:pPr>
+            <a:r>
+              <a:rPr lang="en-US" sz="1200" dirty="0">
+                <a:ln>
+                  <a:noFill/>
+                </a:ln>
+                <a:solidFill>
+                  <a:schemeClr val="bg1"/>
+                </a:solidFill>
+                <a:effectLst>
+                  <a:outerShdw blurRad="38100" dist="19050" dir="2700000" algn="tl">
+                    <a:schemeClr val="dk1">
+                      <a:alpha val="40000"/>
+                    </a:schemeClr>
+                  </a:outerShdw>
+                </a:effectLst>
+                <a:latin typeface="Calibri" panose="020F0502020204030204" pitchFamily="34" charset="0"/>
+                <a:ea typeface="Calibri" panose="020F0502020204030204" pitchFamily="34" charset="0"/>
+                <a:cs typeface="Times New Roman" panose="02020603050405020304" pitchFamily="18" charset="0"/>
+              </a:rPr>
+              <a:t>Pneumatic Subsystem</a:t>
+            </a:r>
+            <a:endParaRPr lang="en-US" sz="1100" dirty="0">
+              <a:solidFill>
+                <a:schemeClr val="bg1"/>
+              </a:solidFill>
+              <a:effectLst/>
+              <a:latin typeface="Calibri" panose="020F0502020204030204" pitchFamily="34" charset="0"/>
+              <a:ea typeface="Calibri" panose="020F0502020204030204" pitchFamily="34" charset="0"/>
+              <a:cs typeface="Times New Roman" panose="02020603050405020304" pitchFamily="18" charset="0"/>
+            </a:endParaRPr>
+          </a:p>
+          <a:p>
+            <a:pPr marL="0" marR="0">
+              <a:lnSpc>
+                <a:spcPct val="107000"/>
+              </a:lnSpc>
+              <a:spcBef>
+                <a:spcPts val="0"/>
+              </a:spcBef>
+              <a:spcAft>
+                <a:spcPts val="800"/>
+              </a:spcAft>
+            </a:pPr>
+            <a:r>
+              <a:rPr lang="en-US" sz="1200" dirty="0">
+                <a:ln>
+                  <a:noFill/>
+                </a:ln>
+                <a:solidFill>
+                  <a:schemeClr val="bg1"/>
+                </a:solidFill>
+                <a:effectLst>
+                  <a:outerShdw blurRad="38100" dist="19050" dir="2700000" algn="tl">
+                    <a:schemeClr val="dk1">
+                      <a:alpha val="40000"/>
+                    </a:schemeClr>
+                  </a:outerShdw>
+                </a:effectLst>
+                <a:latin typeface="Calibri" panose="020F0502020204030204" pitchFamily="34" charset="0"/>
+                <a:ea typeface="Calibri" panose="020F0502020204030204" pitchFamily="34" charset="0"/>
+                <a:cs typeface="Times New Roman" panose="02020603050405020304" pitchFamily="18" charset="0"/>
+              </a:rPr>
+              <a:t> </a:t>
+            </a:r>
+            <a:endParaRPr lang="en-US" sz="1100" dirty="0">
+              <a:solidFill>
+                <a:schemeClr val="bg1"/>
+              </a:solidFill>
+              <a:effectLst/>
+              <a:latin typeface="Calibri" panose="020F0502020204030204" pitchFamily="34" charset="0"/>
+              <a:ea typeface="Calibri" panose="020F0502020204030204" pitchFamily="34" charset="0"/>
+              <a:cs typeface="Times New Roman" panose="02020603050405020304" pitchFamily="18" charset="0"/>
+            </a:endParaRPr>
+          </a:p>
+          <a:p>
+            <a:pPr marL="0" marR="0">
+              <a:lnSpc>
+                <a:spcPct val="107000"/>
+              </a:lnSpc>
+              <a:spcBef>
+                <a:spcPts val="0"/>
+              </a:spcBef>
+              <a:spcAft>
+                <a:spcPts val="800"/>
+              </a:spcAft>
+            </a:pPr>
+            <a:r>
+              <a:rPr lang="en-US" sz="1200" dirty="0">
+                <a:ln>
+                  <a:noFill/>
+                </a:ln>
+                <a:solidFill>
+                  <a:schemeClr val="bg1"/>
+                </a:solidFill>
+                <a:effectLst>
+                  <a:outerShdw blurRad="38100" dist="19050" dir="2700000" algn="tl">
+                    <a:schemeClr val="dk1">
+                      <a:alpha val="40000"/>
+                    </a:schemeClr>
+                  </a:outerShdw>
+                </a:effectLst>
+                <a:latin typeface="Calibri" panose="020F0502020204030204" pitchFamily="34" charset="0"/>
+                <a:ea typeface="Calibri" panose="020F0502020204030204" pitchFamily="34" charset="0"/>
+                <a:cs typeface="Times New Roman" panose="02020603050405020304" pitchFamily="18" charset="0"/>
+              </a:rPr>
+              <a:t>Valves and Cylinders</a:t>
+            </a:r>
+            <a:endParaRPr lang="en-US" sz="1100" dirty="0">
+              <a:solidFill>
+                <a:schemeClr val="bg1"/>
+              </a:solidFill>
+              <a:effectLst/>
+              <a:latin typeface="Calibri" panose="020F0502020204030204" pitchFamily="34" charset="0"/>
+              <a:ea typeface="Calibri" panose="020F0502020204030204" pitchFamily="34" charset="0"/>
+              <a:cs typeface="Times New Roman" panose="02020603050405020304" pitchFamily="18" charset="0"/>
+            </a:endParaRPr>
+          </a:p>
+        </p:txBody>
+      </p:sp>
+      <p:cxnSp>
+        <p:nvCxnSpPr>
+          <p:cNvPr id="186" name="Curved Connector 185"/>
+          <p:cNvCxnSpPr/>
+          <p:nvPr/>
+        </p:nvCxnSpPr>
+        <p:spPr>
+          <a:xfrm flipH="1">
+            <a:off x="30275988" y="7435986"/>
+            <a:ext cx="1607820" cy="1219200"/>
+          </a:xfrm>
+          <a:prstGeom prst="curvedConnector3">
+            <a:avLst/>
+          </a:prstGeom>
+          <a:ln>
+            <a:tailEnd type="triangle"/>
+          </a:ln>
+        </p:spPr>
+        <p:style>
+          <a:lnRef idx="1">
+            <a:schemeClr val="dk1"/>
+          </a:lnRef>
+          <a:fillRef idx="0">
+            <a:schemeClr val="dk1"/>
+          </a:fillRef>
+          <a:effectRef idx="0">
+            <a:schemeClr val="dk1"/>
+          </a:effectRef>
+          <a:fontRef idx="minor">
+            <a:schemeClr val="tx1"/>
+          </a:fontRef>
+        </p:style>
+      </p:cxnSp>
+      <p:cxnSp>
+        <p:nvCxnSpPr>
+          <p:cNvPr id="187" name="Curved Connector 186"/>
+          <p:cNvCxnSpPr/>
+          <p:nvPr/>
+        </p:nvCxnSpPr>
+        <p:spPr>
+          <a:xfrm flipH="1" flipV="1">
+            <a:off x="27106068" y="7184526"/>
+            <a:ext cx="2011680" cy="1508760"/>
+          </a:xfrm>
+          <a:prstGeom prst="curvedConnector3">
+            <a:avLst/>
+          </a:prstGeom>
+          <a:ln>
+            <a:tailEnd type="triangle"/>
+          </a:ln>
+        </p:spPr>
+        <p:style>
+          <a:lnRef idx="1">
+            <a:schemeClr val="dk1"/>
+          </a:lnRef>
+          <a:fillRef idx="0">
+            <a:schemeClr val="dk1"/>
+          </a:fillRef>
+          <a:effectRef idx="0">
+            <a:schemeClr val="dk1"/>
+          </a:effectRef>
+          <a:fontRef idx="minor">
+            <a:schemeClr val="tx1"/>
+          </a:fontRef>
+        </p:style>
+      </p:cxnSp>
+      <p:sp>
+        <p:nvSpPr>
+          <p:cNvPr id="188" name="Text Box 29"/>
+          <p:cNvSpPr txBox="1"/>
+          <p:nvPr/>
+        </p:nvSpPr>
+        <p:spPr>
+          <a:xfrm>
+            <a:off x="29125368" y="8525646"/>
+            <a:ext cx="1170940" cy="417195"/>
+          </a:xfrm>
+          <a:prstGeom prst="rect">
+            <a:avLst/>
+          </a:prstGeom>
+          <a:noFill/>
+          <a:ln>
+            <a:noFill/>
+          </a:ln>
+          <a:effectLst/>
+        </p:spPr>
+        <p:txBody>
+          <a:bodyPr rot="0" spcFirstLastPara="0" vert="horz" wrap="none" lIns="91440" tIns="45720" rIns="91440" bIns="45720" numCol="1" spcCol="0" rtlCol="0" fromWordArt="0" anchor="t" anchorCtr="0" forceAA="0" compatLnSpc="1">
+            <a:prstTxWarp prst="textNoShape">
+              <a:avLst/>
+            </a:prstTxWarp>
+            <a:spAutoFit/>
+          </a:bodyPr>
+          <a:lstStyle/>
+          <a:p>
+            <a:pPr marL="0" marR="0" algn="ctr">
+              <a:lnSpc>
+                <a:spcPct val="107000"/>
+              </a:lnSpc>
+              <a:spcBef>
+                <a:spcPts val="0"/>
+              </a:spcBef>
+              <a:spcAft>
+                <a:spcPts val="800"/>
+              </a:spcAft>
+            </a:pPr>
+            <a:r>
+              <a:rPr lang="en-US" sz="1200">
+                <a:ln>
+                  <a:noFill/>
+                </a:ln>
+                <a:solidFill>
+                  <a:srgbClr val="000000"/>
+                </a:solidFill>
+                <a:effectLst>
+                  <a:outerShdw blurRad="38100" dist="19050" dir="2700000" algn="tl">
+                    <a:schemeClr val="dk1">
+                      <a:alpha val="40000"/>
+                    </a:schemeClr>
+                  </a:outerShdw>
+                </a:effectLst>
+                <a:latin typeface="Calibri" panose="020F0502020204030204" pitchFamily="34" charset="0"/>
+                <a:ea typeface="Calibri" panose="020F0502020204030204" pitchFamily="34" charset="0"/>
+                <a:cs typeface="Times New Roman" panose="02020603050405020304" pitchFamily="18" charset="0"/>
+              </a:rPr>
+              <a:t>Feedback Signal</a:t>
+            </a:r>
+            <a:endParaRPr lang="en-US" sz="1100">
+              <a:effectLst/>
+              <a:latin typeface="Calibri" panose="020F0502020204030204" pitchFamily="34" charset="0"/>
+              <a:ea typeface="Calibri" panose="020F0502020204030204" pitchFamily="34" charset="0"/>
+              <a:cs typeface="Times New Roman" panose="02020603050405020304" pitchFamily="18" charset="0"/>
+            </a:endParaRPr>
+          </a:p>
+        </p:txBody>
+      </p:sp>
+      <p:sp>
+        <p:nvSpPr>
+          <p:cNvPr id="189" name="Text Box 30"/>
+          <p:cNvSpPr txBox="1"/>
+          <p:nvPr/>
+        </p:nvSpPr>
+        <p:spPr>
+          <a:xfrm>
+            <a:off x="27014628" y="5637666"/>
+            <a:ext cx="2047875" cy="417195"/>
+          </a:xfrm>
+          <a:prstGeom prst="rect">
+            <a:avLst/>
+          </a:prstGeom>
+          <a:noFill/>
+          <a:ln>
+            <a:noFill/>
+          </a:ln>
+          <a:effectLst/>
+        </p:spPr>
+        <p:txBody>
+          <a:bodyPr rot="0" spcFirstLastPara="0" vert="horz" wrap="none" lIns="91440" tIns="45720" rIns="91440" bIns="45720" numCol="1" spcCol="0" rtlCol="0" fromWordArt="0" anchor="t" anchorCtr="0" forceAA="0" compatLnSpc="1">
+            <a:prstTxWarp prst="textNoShape">
+              <a:avLst/>
+            </a:prstTxWarp>
+            <a:spAutoFit/>
+          </a:bodyPr>
+          <a:lstStyle/>
+          <a:p>
+            <a:pPr marL="0" marR="0" algn="ctr">
+              <a:lnSpc>
+                <a:spcPct val="107000"/>
+              </a:lnSpc>
+              <a:spcBef>
+                <a:spcPts val="0"/>
+              </a:spcBef>
+              <a:spcAft>
+                <a:spcPts val="800"/>
+              </a:spcAft>
+            </a:pPr>
+            <a:r>
+              <a:rPr lang="en-US" sz="1200">
+                <a:ln>
+                  <a:noFill/>
+                </a:ln>
+                <a:solidFill>
+                  <a:srgbClr val="000000"/>
+                </a:solidFill>
+                <a:effectLst>
+                  <a:outerShdw blurRad="38100" dist="19050" dir="2700000" algn="tl">
+                    <a:schemeClr val="dk1">
+                      <a:alpha val="40000"/>
+                    </a:schemeClr>
+                  </a:outerShdw>
+                </a:effectLst>
+                <a:latin typeface="Calibri" panose="020F0502020204030204" pitchFamily="34" charset="0"/>
+                <a:ea typeface="Calibri" panose="020F0502020204030204" pitchFamily="34" charset="0"/>
+                <a:cs typeface="Times New Roman" panose="02020603050405020304" pitchFamily="18" charset="0"/>
+              </a:rPr>
+              <a:t>Pulse Width Modulated Signal</a:t>
+            </a:r>
+            <a:endParaRPr lang="en-US" sz="1100">
+              <a:effectLst/>
+              <a:latin typeface="Calibri" panose="020F0502020204030204" pitchFamily="34" charset="0"/>
+              <a:ea typeface="Calibri" panose="020F0502020204030204" pitchFamily="34" charset="0"/>
+              <a:cs typeface="Times New Roman" panose="02020603050405020304" pitchFamily="18" charset="0"/>
+            </a:endParaRPr>
+          </a:p>
+        </p:txBody>
+      </p:sp>
+      <p:sp>
+        <p:nvSpPr>
+          <p:cNvPr id="190" name="Text Box 31"/>
+          <p:cNvSpPr txBox="1"/>
+          <p:nvPr/>
+        </p:nvSpPr>
+        <p:spPr>
+          <a:xfrm>
+            <a:off x="30344568" y="5614806"/>
+            <a:ext cx="941705" cy="399415"/>
+          </a:xfrm>
+          <a:prstGeom prst="rect">
+            <a:avLst/>
+          </a:prstGeom>
+          <a:noFill/>
+          <a:ln>
+            <a:noFill/>
+          </a:ln>
+          <a:effectLst/>
+        </p:spPr>
+        <p:txBody>
+          <a:bodyPr rot="0" spcFirstLastPara="0" vert="horz" wrap="none" lIns="91440" tIns="45720" rIns="91440" bIns="45720" numCol="1" spcCol="0" rtlCol="0" fromWordArt="0" anchor="t" anchorCtr="0" forceAA="0" compatLnSpc="1">
+            <a:prstTxWarp prst="textNoShape">
+              <a:avLst/>
+            </a:prstTxWarp>
+            <a:spAutoFit/>
+          </a:bodyPr>
+          <a:lstStyle/>
+          <a:p>
+            <a:pPr marL="0" marR="0" algn="ctr">
+              <a:lnSpc>
+                <a:spcPct val="107000"/>
+              </a:lnSpc>
+              <a:spcBef>
+                <a:spcPts val="0"/>
+              </a:spcBef>
+              <a:spcAft>
+                <a:spcPts val="800"/>
+              </a:spcAft>
+            </a:pPr>
+            <a:r>
+              <a:rPr lang="en-US" sz="1100">
+                <a:ln>
+                  <a:noFill/>
+                </a:ln>
+                <a:solidFill>
+                  <a:srgbClr val="000000"/>
+                </a:solidFill>
+                <a:effectLst>
+                  <a:outerShdw blurRad="38100" dist="19050" dir="2700000" algn="tl">
+                    <a:schemeClr val="dk1">
+                      <a:alpha val="40000"/>
+                    </a:schemeClr>
+                  </a:outerShdw>
+                </a:effectLst>
+                <a:latin typeface="Calibri" panose="020F0502020204030204" pitchFamily="34" charset="0"/>
+                <a:ea typeface="Calibri" panose="020F0502020204030204" pitchFamily="34" charset="0"/>
+                <a:cs typeface="Times New Roman" panose="02020603050405020304" pitchFamily="18" charset="0"/>
+              </a:rPr>
+              <a:t>Analog Signal</a:t>
+            </a:r>
+            <a:endParaRPr lang="en-US" sz="1100">
+              <a:effectLst/>
+              <a:latin typeface="Calibri" panose="020F0502020204030204" pitchFamily="34" charset="0"/>
+              <a:ea typeface="Calibri" panose="020F0502020204030204" pitchFamily="34" charset="0"/>
+              <a:cs typeface="Times New Roman" panose="02020603050405020304" pitchFamily="18" charset="0"/>
+            </a:endParaRPr>
+          </a:p>
+        </p:txBody>
+      </p:sp>
+      <p:sp>
+        <p:nvSpPr>
+          <p:cNvPr id="18" name="Rectangle 19"/>
+          <p:cNvSpPr>
+            <a:spLocks noChangeArrowheads="1"/>
+          </p:cNvSpPr>
+          <p:nvPr/>
+        </p:nvSpPr>
+        <p:spPr bwMode="auto">
+          <a:xfrm>
+            <a:off x="25322988" y="3382146"/>
+            <a:ext cx="36576000" cy="457200"/>
+          </a:xfrm>
+          <a:prstGeom prst="rect">
+            <a:avLst/>
+          </a:prstGeom>
+          <a:noFill/>
+          <a:ln>
+            <a:noFill/>
+          </a:ln>
+          <a:effectLst/>
+          <a:extLst>
+            <a:ext uri="{909E8E84-426E-40DD-AFC4-6F175D3DCCD1}">
+              <a14:hiddenFill xmlns:a14="http://schemas.microsoft.com/office/drawing/2010/main">
+                <a:solidFill>
+                  <a:schemeClr val="accent1"/>
+                </a:solidFill>
+              </a14:hiddenFill>
+            </a:ext>
+            <a:ext uri="{91240B29-F687-4F45-9708-019B960494DF}">
+              <a14:hiddenLine xmlns:a14="http://schemas.microsoft.com/office/drawing/2010/main" w="9525">
+                <a:solidFill>
+                  <a:schemeClr val="tx1"/>
+                </a:solidFill>
+                <a:miter lim="800000"/>
+                <a:headEnd/>
+                <a:tailEnd/>
+              </a14:hiddenLine>
+            </a:ext>
+            <a:ext uri="{AF507438-7753-43E0-B8FC-AC1667EBCBE1}">
+              <a14:hiddenEffects xmlns:a14="http://schemas.microsoft.com/office/drawing/2010/main">
+                <a:effectLst>
+                  <a:outerShdw dist="35921" dir="2700000" algn="ctr" rotWithShape="0">
+                    <a:schemeClr val="bg2"/>
+                  </a:outerShdw>
+                </a:effectLst>
+              </a14:hiddenEffects>
+            </a:ext>
+          </a:extLst>
+        </p:spPr>
+        <p:txBody>
+          <a:bodyPr vert="horz" wrap="none" lIns="91440" tIns="45720" rIns="91440" bIns="45720" numCol="1" anchor="ctr" anchorCtr="0" compatLnSpc="1">
+            <a:prstTxWarp prst="textNoShape">
+              <a:avLst/>
+            </a:prstTxWarp>
+            <a:spAutoFit/>
+          </a:bodyPr>
+          <a:lstStyle/>
+          <a:p>
+            <a:endParaRPr lang="en-US"/>
+          </a:p>
+        </p:txBody>
+      </p:sp>
+      <p:sp>
+        <p:nvSpPr>
+          <p:cNvPr id="21" name="TextBox 20"/>
+          <p:cNvSpPr txBox="1"/>
+          <p:nvPr/>
+        </p:nvSpPr>
+        <p:spPr>
+          <a:xfrm>
+            <a:off x="626881" y="3215594"/>
+            <a:ext cx="9451403" cy="584775"/>
+          </a:xfrm>
+          <a:prstGeom prst="rect">
+            <a:avLst/>
+          </a:prstGeom>
+          <a:solidFill>
+            <a:schemeClr val="accent2"/>
+          </a:solidFill>
+        </p:spPr>
+        <p:txBody>
+          <a:bodyPr wrap="square" rtlCol="0">
+            <a:spAutoFit/>
+          </a:bodyPr>
+          <a:lstStyle/>
+          <a:p>
+            <a:r>
+              <a:rPr lang="en-US" sz="3200" b="1" dirty="0" smtClean="0">
+                <a:solidFill>
+                  <a:schemeClr val="bg1"/>
+                </a:solidFill>
+              </a:rPr>
+              <a:t>Problem Statement</a:t>
+            </a:r>
+            <a:endParaRPr lang="en-US" sz="3200" b="1" dirty="0">
+              <a:solidFill>
+                <a:schemeClr val="bg1"/>
+              </a:solidFill>
+            </a:endParaRPr>
+          </a:p>
+        </p:txBody>
+      </p:sp>
+      <p:sp>
+        <p:nvSpPr>
+          <p:cNvPr id="22" name="TextBox 21"/>
+          <p:cNvSpPr txBox="1"/>
+          <p:nvPr/>
+        </p:nvSpPr>
+        <p:spPr>
+          <a:xfrm>
+            <a:off x="630142" y="6891270"/>
+            <a:ext cx="9448143" cy="584775"/>
+          </a:xfrm>
+          <a:prstGeom prst="rect">
+            <a:avLst/>
+          </a:prstGeom>
+          <a:solidFill>
+            <a:schemeClr val="accent2"/>
+          </a:solidFill>
+        </p:spPr>
+        <p:txBody>
+          <a:bodyPr wrap="square" rtlCol="0">
+            <a:spAutoFit/>
+          </a:bodyPr>
+          <a:lstStyle/>
+          <a:p>
+            <a:r>
+              <a:rPr lang="en-US" sz="3200" b="1" dirty="0" smtClean="0">
+                <a:solidFill>
+                  <a:schemeClr val="bg1"/>
+                </a:solidFill>
+              </a:rPr>
+              <a:t>Objective</a:t>
+            </a:r>
+            <a:endParaRPr lang="en-US" sz="3200" b="1" dirty="0">
+              <a:solidFill>
+                <a:schemeClr val="bg1"/>
+              </a:solidFill>
+            </a:endParaRPr>
+          </a:p>
+        </p:txBody>
+      </p:sp>
+      <p:sp>
+        <p:nvSpPr>
+          <p:cNvPr id="23" name="TextBox 22"/>
+          <p:cNvSpPr txBox="1"/>
+          <p:nvPr/>
+        </p:nvSpPr>
+        <p:spPr>
+          <a:xfrm>
+            <a:off x="626880" y="9175846"/>
+            <a:ext cx="9451403" cy="584775"/>
+          </a:xfrm>
+          <a:prstGeom prst="rect">
+            <a:avLst/>
+          </a:prstGeom>
+          <a:solidFill>
+            <a:schemeClr val="accent2"/>
+          </a:solidFill>
+        </p:spPr>
+        <p:txBody>
+          <a:bodyPr wrap="square" rtlCol="0">
+            <a:spAutoFit/>
+          </a:bodyPr>
+          <a:lstStyle/>
+          <a:p>
+            <a:r>
+              <a:rPr lang="en-US" sz="3200" b="1" dirty="0" smtClean="0">
+                <a:solidFill>
+                  <a:schemeClr val="bg1"/>
+                </a:solidFill>
+              </a:rPr>
+              <a:t>Design Criteria and Constraints</a:t>
+            </a:r>
+            <a:endParaRPr lang="en-US" sz="3200" b="1" dirty="0">
+              <a:solidFill>
+                <a:schemeClr val="bg1"/>
+              </a:solidFill>
+            </a:endParaRPr>
+          </a:p>
+        </p:txBody>
+      </p:sp>
+      <p:sp>
+        <p:nvSpPr>
+          <p:cNvPr id="24" name="TextBox 23"/>
+          <p:cNvSpPr txBox="1"/>
+          <p:nvPr/>
+        </p:nvSpPr>
+        <p:spPr>
+          <a:xfrm>
+            <a:off x="553285" y="14969074"/>
+            <a:ext cx="9524997" cy="584775"/>
+          </a:xfrm>
+          <a:prstGeom prst="rect">
+            <a:avLst/>
+          </a:prstGeom>
+          <a:solidFill>
+            <a:schemeClr val="accent2"/>
+          </a:solidFill>
+        </p:spPr>
+        <p:txBody>
+          <a:bodyPr wrap="square" rtlCol="0">
+            <a:spAutoFit/>
+          </a:bodyPr>
+          <a:lstStyle/>
+          <a:p>
+            <a:r>
+              <a:rPr lang="en-US" sz="3200" b="1" dirty="0" smtClean="0">
+                <a:solidFill>
+                  <a:schemeClr val="bg1"/>
+                </a:solidFill>
+              </a:rPr>
+              <a:t>Mechanical Design of Chassis</a:t>
+            </a:r>
+            <a:endParaRPr lang="en-US" sz="3200" b="1" dirty="0">
+              <a:solidFill>
+                <a:schemeClr val="bg1"/>
+              </a:solidFill>
+            </a:endParaRPr>
+          </a:p>
+        </p:txBody>
+      </p:sp>
+      <p:sp>
+        <p:nvSpPr>
+          <p:cNvPr id="25" name="TextBox 24"/>
+          <p:cNvSpPr txBox="1"/>
+          <p:nvPr/>
+        </p:nvSpPr>
+        <p:spPr>
+          <a:xfrm>
+            <a:off x="11104151" y="8340476"/>
+            <a:ext cx="9540240" cy="584775"/>
+          </a:xfrm>
+          <a:prstGeom prst="rect">
+            <a:avLst/>
+          </a:prstGeom>
+          <a:solidFill>
+            <a:schemeClr val="accent2"/>
+          </a:solidFill>
+        </p:spPr>
+        <p:txBody>
+          <a:bodyPr wrap="square" rtlCol="0">
+            <a:spAutoFit/>
+          </a:bodyPr>
+          <a:lstStyle/>
+          <a:p>
+            <a:r>
+              <a:rPr lang="en-US" sz="3200" b="1" dirty="0" smtClean="0">
+                <a:solidFill>
+                  <a:schemeClr val="bg1"/>
+                </a:solidFill>
+              </a:rPr>
+              <a:t>Leg Pneumatic Circuit</a:t>
+            </a:r>
+            <a:endParaRPr lang="en-US" sz="3200" b="1" dirty="0">
+              <a:solidFill>
+                <a:schemeClr val="bg1"/>
+              </a:solidFill>
+            </a:endParaRPr>
+          </a:p>
+        </p:txBody>
+      </p:sp>
+      <p:sp>
+        <p:nvSpPr>
+          <p:cNvPr id="26" name="TextBox 25"/>
+          <p:cNvSpPr txBox="1"/>
+          <p:nvPr/>
+        </p:nvSpPr>
+        <p:spPr>
+          <a:xfrm>
+            <a:off x="11110405" y="15045370"/>
+            <a:ext cx="9533985" cy="584775"/>
+          </a:xfrm>
+          <a:prstGeom prst="rect">
+            <a:avLst/>
+          </a:prstGeom>
+          <a:solidFill>
+            <a:schemeClr val="accent2"/>
+          </a:solidFill>
+        </p:spPr>
+        <p:txBody>
+          <a:bodyPr wrap="square" rtlCol="0">
+            <a:spAutoFit/>
+          </a:bodyPr>
+          <a:lstStyle/>
+          <a:p>
+            <a:r>
+              <a:rPr lang="en-US" sz="3200" b="1" dirty="0" smtClean="0">
+                <a:solidFill>
+                  <a:schemeClr val="bg1"/>
+                </a:solidFill>
+              </a:rPr>
+              <a:t>Stability and Gait Development</a:t>
+            </a:r>
+            <a:endParaRPr lang="en-US" sz="3200" b="1" dirty="0">
+              <a:solidFill>
+                <a:schemeClr val="bg1"/>
+              </a:solidFill>
+            </a:endParaRPr>
+          </a:p>
+        </p:txBody>
+      </p:sp>
+      <p:sp>
+        <p:nvSpPr>
+          <p:cNvPr id="34" name="TextBox 33"/>
+          <p:cNvSpPr txBox="1"/>
+          <p:nvPr/>
+        </p:nvSpPr>
+        <p:spPr>
+          <a:xfrm>
+            <a:off x="24681005" y="3253568"/>
+            <a:ext cx="9583874" cy="584775"/>
+          </a:xfrm>
+          <a:prstGeom prst="rect">
+            <a:avLst/>
+          </a:prstGeom>
+          <a:solidFill>
+            <a:schemeClr val="accent2"/>
+          </a:solidFill>
+        </p:spPr>
+        <p:txBody>
+          <a:bodyPr wrap="square" rtlCol="0">
+            <a:spAutoFit/>
+          </a:bodyPr>
+          <a:lstStyle/>
+          <a:p>
+            <a:r>
+              <a:rPr lang="en-US" sz="3200" b="1" dirty="0" smtClean="0">
+                <a:solidFill>
+                  <a:schemeClr val="bg1"/>
+                </a:solidFill>
+              </a:rPr>
+              <a:t>Electrical Design</a:t>
+            </a:r>
+            <a:endParaRPr lang="en-US" sz="3200" b="1" dirty="0">
+              <a:solidFill>
+                <a:schemeClr val="bg1"/>
+              </a:solidFill>
+            </a:endParaRPr>
+          </a:p>
+        </p:txBody>
+      </p:sp>
+      <p:sp>
+        <p:nvSpPr>
+          <p:cNvPr id="35" name="TextBox 34"/>
+          <p:cNvSpPr txBox="1"/>
+          <p:nvPr/>
+        </p:nvSpPr>
+        <p:spPr>
+          <a:xfrm>
+            <a:off x="24681004" y="8853058"/>
+            <a:ext cx="9584370" cy="584775"/>
+          </a:xfrm>
+          <a:prstGeom prst="rect">
+            <a:avLst/>
+          </a:prstGeom>
+          <a:solidFill>
+            <a:schemeClr val="accent2"/>
+          </a:solidFill>
+        </p:spPr>
+        <p:txBody>
+          <a:bodyPr wrap="square" rtlCol="0">
+            <a:spAutoFit/>
+          </a:bodyPr>
+          <a:lstStyle/>
+          <a:p>
+            <a:r>
+              <a:rPr lang="en-US" sz="3200" b="1" dirty="0" smtClean="0">
+                <a:solidFill>
+                  <a:schemeClr val="bg1"/>
+                </a:solidFill>
+              </a:rPr>
+              <a:t>Human Machine Interface</a:t>
+            </a:r>
+            <a:endParaRPr lang="en-US" sz="3200" b="1" dirty="0">
+              <a:solidFill>
+                <a:schemeClr val="bg1"/>
+              </a:solidFill>
+            </a:endParaRPr>
+          </a:p>
+        </p:txBody>
+      </p:sp>
+      <p:sp>
+        <p:nvSpPr>
+          <p:cNvPr id="100" name="TextBox 99"/>
+          <p:cNvSpPr txBox="1"/>
+          <p:nvPr/>
+        </p:nvSpPr>
+        <p:spPr>
+          <a:xfrm>
+            <a:off x="24655411" y="15951169"/>
+            <a:ext cx="9751397" cy="584775"/>
+          </a:xfrm>
+          <a:prstGeom prst="rect">
+            <a:avLst/>
+          </a:prstGeom>
+          <a:solidFill>
+            <a:schemeClr val="accent2"/>
+          </a:solidFill>
+        </p:spPr>
+        <p:txBody>
+          <a:bodyPr wrap="square" rtlCol="0">
+            <a:spAutoFit/>
+          </a:bodyPr>
+          <a:lstStyle/>
+          <a:p>
+            <a:r>
+              <a:rPr lang="en-US" sz="3200" b="1" dirty="0">
+                <a:solidFill>
+                  <a:schemeClr val="bg1"/>
+                </a:solidFill>
+              </a:rPr>
+              <a:t>Control Architecture: Two Link </a:t>
+            </a:r>
+            <a:r>
+              <a:rPr lang="en-US" sz="3200" b="1" dirty="0" smtClean="0">
+                <a:solidFill>
+                  <a:schemeClr val="bg1"/>
+                </a:solidFill>
+              </a:rPr>
+              <a:t>Leg</a:t>
+            </a:r>
+            <a:endParaRPr lang="en-US" sz="3200" b="1" dirty="0">
+              <a:solidFill>
+                <a:schemeClr val="bg1"/>
+              </a:solidFill>
+            </a:endParaRPr>
+          </a:p>
+        </p:txBody>
+      </p:sp>
+      <p:sp>
+        <p:nvSpPr>
+          <p:cNvPr id="101" name="TextBox 100"/>
+          <p:cNvSpPr txBox="1"/>
+          <p:nvPr/>
+        </p:nvSpPr>
+        <p:spPr>
+          <a:xfrm>
+            <a:off x="24681004" y="21037668"/>
+            <a:ext cx="9686966" cy="584775"/>
+          </a:xfrm>
+          <a:prstGeom prst="rect">
+            <a:avLst/>
+          </a:prstGeom>
+          <a:solidFill>
+            <a:schemeClr val="accent2"/>
+          </a:solidFill>
+        </p:spPr>
+        <p:txBody>
+          <a:bodyPr wrap="square" rtlCol="0">
+            <a:spAutoFit/>
+          </a:bodyPr>
+          <a:lstStyle/>
+          <a:p>
+            <a:r>
+              <a:rPr lang="en-US" sz="3200" b="1" dirty="0" smtClean="0">
+                <a:solidFill>
+                  <a:schemeClr val="bg1"/>
+                </a:solidFill>
+              </a:rPr>
+              <a:t>Conclusion and Results</a:t>
+            </a:r>
+            <a:endParaRPr lang="en-US" sz="3200" b="1" dirty="0">
+              <a:solidFill>
+                <a:schemeClr val="bg1"/>
+              </a:solidFill>
+            </a:endParaRPr>
+          </a:p>
+        </p:txBody>
+      </p:sp>
+      <p:sp>
+        <p:nvSpPr>
+          <p:cNvPr id="102" name="TextBox 101"/>
+          <p:cNvSpPr txBox="1"/>
+          <p:nvPr/>
+        </p:nvSpPr>
+        <p:spPr>
+          <a:xfrm>
+            <a:off x="24681004" y="23744360"/>
+            <a:ext cx="9685196" cy="584775"/>
+          </a:xfrm>
+          <a:prstGeom prst="rect">
+            <a:avLst/>
+          </a:prstGeom>
+          <a:solidFill>
+            <a:schemeClr val="accent2"/>
+          </a:solidFill>
+        </p:spPr>
+        <p:txBody>
+          <a:bodyPr wrap="square" rtlCol="0">
+            <a:spAutoFit/>
+          </a:bodyPr>
+          <a:lstStyle/>
+          <a:p>
+            <a:r>
+              <a:rPr lang="en-US" sz="3200" b="1" dirty="0" smtClean="0">
+                <a:solidFill>
+                  <a:schemeClr val="bg1"/>
+                </a:solidFill>
+              </a:rPr>
+              <a:t>Future Work</a:t>
+            </a:r>
+            <a:endParaRPr lang="en-US" sz="3200" b="1" dirty="0">
+              <a:solidFill>
+                <a:schemeClr val="bg1"/>
+              </a:solidFill>
+            </a:endParaRPr>
+          </a:p>
+        </p:txBody>
+      </p:sp>
     </p:spTree>
     <p:extLst>
       <p:ext uri="{BB962C8B-B14F-4D97-AF65-F5344CB8AC3E}">
@@ -9108,4 +11135,265 @@
   <a:objectDefaults/>
   <a:extraClrSchemeLst/>
 </a:theme>
+</file>
+
+<file path=ppt/theme/theme2.xml><?xml version="1.0" encoding="utf-8"?>
+<a:theme xmlns:a="http://schemas.openxmlformats.org/drawingml/2006/main" name="Office Theme">
+  <a:themeElements>
+    <a:clrScheme name="Office">
+      <a:dk1>
+        <a:sysClr val="windowText" lastClr="000000"/>
+      </a:dk1>
+      <a:lt1>
+        <a:sysClr val="window" lastClr="FFFFFF"/>
+      </a:lt1>
+      <a:dk2>
+        <a:srgbClr val="44546A"/>
+      </a:dk2>
+      <a:lt2>
+        <a:srgbClr val="E7E6E6"/>
+      </a:lt2>
+      <a:accent1>
+        <a:srgbClr val="5B9BD5"/>
+      </a:accent1>
+      <a:accent2>
+        <a:srgbClr val="ED7D31"/>
+      </a:accent2>
+      <a:accent3>
+        <a:srgbClr val="A5A5A5"/>
+      </a:accent3>
+      <a:accent4>
+        <a:srgbClr val="FFC000"/>
+      </a:accent4>
+      <a:accent5>
+        <a:srgbClr val="4472C4"/>
+      </a:accent5>
+      <a:accent6>
+        <a:srgbClr val="70AD47"/>
+      </a:accent6>
+      <a:hlink>
+        <a:srgbClr val="0563C1"/>
+      </a:hlink>
+      <a:folHlink>
+        <a:srgbClr val="954F72"/>
+      </a:folHlink>
+    </a:clrScheme>
+    <a:fontScheme name="Office">
+      <a:majorFont>
+        <a:latin typeface="Calibri Light" panose="020F0302020204030204"/>
+        <a:ea typeface=""/>
+        <a:cs typeface=""/>
+        <a:font script="Jpan" typeface="ＭＳ Ｐゴシック"/>
+        <a:font script="Hang" typeface="맑은 고딕"/>
+        <a:font script="Hans" typeface="宋体"/>
+        <a:font script="Hant" typeface="新細明體"/>
+        <a:font script="Arab" typeface="Times New Roman"/>
+        <a:font script="Hebr" typeface="Times New Roman"/>
+        <a:font script="Thai" typeface="Angsana New"/>
+        <a:font script="Ethi" typeface="Nyala"/>
+        <a:font script="Beng" typeface="Vrinda"/>
+        <a:font script="Gujr" typeface="Shruti"/>
+        <a:font script="Khmr" typeface="MoolBoran"/>
+        <a:font script="Knda" typeface="Tunga"/>
+        <a:font script="Guru" typeface="Raavi"/>
+        <a:font script="Cans" typeface="Euphemia"/>
+        <a:font script="Cher" typeface="Plantagenet Cherokee"/>
+        <a:font script="Yiii" typeface="Microsoft Yi Baiti"/>
+        <a:font script="Tibt" typeface="Microsoft Himalaya"/>
+        <a:font script="Thaa" typeface="MV Boli"/>
+        <a:font script="Deva" typeface="Mangal"/>
+        <a:font script="Telu" typeface="Gautami"/>
+        <a:font script="Taml" typeface="Latha"/>
+        <a:font script="Syrc" typeface="Estrangelo Edessa"/>
+        <a:font script="Orya" typeface="Kalinga"/>
+        <a:font script="Mlym" typeface="Kartika"/>
+        <a:font script="Laoo" typeface="DokChampa"/>
+        <a:font script="Sinh" typeface="Iskoola Pota"/>
+        <a:font script="Mong" typeface="Mongolian Baiti"/>
+        <a:font script="Viet" typeface="Times New Roman"/>
+        <a:font script="Uigh" typeface="Microsoft Uighur"/>
+        <a:font script="Geor" typeface="Sylfaen"/>
+      </a:majorFont>
+      <a:minorFont>
+        <a:latin typeface="Calibri" panose="020F0502020204030204"/>
+        <a:ea typeface=""/>
+        <a:cs typeface=""/>
+        <a:font script="Jpan" typeface="ＭＳ Ｐゴシック"/>
+        <a:font script="Hang" typeface="맑은 고딕"/>
+        <a:font script="Hans" typeface="宋体"/>
+        <a:font script="Hant" typeface="新細明體"/>
+        <a:font script="Arab" typeface="Arial"/>
+        <a:font script="Hebr" typeface="Arial"/>
+        <a:font script="Thai" typeface="Cordia New"/>
+        <a:font script="Ethi" typeface="Nyala"/>
+        <a:font script="Beng" typeface="Vrinda"/>
+        <a:font script="Gujr" typeface="Shruti"/>
+        <a:font script="Khmr" typeface="DaunPenh"/>
+        <a:font script="Knda" typeface="Tunga"/>
+        <a:font script="Guru" typeface="Raavi"/>
+        <a:font script="Cans" typeface="Euphemia"/>
+        <a:font script="Cher" typeface="Plantagenet Cherokee"/>
+        <a:font script="Yiii" typeface="Microsoft Yi Baiti"/>
+        <a:font script="Tibt" typeface="Microsoft Himalaya"/>
+        <a:font script="Thaa" typeface="MV Boli"/>
+        <a:font script="Deva" typeface="Mangal"/>
+        <a:font script="Telu" typeface="Gautami"/>
+        <a:font script="Taml" typeface="Latha"/>
+        <a:font script="Syrc" typeface="Estrangelo Edessa"/>
+        <a:font script="Orya" typeface="Kalinga"/>
+        <a:font script="Mlym" typeface="Kartika"/>
+        <a:font script="Laoo" typeface="DokChampa"/>
+        <a:font script="Sinh" typeface="Iskoola Pota"/>
+        <a:font script="Mong" typeface="Mongolian Baiti"/>
+        <a:font script="Viet" typeface="Arial"/>
+        <a:font script="Uigh" typeface="Microsoft Uighur"/>
+        <a:font script="Geor" typeface="Sylfaen"/>
+      </a:minorFont>
+    </a:fontScheme>
+    <a:fmtScheme name="Office">
+      <a:fillStyleLst>
+        <a:solidFill>
+          <a:schemeClr val="phClr"/>
+        </a:solidFill>
+        <a:gradFill rotWithShape="1">
+          <a:gsLst>
+            <a:gs pos="0">
+              <a:schemeClr val="phClr">
+                <a:lumMod val="110000"/>
+                <a:satMod val="105000"/>
+                <a:tint val="67000"/>
+              </a:schemeClr>
+            </a:gs>
+            <a:gs pos="50000">
+              <a:schemeClr val="phClr">
+                <a:lumMod val="105000"/>
+                <a:satMod val="103000"/>
+                <a:tint val="73000"/>
+              </a:schemeClr>
+            </a:gs>
+            <a:gs pos="100000">
+              <a:schemeClr val="phClr">
+                <a:lumMod val="105000"/>
+                <a:satMod val="109000"/>
+                <a:tint val="81000"/>
+              </a:schemeClr>
+            </a:gs>
+          </a:gsLst>
+          <a:lin ang="5400000" scaled="0"/>
+        </a:gradFill>
+        <a:gradFill rotWithShape="1">
+          <a:gsLst>
+            <a:gs pos="0">
+              <a:schemeClr val="phClr">
+                <a:satMod val="103000"/>
+                <a:lumMod val="102000"/>
+                <a:tint val="94000"/>
+              </a:schemeClr>
+            </a:gs>
+            <a:gs pos="50000">
+              <a:schemeClr val="phClr">
+                <a:satMod val="110000"/>
+                <a:lumMod val="100000"/>
+                <a:shade val="100000"/>
+              </a:schemeClr>
+            </a:gs>
+            <a:gs pos="100000">
+              <a:schemeClr val="phClr">
+                <a:lumMod val="99000"/>
+                <a:satMod val="120000"/>
+                <a:shade val="78000"/>
+              </a:schemeClr>
+            </a:gs>
+          </a:gsLst>
+          <a:lin ang="5400000" scaled="0"/>
+        </a:gradFill>
+      </a:fillStyleLst>
+      <a:lnStyleLst>
+        <a:ln w="6350" cap="flat" cmpd="sng" algn="ctr">
+          <a:solidFill>
+            <a:schemeClr val="phClr"/>
+          </a:solidFill>
+          <a:prstDash val="solid"/>
+          <a:miter lim="800000"/>
+        </a:ln>
+        <a:ln w="12700" cap="flat" cmpd="sng" algn="ctr">
+          <a:solidFill>
+            <a:schemeClr val="phClr"/>
+          </a:solidFill>
+          <a:prstDash val="solid"/>
+          <a:miter lim="800000"/>
+        </a:ln>
+        <a:ln w="19050" cap="flat" cmpd="sng" algn="ctr">
+          <a:solidFill>
+            <a:schemeClr val="phClr"/>
+          </a:solidFill>
+          <a:prstDash val="solid"/>
+          <a:miter lim="800000"/>
+        </a:ln>
+      </a:lnStyleLst>
+      <a:effectStyleLst>
+        <a:effectStyle>
+          <a:effectLst/>
+        </a:effectStyle>
+        <a:effectStyle>
+          <a:effectLst/>
+        </a:effectStyle>
+        <a:effectStyle>
+          <a:effectLst>
+            <a:outerShdw blurRad="57150" dist="19050" dir="5400000" algn="ctr" rotWithShape="0">
+              <a:srgbClr val="000000">
+                <a:alpha val="63000"/>
+              </a:srgbClr>
+            </a:outerShdw>
+          </a:effectLst>
+        </a:effectStyle>
+      </a:effectStyleLst>
+      <a:bgFillStyleLst>
+        <a:solidFill>
+          <a:schemeClr val="phClr"/>
+        </a:solidFill>
+        <a:solidFill>
+          <a:schemeClr val="phClr">
+            <a:tint val="95000"/>
+            <a:satMod val="170000"/>
+          </a:schemeClr>
+        </a:solidFill>
+        <a:gradFill rotWithShape="1">
+          <a:gsLst>
+            <a:gs pos="0">
+              <a:schemeClr val="phClr">
+                <a:tint val="93000"/>
+                <a:satMod val="150000"/>
+                <a:shade val="98000"/>
+                <a:lumMod val="102000"/>
+              </a:schemeClr>
+            </a:gs>
+            <a:gs pos="50000">
+              <a:schemeClr val="phClr">
+                <a:tint val="98000"/>
+                <a:satMod val="130000"/>
+                <a:shade val="90000"/>
+                <a:lumMod val="103000"/>
+              </a:schemeClr>
+            </a:gs>
+            <a:gs pos="100000">
+              <a:schemeClr val="phClr">
+                <a:shade val="63000"/>
+                <a:satMod val="120000"/>
+              </a:schemeClr>
+            </a:gs>
+          </a:gsLst>
+          <a:lin ang="5400000" scaled="0"/>
+        </a:gradFill>
+      </a:bgFillStyleLst>
+    </a:fmtScheme>
+  </a:themeElements>
+  <a:objectDefaults/>
+  <a:extraClrSchemeLst/>
+  <a:extLst>
+    <a:ext uri="{05A4C25C-085E-4340-85A3-A5531E510DB2}">
+      <thm15:themeFamily xmlns:thm15="http://schemas.microsoft.com/office/thememl/2012/main" name="Office Theme" id="{62F939B6-93AF-4DB8-9C6B-D6C7DFDC589F}" vid="{4A3C46E8-61CC-4603-A589-7422A47A8E4A}"/>
+    </a:ext>
+  </a:extLst>
+</a:theme>
 </file>
--- a/Documentation/Design Show Poster/Senior Design Show Poster.pptx
+++ b/Documentation/Design Show Poster/Senior Design Show Poster.pptx
@@ -3580,7 +3580,6 @@
               <a:rPr lang="en-US" sz="2000" b="1" dirty="0" smtClean="0"/>
               <a:t>Mechanical</a:t>
             </a:r>
-            <a:endParaRPr lang="en-US" sz="2000" b="1" dirty="0" smtClean="0"/>
           </a:p>
           <a:p>
             <a:pPr marL="342900" lvl="0" indent="-342900">
@@ -3752,148 +3751,24 @@
             <a:pPr algn="just"/>
             <a:r>
               <a:rPr lang="en-US" sz="2000" dirty="0" smtClean="0"/>
-              <a:t>Recently </a:t>
-            </a:r>
-            <a:r>
-              <a:rPr lang="en-US" sz="2000" dirty="0" smtClean="0"/>
-              <a:t>there has been a decline in interest and proficiency related to science, technology, engineering, and mathematics (STEM) fields. According to a 2013 survey by Junior Achievement USA, 46% of US teenagers showed interest in pursuing a STEM or medical related career, which was a 15% decrease from previous years. In addition there is a huge deficit of fluid power engineers in the United States with only 1% of Universities with engineering programs teaching a fluid power concentration. It has also been shown by a study conducted at the University of Nebraska that introducing students to topics in robotics not only improves their attitude towards STEM topics, but also increase their self-efficacy of topics within robotics.</a:t>
-            </a:r>
-            <a:endParaRPr lang="en-US" sz="2000" dirty="0"/>
-          </a:p>
-        </p:txBody>
-      </p:sp>
-      <p:sp>
-        <p:nvSpPr>
-          <p:cNvPr id="11" name="TextBox 10"/>
-          <p:cNvSpPr txBox="1"/>
-          <p:nvPr/>
-        </p:nvSpPr>
-        <p:spPr>
-          <a:xfrm>
-            <a:off x="553282" y="15631135"/>
-            <a:ext cx="9525000" cy="1938992"/>
-          </a:xfrm>
-          <a:prstGeom prst="rect">
-            <a:avLst/>
-          </a:prstGeom>
-          <a:noFill/>
-        </p:spPr>
-        <p:txBody>
-          <a:bodyPr wrap="square" rtlCol="0">
-            <a:spAutoFit/>
-          </a:bodyPr>
-          <a:lstStyle/>
-          <a:p>
-            <a:r>
-              <a:rPr lang="en-US" sz="2000" dirty="0" smtClean="0"/>
-              <a:t>Chassis </a:t>
-            </a:r>
-            <a:r>
-              <a:rPr lang="en-US" sz="2000" dirty="0" smtClean="0"/>
-              <a:t>Construction</a:t>
-            </a:r>
-          </a:p>
-          <a:p>
-            <a:pPr marL="342900" indent="-342900">
-              <a:buFont typeface="Arial" panose="020B0604020202020204" pitchFamily="34" charset="0"/>
-              <a:buChar char="•"/>
-            </a:pPr>
-            <a:r>
-              <a:rPr lang="en-US" sz="2000" dirty="0" smtClean="0"/>
-              <a:t>6105-T5 T-Slotted Aluminum Framing (Yield Strength = 275 </a:t>
-            </a:r>
-            <a:r>
-              <a:rPr lang="en-US" sz="2000" dirty="0" err="1" smtClean="0"/>
-              <a:t>Mpa</a:t>
-            </a:r>
-            <a:r>
-              <a:rPr lang="en-US" sz="2000" dirty="0" smtClean="0"/>
-              <a:t>)</a:t>
-            </a:r>
-          </a:p>
-          <a:p>
-            <a:pPr marL="342900" indent="-342900">
-              <a:buFont typeface="Arial" panose="020B0604020202020204" pitchFamily="34" charset="0"/>
-              <a:buChar char="•"/>
-            </a:pPr>
-            <a:r>
-              <a:rPr lang="en-US" sz="2000" dirty="0" smtClean="0"/>
-              <a:t>6061 Aluminum Plate</a:t>
-            </a:r>
-            <a:r>
-              <a:rPr lang="en-US" sz="2000" dirty="0"/>
-              <a:t> </a:t>
-            </a:r>
-            <a:r>
-              <a:rPr lang="en-US" sz="2000" dirty="0" smtClean="0"/>
-              <a:t>(Yield </a:t>
-            </a:r>
-            <a:r>
-              <a:rPr lang="en-US" sz="2000" dirty="0"/>
-              <a:t>Strength = </a:t>
-            </a:r>
-            <a:r>
-              <a:rPr lang="en-US" sz="2000" dirty="0" smtClean="0"/>
-              <a:t>276 </a:t>
-            </a:r>
-            <a:r>
-              <a:rPr lang="en-US" sz="2000" dirty="0" err="1" smtClean="0"/>
-              <a:t>Mpa</a:t>
-            </a:r>
-            <a:r>
-              <a:rPr lang="en-US" sz="2000" dirty="0" smtClean="0"/>
-              <a:t>)</a:t>
-            </a:r>
-          </a:p>
-          <a:p>
-            <a:r>
-              <a:rPr lang="en-US" sz="2000" dirty="0" smtClean="0"/>
-              <a:t>Leg Construction</a:t>
-            </a:r>
-          </a:p>
-          <a:p>
-            <a:pPr marL="342900" indent="-342900">
-              <a:buFont typeface="Arial" panose="020B0604020202020204" pitchFamily="34" charset="0"/>
-              <a:buChar char="•"/>
-            </a:pPr>
-            <a:r>
-              <a:rPr lang="en-US" sz="2000" dirty="0" smtClean="0"/>
-              <a:t>6061 Aluminum Bar (</a:t>
-            </a:r>
-            <a:r>
-              <a:rPr lang="en-US" sz="2000" dirty="0"/>
-              <a:t>Yield Strength = </a:t>
-            </a:r>
-            <a:r>
-              <a:rPr lang="en-US" sz="2000" dirty="0" smtClean="0"/>
-              <a:t>276 </a:t>
-            </a:r>
-            <a:r>
-              <a:rPr lang="en-US" sz="2000" dirty="0" err="1" smtClean="0"/>
-              <a:t>Mpa</a:t>
-            </a:r>
-            <a:r>
-              <a:rPr lang="en-US" sz="2000" dirty="0" smtClean="0"/>
-              <a:t>)</a:t>
-            </a:r>
-          </a:p>
-          <a:p>
+              <a:t>Recently there has been a decline in interest and proficiency related to science, technology, engineering, and mathematics (STEM) fields. According to a 2013 survey by Junior Achievement USA, 46% of US teenagers showed interest in pursuing a STEM or medical related career, which was a 15% decrease from previous years. In addition there is a huge deficit of fluid power engineers in the United States with only 1% of Universities with engineering programs teaching a fluid power concentration. It has also been shown by a study conducted at the University of Nebraska that introducing students to topics in robotics not only improves their attitude towards STEM topics, but also increase their self-efficacy of topics within robotics.</a:t>
+            </a:r>
             <a:endParaRPr lang="en-US" sz="2000" dirty="0"/>
           </a:p>
         </p:txBody>
       </p:sp>
       <p:grpSp>
         <p:nvGrpSpPr>
-          <p:cNvPr id="3" name="Group 2"/>
+          <p:cNvPr id="20" name="Group 19"/>
           <p:cNvGrpSpPr/>
           <p:nvPr/>
         </p:nvGrpSpPr>
         <p:grpSpPr>
           <a:xfrm>
-            <a:off x="2140814" y="18135867"/>
-            <a:ext cx="5011552" cy="5634355"/>
-            <a:chOff x="586740" y="13258800"/>
-            <a:chExt cx="5943600" cy="6624955"/>
+            <a:off x="1585237" y="22783798"/>
+            <a:ext cx="6949163" cy="4089395"/>
+            <a:chOff x="2118637" y="23001954"/>
+            <a:chExt cx="4987788" cy="2935179"/>
           </a:xfrm>
         </p:grpSpPr>
         <p:pic>
@@ -3910,8 +3785,8 @@
           </p:blipFill>
           <p:spPr>
             <a:xfrm>
-              <a:off x="3986774" y="13258800"/>
-              <a:ext cx="2543566" cy="3586162"/>
+              <a:off x="4961729" y="23001954"/>
+              <a:ext cx="2144696" cy="2935179"/>
             </a:xfrm>
             <a:prstGeom prst="rect">
               <a:avLst/>
@@ -3932,30 +3807,8 @@
           </p:blipFill>
           <p:spPr>
             <a:xfrm>
-              <a:off x="614924" y="13258800"/>
-              <a:ext cx="2766060" cy="3451225"/>
-            </a:xfrm>
-            <a:prstGeom prst="rect">
-              <a:avLst/>
-            </a:prstGeom>
-          </p:spPr>
-        </p:pic>
-        <p:pic>
-          <p:nvPicPr>
-            <p:cNvPr id="14" name="Picture 13"/>
-            <p:cNvPicPr/>
-            <p:nvPr/>
-          </p:nvPicPr>
-          <p:blipFill>
-            <a:blip r:embed="rId5"/>
-            <a:stretch>
-              <a:fillRect/>
-            </a:stretch>
-          </p:blipFill>
-          <p:spPr>
-            <a:xfrm>
-              <a:off x="586740" y="17221200"/>
-              <a:ext cx="5943600" cy="2662555"/>
+              <a:off x="2118637" y="23001954"/>
+              <a:ext cx="2332299" cy="2935179"/>
             </a:xfrm>
             <a:prstGeom prst="rect">
               <a:avLst/>
@@ -3963,123 +3816,6 @@
           </p:spPr>
         </p:pic>
       </p:grpSp>
-      <p:sp>
-        <p:nvSpPr>
-          <p:cNvPr id="15" name="TextBox 14"/>
-          <p:cNvSpPr txBox="1"/>
-          <p:nvPr/>
-        </p:nvSpPr>
-        <p:spPr>
-          <a:xfrm>
-            <a:off x="11088911" y="9084559"/>
-            <a:ext cx="9525000" cy="3908762"/>
-          </a:xfrm>
-          <a:prstGeom prst="rect">
-            <a:avLst/>
-          </a:prstGeom>
-          <a:noFill/>
-        </p:spPr>
-        <p:txBody>
-          <a:bodyPr wrap="square" rtlCol="0">
-            <a:spAutoFit/>
-          </a:bodyPr>
-          <a:lstStyle/>
-          <a:p>
-            <a:r>
-              <a:rPr lang="en-US" sz="2000" dirty="0" smtClean="0"/>
-              <a:t>Using </a:t>
-            </a:r>
-            <a:r>
-              <a:rPr lang="en-US" sz="2000" dirty="0" smtClean="0"/>
-              <a:t>pneumatic systems as the driving force for the legs, the following components will be utilized:</a:t>
-            </a:r>
-          </a:p>
-          <a:p>
-            <a:pPr marL="342900" indent="-342900">
-              <a:buFont typeface="Arial" panose="020B0604020202020204" pitchFamily="34" charset="0"/>
-              <a:buChar char="•"/>
-            </a:pPr>
-            <a:r>
-              <a:rPr lang="en-US" sz="2000" dirty="0" smtClean="0"/>
-              <a:t>Double-acting, air cylinders with position feedback sensors (1.5 in. bore diameter)</a:t>
-            </a:r>
-          </a:p>
-          <a:p>
-            <a:pPr marL="342900" indent="-342900">
-              <a:buFont typeface="Arial" panose="020B0604020202020204" pitchFamily="34" charset="0"/>
-              <a:buChar char="•"/>
-            </a:pPr>
-            <a:r>
-              <a:rPr lang="en-US" sz="2000" dirty="0" smtClean="0"/>
-              <a:t>Two-solenoid 4 way 3 position directional control valves (0.37 </a:t>
-            </a:r>
-            <a:r>
-              <a:rPr lang="en-US" sz="2000" dirty="0" err="1" smtClean="0"/>
-              <a:t>C</a:t>
-            </a:r>
-            <a:r>
-              <a:rPr lang="en-US" sz="2000" baseline="-25000" dirty="0" err="1" smtClean="0"/>
-              <a:t>v</a:t>
-            </a:r>
-            <a:r>
-              <a:rPr lang="en-US" sz="2000" dirty="0" smtClean="0"/>
-              <a:t>)</a:t>
-            </a:r>
-          </a:p>
-          <a:p>
-            <a:pPr marL="342900" indent="-342900">
-              <a:buFont typeface="Arial" panose="020B0604020202020204" pitchFamily="34" charset="0"/>
-              <a:buChar char="•"/>
-            </a:pPr>
-            <a:r>
-              <a:rPr lang="en-US" sz="2000" dirty="0" smtClean="0"/>
-              <a:t>Air-compressor</a:t>
-            </a:r>
-          </a:p>
-          <a:p>
-            <a:pPr marL="342900" indent="-342900">
-              <a:buFont typeface="Arial" panose="020B0604020202020204" pitchFamily="34" charset="0"/>
-              <a:buChar char="•"/>
-            </a:pPr>
-            <a:r>
-              <a:rPr lang="en-US" sz="2000" dirty="0" smtClean="0"/>
-              <a:t>Pressure relief valve</a:t>
-            </a:r>
-          </a:p>
-          <a:p>
-            <a:pPr marL="342900" indent="-342900">
-              <a:buFont typeface="Arial" panose="020B0604020202020204" pitchFamily="34" charset="0"/>
-              <a:buChar char="•"/>
-            </a:pPr>
-            <a:r>
-              <a:rPr lang="en-US" sz="2000" dirty="0" smtClean="0"/>
-              <a:t>Soft start/dump solenoid valve</a:t>
-            </a:r>
-          </a:p>
-          <a:p>
-            <a:pPr marL="342900" indent="-342900">
-              <a:buFont typeface="Arial" panose="020B0604020202020204" pitchFamily="34" charset="0"/>
-              <a:buChar char="•"/>
-            </a:pPr>
-            <a:r>
-              <a:rPr lang="en-US" sz="2000" dirty="0" smtClean="0"/>
-              <a:t>Secondary receiver tank</a:t>
-            </a:r>
-          </a:p>
-          <a:p>
-            <a:endParaRPr lang="en-US" sz="2000" dirty="0" smtClean="0"/>
-          </a:p>
-          <a:p>
-            <a:endParaRPr lang="en-US" sz="2000" dirty="0"/>
-          </a:p>
-          <a:p>
-            <a:endParaRPr lang="en-US" sz="2800" dirty="0" smtClean="0"/>
-          </a:p>
-          <a:p>
-            <a:endParaRPr lang="en-US" sz="2000" dirty="0"/>
-          </a:p>
-        </p:txBody>
-      </p:sp>
       <p:pic>
         <p:nvPicPr>
           <p:cNvPr id="17" name="Picture 16"/>
@@ -4087,7 +3823,7 @@
           <p:nvPr/>
         </p:nvPicPr>
         <p:blipFill>
-          <a:blip r:embed="rId6" cstate="print">
+          <a:blip r:embed="rId5" cstate="print">
             <a:extLst>
               <a:ext uri="{28A0092B-C50C-407E-A947-70E740481C1C}">
                 <a14:useLocalDpi xmlns:a14="http://schemas.microsoft.com/office/drawing/2010/main" val="0"/>
@@ -4100,8 +3836,8 @@
         </p:blipFill>
         <p:spPr>
           <a:xfrm>
-            <a:off x="13968058" y="3847371"/>
-            <a:ext cx="4888785" cy="4157169"/>
+            <a:off x="14730375" y="2561653"/>
+            <a:ext cx="4752767" cy="4041506"/>
           </a:xfrm>
           <a:prstGeom prst="rect">
             <a:avLst/>
@@ -4198,7 +3934,7 @@
             <p:nvPr/>
           </p:nvPicPr>
           <p:blipFill>
-            <a:blip r:embed="rId7">
+            <a:blip r:embed="rId6">
               <a:extLst>
                 <a:ext uri="{28A0092B-C50C-407E-A947-70E740481C1C}">
                   <a14:useLocalDpi xmlns:a14="http://schemas.microsoft.com/office/drawing/2010/main" val="0"/>
@@ -4262,7 +3998,7 @@
             <p:nvPr/>
           </p:nvPicPr>
           <p:blipFill>
-            <a:blip r:embed="rId8" cstate="print">
+            <a:blip r:embed="rId7" cstate="print">
               <a:extLst>
                 <a:ext uri="{28A0092B-C50C-407E-A947-70E740481C1C}">
                   <a14:useLocalDpi xmlns:a14="http://schemas.microsoft.com/office/drawing/2010/main" val="0"/>
@@ -4292,7 +4028,7 @@
             <p:nvPr/>
           </p:nvPicPr>
           <p:blipFill>
-            <a:blip r:embed="rId9">
+            <a:blip r:embed="rId8">
               <a:extLst>
                 <a:ext uri="{28A0092B-C50C-407E-A947-70E740481C1C}">
                   <a14:useLocalDpi xmlns:a14="http://schemas.microsoft.com/office/drawing/2010/main" val="0"/>
@@ -4322,7 +4058,7 @@
             <p:nvPr/>
           </p:nvPicPr>
           <p:blipFill>
-            <a:blip r:embed="rId10" cstate="print">
+            <a:blip r:embed="rId9" cstate="print">
               <a:extLst>
                 <a:ext uri="{28A0092B-C50C-407E-A947-70E740481C1C}">
                   <a14:useLocalDpi xmlns:a14="http://schemas.microsoft.com/office/drawing/2010/main" val="0"/>
@@ -4468,11 +4204,7 @@
               <a:pPr algn="just"/>
               <a:r>
                 <a:rPr lang="en-US" sz="2000" dirty="0" smtClean="0"/>
-                <a:t>To </a:t>
-              </a:r>
-              <a:r>
-                <a:rPr lang="en-US" sz="2000" dirty="0" smtClean="0"/>
-                <a:t>control the robot the user sends a direction request to the Java Graphical User Interface (GUI), which encodes the request and wirelessly transmits it to the robot’s onboard Arduino microcontroller. The microcontroller then updates the robot’s desired foot positions based on its current state.</a:t>
+                <a:t>To control the robot the user sends a direction request to the Java Graphical User Interface (GUI), which encodes the request and wirelessly transmits it to the robot’s onboard Arduino microcontroller. The microcontroller then updates the robot’s desired foot positions based on its current state.</a:t>
               </a:r>
             </a:p>
             <a:p>
@@ -5980,7 +5712,7 @@
                   <p:nvPr/>
                 </p:nvPicPr>
                 <p:blipFill rotWithShape="1">
-                  <a:blip r:embed="rId11"/>
+                  <a:blip r:embed="rId10"/>
                   <a:srcRect l="16517" t="5696" r="17632" b="12101"/>
                   <a:stretch/>
                 </p:blipFill>
@@ -6791,11 +6523,7 @@
             </a:r>
             <a:r>
               <a:rPr lang="en-US" sz="2000" dirty="0" smtClean="0"/>
-              <a:t> </a:t>
-            </a:r>
-            <a:r>
-              <a:rPr lang="en-US" sz="2000" dirty="0" smtClean="0"/>
-              <a:t>Simulink model is loaded onto the Arduino</a:t>
+              <a:t> Simulink model is loaded onto the Arduino</a:t>
             </a:r>
           </a:p>
           <a:p>
@@ -6835,8 +6563,8 @@
         </p:nvSpPr>
         <p:spPr>
           <a:xfrm>
-            <a:off x="24931288" y="20126032"/>
-            <a:ext cx="8763000" cy="338554"/>
+            <a:off x="24931288" y="19971603"/>
+            <a:ext cx="8763000" cy="830997"/>
           </a:xfrm>
           <a:prstGeom prst="rect">
             <a:avLst/>
@@ -6852,7 +6580,11 @@
             <a:pPr algn="ctr"/>
             <a:r>
               <a:rPr lang="en-US" sz="1600" dirty="0" smtClean="0"/>
-              <a:t>Control block diagram for a single leg</a:t>
+              <a:t>Block diagram for a single leg controller. The left loop determines the desired cylinder legs based on the current foot position. The right loop is a PID controller fo</a:t>
+            </a:r>
+            <a:r>
+              <a:rPr lang="en-US" sz="1600" dirty="0" smtClean="0"/>
+              <a:t>r a single leg which moves the foot into position. For a full robot there are eight copies of the right loop.</a:t>
             </a:r>
             <a:endParaRPr lang="en-US" sz="1600" dirty="0"/>
           </a:p>
@@ -6922,13 +6654,8 @@
             <a:p>
               <a:r>
                 <a:rPr lang="en-US" sz="2000" dirty="0" smtClean="0"/>
-                <a:t>The Arduino Mega microcontroller outputs pulse-width modulated signals which are converted into analog signals using a low pass filter and amplifiers as signal conditioning circuitry. The analog signal directly controls the valves on the pneumatic subsystem. </a:t>
+                <a:t>The Arduino Mega microcontroller outputs pulse-width modulated signals which are converted into analog signals using a low pass filter and amplifiers as signal conditioning circuitry. The analog signal directly controls the valves on the pneumatic subsystem. Sensors inside the pneumatic cylinders are used as feedback to the control running on the Arduino microcontroller.</a:t>
               </a:r>
-              <a:r>
-                <a:rPr lang="en-US" sz="2000" dirty="0" smtClean="0"/>
-                <a:t>Sensors inside the pneumatic cylinders are used as feedback to the control running on the Arduino microcontroller.</a:t>
-              </a:r>
-              <a:endParaRPr lang="en-US" sz="2000" dirty="0" smtClean="0"/>
             </a:p>
           </p:txBody>
         </p:sp>
@@ -6941,8 +6668,8 @@
         </p:nvGrpSpPr>
         <p:grpSpPr>
           <a:xfrm>
-            <a:off x="11104151" y="15775460"/>
-            <a:ext cx="9868969" cy="6369932"/>
+            <a:off x="12457631" y="15758854"/>
+            <a:ext cx="9868969" cy="6386538"/>
             <a:chOff x="11216640" y="16642468"/>
             <a:chExt cx="9868969" cy="6369932"/>
           </a:xfrm>
@@ -6972,11 +6699,7 @@
               <a:pPr algn="just"/>
               <a:r>
                 <a:rPr lang="en-US" sz="2000" dirty="0" smtClean="0"/>
-                <a:t>In </a:t>
-              </a:r>
-              <a:r>
-                <a:rPr lang="en-US" sz="2000" dirty="0" smtClean="0"/>
-                <a:t>order to ensure dynamic stability for the robot the Zero Moment Point (ZMP) method was used. The zero moment point can be calculated from the reaction forces acting on each foot. The location where the torque induced by these reactions is zero is the ZMP. In low speed applications such as this one the ZMP can be approximated by the center of gravity (CG). As long as the CG falls within the convex polygon created by the robot’s contact points with the ground it is in a statically stable pose. When the CG passes outside of this polygon an unbalanced tipping moment is created and the robot becomes unstable.</a:t>
+                <a:t>In order to ensure dynamic stability for the robot the Zero Moment Point (ZMP) method was used. The zero moment point can be calculated from the reaction forces acting on each foot. The location where the torque induced by these reactions is zero is the ZMP. In low speed applications such as this one the ZMP can be approximated by the center of gravity (CG). As long as the CG falls within the convex polygon created by the robot’s contact points with the ground it is in a statically stable pose. When the CG passes outside of this polygon an unbalanced tipping moment is created and the robot becomes unstable.</a:t>
               </a:r>
             </a:p>
           </p:txBody>
@@ -8730,11 +8453,7 @@
             </a:pPr>
             <a:r>
               <a:rPr lang="en-US" sz="2000" dirty="0" smtClean="0"/>
-              <a:t>Robots </a:t>
-            </a:r>
-            <a:r>
-              <a:rPr lang="en-US" sz="2000" dirty="0" smtClean="0"/>
-              <a:t>are hard. No, seriously.</a:t>
+              <a:t>Robots are hard. No, seriously.</a:t>
             </a:r>
           </a:p>
         </p:txBody>
@@ -8767,11 +8486,7 @@
             </a:pPr>
             <a:r>
               <a:rPr lang="en-US" sz="2000" dirty="0" smtClean="0"/>
-              <a:t>Controlling </a:t>
-            </a:r>
-            <a:r>
-              <a:rPr lang="en-US" sz="2000" dirty="0" smtClean="0"/>
-              <a:t>the robot with a cellphone application</a:t>
+              <a:t>Controlling the robot with a cellphone application</a:t>
             </a:r>
           </a:p>
           <a:p>
@@ -8902,11 +8617,7 @@
             <a:pPr algn="just"/>
             <a:r>
               <a:rPr lang="en-US" sz="2000" dirty="0" smtClean="0"/>
-              <a:t>To </a:t>
-            </a:r>
-            <a:r>
-              <a:rPr lang="en-US" sz="2000" dirty="0" smtClean="0"/>
-              <a:t>address the existing challenges an educational robotics platform was developed to increase student interest in STEM fields, fluid power, and robotics through outreach opportunities, laboratory exercises, and research experiences.</a:t>
+              <a:t>To address the existing challenges an educational robotics platform was developed to increase student interest in STEM fields, fluid power, and robotics through outreach opportunities, laboratory exercises, and research experiences.</a:t>
             </a:r>
             <a:endParaRPr lang="en-US" sz="2000" dirty="0"/>
           </a:p>
@@ -8923,7 +8634,7 @@
         </p:nvGrpSpPr>
         <p:grpSpPr>
           <a:xfrm>
-            <a:off x="10972800" y="22479000"/>
+            <a:off x="12326280" y="22479000"/>
             <a:ext cx="9784080" cy="4962315"/>
             <a:chOff x="10972800" y="22479000"/>
             <a:chExt cx="9784080" cy="4962315"/>
@@ -8950,7 +8661,7 @@
               <p:nvPr/>
             </p:nvPicPr>
             <p:blipFill>
-              <a:blip r:embed="rId12">
+              <a:blip r:embed="rId11">
                 <a:extLst>
                   <a:ext uri="{28A0092B-C50C-407E-A947-70E740481C1C}">
                     <a14:useLocalDpi xmlns:a14="http://schemas.microsoft.com/office/drawing/2010/main" val="0"/>
@@ -9050,10 +8761,10 @@
         </p:nvGrpSpPr>
         <p:grpSpPr>
           <a:xfrm>
-            <a:off x="12144281" y="11453418"/>
-            <a:ext cx="7444740" cy="3559210"/>
-            <a:chOff x="12256770" y="11762609"/>
-            <a:chExt cx="7444740" cy="3559210"/>
+            <a:off x="12600600" y="10842590"/>
+            <a:ext cx="9397270" cy="3559210"/>
+            <a:chOff x="11359609" y="11762609"/>
+            <a:chExt cx="9397270" cy="3559210"/>
           </a:xfrm>
         </p:grpSpPr>
         <p:pic>
@@ -9063,11 +8774,11 @@
             <p:nvPr/>
           </p:nvPicPr>
           <p:blipFill>
-            <a:blip r:embed="rId13">
+            <a:blip r:embed="rId12">
               <a:extLst>
                 <a:ext uri="{BEBA8EAE-BF5A-486C-A8C5-ECC9F3942E4B}">
                   <a14:imgProps xmlns:a14="http://schemas.microsoft.com/office/drawing/2010/main">
-                    <a14:imgLayer r:embed="rId14">
+                    <a14:imgLayer r:embed="rId13">
                       <a14:imgEffect>
                         <a14:backgroundRemoval t="1867" b="96533" l="2541" r="97967">
                           <a14:foregroundMark x1="4574" y1="18133" x2="95807" y2="86133"/>
@@ -9117,8 +8828,8 @@
           </p:nvSpPr>
           <p:spPr>
             <a:xfrm>
-              <a:off x="14286935" y="14983265"/>
-              <a:ext cx="3568113" cy="338554"/>
+              <a:off x="11359609" y="14983265"/>
+              <a:ext cx="9397270" cy="338554"/>
             </a:xfrm>
             <a:prstGeom prst="rect">
               <a:avLst/>
@@ -9134,7 +8845,11 @@
               <a:pPr algn="ctr"/>
               <a:r>
                 <a:rPr lang="en-US" sz="1600" dirty="0" smtClean="0"/>
-                <a:t>Pneumatic Circuit Diagram</a:t>
+                <a:t>The pneumatic circuit diagram for a single cylinder. </a:t>
+              </a:r>
+              <a:r>
+                <a:rPr lang="en-US" sz="1600" dirty="0" smtClean="0"/>
+                <a:t>Eight of these work in parallel to move the robot’s four legs.</a:t>
               </a:r>
               <a:endParaRPr lang="en-US" sz="1600" dirty="0"/>
             </a:p>
@@ -9148,11 +8863,11 @@
           <p:nvPr/>
         </p:nvPicPr>
         <p:blipFill rotWithShape="1">
-          <a:blip r:embed="rId15">
+          <a:blip r:embed="rId14">
             <a:extLst>
               <a:ext uri="{BEBA8EAE-BF5A-486C-A8C5-ECC9F3942E4B}">
                 <a14:imgProps xmlns:a14="http://schemas.microsoft.com/office/drawing/2010/main">
-                  <a14:imgLayer r:embed="rId16">
+                  <a14:imgLayer r:embed="rId15">
                     <a14:imgEffect>
                       <a14:sharpenSoften amount="50000"/>
                     </a14:imgEffect>
@@ -9183,39 +8898,6 @@
               <a14:shadowObscured xmlns:a14="http://schemas.microsoft.com/office/drawing/2010/main"/>
             </a:ext>
           </a:extLst>
-        </p:spPr>
-      </p:pic>
-      <p:pic>
-        <p:nvPicPr>
-          <p:cNvPr id="162" name="Picture 161" descr="D:\MyDocs\Documents\GitHub\AgileRoboticControls\System Modelling\Control\Control - Implementation.png"/>
-          <p:cNvPicPr/>
-          <p:nvPr/>
-        </p:nvPicPr>
-        <p:blipFill>
-          <a:blip r:embed="rId17">
-            <a:extLst>
-              <a:ext uri="{28A0092B-C50C-407E-A947-70E740481C1C}">
-                <a14:useLocalDpi xmlns:a14="http://schemas.microsoft.com/office/drawing/2010/main" val="0"/>
-              </a:ext>
-            </a:extLst>
-          </a:blip>
-          <a:srcRect/>
-          <a:stretch>
-            <a:fillRect/>
-          </a:stretch>
-        </p:blipFill>
-        <p:spPr bwMode="auto">
-          <a:xfrm>
-            <a:off x="24895923" y="17983328"/>
-            <a:ext cx="9431294" cy="1925001"/>
-          </a:xfrm>
-          <a:prstGeom prst="rect">
-            <a:avLst/>
-          </a:prstGeom>
-          <a:noFill/>
-          <a:ln>
-            <a:noFill/>
-          </a:ln>
         </p:spPr>
       </p:pic>
       <p:sp>
@@ -10511,86 +10193,236 @@
           </a:p>
         </p:txBody>
       </p:sp>
-      <p:sp>
-        <p:nvSpPr>
-          <p:cNvPr id="24" name="TextBox 23"/>
-          <p:cNvSpPr txBox="1"/>
+      <p:grpSp>
+        <p:nvGrpSpPr>
+          <p:cNvPr id="106" name="Group 105"/>
+          <p:cNvGrpSpPr/>
           <p:nvPr/>
-        </p:nvSpPr>
-        <p:spPr>
+        </p:nvGrpSpPr>
+        <p:grpSpPr>
           <a:xfrm>
-            <a:off x="553285" y="14969074"/>
-            <a:ext cx="9524997" cy="584775"/>
+            <a:off x="553282" y="15034023"/>
+            <a:ext cx="9525000" cy="2293277"/>
+            <a:chOff x="553282" y="14969074"/>
+            <a:chExt cx="9525000" cy="2293277"/>
           </a:xfrm>
-          <a:prstGeom prst="rect">
-            <a:avLst/>
-          </a:prstGeom>
-          <a:solidFill>
-            <a:schemeClr val="accent2"/>
-          </a:solidFill>
-        </p:spPr>
-        <p:txBody>
-          <a:bodyPr wrap="square" rtlCol="0">
-            <a:spAutoFit/>
-          </a:bodyPr>
-          <a:lstStyle/>
-          <a:p>
-            <a:r>
-              <a:rPr lang="en-US" sz="3200" b="1" dirty="0" smtClean="0">
+        </p:grpSpPr>
+        <p:sp>
+          <p:nvSpPr>
+            <p:cNvPr id="11" name="TextBox 10"/>
+            <p:cNvSpPr txBox="1"/>
+            <p:nvPr/>
+          </p:nvSpPr>
+          <p:spPr>
+            <a:xfrm>
+              <a:off x="553282" y="15631135"/>
+              <a:ext cx="9525000" cy="1631216"/>
+            </a:xfrm>
+            <a:prstGeom prst="rect">
+              <a:avLst/>
+            </a:prstGeom>
+            <a:noFill/>
+          </p:spPr>
+          <p:txBody>
+            <a:bodyPr wrap="square" rtlCol="0">
+              <a:spAutoFit/>
+            </a:bodyPr>
+            <a:lstStyle/>
+            <a:p>
+              <a:pPr algn="just"/>
+              <a:r>
+                <a:rPr lang="en-US" sz="2000" dirty="0" smtClean="0"/>
+                <a:t>The chassis was constructed from 80/20 6105-T5 aluminum extrusions with a 6061 aluminum plate for component mounting. 80/20 aluminum was chosen for the chassis to simplify fabrication of the robot in addition to being lightweight and having a high yield strength. A worst case loading Finite Element (FE) analysis was done in the chassis and is shown in the following figure:</a:t>
+              </a:r>
+            </a:p>
+          </p:txBody>
+        </p:sp>
+        <p:sp>
+          <p:nvSpPr>
+            <p:cNvPr id="24" name="TextBox 23"/>
+            <p:cNvSpPr txBox="1"/>
+            <p:nvPr/>
+          </p:nvSpPr>
+          <p:spPr>
+            <a:xfrm>
+              <a:off x="553285" y="14969074"/>
+              <a:ext cx="9524997" cy="584775"/>
+            </a:xfrm>
+            <a:prstGeom prst="rect">
+              <a:avLst/>
+            </a:prstGeom>
+            <a:solidFill>
+              <a:schemeClr val="accent2"/>
+            </a:solidFill>
+          </p:spPr>
+          <p:txBody>
+            <a:bodyPr wrap="square" rtlCol="0">
+              <a:spAutoFit/>
+            </a:bodyPr>
+            <a:lstStyle/>
+            <a:p>
+              <a:r>
+                <a:rPr lang="en-US" sz="3200" b="1" dirty="0" smtClean="0">
+                  <a:solidFill>
+                    <a:schemeClr val="bg1"/>
+                  </a:solidFill>
+                </a:rPr>
+                <a:t>Mechanical </a:t>
+              </a:r>
+              <a:r>
+                <a:rPr lang="en-US" sz="3200" b="1" dirty="0" smtClean="0">
+                  <a:solidFill>
+                    <a:schemeClr val="bg1"/>
+                  </a:solidFill>
+                </a:rPr>
+                <a:t>Design</a:t>
+              </a:r>
+              <a:endParaRPr lang="en-US" sz="3200" b="1" dirty="0">
                 <a:solidFill>
                   <a:schemeClr val="bg1"/>
                 </a:solidFill>
-              </a:rPr>
-              <a:t>Mechanical Design of Chassis</a:t>
-            </a:r>
-            <a:endParaRPr lang="en-US" sz="3200" b="1" dirty="0">
-              <a:solidFill>
-                <a:schemeClr val="bg1"/>
-              </a:solidFill>
-            </a:endParaRPr>
-          </a:p>
-        </p:txBody>
-      </p:sp>
-      <p:sp>
-        <p:nvSpPr>
-          <p:cNvPr id="25" name="TextBox 24"/>
-          <p:cNvSpPr txBox="1"/>
+              </a:endParaRPr>
+            </a:p>
+          </p:txBody>
+        </p:sp>
+      </p:grpSp>
+      <p:grpSp>
+        <p:nvGrpSpPr>
+          <p:cNvPr id="108" name="Group 107"/>
+          <p:cNvGrpSpPr/>
           <p:nvPr/>
-        </p:nvSpPr>
-        <p:spPr>
+        </p:nvGrpSpPr>
+        <p:grpSpPr>
           <a:xfrm>
-            <a:off x="11104151" y="8340476"/>
-            <a:ext cx="9540240" cy="584775"/>
+            <a:off x="12478680" y="6932345"/>
+            <a:ext cx="9555480" cy="3583255"/>
+            <a:chOff x="11088911" y="8340476"/>
+            <a:chExt cx="9555480" cy="3583255"/>
           </a:xfrm>
-          <a:prstGeom prst="rect">
-            <a:avLst/>
-          </a:prstGeom>
-          <a:solidFill>
-            <a:schemeClr val="accent2"/>
-          </a:solidFill>
-        </p:spPr>
-        <p:txBody>
-          <a:bodyPr wrap="square" rtlCol="0">
-            <a:spAutoFit/>
-          </a:bodyPr>
-          <a:lstStyle/>
-          <a:p>
-            <a:r>
-              <a:rPr lang="en-US" sz="3200" b="1" dirty="0" smtClean="0">
+        </p:grpSpPr>
+        <p:sp>
+          <p:nvSpPr>
+            <p:cNvPr id="15" name="TextBox 14"/>
+            <p:cNvSpPr txBox="1"/>
+            <p:nvPr/>
+          </p:nvSpPr>
+          <p:spPr>
+            <a:xfrm>
+              <a:off x="11088911" y="9061409"/>
+              <a:ext cx="9525000" cy="2862322"/>
+            </a:xfrm>
+            <a:prstGeom prst="rect">
+              <a:avLst/>
+            </a:prstGeom>
+            <a:noFill/>
+          </p:spPr>
+          <p:txBody>
+            <a:bodyPr wrap="square" rtlCol="0">
+              <a:spAutoFit/>
+            </a:bodyPr>
+            <a:lstStyle/>
+            <a:p>
+              <a:pPr algn="just"/>
+              <a:r>
+                <a:rPr lang="en-US" sz="2000" dirty="0" smtClean="0"/>
+                <a:t>In order to actuate the robot’s legs a pneumatic circuit was developed which uses the following steps to extend a cylinder:</a:t>
+              </a:r>
+            </a:p>
+            <a:p>
+              <a:pPr marL="457200" indent="-457200" algn="just">
+                <a:buFont typeface="+mj-lt"/>
+                <a:buAutoNum type="arabicPeriod"/>
+              </a:pPr>
+              <a:r>
+                <a:rPr lang="en-US" sz="2000" dirty="0" smtClean="0"/>
+                <a:t>Air is compressed and stored in a receiver tank</a:t>
+              </a:r>
+            </a:p>
+            <a:p>
+              <a:pPr marL="457200" indent="-457200" algn="just">
+                <a:buFont typeface="+mj-lt"/>
+                <a:buAutoNum type="arabicPeriod"/>
+              </a:pPr>
+              <a:r>
+                <a:rPr lang="en-US" sz="2000" dirty="0" smtClean="0"/>
+                <a:t>A solenoid valve is opened to engage the eight pneumatic circuits</a:t>
+              </a:r>
+            </a:p>
+            <a:p>
+              <a:pPr marL="457200" indent="-457200" algn="just">
+                <a:buFont typeface="+mj-lt"/>
+                <a:buAutoNum type="arabicPeriod"/>
+              </a:pPr>
+              <a:r>
+                <a:rPr lang="en-US" sz="2000" dirty="0" smtClean="0"/>
+                <a:t>Air is passed through a 4 port/3 position solenoid valve to extend or retract a dual acting cylinder</a:t>
+              </a:r>
+            </a:p>
+            <a:p>
+              <a:pPr marL="457200" indent="-457200" algn="just">
+                <a:buFont typeface="+mj-lt"/>
+                <a:buAutoNum type="arabicPeriod"/>
+              </a:pPr>
+              <a:r>
+                <a:rPr lang="en-US" sz="2000" dirty="0" smtClean="0"/>
+                <a:t>Air is exhausted out of the other end of the 4/3 valve.</a:t>
+              </a:r>
+            </a:p>
+            <a:p>
+              <a:pPr algn="just"/>
+              <a:endParaRPr lang="en-US" sz="2000" dirty="0"/>
+            </a:p>
+            <a:p>
+              <a:pPr algn="just"/>
+              <a:r>
+                <a:rPr lang="en-US" sz="2000" dirty="0" smtClean="0"/>
+                <a:t>This process is repeated for each of the eight dual acting cylinders on the robot.</a:t>
+              </a:r>
+              <a:endParaRPr lang="en-US" sz="2000" dirty="0"/>
+            </a:p>
+          </p:txBody>
+        </p:sp>
+        <p:sp>
+          <p:nvSpPr>
+            <p:cNvPr id="25" name="TextBox 24"/>
+            <p:cNvSpPr txBox="1"/>
+            <p:nvPr/>
+          </p:nvSpPr>
+          <p:spPr>
+            <a:xfrm>
+              <a:off x="11104151" y="8340476"/>
+              <a:ext cx="9540240" cy="584775"/>
+            </a:xfrm>
+            <a:prstGeom prst="rect">
+              <a:avLst/>
+            </a:prstGeom>
+            <a:solidFill>
+              <a:schemeClr val="accent2"/>
+            </a:solidFill>
+          </p:spPr>
+          <p:txBody>
+            <a:bodyPr wrap="square" rtlCol="0">
+              <a:spAutoFit/>
+            </a:bodyPr>
+            <a:lstStyle/>
+            <a:p>
+              <a:r>
+                <a:rPr lang="en-US" sz="3200" b="1" dirty="0" smtClean="0">
+                  <a:solidFill>
+                    <a:schemeClr val="bg1"/>
+                  </a:solidFill>
+                </a:rPr>
+                <a:t>Leg Pneumatic Circuit</a:t>
+              </a:r>
+              <a:endParaRPr lang="en-US" sz="3200" b="1" dirty="0">
                 <a:solidFill>
                   <a:schemeClr val="bg1"/>
                 </a:solidFill>
-              </a:rPr>
-              <a:t>Leg Pneumatic Circuit</a:t>
-            </a:r>
-            <a:endParaRPr lang="en-US" sz="3200" b="1" dirty="0">
-              <a:solidFill>
-                <a:schemeClr val="bg1"/>
-              </a:solidFill>
-            </a:endParaRPr>
-          </a:p>
-        </p:txBody>
-      </p:sp>
+              </a:endParaRPr>
+            </a:p>
+          </p:txBody>
+        </p:sp>
+      </p:grpSp>
       <p:sp>
         <p:nvSpPr>
           <p:cNvPr id="26" name="TextBox 25"/>
@@ -10599,7 +10431,7 @@
         </p:nvSpPr>
         <p:spPr>
           <a:xfrm>
-            <a:off x="11110405" y="15045370"/>
+            <a:off x="12463885" y="15045370"/>
             <a:ext cx="9533985" cy="584775"/>
           </a:xfrm>
           <a:prstGeom prst="rect">
@@ -10741,7 +10573,7 @@
                   <a:schemeClr val="bg1"/>
                 </a:solidFill>
               </a:rPr>
-              <a:t>Control Architecture: Two Link </a:t>
+              <a:t>Control </a:t>
             </a:r>
             <a:r>
               <a:rPr lang="en-US" sz="3200" b="1" dirty="0" smtClean="0">
@@ -10749,7 +10581,7 @@
                   <a:schemeClr val="bg1"/>
                 </a:solidFill>
               </a:rPr>
-              <a:t>Leg</a:t>
+              <a:t>Architecture: Single Leg</a:t>
             </a:r>
             <a:endParaRPr lang="en-US" sz="3200" b="1" dirty="0">
               <a:solidFill>
@@ -10839,6 +10671,630 @@
           </a:p>
         </p:txBody>
       </p:sp>
+      <p:sp>
+        <p:nvSpPr>
+          <p:cNvPr id="191" name="TextBox 190"/>
+          <p:cNvSpPr txBox="1"/>
+          <p:nvPr/>
+        </p:nvSpPr>
+        <p:spPr>
+          <a:xfrm>
+            <a:off x="657196" y="20768608"/>
+            <a:ext cx="9525000" cy="1938992"/>
+          </a:xfrm>
+          <a:prstGeom prst="rect">
+            <a:avLst/>
+          </a:prstGeom>
+          <a:noFill/>
+        </p:spPr>
+        <p:txBody>
+          <a:bodyPr wrap="square" rtlCol="0">
+            <a:spAutoFit/>
+          </a:bodyPr>
+          <a:lstStyle/>
+          <a:p>
+            <a:pPr algn="ctr"/>
+            <a:r>
+              <a:rPr lang="en-US" sz="2000" dirty="0" smtClean="0"/>
+              <a:t>The legs of the robot were machined from 6061 aluminum bar stock. Bar stock was chosen to increase the cross sectional area of the leg. The extra area made it easier to attach the cylinders to the leg while also reducing the risk of buckling. The bend in the upper shank was created by welding two segments of bar stock together, and was done to create more convenient cylinder attachment locations. A static FE analysis was performed on the legs and can be seen in the following figure:</a:t>
+            </a:r>
+          </a:p>
+        </p:txBody>
+      </p:sp>
+      <p:grpSp>
+        <p:nvGrpSpPr>
+          <p:cNvPr id="107" name="Group 106"/>
+          <p:cNvGrpSpPr/>
+          <p:nvPr/>
+        </p:nvGrpSpPr>
+        <p:grpSpPr>
+          <a:xfrm>
+            <a:off x="490016" y="17373600"/>
+            <a:ext cx="9509760" cy="3178835"/>
+            <a:chOff x="490016" y="17623765"/>
+            <a:chExt cx="9509760" cy="3178835"/>
+          </a:xfrm>
+        </p:grpSpPr>
+        <p:pic>
+          <p:nvPicPr>
+            <p:cNvPr id="14" name="Picture 13"/>
+            <p:cNvPicPr/>
+            <p:nvPr/>
+          </p:nvPicPr>
+          <p:blipFill>
+            <a:blip r:embed="rId16"/>
+            <a:stretch>
+              <a:fillRect/>
+            </a:stretch>
+          </p:blipFill>
+          <p:spPr>
+            <a:xfrm>
+              <a:off x="2310411" y="17623765"/>
+              <a:ext cx="5011552" cy="2264435"/>
+            </a:xfrm>
+            <a:prstGeom prst="rect">
+              <a:avLst/>
+            </a:prstGeom>
+          </p:spPr>
+        </p:pic>
+        <p:sp>
+          <p:nvSpPr>
+            <p:cNvPr id="192" name="TextBox 191"/>
+            <p:cNvSpPr txBox="1"/>
+            <p:nvPr/>
+          </p:nvSpPr>
+          <p:spPr>
+            <a:xfrm>
+              <a:off x="490016" y="19971603"/>
+              <a:ext cx="9509760" cy="830997"/>
+            </a:xfrm>
+            <a:prstGeom prst="rect">
+              <a:avLst/>
+            </a:prstGeom>
+            <a:noFill/>
+          </p:spPr>
+          <p:txBody>
+            <a:bodyPr wrap="square" rtlCol="0">
+              <a:spAutoFit/>
+            </a:bodyPr>
+            <a:lstStyle/>
+            <a:p>
+              <a:r>
+                <a:rPr lang="en-US" sz="1600" dirty="0" smtClean="0"/>
+                <a:t>FE Analysis performed on the chassis in ANSYS. The simulation assumed a worst case static loading where the joints lock up completely during motion. The maximum stress was found to be 240 </a:t>
+              </a:r>
+              <a:r>
+                <a:rPr lang="en-US" sz="1600" dirty="0" err="1" smtClean="0"/>
+                <a:t>Mpa</a:t>
+              </a:r>
+              <a:r>
+                <a:rPr lang="en-US" sz="1600" dirty="0" smtClean="0"/>
+                <a:t>, which gives a factor of safety of 1.15 in this worst case scenario.</a:t>
+              </a:r>
+              <a:endParaRPr lang="en-US" sz="1600" dirty="0"/>
+            </a:p>
+          </p:txBody>
+        </p:sp>
+      </p:grpSp>
+      <p:sp>
+        <p:nvSpPr>
+          <p:cNvPr id="193" name="TextBox 192"/>
+          <p:cNvSpPr txBox="1"/>
+          <p:nvPr/>
+        </p:nvSpPr>
+        <p:spPr>
+          <a:xfrm>
+            <a:off x="548640" y="26999625"/>
+            <a:ext cx="9509760" cy="830997"/>
+          </a:xfrm>
+          <a:prstGeom prst="rect">
+            <a:avLst/>
+          </a:prstGeom>
+          <a:noFill/>
+        </p:spPr>
+        <p:txBody>
+          <a:bodyPr wrap="square" rtlCol="0">
+            <a:spAutoFit/>
+          </a:bodyPr>
+          <a:lstStyle/>
+          <a:p>
+            <a:r>
+              <a:rPr lang="en-US" sz="1600" dirty="0" smtClean="0"/>
+              <a:t>The FE analysis performed on the thigh (lef</a:t>
+            </a:r>
+            <a:r>
+              <a:rPr lang="en-US" sz="1600" dirty="0" smtClean="0"/>
+              <a:t>t) and shank (right). A flange was added to the thigh to reduce the overall stress in the weld. A maximum stress of 155 </a:t>
+            </a:r>
+            <a:r>
+              <a:rPr lang="en-US" sz="1600" dirty="0" err="1" smtClean="0"/>
+              <a:t>Mpa</a:t>
+            </a:r>
+            <a:r>
+              <a:rPr lang="en-US" sz="1600" dirty="0" smtClean="0"/>
+              <a:t> was found in the leg, which results in a factor of safety of 1.74.</a:t>
+            </a:r>
+            <a:endParaRPr lang="en-US" sz="1600" dirty="0"/>
+          </a:p>
+        </p:txBody>
+      </p:sp>
+      <p:grpSp>
+        <p:nvGrpSpPr>
+          <p:cNvPr id="137" name="Group 136"/>
+          <p:cNvGrpSpPr/>
+          <p:nvPr/>
+        </p:nvGrpSpPr>
+        <p:grpSpPr>
+          <a:xfrm>
+            <a:off x="24895923" y="17983200"/>
+            <a:ext cx="9431294" cy="1925001"/>
+            <a:chOff x="24895923" y="17983200"/>
+            <a:chExt cx="9431294" cy="1925001"/>
+          </a:xfrm>
+        </p:grpSpPr>
+        <p:grpSp>
+          <p:nvGrpSpPr>
+            <p:cNvPr id="136" name="Group 135"/>
+            <p:cNvGrpSpPr/>
+            <p:nvPr/>
+          </p:nvGrpSpPr>
+          <p:grpSpPr>
+            <a:xfrm>
+              <a:off x="24895923" y="17983200"/>
+              <a:ext cx="9431294" cy="1925001"/>
+              <a:chOff x="24895923" y="17983200"/>
+              <a:chExt cx="9431294" cy="1925001"/>
+            </a:xfrm>
+          </p:grpSpPr>
+          <p:pic>
+            <p:nvPicPr>
+              <p:cNvPr id="162" name="Picture 161" descr="D:\MyDocs\Documents\GitHub\AgileRoboticControls\System Modelling\Control\Control - Implementation.png"/>
+              <p:cNvPicPr/>
+              <p:nvPr/>
+            </p:nvPicPr>
+            <p:blipFill>
+              <a:blip r:embed="rId17">
+                <a:extLst>
+                  <a:ext uri="{28A0092B-C50C-407E-A947-70E740481C1C}">
+                    <a14:useLocalDpi xmlns:a14="http://schemas.microsoft.com/office/drawing/2010/main" val="0"/>
+                  </a:ext>
+                </a:extLst>
+              </a:blip>
+              <a:srcRect/>
+              <a:stretch>
+                <a:fillRect/>
+              </a:stretch>
+            </p:blipFill>
+            <p:spPr bwMode="auto">
+              <a:xfrm>
+                <a:off x="24895923" y="17983200"/>
+                <a:ext cx="9431294" cy="1925001"/>
+              </a:xfrm>
+              <a:prstGeom prst="rect">
+                <a:avLst/>
+              </a:prstGeom>
+              <a:noFill/>
+              <a:ln>
+                <a:noFill/>
+              </a:ln>
+            </p:spPr>
+          </p:pic>
+          <p:grpSp>
+            <p:nvGrpSpPr>
+              <p:cNvPr id="135" name="Group 134"/>
+              <p:cNvGrpSpPr/>
+              <p:nvPr/>
+            </p:nvGrpSpPr>
+            <p:grpSpPr>
+              <a:xfrm>
+                <a:off x="25960726" y="17993687"/>
+                <a:ext cx="8366491" cy="1037556"/>
+                <a:chOff x="25968126" y="18000142"/>
+                <a:chExt cx="8366491" cy="1037556"/>
+              </a:xfrm>
+            </p:grpSpPr>
+            <p:sp>
+              <p:nvSpPr>
+                <p:cNvPr id="200" name="Rectangle 199"/>
+                <p:cNvSpPr/>
+                <p:nvPr/>
+              </p:nvSpPr>
+              <p:spPr>
+                <a:xfrm>
+                  <a:off x="34138187" y="18027723"/>
+                  <a:ext cx="196430" cy="152272"/>
+                </a:xfrm>
+                <a:prstGeom prst="rect">
+                  <a:avLst/>
+                </a:prstGeom>
+                <a:solidFill>
+                  <a:schemeClr val="bg1"/>
+                </a:solidFill>
+                <a:ln>
+                  <a:solidFill>
+                    <a:schemeClr val="bg1"/>
+                  </a:solidFill>
+                </a:ln>
+              </p:spPr>
+              <p:style>
+                <a:lnRef idx="2">
+                  <a:schemeClr val="accent1">
+                    <a:shade val="50000"/>
+                  </a:schemeClr>
+                </a:lnRef>
+                <a:fillRef idx="1">
+                  <a:schemeClr val="accent1"/>
+                </a:fillRef>
+                <a:effectRef idx="0">
+                  <a:schemeClr val="accent1"/>
+                </a:effectRef>
+                <a:fontRef idx="minor">
+                  <a:schemeClr val="lt1"/>
+                </a:fontRef>
+              </p:style>
+              <p:txBody>
+                <a:bodyPr rtlCol="0" anchor="ctr"/>
+                <a:lstStyle/>
+                <a:p>
+                  <a:pPr algn="ctr"/>
+                  <a:endParaRPr lang="en-US"/>
+                </a:p>
+              </p:txBody>
+            </p:sp>
+            <p:grpSp>
+              <p:nvGrpSpPr>
+                <p:cNvPr id="132" name="Group 131"/>
+                <p:cNvGrpSpPr/>
+                <p:nvPr/>
+              </p:nvGrpSpPr>
+              <p:grpSpPr>
+                <a:xfrm>
+                  <a:off x="25968126" y="18000142"/>
+                  <a:ext cx="5043724" cy="1037556"/>
+                  <a:chOff x="25968126" y="18000142"/>
+                  <a:chExt cx="5043724" cy="1037556"/>
+                </a:xfrm>
+              </p:grpSpPr>
+              <p:sp>
+                <p:nvSpPr>
+                  <p:cNvPr id="195" name="Rectangle 194"/>
+                  <p:cNvSpPr/>
+                  <p:nvPr/>
+                </p:nvSpPr>
+                <p:spPr>
+                  <a:xfrm>
+                    <a:off x="25968126" y="18006960"/>
+                    <a:ext cx="196430" cy="152272"/>
+                  </a:xfrm>
+                  <a:prstGeom prst="rect">
+                    <a:avLst/>
+                  </a:prstGeom>
+                  <a:solidFill>
+                    <a:schemeClr val="bg1"/>
+                  </a:solidFill>
+                  <a:ln>
+                    <a:solidFill>
+                      <a:schemeClr val="bg1"/>
+                    </a:solidFill>
+                  </a:ln>
+                </p:spPr>
+                <p:style>
+                  <a:lnRef idx="2">
+                    <a:schemeClr val="accent1">
+                      <a:shade val="50000"/>
+                    </a:schemeClr>
+                  </a:lnRef>
+                  <a:fillRef idx="1">
+                    <a:schemeClr val="accent1"/>
+                  </a:fillRef>
+                  <a:effectRef idx="0">
+                    <a:schemeClr val="accent1"/>
+                  </a:effectRef>
+                  <a:fontRef idx="minor">
+                    <a:schemeClr val="lt1"/>
+                  </a:fontRef>
+                </p:style>
+                <p:txBody>
+                  <a:bodyPr rtlCol="0" anchor="ctr"/>
+                  <a:lstStyle/>
+                  <a:p>
+                    <a:pPr algn="ctr"/>
+                    <a:endParaRPr lang="en-US"/>
+                  </a:p>
+                </p:txBody>
+              </p:sp>
+              <p:sp>
+                <p:nvSpPr>
+                  <p:cNvPr id="196" name="Rectangle 195"/>
+                  <p:cNvSpPr/>
+                  <p:nvPr/>
+                </p:nvSpPr>
+                <p:spPr>
+                  <a:xfrm>
+                    <a:off x="28836375" y="18000142"/>
+                    <a:ext cx="196430" cy="152272"/>
+                  </a:xfrm>
+                  <a:prstGeom prst="rect">
+                    <a:avLst/>
+                  </a:prstGeom>
+                  <a:solidFill>
+                    <a:schemeClr val="bg1"/>
+                  </a:solidFill>
+                  <a:ln>
+                    <a:solidFill>
+                      <a:schemeClr val="bg1"/>
+                    </a:solidFill>
+                  </a:ln>
+                </p:spPr>
+                <p:style>
+                  <a:lnRef idx="2">
+                    <a:schemeClr val="accent1">
+                      <a:shade val="50000"/>
+                    </a:schemeClr>
+                  </a:lnRef>
+                  <a:fillRef idx="1">
+                    <a:schemeClr val="accent1"/>
+                  </a:fillRef>
+                  <a:effectRef idx="0">
+                    <a:schemeClr val="accent1"/>
+                  </a:effectRef>
+                  <a:fontRef idx="minor">
+                    <a:schemeClr val="lt1"/>
+                  </a:fontRef>
+                </p:style>
+                <p:txBody>
+                  <a:bodyPr rtlCol="0" anchor="ctr"/>
+                  <a:lstStyle/>
+                  <a:p>
+                    <a:pPr algn="ctr"/>
+                    <a:endParaRPr lang="en-US"/>
+                  </a:p>
+                </p:txBody>
+              </p:sp>
+              <p:sp>
+                <p:nvSpPr>
+                  <p:cNvPr id="197" name="Rectangle 196"/>
+                  <p:cNvSpPr/>
+                  <p:nvPr/>
+                </p:nvSpPr>
+                <p:spPr>
+                  <a:xfrm>
+                    <a:off x="29933157" y="18083096"/>
+                    <a:ext cx="196430" cy="152272"/>
+                  </a:xfrm>
+                  <a:prstGeom prst="rect">
+                    <a:avLst/>
+                  </a:prstGeom>
+                  <a:solidFill>
+                    <a:schemeClr val="bg1"/>
+                  </a:solidFill>
+                  <a:ln>
+                    <a:solidFill>
+                      <a:schemeClr val="bg1"/>
+                    </a:solidFill>
+                  </a:ln>
+                </p:spPr>
+                <p:style>
+                  <a:lnRef idx="2">
+                    <a:schemeClr val="accent1">
+                      <a:shade val="50000"/>
+                    </a:schemeClr>
+                  </a:lnRef>
+                  <a:fillRef idx="1">
+                    <a:schemeClr val="accent1"/>
+                  </a:fillRef>
+                  <a:effectRef idx="0">
+                    <a:schemeClr val="accent1"/>
+                  </a:effectRef>
+                  <a:fontRef idx="minor">
+                    <a:schemeClr val="lt1"/>
+                  </a:fontRef>
+                </p:style>
+                <p:txBody>
+                  <a:bodyPr rtlCol="0" anchor="ctr"/>
+                  <a:lstStyle/>
+                  <a:p>
+                    <a:pPr algn="ctr"/>
+                    <a:endParaRPr lang="en-US"/>
+                  </a:p>
+                </p:txBody>
+              </p:sp>
+              <p:sp>
+                <p:nvSpPr>
+                  <p:cNvPr id="199" name="Rectangle 198"/>
+                  <p:cNvSpPr/>
+                  <p:nvPr/>
+                </p:nvSpPr>
+                <p:spPr>
+                  <a:xfrm>
+                    <a:off x="30815420" y="18061132"/>
+                    <a:ext cx="196430" cy="152272"/>
+                  </a:xfrm>
+                  <a:prstGeom prst="rect">
+                    <a:avLst/>
+                  </a:prstGeom>
+                  <a:solidFill>
+                    <a:schemeClr val="bg1"/>
+                  </a:solidFill>
+                  <a:ln>
+                    <a:solidFill>
+                      <a:schemeClr val="bg1"/>
+                    </a:solidFill>
+                  </a:ln>
+                </p:spPr>
+                <p:style>
+                  <a:lnRef idx="2">
+                    <a:schemeClr val="accent1">
+                      <a:shade val="50000"/>
+                    </a:schemeClr>
+                  </a:lnRef>
+                  <a:fillRef idx="1">
+                    <a:schemeClr val="accent1"/>
+                  </a:fillRef>
+                  <a:effectRef idx="0">
+                    <a:schemeClr val="accent1"/>
+                  </a:effectRef>
+                  <a:fontRef idx="minor">
+                    <a:schemeClr val="lt1"/>
+                  </a:fontRef>
+                </p:style>
+                <p:txBody>
+                  <a:bodyPr rtlCol="0" anchor="ctr"/>
+                  <a:lstStyle/>
+                  <a:p>
+                    <a:pPr algn="ctr"/>
+                    <a:endParaRPr lang="en-US"/>
+                  </a:p>
+                </p:txBody>
+              </p:sp>
+              <p:sp>
+                <p:nvSpPr>
+                  <p:cNvPr id="201" name="Rectangle 200"/>
+                  <p:cNvSpPr/>
+                  <p:nvPr/>
+                </p:nvSpPr>
+                <p:spPr>
+                  <a:xfrm>
+                    <a:off x="28916443" y="18884598"/>
+                    <a:ext cx="196430" cy="152272"/>
+                  </a:xfrm>
+                  <a:prstGeom prst="rect">
+                    <a:avLst/>
+                  </a:prstGeom>
+                  <a:solidFill>
+                    <a:schemeClr val="bg1"/>
+                  </a:solidFill>
+                  <a:ln>
+                    <a:solidFill>
+                      <a:schemeClr val="bg1"/>
+                    </a:solidFill>
+                  </a:ln>
+                </p:spPr>
+                <p:style>
+                  <a:lnRef idx="2">
+                    <a:schemeClr val="accent1">
+                      <a:shade val="50000"/>
+                    </a:schemeClr>
+                  </a:lnRef>
+                  <a:fillRef idx="1">
+                    <a:schemeClr val="accent1"/>
+                  </a:fillRef>
+                  <a:effectRef idx="0">
+                    <a:schemeClr val="accent1"/>
+                  </a:effectRef>
+                  <a:fontRef idx="minor">
+                    <a:schemeClr val="lt1"/>
+                  </a:fontRef>
+                </p:style>
+                <p:txBody>
+                  <a:bodyPr rtlCol="0" anchor="ctr"/>
+                  <a:lstStyle/>
+                  <a:p>
+                    <a:pPr algn="ctr"/>
+                    <a:endParaRPr lang="en-US"/>
+                  </a:p>
+                </p:txBody>
+              </p:sp>
+              <p:sp>
+                <p:nvSpPr>
+                  <p:cNvPr id="202" name="Rectangle 201"/>
+                  <p:cNvSpPr/>
+                  <p:nvPr/>
+                </p:nvSpPr>
+                <p:spPr>
+                  <a:xfrm>
+                    <a:off x="30708444" y="18885426"/>
+                    <a:ext cx="196430" cy="152272"/>
+                  </a:xfrm>
+                  <a:prstGeom prst="rect">
+                    <a:avLst/>
+                  </a:prstGeom>
+                  <a:solidFill>
+                    <a:schemeClr val="bg1"/>
+                  </a:solidFill>
+                  <a:ln>
+                    <a:solidFill>
+                      <a:schemeClr val="bg1"/>
+                    </a:solidFill>
+                  </a:ln>
+                </p:spPr>
+                <p:style>
+                  <a:lnRef idx="2">
+                    <a:schemeClr val="accent1">
+                      <a:shade val="50000"/>
+                    </a:schemeClr>
+                  </a:lnRef>
+                  <a:fillRef idx="1">
+                    <a:schemeClr val="accent1"/>
+                  </a:fillRef>
+                  <a:effectRef idx="0">
+                    <a:schemeClr val="accent1"/>
+                  </a:effectRef>
+                  <a:fontRef idx="minor">
+                    <a:schemeClr val="lt1"/>
+                  </a:fontRef>
+                </p:style>
+                <p:txBody>
+                  <a:bodyPr rtlCol="0" anchor="ctr"/>
+                  <a:lstStyle/>
+                  <a:p>
+                    <a:pPr algn="ctr"/>
+                    <a:endParaRPr lang="en-US"/>
+                  </a:p>
+                </p:txBody>
+              </p:sp>
+            </p:grpSp>
+          </p:grpSp>
+        </p:grpSp>
+        <p:sp>
+          <p:nvSpPr>
+            <p:cNvPr id="123" name="Rectangle 122"/>
+            <p:cNvSpPr/>
+            <p:nvPr/>
+          </p:nvSpPr>
+          <p:spPr>
+            <a:xfrm>
+              <a:off x="28249068" y="17983328"/>
+              <a:ext cx="196430" cy="152272"/>
+            </a:xfrm>
+            <a:prstGeom prst="rect">
+              <a:avLst/>
+            </a:prstGeom>
+            <a:solidFill>
+              <a:schemeClr val="bg1"/>
+            </a:solidFill>
+            <a:ln>
+              <a:solidFill>
+                <a:schemeClr val="bg1"/>
+              </a:solidFill>
+            </a:ln>
+          </p:spPr>
+          <p:style>
+            <a:lnRef idx="2">
+              <a:schemeClr val="accent1">
+                <a:shade val="50000"/>
+              </a:schemeClr>
+            </a:lnRef>
+            <a:fillRef idx="1">
+              <a:schemeClr val="accent1"/>
+            </a:fillRef>
+            <a:effectRef idx="0">
+              <a:schemeClr val="accent1"/>
+            </a:effectRef>
+            <a:fontRef idx="minor">
+              <a:schemeClr val="lt1"/>
+            </a:fontRef>
+          </p:style>
+          <p:txBody>
+            <a:bodyPr rtlCol="0" anchor="ctr"/>
+            <a:lstStyle/>
+            <a:p>
+              <a:pPr algn="ctr"/>
+              <a:endParaRPr lang="en-US"/>
+            </a:p>
+          </p:txBody>
+        </p:sp>
+      </p:grpSp>
     </p:spTree>
     <p:extLst>
       <p:ext uri="{BB962C8B-B14F-4D97-AF65-F5344CB8AC3E}">

--- a/Documentation/Design Show Poster/Senior Design Show Poster.pptx
+++ b/Documentation/Design Show Poster/Senior Design Show Poster.pptx
@@ -3561,7 +3561,7 @@
         </p:nvSpPr>
         <p:spPr>
           <a:xfrm>
-            <a:off x="554261" y="9770301"/>
+            <a:off x="554261" y="9828879"/>
             <a:ext cx="9525000" cy="5016758"/>
           </a:xfrm>
           <a:prstGeom prst="rect">
@@ -3734,7 +3734,7 @@
         </p:nvSpPr>
         <p:spPr>
           <a:xfrm>
-            <a:off x="553286" y="3839346"/>
+            <a:off x="553286" y="3897924"/>
             <a:ext cx="9525000" cy="2862322"/>
           </a:xfrm>
           <a:prstGeom prst="rect">
@@ -3765,7 +3765,7 @@
         </p:nvGrpSpPr>
         <p:grpSpPr>
           <a:xfrm>
-            <a:off x="1585237" y="22783798"/>
+            <a:off x="1585237" y="22842376"/>
             <a:ext cx="6949163" cy="4089395"/>
             <a:chOff x="2118637" y="23001954"/>
             <a:chExt cx="4987788" cy="2935179"/>
@@ -3836,8 +3836,8 @@
         </p:blipFill>
         <p:spPr>
           <a:xfrm>
-            <a:off x="14730375" y="2561653"/>
-            <a:ext cx="4752767" cy="4041506"/>
+            <a:off x="15316200" y="2561653"/>
+            <a:ext cx="6377025" cy="4786584"/>
           </a:xfrm>
           <a:prstGeom prst="rect">
             <a:avLst/>
@@ -3857,7 +3857,7 @@
         </p:nvSpPr>
         <p:spPr>
           <a:xfrm>
-            <a:off x="8674258" y="247976"/>
+            <a:off x="9158521" y="247976"/>
             <a:ext cx="18959279" cy="2985433"/>
           </a:xfrm>
           <a:prstGeom prst="rect">
@@ -3894,7 +3894,15 @@
             <a:pPr algn="ctr"/>
             <a:r>
               <a:rPr lang="en-US" sz="4000" dirty="0" smtClean="0"/>
-              <a:t>Team ARC: Logan Beaver, Justin Campbell, Tyler Paddock Ron Shipman</a:t>
+              <a:t>Team ARC: Logan Beaver, Justin Campbell, Tyler </a:t>
+            </a:r>
+            <a:r>
+              <a:rPr lang="en-US" sz="4000" dirty="0" smtClean="0"/>
+              <a:t>Paddock, and </a:t>
+            </a:r>
+            <a:r>
+              <a:rPr lang="en-US" sz="4000" dirty="0" smtClean="0"/>
+              <a:t>Ron Shipman</a:t>
             </a:r>
           </a:p>
           <a:p>
@@ -3919,8 +3927,8 @@
         </p:nvGrpSpPr>
         <p:grpSpPr>
           <a:xfrm>
-            <a:off x="553286" y="463380"/>
-            <a:ext cx="5619392" cy="2070022"/>
+            <a:off x="553285" y="463380"/>
+            <a:ext cx="8120972" cy="2912136"/>
             <a:chOff x="361590" y="285906"/>
             <a:chExt cx="5619392" cy="2070022"/>
           </a:xfrm>
@@ -4159,7 +4167,23 @@
             </a:r>
             <a:r>
               <a:rPr lang="en-US" sz="2800" i="1" dirty="0" smtClean="0"/>
-              <a:t> Endowment Fund, MSOE, and  Dr. Luis A. Rodriguez for their support</a:t>
+              <a:t> Endowment Fund, MSOE</a:t>
+            </a:r>
+            <a:r>
+              <a:rPr lang="en-US" sz="2800" i="1" dirty="0" smtClean="0"/>
+              <a:t>, Quinn </a:t>
+            </a:r>
+            <a:r>
+              <a:rPr lang="en-US" sz="2800" i="1" dirty="0" err="1" smtClean="0"/>
+              <a:t>McCartin</a:t>
+            </a:r>
+            <a:r>
+              <a:rPr lang="en-US" sz="2800" i="1" dirty="0" smtClean="0"/>
+              <a:t>, </a:t>
+            </a:r>
+            <a:r>
+              <a:rPr lang="en-US" sz="2800" i="1" dirty="0" smtClean="0"/>
+              <a:t>and  Dr. Luis A. Rodriguez for their support</a:t>
             </a:r>
             <a:endParaRPr lang="en-US" sz="2800" i="1" dirty="0"/>
           </a:p>
@@ -4173,7 +4197,7 @@
         </p:nvGrpSpPr>
         <p:grpSpPr>
           <a:xfrm>
-            <a:off x="24560168" y="9410902"/>
+            <a:off x="26272160" y="9244644"/>
             <a:ext cx="9525000" cy="5881772"/>
             <a:chOff x="23057291" y="4266578"/>
             <a:chExt cx="9525000" cy="5881772"/>
@@ -4204,8 +4228,33 @@
               <a:pPr algn="just"/>
               <a:r>
                 <a:rPr lang="en-US" sz="2000" dirty="0" smtClean="0"/>
-                <a:t>To control the robot the user sends a direction request to the Java Graphical User Interface (GUI), which encodes the request and wirelessly transmits it to the robot’s onboard Arduino microcontroller. The microcontroller then updates the robot’s desired foot positions based on its current state.</a:t>
+                <a:t>To control the </a:t>
               </a:r>
+              <a:r>
+                <a:rPr lang="en-US" sz="2000" dirty="0" smtClean="0"/>
+                <a:t>motion of the robot </a:t>
+              </a:r>
+              <a:r>
+                <a:rPr lang="en-US" sz="2000" dirty="0" smtClean="0"/>
+                <a:t>the user sends a direction request to the Java Graphical User Interface (GUI), which encodes the request and wirelessly transmits it to </a:t>
+              </a:r>
+              <a:r>
+                <a:rPr lang="en-US" sz="2000" dirty="0" smtClean="0"/>
+                <a:t>the</a:t>
+              </a:r>
+              <a:r>
+                <a:rPr lang="en-US" sz="2000" dirty="0" smtClean="0"/>
+                <a:t> </a:t>
+              </a:r>
+              <a:r>
+                <a:rPr lang="en-US" sz="2000" dirty="0" smtClean="0"/>
+                <a:t>onboard Arduino microcontroller. </a:t>
+              </a:r>
+              <a:r>
+                <a:rPr lang="en-US" sz="2000" dirty="0" smtClean="0"/>
+                <a:t>The microcontroller responds to a user request by taking a step in the requested direction.</a:t>
+              </a:r>
+              <a:endParaRPr lang="en-US" sz="2000" dirty="0" smtClean="0"/>
             </a:p>
             <a:p>
               <a:endParaRPr lang="en-US" sz="2000" dirty="0" smtClean="0"/>
@@ -6483,7 +6532,15 @@
                 <a:pPr algn="ctr"/>
                 <a:r>
                   <a:rPr lang="en-US" sz="1600" dirty="0" smtClean="0"/>
-                  <a:t>High Level Communication System Diagram</a:t>
+                  <a:t>Figure 7: </a:t>
+                </a:r>
+                <a:r>
+                  <a:rPr lang="en-US" sz="1600" dirty="0" smtClean="0"/>
+                  <a:t>High </a:t>
+                </a:r>
+                <a:r>
+                  <a:rPr lang="en-US" sz="1600" dirty="0" smtClean="0"/>
+                  <a:t>Level Communication System Diagram</a:t>
                 </a:r>
                 <a:endParaRPr lang="en-US" sz="1600" dirty="0"/>
               </a:p>
@@ -6499,7 +6556,7 @@
         </p:nvSpPr>
         <p:spPr>
           <a:xfrm>
-            <a:off x="24817016" y="16738935"/>
+            <a:off x="26341045" y="16104097"/>
             <a:ext cx="9525000" cy="1323439"/>
           </a:xfrm>
           <a:prstGeom prst="rect">
@@ -6563,7 +6620,7 @@
         </p:nvSpPr>
         <p:spPr>
           <a:xfrm>
-            <a:off x="24931288" y="19971603"/>
+            <a:off x="26643280" y="19489034"/>
             <a:ext cx="8763000" cy="830997"/>
           </a:xfrm>
           <a:prstGeom prst="rect">
@@ -6580,11 +6637,11 @@
             <a:pPr algn="ctr"/>
             <a:r>
               <a:rPr lang="en-US" sz="1600" dirty="0" smtClean="0"/>
-              <a:t>Block diagram for a single leg controller. The left loop determines the desired cylinder legs based on the current foot position. The right loop is a PID controller fo</a:t>
+              <a:t>Figure 8: Block </a:t>
             </a:r>
             <a:r>
               <a:rPr lang="en-US" sz="1600" dirty="0" smtClean="0"/>
-              <a:t>r a single leg which moves the foot into position. For a full robot there are eight copies of the right loop.</a:t>
+              <a:t>diagram for a single leg controller. The left loop determines the desired cylinder legs based on the current foot position. The right loop is a PID controller for a single leg which moves the foot into position. For a full robot there are eight copies of the right loop.</a:t>
             </a:r>
             <a:endParaRPr lang="en-US" sz="1600" dirty="0"/>
           </a:p>
@@ -6598,7 +6655,7 @@
         </p:nvGrpSpPr>
         <p:grpSpPr>
           <a:xfrm>
-            <a:off x="24632371" y="3257396"/>
+            <a:off x="26344362" y="3237237"/>
             <a:ext cx="9763054" cy="2494103"/>
             <a:chOff x="300847" y="17979914"/>
             <a:chExt cx="9763054" cy="2494103"/>
@@ -6654,7 +6711,27 @@
             <a:p>
               <a:r>
                 <a:rPr lang="en-US" sz="2000" dirty="0" smtClean="0"/>
-                <a:t>The Arduino Mega microcontroller outputs pulse-width modulated signals which are converted into analog signals using a low pass filter and amplifiers as signal conditioning circuitry. The analog signal directly controls the valves on the pneumatic subsystem. Sensors inside the pneumatic cylinders are used as feedback to the control running on the Arduino microcontroller.</a:t>
+                <a:t>The Arduino Mega microcontroller outputs pulse-width modulated signals which are converted into analog signals using </a:t>
+              </a:r>
+              <a:r>
+                <a:rPr lang="en-US" sz="2000" dirty="0" smtClean="0"/>
+                <a:t>signal conditioning circuitry consisting of a low pass filter and a second-stage amplifier. </a:t>
+              </a:r>
+              <a:r>
+                <a:rPr lang="en-US" sz="2000" dirty="0" smtClean="0"/>
+                <a:t>The analog signal directly controls </a:t>
+              </a:r>
+              <a:r>
+                <a:rPr lang="en-US" sz="2000" dirty="0" smtClean="0"/>
+                <a:t>valve positions</a:t>
+              </a:r>
+              <a:r>
+                <a:rPr lang="en-US" sz="2000" dirty="0" smtClean="0"/>
+                <a:t>. </a:t>
+              </a:r>
+              <a:r>
+                <a:rPr lang="en-US" sz="2000" dirty="0" smtClean="0"/>
+                <a:t>Sensors inside the pneumatic cylinders are used as feedback to the control running on the Arduino microcontroller.</a:t>
               </a:r>
             </a:p>
           </p:txBody>
@@ -6668,7 +6745,7 @@
         </p:nvGrpSpPr>
         <p:grpSpPr>
           <a:xfrm>
-            <a:off x="12457631" y="15758854"/>
+            <a:off x="13753031" y="16359139"/>
             <a:ext cx="9868969" cy="6386538"/>
             <a:chOff x="11216640" y="16642468"/>
             <a:chExt cx="9868969" cy="6369932"/>
@@ -8066,7 +8143,11 @@
                   <a:p>
                     <a:r>
                       <a:rPr lang="en-US" sz="1600" dirty="0" smtClean="0"/>
-                      <a:t>Top and side view of the robot model’s convex support polygon and an induced tipping moment. The tipping moment is caused by the center of gravity being outside of the convex support polygon.</a:t>
+                      <a:t>Figure 4: Top </a:t>
+                    </a:r>
+                    <a:r>
+                      <a:rPr lang="en-US" sz="1600" dirty="0" smtClean="0"/>
+                      <a:t>and side view of the robot model’s convex support polygon and an induced tipping moment. The tipping moment is caused by the center of gravity being outside of the convex support polygon.</a:t>
                     </a:r>
                     <a:endParaRPr lang="en-US" sz="1600" dirty="0"/>
                   </a:p>
@@ -8427,14 +8508,14 @@
       </p:grpSp>
       <p:sp>
         <p:nvSpPr>
-          <p:cNvPr id="206" name="TextBox 205"/>
+          <p:cNvPr id="207" name="TextBox 206"/>
           <p:cNvSpPr txBox="1"/>
           <p:nvPr/>
         </p:nvSpPr>
         <p:spPr>
           <a:xfrm>
-            <a:off x="24920108" y="21767868"/>
-            <a:ext cx="9525000" cy="400110"/>
+            <a:off x="26392996" y="25874008"/>
+            <a:ext cx="9525000" cy="1938992"/>
           </a:xfrm>
           <a:prstGeom prst="rect">
             <a:avLst/>
@@ -8453,32 +8534,10 @@
             </a:pPr>
             <a:r>
               <a:rPr lang="en-US" sz="2000" dirty="0" smtClean="0"/>
-              <a:t>Robots are hard. No, seriously.</a:t>
-            </a:r>
-          </a:p>
-        </p:txBody>
-      </p:sp>
-      <p:sp>
-        <p:nvSpPr>
-          <p:cNvPr id="207" name="TextBox 206"/>
-          <p:cNvSpPr txBox="1"/>
-          <p:nvPr/>
-        </p:nvSpPr>
-        <p:spPr>
-          <a:xfrm>
-            <a:off x="24931288" y="24416381"/>
-            <a:ext cx="9525000" cy="3477875"/>
-          </a:xfrm>
-          <a:prstGeom prst="rect">
-            <a:avLst/>
-          </a:prstGeom>
-          <a:noFill/>
-        </p:spPr>
-        <p:txBody>
-          <a:bodyPr wrap="square" rtlCol="0">
-            <a:spAutoFit/>
-          </a:bodyPr>
-          <a:lstStyle/>
+              <a:t>Mobile app interface</a:t>
+            </a:r>
+            <a:endParaRPr lang="en-US" sz="2000" dirty="0" smtClean="0"/>
+          </a:p>
           <a:p>
             <a:pPr marL="342900" indent="-342900">
               <a:buFont typeface="Arial" panose="020B0604020202020204" pitchFamily="34" charset="0"/>
@@ -8486,7 +8545,11 @@
             </a:pPr>
             <a:r>
               <a:rPr lang="en-US" sz="2000" dirty="0" smtClean="0"/>
-              <a:t>Controlling the robot with a cellphone application</a:t>
+              <a:t>CAN </a:t>
+            </a:r>
+            <a:r>
+              <a:rPr lang="en-US" sz="2000" dirty="0" smtClean="0"/>
+              <a:t>network development</a:t>
             </a:r>
           </a:p>
           <a:p>
@@ -8496,7 +8559,7 @@
             </a:pPr>
             <a:r>
               <a:rPr lang="en-US" sz="2000" dirty="0" smtClean="0"/>
-              <a:t>Integrating gyroscopes and force sensors to determine real time stability</a:t>
+              <a:t>Air supply mounting on robot chassis</a:t>
             </a:r>
           </a:p>
           <a:p>
@@ -8506,8 +8569,13 @@
             </a:pPr>
             <a:r>
               <a:rPr lang="en-US" sz="2000" dirty="0" smtClean="0"/>
-              <a:t>Foot trajectory optimization</a:t>
-            </a:r>
+              <a:t>External disturbance </a:t>
+            </a:r>
+            <a:r>
+              <a:rPr lang="en-US" sz="2000" dirty="0" smtClean="0"/>
+              <a:t>detection</a:t>
+            </a:r>
+            <a:endParaRPr lang="en-US" sz="2000" dirty="0" smtClean="0"/>
           </a:p>
           <a:p>
             <a:pPr marL="342900" indent="-342900">
@@ -8516,7 +8584,7 @@
             </a:pPr>
             <a:r>
               <a:rPr lang="en-US" sz="2000" dirty="0" smtClean="0"/>
-              <a:t>Mechanical design optimizations</a:t>
+              <a:t>Feed forward control design and implementation</a:t>
             </a:r>
           </a:p>
           <a:p>
@@ -8526,69 +8594,13 @@
             </a:pPr>
             <a:r>
               <a:rPr lang="en-US" sz="2000" dirty="0" smtClean="0"/>
-              <a:t>Implementation of dynamically stable but statically unstable gaits</a:t>
-            </a:r>
-            <a:endParaRPr lang="en-US" sz="2000" dirty="0"/>
-          </a:p>
-          <a:p>
-            <a:pPr marL="342900" indent="-342900">
-              <a:buFont typeface="Arial" panose="020B0604020202020204" pitchFamily="34" charset="0"/>
-              <a:buChar char="•"/>
-            </a:pPr>
+              <a:t>Autonomous </a:t>
+            </a:r>
             <a:r>
               <a:rPr lang="en-US" sz="2000" dirty="0" smtClean="0"/>
-              <a:t>CAN network development</a:t>
-            </a:r>
-          </a:p>
-          <a:p>
-            <a:pPr marL="342900" indent="-342900">
-              <a:buFont typeface="Arial" panose="020B0604020202020204" pitchFamily="34" charset="0"/>
-              <a:buChar char="•"/>
-            </a:pPr>
-            <a:r>
-              <a:rPr lang="en-US" sz="2000" dirty="0" smtClean="0"/>
-              <a:t>Air supply mounting on robot chassis</a:t>
-            </a:r>
-          </a:p>
-          <a:p>
-            <a:pPr marL="342900" indent="-342900">
-              <a:buFont typeface="Arial" panose="020B0604020202020204" pitchFamily="34" charset="0"/>
-              <a:buChar char="•"/>
-            </a:pPr>
-            <a:r>
-              <a:rPr lang="en-US" sz="2000" dirty="0" smtClean="0"/>
-              <a:t>External disturbance resistance</a:t>
-            </a:r>
-          </a:p>
-          <a:p>
-            <a:pPr marL="342900" indent="-342900">
-              <a:buFont typeface="Arial" panose="020B0604020202020204" pitchFamily="34" charset="0"/>
-              <a:buChar char="•"/>
-            </a:pPr>
-            <a:r>
-              <a:rPr lang="en-US" sz="2000" dirty="0" smtClean="0"/>
-              <a:t>Feed forward control design and implementation</a:t>
-            </a:r>
-          </a:p>
-          <a:p>
-            <a:pPr marL="342900" indent="-342900">
-              <a:buFont typeface="Arial" panose="020B0604020202020204" pitchFamily="34" charset="0"/>
-              <a:buChar char="•"/>
-            </a:pPr>
-            <a:r>
-              <a:rPr lang="en-US" sz="2000" dirty="0" smtClean="0"/>
-              <a:t>Autonomous navigation</a:t>
-            </a:r>
-          </a:p>
-          <a:p>
-            <a:pPr marL="342900" indent="-342900">
-              <a:buFont typeface="Arial" panose="020B0604020202020204" pitchFamily="34" charset="0"/>
-              <a:buChar char="•"/>
-            </a:pPr>
-            <a:r>
-              <a:rPr lang="en-US" sz="2000" dirty="0" smtClean="0"/>
-              <a:t>Embedded valve driver creation</a:t>
-            </a:r>
+              <a:t>navigation and advanced gaits</a:t>
+            </a:r>
+            <a:endParaRPr lang="en-US" sz="2000" dirty="0" smtClean="0"/>
           </a:p>
         </p:txBody>
       </p:sp>
@@ -8600,7 +8612,7 @@
         </p:nvSpPr>
         <p:spPr>
           <a:xfrm>
-            <a:off x="553286" y="7514192"/>
+            <a:off x="553286" y="7572770"/>
             <a:ext cx="9525000" cy="1323439"/>
           </a:xfrm>
           <a:prstGeom prst="rect">
@@ -8634,7 +8646,7 @@
         </p:nvGrpSpPr>
         <p:grpSpPr>
           <a:xfrm>
-            <a:off x="12326280" y="22479000"/>
+            <a:off x="13621680" y="23079285"/>
             <a:ext cx="9784080" cy="4962315"/>
             <a:chOff x="10972800" y="22479000"/>
             <a:chExt cx="9784080" cy="4962315"/>
@@ -8746,7 +8758,11 @@
             <a:p>
               <a:r>
                 <a:rPr lang="en-US" sz="1600" dirty="0" smtClean="0"/>
-                <a:t>Three slow gait patterns for a four legged robot. The drag and creep gait involve moving a single leg, and are statically stable. The walk gait involves moving two legs at once, and is dynamically stable.</a:t>
+                <a:t>Figure 5: Three </a:t>
+              </a:r>
+              <a:r>
+                <a:rPr lang="en-US" sz="1600" dirty="0" smtClean="0"/>
+                <a:t>slow gait patterns for a four legged robot. The drag and creep gait involve moving a single leg, and are statically stable. The walk gait involves moving two legs at once, and is dynamically stable.</a:t>
               </a:r>
               <a:endParaRPr lang="en-US" sz="1600" dirty="0"/>
             </a:p>
@@ -8761,10 +8777,10 @@
         </p:nvGrpSpPr>
         <p:grpSpPr>
           <a:xfrm>
-            <a:off x="12600600" y="10842590"/>
-            <a:ext cx="9397270" cy="3559210"/>
+            <a:off x="13896000" y="11442875"/>
+            <a:ext cx="9397270" cy="3805431"/>
             <a:chOff x="11359609" y="11762609"/>
-            <a:chExt cx="9397270" cy="3559210"/>
+            <a:chExt cx="9397270" cy="3805431"/>
           </a:xfrm>
         </p:grpSpPr>
         <p:pic>
@@ -8829,7 +8845,7 @@
           <p:spPr>
             <a:xfrm>
               <a:off x="11359609" y="14983265"/>
-              <a:ext cx="9397270" cy="338554"/>
+              <a:ext cx="9397270" cy="584775"/>
             </a:xfrm>
             <a:prstGeom prst="rect">
               <a:avLst/>
@@ -8845,11 +8861,11 @@
               <a:pPr algn="ctr"/>
               <a:r>
                 <a:rPr lang="en-US" sz="1600" dirty="0" smtClean="0"/>
-                <a:t>The pneumatic circuit diagram for a single cylinder. </a:t>
+                <a:t>Figure 3: The </a:t>
               </a:r>
               <a:r>
                 <a:rPr lang="en-US" sz="1600" dirty="0" smtClean="0"/>
-                <a:t>Eight of these work in parallel to move the robot’s four legs.</a:t>
+                <a:t>pneumatic circuit diagram for a single cylinder. Eight of these work in parallel to move the robot’s four legs.</a:t>
               </a:r>
               <a:endParaRPr lang="en-US" sz="1600" dirty="0"/>
             </a:p>
@@ -8884,8 +8900,8 @@
         </p:blipFill>
         <p:spPr bwMode="auto">
           <a:xfrm>
-            <a:off x="34366200" y="360354"/>
-            <a:ext cx="1759585" cy="1158240"/>
+            <a:off x="34142022" y="360354"/>
+            <a:ext cx="1983764" cy="1735982"/>
           </a:xfrm>
           <a:prstGeom prst="rect">
             <a:avLst/>
@@ -8902,1186 +8918,13 @@
       </p:pic>
       <p:sp>
         <p:nvSpPr>
-          <p:cNvPr id="157" name="Freeform 156"/>
-          <p:cNvSpPr/>
-          <p:nvPr/>
-        </p:nvSpPr>
-        <p:spPr>
-          <a:xfrm>
-            <a:off x="29818788" y="5925956"/>
-            <a:ext cx="2034540" cy="1075055"/>
-          </a:xfrm>
-          <a:custGeom>
-            <a:avLst/>
-            <a:gdLst>
-              <a:gd name="connsiteX0" fmla="*/ 0 w 2034540"/>
-              <a:gd name="connsiteY0" fmla="*/ 1075552 h 1075552"/>
-              <a:gd name="connsiteX1" fmla="*/ 434340 w 2034540"/>
-              <a:gd name="connsiteY1" fmla="*/ 717412 h 1075552"/>
-              <a:gd name="connsiteX2" fmla="*/ 640080 w 2034540"/>
-              <a:gd name="connsiteY2" fmla="*/ 168772 h 1075552"/>
-              <a:gd name="connsiteX3" fmla="*/ 952500 w 2034540"/>
-              <a:gd name="connsiteY3" fmla="*/ 1132 h 1075552"/>
-              <a:gd name="connsiteX4" fmla="*/ 1272540 w 2034540"/>
-              <a:gd name="connsiteY4" fmla="*/ 229732 h 1075552"/>
-              <a:gd name="connsiteX5" fmla="*/ 1554480 w 2034540"/>
-              <a:gd name="connsiteY5" fmla="*/ 260212 h 1075552"/>
-              <a:gd name="connsiteX6" fmla="*/ 1767840 w 2034540"/>
-              <a:gd name="connsiteY6" fmla="*/ 176392 h 1075552"/>
-              <a:gd name="connsiteX7" fmla="*/ 2034540 w 2034540"/>
-              <a:gd name="connsiteY7" fmla="*/ 168772 h 1075552"/>
-            </a:gdLst>
-            <a:ahLst/>
-            <a:cxnLst>
-              <a:cxn ang="0">
-                <a:pos x="connsiteX0" y="connsiteY0"/>
-              </a:cxn>
-              <a:cxn ang="0">
-                <a:pos x="connsiteX1" y="connsiteY1"/>
-              </a:cxn>
-              <a:cxn ang="0">
-                <a:pos x="connsiteX2" y="connsiteY2"/>
-              </a:cxn>
-              <a:cxn ang="0">
-                <a:pos x="connsiteX3" y="connsiteY3"/>
-              </a:cxn>
-              <a:cxn ang="0">
-                <a:pos x="connsiteX4" y="connsiteY4"/>
-              </a:cxn>
-              <a:cxn ang="0">
-                <a:pos x="connsiteX5" y="connsiteY5"/>
-              </a:cxn>
-              <a:cxn ang="0">
-                <a:pos x="connsiteX6" y="connsiteY6"/>
-              </a:cxn>
-              <a:cxn ang="0">
-                <a:pos x="connsiteX7" y="connsiteY7"/>
-              </a:cxn>
-            </a:cxnLst>
-            <a:rect l="l" t="t" r="r" b="b"/>
-            <a:pathLst>
-              <a:path w="2034540" h="1075552">
-                <a:moveTo>
-                  <a:pt x="0" y="1075552"/>
-                </a:moveTo>
-                <a:cubicBezTo>
-                  <a:pt x="163830" y="972047"/>
-                  <a:pt x="327660" y="868542"/>
-                  <a:pt x="434340" y="717412"/>
-                </a:cubicBezTo>
-                <a:cubicBezTo>
-                  <a:pt x="541020" y="566282"/>
-                  <a:pt x="553720" y="288152"/>
-                  <a:pt x="640080" y="168772"/>
-                </a:cubicBezTo>
-                <a:cubicBezTo>
-                  <a:pt x="726440" y="49392"/>
-                  <a:pt x="847090" y="-9028"/>
-                  <a:pt x="952500" y="1132"/>
-                </a:cubicBezTo>
-                <a:cubicBezTo>
-                  <a:pt x="1057910" y="11292"/>
-                  <a:pt x="1172210" y="186552"/>
-                  <a:pt x="1272540" y="229732"/>
-                </a:cubicBezTo>
-                <a:cubicBezTo>
-                  <a:pt x="1372870" y="272912"/>
-                  <a:pt x="1471930" y="269102"/>
-                  <a:pt x="1554480" y="260212"/>
-                </a:cubicBezTo>
-                <a:cubicBezTo>
-                  <a:pt x="1637030" y="251322"/>
-                  <a:pt x="1687830" y="191632"/>
-                  <a:pt x="1767840" y="176392"/>
-                </a:cubicBezTo>
-                <a:cubicBezTo>
-                  <a:pt x="1847850" y="161152"/>
-                  <a:pt x="1969770" y="170042"/>
-                  <a:pt x="2034540" y="168772"/>
-                </a:cubicBezTo>
-              </a:path>
-            </a:pathLst>
-          </a:custGeom>
-        </p:spPr>
-        <p:style>
-          <a:lnRef idx="1">
-            <a:schemeClr val="dk1"/>
-          </a:lnRef>
-          <a:fillRef idx="0">
-            <a:schemeClr val="dk1"/>
-          </a:fillRef>
-          <a:effectRef idx="0">
-            <a:schemeClr val="dk1"/>
-          </a:effectRef>
-          <a:fontRef idx="minor">
-            <a:schemeClr val="tx1"/>
-          </a:fontRef>
-        </p:style>
-        <p:txBody>
-          <a:bodyPr rot="0" spcFirstLastPara="0" vert="horz" wrap="square" lIns="91440" tIns="45720" rIns="91440" bIns="45720" numCol="1" spcCol="0" rtlCol="0" fromWordArt="0" anchor="ctr" anchorCtr="0" forceAA="0" compatLnSpc="1">
-            <a:prstTxWarp prst="textNoShape">
-              <a:avLst/>
-            </a:prstTxWarp>
-            <a:noAutofit/>
-          </a:bodyPr>
-          <a:lstStyle/>
-          <a:p>
-            <a:endParaRPr lang="en-US"/>
-          </a:p>
-        </p:txBody>
-      </p:sp>
-      <p:sp>
-        <p:nvSpPr>
-          <p:cNvPr id="163" name="Rectangle 162"/>
-          <p:cNvSpPr/>
-          <p:nvPr/>
-        </p:nvSpPr>
-        <p:spPr>
-          <a:xfrm>
-            <a:off x="26237388" y="5797686"/>
-            <a:ext cx="815340" cy="1478280"/>
-          </a:xfrm>
-          <a:prstGeom prst="rect">
-            <a:avLst/>
-          </a:prstGeom>
-        </p:spPr>
-        <p:style>
-          <a:lnRef idx="2">
-            <a:schemeClr val="accent1">
-              <a:shade val="50000"/>
-            </a:schemeClr>
-          </a:lnRef>
-          <a:fillRef idx="1">
-            <a:schemeClr val="accent1"/>
-          </a:fillRef>
-          <a:effectRef idx="0">
-            <a:schemeClr val="accent1"/>
-          </a:effectRef>
-          <a:fontRef idx="minor">
-            <a:schemeClr val="lt1"/>
-          </a:fontRef>
-        </p:style>
-        <p:txBody>
-          <a:bodyPr rot="0" spcFirstLastPara="0" vert="horz" wrap="square" lIns="91440" tIns="45720" rIns="91440" bIns="45720" numCol="1" spcCol="0" rtlCol="0" fromWordArt="0" anchor="ctr" anchorCtr="0" forceAA="0" compatLnSpc="1">
-            <a:prstTxWarp prst="textNoShape">
-              <a:avLst/>
-            </a:prstTxWarp>
-            <a:noAutofit/>
-          </a:bodyPr>
-          <a:lstStyle/>
-          <a:p>
-            <a:endParaRPr lang="en-US"/>
-          </a:p>
-        </p:txBody>
-      </p:sp>
-      <p:sp>
-        <p:nvSpPr>
-          <p:cNvPr id="170" name="Rectangle 169"/>
-          <p:cNvSpPr/>
-          <p:nvPr/>
-        </p:nvSpPr>
-        <p:spPr>
-          <a:xfrm>
-            <a:off x="26283108" y="5911986"/>
-            <a:ext cx="45720" cy="1196340"/>
-          </a:xfrm>
-          <a:prstGeom prst="rect">
-            <a:avLst/>
-          </a:prstGeom>
-        </p:spPr>
-        <p:style>
-          <a:lnRef idx="2">
-            <a:schemeClr val="dk1">
-              <a:shade val="50000"/>
-            </a:schemeClr>
-          </a:lnRef>
-          <a:fillRef idx="1">
-            <a:schemeClr val="dk1"/>
-          </a:fillRef>
-          <a:effectRef idx="0">
-            <a:schemeClr val="dk1"/>
-          </a:effectRef>
-          <a:fontRef idx="minor">
-            <a:schemeClr val="lt1"/>
-          </a:fontRef>
-        </p:style>
-        <p:txBody>
-          <a:bodyPr rot="0" spcFirstLastPara="0" vert="horz" wrap="square" lIns="91440" tIns="45720" rIns="91440" bIns="45720" numCol="1" spcCol="0" rtlCol="0" fromWordArt="0" anchor="ctr" anchorCtr="0" forceAA="0" compatLnSpc="1">
-            <a:prstTxWarp prst="textNoShape">
-              <a:avLst/>
-            </a:prstTxWarp>
-            <a:noAutofit/>
-          </a:bodyPr>
-          <a:lstStyle/>
-          <a:p>
-            <a:endParaRPr lang="en-US"/>
-          </a:p>
-        </p:txBody>
-      </p:sp>
-      <p:sp>
-        <p:nvSpPr>
-          <p:cNvPr id="174" name="Rectangle 173"/>
-          <p:cNvSpPr/>
-          <p:nvPr/>
-        </p:nvSpPr>
-        <p:spPr>
-          <a:xfrm>
-            <a:off x="26976528" y="5896746"/>
-            <a:ext cx="45720" cy="1196340"/>
-          </a:xfrm>
-          <a:prstGeom prst="rect">
-            <a:avLst/>
-          </a:prstGeom>
-        </p:spPr>
-        <p:style>
-          <a:lnRef idx="2">
-            <a:schemeClr val="dk1">
-              <a:shade val="50000"/>
-            </a:schemeClr>
-          </a:lnRef>
-          <a:fillRef idx="1">
-            <a:schemeClr val="dk1"/>
-          </a:fillRef>
-          <a:effectRef idx="0">
-            <a:schemeClr val="dk1"/>
-          </a:effectRef>
-          <a:fontRef idx="minor">
-            <a:schemeClr val="lt1"/>
-          </a:fontRef>
-        </p:style>
-        <p:txBody>
-          <a:bodyPr rot="0" spcFirstLastPara="0" vert="horz" wrap="square" lIns="91440" tIns="45720" rIns="91440" bIns="45720" numCol="1" spcCol="0" rtlCol="0" fromWordArt="0" anchor="ctr" anchorCtr="0" forceAA="0" compatLnSpc="1">
-            <a:prstTxWarp prst="textNoShape">
-              <a:avLst/>
-            </a:prstTxWarp>
-            <a:noAutofit/>
-          </a:bodyPr>
-          <a:lstStyle/>
-          <a:p>
-            <a:endParaRPr lang="en-US"/>
-          </a:p>
-        </p:txBody>
-      </p:sp>
-      <p:sp>
-        <p:nvSpPr>
-          <p:cNvPr id="175" name="Rectangle 174"/>
-          <p:cNvSpPr/>
-          <p:nvPr/>
-        </p:nvSpPr>
-        <p:spPr>
-          <a:xfrm>
-            <a:off x="26412648" y="5819911"/>
-            <a:ext cx="472440" cy="45085"/>
-          </a:xfrm>
-          <a:prstGeom prst="rect">
-            <a:avLst/>
-          </a:prstGeom>
-        </p:spPr>
-        <p:style>
-          <a:lnRef idx="2">
-            <a:schemeClr val="dk1">
-              <a:shade val="50000"/>
-            </a:schemeClr>
-          </a:lnRef>
-          <a:fillRef idx="1">
-            <a:schemeClr val="dk1"/>
-          </a:fillRef>
-          <a:effectRef idx="0">
-            <a:schemeClr val="dk1"/>
-          </a:effectRef>
-          <a:fontRef idx="minor">
-            <a:schemeClr val="lt1"/>
-          </a:fontRef>
-        </p:style>
-        <p:txBody>
-          <a:bodyPr rot="0" spcFirstLastPara="0" vert="horz" wrap="square" lIns="91440" tIns="45720" rIns="91440" bIns="45720" numCol="1" spcCol="0" rtlCol="0" fromWordArt="0" anchor="ctr" anchorCtr="0" forceAA="0" compatLnSpc="1">
-            <a:prstTxWarp prst="textNoShape">
-              <a:avLst/>
-            </a:prstTxWarp>
-            <a:noAutofit/>
-          </a:bodyPr>
-          <a:lstStyle/>
-          <a:p>
-            <a:endParaRPr lang="en-US"/>
-          </a:p>
-        </p:txBody>
-      </p:sp>
-      <p:sp>
-        <p:nvSpPr>
-          <p:cNvPr id="176" name="Text Box 1"/>
-          <p:cNvSpPr txBox="1"/>
-          <p:nvPr/>
-        </p:nvSpPr>
-        <p:spPr>
-          <a:xfrm>
-            <a:off x="26298348" y="6110106"/>
-            <a:ext cx="739140" cy="723900"/>
-          </a:xfrm>
-          <a:prstGeom prst="rect">
-            <a:avLst/>
-          </a:prstGeom>
-          <a:noFill/>
-          <a:ln>
-            <a:noFill/>
-          </a:ln>
-          <a:effectLst/>
-        </p:spPr>
-        <p:txBody>
-          <a:bodyPr rot="0" spcFirstLastPara="0" vert="horz" wrap="square" lIns="91440" tIns="45720" rIns="91440" bIns="45720" numCol="1" spcCol="0" rtlCol="0" fromWordArt="0" anchor="t" anchorCtr="0" forceAA="0" compatLnSpc="1">
-            <a:prstTxWarp prst="textNoShape">
-              <a:avLst/>
-            </a:prstTxWarp>
-            <a:noAutofit/>
-          </a:bodyPr>
-          <a:lstStyle/>
-          <a:p>
-            <a:pPr marL="0" marR="0">
-              <a:lnSpc>
-                <a:spcPct val="107000"/>
-              </a:lnSpc>
-              <a:spcBef>
-                <a:spcPts val="0"/>
-              </a:spcBef>
-              <a:spcAft>
-                <a:spcPts val="800"/>
-              </a:spcAft>
-            </a:pPr>
-            <a:r>
-              <a:rPr lang="en-US" sz="1200" dirty="0">
-                <a:ln>
-                  <a:noFill/>
-                </a:ln>
-                <a:solidFill>
-                  <a:schemeClr val="bg1"/>
-                </a:solidFill>
-                <a:effectLst>
-                  <a:outerShdw blurRad="38100" dist="19050" dir="2700000" algn="tl">
-                    <a:schemeClr val="dk1">
-                      <a:alpha val="40000"/>
-                    </a:schemeClr>
-                  </a:outerShdw>
-                </a:effectLst>
-                <a:latin typeface="Calibri" panose="020F0502020204030204" pitchFamily="34" charset="0"/>
-                <a:ea typeface="Calibri" panose="020F0502020204030204" pitchFamily="34" charset="0"/>
-                <a:cs typeface="Times New Roman" panose="02020603050405020304" pitchFamily="18" charset="0"/>
-              </a:rPr>
-              <a:t>Arduino</a:t>
-            </a:r>
-            <a:endParaRPr lang="en-US" sz="1100" dirty="0">
-              <a:solidFill>
-                <a:schemeClr val="bg1"/>
-              </a:solidFill>
-              <a:effectLst/>
-              <a:latin typeface="Calibri" panose="020F0502020204030204" pitchFamily="34" charset="0"/>
-              <a:ea typeface="Calibri" panose="020F0502020204030204" pitchFamily="34" charset="0"/>
-              <a:cs typeface="Times New Roman" panose="02020603050405020304" pitchFamily="18" charset="0"/>
-            </a:endParaRPr>
-          </a:p>
-          <a:p>
-            <a:pPr marL="0" marR="0">
-              <a:lnSpc>
-                <a:spcPct val="107000"/>
-              </a:lnSpc>
-              <a:spcBef>
-                <a:spcPts val="0"/>
-              </a:spcBef>
-              <a:spcAft>
-                <a:spcPts val="800"/>
-              </a:spcAft>
-            </a:pPr>
-            <a:r>
-              <a:rPr lang="en-US" sz="1200" dirty="0">
-                <a:ln>
-                  <a:noFill/>
-                </a:ln>
-                <a:solidFill>
-                  <a:schemeClr val="bg1"/>
-                </a:solidFill>
-                <a:effectLst>
-                  <a:outerShdw blurRad="38100" dist="19050" dir="2700000" algn="tl">
-                    <a:schemeClr val="dk1">
-                      <a:alpha val="40000"/>
-                    </a:schemeClr>
-                  </a:outerShdw>
-                </a:effectLst>
-                <a:latin typeface="Calibri" panose="020F0502020204030204" pitchFamily="34" charset="0"/>
-                <a:ea typeface="Calibri" panose="020F0502020204030204" pitchFamily="34" charset="0"/>
-                <a:cs typeface="Times New Roman" panose="02020603050405020304" pitchFamily="18" charset="0"/>
-              </a:rPr>
-              <a:t>Mega</a:t>
-            </a:r>
-            <a:endParaRPr lang="en-US" sz="1100" dirty="0">
-              <a:solidFill>
-                <a:schemeClr val="bg1"/>
-              </a:solidFill>
-              <a:effectLst/>
-              <a:latin typeface="Calibri" panose="020F0502020204030204" pitchFamily="34" charset="0"/>
-              <a:ea typeface="Calibri" panose="020F0502020204030204" pitchFamily="34" charset="0"/>
-              <a:cs typeface="Times New Roman" panose="02020603050405020304" pitchFamily="18" charset="0"/>
-            </a:endParaRPr>
-          </a:p>
-        </p:txBody>
-      </p:sp>
-      <p:cxnSp>
-        <p:nvCxnSpPr>
-          <p:cNvPr id="177" name="Elbow Connector 176"/>
-          <p:cNvCxnSpPr/>
-          <p:nvPr/>
-        </p:nvCxnSpPr>
-        <p:spPr>
-          <a:xfrm>
-            <a:off x="27106068" y="6079626"/>
-            <a:ext cx="914400" cy="914400"/>
-          </a:xfrm>
-          <a:prstGeom prst="bentConnector3">
-            <a:avLst/>
-          </a:prstGeom>
-        </p:spPr>
-        <p:style>
-          <a:lnRef idx="1">
-            <a:schemeClr val="dk1"/>
-          </a:lnRef>
-          <a:fillRef idx="0">
-            <a:schemeClr val="dk1"/>
-          </a:fillRef>
-          <a:effectRef idx="0">
-            <a:schemeClr val="dk1"/>
-          </a:effectRef>
-          <a:fontRef idx="minor">
-            <a:schemeClr val="tx1"/>
-          </a:fontRef>
-        </p:style>
-      </p:cxnSp>
-      <p:cxnSp>
-        <p:nvCxnSpPr>
-          <p:cNvPr id="178" name="Elbow Connector 177"/>
-          <p:cNvCxnSpPr/>
-          <p:nvPr/>
-        </p:nvCxnSpPr>
-        <p:spPr>
-          <a:xfrm flipV="1">
-            <a:off x="28035708" y="6072006"/>
-            <a:ext cx="426720" cy="922020"/>
-          </a:xfrm>
-          <a:prstGeom prst="bentConnector3">
-            <a:avLst>
-              <a:gd name="adj1" fmla="val 15517"/>
-            </a:avLst>
-          </a:prstGeom>
-        </p:spPr>
-        <p:style>
-          <a:lnRef idx="1">
-            <a:schemeClr val="dk1"/>
-          </a:lnRef>
-          <a:fillRef idx="0">
-            <a:schemeClr val="dk1"/>
-          </a:fillRef>
-          <a:effectRef idx="0">
-            <a:schemeClr val="dk1"/>
-          </a:effectRef>
-          <a:fontRef idx="minor">
-            <a:schemeClr val="tx1"/>
-          </a:fontRef>
-        </p:style>
-      </p:cxnSp>
-      <p:cxnSp>
-        <p:nvCxnSpPr>
-          <p:cNvPr id="179" name="Elbow Connector 178"/>
-          <p:cNvCxnSpPr/>
-          <p:nvPr/>
-        </p:nvCxnSpPr>
-        <p:spPr>
-          <a:xfrm>
-            <a:off x="28218588" y="6072006"/>
-            <a:ext cx="914400" cy="914400"/>
-          </a:xfrm>
-          <a:prstGeom prst="bentConnector3">
-            <a:avLst/>
-          </a:prstGeom>
-        </p:spPr>
-        <p:style>
-          <a:lnRef idx="1">
-            <a:schemeClr val="dk1"/>
-          </a:lnRef>
-          <a:fillRef idx="0">
-            <a:schemeClr val="dk1"/>
-          </a:fillRef>
-          <a:effectRef idx="0">
-            <a:schemeClr val="dk1"/>
-          </a:effectRef>
-          <a:fontRef idx="minor">
-            <a:schemeClr val="tx1"/>
-          </a:fontRef>
-        </p:style>
-      </p:cxnSp>
-      <p:sp>
-        <p:nvSpPr>
-          <p:cNvPr id="180" name="Rectangle 179"/>
-          <p:cNvSpPr/>
-          <p:nvPr/>
-        </p:nvSpPr>
-        <p:spPr>
-          <a:xfrm>
-            <a:off x="29033928" y="5820546"/>
-            <a:ext cx="982980" cy="1447800"/>
-          </a:xfrm>
-          <a:prstGeom prst="rect">
-            <a:avLst/>
-          </a:prstGeom>
-        </p:spPr>
-        <p:style>
-          <a:lnRef idx="2">
-            <a:schemeClr val="accent3">
-              <a:shade val="50000"/>
-            </a:schemeClr>
-          </a:lnRef>
-          <a:fillRef idx="1">
-            <a:schemeClr val="accent3"/>
-          </a:fillRef>
-          <a:effectRef idx="0">
-            <a:schemeClr val="accent3"/>
-          </a:effectRef>
-          <a:fontRef idx="minor">
-            <a:schemeClr val="lt1"/>
-          </a:fontRef>
-        </p:style>
-        <p:txBody>
-          <a:bodyPr rot="0" spcFirstLastPara="0" vert="horz" wrap="square" lIns="91440" tIns="45720" rIns="91440" bIns="45720" numCol="1" spcCol="0" rtlCol="0" fromWordArt="0" anchor="ctr" anchorCtr="0" forceAA="0" compatLnSpc="1">
-            <a:prstTxWarp prst="textNoShape">
-              <a:avLst/>
-            </a:prstTxWarp>
-            <a:noAutofit/>
-          </a:bodyPr>
-          <a:lstStyle/>
-          <a:p>
-            <a:endParaRPr lang="en-US"/>
-          </a:p>
-        </p:txBody>
-      </p:sp>
-      <p:sp>
-        <p:nvSpPr>
-          <p:cNvPr id="181" name="Text Box 17"/>
-          <p:cNvSpPr txBox="1"/>
-          <p:nvPr/>
-        </p:nvSpPr>
-        <p:spPr>
-          <a:xfrm>
-            <a:off x="28962296" y="6430146"/>
-            <a:ext cx="1104020" cy="281231"/>
-          </a:xfrm>
-          <a:prstGeom prst="rect">
-            <a:avLst/>
-          </a:prstGeom>
-          <a:noFill/>
-          <a:ln>
-            <a:noFill/>
-          </a:ln>
-          <a:effectLst/>
-        </p:spPr>
-        <p:txBody>
-          <a:bodyPr rot="0" spcFirstLastPara="0" vert="horz" wrap="none" lIns="91440" tIns="45720" rIns="91440" bIns="45720" numCol="1" spcCol="0" rtlCol="0" fromWordArt="0" anchor="t" anchorCtr="0" forceAA="0" compatLnSpc="1">
-            <a:prstTxWarp prst="textNoShape">
-              <a:avLst/>
-            </a:prstTxWarp>
-            <a:spAutoFit/>
-          </a:bodyPr>
-          <a:lstStyle/>
-          <a:p>
-            <a:pPr marL="0" marR="0" algn="ctr">
-              <a:lnSpc>
-                <a:spcPct val="107000"/>
-              </a:lnSpc>
-              <a:spcBef>
-                <a:spcPts val="0"/>
-              </a:spcBef>
-              <a:spcAft>
-                <a:spcPts val="800"/>
-              </a:spcAft>
-            </a:pPr>
-            <a:r>
-              <a:rPr lang="en-US" sz="1200" dirty="0">
-                <a:ln>
-                  <a:noFill/>
-                </a:ln>
-                <a:solidFill>
-                  <a:schemeClr val="bg1"/>
-                </a:solidFill>
-                <a:effectLst>
-                  <a:outerShdw blurRad="38100" dist="19050" dir="2700000" algn="tl">
-                    <a:schemeClr val="dk1">
-                      <a:alpha val="40000"/>
-                    </a:schemeClr>
-                  </a:outerShdw>
-                </a:effectLst>
-                <a:latin typeface="Calibri" panose="020F0502020204030204" pitchFamily="34" charset="0"/>
-                <a:ea typeface="Calibri" panose="020F0502020204030204" pitchFamily="34" charset="0"/>
-                <a:cs typeface="Times New Roman" panose="02020603050405020304" pitchFamily="18" charset="0"/>
-              </a:rPr>
-              <a:t>Low Pass Filter</a:t>
-            </a:r>
-            <a:endParaRPr lang="en-US" sz="1100" dirty="0">
-              <a:solidFill>
-                <a:schemeClr val="bg1"/>
-              </a:solidFill>
-              <a:effectLst/>
-              <a:latin typeface="Calibri" panose="020F0502020204030204" pitchFamily="34" charset="0"/>
-              <a:ea typeface="Calibri" panose="020F0502020204030204" pitchFamily="34" charset="0"/>
-              <a:cs typeface="Times New Roman" panose="02020603050405020304" pitchFamily="18" charset="0"/>
-            </a:endParaRPr>
-          </a:p>
-        </p:txBody>
-      </p:sp>
-      <p:sp>
-        <p:nvSpPr>
-          <p:cNvPr id="182" name="Rounded Rectangle 181"/>
-          <p:cNvSpPr/>
-          <p:nvPr/>
-        </p:nvSpPr>
-        <p:spPr>
-          <a:xfrm>
-            <a:off x="31590438" y="5843406"/>
-            <a:ext cx="1478280" cy="1531620"/>
-          </a:xfrm>
-          <a:prstGeom prst="roundRect">
-            <a:avLst/>
-          </a:prstGeom>
-        </p:spPr>
-        <p:style>
-          <a:lnRef idx="2">
-            <a:schemeClr val="accent1">
-              <a:shade val="50000"/>
-            </a:schemeClr>
-          </a:lnRef>
-          <a:fillRef idx="1">
-            <a:schemeClr val="accent1"/>
-          </a:fillRef>
-          <a:effectRef idx="0">
-            <a:schemeClr val="accent1"/>
-          </a:effectRef>
-          <a:fontRef idx="minor">
-            <a:schemeClr val="lt1"/>
-          </a:fontRef>
-        </p:style>
-        <p:txBody>
-          <a:bodyPr rot="0" spcFirstLastPara="0" vert="horz" wrap="square" lIns="91440" tIns="45720" rIns="91440" bIns="45720" numCol="1" spcCol="0" rtlCol="0" fromWordArt="0" anchor="ctr" anchorCtr="0" forceAA="0" compatLnSpc="1">
-            <a:prstTxWarp prst="textNoShape">
-              <a:avLst/>
-            </a:prstTxWarp>
-            <a:noAutofit/>
-          </a:bodyPr>
-          <a:lstStyle/>
-          <a:p>
-            <a:endParaRPr lang="en-US"/>
-          </a:p>
-        </p:txBody>
-      </p:sp>
-      <p:sp>
-        <p:nvSpPr>
-          <p:cNvPr id="184" name="Text Box 24"/>
-          <p:cNvSpPr txBox="1"/>
-          <p:nvPr/>
-        </p:nvSpPr>
-        <p:spPr>
-          <a:xfrm>
-            <a:off x="31551068" y="6110106"/>
-            <a:ext cx="1550296" cy="890372"/>
-          </a:xfrm>
-          <a:prstGeom prst="rect">
-            <a:avLst/>
-          </a:prstGeom>
-          <a:noFill/>
-          <a:ln>
-            <a:noFill/>
-          </a:ln>
-          <a:effectLst/>
-        </p:spPr>
-        <p:txBody>
-          <a:bodyPr rot="0" spcFirstLastPara="0" vert="horz" wrap="none" lIns="91440" tIns="45720" rIns="91440" bIns="45720" numCol="1" spcCol="0" rtlCol="0" fromWordArt="0" anchor="t" anchorCtr="0" forceAA="0" compatLnSpc="1">
-            <a:prstTxWarp prst="textNoShape">
-              <a:avLst/>
-            </a:prstTxWarp>
-            <a:spAutoFit/>
-          </a:bodyPr>
-          <a:lstStyle/>
-          <a:p>
-            <a:pPr marL="0" marR="0">
-              <a:lnSpc>
-                <a:spcPct val="107000"/>
-              </a:lnSpc>
-              <a:spcBef>
-                <a:spcPts val="0"/>
-              </a:spcBef>
-              <a:spcAft>
-                <a:spcPts val="800"/>
-              </a:spcAft>
-            </a:pPr>
-            <a:r>
-              <a:rPr lang="en-US" sz="1200" dirty="0">
-                <a:ln>
-                  <a:noFill/>
-                </a:ln>
-                <a:solidFill>
-                  <a:schemeClr val="bg1"/>
-                </a:solidFill>
-                <a:effectLst>
-                  <a:outerShdw blurRad="38100" dist="19050" dir="2700000" algn="tl">
-                    <a:schemeClr val="dk1">
-                      <a:alpha val="40000"/>
-                    </a:schemeClr>
-                  </a:outerShdw>
-                </a:effectLst>
-                <a:latin typeface="Calibri" panose="020F0502020204030204" pitchFamily="34" charset="0"/>
-                <a:ea typeface="Calibri" panose="020F0502020204030204" pitchFamily="34" charset="0"/>
-                <a:cs typeface="Times New Roman" panose="02020603050405020304" pitchFamily="18" charset="0"/>
-              </a:rPr>
-              <a:t>Pneumatic Subsystem</a:t>
-            </a:r>
-            <a:endParaRPr lang="en-US" sz="1100" dirty="0">
-              <a:solidFill>
-                <a:schemeClr val="bg1"/>
-              </a:solidFill>
-              <a:effectLst/>
-              <a:latin typeface="Calibri" panose="020F0502020204030204" pitchFamily="34" charset="0"/>
-              <a:ea typeface="Calibri" panose="020F0502020204030204" pitchFamily="34" charset="0"/>
-              <a:cs typeface="Times New Roman" panose="02020603050405020304" pitchFamily="18" charset="0"/>
-            </a:endParaRPr>
-          </a:p>
-          <a:p>
-            <a:pPr marL="0" marR="0">
-              <a:lnSpc>
-                <a:spcPct val="107000"/>
-              </a:lnSpc>
-              <a:spcBef>
-                <a:spcPts val="0"/>
-              </a:spcBef>
-              <a:spcAft>
-                <a:spcPts val="800"/>
-              </a:spcAft>
-            </a:pPr>
-            <a:r>
-              <a:rPr lang="en-US" sz="1200" dirty="0">
-                <a:ln>
-                  <a:noFill/>
-                </a:ln>
-                <a:solidFill>
-                  <a:schemeClr val="bg1"/>
-                </a:solidFill>
-                <a:effectLst>
-                  <a:outerShdw blurRad="38100" dist="19050" dir="2700000" algn="tl">
-                    <a:schemeClr val="dk1">
-                      <a:alpha val="40000"/>
-                    </a:schemeClr>
-                  </a:outerShdw>
-                </a:effectLst>
-                <a:latin typeface="Calibri" panose="020F0502020204030204" pitchFamily="34" charset="0"/>
-                <a:ea typeface="Calibri" panose="020F0502020204030204" pitchFamily="34" charset="0"/>
-                <a:cs typeface="Times New Roman" panose="02020603050405020304" pitchFamily="18" charset="0"/>
-              </a:rPr>
-              <a:t> </a:t>
-            </a:r>
-            <a:endParaRPr lang="en-US" sz="1100" dirty="0">
-              <a:solidFill>
-                <a:schemeClr val="bg1"/>
-              </a:solidFill>
-              <a:effectLst/>
-              <a:latin typeface="Calibri" panose="020F0502020204030204" pitchFamily="34" charset="0"/>
-              <a:ea typeface="Calibri" panose="020F0502020204030204" pitchFamily="34" charset="0"/>
-              <a:cs typeface="Times New Roman" panose="02020603050405020304" pitchFamily="18" charset="0"/>
-            </a:endParaRPr>
-          </a:p>
-          <a:p>
-            <a:pPr marL="0" marR="0">
-              <a:lnSpc>
-                <a:spcPct val="107000"/>
-              </a:lnSpc>
-              <a:spcBef>
-                <a:spcPts val="0"/>
-              </a:spcBef>
-              <a:spcAft>
-                <a:spcPts val="800"/>
-              </a:spcAft>
-            </a:pPr>
-            <a:r>
-              <a:rPr lang="en-US" sz="1200" dirty="0">
-                <a:ln>
-                  <a:noFill/>
-                </a:ln>
-                <a:solidFill>
-                  <a:schemeClr val="bg1"/>
-                </a:solidFill>
-                <a:effectLst>
-                  <a:outerShdw blurRad="38100" dist="19050" dir="2700000" algn="tl">
-                    <a:schemeClr val="dk1">
-                      <a:alpha val="40000"/>
-                    </a:schemeClr>
-                  </a:outerShdw>
-                </a:effectLst>
-                <a:latin typeface="Calibri" panose="020F0502020204030204" pitchFamily="34" charset="0"/>
-                <a:ea typeface="Calibri" panose="020F0502020204030204" pitchFamily="34" charset="0"/>
-                <a:cs typeface="Times New Roman" panose="02020603050405020304" pitchFamily="18" charset="0"/>
-              </a:rPr>
-              <a:t>Valves and Cylinders</a:t>
-            </a:r>
-            <a:endParaRPr lang="en-US" sz="1100" dirty="0">
-              <a:solidFill>
-                <a:schemeClr val="bg1"/>
-              </a:solidFill>
-              <a:effectLst/>
-              <a:latin typeface="Calibri" panose="020F0502020204030204" pitchFamily="34" charset="0"/>
-              <a:ea typeface="Calibri" panose="020F0502020204030204" pitchFamily="34" charset="0"/>
-              <a:cs typeface="Times New Roman" panose="02020603050405020304" pitchFamily="18" charset="0"/>
-            </a:endParaRPr>
-          </a:p>
-        </p:txBody>
-      </p:sp>
-      <p:cxnSp>
-        <p:nvCxnSpPr>
-          <p:cNvPr id="186" name="Curved Connector 185"/>
-          <p:cNvCxnSpPr/>
-          <p:nvPr/>
-        </p:nvCxnSpPr>
-        <p:spPr>
-          <a:xfrm flipH="1">
-            <a:off x="30275988" y="7435986"/>
-            <a:ext cx="1607820" cy="1219200"/>
-          </a:xfrm>
-          <a:prstGeom prst="curvedConnector3">
-            <a:avLst/>
-          </a:prstGeom>
-          <a:ln>
-            <a:tailEnd type="triangle"/>
-          </a:ln>
-        </p:spPr>
-        <p:style>
-          <a:lnRef idx="1">
-            <a:schemeClr val="dk1"/>
-          </a:lnRef>
-          <a:fillRef idx="0">
-            <a:schemeClr val="dk1"/>
-          </a:fillRef>
-          <a:effectRef idx="0">
-            <a:schemeClr val="dk1"/>
-          </a:effectRef>
-          <a:fontRef idx="minor">
-            <a:schemeClr val="tx1"/>
-          </a:fontRef>
-        </p:style>
-      </p:cxnSp>
-      <p:cxnSp>
-        <p:nvCxnSpPr>
-          <p:cNvPr id="187" name="Curved Connector 186"/>
-          <p:cNvCxnSpPr/>
-          <p:nvPr/>
-        </p:nvCxnSpPr>
-        <p:spPr>
-          <a:xfrm flipH="1" flipV="1">
-            <a:off x="27106068" y="7184526"/>
-            <a:ext cx="2011680" cy="1508760"/>
-          </a:xfrm>
-          <a:prstGeom prst="curvedConnector3">
-            <a:avLst/>
-          </a:prstGeom>
-          <a:ln>
-            <a:tailEnd type="triangle"/>
-          </a:ln>
-        </p:spPr>
-        <p:style>
-          <a:lnRef idx="1">
-            <a:schemeClr val="dk1"/>
-          </a:lnRef>
-          <a:fillRef idx="0">
-            <a:schemeClr val="dk1"/>
-          </a:fillRef>
-          <a:effectRef idx="0">
-            <a:schemeClr val="dk1"/>
-          </a:effectRef>
-          <a:fontRef idx="minor">
-            <a:schemeClr val="tx1"/>
-          </a:fontRef>
-        </p:style>
-      </p:cxnSp>
-      <p:sp>
-        <p:nvSpPr>
-          <p:cNvPr id="188" name="Text Box 29"/>
-          <p:cNvSpPr txBox="1"/>
-          <p:nvPr/>
-        </p:nvSpPr>
-        <p:spPr>
-          <a:xfrm>
-            <a:off x="29125368" y="8525646"/>
-            <a:ext cx="1170940" cy="417195"/>
-          </a:xfrm>
-          <a:prstGeom prst="rect">
-            <a:avLst/>
-          </a:prstGeom>
-          <a:noFill/>
-          <a:ln>
-            <a:noFill/>
-          </a:ln>
-          <a:effectLst/>
-        </p:spPr>
-        <p:txBody>
-          <a:bodyPr rot="0" spcFirstLastPara="0" vert="horz" wrap="none" lIns="91440" tIns="45720" rIns="91440" bIns="45720" numCol="1" spcCol="0" rtlCol="0" fromWordArt="0" anchor="t" anchorCtr="0" forceAA="0" compatLnSpc="1">
-            <a:prstTxWarp prst="textNoShape">
-              <a:avLst/>
-            </a:prstTxWarp>
-            <a:spAutoFit/>
-          </a:bodyPr>
-          <a:lstStyle/>
-          <a:p>
-            <a:pPr marL="0" marR="0" algn="ctr">
-              <a:lnSpc>
-                <a:spcPct val="107000"/>
-              </a:lnSpc>
-              <a:spcBef>
-                <a:spcPts val="0"/>
-              </a:spcBef>
-              <a:spcAft>
-                <a:spcPts val="800"/>
-              </a:spcAft>
-            </a:pPr>
-            <a:r>
-              <a:rPr lang="en-US" sz="1200">
-                <a:ln>
-                  <a:noFill/>
-                </a:ln>
-                <a:solidFill>
-                  <a:srgbClr val="000000"/>
-                </a:solidFill>
-                <a:effectLst>
-                  <a:outerShdw blurRad="38100" dist="19050" dir="2700000" algn="tl">
-                    <a:schemeClr val="dk1">
-                      <a:alpha val="40000"/>
-                    </a:schemeClr>
-                  </a:outerShdw>
-                </a:effectLst>
-                <a:latin typeface="Calibri" panose="020F0502020204030204" pitchFamily="34" charset="0"/>
-                <a:ea typeface="Calibri" panose="020F0502020204030204" pitchFamily="34" charset="0"/>
-                <a:cs typeface="Times New Roman" panose="02020603050405020304" pitchFamily="18" charset="0"/>
-              </a:rPr>
-              <a:t>Feedback Signal</a:t>
-            </a:r>
-            <a:endParaRPr lang="en-US" sz="1100">
-              <a:effectLst/>
-              <a:latin typeface="Calibri" panose="020F0502020204030204" pitchFamily="34" charset="0"/>
-              <a:ea typeface="Calibri" panose="020F0502020204030204" pitchFamily="34" charset="0"/>
-              <a:cs typeface="Times New Roman" panose="02020603050405020304" pitchFamily="18" charset="0"/>
-            </a:endParaRPr>
-          </a:p>
-        </p:txBody>
-      </p:sp>
-      <p:sp>
-        <p:nvSpPr>
-          <p:cNvPr id="189" name="Text Box 30"/>
-          <p:cNvSpPr txBox="1"/>
-          <p:nvPr/>
-        </p:nvSpPr>
-        <p:spPr>
-          <a:xfrm>
-            <a:off x="27014628" y="5637666"/>
-            <a:ext cx="2047875" cy="417195"/>
-          </a:xfrm>
-          <a:prstGeom prst="rect">
-            <a:avLst/>
-          </a:prstGeom>
-          <a:noFill/>
-          <a:ln>
-            <a:noFill/>
-          </a:ln>
-          <a:effectLst/>
-        </p:spPr>
-        <p:txBody>
-          <a:bodyPr rot="0" spcFirstLastPara="0" vert="horz" wrap="none" lIns="91440" tIns="45720" rIns="91440" bIns="45720" numCol="1" spcCol="0" rtlCol="0" fromWordArt="0" anchor="t" anchorCtr="0" forceAA="0" compatLnSpc="1">
-            <a:prstTxWarp prst="textNoShape">
-              <a:avLst/>
-            </a:prstTxWarp>
-            <a:spAutoFit/>
-          </a:bodyPr>
-          <a:lstStyle/>
-          <a:p>
-            <a:pPr marL="0" marR="0" algn="ctr">
-              <a:lnSpc>
-                <a:spcPct val="107000"/>
-              </a:lnSpc>
-              <a:spcBef>
-                <a:spcPts val="0"/>
-              </a:spcBef>
-              <a:spcAft>
-                <a:spcPts val="800"/>
-              </a:spcAft>
-            </a:pPr>
-            <a:r>
-              <a:rPr lang="en-US" sz="1200">
-                <a:ln>
-                  <a:noFill/>
-                </a:ln>
-                <a:solidFill>
-                  <a:srgbClr val="000000"/>
-                </a:solidFill>
-                <a:effectLst>
-                  <a:outerShdw blurRad="38100" dist="19050" dir="2700000" algn="tl">
-                    <a:schemeClr val="dk1">
-                      <a:alpha val="40000"/>
-                    </a:schemeClr>
-                  </a:outerShdw>
-                </a:effectLst>
-                <a:latin typeface="Calibri" panose="020F0502020204030204" pitchFamily="34" charset="0"/>
-                <a:ea typeface="Calibri" panose="020F0502020204030204" pitchFamily="34" charset="0"/>
-                <a:cs typeface="Times New Roman" panose="02020603050405020304" pitchFamily="18" charset="0"/>
-              </a:rPr>
-              <a:t>Pulse Width Modulated Signal</a:t>
-            </a:r>
-            <a:endParaRPr lang="en-US" sz="1100">
-              <a:effectLst/>
-              <a:latin typeface="Calibri" panose="020F0502020204030204" pitchFamily="34" charset="0"/>
-              <a:ea typeface="Calibri" panose="020F0502020204030204" pitchFamily="34" charset="0"/>
-              <a:cs typeface="Times New Roman" panose="02020603050405020304" pitchFamily="18" charset="0"/>
-            </a:endParaRPr>
-          </a:p>
-        </p:txBody>
-      </p:sp>
-      <p:sp>
-        <p:nvSpPr>
-          <p:cNvPr id="190" name="Text Box 31"/>
-          <p:cNvSpPr txBox="1"/>
-          <p:nvPr/>
-        </p:nvSpPr>
-        <p:spPr>
-          <a:xfrm>
-            <a:off x="30344568" y="5614806"/>
-            <a:ext cx="941705" cy="399415"/>
-          </a:xfrm>
-          <a:prstGeom prst="rect">
-            <a:avLst/>
-          </a:prstGeom>
-          <a:noFill/>
-          <a:ln>
-            <a:noFill/>
-          </a:ln>
-          <a:effectLst/>
-        </p:spPr>
-        <p:txBody>
-          <a:bodyPr rot="0" spcFirstLastPara="0" vert="horz" wrap="none" lIns="91440" tIns="45720" rIns="91440" bIns="45720" numCol="1" spcCol="0" rtlCol="0" fromWordArt="0" anchor="t" anchorCtr="0" forceAA="0" compatLnSpc="1">
-            <a:prstTxWarp prst="textNoShape">
-              <a:avLst/>
-            </a:prstTxWarp>
-            <a:spAutoFit/>
-          </a:bodyPr>
-          <a:lstStyle/>
-          <a:p>
-            <a:pPr marL="0" marR="0" algn="ctr">
-              <a:lnSpc>
-                <a:spcPct val="107000"/>
-              </a:lnSpc>
-              <a:spcBef>
-                <a:spcPts val="0"/>
-              </a:spcBef>
-              <a:spcAft>
-                <a:spcPts val="800"/>
-              </a:spcAft>
-            </a:pPr>
-            <a:r>
-              <a:rPr lang="en-US" sz="1100">
-                <a:ln>
-                  <a:noFill/>
-                </a:ln>
-                <a:solidFill>
-                  <a:srgbClr val="000000"/>
-                </a:solidFill>
-                <a:effectLst>
-                  <a:outerShdw blurRad="38100" dist="19050" dir="2700000" algn="tl">
-                    <a:schemeClr val="dk1">
-                      <a:alpha val="40000"/>
-                    </a:schemeClr>
-                  </a:outerShdw>
-                </a:effectLst>
-                <a:latin typeface="Calibri" panose="020F0502020204030204" pitchFamily="34" charset="0"/>
-                <a:ea typeface="Calibri" panose="020F0502020204030204" pitchFamily="34" charset="0"/>
-                <a:cs typeface="Times New Roman" panose="02020603050405020304" pitchFamily="18" charset="0"/>
-              </a:rPr>
-              <a:t>Analog Signal</a:t>
-            </a:r>
-            <a:endParaRPr lang="en-US" sz="1100">
-              <a:effectLst/>
-              <a:latin typeface="Calibri" panose="020F0502020204030204" pitchFamily="34" charset="0"/>
-              <a:ea typeface="Calibri" panose="020F0502020204030204" pitchFamily="34" charset="0"/>
-              <a:cs typeface="Times New Roman" panose="02020603050405020304" pitchFamily="18" charset="0"/>
-            </a:endParaRPr>
-          </a:p>
-        </p:txBody>
-      </p:sp>
-      <p:sp>
-        <p:nvSpPr>
-          <p:cNvPr id="18" name="Rectangle 19"/>
-          <p:cNvSpPr>
-            <a:spLocks noChangeArrowheads="1"/>
-          </p:cNvSpPr>
-          <p:nvPr/>
-        </p:nvSpPr>
-        <p:spPr bwMode="auto">
-          <a:xfrm>
-            <a:off x="25322988" y="3382146"/>
-            <a:ext cx="36576000" cy="457200"/>
-          </a:xfrm>
-          <a:prstGeom prst="rect">
-            <a:avLst/>
-          </a:prstGeom>
-          <a:noFill/>
-          <a:ln>
-            <a:noFill/>
-          </a:ln>
-          <a:effectLst/>
-          <a:extLst>
-            <a:ext uri="{909E8E84-426E-40DD-AFC4-6F175D3DCCD1}">
-              <a14:hiddenFill xmlns:a14="http://schemas.microsoft.com/office/drawing/2010/main">
-                <a:solidFill>
-                  <a:schemeClr val="accent1"/>
-                </a:solidFill>
-              </a14:hiddenFill>
-            </a:ext>
-            <a:ext uri="{91240B29-F687-4F45-9708-019B960494DF}">
-              <a14:hiddenLine xmlns:a14="http://schemas.microsoft.com/office/drawing/2010/main" w="9525">
-                <a:solidFill>
-                  <a:schemeClr val="tx1"/>
-                </a:solidFill>
-                <a:miter lim="800000"/>
-                <a:headEnd/>
-                <a:tailEnd/>
-              </a14:hiddenLine>
-            </a:ext>
-            <a:ext uri="{AF507438-7753-43E0-B8FC-AC1667EBCBE1}">
-              <a14:hiddenEffects xmlns:a14="http://schemas.microsoft.com/office/drawing/2010/main">
-                <a:effectLst>
-                  <a:outerShdw dist="35921" dir="2700000" algn="ctr" rotWithShape="0">
-                    <a:schemeClr val="bg2"/>
-                  </a:outerShdw>
-                </a:effectLst>
-              </a14:hiddenEffects>
-            </a:ext>
-          </a:extLst>
-        </p:spPr>
-        <p:txBody>
-          <a:bodyPr vert="horz" wrap="none" lIns="91440" tIns="45720" rIns="91440" bIns="45720" numCol="1" anchor="ctr" anchorCtr="0" compatLnSpc="1">
-            <a:prstTxWarp prst="textNoShape">
-              <a:avLst/>
-            </a:prstTxWarp>
-            <a:spAutoFit/>
-          </a:bodyPr>
-          <a:lstStyle/>
-          <a:p>
-            <a:endParaRPr lang="en-US"/>
-          </a:p>
-        </p:txBody>
-      </p:sp>
-      <p:sp>
-        <p:nvSpPr>
           <p:cNvPr id="21" name="TextBox 20"/>
           <p:cNvSpPr txBox="1"/>
           <p:nvPr/>
         </p:nvSpPr>
         <p:spPr>
           <a:xfrm>
-            <a:off x="626881" y="3215594"/>
+            <a:off x="626881" y="3274172"/>
             <a:ext cx="9451403" cy="584775"/>
           </a:xfrm>
           <a:prstGeom prst="rect">
@@ -10121,7 +8964,7 @@
         </p:nvSpPr>
         <p:spPr>
           <a:xfrm>
-            <a:off x="630142" y="6891270"/>
+            <a:off x="630142" y="6949848"/>
             <a:ext cx="9448143" cy="584775"/>
           </a:xfrm>
           <a:prstGeom prst="rect">
@@ -10161,7 +9004,7 @@
         </p:nvSpPr>
         <p:spPr>
           <a:xfrm>
-            <a:off x="626880" y="9175846"/>
+            <a:off x="626880" y="9234424"/>
             <a:ext cx="9451403" cy="584775"/>
           </a:xfrm>
           <a:prstGeom prst="rect">
@@ -10201,7 +9044,7 @@
         </p:nvGrpSpPr>
         <p:grpSpPr>
           <a:xfrm>
-            <a:off x="553282" y="15034023"/>
+            <a:off x="553282" y="15092601"/>
             <a:ext cx="9525000" cy="2293277"/>
             <a:chOff x="553282" y="14969074"/>
             <a:chExt cx="9525000" cy="2293277"/>
@@ -10267,15 +9110,7 @@
                     <a:schemeClr val="bg1"/>
                   </a:solidFill>
                 </a:rPr>
-                <a:t>Mechanical </a:t>
-              </a:r>
-              <a:r>
-                <a:rPr lang="en-US" sz="3200" b="1" dirty="0" smtClean="0">
-                  <a:solidFill>
-                    <a:schemeClr val="bg1"/>
-                  </a:solidFill>
-                </a:rPr>
-                <a:t>Design</a:t>
+                <a:t>Mechanical Design</a:t>
               </a:r>
               <a:endParaRPr lang="en-US" sz="3200" b="1" dirty="0">
                 <a:solidFill>
@@ -10294,7 +9129,7 @@
         </p:nvGrpSpPr>
         <p:grpSpPr>
           <a:xfrm>
-            <a:off x="12478680" y="6932345"/>
+            <a:off x="13774080" y="7532630"/>
             <a:ext cx="9555480" cy="3583255"/>
             <a:chOff x="11088911" y="8340476"/>
             <a:chExt cx="9555480" cy="3583255"/>
@@ -10431,7 +9266,7 @@
         </p:nvSpPr>
         <p:spPr>
           <a:xfrm>
-            <a:off x="12463885" y="15045370"/>
+            <a:off x="13759285" y="15645655"/>
             <a:ext cx="9533985" cy="584775"/>
           </a:xfrm>
           <a:prstGeom prst="rect">
@@ -10471,7 +9306,7 @@
         </p:nvSpPr>
         <p:spPr>
           <a:xfrm>
-            <a:off x="24681005" y="3253568"/>
+            <a:off x="26392996" y="3233409"/>
             <a:ext cx="9583874" cy="584775"/>
           </a:xfrm>
           <a:prstGeom prst="rect">
@@ -10511,7 +9346,7 @@
         </p:nvSpPr>
         <p:spPr>
           <a:xfrm>
-            <a:off x="24681004" y="8853058"/>
+            <a:off x="26392996" y="8686800"/>
             <a:ext cx="9584370" cy="584775"/>
           </a:xfrm>
           <a:prstGeom prst="rect">
@@ -10551,7 +9386,7 @@
         </p:nvSpPr>
         <p:spPr>
           <a:xfrm>
-            <a:off x="24655411" y="15951169"/>
+            <a:off x="26367403" y="15468600"/>
             <a:ext cx="9751397" cy="584775"/>
           </a:xfrm>
           <a:prstGeom prst="rect">
@@ -10599,7 +9434,7 @@
         </p:nvSpPr>
         <p:spPr>
           <a:xfrm>
-            <a:off x="24681004" y="21037668"/>
+            <a:off x="26392996" y="20726400"/>
             <a:ext cx="9686966" cy="584775"/>
           </a:xfrm>
           <a:prstGeom prst="rect">
@@ -10639,7 +9474,7 @@
         </p:nvSpPr>
         <p:spPr>
           <a:xfrm>
-            <a:off x="24681004" y="23744360"/>
+            <a:off x="26392996" y="25125564"/>
             <a:ext cx="9685196" cy="584775"/>
           </a:xfrm>
           <a:prstGeom prst="rect">
@@ -10679,7 +9514,7 @@
         </p:nvSpPr>
         <p:spPr>
           <a:xfrm>
-            <a:off x="657196" y="20768608"/>
+            <a:off x="657196" y="20827186"/>
             <a:ext cx="9525000" cy="1938992"/>
           </a:xfrm>
           <a:prstGeom prst="rect">
@@ -10709,7 +9544,7 @@
         </p:nvGrpSpPr>
         <p:grpSpPr>
           <a:xfrm>
-            <a:off x="490016" y="17373600"/>
+            <a:off x="490016" y="17432178"/>
             <a:ext cx="9509760" cy="3178835"/>
             <a:chOff x="490016" y="17623765"/>
             <a:chExt cx="9509760" cy="3178835"/>
@@ -10761,7 +9596,11 @@
             <a:p>
               <a:r>
                 <a:rPr lang="en-US" sz="1600" dirty="0" smtClean="0"/>
-                <a:t>FE Analysis performed on the chassis in ANSYS. The simulation assumed a worst case static loading where the joints lock up completely during motion. The maximum stress was found to be 240 </a:t>
+                <a:t>Figure 1: FE </a:t>
+              </a:r>
+              <a:r>
+                <a:rPr lang="en-US" sz="1600" dirty="0" smtClean="0"/>
+                <a:t>Analysis performed on the chassis in ANSYS. The simulation assumed a worst case static loading where the joints lock up completely during motion. The maximum stress was found to be 240 </a:t>
               </a:r>
               <a:r>
                 <a:rPr lang="en-US" sz="1600" dirty="0" err="1" smtClean="0"/>
@@ -10784,7 +9623,7 @@
         </p:nvSpPr>
         <p:spPr>
           <a:xfrm>
-            <a:off x="548640" y="26999625"/>
+            <a:off x="548640" y="27058203"/>
             <a:ext cx="9509760" cy="830997"/>
           </a:xfrm>
           <a:prstGeom prst="rect">
@@ -10800,11 +9639,11 @@
           <a:p>
             <a:r>
               <a:rPr lang="en-US" sz="1600" dirty="0" smtClean="0"/>
-              <a:t>The FE analysis performed on the thigh (lef</a:t>
+              <a:t>Figure 2: The </a:t>
             </a:r>
             <a:r>
               <a:rPr lang="en-US" sz="1600" dirty="0" smtClean="0"/>
-              <a:t>t) and shank (right). A flange was added to the thigh to reduce the overall stress in the weld. A maximum stress of 155 </a:t>
+              <a:t>FE analysis performed on the thigh (left) and shank (right). A flange was added to the thigh to reduce the overall stress in the weld. A maximum stress of 155 </a:t>
             </a:r>
             <a:r>
               <a:rPr lang="en-US" sz="1600" dirty="0" err="1" smtClean="0"/>
@@ -10826,7 +9665,7 @@
         </p:nvGrpSpPr>
         <p:grpSpPr>
           <a:xfrm>
-            <a:off x="24895923" y="17983200"/>
+            <a:off x="26607915" y="17500631"/>
             <a:ext cx="9431294" cy="1925001"/>
             <a:chOff x="24895923" y="17983200"/>
             <a:chExt cx="9431294" cy="1925001"/>
@@ -11295,6 +10134,1271 @@
           </p:txBody>
         </p:sp>
       </p:grpSp>
+      <p:sp>
+        <p:nvSpPr>
+          <p:cNvPr id="205" name="Freeform 204"/>
+          <p:cNvSpPr/>
+          <p:nvPr/>
+        </p:nvSpPr>
+        <p:spPr>
+          <a:xfrm>
+            <a:off x="31350473" y="5899167"/>
+            <a:ext cx="2034540" cy="1075055"/>
+          </a:xfrm>
+          <a:custGeom>
+            <a:avLst/>
+            <a:gdLst>
+              <a:gd name="connsiteX0" fmla="*/ 0 w 2034540"/>
+              <a:gd name="connsiteY0" fmla="*/ 1075552 h 1075552"/>
+              <a:gd name="connsiteX1" fmla="*/ 434340 w 2034540"/>
+              <a:gd name="connsiteY1" fmla="*/ 717412 h 1075552"/>
+              <a:gd name="connsiteX2" fmla="*/ 640080 w 2034540"/>
+              <a:gd name="connsiteY2" fmla="*/ 168772 h 1075552"/>
+              <a:gd name="connsiteX3" fmla="*/ 952500 w 2034540"/>
+              <a:gd name="connsiteY3" fmla="*/ 1132 h 1075552"/>
+              <a:gd name="connsiteX4" fmla="*/ 1272540 w 2034540"/>
+              <a:gd name="connsiteY4" fmla="*/ 229732 h 1075552"/>
+              <a:gd name="connsiteX5" fmla="*/ 1554480 w 2034540"/>
+              <a:gd name="connsiteY5" fmla="*/ 260212 h 1075552"/>
+              <a:gd name="connsiteX6" fmla="*/ 1767840 w 2034540"/>
+              <a:gd name="connsiteY6" fmla="*/ 176392 h 1075552"/>
+              <a:gd name="connsiteX7" fmla="*/ 2034540 w 2034540"/>
+              <a:gd name="connsiteY7" fmla="*/ 168772 h 1075552"/>
+            </a:gdLst>
+            <a:ahLst/>
+            <a:cxnLst>
+              <a:cxn ang="0">
+                <a:pos x="connsiteX0" y="connsiteY0"/>
+              </a:cxn>
+              <a:cxn ang="0">
+                <a:pos x="connsiteX1" y="connsiteY1"/>
+              </a:cxn>
+              <a:cxn ang="0">
+                <a:pos x="connsiteX2" y="connsiteY2"/>
+              </a:cxn>
+              <a:cxn ang="0">
+                <a:pos x="connsiteX3" y="connsiteY3"/>
+              </a:cxn>
+              <a:cxn ang="0">
+                <a:pos x="connsiteX4" y="connsiteY4"/>
+              </a:cxn>
+              <a:cxn ang="0">
+                <a:pos x="connsiteX5" y="connsiteY5"/>
+              </a:cxn>
+              <a:cxn ang="0">
+                <a:pos x="connsiteX6" y="connsiteY6"/>
+              </a:cxn>
+              <a:cxn ang="0">
+                <a:pos x="connsiteX7" y="connsiteY7"/>
+              </a:cxn>
+            </a:cxnLst>
+            <a:rect l="l" t="t" r="r" b="b"/>
+            <a:pathLst>
+              <a:path w="2034540" h="1075552">
+                <a:moveTo>
+                  <a:pt x="0" y="1075552"/>
+                </a:moveTo>
+                <a:cubicBezTo>
+                  <a:pt x="163830" y="972047"/>
+                  <a:pt x="327660" y="868542"/>
+                  <a:pt x="434340" y="717412"/>
+                </a:cubicBezTo>
+                <a:cubicBezTo>
+                  <a:pt x="541020" y="566282"/>
+                  <a:pt x="553720" y="288152"/>
+                  <a:pt x="640080" y="168772"/>
+                </a:cubicBezTo>
+                <a:cubicBezTo>
+                  <a:pt x="726440" y="49392"/>
+                  <a:pt x="847090" y="-9028"/>
+                  <a:pt x="952500" y="1132"/>
+                </a:cubicBezTo>
+                <a:cubicBezTo>
+                  <a:pt x="1057910" y="11292"/>
+                  <a:pt x="1172210" y="186552"/>
+                  <a:pt x="1272540" y="229732"/>
+                </a:cubicBezTo>
+                <a:cubicBezTo>
+                  <a:pt x="1372870" y="272912"/>
+                  <a:pt x="1471930" y="269102"/>
+                  <a:pt x="1554480" y="260212"/>
+                </a:cubicBezTo>
+                <a:cubicBezTo>
+                  <a:pt x="1637030" y="251322"/>
+                  <a:pt x="1687830" y="191632"/>
+                  <a:pt x="1767840" y="176392"/>
+                </a:cubicBezTo>
+                <a:cubicBezTo>
+                  <a:pt x="1847850" y="161152"/>
+                  <a:pt x="1969770" y="170042"/>
+                  <a:pt x="2034540" y="168772"/>
+                </a:cubicBezTo>
+              </a:path>
+            </a:pathLst>
+          </a:custGeom>
+        </p:spPr>
+        <p:style>
+          <a:lnRef idx="1">
+            <a:schemeClr val="dk1"/>
+          </a:lnRef>
+          <a:fillRef idx="0">
+            <a:schemeClr val="dk1"/>
+          </a:fillRef>
+          <a:effectRef idx="0">
+            <a:schemeClr val="dk1"/>
+          </a:effectRef>
+          <a:fontRef idx="minor">
+            <a:schemeClr val="tx1"/>
+          </a:fontRef>
+        </p:style>
+        <p:txBody>
+          <a:bodyPr rot="0" spcFirstLastPara="0" vert="horz" wrap="square" lIns="91440" tIns="45720" rIns="91440" bIns="45720" numCol="1" spcCol="0" rtlCol="0" fromWordArt="0" anchor="ctr" anchorCtr="0" forceAA="0" compatLnSpc="1">
+            <a:prstTxWarp prst="textNoShape">
+              <a:avLst/>
+            </a:prstTxWarp>
+            <a:noAutofit/>
+          </a:bodyPr>
+          <a:lstStyle/>
+          <a:p>
+            <a:endParaRPr lang="en-US"/>
+          </a:p>
+        </p:txBody>
+      </p:sp>
+      <p:sp>
+        <p:nvSpPr>
+          <p:cNvPr id="208" name="Rectangle 207"/>
+          <p:cNvSpPr/>
+          <p:nvPr/>
+        </p:nvSpPr>
+        <p:spPr>
+          <a:xfrm>
+            <a:off x="27769073" y="5770897"/>
+            <a:ext cx="815340" cy="1478280"/>
+          </a:xfrm>
+          <a:prstGeom prst="rect">
+            <a:avLst/>
+          </a:prstGeom>
+        </p:spPr>
+        <p:style>
+          <a:lnRef idx="2">
+            <a:schemeClr val="accent1">
+              <a:shade val="50000"/>
+            </a:schemeClr>
+          </a:lnRef>
+          <a:fillRef idx="1">
+            <a:schemeClr val="accent1"/>
+          </a:fillRef>
+          <a:effectRef idx="0">
+            <a:schemeClr val="accent1"/>
+          </a:effectRef>
+          <a:fontRef idx="minor">
+            <a:schemeClr val="lt1"/>
+          </a:fontRef>
+        </p:style>
+        <p:txBody>
+          <a:bodyPr rot="0" spcFirstLastPara="0" vert="horz" wrap="square" lIns="91440" tIns="45720" rIns="91440" bIns="45720" numCol="1" spcCol="0" rtlCol="0" fromWordArt="0" anchor="ctr" anchorCtr="0" forceAA="0" compatLnSpc="1">
+            <a:prstTxWarp prst="textNoShape">
+              <a:avLst/>
+            </a:prstTxWarp>
+            <a:noAutofit/>
+          </a:bodyPr>
+          <a:lstStyle/>
+          <a:p>
+            <a:endParaRPr lang="en-US"/>
+          </a:p>
+        </p:txBody>
+      </p:sp>
+      <p:sp>
+        <p:nvSpPr>
+          <p:cNvPr id="210" name="Rectangle 209"/>
+          <p:cNvSpPr/>
+          <p:nvPr/>
+        </p:nvSpPr>
+        <p:spPr>
+          <a:xfrm>
+            <a:off x="27814793" y="5885197"/>
+            <a:ext cx="45720" cy="1196340"/>
+          </a:xfrm>
+          <a:prstGeom prst="rect">
+            <a:avLst/>
+          </a:prstGeom>
+        </p:spPr>
+        <p:style>
+          <a:lnRef idx="2">
+            <a:schemeClr val="dk1">
+              <a:shade val="50000"/>
+            </a:schemeClr>
+          </a:lnRef>
+          <a:fillRef idx="1">
+            <a:schemeClr val="dk1"/>
+          </a:fillRef>
+          <a:effectRef idx="0">
+            <a:schemeClr val="dk1"/>
+          </a:effectRef>
+          <a:fontRef idx="minor">
+            <a:schemeClr val="lt1"/>
+          </a:fontRef>
+        </p:style>
+        <p:txBody>
+          <a:bodyPr rot="0" spcFirstLastPara="0" vert="horz" wrap="square" lIns="91440" tIns="45720" rIns="91440" bIns="45720" numCol="1" spcCol="0" rtlCol="0" fromWordArt="0" anchor="ctr" anchorCtr="0" forceAA="0" compatLnSpc="1">
+            <a:prstTxWarp prst="textNoShape">
+              <a:avLst/>
+            </a:prstTxWarp>
+            <a:noAutofit/>
+          </a:bodyPr>
+          <a:lstStyle/>
+          <a:p>
+            <a:endParaRPr lang="en-US"/>
+          </a:p>
+        </p:txBody>
+      </p:sp>
+      <p:sp>
+        <p:nvSpPr>
+          <p:cNvPr id="212" name="Rectangle 211"/>
+          <p:cNvSpPr/>
+          <p:nvPr/>
+        </p:nvSpPr>
+        <p:spPr>
+          <a:xfrm>
+            <a:off x="28508213" y="5869957"/>
+            <a:ext cx="45720" cy="1196340"/>
+          </a:xfrm>
+          <a:prstGeom prst="rect">
+            <a:avLst/>
+          </a:prstGeom>
+        </p:spPr>
+        <p:style>
+          <a:lnRef idx="2">
+            <a:schemeClr val="dk1">
+              <a:shade val="50000"/>
+            </a:schemeClr>
+          </a:lnRef>
+          <a:fillRef idx="1">
+            <a:schemeClr val="dk1"/>
+          </a:fillRef>
+          <a:effectRef idx="0">
+            <a:schemeClr val="dk1"/>
+          </a:effectRef>
+          <a:fontRef idx="minor">
+            <a:schemeClr val="lt1"/>
+          </a:fontRef>
+        </p:style>
+        <p:txBody>
+          <a:bodyPr rot="0" spcFirstLastPara="0" vert="horz" wrap="square" lIns="91440" tIns="45720" rIns="91440" bIns="45720" numCol="1" spcCol="0" rtlCol="0" fromWordArt="0" anchor="ctr" anchorCtr="0" forceAA="0" compatLnSpc="1">
+            <a:prstTxWarp prst="textNoShape">
+              <a:avLst/>
+            </a:prstTxWarp>
+            <a:noAutofit/>
+          </a:bodyPr>
+          <a:lstStyle/>
+          <a:p>
+            <a:endParaRPr lang="en-US"/>
+          </a:p>
+        </p:txBody>
+      </p:sp>
+      <p:sp>
+        <p:nvSpPr>
+          <p:cNvPr id="213" name="Rectangle 212"/>
+          <p:cNvSpPr/>
+          <p:nvPr/>
+        </p:nvSpPr>
+        <p:spPr>
+          <a:xfrm>
+            <a:off x="27944333" y="5793122"/>
+            <a:ext cx="472440" cy="45085"/>
+          </a:xfrm>
+          <a:prstGeom prst="rect">
+            <a:avLst/>
+          </a:prstGeom>
+        </p:spPr>
+        <p:style>
+          <a:lnRef idx="2">
+            <a:schemeClr val="dk1">
+              <a:shade val="50000"/>
+            </a:schemeClr>
+          </a:lnRef>
+          <a:fillRef idx="1">
+            <a:schemeClr val="dk1"/>
+          </a:fillRef>
+          <a:effectRef idx="0">
+            <a:schemeClr val="dk1"/>
+          </a:effectRef>
+          <a:fontRef idx="minor">
+            <a:schemeClr val="lt1"/>
+          </a:fontRef>
+        </p:style>
+        <p:txBody>
+          <a:bodyPr rot="0" spcFirstLastPara="0" vert="horz" wrap="square" lIns="91440" tIns="45720" rIns="91440" bIns="45720" numCol="1" spcCol="0" rtlCol="0" fromWordArt="0" anchor="ctr" anchorCtr="0" forceAA="0" compatLnSpc="1">
+            <a:prstTxWarp prst="textNoShape">
+              <a:avLst/>
+            </a:prstTxWarp>
+            <a:noAutofit/>
+          </a:bodyPr>
+          <a:lstStyle/>
+          <a:p>
+            <a:endParaRPr lang="en-US"/>
+          </a:p>
+        </p:txBody>
+      </p:sp>
+      <p:sp>
+        <p:nvSpPr>
+          <p:cNvPr id="214" name="Text Box 1"/>
+          <p:cNvSpPr txBox="1"/>
+          <p:nvPr/>
+        </p:nvSpPr>
+        <p:spPr>
+          <a:xfrm>
+            <a:off x="27830033" y="6083317"/>
+            <a:ext cx="739140" cy="723900"/>
+          </a:xfrm>
+          <a:prstGeom prst="rect">
+            <a:avLst/>
+          </a:prstGeom>
+          <a:noFill/>
+          <a:ln>
+            <a:noFill/>
+          </a:ln>
+          <a:effectLst/>
+        </p:spPr>
+        <p:txBody>
+          <a:bodyPr rot="0" spcFirstLastPara="0" vert="horz" wrap="square" lIns="91440" tIns="45720" rIns="91440" bIns="45720" numCol="1" spcCol="0" rtlCol="0" fromWordArt="0" anchor="t" anchorCtr="0" forceAA="0" compatLnSpc="1">
+            <a:prstTxWarp prst="textNoShape">
+              <a:avLst/>
+            </a:prstTxWarp>
+            <a:noAutofit/>
+          </a:bodyPr>
+          <a:lstStyle/>
+          <a:p>
+            <a:pPr marL="0" marR="0">
+              <a:lnSpc>
+                <a:spcPct val="107000"/>
+              </a:lnSpc>
+              <a:spcBef>
+                <a:spcPts val="0"/>
+              </a:spcBef>
+              <a:spcAft>
+                <a:spcPts val="800"/>
+              </a:spcAft>
+            </a:pPr>
+            <a:r>
+              <a:rPr lang="en-US" sz="1200">
+                <a:ln>
+                  <a:noFill/>
+                </a:ln>
+                <a:solidFill>
+                  <a:srgbClr val="000000"/>
+                </a:solidFill>
+                <a:effectLst>
+                  <a:outerShdw blurRad="38100" dist="19050" dir="2700000" algn="tl">
+                    <a:schemeClr val="dk1">
+                      <a:alpha val="40000"/>
+                    </a:schemeClr>
+                  </a:outerShdw>
+                </a:effectLst>
+                <a:latin typeface="Calibri" panose="020F0502020204030204" pitchFamily="34" charset="0"/>
+                <a:ea typeface="Calibri" panose="020F0502020204030204" pitchFamily="34" charset="0"/>
+                <a:cs typeface="Times New Roman" panose="02020603050405020304" pitchFamily="18" charset="0"/>
+              </a:rPr>
+              <a:t>Arduino</a:t>
+            </a:r>
+            <a:endParaRPr lang="en-US" sz="1100">
+              <a:effectLst/>
+              <a:latin typeface="Calibri" panose="020F0502020204030204" pitchFamily="34" charset="0"/>
+              <a:ea typeface="Calibri" panose="020F0502020204030204" pitchFamily="34" charset="0"/>
+              <a:cs typeface="Times New Roman" panose="02020603050405020304" pitchFamily="18" charset="0"/>
+            </a:endParaRPr>
+          </a:p>
+          <a:p>
+            <a:pPr marL="0" marR="0">
+              <a:lnSpc>
+                <a:spcPct val="107000"/>
+              </a:lnSpc>
+              <a:spcBef>
+                <a:spcPts val="0"/>
+              </a:spcBef>
+              <a:spcAft>
+                <a:spcPts val="800"/>
+              </a:spcAft>
+            </a:pPr>
+            <a:r>
+              <a:rPr lang="en-US" sz="1200">
+                <a:ln>
+                  <a:noFill/>
+                </a:ln>
+                <a:solidFill>
+                  <a:srgbClr val="000000"/>
+                </a:solidFill>
+                <a:effectLst>
+                  <a:outerShdw blurRad="38100" dist="19050" dir="2700000" algn="tl">
+                    <a:schemeClr val="dk1">
+                      <a:alpha val="40000"/>
+                    </a:schemeClr>
+                  </a:outerShdw>
+                </a:effectLst>
+                <a:latin typeface="Calibri" panose="020F0502020204030204" pitchFamily="34" charset="0"/>
+                <a:ea typeface="Calibri" panose="020F0502020204030204" pitchFamily="34" charset="0"/>
+                <a:cs typeface="Times New Roman" panose="02020603050405020304" pitchFamily="18" charset="0"/>
+              </a:rPr>
+              <a:t>Mega</a:t>
+            </a:r>
+            <a:endParaRPr lang="en-US" sz="1100">
+              <a:effectLst/>
+              <a:latin typeface="Calibri" panose="020F0502020204030204" pitchFamily="34" charset="0"/>
+              <a:ea typeface="Calibri" panose="020F0502020204030204" pitchFamily="34" charset="0"/>
+              <a:cs typeface="Times New Roman" panose="02020603050405020304" pitchFamily="18" charset="0"/>
+            </a:endParaRPr>
+          </a:p>
+        </p:txBody>
+      </p:sp>
+      <p:cxnSp>
+        <p:nvCxnSpPr>
+          <p:cNvPr id="215" name="Elbow Connector 214"/>
+          <p:cNvCxnSpPr/>
+          <p:nvPr/>
+        </p:nvCxnSpPr>
+        <p:spPr>
+          <a:xfrm>
+            <a:off x="28637753" y="6052837"/>
+            <a:ext cx="914400" cy="914400"/>
+          </a:xfrm>
+          <a:prstGeom prst="bentConnector3">
+            <a:avLst/>
+          </a:prstGeom>
+        </p:spPr>
+        <p:style>
+          <a:lnRef idx="1">
+            <a:schemeClr val="dk1"/>
+          </a:lnRef>
+          <a:fillRef idx="0">
+            <a:schemeClr val="dk1"/>
+          </a:fillRef>
+          <a:effectRef idx="0">
+            <a:schemeClr val="dk1"/>
+          </a:effectRef>
+          <a:fontRef idx="minor">
+            <a:schemeClr val="tx1"/>
+          </a:fontRef>
+        </p:style>
+      </p:cxnSp>
+      <p:cxnSp>
+        <p:nvCxnSpPr>
+          <p:cNvPr id="216" name="Elbow Connector 215"/>
+          <p:cNvCxnSpPr/>
+          <p:nvPr/>
+        </p:nvCxnSpPr>
+        <p:spPr>
+          <a:xfrm flipV="1">
+            <a:off x="29567393" y="6045217"/>
+            <a:ext cx="426720" cy="922020"/>
+          </a:xfrm>
+          <a:prstGeom prst="bentConnector3">
+            <a:avLst>
+              <a:gd name="adj1" fmla="val 15517"/>
+            </a:avLst>
+          </a:prstGeom>
+        </p:spPr>
+        <p:style>
+          <a:lnRef idx="1">
+            <a:schemeClr val="dk1"/>
+          </a:lnRef>
+          <a:fillRef idx="0">
+            <a:schemeClr val="dk1"/>
+          </a:fillRef>
+          <a:effectRef idx="0">
+            <a:schemeClr val="dk1"/>
+          </a:effectRef>
+          <a:fontRef idx="minor">
+            <a:schemeClr val="tx1"/>
+          </a:fontRef>
+        </p:style>
+      </p:cxnSp>
+      <p:cxnSp>
+        <p:nvCxnSpPr>
+          <p:cNvPr id="217" name="Elbow Connector 216"/>
+          <p:cNvCxnSpPr/>
+          <p:nvPr/>
+        </p:nvCxnSpPr>
+        <p:spPr>
+          <a:xfrm>
+            <a:off x="29750273" y="6045217"/>
+            <a:ext cx="914400" cy="914400"/>
+          </a:xfrm>
+          <a:prstGeom prst="bentConnector3">
+            <a:avLst/>
+          </a:prstGeom>
+        </p:spPr>
+        <p:style>
+          <a:lnRef idx="1">
+            <a:schemeClr val="dk1"/>
+          </a:lnRef>
+          <a:fillRef idx="0">
+            <a:schemeClr val="dk1"/>
+          </a:fillRef>
+          <a:effectRef idx="0">
+            <a:schemeClr val="dk1"/>
+          </a:effectRef>
+          <a:fontRef idx="minor">
+            <a:schemeClr val="tx1"/>
+          </a:fontRef>
+        </p:style>
+      </p:cxnSp>
+      <p:sp>
+        <p:nvSpPr>
+          <p:cNvPr id="218" name="Rectangle 217"/>
+          <p:cNvSpPr/>
+          <p:nvPr/>
+        </p:nvSpPr>
+        <p:spPr>
+          <a:xfrm>
+            <a:off x="30565613" y="5793757"/>
+            <a:ext cx="982980" cy="1447800"/>
+          </a:xfrm>
+          <a:prstGeom prst="rect">
+            <a:avLst/>
+          </a:prstGeom>
+        </p:spPr>
+        <p:style>
+          <a:lnRef idx="2">
+            <a:schemeClr val="accent3">
+              <a:shade val="50000"/>
+            </a:schemeClr>
+          </a:lnRef>
+          <a:fillRef idx="1">
+            <a:schemeClr val="accent3"/>
+          </a:fillRef>
+          <a:effectRef idx="0">
+            <a:schemeClr val="accent3"/>
+          </a:effectRef>
+          <a:fontRef idx="minor">
+            <a:schemeClr val="lt1"/>
+          </a:fontRef>
+        </p:style>
+        <p:txBody>
+          <a:bodyPr rot="0" spcFirstLastPara="0" vert="horz" wrap="square" lIns="91440" tIns="45720" rIns="91440" bIns="45720" numCol="1" spcCol="0" rtlCol="0" fromWordArt="0" anchor="ctr" anchorCtr="0" forceAA="0" compatLnSpc="1">
+            <a:prstTxWarp prst="textNoShape">
+              <a:avLst/>
+            </a:prstTxWarp>
+            <a:noAutofit/>
+          </a:bodyPr>
+          <a:lstStyle/>
+          <a:p>
+            <a:endParaRPr lang="en-US"/>
+          </a:p>
+        </p:txBody>
+      </p:sp>
+      <p:sp>
+        <p:nvSpPr>
+          <p:cNvPr id="219" name="Text Box 17"/>
+          <p:cNvSpPr txBox="1"/>
+          <p:nvPr/>
+        </p:nvSpPr>
+        <p:spPr>
+          <a:xfrm>
+            <a:off x="30497668" y="6403357"/>
+            <a:ext cx="1096645" cy="417195"/>
+          </a:xfrm>
+          <a:prstGeom prst="rect">
+            <a:avLst/>
+          </a:prstGeom>
+          <a:noFill/>
+          <a:ln>
+            <a:noFill/>
+          </a:ln>
+          <a:effectLst/>
+        </p:spPr>
+        <p:txBody>
+          <a:bodyPr rot="0" spcFirstLastPara="0" vert="horz" wrap="none" lIns="91440" tIns="45720" rIns="91440" bIns="45720" numCol="1" spcCol="0" rtlCol="0" fromWordArt="0" anchor="t" anchorCtr="0" forceAA="0" compatLnSpc="1">
+            <a:prstTxWarp prst="textNoShape">
+              <a:avLst/>
+            </a:prstTxWarp>
+            <a:spAutoFit/>
+          </a:bodyPr>
+          <a:lstStyle/>
+          <a:p>
+            <a:pPr marL="0" marR="0" algn="ctr">
+              <a:lnSpc>
+                <a:spcPct val="107000"/>
+              </a:lnSpc>
+              <a:spcBef>
+                <a:spcPts val="0"/>
+              </a:spcBef>
+              <a:spcAft>
+                <a:spcPts val="800"/>
+              </a:spcAft>
+            </a:pPr>
+            <a:r>
+              <a:rPr lang="en-US" sz="1200">
+                <a:ln>
+                  <a:noFill/>
+                </a:ln>
+                <a:solidFill>
+                  <a:srgbClr val="000000"/>
+                </a:solidFill>
+                <a:effectLst>
+                  <a:outerShdw blurRad="38100" dist="19050" dir="2700000" algn="tl">
+                    <a:schemeClr val="dk1">
+                      <a:alpha val="40000"/>
+                    </a:schemeClr>
+                  </a:outerShdw>
+                </a:effectLst>
+                <a:latin typeface="Calibri" panose="020F0502020204030204" pitchFamily="34" charset="0"/>
+                <a:ea typeface="Calibri" panose="020F0502020204030204" pitchFamily="34" charset="0"/>
+                <a:cs typeface="Times New Roman" panose="02020603050405020304" pitchFamily="18" charset="0"/>
+              </a:rPr>
+              <a:t>Low Pass Filter</a:t>
+            </a:r>
+            <a:endParaRPr lang="en-US" sz="1100">
+              <a:effectLst/>
+              <a:latin typeface="Calibri" panose="020F0502020204030204" pitchFamily="34" charset="0"/>
+              <a:ea typeface="Calibri" panose="020F0502020204030204" pitchFamily="34" charset="0"/>
+              <a:cs typeface="Times New Roman" panose="02020603050405020304" pitchFamily="18" charset="0"/>
+            </a:endParaRPr>
+          </a:p>
+        </p:txBody>
+      </p:sp>
+      <p:sp>
+        <p:nvSpPr>
+          <p:cNvPr id="220" name="Rounded Rectangle 219"/>
+          <p:cNvSpPr/>
+          <p:nvPr/>
+        </p:nvSpPr>
+        <p:spPr>
+          <a:xfrm>
+            <a:off x="33122123" y="5816617"/>
+            <a:ext cx="1478280" cy="1531620"/>
+          </a:xfrm>
+          <a:prstGeom prst="roundRect">
+            <a:avLst/>
+          </a:prstGeom>
+        </p:spPr>
+        <p:style>
+          <a:lnRef idx="2">
+            <a:schemeClr val="accent1">
+              <a:shade val="50000"/>
+            </a:schemeClr>
+          </a:lnRef>
+          <a:fillRef idx="1">
+            <a:schemeClr val="accent1"/>
+          </a:fillRef>
+          <a:effectRef idx="0">
+            <a:schemeClr val="accent1"/>
+          </a:effectRef>
+          <a:fontRef idx="minor">
+            <a:schemeClr val="lt1"/>
+          </a:fontRef>
+        </p:style>
+        <p:txBody>
+          <a:bodyPr rot="0" spcFirstLastPara="0" vert="horz" wrap="square" lIns="91440" tIns="45720" rIns="91440" bIns="45720" numCol="1" spcCol="0" rtlCol="0" fromWordArt="0" anchor="ctr" anchorCtr="0" forceAA="0" compatLnSpc="1">
+            <a:prstTxWarp prst="textNoShape">
+              <a:avLst/>
+            </a:prstTxWarp>
+            <a:noAutofit/>
+          </a:bodyPr>
+          <a:lstStyle/>
+          <a:p>
+            <a:endParaRPr lang="en-US"/>
+          </a:p>
+        </p:txBody>
+      </p:sp>
+      <p:sp>
+        <p:nvSpPr>
+          <p:cNvPr id="221" name="Text Box 24"/>
+          <p:cNvSpPr txBox="1"/>
+          <p:nvPr/>
+        </p:nvSpPr>
+        <p:spPr>
+          <a:xfrm>
+            <a:off x="33174193" y="6083317"/>
+            <a:ext cx="1452880" cy="742950"/>
+          </a:xfrm>
+          <a:prstGeom prst="rect">
+            <a:avLst/>
+          </a:prstGeom>
+          <a:noFill/>
+          <a:ln>
+            <a:noFill/>
+          </a:ln>
+          <a:effectLst/>
+        </p:spPr>
+        <p:txBody>
+          <a:bodyPr rot="0" spcFirstLastPara="0" vert="horz" wrap="none" lIns="91440" tIns="45720" rIns="91440" bIns="45720" numCol="1" spcCol="0" rtlCol="0" fromWordArt="0" anchor="t" anchorCtr="0" forceAA="0" compatLnSpc="1">
+            <a:prstTxWarp prst="textNoShape">
+              <a:avLst/>
+            </a:prstTxWarp>
+            <a:spAutoFit/>
+          </a:bodyPr>
+          <a:lstStyle/>
+          <a:p>
+            <a:pPr marL="0" marR="0">
+              <a:lnSpc>
+                <a:spcPct val="107000"/>
+              </a:lnSpc>
+              <a:spcBef>
+                <a:spcPts val="0"/>
+              </a:spcBef>
+              <a:spcAft>
+                <a:spcPts val="800"/>
+              </a:spcAft>
+            </a:pPr>
+            <a:r>
+              <a:rPr lang="en-US" sz="1200">
+                <a:ln>
+                  <a:noFill/>
+                </a:ln>
+                <a:solidFill>
+                  <a:srgbClr val="000000"/>
+                </a:solidFill>
+                <a:effectLst>
+                  <a:outerShdw blurRad="38100" dist="19050" dir="2700000" algn="tl">
+                    <a:schemeClr val="dk1">
+                      <a:alpha val="40000"/>
+                    </a:schemeClr>
+                  </a:outerShdw>
+                </a:effectLst>
+                <a:latin typeface="Calibri" panose="020F0502020204030204" pitchFamily="34" charset="0"/>
+                <a:ea typeface="Calibri" panose="020F0502020204030204" pitchFamily="34" charset="0"/>
+                <a:cs typeface="Times New Roman" panose="02020603050405020304" pitchFamily="18" charset="0"/>
+              </a:rPr>
+              <a:t> </a:t>
+            </a:r>
+            <a:endParaRPr lang="en-US" sz="1100">
+              <a:effectLst/>
+              <a:latin typeface="Calibri" panose="020F0502020204030204" pitchFamily="34" charset="0"/>
+              <a:ea typeface="Calibri" panose="020F0502020204030204" pitchFamily="34" charset="0"/>
+              <a:cs typeface="Times New Roman" panose="02020603050405020304" pitchFamily="18" charset="0"/>
+            </a:endParaRPr>
+          </a:p>
+          <a:p>
+            <a:pPr marL="0" marR="0">
+              <a:lnSpc>
+                <a:spcPct val="107000"/>
+              </a:lnSpc>
+              <a:spcBef>
+                <a:spcPts val="0"/>
+              </a:spcBef>
+              <a:spcAft>
+                <a:spcPts val="800"/>
+              </a:spcAft>
+            </a:pPr>
+            <a:r>
+              <a:rPr lang="en-US" sz="1200">
+                <a:ln>
+                  <a:noFill/>
+                </a:ln>
+                <a:solidFill>
+                  <a:srgbClr val="000000"/>
+                </a:solidFill>
+                <a:effectLst>
+                  <a:outerShdw blurRad="38100" dist="19050" dir="2700000" algn="tl">
+                    <a:schemeClr val="dk1">
+                      <a:alpha val="40000"/>
+                    </a:schemeClr>
+                  </a:outerShdw>
+                </a:effectLst>
+                <a:latin typeface="Calibri" panose="020F0502020204030204" pitchFamily="34" charset="0"/>
+                <a:ea typeface="Calibri" panose="020F0502020204030204" pitchFamily="34" charset="0"/>
+                <a:cs typeface="Times New Roman" panose="02020603050405020304" pitchFamily="18" charset="0"/>
+              </a:rPr>
+              <a:t>Valves and Cylinders</a:t>
+            </a:r>
+            <a:endParaRPr lang="en-US" sz="1100">
+              <a:effectLst/>
+              <a:latin typeface="Calibri" panose="020F0502020204030204" pitchFamily="34" charset="0"/>
+              <a:ea typeface="Calibri" panose="020F0502020204030204" pitchFamily="34" charset="0"/>
+              <a:cs typeface="Times New Roman" panose="02020603050405020304" pitchFamily="18" charset="0"/>
+            </a:endParaRPr>
+          </a:p>
+        </p:txBody>
+      </p:sp>
+      <p:cxnSp>
+        <p:nvCxnSpPr>
+          <p:cNvPr id="222" name="Curved Connector 221"/>
+          <p:cNvCxnSpPr/>
+          <p:nvPr/>
+        </p:nvCxnSpPr>
+        <p:spPr>
+          <a:xfrm flipH="1">
+            <a:off x="31632413" y="7233937"/>
+            <a:ext cx="1409700" cy="579120"/>
+          </a:xfrm>
+          <a:prstGeom prst="curvedConnector3">
+            <a:avLst/>
+          </a:prstGeom>
+          <a:ln>
+            <a:tailEnd type="triangle"/>
+          </a:ln>
+        </p:spPr>
+        <p:style>
+          <a:lnRef idx="1">
+            <a:schemeClr val="dk1"/>
+          </a:lnRef>
+          <a:fillRef idx="0">
+            <a:schemeClr val="dk1"/>
+          </a:fillRef>
+          <a:effectRef idx="0">
+            <a:schemeClr val="dk1"/>
+          </a:effectRef>
+          <a:fontRef idx="minor">
+            <a:schemeClr val="tx1"/>
+          </a:fontRef>
+        </p:style>
+      </p:cxnSp>
+      <p:cxnSp>
+        <p:nvCxnSpPr>
+          <p:cNvPr id="223" name="Curved Connector 222"/>
+          <p:cNvCxnSpPr/>
+          <p:nvPr/>
+        </p:nvCxnSpPr>
+        <p:spPr>
+          <a:xfrm flipH="1" flipV="1">
+            <a:off x="28637753" y="7157737"/>
+            <a:ext cx="1874520" cy="670560"/>
+          </a:xfrm>
+          <a:prstGeom prst="curvedConnector3">
+            <a:avLst/>
+          </a:prstGeom>
+          <a:ln>
+            <a:tailEnd type="triangle"/>
+          </a:ln>
+        </p:spPr>
+        <p:style>
+          <a:lnRef idx="1">
+            <a:schemeClr val="dk1"/>
+          </a:lnRef>
+          <a:fillRef idx="0">
+            <a:schemeClr val="dk1"/>
+          </a:fillRef>
+          <a:effectRef idx="0">
+            <a:schemeClr val="dk1"/>
+          </a:effectRef>
+          <a:fontRef idx="minor">
+            <a:schemeClr val="tx1"/>
+          </a:fontRef>
+        </p:style>
+      </p:cxnSp>
+      <p:sp>
+        <p:nvSpPr>
+          <p:cNvPr id="224" name="Text Box 29"/>
+          <p:cNvSpPr txBox="1"/>
+          <p:nvPr/>
+        </p:nvSpPr>
+        <p:spPr>
+          <a:xfrm>
+            <a:off x="30497033" y="7668277"/>
+            <a:ext cx="1170940" cy="417195"/>
+          </a:xfrm>
+          <a:prstGeom prst="rect">
+            <a:avLst/>
+          </a:prstGeom>
+          <a:noFill/>
+          <a:ln>
+            <a:noFill/>
+          </a:ln>
+          <a:effectLst/>
+        </p:spPr>
+        <p:txBody>
+          <a:bodyPr rot="0" spcFirstLastPara="0" vert="horz" wrap="none" lIns="91440" tIns="45720" rIns="91440" bIns="45720" numCol="1" spcCol="0" rtlCol="0" fromWordArt="0" anchor="t" anchorCtr="0" forceAA="0" compatLnSpc="1">
+            <a:prstTxWarp prst="textNoShape">
+              <a:avLst/>
+            </a:prstTxWarp>
+            <a:spAutoFit/>
+          </a:bodyPr>
+          <a:lstStyle/>
+          <a:p>
+            <a:pPr marL="0" marR="0" algn="ctr">
+              <a:lnSpc>
+                <a:spcPct val="107000"/>
+              </a:lnSpc>
+              <a:spcBef>
+                <a:spcPts val="0"/>
+              </a:spcBef>
+              <a:spcAft>
+                <a:spcPts val="800"/>
+              </a:spcAft>
+            </a:pPr>
+            <a:r>
+              <a:rPr lang="en-US" sz="1200">
+                <a:ln>
+                  <a:noFill/>
+                </a:ln>
+                <a:solidFill>
+                  <a:srgbClr val="000000"/>
+                </a:solidFill>
+                <a:effectLst>
+                  <a:outerShdw blurRad="38100" dist="19050" dir="2700000" algn="tl">
+                    <a:schemeClr val="dk1">
+                      <a:alpha val="40000"/>
+                    </a:schemeClr>
+                  </a:outerShdw>
+                </a:effectLst>
+                <a:latin typeface="Calibri" panose="020F0502020204030204" pitchFamily="34" charset="0"/>
+                <a:ea typeface="Calibri" panose="020F0502020204030204" pitchFamily="34" charset="0"/>
+                <a:cs typeface="Times New Roman" panose="02020603050405020304" pitchFamily="18" charset="0"/>
+              </a:rPr>
+              <a:t>Feedback Signal</a:t>
+            </a:r>
+            <a:endParaRPr lang="en-US" sz="1100">
+              <a:effectLst/>
+              <a:latin typeface="Calibri" panose="020F0502020204030204" pitchFamily="34" charset="0"/>
+              <a:ea typeface="Calibri" panose="020F0502020204030204" pitchFamily="34" charset="0"/>
+              <a:cs typeface="Times New Roman" panose="02020603050405020304" pitchFamily="18" charset="0"/>
+            </a:endParaRPr>
+          </a:p>
+        </p:txBody>
+      </p:sp>
+      <p:sp>
+        <p:nvSpPr>
+          <p:cNvPr id="225" name="Text Box 30"/>
+          <p:cNvSpPr txBox="1"/>
+          <p:nvPr/>
+        </p:nvSpPr>
+        <p:spPr>
+          <a:xfrm>
+            <a:off x="28546313" y="5610877"/>
+            <a:ext cx="2047875" cy="417195"/>
+          </a:xfrm>
+          <a:prstGeom prst="rect">
+            <a:avLst/>
+          </a:prstGeom>
+          <a:noFill/>
+          <a:ln>
+            <a:noFill/>
+          </a:ln>
+          <a:effectLst/>
+        </p:spPr>
+        <p:txBody>
+          <a:bodyPr rot="0" spcFirstLastPara="0" vert="horz" wrap="none" lIns="91440" tIns="45720" rIns="91440" bIns="45720" numCol="1" spcCol="0" rtlCol="0" fromWordArt="0" anchor="t" anchorCtr="0" forceAA="0" compatLnSpc="1">
+            <a:prstTxWarp prst="textNoShape">
+              <a:avLst/>
+            </a:prstTxWarp>
+            <a:spAutoFit/>
+          </a:bodyPr>
+          <a:lstStyle/>
+          <a:p>
+            <a:pPr marL="0" marR="0" algn="ctr">
+              <a:lnSpc>
+                <a:spcPct val="107000"/>
+              </a:lnSpc>
+              <a:spcBef>
+                <a:spcPts val="0"/>
+              </a:spcBef>
+              <a:spcAft>
+                <a:spcPts val="800"/>
+              </a:spcAft>
+            </a:pPr>
+            <a:r>
+              <a:rPr lang="en-US" sz="1200">
+                <a:ln>
+                  <a:noFill/>
+                </a:ln>
+                <a:solidFill>
+                  <a:srgbClr val="000000"/>
+                </a:solidFill>
+                <a:effectLst>
+                  <a:outerShdw blurRad="38100" dist="19050" dir="2700000" algn="tl">
+                    <a:schemeClr val="dk1">
+                      <a:alpha val="40000"/>
+                    </a:schemeClr>
+                  </a:outerShdw>
+                </a:effectLst>
+                <a:latin typeface="Calibri" panose="020F0502020204030204" pitchFamily="34" charset="0"/>
+                <a:ea typeface="Calibri" panose="020F0502020204030204" pitchFamily="34" charset="0"/>
+                <a:cs typeface="Times New Roman" panose="02020603050405020304" pitchFamily="18" charset="0"/>
+              </a:rPr>
+              <a:t>Pulse Width Modulated Signal</a:t>
+            </a:r>
+            <a:endParaRPr lang="en-US" sz="1100">
+              <a:effectLst/>
+              <a:latin typeface="Calibri" panose="020F0502020204030204" pitchFamily="34" charset="0"/>
+              <a:ea typeface="Calibri" panose="020F0502020204030204" pitchFamily="34" charset="0"/>
+              <a:cs typeface="Times New Roman" panose="02020603050405020304" pitchFamily="18" charset="0"/>
+            </a:endParaRPr>
+          </a:p>
+        </p:txBody>
+      </p:sp>
+      <p:sp>
+        <p:nvSpPr>
+          <p:cNvPr id="226" name="Text Box 31"/>
+          <p:cNvSpPr txBox="1"/>
+          <p:nvPr/>
+        </p:nvSpPr>
+        <p:spPr>
+          <a:xfrm>
+            <a:off x="31876253" y="5588017"/>
+            <a:ext cx="941705" cy="399415"/>
+          </a:xfrm>
+          <a:prstGeom prst="rect">
+            <a:avLst/>
+          </a:prstGeom>
+          <a:noFill/>
+          <a:ln>
+            <a:noFill/>
+          </a:ln>
+          <a:effectLst/>
+        </p:spPr>
+        <p:txBody>
+          <a:bodyPr rot="0" spcFirstLastPara="0" vert="horz" wrap="none" lIns="91440" tIns="45720" rIns="91440" bIns="45720" numCol="1" spcCol="0" rtlCol="0" fromWordArt="0" anchor="t" anchorCtr="0" forceAA="0" compatLnSpc="1">
+            <a:prstTxWarp prst="textNoShape">
+              <a:avLst/>
+            </a:prstTxWarp>
+            <a:spAutoFit/>
+          </a:bodyPr>
+          <a:lstStyle/>
+          <a:p>
+            <a:pPr marL="0" marR="0" algn="ctr">
+              <a:lnSpc>
+                <a:spcPct val="107000"/>
+              </a:lnSpc>
+              <a:spcBef>
+                <a:spcPts val="0"/>
+              </a:spcBef>
+              <a:spcAft>
+                <a:spcPts val="800"/>
+              </a:spcAft>
+            </a:pPr>
+            <a:r>
+              <a:rPr lang="en-US" sz="1100">
+                <a:ln>
+                  <a:noFill/>
+                </a:ln>
+                <a:solidFill>
+                  <a:srgbClr val="000000"/>
+                </a:solidFill>
+                <a:effectLst>
+                  <a:outerShdw blurRad="38100" dist="19050" dir="2700000" algn="tl">
+                    <a:schemeClr val="dk1">
+                      <a:alpha val="40000"/>
+                    </a:schemeClr>
+                  </a:outerShdw>
+                </a:effectLst>
+                <a:latin typeface="Calibri" panose="020F0502020204030204" pitchFamily="34" charset="0"/>
+                <a:ea typeface="Calibri" panose="020F0502020204030204" pitchFamily="34" charset="0"/>
+                <a:cs typeface="Times New Roman" panose="02020603050405020304" pitchFamily="18" charset="0"/>
+              </a:rPr>
+              <a:t>Analog Signal</a:t>
+            </a:r>
+            <a:endParaRPr lang="en-US" sz="1100">
+              <a:effectLst/>
+              <a:latin typeface="Calibri" panose="020F0502020204030204" pitchFamily="34" charset="0"/>
+              <a:ea typeface="Calibri" panose="020F0502020204030204" pitchFamily="34" charset="0"/>
+              <a:cs typeface="Times New Roman" panose="02020603050405020304" pitchFamily="18" charset="0"/>
+            </a:endParaRPr>
+          </a:p>
+        </p:txBody>
+      </p:sp>
+      <p:sp>
+        <p:nvSpPr>
+          <p:cNvPr id="3" name="Rectangle 19"/>
+          <p:cNvSpPr>
+            <a:spLocks noChangeArrowheads="1"/>
+          </p:cNvSpPr>
+          <p:nvPr/>
+        </p:nvSpPr>
+        <p:spPr bwMode="auto">
+          <a:xfrm>
+            <a:off x="25142682" y="3375516"/>
+            <a:ext cx="36576000" cy="457200"/>
+          </a:xfrm>
+          <a:prstGeom prst="rect">
+            <a:avLst/>
+          </a:prstGeom>
+          <a:noFill/>
+          <a:ln>
+            <a:noFill/>
+          </a:ln>
+          <a:effectLst/>
+          <a:extLst>
+            <a:ext uri="{909E8E84-426E-40DD-AFC4-6F175D3DCCD1}">
+              <a14:hiddenFill xmlns:a14="http://schemas.microsoft.com/office/drawing/2010/main">
+                <a:solidFill>
+                  <a:schemeClr val="accent1"/>
+                </a:solidFill>
+              </a14:hiddenFill>
+            </a:ext>
+            <a:ext uri="{91240B29-F687-4F45-9708-019B960494DF}">
+              <a14:hiddenLine xmlns:a14="http://schemas.microsoft.com/office/drawing/2010/main" w="9525">
+                <a:solidFill>
+                  <a:schemeClr val="tx1"/>
+                </a:solidFill>
+                <a:miter lim="800000"/>
+                <a:headEnd/>
+                <a:tailEnd/>
+              </a14:hiddenLine>
+            </a:ext>
+            <a:ext uri="{AF507438-7753-43E0-B8FC-AC1667EBCBE1}">
+              <a14:hiddenEffects xmlns:a14="http://schemas.microsoft.com/office/drawing/2010/main">
+                <a:effectLst>
+                  <a:outerShdw dist="35921" dir="2700000" algn="ctr" rotWithShape="0">
+                    <a:schemeClr val="bg2"/>
+                  </a:outerShdw>
+                </a:effectLst>
+              </a14:hiddenEffects>
+            </a:ext>
+          </a:extLst>
+        </p:spPr>
+        <p:txBody>
+          <a:bodyPr vert="horz" wrap="none" lIns="91440" tIns="45720" rIns="91440" bIns="45720" numCol="1" anchor="ctr" anchorCtr="0" compatLnSpc="1">
+            <a:prstTxWarp prst="textNoShape">
+              <a:avLst/>
+            </a:prstTxWarp>
+            <a:spAutoFit/>
+          </a:bodyPr>
+          <a:lstStyle/>
+          <a:p>
+            <a:endParaRPr lang="en-US"/>
+          </a:p>
+        </p:txBody>
+      </p:sp>
+      <p:sp>
+        <p:nvSpPr>
+          <p:cNvPr id="227" name="TextBox 226"/>
+          <p:cNvSpPr txBox="1"/>
+          <p:nvPr/>
+        </p:nvSpPr>
+        <p:spPr>
+          <a:xfrm>
+            <a:off x="26370406" y="7934632"/>
+            <a:ext cx="9509760" cy="338554"/>
+          </a:xfrm>
+          <a:prstGeom prst="rect">
+            <a:avLst/>
+          </a:prstGeom>
+          <a:noFill/>
+        </p:spPr>
+        <p:txBody>
+          <a:bodyPr wrap="square" rtlCol="0">
+            <a:spAutoFit/>
+          </a:bodyPr>
+          <a:lstStyle/>
+          <a:p>
+            <a:r>
+              <a:rPr lang="en-US" sz="1600" dirty="0" smtClean="0"/>
+              <a:t>Figure 6: Electrical Signal Path and Conditioning</a:t>
+            </a:r>
+            <a:endParaRPr lang="en-US" sz="1600" dirty="0"/>
+          </a:p>
+        </p:txBody>
+      </p:sp>
+      <p:sp>
+        <p:nvSpPr>
+          <p:cNvPr id="228" name="TextBox 227"/>
+          <p:cNvSpPr txBox="1"/>
+          <p:nvPr/>
+        </p:nvSpPr>
+        <p:spPr>
+          <a:xfrm>
+            <a:off x="26362786" y="21560733"/>
+            <a:ext cx="9525000" cy="3477875"/>
+          </a:xfrm>
+          <a:prstGeom prst="rect">
+            <a:avLst/>
+          </a:prstGeom>
+          <a:noFill/>
+        </p:spPr>
+        <p:txBody>
+          <a:bodyPr wrap="square" rtlCol="0">
+            <a:spAutoFit/>
+          </a:bodyPr>
+          <a:lstStyle/>
+          <a:p>
+            <a:pPr marL="342900" indent="-342900">
+              <a:buFont typeface="Arial" panose="020B0604020202020204" pitchFamily="34" charset="0"/>
+              <a:buChar char="•"/>
+            </a:pPr>
+            <a:r>
+              <a:rPr lang="en-US" sz="2000" dirty="0" smtClean="0"/>
+              <a:t>An educational pneumatic robot was developed that is capable of walking using a simple creep </a:t>
+            </a:r>
+            <a:r>
+              <a:rPr lang="en-US" sz="2000" dirty="0" smtClean="0"/>
+              <a:t>gait</a:t>
+            </a:r>
+          </a:p>
+          <a:p>
+            <a:pPr marL="342900" indent="-342900">
+              <a:buFont typeface="Arial" panose="020B0604020202020204" pitchFamily="34" charset="0"/>
+              <a:buChar char="•"/>
+            </a:pPr>
+            <a:r>
+              <a:rPr lang="en-US" sz="2000" dirty="0"/>
+              <a:t>The robot kinematics and kinetics were determined to aid in the mechanical </a:t>
+            </a:r>
+            <a:r>
+              <a:rPr lang="en-US" sz="2000" dirty="0" smtClean="0"/>
+              <a:t>design</a:t>
+            </a:r>
+            <a:endParaRPr lang="en-US" sz="2000" dirty="0" smtClean="0"/>
+          </a:p>
+          <a:p>
+            <a:pPr marL="342900" indent="-342900">
+              <a:buFont typeface="Arial" panose="020B0604020202020204" pitchFamily="34" charset="0"/>
+              <a:buChar char="•"/>
+            </a:pPr>
+            <a:r>
+              <a:rPr lang="en-US" sz="2000" dirty="0" smtClean="0"/>
+              <a:t>The mechanical prototype was constructed for hardware testing</a:t>
+            </a:r>
+          </a:p>
+          <a:p>
+            <a:pPr marL="342900" indent="-342900">
+              <a:buFont typeface="Arial" panose="020B0604020202020204" pitchFamily="34" charset="0"/>
+              <a:buChar char="•"/>
+            </a:pPr>
+            <a:r>
+              <a:rPr lang="en-US" sz="2000" dirty="0" smtClean="0"/>
+              <a:t>Electrical subsystems were soldered to prototyping boards for hardware testing</a:t>
+            </a:r>
+            <a:endParaRPr lang="en-US" sz="2000" dirty="0" smtClean="0"/>
+          </a:p>
+          <a:p>
+            <a:pPr marL="342900" indent="-342900">
+              <a:buFont typeface="Arial" panose="020B0604020202020204" pitchFamily="34" charset="0"/>
+              <a:buChar char="•"/>
+            </a:pPr>
+            <a:r>
+              <a:rPr lang="en-US" sz="2000" dirty="0" smtClean="0"/>
+              <a:t>A wireless communication system and user interface was created</a:t>
+            </a:r>
+            <a:endParaRPr lang="en-US" sz="2000" dirty="0" smtClean="0"/>
+          </a:p>
+          <a:p>
+            <a:pPr marL="342900" indent="-342900">
+              <a:buFont typeface="Arial" panose="020B0604020202020204" pitchFamily="34" charset="0"/>
+              <a:buChar char="•"/>
+            </a:pPr>
+            <a:r>
+              <a:rPr lang="en-US" sz="2000" dirty="0" smtClean="0"/>
+              <a:t> More work is needed to implement more dynamic gaits and to characterize the valve/piston system dynamics</a:t>
+            </a:r>
+          </a:p>
+          <a:p>
+            <a:pPr marL="342900" indent="-342900">
+              <a:buFont typeface="Arial" panose="020B0604020202020204" pitchFamily="34" charset="0"/>
+              <a:buChar char="•"/>
+            </a:pPr>
+            <a:r>
+              <a:rPr lang="en-US" sz="2000" dirty="0" smtClean="0"/>
+              <a:t>Additional work is also needed to characterize the performance of the current controller and no implement  more sophisticated multivariable control  </a:t>
+            </a:r>
+            <a:r>
+              <a:rPr lang="en-US" sz="2000" dirty="0" smtClean="0"/>
+              <a:t>architecture</a:t>
+            </a:r>
+            <a:endParaRPr lang="en-US" sz="2000" dirty="0" smtClean="0"/>
+          </a:p>
+          <a:p>
+            <a:pPr marL="342900" indent="-342900">
+              <a:buFont typeface="Arial" panose="020B0604020202020204" pitchFamily="34" charset="0"/>
+              <a:buChar char="•"/>
+            </a:pPr>
+            <a:endParaRPr lang="en-US" sz="2000" dirty="0" smtClean="0">
+              <a:solidFill>
+                <a:srgbClr val="FF0000"/>
+              </a:solidFill>
+            </a:endParaRPr>
+          </a:p>
+        </p:txBody>
+      </p:sp>
     </p:spTree>
     <p:extLst>
       <p:ext uri="{BB962C8B-B14F-4D97-AF65-F5344CB8AC3E}">

--- a/Documentation/Design Show Poster/Senior Design Show Poster.pptx
+++ b/Documentation/Design Show Poster/Senior Design Show Poster.pptx
@@ -208,7 +208,7 @@
           <a:p>
             <a:fld id="{E3D639CF-A740-4B86-8CAE-05CA98BC618C}" type="datetimeFigureOut">
               <a:rPr lang="en-US" smtClean="0"/>
-              <a:t>5/18/2015</a:t>
+              <a:t>5/19/2015</a:t>
             </a:fld>
             <a:endParaRPr lang="en-US"/>
           </a:p>
@@ -741,7 +741,7 @@
           <a:p>
             <a:fld id="{08F7D037-1E52-45C7-976A-93EFD4975647}" type="datetimeFigureOut">
               <a:rPr lang="en-US" smtClean="0"/>
-              <a:t>5/18/2015</a:t>
+              <a:t>5/19/2015</a:t>
             </a:fld>
             <a:endParaRPr lang="en-US"/>
           </a:p>
@@ -911,7 +911,7 @@
           <a:p>
             <a:fld id="{08F7D037-1E52-45C7-976A-93EFD4975647}" type="datetimeFigureOut">
               <a:rPr lang="en-US" smtClean="0"/>
-              <a:t>5/18/2015</a:t>
+              <a:t>5/19/2015</a:t>
             </a:fld>
             <a:endParaRPr lang="en-US"/>
           </a:p>
@@ -1091,7 +1091,7 @@
           <a:p>
             <a:fld id="{08F7D037-1E52-45C7-976A-93EFD4975647}" type="datetimeFigureOut">
               <a:rPr lang="en-US" smtClean="0"/>
-              <a:t>5/18/2015</a:t>
+              <a:t>5/19/2015</a:t>
             </a:fld>
             <a:endParaRPr lang="en-US"/>
           </a:p>
@@ -1261,7 +1261,7 @@
           <a:p>
             <a:fld id="{08F7D037-1E52-45C7-976A-93EFD4975647}" type="datetimeFigureOut">
               <a:rPr lang="en-US" smtClean="0"/>
-              <a:t>5/18/2015</a:t>
+              <a:t>5/19/2015</a:t>
             </a:fld>
             <a:endParaRPr lang="en-US"/>
           </a:p>
@@ -1507,7 +1507,7 @@
           <a:p>
             <a:fld id="{08F7D037-1E52-45C7-976A-93EFD4975647}" type="datetimeFigureOut">
               <a:rPr lang="en-US" smtClean="0"/>
-              <a:t>5/18/2015</a:t>
+              <a:t>5/19/2015</a:t>
             </a:fld>
             <a:endParaRPr lang="en-US"/>
           </a:p>
@@ -1795,7 +1795,7 @@
           <a:p>
             <a:fld id="{08F7D037-1E52-45C7-976A-93EFD4975647}" type="datetimeFigureOut">
               <a:rPr lang="en-US" smtClean="0"/>
-              <a:t>5/18/2015</a:t>
+              <a:t>5/19/2015</a:t>
             </a:fld>
             <a:endParaRPr lang="en-US"/>
           </a:p>
@@ -2222,7 +2222,7 @@
           <a:p>
             <a:fld id="{08F7D037-1E52-45C7-976A-93EFD4975647}" type="datetimeFigureOut">
               <a:rPr lang="en-US" smtClean="0"/>
-              <a:t>5/18/2015</a:t>
+              <a:t>5/19/2015</a:t>
             </a:fld>
             <a:endParaRPr lang="en-US"/>
           </a:p>
@@ -2340,7 +2340,7 @@
           <a:p>
             <a:fld id="{08F7D037-1E52-45C7-976A-93EFD4975647}" type="datetimeFigureOut">
               <a:rPr lang="en-US" smtClean="0"/>
-              <a:t>5/18/2015</a:t>
+              <a:t>5/19/2015</a:t>
             </a:fld>
             <a:endParaRPr lang="en-US"/>
           </a:p>
@@ -2435,7 +2435,7 @@
           <a:p>
             <a:fld id="{08F7D037-1E52-45C7-976A-93EFD4975647}" type="datetimeFigureOut">
               <a:rPr lang="en-US" smtClean="0"/>
-              <a:t>5/18/2015</a:t>
+              <a:t>5/19/2015</a:t>
             </a:fld>
             <a:endParaRPr lang="en-US"/>
           </a:p>
@@ -2712,7 +2712,7 @@
           <a:p>
             <a:fld id="{08F7D037-1E52-45C7-976A-93EFD4975647}" type="datetimeFigureOut">
               <a:rPr lang="en-US" smtClean="0"/>
-              <a:t>5/18/2015</a:t>
+              <a:t>5/19/2015</a:t>
             </a:fld>
             <a:endParaRPr lang="en-US"/>
           </a:p>
@@ -2965,7 +2965,7 @@
           <a:p>
             <a:fld id="{08F7D037-1E52-45C7-976A-93EFD4975647}" type="datetimeFigureOut">
               <a:rPr lang="en-US" smtClean="0"/>
-              <a:t>5/18/2015</a:t>
+              <a:t>5/19/2015</a:t>
             </a:fld>
             <a:endParaRPr lang="en-US"/>
           </a:p>
@@ -3178,7 +3178,7 @@
           <a:p>
             <a:fld id="{08F7D037-1E52-45C7-976A-93EFD4975647}" type="datetimeFigureOut">
               <a:rPr lang="en-US" smtClean="0"/>
-              <a:t>5/18/2015</a:t>
+              <a:t>5/19/2015</a:t>
             </a:fld>
             <a:endParaRPr lang="en-US"/>
           </a:p>
@@ -3561,7 +3561,7 @@
         </p:nvSpPr>
         <p:spPr>
           <a:xfrm>
-            <a:off x="554261" y="9828879"/>
+            <a:off x="554261" y="9433655"/>
             <a:ext cx="9525000" cy="5016758"/>
           </a:xfrm>
           <a:prstGeom prst="rect">
@@ -3765,7 +3765,7 @@
         </p:nvGrpSpPr>
         <p:grpSpPr>
           <a:xfrm>
-            <a:off x="1585237" y="22842376"/>
+            <a:off x="1585237" y="22961605"/>
             <a:ext cx="6949163" cy="4089395"/>
             <a:chOff x="2118637" y="23001954"/>
             <a:chExt cx="4987788" cy="2935179"/>
@@ -3825,6 +3825,20 @@
         <p:blipFill>
           <a:blip r:embed="rId5" cstate="print">
             <a:extLst>
+              <a:ext uri="{BEBA8EAE-BF5A-486C-A8C5-ECC9F3942E4B}">
+                <a14:imgProps xmlns:a14="http://schemas.microsoft.com/office/drawing/2010/main">
+                  <a14:imgLayer r:embed="rId6">
+                    <a14:imgEffect>
+                      <a14:backgroundRemoval t="2210" b="97974" l="4455" r="97542">
+                        <a14:backgroundMark x1="25346" y1="39411" x2="25346" y2="39411"/>
+                        <a14:backgroundMark x1="23195" y1="43831" x2="23195" y2="43831"/>
+                        <a14:backgroundMark x1="52074" y1="29282" x2="52074" y2="29282"/>
+                        <a14:backgroundMark x1="40399" y1="28361" x2="40399" y2="28361"/>
+                      </a14:backgroundRemoval>
+                    </a14:imgEffect>
+                  </a14:imgLayer>
+                </a14:imgProps>
+              </a:ext>
               <a:ext uri="{28A0092B-C50C-407E-A947-70E740481C1C}">
                 <a14:useLocalDpi xmlns:a14="http://schemas.microsoft.com/office/drawing/2010/main" val="0"/>
               </a:ext>
@@ -3894,15 +3908,7 @@
             <a:pPr algn="ctr"/>
             <a:r>
               <a:rPr lang="en-US" sz="4000" dirty="0" smtClean="0"/>
-              <a:t>Team ARC: Logan Beaver, Justin Campbell, Tyler </a:t>
-            </a:r>
-            <a:r>
-              <a:rPr lang="en-US" sz="4000" dirty="0" smtClean="0"/>
-              <a:t>Paddock, and </a:t>
-            </a:r>
-            <a:r>
-              <a:rPr lang="en-US" sz="4000" dirty="0" smtClean="0"/>
-              <a:t>Ron Shipman</a:t>
+              <a:t>Team ARC: Logan Beaver, Justin Campbell, Tyler Paddock, and Ron Shipman</a:t>
             </a:r>
           </a:p>
           <a:p>
@@ -3928,9 +3934,9 @@
         <p:grpSpPr>
           <a:xfrm>
             <a:off x="553285" y="463380"/>
-            <a:ext cx="8120972" cy="2912136"/>
+            <a:ext cx="8120972" cy="2873834"/>
             <a:chOff x="361590" y="285906"/>
-            <a:chExt cx="5619392" cy="2070022"/>
+            <a:chExt cx="5619392" cy="2042796"/>
           </a:xfrm>
         </p:grpSpPr>
         <p:pic>
@@ -3942,7 +3948,7 @@
             <p:nvPr/>
           </p:nvPicPr>
           <p:blipFill>
-            <a:blip r:embed="rId6">
+            <a:blip r:embed="rId7">
               <a:extLst>
                 <a:ext uri="{28A0092B-C50C-407E-A947-70E740481C1C}">
                   <a14:useLocalDpi xmlns:a14="http://schemas.microsoft.com/office/drawing/2010/main" val="0"/>
@@ -4006,7 +4012,7 @@
             <p:nvPr/>
           </p:nvPicPr>
           <p:blipFill>
-            <a:blip r:embed="rId7" cstate="print">
+            <a:blip r:embed="rId8" cstate="print">
               <a:extLst>
                 <a:ext uri="{28A0092B-C50C-407E-A947-70E740481C1C}">
                   <a14:useLocalDpi xmlns:a14="http://schemas.microsoft.com/office/drawing/2010/main" val="0"/>
@@ -4036,7 +4042,7 @@
             <p:nvPr/>
           </p:nvPicPr>
           <p:blipFill>
-            <a:blip r:embed="rId8">
+            <a:blip r:embed="rId9">
               <a:extLst>
                 <a:ext uri="{28A0092B-C50C-407E-A947-70E740481C1C}">
                   <a14:useLocalDpi xmlns:a14="http://schemas.microsoft.com/office/drawing/2010/main" val="0"/>
@@ -4066,7 +4072,7 @@
             <p:nvPr/>
           </p:nvPicPr>
           <p:blipFill>
-            <a:blip r:embed="rId9" cstate="print">
+            <a:blip r:embed="rId10" cstate="print">
               <a:extLst>
                 <a:ext uri="{28A0092B-C50C-407E-A947-70E740481C1C}">
                   <a14:useLocalDpi xmlns:a14="http://schemas.microsoft.com/office/drawing/2010/main" val="0"/>
@@ -4106,7 +4112,7 @@
           </p:nvSpPr>
           <p:spPr>
             <a:xfrm>
-              <a:off x="2209800" y="1955818"/>
+              <a:off x="433492" y="1928592"/>
               <a:ext cx="1826474" cy="400110"/>
             </a:xfrm>
             <a:prstGeom prst="rect">
@@ -4167,11 +4173,7 @@
             </a:r>
             <a:r>
               <a:rPr lang="en-US" sz="2800" i="1" dirty="0" smtClean="0"/>
-              <a:t> Endowment Fund, MSOE</a:t>
-            </a:r>
-            <a:r>
-              <a:rPr lang="en-US" sz="2800" i="1" dirty="0" smtClean="0"/>
-              <a:t>, Quinn </a:t>
+              <a:t> Endowment Fund, MSOE, Quinn </a:t>
             </a:r>
             <a:r>
               <a:rPr lang="en-US" sz="2800" i="1" dirty="0" err="1" smtClean="0"/>
@@ -4179,2564 +4181,12 @@
             </a:r>
             <a:r>
               <a:rPr lang="en-US" sz="2800" i="1" dirty="0" smtClean="0"/>
-              <a:t>, </a:t>
-            </a:r>
-            <a:r>
-              <a:rPr lang="en-US" sz="2800" i="1" dirty="0" smtClean="0"/>
-              <a:t>and  Dr. Luis A. Rodriguez for their support</a:t>
+              <a:t>, and  Dr. Luis A. Rodriguez for their support</a:t>
             </a:r>
             <a:endParaRPr lang="en-US" sz="2800" i="1" dirty="0"/>
           </a:p>
         </p:txBody>
       </p:sp>
-      <p:grpSp>
-        <p:nvGrpSpPr>
-          <p:cNvPr id="169" name="Group 168"/>
-          <p:cNvGrpSpPr/>
-          <p:nvPr/>
-        </p:nvGrpSpPr>
-        <p:grpSpPr>
-          <a:xfrm>
-            <a:off x="26272160" y="9244644"/>
-            <a:ext cx="9525000" cy="5881772"/>
-            <a:chOff x="23057291" y="4266578"/>
-            <a:chExt cx="9525000" cy="5881772"/>
-          </a:xfrm>
-        </p:grpSpPr>
-        <p:sp>
-          <p:nvSpPr>
-            <p:cNvPr id="28" name="TextBox 27"/>
-            <p:cNvSpPr txBox="1"/>
-            <p:nvPr/>
-          </p:nvSpPr>
-          <p:spPr>
-            <a:xfrm>
-              <a:off x="23057291" y="4266578"/>
-              <a:ext cx="9525000" cy="3539430"/>
-            </a:xfrm>
-            <a:prstGeom prst="rect">
-              <a:avLst/>
-            </a:prstGeom>
-            <a:noFill/>
-          </p:spPr>
-          <p:txBody>
-            <a:bodyPr wrap="square" rtlCol="0">
-              <a:spAutoFit/>
-            </a:bodyPr>
-            <a:lstStyle/>
-            <a:p>
-              <a:pPr algn="just"/>
-              <a:r>
-                <a:rPr lang="en-US" sz="2000" dirty="0" smtClean="0"/>
-                <a:t>To control the </a:t>
-              </a:r>
-              <a:r>
-                <a:rPr lang="en-US" sz="2000" dirty="0" smtClean="0"/>
-                <a:t>motion of the robot </a:t>
-              </a:r>
-              <a:r>
-                <a:rPr lang="en-US" sz="2000" dirty="0" smtClean="0"/>
-                <a:t>the user sends a direction request to the Java Graphical User Interface (GUI), which encodes the request and wirelessly transmits it to </a:t>
-              </a:r>
-              <a:r>
-                <a:rPr lang="en-US" sz="2000" dirty="0" smtClean="0"/>
-                <a:t>the</a:t>
-              </a:r>
-              <a:r>
-                <a:rPr lang="en-US" sz="2000" dirty="0" smtClean="0"/>
-                <a:t> </a:t>
-              </a:r>
-              <a:r>
-                <a:rPr lang="en-US" sz="2000" dirty="0" smtClean="0"/>
-                <a:t>onboard Arduino microcontroller. </a:t>
-              </a:r>
-              <a:r>
-                <a:rPr lang="en-US" sz="2000" dirty="0" smtClean="0"/>
-                <a:t>The microcontroller responds to a user request by taking a step in the requested direction.</a:t>
-              </a:r>
-              <a:endParaRPr lang="en-US" sz="2000" dirty="0" smtClean="0"/>
-            </a:p>
-            <a:p>
-              <a:endParaRPr lang="en-US" sz="2000" dirty="0" smtClean="0"/>
-            </a:p>
-            <a:p>
-              <a:r>
-                <a:rPr lang="en-US" sz="2400" b="1" dirty="0" smtClean="0"/>
-                <a:t>Sequence of Events in Sending a Command</a:t>
-              </a:r>
-            </a:p>
-            <a:p>
-              <a:pPr marL="457200" indent="-457200">
-                <a:buFont typeface="+mj-lt"/>
-                <a:buAutoNum type="arabicPeriod"/>
-              </a:pPr>
-              <a:r>
-                <a:rPr lang="en-US" sz="2000" dirty="0" smtClean="0"/>
-                <a:t>User input is read by a USB controller</a:t>
-              </a:r>
-            </a:p>
-            <a:p>
-              <a:pPr marL="457200" indent="-457200">
-                <a:buFont typeface="+mj-lt"/>
-                <a:buAutoNum type="arabicPeriod"/>
-              </a:pPr>
-              <a:r>
-                <a:rPr lang="en-US" sz="2000" dirty="0" smtClean="0"/>
-                <a:t>Real time Java application parses user input</a:t>
-              </a:r>
-            </a:p>
-            <a:p>
-              <a:pPr marL="457200" indent="-457200">
-                <a:buFont typeface="+mj-lt"/>
-                <a:buAutoNum type="arabicPeriod"/>
-              </a:pPr>
-              <a:r>
-                <a:rPr lang="en-US" sz="2000" dirty="0" smtClean="0"/>
-                <a:t>Application sends commands through an </a:t>
-              </a:r>
-              <a:r>
-                <a:rPr lang="en-US" sz="2000" dirty="0" err="1" smtClean="0"/>
-                <a:t>XBee</a:t>
-              </a:r>
-              <a:r>
-                <a:rPr lang="en-US" sz="2000" dirty="0" smtClean="0"/>
-                <a:t> radio module</a:t>
-              </a:r>
-            </a:p>
-            <a:p>
-              <a:pPr marL="457200" indent="-457200">
-                <a:buFont typeface="+mj-lt"/>
-                <a:buAutoNum type="arabicPeriod"/>
-              </a:pPr>
-              <a:r>
-                <a:rPr lang="en-US" sz="2000" dirty="0" smtClean="0"/>
-                <a:t>Partner </a:t>
-              </a:r>
-              <a:r>
-                <a:rPr lang="en-US" sz="2000" dirty="0" err="1" smtClean="0"/>
-                <a:t>XBee</a:t>
-              </a:r>
-              <a:r>
-                <a:rPr lang="en-US" sz="2000" dirty="0" smtClean="0"/>
-                <a:t> chip receives the command and sends it to the Arduino microcontroller</a:t>
-              </a:r>
-            </a:p>
-            <a:p>
-              <a:pPr marL="457200" indent="-457200">
-                <a:buFont typeface="+mj-lt"/>
-                <a:buAutoNum type="arabicPeriod"/>
-              </a:pPr>
-              <a:r>
-                <a:rPr lang="en-US" sz="2000" dirty="0" smtClean="0"/>
-                <a:t>Arduino decodes the serial command executes an action accordingly</a:t>
-              </a:r>
-              <a:endParaRPr lang="en-US" sz="2000" dirty="0"/>
-            </a:p>
-          </p:txBody>
-        </p:sp>
-        <p:grpSp>
-          <p:nvGrpSpPr>
-            <p:cNvPr id="32" name="Group 31"/>
-            <p:cNvGrpSpPr/>
-            <p:nvPr/>
-          </p:nvGrpSpPr>
-          <p:grpSpPr>
-            <a:xfrm>
-              <a:off x="23614523" y="7924800"/>
-              <a:ext cx="8763000" cy="2223550"/>
-              <a:chOff x="23698200" y="6233964"/>
-              <a:chExt cx="8763000" cy="2223550"/>
-            </a:xfrm>
-          </p:grpSpPr>
-          <p:grpSp>
-            <p:nvGrpSpPr>
-              <p:cNvPr id="37" name="Group 36"/>
-              <p:cNvGrpSpPr/>
-              <p:nvPr/>
-            </p:nvGrpSpPr>
-            <p:grpSpPr>
-              <a:xfrm>
-                <a:off x="23863176" y="6233964"/>
-                <a:ext cx="8013069" cy="1508760"/>
-                <a:chOff x="114300" y="909320"/>
-                <a:chExt cx="8013647" cy="1508760"/>
-              </a:xfrm>
-            </p:grpSpPr>
-            <p:grpSp>
-              <p:nvGrpSpPr>
-                <p:cNvPr id="38" name="Group 37"/>
-                <p:cNvGrpSpPr/>
-                <p:nvPr/>
-              </p:nvGrpSpPr>
-              <p:grpSpPr>
-                <a:xfrm>
-                  <a:off x="7254187" y="1620520"/>
-                  <a:ext cx="873760" cy="797560"/>
-                  <a:chOff x="7153883" y="1257300"/>
-                  <a:chExt cx="873760" cy="797560"/>
-                </a:xfrm>
-              </p:grpSpPr>
-              <p:grpSp>
-                <p:nvGrpSpPr>
-                  <p:cNvPr id="86" name="Group 85"/>
-                  <p:cNvGrpSpPr/>
-                  <p:nvPr/>
-                </p:nvGrpSpPr>
-                <p:grpSpPr>
-                  <a:xfrm rot="1124969">
-                    <a:off x="7684743" y="1374140"/>
-                    <a:ext cx="342900" cy="680720"/>
-                    <a:chOff x="8013700" y="1485900"/>
-                    <a:chExt cx="342900" cy="680720"/>
-                  </a:xfrm>
-                </p:grpSpPr>
-                <p:cxnSp>
-                  <p:nvCxnSpPr>
-                    <p:cNvPr id="97" name="Straight Connector 96"/>
-                    <p:cNvCxnSpPr/>
-                    <p:nvPr/>
-                  </p:nvCxnSpPr>
-                  <p:spPr>
-                    <a:xfrm>
-                      <a:off x="8013700" y="1485900"/>
-                      <a:ext cx="342900" cy="342900"/>
-                    </a:xfrm>
-                    <a:prstGeom prst="line">
-                      <a:avLst/>
-                    </a:prstGeom>
-                    <a:ln w="12700"/>
-                  </p:spPr>
-                  <p:style>
-                    <a:lnRef idx="1">
-                      <a:schemeClr val="dk1"/>
-                    </a:lnRef>
-                    <a:fillRef idx="0">
-                      <a:schemeClr val="dk1"/>
-                    </a:fillRef>
-                    <a:effectRef idx="0">
-                      <a:schemeClr val="dk1"/>
-                    </a:effectRef>
-                    <a:fontRef idx="minor">
-                      <a:schemeClr val="tx1"/>
-                    </a:fontRef>
-                  </p:style>
-                </p:cxnSp>
-                <p:cxnSp>
-                  <p:nvCxnSpPr>
-                    <p:cNvPr id="98" name="Straight Connector 97"/>
-                    <p:cNvCxnSpPr/>
-                    <p:nvPr/>
-                  </p:nvCxnSpPr>
-                  <p:spPr>
-                    <a:xfrm flipH="1">
-                      <a:off x="8242300" y="1823720"/>
-                      <a:ext cx="114300" cy="342900"/>
-                    </a:xfrm>
-                    <a:prstGeom prst="line">
-                      <a:avLst/>
-                    </a:prstGeom>
-                    <a:ln w="12700"/>
-                  </p:spPr>
-                  <p:style>
-                    <a:lnRef idx="1">
-                      <a:schemeClr val="dk1"/>
-                    </a:lnRef>
-                    <a:fillRef idx="0">
-                      <a:schemeClr val="dk1"/>
-                    </a:fillRef>
-                    <a:effectRef idx="0">
-                      <a:schemeClr val="dk1"/>
-                    </a:effectRef>
-                    <a:fontRef idx="minor">
-                      <a:schemeClr val="tx1"/>
-                    </a:fontRef>
-                  </p:style>
-                </p:cxnSp>
-              </p:grpSp>
-              <p:grpSp>
-                <p:nvGrpSpPr>
-                  <p:cNvPr id="87" name="Group 86"/>
-                  <p:cNvGrpSpPr/>
-                  <p:nvPr/>
-                </p:nvGrpSpPr>
-                <p:grpSpPr>
-                  <a:xfrm rot="1124969">
-                    <a:off x="7285963" y="1371600"/>
-                    <a:ext cx="342900" cy="680720"/>
-                    <a:chOff x="7442200" y="1480820"/>
-                    <a:chExt cx="342900" cy="680720"/>
-                  </a:xfrm>
-                </p:grpSpPr>
-                <p:cxnSp>
-                  <p:nvCxnSpPr>
-                    <p:cNvPr id="95" name="Straight Connector 94"/>
-                    <p:cNvCxnSpPr/>
-                    <p:nvPr/>
-                  </p:nvCxnSpPr>
-                  <p:spPr>
-                    <a:xfrm>
-                      <a:off x="7442200" y="1480820"/>
-                      <a:ext cx="342900" cy="342900"/>
-                    </a:xfrm>
-                    <a:prstGeom prst="line">
-                      <a:avLst/>
-                    </a:prstGeom>
-                    <a:ln w="12700"/>
-                  </p:spPr>
-                  <p:style>
-                    <a:lnRef idx="1">
-                      <a:schemeClr val="dk1"/>
-                    </a:lnRef>
-                    <a:fillRef idx="0">
-                      <a:schemeClr val="dk1"/>
-                    </a:fillRef>
-                    <a:effectRef idx="0">
-                      <a:schemeClr val="dk1"/>
-                    </a:effectRef>
-                    <a:fontRef idx="minor">
-                      <a:schemeClr val="tx1"/>
-                    </a:fontRef>
-                  </p:style>
-                </p:cxnSp>
-                <p:cxnSp>
-                  <p:nvCxnSpPr>
-                    <p:cNvPr id="96" name="Straight Connector 95"/>
-                    <p:cNvCxnSpPr/>
-                    <p:nvPr/>
-                  </p:nvCxnSpPr>
-                  <p:spPr>
-                    <a:xfrm flipH="1">
-                      <a:off x="7670800" y="1818640"/>
-                      <a:ext cx="114300" cy="342900"/>
-                    </a:xfrm>
-                    <a:prstGeom prst="line">
-                      <a:avLst/>
-                    </a:prstGeom>
-                    <a:ln w="12700"/>
-                  </p:spPr>
-                  <p:style>
-                    <a:lnRef idx="1">
-                      <a:schemeClr val="dk1"/>
-                    </a:lnRef>
-                    <a:fillRef idx="0">
-                      <a:schemeClr val="dk1"/>
-                    </a:fillRef>
-                    <a:effectRef idx="0">
-                      <a:schemeClr val="dk1"/>
-                    </a:effectRef>
-                    <a:fontRef idx="minor">
-                      <a:schemeClr val="tx1"/>
-                    </a:fontRef>
-                  </p:style>
-                </p:cxnSp>
-              </p:grpSp>
-              <p:sp>
-                <p:nvSpPr>
-                  <p:cNvPr id="88" name="Rectangle 87"/>
-                  <p:cNvSpPr/>
-                  <p:nvPr/>
-                </p:nvSpPr>
-                <p:spPr>
-                  <a:xfrm>
-                    <a:off x="7170420" y="1257300"/>
-                    <a:ext cx="769620" cy="228600"/>
-                  </a:xfrm>
-                  <a:prstGeom prst="rect">
-                    <a:avLst/>
-                  </a:prstGeom>
-                  <a:solidFill>
-                    <a:schemeClr val="bg1">
-                      <a:lumMod val="85000"/>
-                    </a:schemeClr>
-                  </a:solidFill>
-                  <a:ln w="12700">
-                    <a:solidFill>
-                      <a:schemeClr val="tx1"/>
-                    </a:solidFill>
-                  </a:ln>
-                </p:spPr>
-                <p:style>
-                  <a:lnRef idx="2">
-                    <a:schemeClr val="accent1">
-                      <a:shade val="50000"/>
-                    </a:schemeClr>
-                  </a:lnRef>
-                  <a:fillRef idx="1">
-                    <a:schemeClr val="accent1"/>
-                  </a:fillRef>
-                  <a:effectRef idx="0">
-                    <a:schemeClr val="accent1"/>
-                  </a:effectRef>
-                  <a:fontRef idx="minor">
-                    <a:schemeClr val="lt1"/>
-                  </a:fontRef>
-                </p:style>
-                <p:txBody>
-                  <a:bodyPr rot="0" spcFirstLastPara="0" vert="horz" wrap="square" lIns="91440" tIns="45720" rIns="91440" bIns="45720" numCol="1" spcCol="0" rtlCol="0" fromWordArt="0" anchor="ctr" anchorCtr="0" forceAA="0" compatLnSpc="1">
-                    <a:prstTxWarp prst="textNoShape">
-                      <a:avLst/>
-                    </a:prstTxWarp>
-                    <a:noAutofit/>
-                  </a:bodyPr>
-                  <a:lstStyle/>
-                  <a:p>
-                    <a:endParaRPr lang="en-US"/>
-                  </a:p>
-                </p:txBody>
-              </p:sp>
-              <p:grpSp>
-                <p:nvGrpSpPr>
-                  <p:cNvPr id="89" name="Group 88"/>
-                  <p:cNvGrpSpPr/>
-                  <p:nvPr/>
-                </p:nvGrpSpPr>
-                <p:grpSpPr>
-                  <a:xfrm rot="1124969">
-                    <a:off x="7153883" y="1371600"/>
-                    <a:ext cx="342900" cy="680720"/>
-                    <a:chOff x="7200900" y="1485900"/>
-                    <a:chExt cx="342900" cy="680720"/>
-                  </a:xfrm>
-                </p:grpSpPr>
-                <p:cxnSp>
-                  <p:nvCxnSpPr>
-                    <p:cNvPr id="93" name="Straight Connector 92"/>
-                    <p:cNvCxnSpPr/>
-                    <p:nvPr/>
-                  </p:nvCxnSpPr>
-                  <p:spPr>
-                    <a:xfrm>
-                      <a:off x="7200900" y="1485900"/>
-                      <a:ext cx="342900" cy="342900"/>
-                    </a:xfrm>
-                    <a:prstGeom prst="line">
-                      <a:avLst/>
-                    </a:prstGeom>
-                    <a:ln w="12700"/>
-                  </p:spPr>
-                  <p:style>
-                    <a:lnRef idx="1">
-                      <a:schemeClr val="dk1"/>
-                    </a:lnRef>
-                    <a:fillRef idx="0">
-                      <a:schemeClr val="dk1"/>
-                    </a:fillRef>
-                    <a:effectRef idx="0">
-                      <a:schemeClr val="dk1"/>
-                    </a:effectRef>
-                    <a:fontRef idx="minor">
-                      <a:schemeClr val="tx1"/>
-                    </a:fontRef>
-                  </p:style>
-                </p:cxnSp>
-                <p:cxnSp>
-                  <p:nvCxnSpPr>
-                    <p:cNvPr id="94" name="Straight Connector 93"/>
-                    <p:cNvCxnSpPr/>
-                    <p:nvPr/>
-                  </p:nvCxnSpPr>
-                  <p:spPr>
-                    <a:xfrm flipH="1">
-                      <a:off x="7429500" y="1823720"/>
-                      <a:ext cx="114300" cy="342900"/>
-                    </a:xfrm>
-                    <a:prstGeom prst="line">
-                      <a:avLst/>
-                    </a:prstGeom>
-                    <a:ln w="12700"/>
-                  </p:spPr>
-                  <p:style>
-                    <a:lnRef idx="1">
-                      <a:schemeClr val="dk1"/>
-                    </a:lnRef>
-                    <a:fillRef idx="0">
-                      <a:schemeClr val="dk1"/>
-                    </a:fillRef>
-                    <a:effectRef idx="0">
-                      <a:schemeClr val="dk1"/>
-                    </a:effectRef>
-                    <a:fontRef idx="minor">
-                      <a:schemeClr val="tx1"/>
-                    </a:fontRef>
-                  </p:style>
-                </p:cxnSp>
-              </p:grpSp>
-              <p:grpSp>
-                <p:nvGrpSpPr>
-                  <p:cNvPr id="90" name="Group 89"/>
-                  <p:cNvGrpSpPr/>
-                  <p:nvPr/>
-                </p:nvGrpSpPr>
-                <p:grpSpPr>
-                  <a:xfrm rot="1124969">
-                    <a:off x="7552716" y="1371600"/>
-                    <a:ext cx="342900" cy="680720"/>
-                    <a:chOff x="7785100" y="1485900"/>
-                    <a:chExt cx="342900" cy="680720"/>
-                  </a:xfrm>
-                </p:grpSpPr>
-                <p:cxnSp>
-                  <p:nvCxnSpPr>
-                    <p:cNvPr id="91" name="Straight Connector 90"/>
-                    <p:cNvCxnSpPr/>
-                    <p:nvPr/>
-                  </p:nvCxnSpPr>
-                  <p:spPr>
-                    <a:xfrm>
-                      <a:off x="7785100" y="1485900"/>
-                      <a:ext cx="342900" cy="342900"/>
-                    </a:xfrm>
-                    <a:prstGeom prst="line">
-                      <a:avLst/>
-                    </a:prstGeom>
-                    <a:ln w="12700"/>
-                  </p:spPr>
-                  <p:style>
-                    <a:lnRef idx="1">
-                      <a:schemeClr val="dk1"/>
-                    </a:lnRef>
-                    <a:fillRef idx="0">
-                      <a:schemeClr val="dk1"/>
-                    </a:fillRef>
-                    <a:effectRef idx="0">
-                      <a:schemeClr val="dk1"/>
-                    </a:effectRef>
-                    <a:fontRef idx="minor">
-                      <a:schemeClr val="tx1"/>
-                    </a:fontRef>
-                  </p:style>
-                </p:cxnSp>
-                <p:cxnSp>
-                  <p:nvCxnSpPr>
-                    <p:cNvPr id="92" name="Straight Connector 91"/>
-                    <p:cNvCxnSpPr/>
-                    <p:nvPr/>
-                  </p:nvCxnSpPr>
-                  <p:spPr>
-                    <a:xfrm flipH="1">
-                      <a:off x="8013700" y="1823720"/>
-                      <a:ext cx="114300" cy="342900"/>
-                    </a:xfrm>
-                    <a:prstGeom prst="line">
-                      <a:avLst/>
-                    </a:prstGeom>
-                    <a:ln w="12700"/>
-                  </p:spPr>
-                  <p:style>
-                    <a:lnRef idx="1">
-                      <a:schemeClr val="dk1"/>
-                    </a:lnRef>
-                    <a:fillRef idx="0">
-                      <a:schemeClr val="dk1"/>
-                    </a:fillRef>
-                    <a:effectRef idx="0">
-                      <a:schemeClr val="dk1"/>
-                    </a:effectRef>
-                    <a:fontRef idx="minor">
-                      <a:schemeClr val="tx1"/>
-                    </a:fontRef>
-                  </p:style>
-                </p:cxnSp>
-              </p:grpSp>
-            </p:grpSp>
-            <p:cxnSp>
-              <p:nvCxnSpPr>
-                <p:cNvPr id="39" name="Curved Connector 38"/>
-                <p:cNvCxnSpPr>
-                  <a:stCxn id="51" idx="0"/>
-                  <a:endCxn id="54" idx="1"/>
-                </p:cNvCxnSpPr>
-                <p:nvPr/>
-              </p:nvCxnSpPr>
-              <p:spPr>
-                <a:xfrm rot="16200000" flipH="1">
-                  <a:off x="1256822" y="1331936"/>
-                  <a:ext cx="514816" cy="1086340"/>
-                </a:xfrm>
-                <a:prstGeom prst="curvedConnector4">
-                  <a:avLst>
-                    <a:gd name="adj1" fmla="val -44404"/>
-                    <a:gd name="adj2" fmla="val 89260"/>
-                  </a:avLst>
-                </a:prstGeom>
-                <a:ln w="9525">
-                  <a:solidFill>
-                    <a:schemeClr val="tx1"/>
-                  </a:solidFill>
-                  <a:headEnd type="none" w="med" len="med"/>
-                  <a:tailEnd type="triangle" w="med" len="med"/>
-                </a:ln>
-              </p:spPr>
-              <p:style>
-                <a:lnRef idx="1">
-                  <a:schemeClr val="accent1"/>
-                </a:lnRef>
-                <a:fillRef idx="0">
-                  <a:schemeClr val="accent1"/>
-                </a:fillRef>
-                <a:effectRef idx="0">
-                  <a:schemeClr val="accent1"/>
-                </a:effectRef>
-                <a:fontRef idx="minor">
-                  <a:schemeClr val="tx1"/>
-                </a:fontRef>
-              </p:style>
-            </p:cxnSp>
-            <p:cxnSp>
-              <p:nvCxnSpPr>
-                <p:cNvPr id="40" name="Curved Connector 39"/>
-                <p:cNvCxnSpPr>
-                  <a:stCxn id="54" idx="3"/>
-                  <a:endCxn id="58" idx="1"/>
-                </p:cNvCxnSpPr>
-                <p:nvPr/>
-              </p:nvCxnSpPr>
-              <p:spPr>
-                <a:xfrm>
-                  <a:off x="3429000" y="2132514"/>
-                  <a:ext cx="342900" cy="1086"/>
-                </a:xfrm>
-                <a:prstGeom prst="curvedConnector3">
-                  <a:avLst>
-                    <a:gd name="adj1" fmla="val 50000"/>
-                  </a:avLst>
-                </a:prstGeom>
-                <a:ln w="9525">
-                  <a:solidFill>
-                    <a:schemeClr val="tx1"/>
-                  </a:solidFill>
-                  <a:headEnd type="triangle" w="med" len="med"/>
-                  <a:tailEnd type="triangle" w="med" len="med"/>
-                </a:ln>
-              </p:spPr>
-              <p:style>
-                <a:lnRef idx="1">
-                  <a:schemeClr val="accent1"/>
-                </a:lnRef>
-                <a:fillRef idx="0">
-                  <a:schemeClr val="accent1"/>
-                </a:fillRef>
-                <a:effectRef idx="0">
-                  <a:schemeClr val="accent1"/>
-                </a:effectRef>
-                <a:fontRef idx="minor">
-                  <a:schemeClr val="tx1"/>
-                </a:fontRef>
-              </p:style>
-            </p:cxnSp>
-            <p:cxnSp>
-              <p:nvCxnSpPr>
-                <p:cNvPr id="41" name="Curved Connector 40"/>
-                <p:cNvCxnSpPr>
-                  <a:stCxn id="58" idx="3"/>
-                  <a:endCxn id="59" idx="3"/>
-                </p:cNvCxnSpPr>
-                <p:nvPr/>
-              </p:nvCxnSpPr>
-              <p:spPr>
-                <a:xfrm>
-                  <a:off x="4343400" y="2133600"/>
-                  <a:ext cx="342900" cy="5080"/>
-                </a:xfrm>
-                <a:prstGeom prst="curvedConnector3">
-                  <a:avLst>
-                    <a:gd name="adj1" fmla="val 50000"/>
-                  </a:avLst>
-                </a:prstGeom>
-                <a:ln w="9525">
-                  <a:solidFill>
-                    <a:schemeClr val="tx1"/>
-                  </a:solidFill>
-                  <a:prstDash val="dash"/>
-                  <a:headEnd type="triangle" w="med" len="med"/>
-                  <a:tailEnd type="triangle" w="med" len="med"/>
-                </a:ln>
-              </p:spPr>
-              <p:style>
-                <a:lnRef idx="1">
-                  <a:schemeClr val="accent1"/>
-                </a:lnRef>
-                <a:fillRef idx="0">
-                  <a:schemeClr val="accent1"/>
-                </a:fillRef>
-                <a:effectRef idx="0">
-                  <a:schemeClr val="accent1"/>
-                </a:effectRef>
-                <a:fontRef idx="minor">
-                  <a:schemeClr val="tx1"/>
-                </a:fontRef>
-              </p:style>
-            </p:cxnSp>
-            <p:cxnSp>
-              <p:nvCxnSpPr>
-                <p:cNvPr id="42" name="Curved Connector 41"/>
-                <p:cNvCxnSpPr>
-                  <a:stCxn id="59" idx="1"/>
-                  <a:endCxn id="60" idx="1"/>
-                </p:cNvCxnSpPr>
-                <p:nvPr/>
-              </p:nvCxnSpPr>
-              <p:spPr>
-                <a:xfrm flipV="1">
-                  <a:off x="5257800" y="1652270"/>
-                  <a:ext cx="457200" cy="486410"/>
-                </a:xfrm>
-                <a:prstGeom prst="curvedConnector3">
-                  <a:avLst>
-                    <a:gd name="adj1" fmla="val 50000"/>
-                  </a:avLst>
-                </a:prstGeom>
-                <a:ln w="9525">
-                  <a:solidFill>
-                    <a:schemeClr val="tx1"/>
-                  </a:solidFill>
-                  <a:headEnd type="triangle" w="med" len="med"/>
-                  <a:tailEnd type="triangle" w="med" len="med"/>
-                </a:ln>
-              </p:spPr>
-              <p:style>
-                <a:lnRef idx="1">
-                  <a:schemeClr val="accent1"/>
-                </a:lnRef>
-                <a:fillRef idx="0">
-                  <a:schemeClr val="accent1"/>
-                </a:fillRef>
-                <a:effectRef idx="0">
-                  <a:schemeClr val="accent1"/>
-                </a:effectRef>
-                <a:fontRef idx="minor">
-                  <a:schemeClr val="tx1"/>
-                </a:fontRef>
-              </p:style>
-            </p:cxnSp>
-            <p:cxnSp>
-              <p:nvCxnSpPr>
-                <p:cNvPr id="43" name="Curved Connector 42"/>
-                <p:cNvCxnSpPr>
-                  <a:stCxn id="60" idx="3"/>
-                </p:cNvCxnSpPr>
-                <p:nvPr/>
-              </p:nvCxnSpPr>
-              <p:spPr>
-                <a:xfrm>
-                  <a:off x="6743700" y="1652270"/>
-                  <a:ext cx="527024" cy="82550"/>
-                </a:xfrm>
-                <a:prstGeom prst="curvedConnector3">
-                  <a:avLst>
-                    <a:gd name="adj1" fmla="val 50000"/>
-                  </a:avLst>
-                </a:prstGeom>
-                <a:ln w="9525">
-                  <a:solidFill>
-                    <a:schemeClr val="tx1"/>
-                  </a:solidFill>
-                  <a:headEnd type="triangle" w="med" len="med"/>
-                  <a:tailEnd type="triangle" w="med" len="med"/>
-                </a:ln>
-              </p:spPr>
-              <p:style>
-                <a:lnRef idx="1">
-                  <a:schemeClr val="accent1"/>
-                </a:lnRef>
-                <a:fillRef idx="0">
-                  <a:schemeClr val="accent1"/>
-                </a:fillRef>
-                <a:effectRef idx="0">
-                  <a:schemeClr val="accent1"/>
-                </a:effectRef>
-                <a:fontRef idx="minor">
-                  <a:schemeClr val="tx1"/>
-                </a:fontRef>
-              </p:style>
-            </p:cxnSp>
-            <p:grpSp>
-              <p:nvGrpSpPr>
-                <p:cNvPr id="44" name="Group 43"/>
-                <p:cNvGrpSpPr/>
-                <p:nvPr/>
-              </p:nvGrpSpPr>
-              <p:grpSpPr>
-                <a:xfrm>
-                  <a:off x="3771898" y="1887665"/>
-                  <a:ext cx="571502" cy="487677"/>
-                  <a:chOff x="3771898" y="1887665"/>
-                  <a:chExt cx="571502" cy="487677"/>
-                </a:xfrm>
-              </p:grpSpPr>
-              <p:sp>
-                <p:nvSpPr>
-                  <p:cNvPr id="84" name="Snip Same Side Corner Rectangle 83"/>
-                  <p:cNvSpPr/>
-                  <p:nvPr/>
-                </p:nvSpPr>
-                <p:spPr>
-                  <a:xfrm rot="5400000">
-                    <a:off x="3831590" y="1847850"/>
-                    <a:ext cx="452120" cy="571500"/>
-                  </a:xfrm>
-                  <a:prstGeom prst="snip2SameRect">
-                    <a:avLst>
-                      <a:gd name="adj1" fmla="val 32667"/>
-                      <a:gd name="adj2" fmla="val 0"/>
-                    </a:avLst>
-                  </a:prstGeom>
-                  <a:solidFill>
-                    <a:schemeClr val="accent1">
-                      <a:lumMod val="75000"/>
-                    </a:schemeClr>
-                  </a:solidFill>
-                </p:spPr>
-                <p:style>
-                  <a:lnRef idx="2">
-                    <a:schemeClr val="dk1"/>
-                  </a:lnRef>
-                  <a:fillRef idx="1">
-                    <a:schemeClr val="lt1"/>
-                  </a:fillRef>
-                  <a:effectRef idx="0">
-                    <a:schemeClr val="dk1"/>
-                  </a:effectRef>
-                  <a:fontRef idx="minor">
-                    <a:schemeClr val="dk1"/>
-                  </a:fontRef>
-                </p:style>
-                <p:txBody>
-                  <a:bodyPr rot="0" spcFirstLastPara="0" vert="horz" wrap="square" lIns="91440" tIns="45720" rIns="91440" bIns="45720" numCol="1" spcCol="0" rtlCol="0" fromWordArt="0" anchor="ctr" anchorCtr="0" forceAA="0" compatLnSpc="1">
-                    <a:prstTxWarp prst="textNoShape">
-                      <a:avLst/>
-                    </a:prstTxWarp>
-                    <a:noAutofit/>
-                  </a:bodyPr>
-                  <a:lstStyle/>
-                  <a:p>
-                    <a:endParaRPr lang="en-US"/>
-                  </a:p>
-                </p:txBody>
-              </p:sp>
-              <p:sp>
-                <p:nvSpPr>
-                  <p:cNvPr id="85" name="Text Box 49"/>
-                  <p:cNvSpPr txBox="1"/>
-                  <p:nvPr/>
-                </p:nvSpPr>
-                <p:spPr>
-                  <a:xfrm rot="5400000">
-                    <a:off x="3655584" y="2003979"/>
-                    <a:ext cx="487677" cy="255049"/>
-                  </a:xfrm>
-                  <a:prstGeom prst="rect">
-                    <a:avLst/>
-                  </a:prstGeom>
-                  <a:noFill/>
-                  <a:ln w="6350">
-                    <a:noFill/>
-                  </a:ln>
-                  <a:effectLst/>
-                </p:spPr>
-                <p:style>
-                  <a:lnRef idx="0">
-                    <a:schemeClr val="accent1"/>
-                  </a:lnRef>
-                  <a:fillRef idx="0">
-                    <a:schemeClr val="accent1"/>
-                  </a:fillRef>
-                  <a:effectRef idx="0">
-                    <a:schemeClr val="accent1"/>
-                  </a:effectRef>
-                  <a:fontRef idx="minor">
-                    <a:schemeClr val="dk1"/>
-                  </a:fontRef>
-                </p:style>
-                <p:txBody>
-                  <a:bodyPr rot="0" spcFirstLastPara="0" vert="horz" wrap="square" lIns="91440" tIns="45720" rIns="91440" bIns="45720" numCol="1" spcCol="0" rtlCol="0" fromWordArt="0" anchor="t" anchorCtr="0" forceAA="0" compatLnSpc="1">
-                    <a:prstTxWarp prst="textNoShape">
-                      <a:avLst/>
-                    </a:prstTxWarp>
-                    <a:noAutofit/>
-                  </a:bodyPr>
-                  <a:lstStyle/>
-                  <a:p>
-                    <a:pPr marL="0" marR="0">
-                      <a:lnSpc>
-                        <a:spcPct val="107000"/>
-                      </a:lnSpc>
-                      <a:spcBef>
-                        <a:spcPts val="0"/>
-                      </a:spcBef>
-                      <a:spcAft>
-                        <a:spcPts val="800"/>
-                      </a:spcAft>
-                    </a:pPr>
-                    <a:r>
-                      <a:rPr lang="en-US" sz="1100">
-                        <a:solidFill>
-                          <a:srgbClr val="FFFFFF"/>
-                        </a:solidFill>
-                        <a:effectLst/>
-                        <a:ea typeface="Calibri" panose="020F0502020204030204" pitchFamily="34" charset="0"/>
-                        <a:cs typeface="Times New Roman" panose="02020603050405020304" pitchFamily="18" charset="0"/>
-                      </a:rPr>
-                      <a:t>XBee</a:t>
-                    </a:r>
-                    <a:endParaRPr lang="en-US" sz="1100">
-                      <a:effectLst/>
-                      <a:ea typeface="Calibri" panose="020F0502020204030204" pitchFamily="34" charset="0"/>
-                      <a:cs typeface="Times New Roman" panose="02020603050405020304" pitchFamily="18" charset="0"/>
-                    </a:endParaRPr>
-                  </a:p>
-                </p:txBody>
-              </p:sp>
-            </p:grpSp>
-            <p:grpSp>
-              <p:nvGrpSpPr>
-                <p:cNvPr id="45" name="Group 44"/>
-                <p:cNvGrpSpPr/>
-                <p:nvPr/>
-              </p:nvGrpSpPr>
-              <p:grpSpPr>
-                <a:xfrm>
-                  <a:off x="4686300" y="1895917"/>
-                  <a:ext cx="572127" cy="487045"/>
-                  <a:chOff x="4686300" y="1895917"/>
-                  <a:chExt cx="572127" cy="487045"/>
-                </a:xfrm>
-              </p:grpSpPr>
-              <p:sp>
-                <p:nvSpPr>
-                  <p:cNvPr id="82" name="Snip Same Side Corner Rectangle 81"/>
-                  <p:cNvSpPr/>
-                  <p:nvPr/>
-                </p:nvSpPr>
-                <p:spPr>
-                  <a:xfrm rot="16200000">
-                    <a:off x="4745990" y="1852930"/>
-                    <a:ext cx="452120" cy="571500"/>
-                  </a:xfrm>
-                  <a:prstGeom prst="snip2SameRect">
-                    <a:avLst>
-                      <a:gd name="adj1" fmla="val 32667"/>
-                      <a:gd name="adj2" fmla="val 0"/>
-                    </a:avLst>
-                  </a:prstGeom>
-                  <a:solidFill>
-                    <a:schemeClr val="accent1">
-                      <a:lumMod val="75000"/>
-                    </a:schemeClr>
-                  </a:solidFill>
-                </p:spPr>
-                <p:style>
-                  <a:lnRef idx="2">
-                    <a:schemeClr val="dk1"/>
-                  </a:lnRef>
-                  <a:fillRef idx="1">
-                    <a:schemeClr val="lt1"/>
-                  </a:fillRef>
-                  <a:effectRef idx="0">
-                    <a:schemeClr val="dk1"/>
-                  </a:effectRef>
-                  <a:fontRef idx="minor">
-                    <a:schemeClr val="dk1"/>
-                  </a:fontRef>
-                </p:style>
-                <p:txBody>
-                  <a:bodyPr rot="0" spcFirstLastPara="0" vert="horz" wrap="square" lIns="91440" tIns="45720" rIns="91440" bIns="45720" numCol="1" spcCol="0" rtlCol="0" fromWordArt="0" anchor="ctr" anchorCtr="0" forceAA="0" compatLnSpc="1">
-                    <a:prstTxWarp prst="textNoShape">
-                      <a:avLst/>
-                    </a:prstTxWarp>
-                    <a:noAutofit/>
-                  </a:bodyPr>
-                  <a:lstStyle/>
-                  <a:p>
-                    <a:endParaRPr lang="en-US"/>
-                  </a:p>
-                </p:txBody>
-              </p:sp>
-              <p:sp>
-                <p:nvSpPr>
-                  <p:cNvPr id="83" name="Text Box 77"/>
-                  <p:cNvSpPr txBox="1"/>
-                  <p:nvPr/>
-                </p:nvSpPr>
-                <p:spPr>
-                  <a:xfrm rot="16200000">
-                    <a:off x="4887587" y="2012122"/>
-                    <a:ext cx="487045" cy="254635"/>
-                  </a:xfrm>
-                  <a:prstGeom prst="rect">
-                    <a:avLst/>
-                  </a:prstGeom>
-                  <a:noFill/>
-                  <a:ln w="6350">
-                    <a:noFill/>
-                  </a:ln>
-                  <a:effectLst/>
-                </p:spPr>
-                <p:style>
-                  <a:lnRef idx="0">
-                    <a:schemeClr val="accent1"/>
-                  </a:lnRef>
-                  <a:fillRef idx="0">
-                    <a:schemeClr val="accent1"/>
-                  </a:fillRef>
-                  <a:effectRef idx="0">
-                    <a:schemeClr val="accent1"/>
-                  </a:effectRef>
-                  <a:fontRef idx="minor">
-                    <a:schemeClr val="dk1"/>
-                  </a:fontRef>
-                </p:style>
-                <p:txBody>
-                  <a:bodyPr rot="0" spcFirstLastPara="0" vert="horz" wrap="square" lIns="91440" tIns="45720" rIns="91440" bIns="45720" numCol="1" spcCol="0" rtlCol="0" fromWordArt="0" anchor="t" anchorCtr="0" forceAA="0" compatLnSpc="1">
-                    <a:prstTxWarp prst="textNoShape">
-                      <a:avLst/>
-                    </a:prstTxWarp>
-                    <a:noAutofit/>
-                  </a:bodyPr>
-                  <a:lstStyle/>
-                  <a:p>
-                    <a:pPr marL="0" marR="0">
-                      <a:lnSpc>
-                        <a:spcPct val="106000"/>
-                      </a:lnSpc>
-                      <a:spcBef>
-                        <a:spcPts val="0"/>
-                      </a:spcBef>
-                      <a:spcAft>
-                        <a:spcPts val="800"/>
-                      </a:spcAft>
-                    </a:pPr>
-                    <a:r>
-                      <a:rPr lang="en-US" sz="1100">
-                        <a:solidFill>
-                          <a:srgbClr val="FFFFFF"/>
-                        </a:solidFill>
-                        <a:effectLst/>
-                        <a:ea typeface="Calibri" panose="020F0502020204030204" pitchFamily="34" charset="0"/>
-                      </a:rPr>
-                      <a:t>XBee</a:t>
-                    </a:r>
-                    <a:endParaRPr lang="en-US" sz="1200">
-                      <a:effectLst/>
-                      <a:latin typeface="Times New Roman" panose="02020603050405020304" pitchFamily="18" charset="0"/>
-                      <a:ea typeface="Times New Roman" panose="02020603050405020304" pitchFamily="18" charset="0"/>
-                    </a:endParaRPr>
-                  </a:p>
-                </p:txBody>
-              </p:sp>
-            </p:grpSp>
-            <p:grpSp>
-              <p:nvGrpSpPr>
-                <p:cNvPr id="46" name="Group 45"/>
-                <p:cNvGrpSpPr/>
-                <p:nvPr/>
-              </p:nvGrpSpPr>
-              <p:grpSpPr>
-                <a:xfrm>
-                  <a:off x="5715000" y="909320"/>
-                  <a:ext cx="1028700" cy="1485900"/>
-                  <a:chOff x="5715000" y="909320"/>
-                  <a:chExt cx="1028700" cy="1485900"/>
-                </a:xfrm>
-              </p:grpSpPr>
-              <p:grpSp>
-                <p:nvGrpSpPr>
-                  <p:cNvPr id="76" name="Group 75"/>
-                  <p:cNvGrpSpPr/>
-                  <p:nvPr/>
-                </p:nvGrpSpPr>
-                <p:grpSpPr>
-                  <a:xfrm>
-                    <a:off x="5715000" y="909320"/>
-                    <a:ext cx="1028700" cy="1485900"/>
-                    <a:chOff x="5715000" y="909320"/>
-                    <a:chExt cx="1028700" cy="1485900"/>
-                  </a:xfrm>
-                </p:grpSpPr>
-                <p:sp>
-                  <p:nvSpPr>
-                    <p:cNvPr id="78" name="Rectangle 77"/>
-                    <p:cNvSpPr/>
-                    <p:nvPr/>
-                  </p:nvSpPr>
-                  <p:spPr>
-                    <a:xfrm>
-                      <a:off x="5715000" y="909320"/>
-                      <a:ext cx="1028700" cy="1485900"/>
-                    </a:xfrm>
-                    <a:prstGeom prst="rect">
-                      <a:avLst/>
-                    </a:prstGeom>
-                    <a:solidFill>
-                      <a:schemeClr val="accent1">
-                        <a:lumMod val="75000"/>
-                      </a:schemeClr>
-                    </a:solidFill>
-                  </p:spPr>
-                  <p:style>
-                    <a:lnRef idx="2">
-                      <a:schemeClr val="dk1"/>
-                    </a:lnRef>
-                    <a:fillRef idx="1">
-                      <a:schemeClr val="lt1"/>
-                    </a:fillRef>
-                    <a:effectRef idx="0">
-                      <a:schemeClr val="dk1"/>
-                    </a:effectRef>
-                    <a:fontRef idx="minor">
-                      <a:schemeClr val="dk1"/>
-                    </a:fontRef>
-                  </p:style>
-                  <p:txBody>
-                    <a:bodyPr rot="0" spcFirstLastPara="0" vert="horz" wrap="square" lIns="91440" tIns="45720" rIns="91440" bIns="45720" numCol="1" spcCol="0" rtlCol="0" fromWordArt="0" anchor="ctr" anchorCtr="0" forceAA="0" compatLnSpc="1">
-                      <a:prstTxWarp prst="textNoShape">
-                        <a:avLst/>
-                      </a:prstTxWarp>
-                      <a:noAutofit/>
-                    </a:bodyPr>
-                    <a:lstStyle/>
-                    <a:p>
-                      <a:endParaRPr lang="en-US"/>
-                    </a:p>
-                  </p:txBody>
-                </p:sp>
-                <p:sp>
-                  <p:nvSpPr>
-                    <p:cNvPr id="79" name="Rectangle 78"/>
-                    <p:cNvSpPr/>
-                    <p:nvPr/>
-                  </p:nvSpPr>
-                  <p:spPr>
-                    <a:xfrm>
-                      <a:off x="5787453" y="962834"/>
-                      <a:ext cx="54864" cy="1188720"/>
-                    </a:xfrm>
-                    <a:prstGeom prst="rect">
-                      <a:avLst/>
-                    </a:prstGeom>
-                  </p:spPr>
-                  <p:style>
-                    <a:lnRef idx="2">
-                      <a:schemeClr val="dk1">
-                        <a:shade val="50000"/>
-                      </a:schemeClr>
-                    </a:lnRef>
-                    <a:fillRef idx="1">
-                      <a:schemeClr val="dk1"/>
-                    </a:fillRef>
-                    <a:effectRef idx="0">
-                      <a:schemeClr val="dk1"/>
-                    </a:effectRef>
-                    <a:fontRef idx="minor">
-                      <a:schemeClr val="lt1"/>
-                    </a:fontRef>
-                  </p:style>
-                  <p:txBody>
-                    <a:bodyPr rot="0" spcFirstLastPara="0" vert="horz" wrap="square" lIns="91440" tIns="45720" rIns="91440" bIns="45720" numCol="1" spcCol="0" rtlCol="0" fromWordArt="0" anchor="ctr" anchorCtr="0" forceAA="0" compatLnSpc="1">
-                      <a:prstTxWarp prst="textNoShape">
-                        <a:avLst/>
-                      </a:prstTxWarp>
-                      <a:noAutofit/>
-                    </a:bodyPr>
-                    <a:lstStyle/>
-                    <a:p>
-                      <a:endParaRPr lang="en-US"/>
-                    </a:p>
-                  </p:txBody>
-                </p:sp>
-                <p:sp>
-                  <p:nvSpPr>
-                    <p:cNvPr id="80" name="Rectangle 79"/>
-                    <p:cNvSpPr/>
-                    <p:nvPr/>
-                  </p:nvSpPr>
-                  <p:spPr>
-                    <a:xfrm>
-                      <a:off x="6583009" y="962578"/>
-                      <a:ext cx="54864" cy="1188720"/>
-                    </a:xfrm>
-                    <a:prstGeom prst="rect">
-                      <a:avLst/>
-                    </a:prstGeom>
-                  </p:spPr>
-                  <p:style>
-                    <a:lnRef idx="2">
-                      <a:schemeClr val="dk1">
-                        <a:shade val="50000"/>
-                      </a:schemeClr>
-                    </a:lnRef>
-                    <a:fillRef idx="1">
-                      <a:schemeClr val="dk1"/>
-                    </a:fillRef>
-                    <a:effectRef idx="0">
-                      <a:schemeClr val="dk1"/>
-                    </a:effectRef>
-                    <a:fontRef idx="minor">
-                      <a:schemeClr val="lt1"/>
-                    </a:fontRef>
-                  </p:style>
-                  <p:txBody>
-                    <a:bodyPr rot="0" spcFirstLastPara="0" vert="horz" wrap="square" lIns="91440" tIns="45720" rIns="91440" bIns="45720" numCol="1" spcCol="0" rtlCol="0" fromWordArt="0" anchor="ctr" anchorCtr="0" forceAA="0" compatLnSpc="1">
-                      <a:prstTxWarp prst="textNoShape">
-                        <a:avLst/>
-                      </a:prstTxWarp>
-                      <a:noAutofit/>
-                    </a:bodyPr>
-                    <a:lstStyle/>
-                    <a:p>
-                      <a:endParaRPr lang="en-US"/>
-                    </a:p>
-                  </p:txBody>
-                </p:sp>
-                <p:sp>
-                  <p:nvSpPr>
-                    <p:cNvPr id="81" name="Rectangle 80"/>
-                    <p:cNvSpPr/>
-                    <p:nvPr/>
-                  </p:nvSpPr>
-                  <p:spPr>
-                    <a:xfrm>
-                      <a:off x="5787453" y="2231219"/>
-                      <a:ext cx="850420" cy="109728"/>
-                    </a:xfrm>
-                    <a:prstGeom prst="rect">
-                      <a:avLst/>
-                    </a:prstGeom>
-                  </p:spPr>
-                  <p:style>
-                    <a:lnRef idx="2">
-                      <a:schemeClr val="dk1">
-                        <a:shade val="50000"/>
-                      </a:schemeClr>
-                    </a:lnRef>
-                    <a:fillRef idx="1">
-                      <a:schemeClr val="dk1"/>
-                    </a:fillRef>
-                    <a:effectRef idx="0">
-                      <a:schemeClr val="dk1"/>
-                    </a:effectRef>
-                    <a:fontRef idx="minor">
-                      <a:schemeClr val="lt1"/>
-                    </a:fontRef>
-                  </p:style>
-                  <p:txBody>
-                    <a:bodyPr rot="0" spcFirstLastPara="0" vert="horz" wrap="square" lIns="91440" tIns="45720" rIns="91440" bIns="45720" numCol="1" spcCol="0" rtlCol="0" fromWordArt="0" anchor="ctr" anchorCtr="0" forceAA="0" compatLnSpc="1">
-                      <a:prstTxWarp prst="textNoShape">
-                        <a:avLst/>
-                      </a:prstTxWarp>
-                      <a:noAutofit/>
-                    </a:bodyPr>
-                    <a:lstStyle/>
-                    <a:p>
-                      <a:endParaRPr lang="en-US"/>
-                    </a:p>
-                  </p:txBody>
-                </p:sp>
-              </p:grpSp>
-              <p:sp>
-                <p:nvSpPr>
-                  <p:cNvPr id="77" name="Text Box 77"/>
-                  <p:cNvSpPr txBox="1"/>
-                  <p:nvPr/>
-                </p:nvSpPr>
-                <p:spPr>
-                  <a:xfrm rot="5400000">
-                    <a:off x="5266247" y="1386601"/>
-                    <a:ext cx="1339817" cy="442312"/>
-                  </a:xfrm>
-                  <a:prstGeom prst="rect">
-                    <a:avLst/>
-                  </a:prstGeom>
-                  <a:noFill/>
-                  <a:ln w="6350">
-                    <a:noFill/>
-                  </a:ln>
-                  <a:effectLst/>
-                </p:spPr>
-                <p:style>
-                  <a:lnRef idx="0">
-                    <a:schemeClr val="accent1"/>
-                  </a:lnRef>
-                  <a:fillRef idx="0">
-                    <a:schemeClr val="accent1"/>
-                  </a:fillRef>
-                  <a:effectRef idx="0">
-                    <a:schemeClr val="accent1"/>
-                  </a:effectRef>
-                  <a:fontRef idx="minor">
-                    <a:schemeClr val="dk1"/>
-                  </a:fontRef>
-                </p:style>
-                <p:txBody>
-                  <a:bodyPr rot="0" spcFirstLastPara="0" vert="horz" wrap="square" lIns="91440" tIns="45720" rIns="91440" bIns="45720" numCol="1" spcCol="0" rtlCol="0" fromWordArt="0" anchor="t" anchorCtr="0" forceAA="0" compatLnSpc="1">
-                    <a:prstTxWarp prst="textNoShape">
-                      <a:avLst/>
-                    </a:prstTxWarp>
-                    <a:noAutofit/>
-                  </a:bodyPr>
-                  <a:lstStyle/>
-                  <a:p>
-                    <a:pPr marL="0" marR="0">
-                      <a:lnSpc>
-                        <a:spcPct val="106000"/>
-                      </a:lnSpc>
-                      <a:spcBef>
-                        <a:spcPts val="0"/>
-                      </a:spcBef>
-                      <a:spcAft>
-                        <a:spcPts val="800"/>
-                      </a:spcAft>
-                    </a:pPr>
-                    <a:r>
-                      <a:rPr lang="en-US" sz="1100" dirty="0">
-                        <a:solidFill>
-                          <a:srgbClr val="FFFFFF"/>
-                        </a:solidFill>
-                        <a:effectLst/>
-                        <a:ea typeface="Calibri" panose="020F0502020204030204" pitchFamily="34" charset="0"/>
-                      </a:rPr>
-                      <a:t>Arduino Mega 2560</a:t>
-                    </a:r>
-                    <a:endParaRPr lang="en-US" sz="1200" dirty="0">
-                      <a:effectLst/>
-                      <a:latin typeface="Times New Roman" panose="02020603050405020304" pitchFamily="18" charset="0"/>
-                      <a:ea typeface="Times New Roman" panose="02020603050405020304" pitchFamily="18" charset="0"/>
-                    </a:endParaRPr>
-                  </a:p>
-                </p:txBody>
-              </p:sp>
-            </p:grpSp>
-            <p:grpSp>
-              <p:nvGrpSpPr>
-                <p:cNvPr id="47" name="Group 46"/>
-                <p:cNvGrpSpPr/>
-                <p:nvPr/>
-              </p:nvGrpSpPr>
-              <p:grpSpPr>
-                <a:xfrm>
-                  <a:off x="2057400" y="1174721"/>
-                  <a:ext cx="1371600" cy="1220499"/>
-                  <a:chOff x="2057400" y="1174721"/>
-                  <a:chExt cx="1371600" cy="1220499"/>
-                </a:xfrm>
-              </p:grpSpPr>
-              <p:grpSp>
-                <p:nvGrpSpPr>
-                  <p:cNvPr id="69" name="Group 68"/>
-                  <p:cNvGrpSpPr/>
-                  <p:nvPr/>
-                </p:nvGrpSpPr>
-                <p:grpSpPr>
-                  <a:xfrm>
-                    <a:off x="2057400" y="1174721"/>
-                    <a:ext cx="1371600" cy="1220499"/>
-                    <a:chOff x="2057400" y="1174721"/>
-                    <a:chExt cx="1371600" cy="1220499"/>
-                  </a:xfrm>
-                </p:grpSpPr>
-                <p:grpSp>
-                  <p:nvGrpSpPr>
-                    <p:cNvPr id="71" name="Group 70"/>
-                    <p:cNvGrpSpPr/>
-                    <p:nvPr/>
-                  </p:nvGrpSpPr>
-                  <p:grpSpPr>
-                    <a:xfrm>
-                      <a:off x="2057400" y="1174721"/>
-                      <a:ext cx="1371600" cy="1220499"/>
-                      <a:chOff x="2743200" y="1028700"/>
-                      <a:chExt cx="1371600" cy="1220499"/>
-                    </a:xfrm>
-                  </p:grpSpPr>
-                  <p:sp>
-                    <p:nvSpPr>
-                      <p:cNvPr id="73" name="Rounded Rectangle 72"/>
-                      <p:cNvSpPr/>
-                      <p:nvPr/>
-                    </p:nvSpPr>
-                    <p:spPr>
-                      <a:xfrm>
-                        <a:off x="2743200" y="2134899"/>
-                        <a:ext cx="1371600" cy="114300"/>
-                      </a:xfrm>
-                      <a:prstGeom prst="roundRect">
-                        <a:avLst/>
-                      </a:prstGeom>
-                      <a:solidFill>
-                        <a:schemeClr val="tx1">
-                          <a:lumMod val="85000"/>
-                          <a:lumOff val="15000"/>
-                        </a:schemeClr>
-                      </a:solidFill>
-                    </p:spPr>
-                    <p:style>
-                      <a:lnRef idx="2">
-                        <a:schemeClr val="dk1"/>
-                      </a:lnRef>
-                      <a:fillRef idx="1">
-                        <a:schemeClr val="lt1"/>
-                      </a:fillRef>
-                      <a:effectRef idx="0">
-                        <a:schemeClr val="dk1"/>
-                      </a:effectRef>
-                      <a:fontRef idx="minor">
-                        <a:schemeClr val="dk1"/>
-                      </a:fontRef>
-                    </p:style>
-                    <p:txBody>
-                      <a:bodyPr rot="0" spcFirstLastPara="0" vert="horz" wrap="square" lIns="91440" tIns="45720" rIns="91440" bIns="45720" numCol="1" spcCol="0" rtlCol="0" fromWordArt="0" anchor="ctr" anchorCtr="0" forceAA="0" compatLnSpc="1">
-                        <a:prstTxWarp prst="textNoShape">
-                          <a:avLst/>
-                        </a:prstTxWarp>
-                        <a:noAutofit/>
-                      </a:bodyPr>
-                      <a:lstStyle/>
-                      <a:p>
-                        <a:endParaRPr lang="en-US"/>
-                      </a:p>
-                    </p:txBody>
-                  </p:sp>
-                  <p:sp>
-                    <p:nvSpPr>
-                      <p:cNvPr id="74" name="Rounded Rectangle 73"/>
-                      <p:cNvSpPr/>
-                      <p:nvPr/>
-                    </p:nvSpPr>
-                    <p:spPr>
-                      <a:xfrm>
-                        <a:off x="2743200" y="1028700"/>
-                        <a:ext cx="1371600" cy="800100"/>
-                      </a:xfrm>
-                      <a:prstGeom prst="roundRect">
-                        <a:avLst>
-                          <a:gd name="adj" fmla="val 3036"/>
-                        </a:avLst>
-                      </a:prstGeom>
-                      <a:solidFill>
-                        <a:schemeClr val="tx1">
-                          <a:lumMod val="85000"/>
-                          <a:lumOff val="15000"/>
-                        </a:schemeClr>
-                      </a:solidFill>
-                    </p:spPr>
-                    <p:style>
-                      <a:lnRef idx="2">
-                        <a:schemeClr val="dk1"/>
-                      </a:lnRef>
-                      <a:fillRef idx="1">
-                        <a:schemeClr val="lt1"/>
-                      </a:fillRef>
-                      <a:effectRef idx="0">
-                        <a:schemeClr val="dk1"/>
-                      </a:effectRef>
-                      <a:fontRef idx="minor">
-                        <a:schemeClr val="dk1"/>
-                      </a:fontRef>
-                    </p:style>
-                    <p:txBody>
-                      <a:bodyPr rot="0" spcFirstLastPara="0" vert="horz" wrap="square" lIns="91440" tIns="45720" rIns="91440" bIns="45720" numCol="1" spcCol="0" rtlCol="0" fromWordArt="0" anchor="ctr" anchorCtr="0" forceAA="0" compatLnSpc="1">
-                        <a:prstTxWarp prst="textNoShape">
-                          <a:avLst/>
-                        </a:prstTxWarp>
-                        <a:noAutofit/>
-                      </a:bodyPr>
-                      <a:lstStyle/>
-                      <a:p>
-                        <a:endParaRPr lang="en-US"/>
-                      </a:p>
-                    </p:txBody>
-                  </p:sp>
-                  <p:sp>
-                    <p:nvSpPr>
-                      <p:cNvPr id="75" name="Rounded Rectangle 74"/>
-                      <p:cNvSpPr/>
-                      <p:nvPr/>
-                    </p:nvSpPr>
-                    <p:spPr>
-                      <a:xfrm>
-                        <a:off x="2743200" y="1820334"/>
-                        <a:ext cx="1371600" cy="332318"/>
-                      </a:xfrm>
-                      <a:prstGeom prst="roundRect">
-                        <a:avLst>
-                          <a:gd name="adj" fmla="val 0"/>
-                        </a:avLst>
-                      </a:prstGeom>
-                      <a:solidFill>
-                        <a:schemeClr val="tx1">
-                          <a:lumMod val="65000"/>
-                          <a:lumOff val="35000"/>
-                        </a:schemeClr>
-                      </a:solidFill>
-                    </p:spPr>
-                    <p:style>
-                      <a:lnRef idx="2">
-                        <a:schemeClr val="dk1"/>
-                      </a:lnRef>
-                      <a:fillRef idx="1">
-                        <a:schemeClr val="lt1"/>
-                      </a:fillRef>
-                      <a:effectRef idx="0">
-                        <a:schemeClr val="dk1"/>
-                      </a:effectRef>
-                      <a:fontRef idx="minor">
-                        <a:schemeClr val="dk1"/>
-                      </a:fontRef>
-                    </p:style>
-                    <p:txBody>
-                      <a:bodyPr rot="0" spcFirstLastPara="0" vert="horz" wrap="square" lIns="91440" tIns="45720" rIns="91440" bIns="45720" numCol="1" spcCol="0" rtlCol="0" fromWordArt="0" anchor="ctr" anchorCtr="0" forceAA="0" compatLnSpc="1">
-                        <a:prstTxWarp prst="textNoShape">
-                          <a:avLst/>
-                        </a:prstTxWarp>
-                        <a:noAutofit/>
-                      </a:bodyPr>
-                      <a:lstStyle/>
-                      <a:p>
-                        <a:endParaRPr lang="en-US"/>
-                      </a:p>
-                    </p:txBody>
-                  </p:sp>
-                </p:grpSp>
-                <p:sp>
-                  <p:nvSpPr>
-                    <p:cNvPr id="72" name="Rounded Rectangle 71"/>
-                    <p:cNvSpPr/>
-                    <p:nvPr/>
-                  </p:nvSpPr>
-                  <p:spPr>
-                    <a:xfrm>
-                      <a:off x="2097146" y="1218425"/>
-                      <a:ext cx="1292109" cy="702591"/>
-                    </a:xfrm>
-                    <a:prstGeom prst="roundRect">
-                      <a:avLst>
-                        <a:gd name="adj" fmla="val 1930"/>
-                      </a:avLst>
-                    </a:prstGeom>
-                    <a:solidFill>
-                      <a:schemeClr val="bg1"/>
-                    </a:solidFill>
-                    <a:ln>
-                      <a:solidFill>
-                        <a:schemeClr val="tx1"/>
-                      </a:solidFill>
-                    </a:ln>
-                  </p:spPr>
-                  <p:style>
-                    <a:lnRef idx="2">
-                      <a:schemeClr val="accent1">
-                        <a:shade val="50000"/>
-                      </a:schemeClr>
-                    </a:lnRef>
-                    <a:fillRef idx="1">
-                      <a:schemeClr val="accent1"/>
-                    </a:fillRef>
-                    <a:effectRef idx="0">
-                      <a:schemeClr val="accent1"/>
-                    </a:effectRef>
-                    <a:fontRef idx="minor">
-                      <a:schemeClr val="lt1"/>
-                    </a:fontRef>
-                  </p:style>
-                  <p:txBody>
-                    <a:bodyPr rot="0" spcFirstLastPara="0" vert="horz" wrap="square" lIns="91440" tIns="45720" rIns="91440" bIns="45720" numCol="1" spcCol="0" rtlCol="0" fromWordArt="0" anchor="ctr" anchorCtr="0" forceAA="0" compatLnSpc="1">
-                      <a:prstTxWarp prst="textNoShape">
-                        <a:avLst/>
-                      </a:prstTxWarp>
-                      <a:noAutofit/>
-                    </a:bodyPr>
-                    <a:lstStyle/>
-                    <a:p>
-                      <a:endParaRPr lang="en-US"/>
-                    </a:p>
-                  </p:txBody>
-                </p:sp>
-              </p:grpSp>
-              <p:pic>
-                <p:nvPicPr>
-                  <p:cNvPr id="70" name="Picture 69"/>
-                  <p:cNvPicPr>
-                    <a:picLocks noChangeAspect="1"/>
-                  </p:cNvPicPr>
-                  <p:nvPr/>
-                </p:nvPicPr>
-                <p:blipFill rotWithShape="1">
-                  <a:blip r:embed="rId10"/>
-                  <a:srcRect l="16517" t="5696" r="17632" b="12101"/>
-                  <a:stretch/>
-                </p:blipFill>
-                <p:spPr>
-                  <a:xfrm>
-                    <a:off x="2198813" y="1235967"/>
-                    <a:ext cx="1078837" cy="673361"/>
-                  </a:xfrm>
-                  <a:prstGeom prst="rect">
-                    <a:avLst/>
-                  </a:prstGeom>
-                </p:spPr>
-              </p:pic>
-            </p:grpSp>
-            <p:grpSp>
-              <p:nvGrpSpPr>
-                <p:cNvPr id="48" name="Group 47"/>
-                <p:cNvGrpSpPr/>
-                <p:nvPr/>
-              </p:nvGrpSpPr>
-              <p:grpSpPr>
-                <a:xfrm>
-                  <a:off x="114300" y="1595120"/>
-                  <a:ext cx="1714500" cy="800100"/>
-                  <a:chOff x="114300" y="1595120"/>
-                  <a:chExt cx="1714500" cy="800100"/>
-                </a:xfrm>
-              </p:grpSpPr>
-              <p:grpSp>
-                <p:nvGrpSpPr>
-                  <p:cNvPr id="49" name="Group 48"/>
-                  <p:cNvGrpSpPr/>
-                  <p:nvPr/>
-                </p:nvGrpSpPr>
-                <p:grpSpPr>
-                  <a:xfrm>
-                    <a:off x="114300" y="1595120"/>
-                    <a:ext cx="1714500" cy="800100"/>
-                    <a:chOff x="114300" y="1595120"/>
-                    <a:chExt cx="1714500" cy="800100"/>
-                  </a:xfrm>
-                </p:grpSpPr>
-                <p:grpSp>
-                  <p:nvGrpSpPr>
-                    <p:cNvPr id="52" name="Group 51"/>
-                    <p:cNvGrpSpPr/>
-                    <p:nvPr/>
-                  </p:nvGrpSpPr>
-                  <p:grpSpPr>
-                    <a:xfrm>
-                      <a:off x="114300" y="1595120"/>
-                      <a:ext cx="1714500" cy="800100"/>
-                      <a:chOff x="114300" y="1595120"/>
-                      <a:chExt cx="1714500" cy="800100"/>
-                    </a:xfrm>
-                  </p:grpSpPr>
-                  <p:grpSp>
-                    <p:nvGrpSpPr>
-                      <p:cNvPr id="55" name="Group 54"/>
-                      <p:cNvGrpSpPr/>
-                      <p:nvPr/>
-                    </p:nvGrpSpPr>
-                    <p:grpSpPr>
-                      <a:xfrm>
-                        <a:off x="114300" y="1595120"/>
-                        <a:ext cx="1714500" cy="800100"/>
-                        <a:chOff x="114300" y="1595120"/>
-                        <a:chExt cx="1714500" cy="800100"/>
-                      </a:xfrm>
-                    </p:grpSpPr>
-                    <p:grpSp>
-                      <p:nvGrpSpPr>
-                        <p:cNvPr id="61" name="Group 60"/>
-                        <p:cNvGrpSpPr/>
-                        <p:nvPr/>
-                      </p:nvGrpSpPr>
-                      <p:grpSpPr>
-                        <a:xfrm>
-                          <a:off x="114300" y="1595120"/>
-                          <a:ext cx="1714500" cy="800100"/>
-                          <a:chOff x="457200" y="1600200"/>
-                          <a:chExt cx="1714500" cy="800100"/>
-                        </a:xfrm>
-                        <a:solidFill>
-                          <a:schemeClr val="bg1">
-                            <a:lumMod val="85000"/>
-                          </a:schemeClr>
-                        </a:solidFill>
-                      </p:grpSpPr>
-                      <p:sp>
-                        <p:nvSpPr>
-                          <p:cNvPr id="65" name="Rounded Rectangle 64"/>
-                          <p:cNvSpPr/>
-                          <p:nvPr/>
-                        </p:nvSpPr>
-                        <p:spPr>
-                          <a:xfrm>
-                            <a:off x="457200" y="1600200"/>
-                            <a:ext cx="1714500" cy="571500"/>
-                          </a:xfrm>
-                          <a:prstGeom prst="roundRect">
-                            <a:avLst/>
-                          </a:prstGeom>
-                          <a:grpFill/>
-                        </p:spPr>
-                        <p:style>
-                          <a:lnRef idx="2">
-                            <a:schemeClr val="dk1"/>
-                          </a:lnRef>
-                          <a:fillRef idx="1">
-                            <a:schemeClr val="lt1"/>
-                          </a:fillRef>
-                          <a:effectRef idx="0">
-                            <a:schemeClr val="dk1"/>
-                          </a:effectRef>
-                          <a:fontRef idx="minor">
-                            <a:schemeClr val="dk1"/>
-                          </a:fontRef>
-                        </p:style>
-                        <p:txBody>
-                          <a:bodyPr rot="0" spcFirstLastPara="0" vert="horz" wrap="square" lIns="91440" tIns="45720" rIns="91440" bIns="45720" numCol="1" spcCol="0" rtlCol="0" fromWordArt="0" anchor="ctr" anchorCtr="0" forceAA="0" compatLnSpc="1">
-                            <a:prstTxWarp prst="textNoShape">
-                              <a:avLst/>
-                            </a:prstTxWarp>
-                            <a:noAutofit/>
-                          </a:bodyPr>
-                          <a:lstStyle/>
-                          <a:p>
-                            <a:endParaRPr lang="en-US"/>
-                          </a:p>
-                        </p:txBody>
-                      </p:sp>
-                      <p:sp>
-                        <p:nvSpPr>
-                          <p:cNvPr id="66" name="Oval 65"/>
-                          <p:cNvSpPr/>
-                          <p:nvPr/>
-                        </p:nvSpPr>
-                        <p:spPr>
-                          <a:xfrm>
-                            <a:off x="457200" y="1714500"/>
-                            <a:ext cx="685800" cy="685800"/>
-                          </a:xfrm>
-                          <a:prstGeom prst="ellipse">
-                            <a:avLst/>
-                          </a:prstGeom>
-                          <a:grpFill/>
-                        </p:spPr>
-                        <p:style>
-                          <a:lnRef idx="2">
-                            <a:schemeClr val="dk1"/>
-                          </a:lnRef>
-                          <a:fillRef idx="1">
-                            <a:schemeClr val="lt1"/>
-                          </a:fillRef>
-                          <a:effectRef idx="0">
-                            <a:schemeClr val="dk1"/>
-                          </a:effectRef>
-                          <a:fontRef idx="minor">
-                            <a:schemeClr val="dk1"/>
-                          </a:fontRef>
-                        </p:style>
-                        <p:txBody>
-                          <a:bodyPr rot="0" spcFirstLastPara="0" vert="horz" wrap="square" lIns="91440" tIns="45720" rIns="91440" bIns="45720" numCol="1" spcCol="0" rtlCol="0" fromWordArt="0" anchor="ctr" anchorCtr="0" forceAA="0" compatLnSpc="1">
-                            <a:prstTxWarp prst="textNoShape">
-                              <a:avLst/>
-                            </a:prstTxWarp>
-                            <a:noAutofit/>
-                          </a:bodyPr>
-                          <a:lstStyle/>
-                          <a:p>
-                            <a:endParaRPr lang="en-US"/>
-                          </a:p>
-                        </p:txBody>
-                      </p:sp>
-                      <p:sp>
-                        <p:nvSpPr>
-                          <p:cNvPr id="67" name="Oval 66"/>
-                          <p:cNvSpPr/>
-                          <p:nvPr/>
-                        </p:nvSpPr>
-                        <p:spPr>
-                          <a:xfrm>
-                            <a:off x="1485900" y="1714500"/>
-                            <a:ext cx="685800" cy="685800"/>
-                          </a:xfrm>
-                          <a:prstGeom prst="ellipse">
-                            <a:avLst/>
-                          </a:prstGeom>
-                          <a:grpFill/>
-                        </p:spPr>
-                        <p:style>
-                          <a:lnRef idx="2">
-                            <a:schemeClr val="dk1"/>
-                          </a:lnRef>
-                          <a:fillRef idx="1">
-                            <a:schemeClr val="lt1"/>
-                          </a:fillRef>
-                          <a:effectRef idx="0">
-                            <a:schemeClr val="dk1"/>
-                          </a:effectRef>
-                          <a:fontRef idx="minor">
-                            <a:schemeClr val="dk1"/>
-                          </a:fontRef>
-                        </p:style>
-                        <p:txBody>
-                          <a:bodyPr rot="0" spcFirstLastPara="0" vert="horz" wrap="square" lIns="91440" tIns="45720" rIns="91440" bIns="45720" numCol="1" spcCol="0" rtlCol="0" fromWordArt="0" anchor="ctr" anchorCtr="0" forceAA="0" compatLnSpc="1">
-                            <a:prstTxWarp prst="textNoShape">
-                              <a:avLst/>
-                            </a:prstTxWarp>
-                            <a:noAutofit/>
-                          </a:bodyPr>
-                          <a:lstStyle/>
-                          <a:p>
-                            <a:endParaRPr lang="en-US"/>
-                          </a:p>
-                        </p:txBody>
-                      </p:sp>
-                      <p:sp>
-                        <p:nvSpPr>
-                          <p:cNvPr id="68" name="Rounded Rectangle 67"/>
-                          <p:cNvSpPr/>
-                          <p:nvPr/>
-                        </p:nvSpPr>
-                        <p:spPr>
-                          <a:xfrm>
-                            <a:off x="460964" y="1622778"/>
-                            <a:ext cx="1705991" cy="535517"/>
-                          </a:xfrm>
-                          <a:prstGeom prst="roundRect">
-                            <a:avLst/>
-                          </a:prstGeom>
-                          <a:grpFill/>
-                          <a:ln>
-                            <a:noFill/>
-                          </a:ln>
-                        </p:spPr>
-                        <p:style>
-                          <a:lnRef idx="2">
-                            <a:schemeClr val="dk1"/>
-                          </a:lnRef>
-                          <a:fillRef idx="1">
-                            <a:schemeClr val="lt1"/>
-                          </a:fillRef>
-                          <a:effectRef idx="0">
-                            <a:schemeClr val="dk1"/>
-                          </a:effectRef>
-                          <a:fontRef idx="minor">
-                            <a:schemeClr val="dk1"/>
-                          </a:fontRef>
-                        </p:style>
-                        <p:txBody>
-                          <a:bodyPr rot="0" spcFirstLastPara="0" vert="horz" wrap="square" lIns="91440" tIns="45720" rIns="91440" bIns="45720" numCol="1" spcCol="0" rtlCol="0" fromWordArt="0" anchor="ctr" anchorCtr="0" forceAA="0" compatLnSpc="1">
-                            <a:prstTxWarp prst="textNoShape">
-                              <a:avLst/>
-                            </a:prstTxWarp>
-                            <a:noAutofit/>
-                          </a:bodyPr>
-                          <a:lstStyle/>
-                          <a:p>
-                            <a:endParaRPr lang="en-US"/>
-                          </a:p>
-                        </p:txBody>
-                      </p:sp>
-                    </p:grpSp>
-                    <p:grpSp>
-                      <p:nvGrpSpPr>
-                        <p:cNvPr id="62" name="Group 61"/>
-                        <p:cNvGrpSpPr/>
-                        <p:nvPr/>
-                      </p:nvGrpSpPr>
-                      <p:grpSpPr>
-                        <a:xfrm>
-                          <a:off x="240890" y="1919227"/>
-                          <a:ext cx="365760" cy="366773"/>
-                          <a:chOff x="240890" y="1874520"/>
-                          <a:chExt cx="365760" cy="366773"/>
-                        </a:xfrm>
-                      </p:grpSpPr>
-                      <p:sp>
-                        <p:nvSpPr>
-                          <p:cNvPr id="63" name="Rectangle 62"/>
-                          <p:cNvSpPr/>
-                          <p:nvPr/>
-                        </p:nvSpPr>
-                        <p:spPr>
-                          <a:xfrm>
-                            <a:off x="390473" y="1874520"/>
-                            <a:ext cx="70973" cy="366773"/>
-                          </a:xfrm>
-                          <a:prstGeom prst="rect">
-                            <a:avLst/>
-                          </a:prstGeom>
-                        </p:spPr>
-                        <p:style>
-                          <a:lnRef idx="2">
-                            <a:schemeClr val="dk1">
-                              <a:shade val="50000"/>
-                            </a:schemeClr>
-                          </a:lnRef>
-                          <a:fillRef idx="1">
-                            <a:schemeClr val="dk1"/>
-                          </a:fillRef>
-                          <a:effectRef idx="0">
-                            <a:schemeClr val="dk1"/>
-                          </a:effectRef>
-                          <a:fontRef idx="minor">
-                            <a:schemeClr val="lt1"/>
-                          </a:fontRef>
-                        </p:style>
-                        <p:txBody>
-                          <a:bodyPr rot="0" spcFirstLastPara="0" vert="horz" wrap="square" lIns="91440" tIns="45720" rIns="91440" bIns="45720" numCol="1" spcCol="0" rtlCol="0" fromWordArt="0" anchor="ctr" anchorCtr="0" forceAA="0" compatLnSpc="1">
-                            <a:prstTxWarp prst="textNoShape">
-                              <a:avLst/>
-                            </a:prstTxWarp>
-                            <a:noAutofit/>
-                          </a:bodyPr>
-                          <a:lstStyle/>
-                          <a:p>
-                            <a:endParaRPr lang="en-US"/>
-                          </a:p>
-                        </p:txBody>
-                      </p:sp>
-                      <p:sp>
-                        <p:nvSpPr>
-                          <p:cNvPr id="64" name="Rectangle 63"/>
-                          <p:cNvSpPr/>
-                          <p:nvPr/>
-                        </p:nvSpPr>
-                        <p:spPr>
-                          <a:xfrm>
-                            <a:off x="240890" y="2021321"/>
-                            <a:ext cx="365760" cy="73632"/>
-                          </a:xfrm>
-                          <a:prstGeom prst="rect">
-                            <a:avLst/>
-                          </a:prstGeom>
-                        </p:spPr>
-                        <p:style>
-                          <a:lnRef idx="2">
-                            <a:schemeClr val="dk1">
-                              <a:shade val="50000"/>
-                            </a:schemeClr>
-                          </a:lnRef>
-                          <a:fillRef idx="1">
-                            <a:schemeClr val="dk1"/>
-                          </a:fillRef>
-                          <a:effectRef idx="0">
-                            <a:schemeClr val="dk1"/>
-                          </a:effectRef>
-                          <a:fontRef idx="minor">
-                            <a:schemeClr val="lt1"/>
-                          </a:fontRef>
-                        </p:style>
-                        <p:txBody>
-                          <a:bodyPr rot="0" spcFirstLastPara="0" vert="horz" wrap="square" lIns="91440" tIns="45720" rIns="91440" bIns="45720" numCol="1" spcCol="0" rtlCol="0" fromWordArt="0" anchor="ctr" anchorCtr="0" forceAA="0" compatLnSpc="1">
-                            <a:prstTxWarp prst="textNoShape">
-                              <a:avLst/>
-                            </a:prstTxWarp>
-                            <a:noAutofit/>
-                          </a:bodyPr>
-                          <a:lstStyle/>
-                          <a:p>
-                            <a:endParaRPr lang="en-US"/>
-                          </a:p>
-                        </p:txBody>
-                      </p:sp>
-                    </p:grpSp>
-                  </p:grpSp>
-                  <p:grpSp>
-                    <p:nvGrpSpPr>
-                      <p:cNvPr id="56" name="Group 55"/>
-                      <p:cNvGrpSpPr/>
-                      <p:nvPr/>
-                    </p:nvGrpSpPr>
-                    <p:grpSpPr>
-                      <a:xfrm>
-                        <a:off x="1371600" y="1861474"/>
-                        <a:ext cx="342900" cy="419446"/>
-                        <a:chOff x="1371600" y="1861474"/>
-                        <a:chExt cx="342900" cy="419446"/>
-                      </a:xfrm>
-                    </p:grpSpPr>
-                    <p:sp>
-                      <p:nvSpPr>
-                        <p:cNvPr id="57" name="Oval 56"/>
-                        <p:cNvSpPr/>
-                        <p:nvPr/>
-                      </p:nvSpPr>
-                      <p:spPr>
-                        <a:xfrm>
-                          <a:off x="1402080" y="2166620"/>
-                          <a:ext cx="114300" cy="114300"/>
-                        </a:xfrm>
-                        <a:prstGeom prst="ellipse">
-                          <a:avLst/>
-                        </a:prstGeom>
-                        <a:solidFill>
-                          <a:schemeClr val="accent6"/>
-                        </a:solidFill>
-                        <a:ln w="12700">
-                          <a:solidFill>
-                            <a:schemeClr val="tx1"/>
-                          </a:solidFill>
-                        </a:ln>
-                      </p:spPr>
-                      <p:style>
-                        <a:lnRef idx="3">
-                          <a:schemeClr val="lt1"/>
-                        </a:lnRef>
-                        <a:fillRef idx="1">
-                          <a:schemeClr val="accent5"/>
-                        </a:fillRef>
-                        <a:effectRef idx="1">
-                          <a:schemeClr val="accent5"/>
-                        </a:effectRef>
-                        <a:fontRef idx="minor">
-                          <a:schemeClr val="lt1"/>
-                        </a:fontRef>
-                      </p:style>
-                      <p:txBody>
-                        <a:bodyPr rot="0" spcFirstLastPara="0" vert="horz" wrap="square" lIns="91440" tIns="45720" rIns="91440" bIns="45720" numCol="1" spcCol="0" rtlCol="0" fromWordArt="0" anchor="ctr" anchorCtr="0" forceAA="0" compatLnSpc="1">
-                          <a:prstTxWarp prst="textNoShape">
-                            <a:avLst/>
-                          </a:prstTxWarp>
-                          <a:noAutofit/>
-                        </a:bodyPr>
-                        <a:lstStyle/>
-                        <a:p>
-                          <a:endParaRPr lang="en-US"/>
-                        </a:p>
-                      </p:txBody>
-                    </p:sp>
-                    <p:sp>
-                      <p:nvSpPr>
-                        <p:cNvPr id="58" name="Oval 57"/>
-                        <p:cNvSpPr/>
-                        <p:nvPr/>
-                      </p:nvSpPr>
-                      <p:spPr>
-                        <a:xfrm>
-                          <a:off x="1595628" y="2066028"/>
-                          <a:ext cx="114300" cy="114300"/>
-                        </a:xfrm>
-                        <a:prstGeom prst="ellipse">
-                          <a:avLst/>
-                        </a:prstGeom>
-                        <a:ln>
-                          <a:solidFill>
-                            <a:schemeClr val="tx1"/>
-                          </a:solidFill>
-                        </a:ln>
-                      </p:spPr>
-                      <p:style>
-                        <a:lnRef idx="2">
-                          <a:schemeClr val="accent1">
-                            <a:shade val="50000"/>
-                          </a:schemeClr>
-                        </a:lnRef>
-                        <a:fillRef idx="1">
-                          <a:schemeClr val="accent1"/>
-                        </a:fillRef>
-                        <a:effectRef idx="0">
-                          <a:schemeClr val="accent1"/>
-                        </a:effectRef>
-                        <a:fontRef idx="minor">
-                          <a:schemeClr val="lt1"/>
-                        </a:fontRef>
-                      </p:style>
-                      <p:txBody>
-                        <a:bodyPr rot="0" spcFirstLastPara="0" vert="horz" wrap="square" lIns="91440" tIns="45720" rIns="91440" bIns="45720" numCol="1" spcCol="0" rtlCol="0" fromWordArt="0" anchor="ctr" anchorCtr="0" forceAA="0" compatLnSpc="1">
-                          <a:prstTxWarp prst="textNoShape">
-                            <a:avLst/>
-                          </a:prstTxWarp>
-                          <a:noAutofit/>
-                        </a:bodyPr>
-                        <a:lstStyle/>
-                        <a:p>
-                          <a:endParaRPr lang="en-US"/>
-                        </a:p>
-                      </p:txBody>
-                    </p:sp>
-                    <p:sp>
-                      <p:nvSpPr>
-                        <p:cNvPr id="59" name="Oval 58"/>
-                        <p:cNvSpPr/>
-                        <p:nvPr/>
-                      </p:nvSpPr>
-                      <p:spPr>
-                        <a:xfrm>
-                          <a:off x="1371600" y="1943100"/>
-                          <a:ext cx="114300" cy="114300"/>
-                        </a:xfrm>
-                        <a:prstGeom prst="ellipse">
-                          <a:avLst/>
-                        </a:prstGeom>
-                        <a:solidFill>
-                          <a:schemeClr val="accent2"/>
-                        </a:solidFill>
-                        <a:ln w="12700">
-                          <a:solidFill>
-                            <a:schemeClr val="tx1"/>
-                          </a:solidFill>
-                        </a:ln>
-                      </p:spPr>
-                      <p:style>
-                        <a:lnRef idx="2">
-                          <a:schemeClr val="accent1">
-                            <a:shade val="50000"/>
-                          </a:schemeClr>
-                        </a:lnRef>
-                        <a:fillRef idx="1">
-                          <a:schemeClr val="accent1"/>
-                        </a:fillRef>
-                        <a:effectRef idx="0">
-                          <a:schemeClr val="accent1"/>
-                        </a:effectRef>
-                        <a:fontRef idx="minor">
-                          <a:schemeClr val="lt1"/>
-                        </a:fontRef>
-                      </p:style>
-                      <p:txBody>
-                        <a:bodyPr rot="0" spcFirstLastPara="0" vert="horz" wrap="square" lIns="91440" tIns="45720" rIns="91440" bIns="45720" numCol="1" spcCol="0" rtlCol="0" fromWordArt="0" anchor="ctr" anchorCtr="0" forceAA="0" compatLnSpc="1">
-                          <a:prstTxWarp prst="textNoShape">
-                            <a:avLst/>
-                          </a:prstTxWarp>
-                          <a:noAutofit/>
-                        </a:bodyPr>
-                        <a:lstStyle/>
-                        <a:p>
-                          <a:endParaRPr lang="en-US"/>
-                        </a:p>
-                      </p:txBody>
-                    </p:sp>
-                    <p:sp>
-                      <p:nvSpPr>
-                        <p:cNvPr id="60" name="Oval 59"/>
-                        <p:cNvSpPr/>
-                        <p:nvPr/>
-                      </p:nvSpPr>
-                      <p:spPr>
-                        <a:xfrm>
-                          <a:off x="1600200" y="1861474"/>
-                          <a:ext cx="114300" cy="114300"/>
-                        </a:xfrm>
-                        <a:prstGeom prst="ellipse">
-                          <a:avLst/>
-                        </a:prstGeom>
-                        <a:solidFill>
-                          <a:schemeClr val="accent4"/>
-                        </a:solidFill>
-                        <a:ln>
-                          <a:solidFill>
-                            <a:schemeClr val="tx1"/>
-                          </a:solidFill>
-                        </a:ln>
-                      </p:spPr>
-                      <p:style>
-                        <a:lnRef idx="2">
-                          <a:schemeClr val="accent1">
-                            <a:shade val="50000"/>
-                          </a:schemeClr>
-                        </a:lnRef>
-                        <a:fillRef idx="1">
-                          <a:schemeClr val="accent1"/>
-                        </a:fillRef>
-                        <a:effectRef idx="0">
-                          <a:schemeClr val="accent1"/>
-                        </a:effectRef>
-                        <a:fontRef idx="minor">
-                          <a:schemeClr val="lt1"/>
-                        </a:fontRef>
-                      </p:style>
-                      <p:txBody>
-                        <a:bodyPr rot="0" spcFirstLastPara="0" vert="horz" wrap="square" lIns="91440" tIns="45720" rIns="91440" bIns="45720" numCol="1" spcCol="0" rtlCol="0" fromWordArt="0" anchor="ctr" anchorCtr="0" forceAA="0" compatLnSpc="1">
-                          <a:prstTxWarp prst="textNoShape">
-                            <a:avLst/>
-                          </a:prstTxWarp>
-                          <a:noAutofit/>
-                        </a:bodyPr>
-                        <a:lstStyle/>
-                        <a:p>
-                          <a:endParaRPr lang="en-US"/>
-                        </a:p>
-                      </p:txBody>
-                    </p:sp>
-                  </p:grpSp>
-                </p:grpSp>
-                <p:sp>
-                  <p:nvSpPr>
-                    <p:cNvPr id="53" name="Rounded Rectangle 52"/>
-                    <p:cNvSpPr/>
-                    <p:nvPr/>
-                  </p:nvSpPr>
-                  <p:spPr>
-                    <a:xfrm>
-                      <a:off x="746760" y="1901537"/>
-                      <a:ext cx="152133" cy="41563"/>
-                    </a:xfrm>
-                    <a:prstGeom prst="roundRect">
-                      <a:avLst>
-                        <a:gd name="adj" fmla="val 50000"/>
-                      </a:avLst>
-                    </a:prstGeom>
-                  </p:spPr>
-                  <p:style>
-                    <a:lnRef idx="2">
-                      <a:schemeClr val="dk1">
-                        <a:shade val="50000"/>
-                      </a:schemeClr>
-                    </a:lnRef>
-                    <a:fillRef idx="1">
-                      <a:schemeClr val="dk1"/>
-                    </a:fillRef>
-                    <a:effectRef idx="0">
-                      <a:schemeClr val="dk1"/>
-                    </a:effectRef>
-                    <a:fontRef idx="minor">
-                      <a:schemeClr val="lt1"/>
-                    </a:fontRef>
-                  </p:style>
-                  <p:txBody>
-                    <a:bodyPr rot="0" spcFirstLastPara="0" vert="horz" wrap="square" lIns="91440" tIns="45720" rIns="91440" bIns="45720" numCol="1" spcCol="0" rtlCol="0" fromWordArt="0" anchor="ctr" anchorCtr="0" forceAA="0" compatLnSpc="1">
-                      <a:prstTxWarp prst="textNoShape">
-                        <a:avLst/>
-                      </a:prstTxWarp>
-                      <a:noAutofit/>
-                    </a:bodyPr>
-                    <a:lstStyle/>
-                    <a:p>
-                      <a:endParaRPr lang="en-US"/>
-                    </a:p>
-                  </p:txBody>
-                </p:sp>
-                <p:sp>
-                  <p:nvSpPr>
-                    <p:cNvPr id="54" name="Rounded Rectangle 53"/>
-                    <p:cNvSpPr/>
-                    <p:nvPr/>
-                  </p:nvSpPr>
-                  <p:spPr>
-                    <a:xfrm>
-                      <a:off x="1024763" y="1901825"/>
-                      <a:ext cx="151765" cy="41275"/>
-                    </a:xfrm>
-                    <a:prstGeom prst="roundRect">
-                      <a:avLst>
-                        <a:gd name="adj" fmla="val 50000"/>
-                      </a:avLst>
-                    </a:prstGeom>
-                  </p:spPr>
-                  <p:style>
-                    <a:lnRef idx="2">
-                      <a:schemeClr val="dk1">
-                        <a:shade val="50000"/>
-                      </a:schemeClr>
-                    </a:lnRef>
-                    <a:fillRef idx="1">
-                      <a:schemeClr val="dk1"/>
-                    </a:fillRef>
-                    <a:effectRef idx="0">
-                      <a:schemeClr val="dk1"/>
-                    </a:effectRef>
-                    <a:fontRef idx="minor">
-                      <a:schemeClr val="lt1"/>
-                    </a:fontRef>
-                  </p:style>
-                  <p:txBody>
-                    <a:bodyPr rot="0" spcFirstLastPara="0" vert="horz" wrap="square" lIns="91440" tIns="45720" rIns="91440" bIns="45720" numCol="1" spcCol="0" rtlCol="0" fromWordArt="0" anchor="ctr" anchorCtr="0" forceAA="0" compatLnSpc="1">
-                      <a:prstTxWarp prst="textNoShape">
-                        <a:avLst/>
-                      </a:prstTxWarp>
-                      <a:noAutofit/>
-                    </a:bodyPr>
-                    <a:lstStyle/>
-                    <a:p>
-                      <a:endParaRPr lang="en-US"/>
-                    </a:p>
-                  </p:txBody>
-                </p:sp>
-              </p:grpSp>
-              <p:cxnSp>
-                <p:nvCxnSpPr>
-                  <p:cNvPr id="50" name="Straight Connector 49"/>
-                  <p:cNvCxnSpPr/>
-                  <p:nvPr/>
-                </p:nvCxnSpPr>
-                <p:spPr>
-                  <a:xfrm>
-                    <a:off x="116758" y="1667962"/>
-                    <a:ext cx="0" cy="429002"/>
-                  </a:xfrm>
-                  <a:prstGeom prst="line">
-                    <a:avLst/>
-                  </a:prstGeom>
-                  <a:ln w="12700"/>
-                </p:spPr>
-                <p:style>
-                  <a:lnRef idx="1">
-                    <a:schemeClr val="dk1"/>
-                  </a:lnRef>
-                  <a:fillRef idx="0">
-                    <a:schemeClr val="dk1"/>
-                  </a:fillRef>
-                  <a:effectRef idx="0">
-                    <a:schemeClr val="dk1"/>
-                  </a:effectRef>
-                  <a:fontRef idx="minor">
-                    <a:schemeClr val="tx1"/>
-                  </a:fontRef>
-                </p:style>
-              </p:cxnSp>
-              <p:cxnSp>
-                <p:nvCxnSpPr>
-                  <p:cNvPr id="51" name="Straight Connector 50"/>
-                  <p:cNvCxnSpPr/>
-                  <p:nvPr/>
-                </p:nvCxnSpPr>
-                <p:spPr>
-                  <a:xfrm>
-                    <a:off x="1828800" y="1668339"/>
-                    <a:ext cx="0" cy="428625"/>
-                  </a:xfrm>
-                  <a:prstGeom prst="line">
-                    <a:avLst/>
-                  </a:prstGeom>
-                  <a:ln w="12700"/>
-                </p:spPr>
-                <p:style>
-                  <a:lnRef idx="1">
-                    <a:schemeClr val="dk1"/>
-                  </a:lnRef>
-                  <a:fillRef idx="0">
-                    <a:schemeClr val="dk1"/>
-                  </a:fillRef>
-                  <a:effectRef idx="0">
-                    <a:schemeClr val="dk1"/>
-                  </a:effectRef>
-                  <a:fontRef idx="minor">
-                    <a:schemeClr val="tx1"/>
-                  </a:fontRef>
-                </p:style>
-              </p:cxnSp>
-            </p:grpSp>
-          </p:grpSp>
-          <p:sp>
-            <p:nvSpPr>
-              <p:cNvPr id="29" name="TextBox 28"/>
-              <p:cNvSpPr txBox="1"/>
-              <p:nvPr/>
-            </p:nvSpPr>
-            <p:spPr>
-              <a:xfrm>
-                <a:off x="23698200" y="8118960"/>
-                <a:ext cx="8763000" cy="338554"/>
-              </a:xfrm>
-              <a:prstGeom prst="rect">
-                <a:avLst/>
-              </a:prstGeom>
-              <a:noFill/>
-            </p:spPr>
-            <p:txBody>
-              <a:bodyPr wrap="square" rtlCol="0">
-                <a:spAutoFit/>
-              </a:bodyPr>
-              <a:lstStyle/>
-              <a:p>
-                <a:pPr algn="ctr"/>
-                <a:r>
-                  <a:rPr lang="en-US" sz="1600" dirty="0" smtClean="0"/>
-                  <a:t>Figure 7: </a:t>
-                </a:r>
-                <a:r>
-                  <a:rPr lang="en-US" sz="1600" dirty="0" smtClean="0"/>
-                  <a:t>High </a:t>
-                </a:r>
-                <a:r>
-                  <a:rPr lang="en-US" sz="1600" dirty="0" smtClean="0"/>
-                  <a:t>Level Communication System Diagram</a:t>
-                </a:r>
-                <a:endParaRPr lang="en-US" sz="1600" dirty="0"/>
-              </a:p>
-            </p:txBody>
-          </p:sp>
-        </p:grpSp>
-      </p:grpSp>
-      <p:sp>
-        <p:nvSpPr>
-          <p:cNvPr id="99" name="TextBox 98"/>
-          <p:cNvSpPr txBox="1"/>
-          <p:nvPr/>
-        </p:nvSpPr>
-        <p:spPr>
-          <a:xfrm>
-            <a:off x="26341045" y="16104097"/>
-            <a:ext cx="9525000" cy="1323439"/>
-          </a:xfrm>
-          <a:prstGeom prst="rect">
-            <a:avLst/>
-          </a:prstGeom>
-          <a:noFill/>
-        </p:spPr>
-        <p:txBody>
-          <a:bodyPr wrap="square" rtlCol="0">
-            <a:spAutoFit/>
-          </a:bodyPr>
-          <a:lstStyle/>
-          <a:p>
-            <a:pPr marL="342900" indent="-342900">
-              <a:buFont typeface="Arial" panose="020B0604020202020204" pitchFamily="34" charset="0"/>
-              <a:buChar char="•"/>
-            </a:pPr>
-            <a:r>
-              <a:rPr lang="en-US" sz="2000" dirty="0" err="1" smtClean="0"/>
-              <a:t>Mathworks</a:t>
-            </a:r>
-            <a:r>
-              <a:rPr lang="en-US" sz="2000" dirty="0" smtClean="0"/>
-              <a:t> Simulink model is loaded onto the Arduino</a:t>
-            </a:r>
-          </a:p>
-          <a:p>
-            <a:pPr marL="342900" indent="-342900">
-              <a:buFont typeface="Arial" panose="020B0604020202020204" pitchFamily="34" charset="0"/>
-              <a:buChar char="•"/>
-            </a:pPr>
-            <a:r>
-              <a:rPr lang="en-US" sz="2000" dirty="0" smtClean="0"/>
-              <a:t>Utilizes PID feedback loops to control cylinder lengths</a:t>
-            </a:r>
-          </a:p>
-          <a:p>
-            <a:pPr marL="342900" indent="-342900">
-              <a:buFont typeface="Arial" panose="020B0604020202020204" pitchFamily="34" charset="0"/>
-              <a:buChar char="•"/>
-            </a:pPr>
-            <a:r>
-              <a:rPr lang="en-US" sz="2000" dirty="0" smtClean="0"/>
-              <a:t>Desired length is calculated by a state machine based on user input and current length</a:t>
-            </a:r>
-          </a:p>
-          <a:p>
-            <a:pPr marL="342900" indent="-342900">
-              <a:buFont typeface="Arial" panose="020B0604020202020204" pitchFamily="34" charset="0"/>
-              <a:buChar char="•"/>
-            </a:pPr>
-            <a:endParaRPr lang="en-US" sz="2000" dirty="0"/>
-          </a:p>
-        </p:txBody>
-      </p:sp>
-      <p:sp>
-        <p:nvSpPr>
-          <p:cNvPr id="104" name="TextBox 103"/>
-          <p:cNvSpPr txBox="1"/>
-          <p:nvPr/>
-        </p:nvSpPr>
-        <p:spPr>
-          <a:xfrm>
-            <a:off x="26643280" y="19489034"/>
-            <a:ext cx="8763000" cy="830997"/>
-          </a:xfrm>
-          <a:prstGeom prst="rect">
-            <a:avLst/>
-          </a:prstGeom>
-          <a:noFill/>
-        </p:spPr>
-        <p:txBody>
-          <a:bodyPr wrap="square" rtlCol="0">
-            <a:spAutoFit/>
-          </a:bodyPr>
-          <a:lstStyle/>
-          <a:p>
-            <a:pPr algn="ctr"/>
-            <a:r>
-              <a:rPr lang="en-US" sz="1600" dirty="0" smtClean="0"/>
-              <a:t>Figure 8: Block </a:t>
-            </a:r>
-            <a:r>
-              <a:rPr lang="en-US" sz="1600" dirty="0" smtClean="0"/>
-              <a:t>diagram for a single leg controller. The left loop determines the desired cylinder legs based on the current foot position. The right loop is a PID controller for a single leg which moves the foot into position. For a full robot there are eight copies of the right loop.</a:t>
-            </a:r>
-            <a:endParaRPr lang="en-US" sz="1600" dirty="0"/>
-          </a:p>
-        </p:txBody>
-      </p:sp>
-      <p:grpSp>
-        <p:nvGrpSpPr>
-          <p:cNvPr id="171" name="Group 170"/>
-          <p:cNvGrpSpPr/>
-          <p:nvPr/>
-        </p:nvGrpSpPr>
-        <p:grpSpPr>
-          <a:xfrm>
-            <a:off x="26344362" y="3237237"/>
-            <a:ext cx="9763054" cy="2494103"/>
-            <a:chOff x="300847" y="17979914"/>
-            <a:chExt cx="9763054" cy="2494103"/>
-          </a:xfrm>
-        </p:grpSpPr>
-        <p:sp>
-          <p:nvSpPr>
-            <p:cNvPr id="33" name="TextBox 32"/>
-            <p:cNvSpPr txBox="1"/>
-            <p:nvPr/>
-          </p:nvSpPr>
-          <p:spPr>
-            <a:xfrm>
-              <a:off x="300847" y="17979914"/>
-              <a:ext cx="9632507" cy="400110"/>
-            </a:xfrm>
-            <a:prstGeom prst="rect">
-              <a:avLst/>
-            </a:prstGeom>
-            <a:noFill/>
-          </p:spPr>
-          <p:txBody>
-            <a:bodyPr wrap="square" rtlCol="0">
-              <a:spAutoFit/>
-            </a:bodyPr>
-            <a:lstStyle/>
-            <a:p>
-              <a:endParaRPr lang="en-US" sz="2000" dirty="0"/>
-            </a:p>
-          </p:txBody>
-        </p:sp>
-        <p:sp>
-          <p:nvSpPr>
-            <p:cNvPr id="19" name="TextBox 18"/>
-            <p:cNvSpPr txBox="1"/>
-            <p:nvPr/>
-          </p:nvSpPr>
-          <p:spPr>
-            <a:xfrm>
-              <a:off x="323887" y="18842801"/>
-              <a:ext cx="9740014" cy="1631216"/>
-            </a:xfrm>
-            <a:prstGeom prst="rect">
-              <a:avLst/>
-            </a:prstGeom>
-            <a:noFill/>
-          </p:spPr>
-          <p:txBody>
-            <a:bodyPr wrap="square" rtlCol="0">
-              <a:spAutoFit/>
-            </a:bodyPr>
-            <a:lstStyle/>
-            <a:p>
-              <a:r>
-                <a:rPr lang="en-US" sz="2000" dirty="0" smtClean="0"/>
-                <a:t>The Arduino Mega microcontroller outputs pulse-width modulated signals which are converted into analog signals using </a:t>
-              </a:r>
-              <a:r>
-                <a:rPr lang="en-US" sz="2000" dirty="0" smtClean="0"/>
-                <a:t>signal conditioning circuitry consisting of a low pass filter and a second-stage amplifier. </a:t>
-              </a:r>
-              <a:r>
-                <a:rPr lang="en-US" sz="2000" dirty="0" smtClean="0"/>
-                <a:t>The analog signal directly controls </a:t>
-              </a:r>
-              <a:r>
-                <a:rPr lang="en-US" sz="2000" dirty="0" smtClean="0"/>
-                <a:t>valve positions</a:t>
-              </a:r>
-              <a:r>
-                <a:rPr lang="en-US" sz="2000" dirty="0" smtClean="0"/>
-                <a:t>. </a:t>
-              </a:r>
-              <a:r>
-                <a:rPr lang="en-US" sz="2000" dirty="0" smtClean="0"/>
-                <a:t>Sensors inside the pneumatic cylinders are used as feedback to the control running on the Arduino microcontroller.</a:t>
-              </a:r>
-            </a:p>
-          </p:txBody>
-        </p:sp>
-      </p:grpSp>
       <p:grpSp>
         <p:nvGrpSpPr>
           <p:cNvPr id="168" name="Group 167"/>
@@ -8143,11 +5593,7 @@
                   <a:p>
                     <a:r>
                       <a:rPr lang="en-US" sz="1600" dirty="0" smtClean="0"/>
-                      <a:t>Figure 4: Top </a:t>
-                    </a:r>
-                    <a:r>
-                      <a:rPr lang="en-US" sz="1600" dirty="0" smtClean="0"/>
-                      <a:t>and side view of the robot model’s convex support polygon and an induced tipping moment. The tipping moment is caused by the center of gravity being outside of the convex support polygon.</a:t>
+                      <a:t>Figure 4: Top and side view of the robot model’s convex support polygon and an induced tipping moment. The tipping moment is caused by the center of gravity being outside of the convex support polygon.</a:t>
                     </a:r>
                     <a:endParaRPr lang="en-US" sz="1600" dirty="0"/>
                   </a:p>
@@ -8508,104 +5954,6 @@
       </p:grpSp>
       <p:sp>
         <p:nvSpPr>
-          <p:cNvPr id="207" name="TextBox 206"/>
-          <p:cNvSpPr txBox="1"/>
-          <p:nvPr/>
-        </p:nvSpPr>
-        <p:spPr>
-          <a:xfrm>
-            <a:off x="26392996" y="25874008"/>
-            <a:ext cx="9525000" cy="1938992"/>
-          </a:xfrm>
-          <a:prstGeom prst="rect">
-            <a:avLst/>
-          </a:prstGeom>
-          <a:noFill/>
-        </p:spPr>
-        <p:txBody>
-          <a:bodyPr wrap="square" rtlCol="0">
-            <a:spAutoFit/>
-          </a:bodyPr>
-          <a:lstStyle/>
-          <a:p>
-            <a:pPr marL="342900" indent="-342900">
-              <a:buFont typeface="Arial" panose="020B0604020202020204" pitchFamily="34" charset="0"/>
-              <a:buChar char="•"/>
-            </a:pPr>
-            <a:r>
-              <a:rPr lang="en-US" sz="2000" dirty="0" smtClean="0"/>
-              <a:t>Mobile app interface</a:t>
-            </a:r>
-            <a:endParaRPr lang="en-US" sz="2000" dirty="0" smtClean="0"/>
-          </a:p>
-          <a:p>
-            <a:pPr marL="342900" indent="-342900">
-              <a:buFont typeface="Arial" panose="020B0604020202020204" pitchFamily="34" charset="0"/>
-              <a:buChar char="•"/>
-            </a:pPr>
-            <a:r>
-              <a:rPr lang="en-US" sz="2000" dirty="0" smtClean="0"/>
-              <a:t>CAN </a:t>
-            </a:r>
-            <a:r>
-              <a:rPr lang="en-US" sz="2000" dirty="0" smtClean="0"/>
-              <a:t>network development</a:t>
-            </a:r>
-          </a:p>
-          <a:p>
-            <a:pPr marL="342900" indent="-342900">
-              <a:buFont typeface="Arial" panose="020B0604020202020204" pitchFamily="34" charset="0"/>
-              <a:buChar char="•"/>
-            </a:pPr>
-            <a:r>
-              <a:rPr lang="en-US" sz="2000" dirty="0" smtClean="0"/>
-              <a:t>Air supply mounting on robot chassis</a:t>
-            </a:r>
-          </a:p>
-          <a:p>
-            <a:pPr marL="342900" indent="-342900">
-              <a:buFont typeface="Arial" panose="020B0604020202020204" pitchFamily="34" charset="0"/>
-              <a:buChar char="•"/>
-            </a:pPr>
-            <a:r>
-              <a:rPr lang="en-US" sz="2000" dirty="0" smtClean="0"/>
-              <a:t>External disturbance </a:t>
-            </a:r>
-            <a:r>
-              <a:rPr lang="en-US" sz="2000" dirty="0" smtClean="0"/>
-              <a:t>detection</a:t>
-            </a:r>
-            <a:endParaRPr lang="en-US" sz="2000" dirty="0" smtClean="0"/>
-          </a:p>
-          <a:p>
-            <a:pPr marL="342900" indent="-342900">
-              <a:buFont typeface="Arial" panose="020B0604020202020204" pitchFamily="34" charset="0"/>
-              <a:buChar char="•"/>
-            </a:pPr>
-            <a:r>
-              <a:rPr lang="en-US" sz="2000" dirty="0" smtClean="0"/>
-              <a:t>Feed forward control design and implementation</a:t>
-            </a:r>
-          </a:p>
-          <a:p>
-            <a:pPr marL="342900" indent="-342900">
-              <a:buFont typeface="Arial" panose="020B0604020202020204" pitchFamily="34" charset="0"/>
-              <a:buChar char="•"/>
-            </a:pPr>
-            <a:r>
-              <a:rPr lang="en-US" sz="2000" dirty="0" smtClean="0"/>
-              <a:t>Autonomous </a:t>
-            </a:r>
-            <a:r>
-              <a:rPr lang="en-US" sz="2000" dirty="0" smtClean="0"/>
-              <a:t>navigation and advanced gaits</a:t>
-            </a:r>
-            <a:endParaRPr lang="en-US" sz="2000" dirty="0" smtClean="0"/>
-          </a:p>
-        </p:txBody>
-      </p:sp>
-      <p:sp>
-        <p:nvSpPr>
           <p:cNvPr id="209" name="TextBox 208"/>
           <p:cNvSpPr txBox="1"/>
           <p:nvPr/>
@@ -8758,11 +6106,7 @@
             <a:p>
               <a:r>
                 <a:rPr lang="en-US" sz="1600" dirty="0" smtClean="0"/>
-                <a:t>Figure 5: Three </a:t>
-              </a:r>
-              <a:r>
-                <a:rPr lang="en-US" sz="1600" dirty="0" smtClean="0"/>
-                <a:t>slow gait patterns for a four legged robot. The drag and creep gait involve moving a single leg, and are statically stable. The walk gait involves moving two legs at once, and is dynamically stable.</a:t>
+                <a:t>Figure 5: Three slow gait patterns for a four legged robot. The drag and creep gait involve moving a single leg, and are statically stable. The walk gait involves moving two legs at once, and is dynamically stable.</a:t>
               </a:r>
               <a:endParaRPr lang="en-US" sz="1600" dirty="0"/>
             </a:p>
@@ -8861,11 +6205,7 @@
               <a:pPr algn="ctr"/>
               <a:r>
                 <a:rPr lang="en-US" sz="1600" dirty="0" smtClean="0"/>
-                <a:t>Figure 3: The </a:t>
-              </a:r>
-              <a:r>
-                <a:rPr lang="en-US" sz="1600" dirty="0" smtClean="0"/>
-                <a:t>pneumatic circuit diagram for a single cylinder. Eight of these work in parallel to move the robot’s four legs.</a:t>
+                <a:t>Figure 3: The pneumatic circuit diagram for a single cylinder. Eight of these work in parallel to move the robot’s four legs.</a:t>
               </a:r>
               <a:endParaRPr lang="en-US" sz="1600" dirty="0"/>
             </a:p>
@@ -9004,7 +6344,7 @@
         </p:nvSpPr>
         <p:spPr>
           <a:xfrm>
-            <a:off x="626880" y="9234424"/>
+            <a:off x="626880" y="8839200"/>
             <a:ext cx="9451403" cy="584775"/>
           </a:xfrm>
           <a:prstGeom prst="rect">
@@ -9044,10 +6384,10 @@
         </p:nvGrpSpPr>
         <p:grpSpPr>
           <a:xfrm>
-            <a:off x="553282" y="15092601"/>
-            <a:ext cx="9525000" cy="2293277"/>
+            <a:off x="553282" y="14249400"/>
+            <a:ext cx="9525000" cy="2601053"/>
             <a:chOff x="553282" y="14969074"/>
-            <a:chExt cx="9525000" cy="2293277"/>
+            <a:chExt cx="9525000" cy="2601053"/>
           </a:xfrm>
         </p:grpSpPr>
         <p:sp>
@@ -9059,7 +6399,7 @@
           <p:spPr>
             <a:xfrm>
               <a:off x="553282" y="15631135"/>
-              <a:ext cx="9525000" cy="1631216"/>
+              <a:ext cx="9525000" cy="1938992"/>
             </a:xfrm>
             <a:prstGeom prst="rect">
               <a:avLst/>
@@ -9075,7 +6415,7 @@
               <a:pPr algn="just"/>
               <a:r>
                 <a:rPr lang="en-US" sz="2000" dirty="0" smtClean="0"/>
-                <a:t>The chassis was constructed from 80/20 6105-T5 aluminum extrusions with a 6061 aluminum plate for component mounting. 80/20 aluminum was chosen for the chassis to simplify fabrication of the robot in addition to being lightweight and having a high yield strength. A worst case loading Finite Element (FE) analysis was done in the chassis and is shown in the following figure:</a:t>
+                <a:t>The chassis was constructed from 80/20 6105-T5 aluminum extrusions with a 6061 aluminum plate for component mounting. 80/20 aluminum was chosen for the chassis to simplify fabrication of the robot in addition to being lightweight and having a high yield strength. A worst case loading Finite Element (FE) analysis was done on the chassis. The analysis used reaction forces and load torques applied to the static structure at the shoulder joint.</a:t>
               </a:r>
             </a:p>
           </p:txBody>
@@ -9298,214 +6638,2387 @@
           </a:p>
         </p:txBody>
       </p:sp>
-      <p:sp>
-        <p:nvSpPr>
-          <p:cNvPr id="34" name="TextBox 33"/>
-          <p:cNvSpPr txBox="1"/>
+      <p:grpSp>
+        <p:nvGrpSpPr>
+          <p:cNvPr id="235" name="Group 234"/>
+          <p:cNvGrpSpPr/>
           <p:nvPr/>
-        </p:nvSpPr>
-        <p:spPr>
+        </p:nvGrpSpPr>
+        <p:grpSpPr>
           <a:xfrm>
-            <a:off x="26392996" y="3233409"/>
-            <a:ext cx="9583874" cy="584775"/>
+            <a:off x="26365200" y="12954000"/>
+            <a:ext cx="9612166" cy="6477000"/>
+            <a:chOff x="26365200" y="8624972"/>
+            <a:chExt cx="9612166" cy="6477000"/>
           </a:xfrm>
-          <a:prstGeom prst="rect">
-            <a:avLst/>
-          </a:prstGeom>
-          <a:solidFill>
-            <a:schemeClr val="accent2"/>
-          </a:solidFill>
-        </p:spPr>
-        <p:txBody>
-          <a:bodyPr wrap="square" rtlCol="0">
-            <a:spAutoFit/>
-          </a:bodyPr>
-          <a:lstStyle/>
-          <a:p>
-            <a:r>
-              <a:rPr lang="en-US" sz="3200" b="1" dirty="0" smtClean="0">
+        </p:grpSpPr>
+        <p:grpSp>
+          <p:nvGrpSpPr>
+            <p:cNvPr id="169" name="Group 168"/>
+            <p:cNvGrpSpPr/>
+            <p:nvPr/>
+          </p:nvGrpSpPr>
+          <p:grpSpPr>
+            <a:xfrm>
+              <a:off x="26365200" y="9220200"/>
+              <a:ext cx="9525000" cy="5881772"/>
+              <a:chOff x="23150331" y="4266578"/>
+              <a:chExt cx="9525000" cy="5881772"/>
+            </a:xfrm>
+          </p:grpSpPr>
+          <p:sp>
+            <p:nvSpPr>
+              <p:cNvPr id="28" name="TextBox 27"/>
+              <p:cNvSpPr txBox="1"/>
+              <p:nvPr/>
+            </p:nvSpPr>
+            <p:spPr>
+              <a:xfrm>
+                <a:off x="23150331" y="4266578"/>
+                <a:ext cx="9525000" cy="3539430"/>
+              </a:xfrm>
+              <a:prstGeom prst="rect">
+                <a:avLst/>
+              </a:prstGeom>
+              <a:noFill/>
+            </p:spPr>
+            <p:txBody>
+              <a:bodyPr wrap="square" rtlCol="0">
+                <a:spAutoFit/>
+              </a:bodyPr>
+              <a:lstStyle/>
+              <a:p>
+                <a:pPr algn="just"/>
+                <a:r>
+                  <a:rPr lang="en-US" sz="2000" dirty="0" smtClean="0"/>
+                  <a:t>To control the motion of the robot the user sends a direction request to the Java Graphical User Interface (GUI), which encodes the request and wirelessly transmits it to the onboard Arduino microcontroller. The microcontroller responds to a user request by taking a step in the requested direction.</a:t>
+                </a:r>
+              </a:p>
+              <a:p>
+                <a:endParaRPr lang="en-US" sz="2000" dirty="0" smtClean="0"/>
+              </a:p>
+              <a:p>
+                <a:r>
+                  <a:rPr lang="en-US" sz="2400" b="1" dirty="0" smtClean="0"/>
+                  <a:t>Sequence of Events in Sending a Command</a:t>
+                </a:r>
+              </a:p>
+              <a:p>
+                <a:pPr marL="457200" indent="-457200">
+                  <a:buFont typeface="+mj-lt"/>
+                  <a:buAutoNum type="arabicPeriod"/>
+                </a:pPr>
+                <a:r>
+                  <a:rPr lang="en-US" sz="2000" dirty="0" smtClean="0"/>
+                  <a:t>User input is read by a USB controller</a:t>
+                </a:r>
+              </a:p>
+              <a:p>
+                <a:pPr marL="457200" indent="-457200">
+                  <a:buFont typeface="+mj-lt"/>
+                  <a:buAutoNum type="arabicPeriod"/>
+                </a:pPr>
+                <a:r>
+                  <a:rPr lang="en-US" sz="2000" dirty="0" smtClean="0"/>
+                  <a:t>Real time Java application parses user input</a:t>
+                </a:r>
+              </a:p>
+              <a:p>
+                <a:pPr marL="457200" indent="-457200">
+                  <a:buFont typeface="+mj-lt"/>
+                  <a:buAutoNum type="arabicPeriod"/>
+                </a:pPr>
+                <a:r>
+                  <a:rPr lang="en-US" sz="2000" dirty="0" smtClean="0"/>
+                  <a:t>Application sends commands through an </a:t>
+                </a:r>
+                <a:r>
+                  <a:rPr lang="en-US" sz="2000" dirty="0" err="1" smtClean="0"/>
+                  <a:t>XBee</a:t>
+                </a:r>
+                <a:r>
+                  <a:rPr lang="en-US" sz="2000" dirty="0" smtClean="0"/>
+                  <a:t> radio module</a:t>
+                </a:r>
+              </a:p>
+              <a:p>
+                <a:pPr marL="457200" indent="-457200">
+                  <a:buFont typeface="+mj-lt"/>
+                  <a:buAutoNum type="arabicPeriod"/>
+                </a:pPr>
+                <a:r>
+                  <a:rPr lang="en-US" sz="2000" dirty="0" smtClean="0"/>
+                  <a:t>Partner </a:t>
+                </a:r>
+                <a:r>
+                  <a:rPr lang="en-US" sz="2000" dirty="0" err="1" smtClean="0"/>
+                  <a:t>XBee</a:t>
+                </a:r>
+                <a:r>
+                  <a:rPr lang="en-US" sz="2000" dirty="0" smtClean="0"/>
+                  <a:t> chip receives the command and sends it to the Arduino microcontroller</a:t>
+                </a:r>
+              </a:p>
+              <a:p>
+                <a:pPr marL="457200" indent="-457200">
+                  <a:buFont typeface="+mj-lt"/>
+                  <a:buAutoNum type="arabicPeriod"/>
+                </a:pPr>
+                <a:r>
+                  <a:rPr lang="en-US" sz="2000" dirty="0" smtClean="0"/>
+                  <a:t>Arduino decodes the serial command executes an action accordingly</a:t>
+                </a:r>
+                <a:endParaRPr lang="en-US" sz="2000" dirty="0"/>
+              </a:p>
+            </p:txBody>
+          </p:sp>
+          <p:grpSp>
+            <p:nvGrpSpPr>
+              <p:cNvPr id="32" name="Group 31"/>
+              <p:cNvGrpSpPr/>
+              <p:nvPr/>
+            </p:nvGrpSpPr>
+            <p:grpSpPr>
+              <a:xfrm>
+                <a:off x="23614523" y="7924800"/>
+                <a:ext cx="8763000" cy="2223550"/>
+                <a:chOff x="23698200" y="6233964"/>
+                <a:chExt cx="8763000" cy="2223550"/>
+              </a:xfrm>
+            </p:grpSpPr>
+            <p:grpSp>
+              <p:nvGrpSpPr>
+                <p:cNvPr id="37" name="Group 36"/>
+                <p:cNvGrpSpPr/>
+                <p:nvPr/>
+              </p:nvGrpSpPr>
+              <p:grpSpPr>
+                <a:xfrm>
+                  <a:off x="23863176" y="6233964"/>
+                  <a:ext cx="8013069" cy="1508760"/>
+                  <a:chOff x="114300" y="909320"/>
+                  <a:chExt cx="8013647" cy="1508760"/>
+                </a:xfrm>
+              </p:grpSpPr>
+              <p:grpSp>
+                <p:nvGrpSpPr>
+                  <p:cNvPr id="38" name="Group 37"/>
+                  <p:cNvGrpSpPr/>
+                  <p:nvPr/>
+                </p:nvGrpSpPr>
+                <p:grpSpPr>
+                  <a:xfrm>
+                    <a:off x="7254187" y="1620520"/>
+                    <a:ext cx="873760" cy="797560"/>
+                    <a:chOff x="7153883" y="1257300"/>
+                    <a:chExt cx="873760" cy="797560"/>
+                  </a:xfrm>
+                </p:grpSpPr>
+                <p:grpSp>
+                  <p:nvGrpSpPr>
+                    <p:cNvPr id="86" name="Group 85"/>
+                    <p:cNvGrpSpPr/>
+                    <p:nvPr/>
+                  </p:nvGrpSpPr>
+                  <p:grpSpPr>
+                    <a:xfrm rot="1124969">
+                      <a:off x="7684743" y="1374140"/>
+                      <a:ext cx="342900" cy="680720"/>
+                      <a:chOff x="8013700" y="1485900"/>
+                      <a:chExt cx="342900" cy="680720"/>
+                    </a:xfrm>
+                  </p:grpSpPr>
+                  <p:cxnSp>
+                    <p:nvCxnSpPr>
+                      <p:cNvPr id="97" name="Straight Connector 96"/>
+                      <p:cNvCxnSpPr/>
+                      <p:nvPr/>
+                    </p:nvCxnSpPr>
+                    <p:spPr>
+                      <a:xfrm>
+                        <a:off x="8013700" y="1485900"/>
+                        <a:ext cx="342900" cy="342900"/>
+                      </a:xfrm>
+                      <a:prstGeom prst="line">
+                        <a:avLst/>
+                      </a:prstGeom>
+                      <a:ln w="12700"/>
+                    </p:spPr>
+                    <p:style>
+                      <a:lnRef idx="1">
+                        <a:schemeClr val="dk1"/>
+                      </a:lnRef>
+                      <a:fillRef idx="0">
+                        <a:schemeClr val="dk1"/>
+                      </a:fillRef>
+                      <a:effectRef idx="0">
+                        <a:schemeClr val="dk1"/>
+                      </a:effectRef>
+                      <a:fontRef idx="minor">
+                        <a:schemeClr val="tx1"/>
+                      </a:fontRef>
+                    </p:style>
+                  </p:cxnSp>
+                  <p:cxnSp>
+                    <p:nvCxnSpPr>
+                      <p:cNvPr id="98" name="Straight Connector 97"/>
+                      <p:cNvCxnSpPr/>
+                      <p:nvPr/>
+                    </p:nvCxnSpPr>
+                    <p:spPr>
+                      <a:xfrm flipH="1">
+                        <a:off x="8242300" y="1823720"/>
+                        <a:ext cx="114300" cy="342900"/>
+                      </a:xfrm>
+                      <a:prstGeom prst="line">
+                        <a:avLst/>
+                      </a:prstGeom>
+                      <a:ln w="12700"/>
+                    </p:spPr>
+                    <p:style>
+                      <a:lnRef idx="1">
+                        <a:schemeClr val="dk1"/>
+                      </a:lnRef>
+                      <a:fillRef idx="0">
+                        <a:schemeClr val="dk1"/>
+                      </a:fillRef>
+                      <a:effectRef idx="0">
+                        <a:schemeClr val="dk1"/>
+                      </a:effectRef>
+                      <a:fontRef idx="minor">
+                        <a:schemeClr val="tx1"/>
+                      </a:fontRef>
+                    </p:style>
+                  </p:cxnSp>
+                </p:grpSp>
+                <p:grpSp>
+                  <p:nvGrpSpPr>
+                    <p:cNvPr id="87" name="Group 86"/>
+                    <p:cNvGrpSpPr/>
+                    <p:nvPr/>
+                  </p:nvGrpSpPr>
+                  <p:grpSpPr>
+                    <a:xfrm rot="1124969">
+                      <a:off x="7285963" y="1371600"/>
+                      <a:ext cx="342900" cy="680720"/>
+                      <a:chOff x="7442200" y="1480820"/>
+                      <a:chExt cx="342900" cy="680720"/>
+                    </a:xfrm>
+                  </p:grpSpPr>
+                  <p:cxnSp>
+                    <p:nvCxnSpPr>
+                      <p:cNvPr id="95" name="Straight Connector 94"/>
+                      <p:cNvCxnSpPr/>
+                      <p:nvPr/>
+                    </p:nvCxnSpPr>
+                    <p:spPr>
+                      <a:xfrm>
+                        <a:off x="7442200" y="1480820"/>
+                        <a:ext cx="342900" cy="342900"/>
+                      </a:xfrm>
+                      <a:prstGeom prst="line">
+                        <a:avLst/>
+                      </a:prstGeom>
+                      <a:ln w="12700"/>
+                    </p:spPr>
+                    <p:style>
+                      <a:lnRef idx="1">
+                        <a:schemeClr val="dk1"/>
+                      </a:lnRef>
+                      <a:fillRef idx="0">
+                        <a:schemeClr val="dk1"/>
+                      </a:fillRef>
+                      <a:effectRef idx="0">
+                        <a:schemeClr val="dk1"/>
+                      </a:effectRef>
+                      <a:fontRef idx="minor">
+                        <a:schemeClr val="tx1"/>
+                      </a:fontRef>
+                    </p:style>
+                  </p:cxnSp>
+                  <p:cxnSp>
+                    <p:nvCxnSpPr>
+                      <p:cNvPr id="96" name="Straight Connector 95"/>
+                      <p:cNvCxnSpPr/>
+                      <p:nvPr/>
+                    </p:nvCxnSpPr>
+                    <p:spPr>
+                      <a:xfrm flipH="1">
+                        <a:off x="7670800" y="1818640"/>
+                        <a:ext cx="114300" cy="342900"/>
+                      </a:xfrm>
+                      <a:prstGeom prst="line">
+                        <a:avLst/>
+                      </a:prstGeom>
+                      <a:ln w="12700"/>
+                    </p:spPr>
+                    <p:style>
+                      <a:lnRef idx="1">
+                        <a:schemeClr val="dk1"/>
+                      </a:lnRef>
+                      <a:fillRef idx="0">
+                        <a:schemeClr val="dk1"/>
+                      </a:fillRef>
+                      <a:effectRef idx="0">
+                        <a:schemeClr val="dk1"/>
+                      </a:effectRef>
+                      <a:fontRef idx="minor">
+                        <a:schemeClr val="tx1"/>
+                      </a:fontRef>
+                    </p:style>
+                  </p:cxnSp>
+                </p:grpSp>
+                <p:sp>
+                  <p:nvSpPr>
+                    <p:cNvPr id="88" name="Rectangle 87"/>
+                    <p:cNvSpPr/>
+                    <p:nvPr/>
+                  </p:nvSpPr>
+                  <p:spPr>
+                    <a:xfrm>
+                      <a:off x="7170420" y="1257300"/>
+                      <a:ext cx="769620" cy="228600"/>
+                    </a:xfrm>
+                    <a:prstGeom prst="rect">
+                      <a:avLst/>
+                    </a:prstGeom>
+                    <a:solidFill>
+                      <a:schemeClr val="bg1">
+                        <a:lumMod val="85000"/>
+                      </a:schemeClr>
+                    </a:solidFill>
+                    <a:ln w="12700">
+                      <a:solidFill>
+                        <a:schemeClr val="tx1"/>
+                      </a:solidFill>
+                    </a:ln>
+                  </p:spPr>
+                  <p:style>
+                    <a:lnRef idx="2">
+                      <a:schemeClr val="accent1">
+                        <a:shade val="50000"/>
+                      </a:schemeClr>
+                    </a:lnRef>
+                    <a:fillRef idx="1">
+                      <a:schemeClr val="accent1"/>
+                    </a:fillRef>
+                    <a:effectRef idx="0">
+                      <a:schemeClr val="accent1"/>
+                    </a:effectRef>
+                    <a:fontRef idx="minor">
+                      <a:schemeClr val="lt1"/>
+                    </a:fontRef>
+                  </p:style>
+                  <p:txBody>
+                    <a:bodyPr rot="0" spcFirstLastPara="0" vert="horz" wrap="square" lIns="91440" tIns="45720" rIns="91440" bIns="45720" numCol="1" spcCol="0" rtlCol="0" fromWordArt="0" anchor="ctr" anchorCtr="0" forceAA="0" compatLnSpc="1">
+                      <a:prstTxWarp prst="textNoShape">
+                        <a:avLst/>
+                      </a:prstTxWarp>
+                      <a:noAutofit/>
+                    </a:bodyPr>
+                    <a:lstStyle/>
+                    <a:p>
+                      <a:endParaRPr lang="en-US"/>
+                    </a:p>
+                  </p:txBody>
+                </p:sp>
+                <p:grpSp>
+                  <p:nvGrpSpPr>
+                    <p:cNvPr id="89" name="Group 88"/>
+                    <p:cNvGrpSpPr/>
+                    <p:nvPr/>
+                  </p:nvGrpSpPr>
+                  <p:grpSpPr>
+                    <a:xfrm rot="1124969">
+                      <a:off x="7153883" y="1371600"/>
+                      <a:ext cx="342900" cy="680720"/>
+                      <a:chOff x="7200900" y="1485900"/>
+                      <a:chExt cx="342900" cy="680720"/>
+                    </a:xfrm>
+                  </p:grpSpPr>
+                  <p:cxnSp>
+                    <p:nvCxnSpPr>
+                      <p:cNvPr id="93" name="Straight Connector 92"/>
+                      <p:cNvCxnSpPr/>
+                      <p:nvPr/>
+                    </p:nvCxnSpPr>
+                    <p:spPr>
+                      <a:xfrm>
+                        <a:off x="7200900" y="1485900"/>
+                        <a:ext cx="342900" cy="342900"/>
+                      </a:xfrm>
+                      <a:prstGeom prst="line">
+                        <a:avLst/>
+                      </a:prstGeom>
+                      <a:ln w="12700"/>
+                    </p:spPr>
+                    <p:style>
+                      <a:lnRef idx="1">
+                        <a:schemeClr val="dk1"/>
+                      </a:lnRef>
+                      <a:fillRef idx="0">
+                        <a:schemeClr val="dk1"/>
+                      </a:fillRef>
+                      <a:effectRef idx="0">
+                        <a:schemeClr val="dk1"/>
+                      </a:effectRef>
+                      <a:fontRef idx="minor">
+                        <a:schemeClr val="tx1"/>
+                      </a:fontRef>
+                    </p:style>
+                  </p:cxnSp>
+                  <p:cxnSp>
+                    <p:nvCxnSpPr>
+                      <p:cNvPr id="94" name="Straight Connector 93"/>
+                      <p:cNvCxnSpPr/>
+                      <p:nvPr/>
+                    </p:nvCxnSpPr>
+                    <p:spPr>
+                      <a:xfrm flipH="1">
+                        <a:off x="7429500" y="1823720"/>
+                        <a:ext cx="114300" cy="342900"/>
+                      </a:xfrm>
+                      <a:prstGeom prst="line">
+                        <a:avLst/>
+                      </a:prstGeom>
+                      <a:ln w="12700"/>
+                    </p:spPr>
+                    <p:style>
+                      <a:lnRef idx="1">
+                        <a:schemeClr val="dk1"/>
+                      </a:lnRef>
+                      <a:fillRef idx="0">
+                        <a:schemeClr val="dk1"/>
+                      </a:fillRef>
+                      <a:effectRef idx="0">
+                        <a:schemeClr val="dk1"/>
+                      </a:effectRef>
+                      <a:fontRef idx="minor">
+                        <a:schemeClr val="tx1"/>
+                      </a:fontRef>
+                    </p:style>
+                  </p:cxnSp>
+                </p:grpSp>
+                <p:grpSp>
+                  <p:nvGrpSpPr>
+                    <p:cNvPr id="90" name="Group 89"/>
+                    <p:cNvGrpSpPr/>
+                    <p:nvPr/>
+                  </p:nvGrpSpPr>
+                  <p:grpSpPr>
+                    <a:xfrm rot="1124969">
+                      <a:off x="7552716" y="1371600"/>
+                      <a:ext cx="342900" cy="680720"/>
+                      <a:chOff x="7785100" y="1485900"/>
+                      <a:chExt cx="342900" cy="680720"/>
+                    </a:xfrm>
+                  </p:grpSpPr>
+                  <p:cxnSp>
+                    <p:nvCxnSpPr>
+                      <p:cNvPr id="91" name="Straight Connector 90"/>
+                      <p:cNvCxnSpPr/>
+                      <p:nvPr/>
+                    </p:nvCxnSpPr>
+                    <p:spPr>
+                      <a:xfrm>
+                        <a:off x="7785100" y="1485900"/>
+                        <a:ext cx="342900" cy="342900"/>
+                      </a:xfrm>
+                      <a:prstGeom prst="line">
+                        <a:avLst/>
+                      </a:prstGeom>
+                      <a:ln w="12700"/>
+                    </p:spPr>
+                    <p:style>
+                      <a:lnRef idx="1">
+                        <a:schemeClr val="dk1"/>
+                      </a:lnRef>
+                      <a:fillRef idx="0">
+                        <a:schemeClr val="dk1"/>
+                      </a:fillRef>
+                      <a:effectRef idx="0">
+                        <a:schemeClr val="dk1"/>
+                      </a:effectRef>
+                      <a:fontRef idx="minor">
+                        <a:schemeClr val="tx1"/>
+                      </a:fontRef>
+                    </p:style>
+                  </p:cxnSp>
+                  <p:cxnSp>
+                    <p:nvCxnSpPr>
+                      <p:cNvPr id="92" name="Straight Connector 91"/>
+                      <p:cNvCxnSpPr/>
+                      <p:nvPr/>
+                    </p:nvCxnSpPr>
+                    <p:spPr>
+                      <a:xfrm flipH="1">
+                        <a:off x="8013700" y="1823720"/>
+                        <a:ext cx="114300" cy="342900"/>
+                      </a:xfrm>
+                      <a:prstGeom prst="line">
+                        <a:avLst/>
+                      </a:prstGeom>
+                      <a:ln w="12700"/>
+                    </p:spPr>
+                    <p:style>
+                      <a:lnRef idx="1">
+                        <a:schemeClr val="dk1"/>
+                      </a:lnRef>
+                      <a:fillRef idx="0">
+                        <a:schemeClr val="dk1"/>
+                      </a:fillRef>
+                      <a:effectRef idx="0">
+                        <a:schemeClr val="dk1"/>
+                      </a:effectRef>
+                      <a:fontRef idx="minor">
+                        <a:schemeClr val="tx1"/>
+                      </a:fontRef>
+                    </p:style>
+                  </p:cxnSp>
+                </p:grpSp>
+              </p:grpSp>
+              <p:cxnSp>
+                <p:nvCxnSpPr>
+                  <p:cNvPr id="39" name="Curved Connector 38"/>
+                  <p:cNvCxnSpPr>
+                    <a:stCxn id="51" idx="0"/>
+                    <a:endCxn id="54" idx="1"/>
+                  </p:cNvCxnSpPr>
+                  <p:nvPr/>
+                </p:nvCxnSpPr>
+                <p:spPr>
+                  <a:xfrm rot="16200000" flipH="1">
+                    <a:off x="1256822" y="1331936"/>
+                    <a:ext cx="514816" cy="1086340"/>
+                  </a:xfrm>
+                  <a:prstGeom prst="curvedConnector4">
+                    <a:avLst>
+                      <a:gd name="adj1" fmla="val -44404"/>
+                      <a:gd name="adj2" fmla="val 89260"/>
+                    </a:avLst>
+                  </a:prstGeom>
+                  <a:ln w="9525">
+                    <a:solidFill>
+                      <a:schemeClr val="tx1"/>
+                    </a:solidFill>
+                    <a:headEnd type="none" w="med" len="med"/>
+                    <a:tailEnd type="triangle" w="med" len="med"/>
+                  </a:ln>
+                </p:spPr>
+                <p:style>
+                  <a:lnRef idx="1">
+                    <a:schemeClr val="accent1"/>
+                  </a:lnRef>
+                  <a:fillRef idx="0">
+                    <a:schemeClr val="accent1"/>
+                  </a:fillRef>
+                  <a:effectRef idx="0">
+                    <a:schemeClr val="accent1"/>
+                  </a:effectRef>
+                  <a:fontRef idx="minor">
+                    <a:schemeClr val="tx1"/>
+                  </a:fontRef>
+                </p:style>
+              </p:cxnSp>
+              <p:cxnSp>
+                <p:nvCxnSpPr>
+                  <p:cNvPr id="40" name="Curved Connector 39"/>
+                  <p:cNvCxnSpPr>
+                    <a:stCxn id="54" idx="3"/>
+                    <a:endCxn id="58" idx="1"/>
+                  </p:cNvCxnSpPr>
+                  <p:nvPr/>
+                </p:nvCxnSpPr>
+                <p:spPr>
+                  <a:xfrm>
+                    <a:off x="3429000" y="2132514"/>
+                    <a:ext cx="342900" cy="1086"/>
+                  </a:xfrm>
+                  <a:prstGeom prst="curvedConnector3">
+                    <a:avLst>
+                      <a:gd name="adj1" fmla="val 50000"/>
+                    </a:avLst>
+                  </a:prstGeom>
+                  <a:ln w="9525">
+                    <a:solidFill>
+                      <a:schemeClr val="tx1"/>
+                    </a:solidFill>
+                    <a:headEnd type="triangle" w="med" len="med"/>
+                    <a:tailEnd type="triangle" w="med" len="med"/>
+                  </a:ln>
+                </p:spPr>
+                <p:style>
+                  <a:lnRef idx="1">
+                    <a:schemeClr val="accent1"/>
+                  </a:lnRef>
+                  <a:fillRef idx="0">
+                    <a:schemeClr val="accent1"/>
+                  </a:fillRef>
+                  <a:effectRef idx="0">
+                    <a:schemeClr val="accent1"/>
+                  </a:effectRef>
+                  <a:fontRef idx="minor">
+                    <a:schemeClr val="tx1"/>
+                  </a:fontRef>
+                </p:style>
+              </p:cxnSp>
+              <p:cxnSp>
+                <p:nvCxnSpPr>
+                  <p:cNvPr id="41" name="Curved Connector 40"/>
+                  <p:cNvCxnSpPr>
+                    <a:stCxn id="58" idx="3"/>
+                    <a:endCxn id="59" idx="3"/>
+                  </p:cNvCxnSpPr>
+                  <p:nvPr/>
+                </p:nvCxnSpPr>
+                <p:spPr>
+                  <a:xfrm>
+                    <a:off x="4343400" y="2133600"/>
+                    <a:ext cx="342900" cy="5080"/>
+                  </a:xfrm>
+                  <a:prstGeom prst="curvedConnector3">
+                    <a:avLst>
+                      <a:gd name="adj1" fmla="val 50000"/>
+                    </a:avLst>
+                  </a:prstGeom>
+                  <a:ln w="9525">
+                    <a:solidFill>
+                      <a:schemeClr val="tx1"/>
+                    </a:solidFill>
+                    <a:prstDash val="dash"/>
+                    <a:headEnd type="triangle" w="med" len="med"/>
+                    <a:tailEnd type="triangle" w="med" len="med"/>
+                  </a:ln>
+                </p:spPr>
+                <p:style>
+                  <a:lnRef idx="1">
+                    <a:schemeClr val="accent1"/>
+                  </a:lnRef>
+                  <a:fillRef idx="0">
+                    <a:schemeClr val="accent1"/>
+                  </a:fillRef>
+                  <a:effectRef idx="0">
+                    <a:schemeClr val="accent1"/>
+                  </a:effectRef>
+                  <a:fontRef idx="minor">
+                    <a:schemeClr val="tx1"/>
+                  </a:fontRef>
+                </p:style>
+              </p:cxnSp>
+              <p:cxnSp>
+                <p:nvCxnSpPr>
+                  <p:cNvPr id="42" name="Curved Connector 41"/>
+                  <p:cNvCxnSpPr>
+                    <a:stCxn id="59" idx="1"/>
+                    <a:endCxn id="60" idx="1"/>
+                  </p:cNvCxnSpPr>
+                  <p:nvPr/>
+                </p:nvCxnSpPr>
+                <p:spPr>
+                  <a:xfrm flipV="1">
+                    <a:off x="5257800" y="1652270"/>
+                    <a:ext cx="457200" cy="486410"/>
+                  </a:xfrm>
+                  <a:prstGeom prst="curvedConnector3">
+                    <a:avLst>
+                      <a:gd name="adj1" fmla="val 50000"/>
+                    </a:avLst>
+                  </a:prstGeom>
+                  <a:ln w="9525">
+                    <a:solidFill>
+                      <a:schemeClr val="tx1"/>
+                    </a:solidFill>
+                    <a:headEnd type="triangle" w="med" len="med"/>
+                    <a:tailEnd type="triangle" w="med" len="med"/>
+                  </a:ln>
+                </p:spPr>
+                <p:style>
+                  <a:lnRef idx="1">
+                    <a:schemeClr val="accent1"/>
+                  </a:lnRef>
+                  <a:fillRef idx="0">
+                    <a:schemeClr val="accent1"/>
+                  </a:fillRef>
+                  <a:effectRef idx="0">
+                    <a:schemeClr val="accent1"/>
+                  </a:effectRef>
+                  <a:fontRef idx="minor">
+                    <a:schemeClr val="tx1"/>
+                  </a:fontRef>
+                </p:style>
+              </p:cxnSp>
+              <p:cxnSp>
+                <p:nvCxnSpPr>
+                  <p:cNvPr id="43" name="Curved Connector 42"/>
+                  <p:cNvCxnSpPr>
+                    <a:stCxn id="60" idx="3"/>
+                  </p:cNvCxnSpPr>
+                  <p:nvPr/>
+                </p:nvCxnSpPr>
+                <p:spPr>
+                  <a:xfrm>
+                    <a:off x="6743700" y="1652270"/>
+                    <a:ext cx="527024" cy="82550"/>
+                  </a:xfrm>
+                  <a:prstGeom prst="curvedConnector3">
+                    <a:avLst>
+                      <a:gd name="adj1" fmla="val 50000"/>
+                    </a:avLst>
+                  </a:prstGeom>
+                  <a:ln w="9525">
+                    <a:solidFill>
+                      <a:schemeClr val="tx1"/>
+                    </a:solidFill>
+                    <a:headEnd type="triangle" w="med" len="med"/>
+                    <a:tailEnd type="triangle" w="med" len="med"/>
+                  </a:ln>
+                </p:spPr>
+                <p:style>
+                  <a:lnRef idx="1">
+                    <a:schemeClr val="accent1"/>
+                  </a:lnRef>
+                  <a:fillRef idx="0">
+                    <a:schemeClr val="accent1"/>
+                  </a:fillRef>
+                  <a:effectRef idx="0">
+                    <a:schemeClr val="accent1"/>
+                  </a:effectRef>
+                  <a:fontRef idx="minor">
+                    <a:schemeClr val="tx1"/>
+                  </a:fontRef>
+                </p:style>
+              </p:cxnSp>
+              <p:grpSp>
+                <p:nvGrpSpPr>
+                  <p:cNvPr id="44" name="Group 43"/>
+                  <p:cNvGrpSpPr/>
+                  <p:nvPr/>
+                </p:nvGrpSpPr>
+                <p:grpSpPr>
+                  <a:xfrm>
+                    <a:off x="3771898" y="1887665"/>
+                    <a:ext cx="571502" cy="487677"/>
+                    <a:chOff x="3771898" y="1887665"/>
+                    <a:chExt cx="571502" cy="487677"/>
+                  </a:xfrm>
+                </p:grpSpPr>
+                <p:sp>
+                  <p:nvSpPr>
+                    <p:cNvPr id="84" name="Snip Same Side Corner Rectangle 83"/>
+                    <p:cNvSpPr/>
+                    <p:nvPr/>
+                  </p:nvSpPr>
+                  <p:spPr>
+                    <a:xfrm rot="5400000">
+                      <a:off x="3831590" y="1847850"/>
+                      <a:ext cx="452120" cy="571500"/>
+                    </a:xfrm>
+                    <a:prstGeom prst="snip2SameRect">
+                      <a:avLst>
+                        <a:gd name="adj1" fmla="val 32667"/>
+                        <a:gd name="adj2" fmla="val 0"/>
+                      </a:avLst>
+                    </a:prstGeom>
+                    <a:solidFill>
+                      <a:schemeClr val="accent1">
+                        <a:lumMod val="75000"/>
+                      </a:schemeClr>
+                    </a:solidFill>
+                  </p:spPr>
+                  <p:style>
+                    <a:lnRef idx="2">
+                      <a:schemeClr val="dk1"/>
+                    </a:lnRef>
+                    <a:fillRef idx="1">
+                      <a:schemeClr val="lt1"/>
+                    </a:fillRef>
+                    <a:effectRef idx="0">
+                      <a:schemeClr val="dk1"/>
+                    </a:effectRef>
+                    <a:fontRef idx="minor">
+                      <a:schemeClr val="dk1"/>
+                    </a:fontRef>
+                  </p:style>
+                  <p:txBody>
+                    <a:bodyPr rot="0" spcFirstLastPara="0" vert="horz" wrap="square" lIns="91440" tIns="45720" rIns="91440" bIns="45720" numCol="1" spcCol="0" rtlCol="0" fromWordArt="0" anchor="ctr" anchorCtr="0" forceAA="0" compatLnSpc="1">
+                      <a:prstTxWarp prst="textNoShape">
+                        <a:avLst/>
+                      </a:prstTxWarp>
+                      <a:noAutofit/>
+                    </a:bodyPr>
+                    <a:lstStyle/>
+                    <a:p>
+                      <a:endParaRPr lang="en-US"/>
+                    </a:p>
+                  </p:txBody>
+                </p:sp>
+                <p:sp>
+                  <p:nvSpPr>
+                    <p:cNvPr id="85" name="Text Box 49"/>
+                    <p:cNvSpPr txBox="1"/>
+                    <p:nvPr/>
+                  </p:nvSpPr>
+                  <p:spPr>
+                    <a:xfrm rot="5400000">
+                      <a:off x="3655584" y="2003979"/>
+                      <a:ext cx="487677" cy="255049"/>
+                    </a:xfrm>
+                    <a:prstGeom prst="rect">
+                      <a:avLst/>
+                    </a:prstGeom>
+                    <a:noFill/>
+                    <a:ln w="6350">
+                      <a:noFill/>
+                    </a:ln>
+                    <a:effectLst/>
+                  </p:spPr>
+                  <p:style>
+                    <a:lnRef idx="0">
+                      <a:schemeClr val="accent1"/>
+                    </a:lnRef>
+                    <a:fillRef idx="0">
+                      <a:schemeClr val="accent1"/>
+                    </a:fillRef>
+                    <a:effectRef idx="0">
+                      <a:schemeClr val="accent1"/>
+                    </a:effectRef>
+                    <a:fontRef idx="minor">
+                      <a:schemeClr val="dk1"/>
+                    </a:fontRef>
+                  </p:style>
+                  <p:txBody>
+                    <a:bodyPr rot="0" spcFirstLastPara="0" vert="horz" wrap="square" lIns="91440" tIns="45720" rIns="91440" bIns="45720" numCol="1" spcCol="0" rtlCol="0" fromWordArt="0" anchor="t" anchorCtr="0" forceAA="0" compatLnSpc="1">
+                      <a:prstTxWarp prst="textNoShape">
+                        <a:avLst/>
+                      </a:prstTxWarp>
+                      <a:noAutofit/>
+                    </a:bodyPr>
+                    <a:lstStyle/>
+                    <a:p>
+                      <a:pPr marL="0" marR="0">
+                        <a:lnSpc>
+                          <a:spcPct val="107000"/>
+                        </a:lnSpc>
+                        <a:spcBef>
+                          <a:spcPts val="0"/>
+                        </a:spcBef>
+                        <a:spcAft>
+                          <a:spcPts val="800"/>
+                        </a:spcAft>
+                      </a:pPr>
+                      <a:r>
+                        <a:rPr lang="en-US" sz="1100">
+                          <a:solidFill>
+                            <a:srgbClr val="FFFFFF"/>
+                          </a:solidFill>
+                          <a:effectLst/>
+                          <a:ea typeface="Calibri" panose="020F0502020204030204" pitchFamily="34" charset="0"/>
+                          <a:cs typeface="Times New Roman" panose="02020603050405020304" pitchFamily="18" charset="0"/>
+                        </a:rPr>
+                        <a:t>XBee</a:t>
+                      </a:r>
+                      <a:endParaRPr lang="en-US" sz="1100">
+                        <a:effectLst/>
+                        <a:ea typeface="Calibri" panose="020F0502020204030204" pitchFamily="34" charset="0"/>
+                        <a:cs typeface="Times New Roman" panose="02020603050405020304" pitchFamily="18" charset="0"/>
+                      </a:endParaRPr>
+                    </a:p>
+                  </p:txBody>
+                </p:sp>
+              </p:grpSp>
+              <p:grpSp>
+                <p:nvGrpSpPr>
+                  <p:cNvPr id="45" name="Group 44"/>
+                  <p:cNvGrpSpPr/>
+                  <p:nvPr/>
+                </p:nvGrpSpPr>
+                <p:grpSpPr>
+                  <a:xfrm>
+                    <a:off x="4686300" y="1895917"/>
+                    <a:ext cx="572127" cy="487045"/>
+                    <a:chOff x="4686300" y="1895917"/>
+                    <a:chExt cx="572127" cy="487045"/>
+                  </a:xfrm>
+                </p:grpSpPr>
+                <p:sp>
+                  <p:nvSpPr>
+                    <p:cNvPr id="82" name="Snip Same Side Corner Rectangle 81"/>
+                    <p:cNvSpPr/>
+                    <p:nvPr/>
+                  </p:nvSpPr>
+                  <p:spPr>
+                    <a:xfrm rot="16200000">
+                      <a:off x="4745990" y="1852930"/>
+                      <a:ext cx="452120" cy="571500"/>
+                    </a:xfrm>
+                    <a:prstGeom prst="snip2SameRect">
+                      <a:avLst>
+                        <a:gd name="adj1" fmla="val 32667"/>
+                        <a:gd name="adj2" fmla="val 0"/>
+                      </a:avLst>
+                    </a:prstGeom>
+                    <a:solidFill>
+                      <a:schemeClr val="accent1">
+                        <a:lumMod val="75000"/>
+                      </a:schemeClr>
+                    </a:solidFill>
+                  </p:spPr>
+                  <p:style>
+                    <a:lnRef idx="2">
+                      <a:schemeClr val="dk1"/>
+                    </a:lnRef>
+                    <a:fillRef idx="1">
+                      <a:schemeClr val="lt1"/>
+                    </a:fillRef>
+                    <a:effectRef idx="0">
+                      <a:schemeClr val="dk1"/>
+                    </a:effectRef>
+                    <a:fontRef idx="minor">
+                      <a:schemeClr val="dk1"/>
+                    </a:fontRef>
+                  </p:style>
+                  <p:txBody>
+                    <a:bodyPr rot="0" spcFirstLastPara="0" vert="horz" wrap="square" lIns="91440" tIns="45720" rIns="91440" bIns="45720" numCol="1" spcCol="0" rtlCol="0" fromWordArt="0" anchor="ctr" anchorCtr="0" forceAA="0" compatLnSpc="1">
+                      <a:prstTxWarp prst="textNoShape">
+                        <a:avLst/>
+                      </a:prstTxWarp>
+                      <a:noAutofit/>
+                    </a:bodyPr>
+                    <a:lstStyle/>
+                    <a:p>
+                      <a:endParaRPr lang="en-US"/>
+                    </a:p>
+                  </p:txBody>
+                </p:sp>
+                <p:sp>
+                  <p:nvSpPr>
+                    <p:cNvPr id="83" name="Text Box 77"/>
+                    <p:cNvSpPr txBox="1"/>
+                    <p:nvPr/>
+                  </p:nvSpPr>
+                  <p:spPr>
+                    <a:xfrm rot="16200000">
+                      <a:off x="4887587" y="2012122"/>
+                      <a:ext cx="487045" cy="254635"/>
+                    </a:xfrm>
+                    <a:prstGeom prst="rect">
+                      <a:avLst/>
+                    </a:prstGeom>
+                    <a:noFill/>
+                    <a:ln w="6350">
+                      <a:noFill/>
+                    </a:ln>
+                    <a:effectLst/>
+                  </p:spPr>
+                  <p:style>
+                    <a:lnRef idx="0">
+                      <a:schemeClr val="accent1"/>
+                    </a:lnRef>
+                    <a:fillRef idx="0">
+                      <a:schemeClr val="accent1"/>
+                    </a:fillRef>
+                    <a:effectRef idx="0">
+                      <a:schemeClr val="accent1"/>
+                    </a:effectRef>
+                    <a:fontRef idx="minor">
+                      <a:schemeClr val="dk1"/>
+                    </a:fontRef>
+                  </p:style>
+                  <p:txBody>
+                    <a:bodyPr rot="0" spcFirstLastPara="0" vert="horz" wrap="square" lIns="91440" tIns="45720" rIns="91440" bIns="45720" numCol="1" spcCol="0" rtlCol="0" fromWordArt="0" anchor="t" anchorCtr="0" forceAA="0" compatLnSpc="1">
+                      <a:prstTxWarp prst="textNoShape">
+                        <a:avLst/>
+                      </a:prstTxWarp>
+                      <a:noAutofit/>
+                    </a:bodyPr>
+                    <a:lstStyle/>
+                    <a:p>
+                      <a:pPr marL="0" marR="0">
+                        <a:lnSpc>
+                          <a:spcPct val="106000"/>
+                        </a:lnSpc>
+                        <a:spcBef>
+                          <a:spcPts val="0"/>
+                        </a:spcBef>
+                        <a:spcAft>
+                          <a:spcPts val="800"/>
+                        </a:spcAft>
+                      </a:pPr>
+                      <a:r>
+                        <a:rPr lang="en-US" sz="1100">
+                          <a:solidFill>
+                            <a:srgbClr val="FFFFFF"/>
+                          </a:solidFill>
+                          <a:effectLst/>
+                          <a:ea typeface="Calibri" panose="020F0502020204030204" pitchFamily="34" charset="0"/>
+                        </a:rPr>
+                        <a:t>XBee</a:t>
+                      </a:r>
+                      <a:endParaRPr lang="en-US" sz="1200">
+                        <a:effectLst/>
+                        <a:latin typeface="Times New Roman" panose="02020603050405020304" pitchFamily="18" charset="0"/>
+                        <a:ea typeface="Times New Roman" panose="02020603050405020304" pitchFamily="18" charset="0"/>
+                      </a:endParaRPr>
+                    </a:p>
+                  </p:txBody>
+                </p:sp>
+              </p:grpSp>
+              <p:grpSp>
+                <p:nvGrpSpPr>
+                  <p:cNvPr id="46" name="Group 45"/>
+                  <p:cNvGrpSpPr/>
+                  <p:nvPr/>
+                </p:nvGrpSpPr>
+                <p:grpSpPr>
+                  <a:xfrm>
+                    <a:off x="5715000" y="909320"/>
+                    <a:ext cx="1028700" cy="1485900"/>
+                    <a:chOff x="5715000" y="909320"/>
+                    <a:chExt cx="1028700" cy="1485900"/>
+                  </a:xfrm>
+                </p:grpSpPr>
+                <p:grpSp>
+                  <p:nvGrpSpPr>
+                    <p:cNvPr id="76" name="Group 75"/>
+                    <p:cNvGrpSpPr/>
+                    <p:nvPr/>
+                  </p:nvGrpSpPr>
+                  <p:grpSpPr>
+                    <a:xfrm>
+                      <a:off x="5715000" y="909320"/>
+                      <a:ext cx="1028700" cy="1485900"/>
+                      <a:chOff x="5715000" y="909320"/>
+                      <a:chExt cx="1028700" cy="1485900"/>
+                    </a:xfrm>
+                  </p:grpSpPr>
+                  <p:sp>
+                    <p:nvSpPr>
+                      <p:cNvPr id="78" name="Rectangle 77"/>
+                      <p:cNvSpPr/>
+                      <p:nvPr/>
+                    </p:nvSpPr>
+                    <p:spPr>
+                      <a:xfrm>
+                        <a:off x="5715000" y="909320"/>
+                        <a:ext cx="1028700" cy="1485900"/>
+                      </a:xfrm>
+                      <a:prstGeom prst="rect">
+                        <a:avLst/>
+                      </a:prstGeom>
+                      <a:solidFill>
+                        <a:schemeClr val="accent1">
+                          <a:lumMod val="75000"/>
+                        </a:schemeClr>
+                      </a:solidFill>
+                    </p:spPr>
+                    <p:style>
+                      <a:lnRef idx="2">
+                        <a:schemeClr val="dk1"/>
+                      </a:lnRef>
+                      <a:fillRef idx="1">
+                        <a:schemeClr val="lt1"/>
+                      </a:fillRef>
+                      <a:effectRef idx="0">
+                        <a:schemeClr val="dk1"/>
+                      </a:effectRef>
+                      <a:fontRef idx="minor">
+                        <a:schemeClr val="dk1"/>
+                      </a:fontRef>
+                    </p:style>
+                    <p:txBody>
+                      <a:bodyPr rot="0" spcFirstLastPara="0" vert="horz" wrap="square" lIns="91440" tIns="45720" rIns="91440" bIns="45720" numCol="1" spcCol="0" rtlCol="0" fromWordArt="0" anchor="ctr" anchorCtr="0" forceAA="0" compatLnSpc="1">
+                        <a:prstTxWarp prst="textNoShape">
+                          <a:avLst/>
+                        </a:prstTxWarp>
+                        <a:noAutofit/>
+                      </a:bodyPr>
+                      <a:lstStyle/>
+                      <a:p>
+                        <a:endParaRPr lang="en-US"/>
+                      </a:p>
+                    </p:txBody>
+                  </p:sp>
+                  <p:sp>
+                    <p:nvSpPr>
+                      <p:cNvPr id="79" name="Rectangle 78"/>
+                      <p:cNvSpPr/>
+                      <p:nvPr/>
+                    </p:nvSpPr>
+                    <p:spPr>
+                      <a:xfrm>
+                        <a:off x="5787453" y="962834"/>
+                        <a:ext cx="54864" cy="1188720"/>
+                      </a:xfrm>
+                      <a:prstGeom prst="rect">
+                        <a:avLst/>
+                      </a:prstGeom>
+                    </p:spPr>
+                    <p:style>
+                      <a:lnRef idx="2">
+                        <a:schemeClr val="dk1">
+                          <a:shade val="50000"/>
+                        </a:schemeClr>
+                      </a:lnRef>
+                      <a:fillRef idx="1">
+                        <a:schemeClr val="dk1"/>
+                      </a:fillRef>
+                      <a:effectRef idx="0">
+                        <a:schemeClr val="dk1"/>
+                      </a:effectRef>
+                      <a:fontRef idx="minor">
+                        <a:schemeClr val="lt1"/>
+                      </a:fontRef>
+                    </p:style>
+                    <p:txBody>
+                      <a:bodyPr rot="0" spcFirstLastPara="0" vert="horz" wrap="square" lIns="91440" tIns="45720" rIns="91440" bIns="45720" numCol="1" spcCol="0" rtlCol="0" fromWordArt="0" anchor="ctr" anchorCtr="0" forceAA="0" compatLnSpc="1">
+                        <a:prstTxWarp prst="textNoShape">
+                          <a:avLst/>
+                        </a:prstTxWarp>
+                        <a:noAutofit/>
+                      </a:bodyPr>
+                      <a:lstStyle/>
+                      <a:p>
+                        <a:endParaRPr lang="en-US"/>
+                      </a:p>
+                    </p:txBody>
+                  </p:sp>
+                  <p:sp>
+                    <p:nvSpPr>
+                      <p:cNvPr id="80" name="Rectangle 79"/>
+                      <p:cNvSpPr/>
+                      <p:nvPr/>
+                    </p:nvSpPr>
+                    <p:spPr>
+                      <a:xfrm>
+                        <a:off x="6583009" y="962578"/>
+                        <a:ext cx="54864" cy="1188720"/>
+                      </a:xfrm>
+                      <a:prstGeom prst="rect">
+                        <a:avLst/>
+                      </a:prstGeom>
+                    </p:spPr>
+                    <p:style>
+                      <a:lnRef idx="2">
+                        <a:schemeClr val="dk1">
+                          <a:shade val="50000"/>
+                        </a:schemeClr>
+                      </a:lnRef>
+                      <a:fillRef idx="1">
+                        <a:schemeClr val="dk1"/>
+                      </a:fillRef>
+                      <a:effectRef idx="0">
+                        <a:schemeClr val="dk1"/>
+                      </a:effectRef>
+                      <a:fontRef idx="minor">
+                        <a:schemeClr val="lt1"/>
+                      </a:fontRef>
+                    </p:style>
+                    <p:txBody>
+                      <a:bodyPr rot="0" spcFirstLastPara="0" vert="horz" wrap="square" lIns="91440" tIns="45720" rIns="91440" bIns="45720" numCol="1" spcCol="0" rtlCol="0" fromWordArt="0" anchor="ctr" anchorCtr="0" forceAA="0" compatLnSpc="1">
+                        <a:prstTxWarp prst="textNoShape">
+                          <a:avLst/>
+                        </a:prstTxWarp>
+                        <a:noAutofit/>
+                      </a:bodyPr>
+                      <a:lstStyle/>
+                      <a:p>
+                        <a:endParaRPr lang="en-US"/>
+                      </a:p>
+                    </p:txBody>
+                  </p:sp>
+                  <p:sp>
+                    <p:nvSpPr>
+                      <p:cNvPr id="81" name="Rectangle 80"/>
+                      <p:cNvSpPr/>
+                      <p:nvPr/>
+                    </p:nvSpPr>
+                    <p:spPr>
+                      <a:xfrm>
+                        <a:off x="5787453" y="2231219"/>
+                        <a:ext cx="850420" cy="109728"/>
+                      </a:xfrm>
+                      <a:prstGeom prst="rect">
+                        <a:avLst/>
+                      </a:prstGeom>
+                    </p:spPr>
+                    <p:style>
+                      <a:lnRef idx="2">
+                        <a:schemeClr val="dk1">
+                          <a:shade val="50000"/>
+                        </a:schemeClr>
+                      </a:lnRef>
+                      <a:fillRef idx="1">
+                        <a:schemeClr val="dk1"/>
+                      </a:fillRef>
+                      <a:effectRef idx="0">
+                        <a:schemeClr val="dk1"/>
+                      </a:effectRef>
+                      <a:fontRef idx="minor">
+                        <a:schemeClr val="lt1"/>
+                      </a:fontRef>
+                    </p:style>
+                    <p:txBody>
+                      <a:bodyPr rot="0" spcFirstLastPara="0" vert="horz" wrap="square" lIns="91440" tIns="45720" rIns="91440" bIns="45720" numCol="1" spcCol="0" rtlCol="0" fromWordArt="0" anchor="ctr" anchorCtr="0" forceAA="0" compatLnSpc="1">
+                        <a:prstTxWarp prst="textNoShape">
+                          <a:avLst/>
+                        </a:prstTxWarp>
+                        <a:noAutofit/>
+                      </a:bodyPr>
+                      <a:lstStyle/>
+                      <a:p>
+                        <a:endParaRPr lang="en-US"/>
+                      </a:p>
+                    </p:txBody>
+                  </p:sp>
+                </p:grpSp>
+                <p:sp>
+                  <p:nvSpPr>
+                    <p:cNvPr id="77" name="Text Box 77"/>
+                    <p:cNvSpPr txBox="1"/>
+                    <p:nvPr/>
+                  </p:nvSpPr>
+                  <p:spPr>
+                    <a:xfrm rot="5400000">
+                      <a:off x="5266247" y="1386601"/>
+                      <a:ext cx="1339817" cy="442312"/>
+                    </a:xfrm>
+                    <a:prstGeom prst="rect">
+                      <a:avLst/>
+                    </a:prstGeom>
+                    <a:noFill/>
+                    <a:ln w="6350">
+                      <a:noFill/>
+                    </a:ln>
+                    <a:effectLst/>
+                  </p:spPr>
+                  <p:style>
+                    <a:lnRef idx="0">
+                      <a:schemeClr val="accent1"/>
+                    </a:lnRef>
+                    <a:fillRef idx="0">
+                      <a:schemeClr val="accent1"/>
+                    </a:fillRef>
+                    <a:effectRef idx="0">
+                      <a:schemeClr val="accent1"/>
+                    </a:effectRef>
+                    <a:fontRef idx="minor">
+                      <a:schemeClr val="dk1"/>
+                    </a:fontRef>
+                  </p:style>
+                  <p:txBody>
+                    <a:bodyPr rot="0" spcFirstLastPara="0" vert="horz" wrap="square" lIns="91440" tIns="45720" rIns="91440" bIns="45720" numCol="1" spcCol="0" rtlCol="0" fromWordArt="0" anchor="t" anchorCtr="0" forceAA="0" compatLnSpc="1">
+                      <a:prstTxWarp prst="textNoShape">
+                        <a:avLst/>
+                      </a:prstTxWarp>
+                      <a:noAutofit/>
+                    </a:bodyPr>
+                    <a:lstStyle/>
+                    <a:p>
+                      <a:pPr marL="0" marR="0">
+                        <a:lnSpc>
+                          <a:spcPct val="106000"/>
+                        </a:lnSpc>
+                        <a:spcBef>
+                          <a:spcPts val="0"/>
+                        </a:spcBef>
+                        <a:spcAft>
+                          <a:spcPts val="800"/>
+                        </a:spcAft>
+                      </a:pPr>
+                      <a:r>
+                        <a:rPr lang="en-US" sz="1100" dirty="0">
+                          <a:solidFill>
+                            <a:srgbClr val="FFFFFF"/>
+                          </a:solidFill>
+                          <a:effectLst/>
+                          <a:ea typeface="Calibri" panose="020F0502020204030204" pitchFamily="34" charset="0"/>
+                        </a:rPr>
+                        <a:t>Arduino Mega 2560</a:t>
+                      </a:r>
+                      <a:endParaRPr lang="en-US" sz="1200" dirty="0">
+                        <a:effectLst/>
+                        <a:latin typeface="Times New Roman" panose="02020603050405020304" pitchFamily="18" charset="0"/>
+                        <a:ea typeface="Times New Roman" panose="02020603050405020304" pitchFamily="18" charset="0"/>
+                      </a:endParaRPr>
+                    </a:p>
+                  </p:txBody>
+                </p:sp>
+              </p:grpSp>
+              <p:grpSp>
+                <p:nvGrpSpPr>
+                  <p:cNvPr id="47" name="Group 46"/>
+                  <p:cNvGrpSpPr/>
+                  <p:nvPr/>
+                </p:nvGrpSpPr>
+                <p:grpSpPr>
+                  <a:xfrm>
+                    <a:off x="2057400" y="1174721"/>
+                    <a:ext cx="1371600" cy="1220499"/>
+                    <a:chOff x="2057400" y="1174721"/>
+                    <a:chExt cx="1371600" cy="1220499"/>
+                  </a:xfrm>
+                </p:grpSpPr>
+                <p:grpSp>
+                  <p:nvGrpSpPr>
+                    <p:cNvPr id="69" name="Group 68"/>
+                    <p:cNvGrpSpPr/>
+                    <p:nvPr/>
+                  </p:nvGrpSpPr>
+                  <p:grpSpPr>
+                    <a:xfrm>
+                      <a:off x="2057400" y="1174721"/>
+                      <a:ext cx="1371600" cy="1220499"/>
+                      <a:chOff x="2057400" y="1174721"/>
+                      <a:chExt cx="1371600" cy="1220499"/>
+                    </a:xfrm>
+                  </p:grpSpPr>
+                  <p:grpSp>
+                    <p:nvGrpSpPr>
+                      <p:cNvPr id="71" name="Group 70"/>
+                      <p:cNvGrpSpPr/>
+                      <p:nvPr/>
+                    </p:nvGrpSpPr>
+                    <p:grpSpPr>
+                      <a:xfrm>
+                        <a:off x="2057400" y="1174721"/>
+                        <a:ext cx="1371600" cy="1220499"/>
+                        <a:chOff x="2743200" y="1028700"/>
+                        <a:chExt cx="1371600" cy="1220499"/>
+                      </a:xfrm>
+                    </p:grpSpPr>
+                    <p:sp>
+                      <p:nvSpPr>
+                        <p:cNvPr id="73" name="Rounded Rectangle 72"/>
+                        <p:cNvSpPr/>
+                        <p:nvPr/>
+                      </p:nvSpPr>
+                      <p:spPr>
+                        <a:xfrm>
+                          <a:off x="2743200" y="2134899"/>
+                          <a:ext cx="1371600" cy="114300"/>
+                        </a:xfrm>
+                        <a:prstGeom prst="roundRect">
+                          <a:avLst/>
+                        </a:prstGeom>
+                        <a:solidFill>
+                          <a:schemeClr val="tx1">
+                            <a:lumMod val="85000"/>
+                            <a:lumOff val="15000"/>
+                          </a:schemeClr>
+                        </a:solidFill>
+                      </p:spPr>
+                      <p:style>
+                        <a:lnRef idx="2">
+                          <a:schemeClr val="dk1"/>
+                        </a:lnRef>
+                        <a:fillRef idx="1">
+                          <a:schemeClr val="lt1"/>
+                        </a:fillRef>
+                        <a:effectRef idx="0">
+                          <a:schemeClr val="dk1"/>
+                        </a:effectRef>
+                        <a:fontRef idx="minor">
+                          <a:schemeClr val="dk1"/>
+                        </a:fontRef>
+                      </p:style>
+                      <p:txBody>
+                        <a:bodyPr rot="0" spcFirstLastPara="0" vert="horz" wrap="square" lIns="91440" tIns="45720" rIns="91440" bIns="45720" numCol="1" spcCol="0" rtlCol="0" fromWordArt="0" anchor="ctr" anchorCtr="0" forceAA="0" compatLnSpc="1">
+                          <a:prstTxWarp prst="textNoShape">
+                            <a:avLst/>
+                          </a:prstTxWarp>
+                          <a:noAutofit/>
+                        </a:bodyPr>
+                        <a:lstStyle/>
+                        <a:p>
+                          <a:endParaRPr lang="en-US"/>
+                        </a:p>
+                      </p:txBody>
+                    </p:sp>
+                    <p:sp>
+                      <p:nvSpPr>
+                        <p:cNvPr id="74" name="Rounded Rectangle 73"/>
+                        <p:cNvSpPr/>
+                        <p:nvPr/>
+                      </p:nvSpPr>
+                      <p:spPr>
+                        <a:xfrm>
+                          <a:off x="2743200" y="1028700"/>
+                          <a:ext cx="1371600" cy="800100"/>
+                        </a:xfrm>
+                        <a:prstGeom prst="roundRect">
+                          <a:avLst>
+                            <a:gd name="adj" fmla="val 3036"/>
+                          </a:avLst>
+                        </a:prstGeom>
+                        <a:solidFill>
+                          <a:schemeClr val="tx1">
+                            <a:lumMod val="85000"/>
+                            <a:lumOff val="15000"/>
+                          </a:schemeClr>
+                        </a:solidFill>
+                      </p:spPr>
+                      <p:style>
+                        <a:lnRef idx="2">
+                          <a:schemeClr val="dk1"/>
+                        </a:lnRef>
+                        <a:fillRef idx="1">
+                          <a:schemeClr val="lt1"/>
+                        </a:fillRef>
+                        <a:effectRef idx="0">
+                          <a:schemeClr val="dk1"/>
+                        </a:effectRef>
+                        <a:fontRef idx="minor">
+                          <a:schemeClr val="dk1"/>
+                        </a:fontRef>
+                      </p:style>
+                      <p:txBody>
+                        <a:bodyPr rot="0" spcFirstLastPara="0" vert="horz" wrap="square" lIns="91440" tIns="45720" rIns="91440" bIns="45720" numCol="1" spcCol="0" rtlCol="0" fromWordArt="0" anchor="ctr" anchorCtr="0" forceAA="0" compatLnSpc="1">
+                          <a:prstTxWarp prst="textNoShape">
+                            <a:avLst/>
+                          </a:prstTxWarp>
+                          <a:noAutofit/>
+                        </a:bodyPr>
+                        <a:lstStyle/>
+                        <a:p>
+                          <a:endParaRPr lang="en-US"/>
+                        </a:p>
+                      </p:txBody>
+                    </p:sp>
+                    <p:sp>
+                      <p:nvSpPr>
+                        <p:cNvPr id="75" name="Rounded Rectangle 74"/>
+                        <p:cNvSpPr/>
+                        <p:nvPr/>
+                      </p:nvSpPr>
+                      <p:spPr>
+                        <a:xfrm>
+                          <a:off x="2743200" y="1820334"/>
+                          <a:ext cx="1371600" cy="332318"/>
+                        </a:xfrm>
+                        <a:prstGeom prst="roundRect">
+                          <a:avLst>
+                            <a:gd name="adj" fmla="val 0"/>
+                          </a:avLst>
+                        </a:prstGeom>
+                        <a:solidFill>
+                          <a:schemeClr val="tx1">
+                            <a:lumMod val="65000"/>
+                            <a:lumOff val="35000"/>
+                          </a:schemeClr>
+                        </a:solidFill>
+                      </p:spPr>
+                      <p:style>
+                        <a:lnRef idx="2">
+                          <a:schemeClr val="dk1"/>
+                        </a:lnRef>
+                        <a:fillRef idx="1">
+                          <a:schemeClr val="lt1"/>
+                        </a:fillRef>
+                        <a:effectRef idx="0">
+                          <a:schemeClr val="dk1"/>
+                        </a:effectRef>
+                        <a:fontRef idx="minor">
+                          <a:schemeClr val="dk1"/>
+                        </a:fontRef>
+                      </p:style>
+                      <p:txBody>
+                        <a:bodyPr rot="0" spcFirstLastPara="0" vert="horz" wrap="square" lIns="91440" tIns="45720" rIns="91440" bIns="45720" numCol="1" spcCol="0" rtlCol="0" fromWordArt="0" anchor="ctr" anchorCtr="0" forceAA="0" compatLnSpc="1">
+                          <a:prstTxWarp prst="textNoShape">
+                            <a:avLst/>
+                          </a:prstTxWarp>
+                          <a:noAutofit/>
+                        </a:bodyPr>
+                        <a:lstStyle/>
+                        <a:p>
+                          <a:endParaRPr lang="en-US"/>
+                        </a:p>
+                      </p:txBody>
+                    </p:sp>
+                  </p:grpSp>
+                  <p:sp>
+                    <p:nvSpPr>
+                      <p:cNvPr id="72" name="Rounded Rectangle 71"/>
+                      <p:cNvSpPr/>
+                      <p:nvPr/>
+                    </p:nvSpPr>
+                    <p:spPr>
+                      <a:xfrm>
+                        <a:off x="2097146" y="1218425"/>
+                        <a:ext cx="1292109" cy="702591"/>
+                      </a:xfrm>
+                      <a:prstGeom prst="roundRect">
+                        <a:avLst>
+                          <a:gd name="adj" fmla="val 1930"/>
+                        </a:avLst>
+                      </a:prstGeom>
+                      <a:solidFill>
+                        <a:schemeClr val="bg1"/>
+                      </a:solidFill>
+                      <a:ln>
+                        <a:solidFill>
+                          <a:schemeClr val="tx1"/>
+                        </a:solidFill>
+                      </a:ln>
+                    </p:spPr>
+                    <p:style>
+                      <a:lnRef idx="2">
+                        <a:schemeClr val="accent1">
+                          <a:shade val="50000"/>
+                        </a:schemeClr>
+                      </a:lnRef>
+                      <a:fillRef idx="1">
+                        <a:schemeClr val="accent1"/>
+                      </a:fillRef>
+                      <a:effectRef idx="0">
+                        <a:schemeClr val="accent1"/>
+                      </a:effectRef>
+                      <a:fontRef idx="minor">
+                        <a:schemeClr val="lt1"/>
+                      </a:fontRef>
+                    </p:style>
+                    <p:txBody>
+                      <a:bodyPr rot="0" spcFirstLastPara="0" vert="horz" wrap="square" lIns="91440" tIns="45720" rIns="91440" bIns="45720" numCol="1" spcCol="0" rtlCol="0" fromWordArt="0" anchor="ctr" anchorCtr="0" forceAA="0" compatLnSpc="1">
+                        <a:prstTxWarp prst="textNoShape">
+                          <a:avLst/>
+                        </a:prstTxWarp>
+                        <a:noAutofit/>
+                      </a:bodyPr>
+                      <a:lstStyle/>
+                      <a:p>
+                        <a:endParaRPr lang="en-US"/>
+                      </a:p>
+                    </p:txBody>
+                  </p:sp>
+                </p:grpSp>
+                <p:pic>
+                  <p:nvPicPr>
+                    <p:cNvPr id="70" name="Picture 69"/>
+                    <p:cNvPicPr>
+                      <a:picLocks noChangeAspect="1"/>
+                    </p:cNvPicPr>
+                    <p:nvPr/>
+                  </p:nvPicPr>
+                  <p:blipFill rotWithShape="1">
+                    <a:blip r:embed="rId16"/>
+                    <a:srcRect l="16517" t="5696" r="17632" b="12101"/>
+                    <a:stretch/>
+                  </p:blipFill>
+                  <p:spPr>
+                    <a:xfrm>
+                      <a:off x="2198813" y="1235967"/>
+                      <a:ext cx="1078837" cy="673361"/>
+                    </a:xfrm>
+                    <a:prstGeom prst="rect">
+                      <a:avLst/>
+                    </a:prstGeom>
+                  </p:spPr>
+                </p:pic>
+              </p:grpSp>
+              <p:grpSp>
+                <p:nvGrpSpPr>
+                  <p:cNvPr id="48" name="Group 47"/>
+                  <p:cNvGrpSpPr/>
+                  <p:nvPr/>
+                </p:nvGrpSpPr>
+                <p:grpSpPr>
+                  <a:xfrm>
+                    <a:off x="114300" y="1595120"/>
+                    <a:ext cx="1714500" cy="800100"/>
+                    <a:chOff x="114300" y="1595120"/>
+                    <a:chExt cx="1714500" cy="800100"/>
+                  </a:xfrm>
+                </p:grpSpPr>
+                <p:grpSp>
+                  <p:nvGrpSpPr>
+                    <p:cNvPr id="49" name="Group 48"/>
+                    <p:cNvGrpSpPr/>
+                    <p:nvPr/>
+                  </p:nvGrpSpPr>
+                  <p:grpSpPr>
+                    <a:xfrm>
+                      <a:off x="114300" y="1595120"/>
+                      <a:ext cx="1714500" cy="800100"/>
+                      <a:chOff x="114300" y="1595120"/>
+                      <a:chExt cx="1714500" cy="800100"/>
+                    </a:xfrm>
+                  </p:grpSpPr>
+                  <p:grpSp>
+                    <p:nvGrpSpPr>
+                      <p:cNvPr id="52" name="Group 51"/>
+                      <p:cNvGrpSpPr/>
+                      <p:nvPr/>
+                    </p:nvGrpSpPr>
+                    <p:grpSpPr>
+                      <a:xfrm>
+                        <a:off x="114300" y="1595120"/>
+                        <a:ext cx="1714500" cy="800100"/>
+                        <a:chOff x="114300" y="1595120"/>
+                        <a:chExt cx="1714500" cy="800100"/>
+                      </a:xfrm>
+                    </p:grpSpPr>
+                    <p:grpSp>
+                      <p:nvGrpSpPr>
+                        <p:cNvPr id="55" name="Group 54"/>
+                        <p:cNvGrpSpPr/>
+                        <p:nvPr/>
+                      </p:nvGrpSpPr>
+                      <p:grpSpPr>
+                        <a:xfrm>
+                          <a:off x="114300" y="1595120"/>
+                          <a:ext cx="1714500" cy="800100"/>
+                          <a:chOff x="114300" y="1595120"/>
+                          <a:chExt cx="1714500" cy="800100"/>
+                        </a:xfrm>
+                      </p:grpSpPr>
+                      <p:grpSp>
+                        <p:nvGrpSpPr>
+                          <p:cNvPr id="61" name="Group 60"/>
+                          <p:cNvGrpSpPr/>
+                          <p:nvPr/>
+                        </p:nvGrpSpPr>
+                        <p:grpSpPr>
+                          <a:xfrm>
+                            <a:off x="114300" y="1595120"/>
+                            <a:ext cx="1714500" cy="800100"/>
+                            <a:chOff x="457200" y="1600200"/>
+                            <a:chExt cx="1714500" cy="800100"/>
+                          </a:xfrm>
+                          <a:solidFill>
+                            <a:schemeClr val="bg1">
+                              <a:lumMod val="85000"/>
+                            </a:schemeClr>
+                          </a:solidFill>
+                        </p:grpSpPr>
+                        <p:sp>
+                          <p:nvSpPr>
+                            <p:cNvPr id="65" name="Rounded Rectangle 64"/>
+                            <p:cNvSpPr/>
+                            <p:nvPr/>
+                          </p:nvSpPr>
+                          <p:spPr>
+                            <a:xfrm>
+                              <a:off x="457200" y="1600200"/>
+                              <a:ext cx="1714500" cy="571500"/>
+                            </a:xfrm>
+                            <a:prstGeom prst="roundRect">
+                              <a:avLst/>
+                            </a:prstGeom>
+                            <a:grpFill/>
+                          </p:spPr>
+                          <p:style>
+                            <a:lnRef idx="2">
+                              <a:schemeClr val="dk1"/>
+                            </a:lnRef>
+                            <a:fillRef idx="1">
+                              <a:schemeClr val="lt1"/>
+                            </a:fillRef>
+                            <a:effectRef idx="0">
+                              <a:schemeClr val="dk1"/>
+                            </a:effectRef>
+                            <a:fontRef idx="minor">
+                              <a:schemeClr val="dk1"/>
+                            </a:fontRef>
+                          </p:style>
+                          <p:txBody>
+                            <a:bodyPr rot="0" spcFirstLastPara="0" vert="horz" wrap="square" lIns="91440" tIns="45720" rIns="91440" bIns="45720" numCol="1" spcCol="0" rtlCol="0" fromWordArt="0" anchor="ctr" anchorCtr="0" forceAA="0" compatLnSpc="1">
+                              <a:prstTxWarp prst="textNoShape">
+                                <a:avLst/>
+                              </a:prstTxWarp>
+                              <a:noAutofit/>
+                            </a:bodyPr>
+                            <a:lstStyle/>
+                            <a:p>
+                              <a:endParaRPr lang="en-US"/>
+                            </a:p>
+                          </p:txBody>
+                        </p:sp>
+                        <p:sp>
+                          <p:nvSpPr>
+                            <p:cNvPr id="66" name="Oval 65"/>
+                            <p:cNvSpPr/>
+                            <p:nvPr/>
+                          </p:nvSpPr>
+                          <p:spPr>
+                            <a:xfrm>
+                              <a:off x="457200" y="1714500"/>
+                              <a:ext cx="685800" cy="685800"/>
+                            </a:xfrm>
+                            <a:prstGeom prst="ellipse">
+                              <a:avLst/>
+                            </a:prstGeom>
+                            <a:grpFill/>
+                          </p:spPr>
+                          <p:style>
+                            <a:lnRef idx="2">
+                              <a:schemeClr val="dk1"/>
+                            </a:lnRef>
+                            <a:fillRef idx="1">
+                              <a:schemeClr val="lt1"/>
+                            </a:fillRef>
+                            <a:effectRef idx="0">
+                              <a:schemeClr val="dk1"/>
+                            </a:effectRef>
+                            <a:fontRef idx="minor">
+                              <a:schemeClr val="dk1"/>
+                            </a:fontRef>
+                          </p:style>
+                          <p:txBody>
+                            <a:bodyPr rot="0" spcFirstLastPara="0" vert="horz" wrap="square" lIns="91440" tIns="45720" rIns="91440" bIns="45720" numCol="1" spcCol="0" rtlCol="0" fromWordArt="0" anchor="ctr" anchorCtr="0" forceAA="0" compatLnSpc="1">
+                              <a:prstTxWarp prst="textNoShape">
+                                <a:avLst/>
+                              </a:prstTxWarp>
+                              <a:noAutofit/>
+                            </a:bodyPr>
+                            <a:lstStyle/>
+                            <a:p>
+                              <a:endParaRPr lang="en-US"/>
+                            </a:p>
+                          </p:txBody>
+                        </p:sp>
+                        <p:sp>
+                          <p:nvSpPr>
+                            <p:cNvPr id="67" name="Oval 66"/>
+                            <p:cNvSpPr/>
+                            <p:nvPr/>
+                          </p:nvSpPr>
+                          <p:spPr>
+                            <a:xfrm>
+                              <a:off x="1485900" y="1714500"/>
+                              <a:ext cx="685800" cy="685800"/>
+                            </a:xfrm>
+                            <a:prstGeom prst="ellipse">
+                              <a:avLst/>
+                            </a:prstGeom>
+                            <a:grpFill/>
+                          </p:spPr>
+                          <p:style>
+                            <a:lnRef idx="2">
+                              <a:schemeClr val="dk1"/>
+                            </a:lnRef>
+                            <a:fillRef idx="1">
+                              <a:schemeClr val="lt1"/>
+                            </a:fillRef>
+                            <a:effectRef idx="0">
+                              <a:schemeClr val="dk1"/>
+                            </a:effectRef>
+                            <a:fontRef idx="minor">
+                              <a:schemeClr val="dk1"/>
+                            </a:fontRef>
+                          </p:style>
+                          <p:txBody>
+                            <a:bodyPr rot="0" spcFirstLastPara="0" vert="horz" wrap="square" lIns="91440" tIns="45720" rIns="91440" bIns="45720" numCol="1" spcCol="0" rtlCol="0" fromWordArt="0" anchor="ctr" anchorCtr="0" forceAA="0" compatLnSpc="1">
+                              <a:prstTxWarp prst="textNoShape">
+                                <a:avLst/>
+                              </a:prstTxWarp>
+                              <a:noAutofit/>
+                            </a:bodyPr>
+                            <a:lstStyle/>
+                            <a:p>
+                              <a:endParaRPr lang="en-US"/>
+                            </a:p>
+                          </p:txBody>
+                        </p:sp>
+                        <p:sp>
+                          <p:nvSpPr>
+                            <p:cNvPr id="68" name="Rounded Rectangle 67"/>
+                            <p:cNvSpPr/>
+                            <p:nvPr/>
+                          </p:nvSpPr>
+                          <p:spPr>
+                            <a:xfrm>
+                              <a:off x="460964" y="1622778"/>
+                              <a:ext cx="1705991" cy="535517"/>
+                            </a:xfrm>
+                            <a:prstGeom prst="roundRect">
+                              <a:avLst/>
+                            </a:prstGeom>
+                            <a:grpFill/>
+                            <a:ln>
+                              <a:noFill/>
+                            </a:ln>
+                          </p:spPr>
+                          <p:style>
+                            <a:lnRef idx="2">
+                              <a:schemeClr val="dk1"/>
+                            </a:lnRef>
+                            <a:fillRef idx="1">
+                              <a:schemeClr val="lt1"/>
+                            </a:fillRef>
+                            <a:effectRef idx="0">
+                              <a:schemeClr val="dk1"/>
+                            </a:effectRef>
+                            <a:fontRef idx="minor">
+                              <a:schemeClr val="dk1"/>
+                            </a:fontRef>
+                          </p:style>
+                          <p:txBody>
+                            <a:bodyPr rot="0" spcFirstLastPara="0" vert="horz" wrap="square" lIns="91440" tIns="45720" rIns="91440" bIns="45720" numCol="1" spcCol="0" rtlCol="0" fromWordArt="0" anchor="ctr" anchorCtr="0" forceAA="0" compatLnSpc="1">
+                              <a:prstTxWarp prst="textNoShape">
+                                <a:avLst/>
+                              </a:prstTxWarp>
+                              <a:noAutofit/>
+                            </a:bodyPr>
+                            <a:lstStyle/>
+                            <a:p>
+                              <a:endParaRPr lang="en-US"/>
+                            </a:p>
+                          </p:txBody>
+                        </p:sp>
+                      </p:grpSp>
+                      <p:grpSp>
+                        <p:nvGrpSpPr>
+                          <p:cNvPr id="62" name="Group 61"/>
+                          <p:cNvGrpSpPr/>
+                          <p:nvPr/>
+                        </p:nvGrpSpPr>
+                        <p:grpSpPr>
+                          <a:xfrm>
+                            <a:off x="240890" y="1919227"/>
+                            <a:ext cx="365760" cy="366773"/>
+                            <a:chOff x="240890" y="1874520"/>
+                            <a:chExt cx="365760" cy="366773"/>
+                          </a:xfrm>
+                        </p:grpSpPr>
+                        <p:sp>
+                          <p:nvSpPr>
+                            <p:cNvPr id="63" name="Rectangle 62"/>
+                            <p:cNvSpPr/>
+                            <p:nvPr/>
+                          </p:nvSpPr>
+                          <p:spPr>
+                            <a:xfrm>
+                              <a:off x="390473" y="1874520"/>
+                              <a:ext cx="70973" cy="366773"/>
+                            </a:xfrm>
+                            <a:prstGeom prst="rect">
+                              <a:avLst/>
+                            </a:prstGeom>
+                          </p:spPr>
+                          <p:style>
+                            <a:lnRef idx="2">
+                              <a:schemeClr val="dk1">
+                                <a:shade val="50000"/>
+                              </a:schemeClr>
+                            </a:lnRef>
+                            <a:fillRef idx="1">
+                              <a:schemeClr val="dk1"/>
+                            </a:fillRef>
+                            <a:effectRef idx="0">
+                              <a:schemeClr val="dk1"/>
+                            </a:effectRef>
+                            <a:fontRef idx="minor">
+                              <a:schemeClr val="lt1"/>
+                            </a:fontRef>
+                          </p:style>
+                          <p:txBody>
+                            <a:bodyPr rot="0" spcFirstLastPara="0" vert="horz" wrap="square" lIns="91440" tIns="45720" rIns="91440" bIns="45720" numCol="1" spcCol="0" rtlCol="0" fromWordArt="0" anchor="ctr" anchorCtr="0" forceAA="0" compatLnSpc="1">
+                              <a:prstTxWarp prst="textNoShape">
+                                <a:avLst/>
+                              </a:prstTxWarp>
+                              <a:noAutofit/>
+                            </a:bodyPr>
+                            <a:lstStyle/>
+                            <a:p>
+                              <a:endParaRPr lang="en-US"/>
+                            </a:p>
+                          </p:txBody>
+                        </p:sp>
+                        <p:sp>
+                          <p:nvSpPr>
+                            <p:cNvPr id="64" name="Rectangle 63"/>
+                            <p:cNvSpPr/>
+                            <p:nvPr/>
+                          </p:nvSpPr>
+                          <p:spPr>
+                            <a:xfrm>
+                              <a:off x="240890" y="2021321"/>
+                              <a:ext cx="365760" cy="73632"/>
+                            </a:xfrm>
+                            <a:prstGeom prst="rect">
+                              <a:avLst/>
+                            </a:prstGeom>
+                          </p:spPr>
+                          <p:style>
+                            <a:lnRef idx="2">
+                              <a:schemeClr val="dk1">
+                                <a:shade val="50000"/>
+                              </a:schemeClr>
+                            </a:lnRef>
+                            <a:fillRef idx="1">
+                              <a:schemeClr val="dk1"/>
+                            </a:fillRef>
+                            <a:effectRef idx="0">
+                              <a:schemeClr val="dk1"/>
+                            </a:effectRef>
+                            <a:fontRef idx="minor">
+                              <a:schemeClr val="lt1"/>
+                            </a:fontRef>
+                          </p:style>
+                          <p:txBody>
+                            <a:bodyPr rot="0" spcFirstLastPara="0" vert="horz" wrap="square" lIns="91440" tIns="45720" rIns="91440" bIns="45720" numCol="1" spcCol="0" rtlCol="0" fromWordArt="0" anchor="ctr" anchorCtr="0" forceAA="0" compatLnSpc="1">
+                              <a:prstTxWarp prst="textNoShape">
+                                <a:avLst/>
+                              </a:prstTxWarp>
+                              <a:noAutofit/>
+                            </a:bodyPr>
+                            <a:lstStyle/>
+                            <a:p>
+                              <a:endParaRPr lang="en-US"/>
+                            </a:p>
+                          </p:txBody>
+                        </p:sp>
+                      </p:grpSp>
+                    </p:grpSp>
+                    <p:grpSp>
+                      <p:nvGrpSpPr>
+                        <p:cNvPr id="56" name="Group 55"/>
+                        <p:cNvGrpSpPr/>
+                        <p:nvPr/>
+                      </p:nvGrpSpPr>
+                      <p:grpSpPr>
+                        <a:xfrm>
+                          <a:off x="1371600" y="1861474"/>
+                          <a:ext cx="342900" cy="419446"/>
+                          <a:chOff x="1371600" y="1861474"/>
+                          <a:chExt cx="342900" cy="419446"/>
+                        </a:xfrm>
+                      </p:grpSpPr>
+                      <p:sp>
+                        <p:nvSpPr>
+                          <p:cNvPr id="57" name="Oval 56"/>
+                          <p:cNvSpPr/>
+                          <p:nvPr/>
+                        </p:nvSpPr>
+                        <p:spPr>
+                          <a:xfrm>
+                            <a:off x="1402080" y="2166620"/>
+                            <a:ext cx="114300" cy="114300"/>
+                          </a:xfrm>
+                          <a:prstGeom prst="ellipse">
+                            <a:avLst/>
+                          </a:prstGeom>
+                          <a:solidFill>
+                            <a:schemeClr val="accent6"/>
+                          </a:solidFill>
+                          <a:ln w="12700">
+                            <a:solidFill>
+                              <a:schemeClr val="tx1"/>
+                            </a:solidFill>
+                          </a:ln>
+                        </p:spPr>
+                        <p:style>
+                          <a:lnRef idx="3">
+                            <a:schemeClr val="lt1"/>
+                          </a:lnRef>
+                          <a:fillRef idx="1">
+                            <a:schemeClr val="accent5"/>
+                          </a:fillRef>
+                          <a:effectRef idx="1">
+                            <a:schemeClr val="accent5"/>
+                          </a:effectRef>
+                          <a:fontRef idx="minor">
+                            <a:schemeClr val="lt1"/>
+                          </a:fontRef>
+                        </p:style>
+                        <p:txBody>
+                          <a:bodyPr rot="0" spcFirstLastPara="0" vert="horz" wrap="square" lIns="91440" tIns="45720" rIns="91440" bIns="45720" numCol="1" spcCol="0" rtlCol="0" fromWordArt="0" anchor="ctr" anchorCtr="0" forceAA="0" compatLnSpc="1">
+                            <a:prstTxWarp prst="textNoShape">
+                              <a:avLst/>
+                            </a:prstTxWarp>
+                            <a:noAutofit/>
+                          </a:bodyPr>
+                          <a:lstStyle/>
+                          <a:p>
+                            <a:endParaRPr lang="en-US"/>
+                          </a:p>
+                        </p:txBody>
+                      </p:sp>
+                      <p:sp>
+                        <p:nvSpPr>
+                          <p:cNvPr id="58" name="Oval 57"/>
+                          <p:cNvSpPr/>
+                          <p:nvPr/>
+                        </p:nvSpPr>
+                        <p:spPr>
+                          <a:xfrm>
+                            <a:off x="1595628" y="2066028"/>
+                            <a:ext cx="114300" cy="114300"/>
+                          </a:xfrm>
+                          <a:prstGeom prst="ellipse">
+                            <a:avLst/>
+                          </a:prstGeom>
+                          <a:ln>
+                            <a:solidFill>
+                              <a:schemeClr val="tx1"/>
+                            </a:solidFill>
+                          </a:ln>
+                        </p:spPr>
+                        <p:style>
+                          <a:lnRef idx="2">
+                            <a:schemeClr val="accent1">
+                              <a:shade val="50000"/>
+                            </a:schemeClr>
+                          </a:lnRef>
+                          <a:fillRef idx="1">
+                            <a:schemeClr val="accent1"/>
+                          </a:fillRef>
+                          <a:effectRef idx="0">
+                            <a:schemeClr val="accent1"/>
+                          </a:effectRef>
+                          <a:fontRef idx="minor">
+                            <a:schemeClr val="lt1"/>
+                          </a:fontRef>
+                        </p:style>
+                        <p:txBody>
+                          <a:bodyPr rot="0" spcFirstLastPara="0" vert="horz" wrap="square" lIns="91440" tIns="45720" rIns="91440" bIns="45720" numCol="1" spcCol="0" rtlCol="0" fromWordArt="0" anchor="ctr" anchorCtr="0" forceAA="0" compatLnSpc="1">
+                            <a:prstTxWarp prst="textNoShape">
+                              <a:avLst/>
+                            </a:prstTxWarp>
+                            <a:noAutofit/>
+                          </a:bodyPr>
+                          <a:lstStyle/>
+                          <a:p>
+                            <a:endParaRPr lang="en-US"/>
+                          </a:p>
+                        </p:txBody>
+                      </p:sp>
+                      <p:sp>
+                        <p:nvSpPr>
+                          <p:cNvPr id="59" name="Oval 58"/>
+                          <p:cNvSpPr/>
+                          <p:nvPr/>
+                        </p:nvSpPr>
+                        <p:spPr>
+                          <a:xfrm>
+                            <a:off x="1371600" y="1943100"/>
+                            <a:ext cx="114300" cy="114300"/>
+                          </a:xfrm>
+                          <a:prstGeom prst="ellipse">
+                            <a:avLst/>
+                          </a:prstGeom>
+                          <a:solidFill>
+                            <a:schemeClr val="accent2"/>
+                          </a:solidFill>
+                          <a:ln w="12700">
+                            <a:solidFill>
+                              <a:schemeClr val="tx1"/>
+                            </a:solidFill>
+                          </a:ln>
+                        </p:spPr>
+                        <p:style>
+                          <a:lnRef idx="2">
+                            <a:schemeClr val="accent1">
+                              <a:shade val="50000"/>
+                            </a:schemeClr>
+                          </a:lnRef>
+                          <a:fillRef idx="1">
+                            <a:schemeClr val="accent1"/>
+                          </a:fillRef>
+                          <a:effectRef idx="0">
+                            <a:schemeClr val="accent1"/>
+                          </a:effectRef>
+                          <a:fontRef idx="minor">
+                            <a:schemeClr val="lt1"/>
+                          </a:fontRef>
+                        </p:style>
+                        <p:txBody>
+                          <a:bodyPr rot="0" spcFirstLastPara="0" vert="horz" wrap="square" lIns="91440" tIns="45720" rIns="91440" bIns="45720" numCol="1" spcCol="0" rtlCol="0" fromWordArt="0" anchor="ctr" anchorCtr="0" forceAA="0" compatLnSpc="1">
+                            <a:prstTxWarp prst="textNoShape">
+                              <a:avLst/>
+                            </a:prstTxWarp>
+                            <a:noAutofit/>
+                          </a:bodyPr>
+                          <a:lstStyle/>
+                          <a:p>
+                            <a:endParaRPr lang="en-US"/>
+                          </a:p>
+                        </p:txBody>
+                      </p:sp>
+                      <p:sp>
+                        <p:nvSpPr>
+                          <p:cNvPr id="60" name="Oval 59"/>
+                          <p:cNvSpPr/>
+                          <p:nvPr/>
+                        </p:nvSpPr>
+                        <p:spPr>
+                          <a:xfrm>
+                            <a:off x="1600200" y="1861474"/>
+                            <a:ext cx="114300" cy="114300"/>
+                          </a:xfrm>
+                          <a:prstGeom prst="ellipse">
+                            <a:avLst/>
+                          </a:prstGeom>
+                          <a:solidFill>
+                            <a:schemeClr val="accent4"/>
+                          </a:solidFill>
+                          <a:ln>
+                            <a:solidFill>
+                              <a:schemeClr val="tx1"/>
+                            </a:solidFill>
+                          </a:ln>
+                        </p:spPr>
+                        <p:style>
+                          <a:lnRef idx="2">
+                            <a:schemeClr val="accent1">
+                              <a:shade val="50000"/>
+                            </a:schemeClr>
+                          </a:lnRef>
+                          <a:fillRef idx="1">
+                            <a:schemeClr val="accent1"/>
+                          </a:fillRef>
+                          <a:effectRef idx="0">
+                            <a:schemeClr val="accent1"/>
+                          </a:effectRef>
+                          <a:fontRef idx="minor">
+                            <a:schemeClr val="lt1"/>
+                          </a:fontRef>
+                        </p:style>
+                        <p:txBody>
+                          <a:bodyPr rot="0" spcFirstLastPara="0" vert="horz" wrap="square" lIns="91440" tIns="45720" rIns="91440" bIns="45720" numCol="1" spcCol="0" rtlCol="0" fromWordArt="0" anchor="ctr" anchorCtr="0" forceAA="0" compatLnSpc="1">
+                            <a:prstTxWarp prst="textNoShape">
+                              <a:avLst/>
+                            </a:prstTxWarp>
+                            <a:noAutofit/>
+                          </a:bodyPr>
+                          <a:lstStyle/>
+                          <a:p>
+                            <a:endParaRPr lang="en-US"/>
+                          </a:p>
+                        </p:txBody>
+                      </p:sp>
+                    </p:grpSp>
+                  </p:grpSp>
+                  <p:sp>
+                    <p:nvSpPr>
+                      <p:cNvPr id="53" name="Rounded Rectangle 52"/>
+                      <p:cNvSpPr/>
+                      <p:nvPr/>
+                    </p:nvSpPr>
+                    <p:spPr>
+                      <a:xfrm>
+                        <a:off x="746760" y="1901537"/>
+                        <a:ext cx="152133" cy="41563"/>
+                      </a:xfrm>
+                      <a:prstGeom prst="roundRect">
+                        <a:avLst>
+                          <a:gd name="adj" fmla="val 50000"/>
+                        </a:avLst>
+                      </a:prstGeom>
+                    </p:spPr>
+                    <p:style>
+                      <a:lnRef idx="2">
+                        <a:schemeClr val="dk1">
+                          <a:shade val="50000"/>
+                        </a:schemeClr>
+                      </a:lnRef>
+                      <a:fillRef idx="1">
+                        <a:schemeClr val="dk1"/>
+                      </a:fillRef>
+                      <a:effectRef idx="0">
+                        <a:schemeClr val="dk1"/>
+                      </a:effectRef>
+                      <a:fontRef idx="minor">
+                        <a:schemeClr val="lt1"/>
+                      </a:fontRef>
+                    </p:style>
+                    <p:txBody>
+                      <a:bodyPr rot="0" spcFirstLastPara="0" vert="horz" wrap="square" lIns="91440" tIns="45720" rIns="91440" bIns="45720" numCol="1" spcCol="0" rtlCol="0" fromWordArt="0" anchor="ctr" anchorCtr="0" forceAA="0" compatLnSpc="1">
+                        <a:prstTxWarp prst="textNoShape">
+                          <a:avLst/>
+                        </a:prstTxWarp>
+                        <a:noAutofit/>
+                      </a:bodyPr>
+                      <a:lstStyle/>
+                      <a:p>
+                        <a:endParaRPr lang="en-US"/>
+                      </a:p>
+                    </p:txBody>
+                  </p:sp>
+                  <p:sp>
+                    <p:nvSpPr>
+                      <p:cNvPr id="54" name="Rounded Rectangle 53"/>
+                      <p:cNvSpPr/>
+                      <p:nvPr/>
+                    </p:nvSpPr>
+                    <p:spPr>
+                      <a:xfrm>
+                        <a:off x="1024763" y="1901825"/>
+                        <a:ext cx="151765" cy="41275"/>
+                      </a:xfrm>
+                      <a:prstGeom prst="roundRect">
+                        <a:avLst>
+                          <a:gd name="adj" fmla="val 50000"/>
+                        </a:avLst>
+                      </a:prstGeom>
+                    </p:spPr>
+                    <p:style>
+                      <a:lnRef idx="2">
+                        <a:schemeClr val="dk1">
+                          <a:shade val="50000"/>
+                        </a:schemeClr>
+                      </a:lnRef>
+                      <a:fillRef idx="1">
+                        <a:schemeClr val="dk1"/>
+                      </a:fillRef>
+                      <a:effectRef idx="0">
+                        <a:schemeClr val="dk1"/>
+                      </a:effectRef>
+                      <a:fontRef idx="minor">
+                        <a:schemeClr val="lt1"/>
+                      </a:fontRef>
+                    </p:style>
+                    <p:txBody>
+                      <a:bodyPr rot="0" spcFirstLastPara="0" vert="horz" wrap="square" lIns="91440" tIns="45720" rIns="91440" bIns="45720" numCol="1" spcCol="0" rtlCol="0" fromWordArt="0" anchor="ctr" anchorCtr="0" forceAA="0" compatLnSpc="1">
+                        <a:prstTxWarp prst="textNoShape">
+                          <a:avLst/>
+                        </a:prstTxWarp>
+                        <a:noAutofit/>
+                      </a:bodyPr>
+                      <a:lstStyle/>
+                      <a:p>
+                        <a:endParaRPr lang="en-US"/>
+                      </a:p>
+                    </p:txBody>
+                  </p:sp>
+                </p:grpSp>
+                <p:cxnSp>
+                  <p:nvCxnSpPr>
+                    <p:cNvPr id="50" name="Straight Connector 49"/>
+                    <p:cNvCxnSpPr/>
+                    <p:nvPr/>
+                  </p:nvCxnSpPr>
+                  <p:spPr>
+                    <a:xfrm>
+                      <a:off x="116758" y="1667962"/>
+                      <a:ext cx="0" cy="429002"/>
+                    </a:xfrm>
+                    <a:prstGeom prst="line">
+                      <a:avLst/>
+                    </a:prstGeom>
+                    <a:ln w="12700"/>
+                  </p:spPr>
+                  <p:style>
+                    <a:lnRef idx="1">
+                      <a:schemeClr val="dk1"/>
+                    </a:lnRef>
+                    <a:fillRef idx="0">
+                      <a:schemeClr val="dk1"/>
+                    </a:fillRef>
+                    <a:effectRef idx="0">
+                      <a:schemeClr val="dk1"/>
+                    </a:effectRef>
+                    <a:fontRef idx="minor">
+                      <a:schemeClr val="tx1"/>
+                    </a:fontRef>
+                  </p:style>
+                </p:cxnSp>
+                <p:cxnSp>
+                  <p:nvCxnSpPr>
+                    <p:cNvPr id="51" name="Straight Connector 50"/>
+                    <p:cNvCxnSpPr/>
+                    <p:nvPr/>
+                  </p:nvCxnSpPr>
+                  <p:spPr>
+                    <a:xfrm>
+                      <a:off x="1828800" y="1668339"/>
+                      <a:ext cx="0" cy="428625"/>
+                    </a:xfrm>
+                    <a:prstGeom prst="line">
+                      <a:avLst/>
+                    </a:prstGeom>
+                    <a:ln w="12700"/>
+                  </p:spPr>
+                  <p:style>
+                    <a:lnRef idx="1">
+                      <a:schemeClr val="dk1"/>
+                    </a:lnRef>
+                    <a:fillRef idx="0">
+                      <a:schemeClr val="dk1"/>
+                    </a:fillRef>
+                    <a:effectRef idx="0">
+                      <a:schemeClr val="dk1"/>
+                    </a:effectRef>
+                    <a:fontRef idx="minor">
+                      <a:schemeClr val="tx1"/>
+                    </a:fontRef>
+                  </p:style>
+                </p:cxnSp>
+              </p:grpSp>
+            </p:grpSp>
+            <p:sp>
+              <p:nvSpPr>
+                <p:cNvPr id="29" name="TextBox 28"/>
+                <p:cNvSpPr txBox="1"/>
+                <p:nvPr/>
+              </p:nvSpPr>
+              <p:spPr>
+                <a:xfrm>
+                  <a:off x="23698200" y="8118960"/>
+                  <a:ext cx="8763000" cy="338554"/>
+                </a:xfrm>
+                <a:prstGeom prst="rect">
+                  <a:avLst/>
+                </a:prstGeom>
+                <a:noFill/>
+              </p:spPr>
+              <p:txBody>
+                <a:bodyPr wrap="square" rtlCol="0">
+                  <a:spAutoFit/>
+                </a:bodyPr>
+                <a:lstStyle/>
+                <a:p>
+                  <a:pPr algn="ctr"/>
+                  <a:r>
+                    <a:rPr lang="en-US" sz="1600" dirty="0" smtClean="0"/>
+                    <a:t>Figure 8: High Level Communication System Diagram</a:t>
+                  </a:r>
+                  <a:endParaRPr lang="en-US" sz="1600" dirty="0"/>
+                </a:p>
+              </p:txBody>
+            </p:sp>
+          </p:grpSp>
+        </p:grpSp>
+        <p:sp>
+          <p:nvSpPr>
+            <p:cNvPr id="35" name="TextBox 34"/>
+            <p:cNvSpPr txBox="1"/>
+            <p:nvPr/>
+          </p:nvSpPr>
+          <p:spPr>
+            <a:xfrm>
+              <a:off x="26392996" y="8624972"/>
+              <a:ext cx="9584370" cy="584775"/>
+            </a:xfrm>
+            <a:prstGeom prst="rect">
+              <a:avLst/>
+            </a:prstGeom>
+            <a:solidFill>
+              <a:schemeClr val="accent2"/>
+            </a:solidFill>
+          </p:spPr>
+          <p:txBody>
+            <a:bodyPr wrap="square" rtlCol="0">
+              <a:spAutoFit/>
+            </a:bodyPr>
+            <a:lstStyle/>
+            <a:p>
+              <a:r>
+                <a:rPr lang="en-US" sz="3200" b="1" dirty="0" smtClean="0">
+                  <a:solidFill>
+                    <a:schemeClr val="bg1"/>
+                  </a:solidFill>
+                </a:rPr>
+                <a:t>Human Machine Interface</a:t>
+              </a:r>
+              <a:endParaRPr lang="en-US" sz="3200" b="1" dirty="0">
                 <a:solidFill>
                   <a:schemeClr val="bg1"/>
                 </a:solidFill>
-              </a:rPr>
-              <a:t>Electrical Design</a:t>
-            </a:r>
-            <a:endParaRPr lang="en-US" sz="3200" b="1" dirty="0">
-              <a:solidFill>
-                <a:schemeClr val="bg1"/>
-              </a:solidFill>
-            </a:endParaRPr>
-          </a:p>
-        </p:txBody>
-      </p:sp>
-      <p:sp>
-        <p:nvSpPr>
-          <p:cNvPr id="35" name="TextBox 34"/>
-          <p:cNvSpPr txBox="1"/>
-          <p:nvPr/>
-        </p:nvSpPr>
-        <p:spPr>
-          <a:xfrm>
-            <a:off x="26392996" y="8686800"/>
-            <a:ext cx="9584370" cy="584775"/>
-          </a:xfrm>
-          <a:prstGeom prst="rect">
-            <a:avLst/>
-          </a:prstGeom>
-          <a:solidFill>
-            <a:schemeClr val="accent2"/>
-          </a:solidFill>
-        </p:spPr>
-        <p:txBody>
-          <a:bodyPr wrap="square" rtlCol="0">
-            <a:spAutoFit/>
-          </a:bodyPr>
-          <a:lstStyle/>
-          <a:p>
-            <a:r>
-              <a:rPr lang="en-US" sz="3200" b="1" dirty="0" smtClean="0">
-                <a:solidFill>
-                  <a:schemeClr val="bg1"/>
-                </a:solidFill>
-              </a:rPr>
-              <a:t>Human Machine Interface</a:t>
-            </a:r>
-            <a:endParaRPr lang="en-US" sz="3200" b="1" dirty="0">
-              <a:solidFill>
-                <a:schemeClr val="bg1"/>
-              </a:solidFill>
-            </a:endParaRPr>
-          </a:p>
-        </p:txBody>
-      </p:sp>
-      <p:sp>
-        <p:nvSpPr>
-          <p:cNvPr id="100" name="TextBox 99"/>
-          <p:cNvSpPr txBox="1"/>
-          <p:nvPr/>
-        </p:nvSpPr>
-        <p:spPr>
-          <a:xfrm>
-            <a:off x="26367403" y="15468600"/>
-            <a:ext cx="9751397" cy="584775"/>
-          </a:xfrm>
-          <a:prstGeom prst="rect">
-            <a:avLst/>
-          </a:prstGeom>
-          <a:solidFill>
-            <a:schemeClr val="accent2"/>
-          </a:solidFill>
-        </p:spPr>
-        <p:txBody>
-          <a:bodyPr wrap="square" rtlCol="0">
-            <a:spAutoFit/>
-          </a:bodyPr>
-          <a:lstStyle/>
-          <a:p>
-            <a:r>
-              <a:rPr lang="en-US" sz="3200" b="1" dirty="0">
-                <a:solidFill>
-                  <a:schemeClr val="bg1"/>
-                </a:solidFill>
-              </a:rPr>
-              <a:t>Control </a:t>
-            </a:r>
-            <a:r>
-              <a:rPr lang="en-US" sz="3200" b="1" dirty="0" smtClean="0">
-                <a:solidFill>
-                  <a:schemeClr val="bg1"/>
-                </a:solidFill>
-              </a:rPr>
-              <a:t>Architecture: Single Leg</a:t>
-            </a:r>
-            <a:endParaRPr lang="en-US" sz="3200" b="1" dirty="0">
-              <a:solidFill>
-                <a:schemeClr val="bg1"/>
-              </a:solidFill>
-            </a:endParaRPr>
-          </a:p>
-        </p:txBody>
-      </p:sp>
-      <p:sp>
-        <p:nvSpPr>
-          <p:cNvPr id="101" name="TextBox 100"/>
-          <p:cNvSpPr txBox="1"/>
-          <p:nvPr/>
-        </p:nvSpPr>
-        <p:spPr>
-          <a:xfrm>
-            <a:off x="26392996" y="20726400"/>
-            <a:ext cx="9686966" cy="584775"/>
-          </a:xfrm>
-          <a:prstGeom prst="rect">
-            <a:avLst/>
-          </a:prstGeom>
-          <a:solidFill>
-            <a:schemeClr val="accent2"/>
-          </a:solidFill>
-        </p:spPr>
-        <p:txBody>
-          <a:bodyPr wrap="square" rtlCol="0">
-            <a:spAutoFit/>
-          </a:bodyPr>
-          <a:lstStyle/>
-          <a:p>
-            <a:r>
-              <a:rPr lang="en-US" sz="3200" b="1" dirty="0" smtClean="0">
-                <a:solidFill>
-                  <a:schemeClr val="bg1"/>
-                </a:solidFill>
-              </a:rPr>
-              <a:t>Conclusion and Results</a:t>
-            </a:r>
-            <a:endParaRPr lang="en-US" sz="3200" b="1" dirty="0">
-              <a:solidFill>
-                <a:schemeClr val="bg1"/>
-              </a:solidFill>
-            </a:endParaRPr>
-          </a:p>
-        </p:txBody>
-      </p:sp>
-      <p:sp>
-        <p:nvSpPr>
-          <p:cNvPr id="102" name="TextBox 101"/>
-          <p:cNvSpPr txBox="1"/>
-          <p:nvPr/>
-        </p:nvSpPr>
-        <p:spPr>
-          <a:xfrm>
-            <a:off x="26392996" y="25125564"/>
-            <a:ext cx="9685196" cy="584775"/>
-          </a:xfrm>
-          <a:prstGeom prst="rect">
-            <a:avLst/>
-          </a:prstGeom>
-          <a:solidFill>
-            <a:schemeClr val="accent2"/>
-          </a:solidFill>
-        </p:spPr>
-        <p:txBody>
-          <a:bodyPr wrap="square" rtlCol="0">
-            <a:spAutoFit/>
-          </a:bodyPr>
-          <a:lstStyle/>
-          <a:p>
-            <a:r>
-              <a:rPr lang="en-US" sz="3200" b="1" dirty="0" smtClean="0">
-                <a:solidFill>
-                  <a:schemeClr val="bg1"/>
-                </a:solidFill>
-              </a:rPr>
-              <a:t>Future Work</a:t>
-            </a:r>
-            <a:endParaRPr lang="en-US" sz="3200" b="1" dirty="0">
-              <a:solidFill>
-                <a:schemeClr val="bg1"/>
-              </a:solidFill>
-            </a:endParaRPr>
-          </a:p>
-        </p:txBody>
-      </p:sp>
+              </a:endParaRPr>
+            </a:p>
+          </p:txBody>
+        </p:sp>
+      </p:grpSp>
       <p:sp>
         <p:nvSpPr>
           <p:cNvPr id="191" name="TextBox 190"/>
@@ -9514,8 +9027,8 @@
         </p:nvSpPr>
         <p:spPr>
           <a:xfrm>
-            <a:off x="657196" y="20827186"/>
-            <a:ext cx="9525000" cy="1938992"/>
+            <a:off x="657196" y="20421600"/>
+            <a:ext cx="9525000" cy="2554545"/>
           </a:xfrm>
           <a:prstGeom prst="rect">
             <a:avLst/>
@@ -9528,11 +9041,24 @@
           </a:bodyPr>
           <a:lstStyle/>
           <a:p>
-            <a:pPr algn="ctr"/>
+            <a:pPr algn="just"/>
             <a:r>
               <a:rPr lang="en-US" sz="2000" dirty="0" smtClean="0"/>
-              <a:t>The legs of the robot were machined from 6061 aluminum bar stock. Bar stock was chosen to increase the cross sectional area of the leg. The extra area made it easier to attach the cylinders to the leg while also reducing the risk of buckling. The bend in the upper shank was created by welding two segments of bar stock together, and was done to create more convenient cylinder attachment locations. A static FE analysis was performed on the legs and can be seen in the following figure:</a:t>
+              <a:t>The legs of the robot were machined from 6061 aluminum bar stock. Bar stock was chosen to increase the cross sectional area of the leg. The extra area made it easier to attach the cylinders to the leg while also reducing the risk of buckling. The bend in the upper shank was created by welding two segments of bar stock together, and was done to create more convenient cylinder attachment locations. A static </a:t>
             </a:r>
+            <a:r>
+              <a:rPr lang="en-US" sz="2000" dirty="0" smtClean="0"/>
+              <a:t>finite element (FE) </a:t>
+            </a:r>
+            <a:r>
+              <a:rPr lang="en-US" sz="2000" dirty="0" smtClean="0"/>
+              <a:t>analysis was performed on the legs assuming load forces and torques applied at each joint. It was assumed that the leg joints seize in the worst case scenario, and </a:t>
+            </a:r>
+            <a:r>
+              <a:rPr lang="en-US" sz="2000" dirty="0" smtClean="0"/>
+              <a:t>each joint was grounded to prevent movement.</a:t>
+            </a:r>
+            <a:endParaRPr lang="en-US" sz="2000" dirty="0" smtClean="0"/>
           </a:p>
         </p:txBody>
       </p:sp>
@@ -9544,7 +9070,7 @@
         </p:nvGrpSpPr>
         <p:grpSpPr>
           <a:xfrm>
-            <a:off x="490016" y="17432178"/>
+            <a:off x="490016" y="16992600"/>
             <a:ext cx="9509760" cy="3178835"/>
             <a:chOff x="490016" y="17623765"/>
             <a:chExt cx="9509760" cy="3178835"/>
@@ -9557,7 +9083,7 @@
             <p:nvPr/>
           </p:nvPicPr>
           <p:blipFill>
-            <a:blip r:embed="rId16"/>
+            <a:blip r:embed="rId17"/>
             <a:stretch>
               <a:fillRect/>
             </a:stretch>
@@ -9596,11 +9122,7 @@
             <a:p>
               <a:r>
                 <a:rPr lang="en-US" sz="1600" dirty="0" smtClean="0"/>
-                <a:t>Figure 1: FE </a:t>
-              </a:r>
-              <a:r>
-                <a:rPr lang="en-US" sz="1600" dirty="0" smtClean="0"/>
-                <a:t>Analysis performed on the chassis in ANSYS. The simulation assumed a worst case static loading where the joints lock up completely during motion. The maximum stress was found to be 240 </a:t>
+                <a:t>Figure 1: FE Analysis performed on the chassis in ANSYS. The simulation assumed a worst case static loading where the joints lock up completely during motion. The maximum stress was found to be 240 </a:t>
               </a:r>
               <a:r>
                 <a:rPr lang="en-US" sz="1600" dirty="0" err="1" smtClean="0"/>
@@ -9639,11 +9161,7 @@
           <a:p>
             <a:r>
               <a:rPr lang="en-US" sz="1600" dirty="0" smtClean="0"/>
-              <a:t>Figure 2: The </a:t>
-            </a:r>
-            <a:r>
-              <a:rPr lang="en-US" sz="1600" dirty="0" smtClean="0"/>
-              <a:t>FE analysis performed on the thigh (left) and shank (right). A flange was added to the thigh to reduce the overall stress in the weld. A maximum stress of 155 </a:t>
+              <a:t>Figure 2: The FE analysis performed on the thigh (left) and shank (right). A flange was added to the thigh to reduce the overall stress in the weld. A maximum stress of 155 </a:t>
             </a:r>
             <a:r>
               <a:rPr lang="en-US" sz="1600" dirty="0" err="1" smtClean="0"/>
@@ -9659,150 +9177,244 @@
       </p:sp>
       <p:grpSp>
         <p:nvGrpSpPr>
-          <p:cNvPr id="137" name="Group 136"/>
+          <p:cNvPr id="234" name="Group 233"/>
           <p:cNvGrpSpPr/>
           <p:nvPr/>
         </p:nvGrpSpPr>
         <p:grpSpPr>
           <a:xfrm>
-            <a:off x="26607915" y="17500631"/>
-            <a:ext cx="9431294" cy="1925001"/>
-            <a:chOff x="24895923" y="17983200"/>
-            <a:chExt cx="9431294" cy="1925001"/>
+            <a:off x="26341045" y="19532569"/>
+            <a:ext cx="9777755" cy="4851431"/>
+            <a:chOff x="26341045" y="15468600"/>
+            <a:chExt cx="9777755" cy="4851431"/>
           </a:xfrm>
         </p:grpSpPr>
+        <p:sp>
+          <p:nvSpPr>
+            <p:cNvPr id="99" name="TextBox 98"/>
+            <p:cNvSpPr txBox="1"/>
+            <p:nvPr/>
+          </p:nvSpPr>
+          <p:spPr>
+            <a:xfrm>
+              <a:off x="26341045" y="16104097"/>
+              <a:ext cx="9525000" cy="1323439"/>
+            </a:xfrm>
+            <a:prstGeom prst="rect">
+              <a:avLst/>
+            </a:prstGeom>
+            <a:noFill/>
+          </p:spPr>
+          <p:txBody>
+            <a:bodyPr wrap="square" rtlCol="0">
+              <a:spAutoFit/>
+            </a:bodyPr>
+            <a:lstStyle/>
+            <a:p>
+              <a:pPr marL="342900" indent="-342900">
+                <a:buFont typeface="Arial" panose="020B0604020202020204" pitchFamily="34" charset="0"/>
+                <a:buChar char="•"/>
+              </a:pPr>
+              <a:r>
+                <a:rPr lang="en-US" sz="2000" dirty="0" err="1" smtClean="0"/>
+                <a:t>Mathworks</a:t>
+              </a:r>
+              <a:r>
+                <a:rPr lang="en-US" sz="2000" dirty="0" smtClean="0"/>
+                <a:t> Simulink model is loaded onto the Arduino</a:t>
+              </a:r>
+            </a:p>
+            <a:p>
+              <a:pPr marL="342900" indent="-342900">
+                <a:buFont typeface="Arial" panose="020B0604020202020204" pitchFamily="34" charset="0"/>
+                <a:buChar char="•"/>
+              </a:pPr>
+              <a:r>
+                <a:rPr lang="en-US" sz="2000" dirty="0" smtClean="0"/>
+                <a:t>Utilizes PID feedback loops to control cylinder lengths</a:t>
+              </a:r>
+            </a:p>
+            <a:p>
+              <a:pPr marL="342900" indent="-342900">
+                <a:buFont typeface="Arial" panose="020B0604020202020204" pitchFamily="34" charset="0"/>
+                <a:buChar char="•"/>
+              </a:pPr>
+              <a:r>
+                <a:rPr lang="en-US" sz="2000" dirty="0" smtClean="0"/>
+                <a:t>Desired length is calculated by a state machine based on user input and current length</a:t>
+              </a:r>
+            </a:p>
+            <a:p>
+              <a:pPr marL="342900" indent="-342900">
+                <a:buFont typeface="Arial" panose="020B0604020202020204" pitchFamily="34" charset="0"/>
+                <a:buChar char="•"/>
+              </a:pPr>
+              <a:endParaRPr lang="en-US" sz="2000" dirty="0"/>
+            </a:p>
+          </p:txBody>
+        </p:sp>
+        <p:sp>
+          <p:nvSpPr>
+            <p:cNvPr id="104" name="TextBox 103"/>
+            <p:cNvSpPr txBox="1"/>
+            <p:nvPr/>
+          </p:nvSpPr>
+          <p:spPr>
+            <a:xfrm>
+              <a:off x="26643280" y="19489034"/>
+              <a:ext cx="8763000" cy="830997"/>
+            </a:xfrm>
+            <a:prstGeom prst="rect">
+              <a:avLst/>
+            </a:prstGeom>
+            <a:noFill/>
+          </p:spPr>
+          <p:txBody>
+            <a:bodyPr wrap="square" rtlCol="0">
+              <a:spAutoFit/>
+            </a:bodyPr>
+            <a:lstStyle/>
+            <a:p>
+              <a:r>
+                <a:rPr lang="en-US" sz="1600" dirty="0" smtClean="0"/>
+                <a:t>Figure 9: Block diagram for a single leg controller. The left loop determines the desired cylinder legs based on the current foot position. The right loop is a PID controller for a single leg which moves the foot into position. For a full robot there are eight copies of the right loop.</a:t>
+              </a:r>
+              <a:endParaRPr lang="en-US" sz="1600" dirty="0"/>
+            </a:p>
+          </p:txBody>
+        </p:sp>
+        <p:sp>
+          <p:nvSpPr>
+            <p:cNvPr id="100" name="TextBox 99"/>
+            <p:cNvSpPr txBox="1"/>
+            <p:nvPr/>
+          </p:nvSpPr>
+          <p:spPr>
+            <a:xfrm>
+              <a:off x="26367403" y="15468600"/>
+              <a:ext cx="9751397" cy="584775"/>
+            </a:xfrm>
+            <a:prstGeom prst="rect">
+              <a:avLst/>
+            </a:prstGeom>
+            <a:solidFill>
+              <a:schemeClr val="accent2"/>
+            </a:solidFill>
+          </p:spPr>
+          <p:txBody>
+            <a:bodyPr wrap="square" rtlCol="0">
+              <a:spAutoFit/>
+            </a:bodyPr>
+            <a:lstStyle/>
+            <a:p>
+              <a:r>
+                <a:rPr lang="en-US" sz="3200" b="1" dirty="0">
+                  <a:solidFill>
+                    <a:schemeClr val="bg1"/>
+                  </a:solidFill>
+                </a:rPr>
+                <a:t>Control </a:t>
+              </a:r>
+              <a:r>
+                <a:rPr lang="en-US" sz="3200" b="1" dirty="0" smtClean="0">
+                  <a:solidFill>
+                    <a:schemeClr val="bg1"/>
+                  </a:solidFill>
+                </a:rPr>
+                <a:t>Architecture: Single Leg</a:t>
+              </a:r>
+              <a:endParaRPr lang="en-US" sz="3200" b="1" dirty="0">
+                <a:solidFill>
+                  <a:schemeClr val="bg1"/>
+                </a:solidFill>
+              </a:endParaRPr>
+            </a:p>
+          </p:txBody>
+        </p:sp>
         <p:grpSp>
           <p:nvGrpSpPr>
-            <p:cNvPr id="136" name="Group 135"/>
+            <p:cNvPr id="137" name="Group 136"/>
             <p:cNvGrpSpPr/>
             <p:nvPr/>
           </p:nvGrpSpPr>
           <p:grpSpPr>
             <a:xfrm>
-              <a:off x="24895923" y="17983200"/>
+              <a:off x="26639717" y="17500759"/>
               <a:ext cx="9431294" cy="1925001"/>
-              <a:chOff x="24895923" y="17983200"/>
+              <a:chOff x="24927725" y="17983328"/>
               <a:chExt cx="9431294" cy="1925001"/>
             </a:xfrm>
           </p:grpSpPr>
-          <p:pic>
-            <p:nvPicPr>
-              <p:cNvPr id="162" name="Picture 161" descr="D:\MyDocs\Documents\GitHub\AgileRoboticControls\System Modelling\Control\Control - Implementation.png"/>
-              <p:cNvPicPr/>
-              <p:nvPr/>
-            </p:nvPicPr>
-            <p:blipFill>
-              <a:blip r:embed="rId17">
-                <a:extLst>
-                  <a:ext uri="{28A0092B-C50C-407E-A947-70E740481C1C}">
-                    <a14:useLocalDpi xmlns:a14="http://schemas.microsoft.com/office/drawing/2010/main" val="0"/>
-                  </a:ext>
-                </a:extLst>
-              </a:blip>
-              <a:srcRect/>
-              <a:stretch>
-                <a:fillRect/>
-              </a:stretch>
-            </p:blipFill>
-            <p:spPr bwMode="auto">
-              <a:xfrm>
-                <a:off x="24895923" y="17983200"/>
-                <a:ext cx="9431294" cy="1925001"/>
-              </a:xfrm>
-              <a:prstGeom prst="rect">
-                <a:avLst/>
-              </a:prstGeom>
-              <a:noFill/>
-              <a:ln>
-                <a:noFill/>
-              </a:ln>
-            </p:spPr>
-          </p:pic>
           <p:grpSp>
             <p:nvGrpSpPr>
-              <p:cNvPr id="135" name="Group 134"/>
+              <p:cNvPr id="136" name="Group 135"/>
               <p:cNvGrpSpPr/>
               <p:nvPr/>
             </p:nvGrpSpPr>
             <p:grpSpPr>
               <a:xfrm>
-                <a:off x="25960726" y="17993687"/>
-                <a:ext cx="8366491" cy="1037556"/>
-                <a:chOff x="25968126" y="18000142"/>
-                <a:chExt cx="8366491" cy="1037556"/>
+                <a:off x="24927725" y="17983328"/>
+                <a:ext cx="9431294" cy="1925001"/>
+                <a:chOff x="24927725" y="17983328"/>
+                <a:chExt cx="9431294" cy="1925001"/>
               </a:xfrm>
             </p:grpSpPr>
-            <p:sp>
-              <p:nvSpPr>
-                <p:cNvPr id="200" name="Rectangle 199"/>
-                <p:cNvSpPr/>
+            <p:pic>
+              <p:nvPicPr>
+                <p:cNvPr id="162" name="Picture 161" descr="D:\MyDocs\Documents\GitHub\AgileRoboticControls\System Modelling\Control\Control - Implementation.png"/>
+                <p:cNvPicPr/>
                 <p:nvPr/>
-              </p:nvSpPr>
-              <p:spPr>
+              </p:nvPicPr>
+              <p:blipFill>
+                <a:blip r:embed="rId18">
+                  <a:extLst>
+                    <a:ext uri="{28A0092B-C50C-407E-A947-70E740481C1C}">
+                      <a14:useLocalDpi xmlns:a14="http://schemas.microsoft.com/office/drawing/2010/main" val="0"/>
+                    </a:ext>
+                  </a:extLst>
+                </a:blip>
+                <a:srcRect/>
+                <a:stretch>
+                  <a:fillRect/>
+                </a:stretch>
+              </p:blipFill>
+              <p:spPr bwMode="auto">
                 <a:xfrm>
-                  <a:off x="34138187" y="18027723"/>
-                  <a:ext cx="196430" cy="152272"/>
+                  <a:off x="24927725" y="17983328"/>
+                  <a:ext cx="9431294" cy="1925001"/>
                 </a:xfrm>
                 <a:prstGeom prst="rect">
                   <a:avLst/>
                 </a:prstGeom>
-                <a:solidFill>
-                  <a:schemeClr val="bg1"/>
-                </a:solidFill>
+                <a:noFill/>
                 <a:ln>
-                  <a:solidFill>
-                    <a:schemeClr val="bg1"/>
-                  </a:solidFill>
+                  <a:noFill/>
                 </a:ln>
               </p:spPr>
-              <p:style>
-                <a:lnRef idx="2">
-                  <a:schemeClr val="accent1">
-                    <a:shade val="50000"/>
-                  </a:schemeClr>
-                </a:lnRef>
-                <a:fillRef idx="1">
-                  <a:schemeClr val="accent1"/>
-                </a:fillRef>
-                <a:effectRef idx="0">
-                  <a:schemeClr val="accent1"/>
-                </a:effectRef>
-                <a:fontRef idx="minor">
-                  <a:schemeClr val="lt1"/>
-                </a:fontRef>
-              </p:style>
-              <p:txBody>
-                <a:bodyPr rtlCol="0" anchor="ctr"/>
-                <a:lstStyle/>
-                <a:p>
-                  <a:pPr algn="ctr"/>
-                  <a:endParaRPr lang="en-US"/>
-                </a:p>
-              </p:txBody>
-            </p:sp>
+            </p:pic>
             <p:grpSp>
               <p:nvGrpSpPr>
-                <p:cNvPr id="132" name="Group 131"/>
+                <p:cNvPr id="135" name="Group 134"/>
                 <p:cNvGrpSpPr/>
                 <p:nvPr/>
               </p:nvGrpSpPr>
               <p:grpSpPr>
                 <a:xfrm>
-                  <a:off x="25968126" y="18000142"/>
-                  <a:ext cx="5043724" cy="1037556"/>
+                  <a:off x="25960726" y="17993687"/>
+                  <a:ext cx="8366491" cy="1037556"/>
                   <a:chOff x="25968126" y="18000142"/>
-                  <a:chExt cx="5043724" cy="1037556"/>
+                  <a:chExt cx="8366491" cy="1037556"/>
                 </a:xfrm>
               </p:grpSpPr>
               <p:sp>
                 <p:nvSpPr>
-                  <p:cNvPr id="195" name="Rectangle 194"/>
+                  <p:cNvPr id="200" name="Rectangle 199"/>
                   <p:cNvSpPr/>
                   <p:nvPr/>
                 </p:nvSpPr>
                 <p:spPr>
                   <a:xfrm>
-                    <a:off x="25968126" y="18006960"/>
+                    <a:off x="34138187" y="18027723"/>
                     <a:ext cx="196430" cy="152272"/>
                   </a:xfrm>
                   <a:prstGeom prst="rect">
@@ -9842,28 +9454,674 @@
                   </a:p>
                 </p:txBody>
               </p:sp>
+              <p:grpSp>
+                <p:nvGrpSpPr>
+                  <p:cNvPr id="132" name="Group 131"/>
+                  <p:cNvGrpSpPr/>
+                  <p:nvPr/>
+                </p:nvGrpSpPr>
+                <p:grpSpPr>
+                  <a:xfrm>
+                    <a:off x="25968126" y="18000142"/>
+                    <a:ext cx="5043724" cy="1037556"/>
+                    <a:chOff x="25968126" y="18000142"/>
+                    <a:chExt cx="5043724" cy="1037556"/>
+                  </a:xfrm>
+                </p:grpSpPr>
+                <p:sp>
+                  <p:nvSpPr>
+                    <p:cNvPr id="195" name="Rectangle 194"/>
+                    <p:cNvSpPr/>
+                    <p:nvPr/>
+                  </p:nvSpPr>
+                  <p:spPr>
+                    <a:xfrm>
+                      <a:off x="25968126" y="18006960"/>
+                      <a:ext cx="196430" cy="152272"/>
+                    </a:xfrm>
+                    <a:prstGeom prst="rect">
+                      <a:avLst/>
+                    </a:prstGeom>
+                    <a:solidFill>
+                      <a:schemeClr val="bg1"/>
+                    </a:solidFill>
+                    <a:ln>
+                      <a:solidFill>
+                        <a:schemeClr val="bg1"/>
+                      </a:solidFill>
+                    </a:ln>
+                  </p:spPr>
+                  <p:style>
+                    <a:lnRef idx="2">
+                      <a:schemeClr val="accent1">
+                        <a:shade val="50000"/>
+                      </a:schemeClr>
+                    </a:lnRef>
+                    <a:fillRef idx="1">
+                      <a:schemeClr val="accent1"/>
+                    </a:fillRef>
+                    <a:effectRef idx="0">
+                      <a:schemeClr val="accent1"/>
+                    </a:effectRef>
+                    <a:fontRef idx="minor">
+                      <a:schemeClr val="lt1"/>
+                    </a:fontRef>
+                  </p:style>
+                  <p:txBody>
+                    <a:bodyPr rtlCol="0" anchor="ctr"/>
+                    <a:lstStyle/>
+                    <a:p>
+                      <a:pPr algn="ctr"/>
+                      <a:endParaRPr lang="en-US"/>
+                    </a:p>
+                  </p:txBody>
+                </p:sp>
+                <p:sp>
+                  <p:nvSpPr>
+                    <p:cNvPr id="196" name="Rectangle 195"/>
+                    <p:cNvSpPr/>
+                    <p:nvPr/>
+                  </p:nvSpPr>
+                  <p:spPr>
+                    <a:xfrm>
+                      <a:off x="28836375" y="18000142"/>
+                      <a:ext cx="196430" cy="152272"/>
+                    </a:xfrm>
+                    <a:prstGeom prst="rect">
+                      <a:avLst/>
+                    </a:prstGeom>
+                    <a:solidFill>
+                      <a:schemeClr val="bg1"/>
+                    </a:solidFill>
+                    <a:ln>
+                      <a:solidFill>
+                        <a:schemeClr val="bg1"/>
+                      </a:solidFill>
+                    </a:ln>
+                  </p:spPr>
+                  <p:style>
+                    <a:lnRef idx="2">
+                      <a:schemeClr val="accent1">
+                        <a:shade val="50000"/>
+                      </a:schemeClr>
+                    </a:lnRef>
+                    <a:fillRef idx="1">
+                      <a:schemeClr val="accent1"/>
+                    </a:fillRef>
+                    <a:effectRef idx="0">
+                      <a:schemeClr val="accent1"/>
+                    </a:effectRef>
+                    <a:fontRef idx="minor">
+                      <a:schemeClr val="lt1"/>
+                    </a:fontRef>
+                  </p:style>
+                  <p:txBody>
+                    <a:bodyPr rtlCol="0" anchor="ctr"/>
+                    <a:lstStyle/>
+                    <a:p>
+                      <a:pPr algn="ctr"/>
+                      <a:endParaRPr lang="en-US"/>
+                    </a:p>
+                  </p:txBody>
+                </p:sp>
+                <p:sp>
+                  <p:nvSpPr>
+                    <p:cNvPr id="197" name="Rectangle 196"/>
+                    <p:cNvSpPr/>
+                    <p:nvPr/>
+                  </p:nvSpPr>
+                  <p:spPr>
+                    <a:xfrm>
+                      <a:off x="29963381" y="18080229"/>
+                      <a:ext cx="166206" cy="155139"/>
+                    </a:xfrm>
+                    <a:prstGeom prst="rect">
+                      <a:avLst/>
+                    </a:prstGeom>
+                    <a:solidFill>
+                      <a:schemeClr val="bg1"/>
+                    </a:solidFill>
+                    <a:ln>
+                      <a:solidFill>
+                        <a:schemeClr val="bg1"/>
+                      </a:solidFill>
+                    </a:ln>
+                  </p:spPr>
+                  <p:style>
+                    <a:lnRef idx="2">
+                      <a:schemeClr val="accent1">
+                        <a:shade val="50000"/>
+                      </a:schemeClr>
+                    </a:lnRef>
+                    <a:fillRef idx="1">
+                      <a:schemeClr val="accent1"/>
+                    </a:fillRef>
+                    <a:effectRef idx="0">
+                      <a:schemeClr val="accent1"/>
+                    </a:effectRef>
+                    <a:fontRef idx="minor">
+                      <a:schemeClr val="lt1"/>
+                    </a:fontRef>
+                  </p:style>
+                  <p:txBody>
+                    <a:bodyPr rtlCol="0" anchor="ctr"/>
+                    <a:lstStyle/>
+                    <a:p>
+                      <a:pPr algn="ctr"/>
+                      <a:endParaRPr lang="en-US"/>
+                    </a:p>
+                  </p:txBody>
+                </p:sp>
+                <p:sp>
+                  <p:nvSpPr>
+                    <p:cNvPr id="199" name="Rectangle 198"/>
+                    <p:cNvSpPr/>
+                    <p:nvPr/>
+                  </p:nvSpPr>
+                  <p:spPr>
+                    <a:xfrm>
+                      <a:off x="30815420" y="18061132"/>
+                      <a:ext cx="196430" cy="152272"/>
+                    </a:xfrm>
+                    <a:prstGeom prst="rect">
+                      <a:avLst/>
+                    </a:prstGeom>
+                    <a:solidFill>
+                      <a:schemeClr val="bg1"/>
+                    </a:solidFill>
+                    <a:ln>
+                      <a:solidFill>
+                        <a:schemeClr val="bg1"/>
+                      </a:solidFill>
+                    </a:ln>
+                  </p:spPr>
+                  <p:style>
+                    <a:lnRef idx="2">
+                      <a:schemeClr val="accent1">
+                        <a:shade val="50000"/>
+                      </a:schemeClr>
+                    </a:lnRef>
+                    <a:fillRef idx="1">
+                      <a:schemeClr val="accent1"/>
+                    </a:fillRef>
+                    <a:effectRef idx="0">
+                      <a:schemeClr val="accent1"/>
+                    </a:effectRef>
+                    <a:fontRef idx="minor">
+                      <a:schemeClr val="lt1"/>
+                    </a:fontRef>
+                  </p:style>
+                  <p:txBody>
+                    <a:bodyPr rtlCol="0" anchor="ctr"/>
+                    <a:lstStyle/>
+                    <a:p>
+                      <a:pPr algn="ctr"/>
+                      <a:endParaRPr lang="en-US"/>
+                    </a:p>
+                  </p:txBody>
+                </p:sp>
+                <p:sp>
+                  <p:nvSpPr>
+                    <p:cNvPr id="201" name="Rectangle 200"/>
+                    <p:cNvSpPr/>
+                    <p:nvPr/>
+                  </p:nvSpPr>
+                  <p:spPr>
+                    <a:xfrm>
+                      <a:off x="28916443" y="18884598"/>
+                      <a:ext cx="196430" cy="152272"/>
+                    </a:xfrm>
+                    <a:prstGeom prst="rect">
+                      <a:avLst/>
+                    </a:prstGeom>
+                    <a:solidFill>
+                      <a:schemeClr val="bg1"/>
+                    </a:solidFill>
+                    <a:ln>
+                      <a:solidFill>
+                        <a:schemeClr val="bg1"/>
+                      </a:solidFill>
+                    </a:ln>
+                  </p:spPr>
+                  <p:style>
+                    <a:lnRef idx="2">
+                      <a:schemeClr val="accent1">
+                        <a:shade val="50000"/>
+                      </a:schemeClr>
+                    </a:lnRef>
+                    <a:fillRef idx="1">
+                      <a:schemeClr val="accent1"/>
+                    </a:fillRef>
+                    <a:effectRef idx="0">
+                      <a:schemeClr val="accent1"/>
+                    </a:effectRef>
+                    <a:fontRef idx="minor">
+                      <a:schemeClr val="lt1"/>
+                    </a:fontRef>
+                  </p:style>
+                  <p:txBody>
+                    <a:bodyPr rtlCol="0" anchor="ctr"/>
+                    <a:lstStyle/>
+                    <a:p>
+                      <a:pPr algn="ctr"/>
+                      <a:endParaRPr lang="en-US"/>
+                    </a:p>
+                  </p:txBody>
+                </p:sp>
+                <p:sp>
+                  <p:nvSpPr>
+                    <p:cNvPr id="202" name="Rectangle 201"/>
+                    <p:cNvSpPr/>
+                    <p:nvPr/>
+                  </p:nvSpPr>
+                  <p:spPr>
+                    <a:xfrm>
+                      <a:off x="30708444" y="18885426"/>
+                      <a:ext cx="196430" cy="152272"/>
+                    </a:xfrm>
+                    <a:prstGeom prst="rect">
+                      <a:avLst/>
+                    </a:prstGeom>
+                    <a:solidFill>
+                      <a:schemeClr val="bg1"/>
+                    </a:solidFill>
+                    <a:ln>
+                      <a:solidFill>
+                        <a:schemeClr val="bg1"/>
+                      </a:solidFill>
+                    </a:ln>
+                  </p:spPr>
+                  <p:style>
+                    <a:lnRef idx="2">
+                      <a:schemeClr val="accent1">
+                        <a:shade val="50000"/>
+                      </a:schemeClr>
+                    </a:lnRef>
+                    <a:fillRef idx="1">
+                      <a:schemeClr val="accent1"/>
+                    </a:fillRef>
+                    <a:effectRef idx="0">
+                      <a:schemeClr val="accent1"/>
+                    </a:effectRef>
+                    <a:fontRef idx="minor">
+                      <a:schemeClr val="lt1"/>
+                    </a:fontRef>
+                  </p:style>
+                  <p:txBody>
+                    <a:bodyPr rtlCol="0" anchor="ctr"/>
+                    <a:lstStyle/>
+                    <a:p>
+                      <a:pPr algn="ctr"/>
+                      <a:endParaRPr lang="en-US"/>
+                    </a:p>
+                  </p:txBody>
+                </p:sp>
+              </p:grpSp>
+            </p:grpSp>
+          </p:grpSp>
+          <p:sp>
+            <p:nvSpPr>
+              <p:cNvPr id="123" name="Rectangle 122"/>
+              <p:cNvSpPr/>
+              <p:nvPr/>
+            </p:nvSpPr>
+            <p:spPr>
+              <a:xfrm>
+                <a:off x="28249068" y="17983328"/>
+                <a:ext cx="196430" cy="152272"/>
+              </a:xfrm>
+              <a:prstGeom prst="rect">
+                <a:avLst/>
+              </a:prstGeom>
+              <a:solidFill>
+                <a:schemeClr val="bg1"/>
+              </a:solidFill>
+              <a:ln>
+                <a:solidFill>
+                  <a:schemeClr val="bg1"/>
+                </a:solidFill>
+              </a:ln>
+            </p:spPr>
+            <p:style>
+              <a:lnRef idx="2">
+                <a:schemeClr val="accent1">
+                  <a:shade val="50000"/>
+                </a:schemeClr>
+              </a:lnRef>
+              <a:fillRef idx="1">
+                <a:schemeClr val="accent1"/>
+              </a:fillRef>
+              <a:effectRef idx="0">
+                <a:schemeClr val="accent1"/>
+              </a:effectRef>
+              <a:fontRef idx="minor">
+                <a:schemeClr val="lt1"/>
+              </a:fontRef>
+            </p:style>
+            <p:txBody>
+              <a:bodyPr rtlCol="0" anchor="ctr"/>
+              <a:lstStyle/>
+              <a:p>
+                <a:pPr algn="ctr"/>
+                <a:endParaRPr lang="en-US"/>
+              </a:p>
+            </p:txBody>
+          </p:sp>
+        </p:grpSp>
+      </p:grpSp>
+      <p:grpSp>
+        <p:nvGrpSpPr>
+          <p:cNvPr id="232" name="Group 231"/>
+          <p:cNvGrpSpPr/>
+          <p:nvPr/>
+        </p:nvGrpSpPr>
+        <p:grpSpPr>
+          <a:xfrm>
+            <a:off x="26367402" y="7776436"/>
+            <a:ext cx="9740014" cy="5025164"/>
+            <a:chOff x="26367402" y="3233409"/>
+            <a:chExt cx="9740014" cy="5025164"/>
+          </a:xfrm>
+        </p:grpSpPr>
+        <p:sp>
+          <p:nvSpPr>
+            <p:cNvPr id="34" name="TextBox 33"/>
+            <p:cNvSpPr txBox="1"/>
+            <p:nvPr/>
+          </p:nvSpPr>
+          <p:spPr>
+            <a:xfrm>
+              <a:off x="26392996" y="3233409"/>
+              <a:ext cx="9583874" cy="584775"/>
+            </a:xfrm>
+            <a:prstGeom prst="rect">
+              <a:avLst/>
+            </a:prstGeom>
+            <a:solidFill>
+              <a:schemeClr val="accent2"/>
+            </a:solidFill>
+          </p:spPr>
+          <p:txBody>
+            <a:bodyPr wrap="square" rtlCol="0">
+              <a:spAutoFit/>
+            </a:bodyPr>
+            <a:lstStyle/>
+            <a:p>
+              <a:r>
+                <a:rPr lang="en-US" sz="3200" b="1" dirty="0" smtClean="0">
+                  <a:solidFill>
+                    <a:schemeClr val="bg1"/>
+                  </a:solidFill>
+                </a:rPr>
+                <a:t>Electrical Design</a:t>
+              </a:r>
+              <a:endParaRPr lang="en-US" sz="3200" b="1" dirty="0">
+                <a:solidFill>
+                  <a:schemeClr val="bg1"/>
+                </a:solidFill>
+              </a:endParaRPr>
+            </a:p>
+          </p:txBody>
+        </p:sp>
+        <p:grpSp>
+          <p:nvGrpSpPr>
+            <p:cNvPr id="231" name="Group 230"/>
+            <p:cNvGrpSpPr/>
+            <p:nvPr/>
+          </p:nvGrpSpPr>
+          <p:grpSpPr>
+            <a:xfrm>
+              <a:off x="26367402" y="4100124"/>
+              <a:ext cx="9740014" cy="4158449"/>
+              <a:chOff x="26367402" y="4100124"/>
+              <a:chExt cx="9740014" cy="4158449"/>
+            </a:xfrm>
+          </p:grpSpPr>
+          <p:sp>
+            <p:nvSpPr>
+              <p:cNvPr id="220" name="Rounded Rectangle 219"/>
+              <p:cNvSpPr/>
+              <p:nvPr/>
+            </p:nvSpPr>
+            <p:spPr>
+              <a:xfrm>
+                <a:off x="33122123" y="5816617"/>
+                <a:ext cx="1478280" cy="1531620"/>
+              </a:xfrm>
+              <a:prstGeom prst="roundRect">
+                <a:avLst/>
+              </a:prstGeom>
+            </p:spPr>
+            <p:style>
+              <a:lnRef idx="2">
+                <a:schemeClr val="accent1">
+                  <a:shade val="50000"/>
+                </a:schemeClr>
+              </a:lnRef>
+              <a:fillRef idx="1">
+                <a:schemeClr val="accent1"/>
+              </a:fillRef>
+              <a:effectRef idx="0">
+                <a:schemeClr val="accent1"/>
+              </a:effectRef>
+              <a:fontRef idx="minor">
+                <a:schemeClr val="lt1"/>
+              </a:fontRef>
+            </p:style>
+            <p:txBody>
+              <a:bodyPr rot="0" spcFirstLastPara="0" vert="horz" wrap="square" lIns="91440" tIns="45720" rIns="91440" bIns="45720" numCol="1" spcCol="0" rtlCol="0" fromWordArt="0" anchor="ctr" anchorCtr="0" forceAA="0" compatLnSpc="1">
+                <a:prstTxWarp prst="textNoShape">
+                  <a:avLst/>
+                </a:prstTxWarp>
+                <a:noAutofit/>
+              </a:bodyPr>
+              <a:lstStyle/>
+              <a:p>
+                <a:endParaRPr lang="en-US"/>
+              </a:p>
+            </p:txBody>
+          </p:sp>
+          <p:grpSp>
+            <p:nvGrpSpPr>
+              <p:cNvPr id="230" name="Group 229"/>
+              <p:cNvGrpSpPr/>
+              <p:nvPr/>
+            </p:nvGrpSpPr>
+            <p:grpSpPr>
+              <a:xfrm>
+                <a:off x="26367402" y="4100124"/>
+                <a:ext cx="9740014" cy="4158449"/>
+                <a:chOff x="26367402" y="4100124"/>
+                <a:chExt cx="9740014" cy="4158449"/>
+              </a:xfrm>
+            </p:grpSpPr>
+            <p:grpSp>
+              <p:nvGrpSpPr>
+                <p:cNvPr id="229" name="Group 228"/>
+                <p:cNvGrpSpPr/>
+                <p:nvPr/>
+              </p:nvGrpSpPr>
+              <p:grpSpPr>
+                <a:xfrm>
+                  <a:off x="26367402" y="4100124"/>
+                  <a:ext cx="9740014" cy="4158449"/>
+                  <a:chOff x="26367402" y="4100124"/>
+                  <a:chExt cx="9740014" cy="4158449"/>
+                </a:xfrm>
+              </p:grpSpPr>
               <p:sp>
                 <p:nvSpPr>
-                  <p:cNvPr id="196" name="Rectangle 195"/>
+                  <p:cNvPr id="19" name="TextBox 18"/>
+                  <p:cNvSpPr txBox="1"/>
+                  <p:nvPr/>
+                </p:nvSpPr>
+                <p:spPr>
+                  <a:xfrm>
+                    <a:off x="26367402" y="4100124"/>
+                    <a:ext cx="9740014" cy="1631216"/>
+                  </a:xfrm>
+                  <a:prstGeom prst="rect">
+                    <a:avLst/>
+                  </a:prstGeom>
+                  <a:noFill/>
+                </p:spPr>
+                <p:txBody>
+                  <a:bodyPr wrap="square" rtlCol="0">
+                    <a:spAutoFit/>
+                  </a:bodyPr>
+                  <a:lstStyle/>
+                  <a:p>
+                    <a:r>
+                      <a:rPr lang="en-US" sz="2000" dirty="0" smtClean="0"/>
+                      <a:t>The Arduino Mega microcontroller outputs pulse-width modulated signals which are converted into analog signals using signal conditioning circuitry consisting of a low pass filter and a second-stage amplifier. The analog signal directly controls valve positions. Sensors inside the pneumatic cylinders are used as feedback to the control running on the Arduino microcontroller.</a:t>
+                    </a:r>
+                  </a:p>
+                </p:txBody>
+              </p:sp>
+              <p:sp>
+                <p:nvSpPr>
+                  <p:cNvPr id="205" name="Freeform 204"/>
                   <p:cNvSpPr/>
                   <p:nvPr/>
                 </p:nvSpPr>
                 <p:spPr>
                   <a:xfrm>
-                    <a:off x="28836375" y="18000142"/>
-                    <a:ext cx="196430" cy="152272"/>
+                    <a:off x="31350473" y="5899167"/>
+                    <a:ext cx="2034540" cy="1075055"/>
+                  </a:xfrm>
+                  <a:custGeom>
+                    <a:avLst/>
+                    <a:gdLst>
+                      <a:gd name="connsiteX0" fmla="*/ 0 w 2034540"/>
+                      <a:gd name="connsiteY0" fmla="*/ 1075552 h 1075552"/>
+                      <a:gd name="connsiteX1" fmla="*/ 434340 w 2034540"/>
+                      <a:gd name="connsiteY1" fmla="*/ 717412 h 1075552"/>
+                      <a:gd name="connsiteX2" fmla="*/ 640080 w 2034540"/>
+                      <a:gd name="connsiteY2" fmla="*/ 168772 h 1075552"/>
+                      <a:gd name="connsiteX3" fmla="*/ 952500 w 2034540"/>
+                      <a:gd name="connsiteY3" fmla="*/ 1132 h 1075552"/>
+                      <a:gd name="connsiteX4" fmla="*/ 1272540 w 2034540"/>
+                      <a:gd name="connsiteY4" fmla="*/ 229732 h 1075552"/>
+                      <a:gd name="connsiteX5" fmla="*/ 1554480 w 2034540"/>
+                      <a:gd name="connsiteY5" fmla="*/ 260212 h 1075552"/>
+                      <a:gd name="connsiteX6" fmla="*/ 1767840 w 2034540"/>
+                      <a:gd name="connsiteY6" fmla="*/ 176392 h 1075552"/>
+                      <a:gd name="connsiteX7" fmla="*/ 2034540 w 2034540"/>
+                      <a:gd name="connsiteY7" fmla="*/ 168772 h 1075552"/>
+                    </a:gdLst>
+                    <a:ahLst/>
+                    <a:cxnLst>
+                      <a:cxn ang="0">
+                        <a:pos x="connsiteX0" y="connsiteY0"/>
+                      </a:cxn>
+                      <a:cxn ang="0">
+                        <a:pos x="connsiteX1" y="connsiteY1"/>
+                      </a:cxn>
+                      <a:cxn ang="0">
+                        <a:pos x="connsiteX2" y="connsiteY2"/>
+                      </a:cxn>
+                      <a:cxn ang="0">
+                        <a:pos x="connsiteX3" y="connsiteY3"/>
+                      </a:cxn>
+                      <a:cxn ang="0">
+                        <a:pos x="connsiteX4" y="connsiteY4"/>
+                      </a:cxn>
+                      <a:cxn ang="0">
+                        <a:pos x="connsiteX5" y="connsiteY5"/>
+                      </a:cxn>
+                      <a:cxn ang="0">
+                        <a:pos x="connsiteX6" y="connsiteY6"/>
+                      </a:cxn>
+                      <a:cxn ang="0">
+                        <a:pos x="connsiteX7" y="connsiteY7"/>
+                      </a:cxn>
+                    </a:cxnLst>
+                    <a:rect l="l" t="t" r="r" b="b"/>
+                    <a:pathLst>
+                      <a:path w="2034540" h="1075552">
+                        <a:moveTo>
+                          <a:pt x="0" y="1075552"/>
+                        </a:moveTo>
+                        <a:cubicBezTo>
+                          <a:pt x="163830" y="972047"/>
+                          <a:pt x="327660" y="868542"/>
+                          <a:pt x="434340" y="717412"/>
+                        </a:cubicBezTo>
+                        <a:cubicBezTo>
+                          <a:pt x="541020" y="566282"/>
+                          <a:pt x="553720" y="288152"/>
+                          <a:pt x="640080" y="168772"/>
+                        </a:cubicBezTo>
+                        <a:cubicBezTo>
+                          <a:pt x="726440" y="49392"/>
+                          <a:pt x="847090" y="-9028"/>
+                          <a:pt x="952500" y="1132"/>
+                        </a:cubicBezTo>
+                        <a:cubicBezTo>
+                          <a:pt x="1057910" y="11292"/>
+                          <a:pt x="1172210" y="186552"/>
+                          <a:pt x="1272540" y="229732"/>
+                        </a:cubicBezTo>
+                        <a:cubicBezTo>
+                          <a:pt x="1372870" y="272912"/>
+                          <a:pt x="1471930" y="269102"/>
+                          <a:pt x="1554480" y="260212"/>
+                        </a:cubicBezTo>
+                        <a:cubicBezTo>
+                          <a:pt x="1637030" y="251322"/>
+                          <a:pt x="1687830" y="191632"/>
+                          <a:pt x="1767840" y="176392"/>
+                        </a:cubicBezTo>
+                        <a:cubicBezTo>
+                          <a:pt x="1847850" y="161152"/>
+                          <a:pt x="1969770" y="170042"/>
+                          <a:pt x="2034540" y="168772"/>
+                        </a:cubicBezTo>
+                      </a:path>
+                    </a:pathLst>
+                  </a:custGeom>
+                </p:spPr>
+                <p:style>
+                  <a:lnRef idx="1">
+                    <a:schemeClr val="dk1"/>
+                  </a:lnRef>
+                  <a:fillRef idx="0">
+                    <a:schemeClr val="dk1"/>
+                  </a:fillRef>
+                  <a:effectRef idx="0">
+                    <a:schemeClr val="dk1"/>
+                  </a:effectRef>
+                  <a:fontRef idx="minor">
+                    <a:schemeClr val="tx1"/>
+                  </a:fontRef>
+                </p:style>
+                <p:txBody>
+                  <a:bodyPr rot="0" spcFirstLastPara="0" vert="horz" wrap="square" lIns="91440" tIns="45720" rIns="91440" bIns="45720" numCol="1" spcCol="0" rtlCol="0" fromWordArt="0" anchor="ctr" anchorCtr="0" forceAA="0" compatLnSpc="1">
+                    <a:prstTxWarp prst="textNoShape">
+                      <a:avLst/>
+                    </a:prstTxWarp>
+                    <a:noAutofit/>
+                  </a:bodyPr>
+                  <a:lstStyle/>
+                  <a:p>
+                    <a:endParaRPr lang="en-US"/>
+                  </a:p>
+                </p:txBody>
+              </p:sp>
+              <p:sp>
+                <p:nvSpPr>
+                  <p:cNvPr id="208" name="Rectangle 207"/>
+                  <p:cNvSpPr/>
+                  <p:nvPr/>
+                </p:nvSpPr>
+                <p:spPr>
+                  <a:xfrm>
+                    <a:off x="27769073" y="5770897"/>
+                    <a:ext cx="815340" cy="1478280"/>
                   </a:xfrm>
                   <a:prstGeom prst="rect">
                     <a:avLst/>
                   </a:prstGeom>
-                  <a:solidFill>
-                    <a:schemeClr val="bg1"/>
-                  </a:solidFill>
-                  <a:ln>
-                    <a:solidFill>
-                      <a:schemeClr val="bg1"/>
-                    </a:solidFill>
-                  </a:ln>
                 </p:spPr>
                 <p:style>
                   <a:lnRef idx="2">
@@ -9882,1523 +10140,1300 @@
                   </a:fontRef>
                 </p:style>
                 <p:txBody>
-                  <a:bodyPr rtlCol="0" anchor="ctr"/>
+                  <a:bodyPr rot="0" spcFirstLastPara="0" vert="horz" wrap="square" lIns="91440" tIns="45720" rIns="91440" bIns="45720" numCol="1" spcCol="0" rtlCol="0" fromWordArt="0" anchor="ctr" anchorCtr="0" forceAA="0" compatLnSpc="1">
+                    <a:prstTxWarp prst="textNoShape">
+                      <a:avLst/>
+                    </a:prstTxWarp>
+                    <a:noAutofit/>
+                  </a:bodyPr>
                   <a:lstStyle/>
                   <a:p>
-                    <a:pPr algn="ctr"/>
                     <a:endParaRPr lang="en-US"/>
                   </a:p>
                 </p:txBody>
               </p:sp>
               <p:sp>
                 <p:nvSpPr>
-                  <p:cNvPr id="197" name="Rectangle 196"/>
+                  <p:cNvPr id="213" name="Rectangle 212"/>
                   <p:cNvSpPr/>
                   <p:nvPr/>
                 </p:nvSpPr>
                 <p:spPr>
                   <a:xfrm>
-                    <a:off x="29933157" y="18083096"/>
-                    <a:ext cx="196430" cy="152272"/>
+                    <a:off x="27944333" y="5793122"/>
+                    <a:ext cx="472440" cy="45085"/>
                   </a:xfrm>
                   <a:prstGeom prst="rect">
                     <a:avLst/>
                   </a:prstGeom>
-                  <a:solidFill>
-                    <a:schemeClr val="bg1"/>
-                  </a:solidFill>
-                  <a:ln>
-                    <a:solidFill>
-                      <a:schemeClr val="bg1"/>
-                    </a:solidFill>
-                  </a:ln>
                 </p:spPr>
                 <p:style>
                   <a:lnRef idx="2">
-                    <a:schemeClr val="accent1">
+                    <a:schemeClr val="dk1">
                       <a:shade val="50000"/>
                     </a:schemeClr>
                   </a:lnRef>
                   <a:fillRef idx="1">
-                    <a:schemeClr val="accent1"/>
+                    <a:schemeClr val="dk1"/>
                   </a:fillRef>
                   <a:effectRef idx="0">
-                    <a:schemeClr val="accent1"/>
+                    <a:schemeClr val="dk1"/>
                   </a:effectRef>
                   <a:fontRef idx="minor">
                     <a:schemeClr val="lt1"/>
                   </a:fontRef>
                 </p:style>
                 <p:txBody>
-                  <a:bodyPr rtlCol="0" anchor="ctr"/>
+                  <a:bodyPr rot="0" spcFirstLastPara="0" vert="horz" wrap="square" lIns="91440" tIns="45720" rIns="91440" bIns="45720" numCol="1" spcCol="0" rtlCol="0" fromWordArt="0" anchor="ctr" anchorCtr="0" forceAA="0" compatLnSpc="1">
+                    <a:prstTxWarp prst="textNoShape">
+                      <a:avLst/>
+                    </a:prstTxWarp>
+                    <a:noAutofit/>
+                  </a:bodyPr>
                   <a:lstStyle/>
                   <a:p>
-                    <a:pPr algn="ctr"/>
                     <a:endParaRPr lang="en-US"/>
                   </a:p>
                 </p:txBody>
               </p:sp>
               <p:sp>
                 <p:nvSpPr>
-                  <p:cNvPr id="199" name="Rectangle 198"/>
+                  <p:cNvPr id="214" name="Text Box 1"/>
+                  <p:cNvSpPr txBox="1"/>
+                  <p:nvPr/>
+                </p:nvSpPr>
+                <p:spPr>
+                  <a:xfrm>
+                    <a:off x="27830033" y="6083317"/>
+                    <a:ext cx="739140" cy="723900"/>
+                  </a:xfrm>
+                  <a:prstGeom prst="rect">
+                    <a:avLst/>
+                  </a:prstGeom>
+                  <a:noFill/>
+                  <a:ln>
+                    <a:noFill/>
+                  </a:ln>
+                  <a:effectLst/>
+                </p:spPr>
+                <p:txBody>
+                  <a:bodyPr rot="0" spcFirstLastPara="0" vert="horz" wrap="square" lIns="91440" tIns="45720" rIns="91440" bIns="45720" numCol="1" spcCol="0" rtlCol="0" fromWordArt="0" anchor="t" anchorCtr="0" forceAA="0" compatLnSpc="1">
+                    <a:prstTxWarp prst="textNoShape">
+                      <a:avLst/>
+                    </a:prstTxWarp>
+                    <a:noAutofit/>
+                  </a:bodyPr>
+                  <a:lstStyle/>
+                  <a:p>
+                    <a:pPr marL="0" marR="0">
+                      <a:lnSpc>
+                        <a:spcPct val="107000"/>
+                      </a:lnSpc>
+                      <a:spcBef>
+                        <a:spcPts val="0"/>
+                      </a:spcBef>
+                      <a:spcAft>
+                        <a:spcPts val="800"/>
+                      </a:spcAft>
+                    </a:pPr>
+                    <a:r>
+                      <a:rPr lang="en-US" sz="1200" dirty="0">
+                        <a:ln>
+                          <a:noFill/>
+                        </a:ln>
+                        <a:solidFill>
+                          <a:srgbClr val="000000"/>
+                        </a:solidFill>
+                        <a:effectLst>
+                          <a:outerShdw blurRad="38100" dist="19050" dir="2700000" algn="tl">
+                            <a:schemeClr val="dk1">
+                              <a:alpha val="40000"/>
+                            </a:schemeClr>
+                          </a:outerShdw>
+                        </a:effectLst>
+                        <a:latin typeface="Calibri" panose="020F0502020204030204" pitchFamily="34" charset="0"/>
+                        <a:ea typeface="Calibri" panose="020F0502020204030204" pitchFamily="34" charset="0"/>
+                        <a:cs typeface="Times New Roman" panose="02020603050405020304" pitchFamily="18" charset="0"/>
+                      </a:rPr>
+                      <a:t>Arduino</a:t>
+                    </a:r>
+                    <a:endParaRPr lang="en-US" sz="1100" dirty="0">
+                      <a:effectLst/>
+                      <a:latin typeface="Calibri" panose="020F0502020204030204" pitchFamily="34" charset="0"/>
+                      <a:ea typeface="Calibri" panose="020F0502020204030204" pitchFamily="34" charset="0"/>
+                      <a:cs typeface="Times New Roman" panose="02020603050405020304" pitchFamily="18" charset="0"/>
+                    </a:endParaRPr>
+                  </a:p>
+                  <a:p>
+                    <a:pPr marL="0" marR="0">
+                      <a:lnSpc>
+                        <a:spcPct val="107000"/>
+                      </a:lnSpc>
+                      <a:spcBef>
+                        <a:spcPts val="0"/>
+                      </a:spcBef>
+                      <a:spcAft>
+                        <a:spcPts val="800"/>
+                      </a:spcAft>
+                    </a:pPr>
+                    <a:r>
+                      <a:rPr lang="en-US" sz="1200" dirty="0">
+                        <a:ln>
+                          <a:noFill/>
+                        </a:ln>
+                        <a:solidFill>
+                          <a:srgbClr val="000000"/>
+                        </a:solidFill>
+                        <a:effectLst>
+                          <a:outerShdw blurRad="38100" dist="19050" dir="2700000" algn="tl">
+                            <a:schemeClr val="dk1">
+                              <a:alpha val="40000"/>
+                            </a:schemeClr>
+                          </a:outerShdw>
+                        </a:effectLst>
+                        <a:latin typeface="Calibri" panose="020F0502020204030204" pitchFamily="34" charset="0"/>
+                        <a:ea typeface="Calibri" panose="020F0502020204030204" pitchFamily="34" charset="0"/>
+                        <a:cs typeface="Times New Roman" panose="02020603050405020304" pitchFamily="18" charset="0"/>
+                      </a:rPr>
+                      <a:t>Mega</a:t>
+                    </a:r>
+                    <a:endParaRPr lang="en-US" sz="1100" dirty="0">
+                      <a:effectLst/>
+                      <a:latin typeface="Calibri" panose="020F0502020204030204" pitchFamily="34" charset="0"/>
+                      <a:ea typeface="Calibri" panose="020F0502020204030204" pitchFamily="34" charset="0"/>
+                      <a:cs typeface="Times New Roman" panose="02020603050405020304" pitchFamily="18" charset="0"/>
+                    </a:endParaRPr>
+                  </a:p>
+                </p:txBody>
+              </p:sp>
+              <p:cxnSp>
+                <p:nvCxnSpPr>
+                  <p:cNvPr id="215" name="Elbow Connector 214"/>
+                  <p:cNvCxnSpPr/>
+                  <p:nvPr/>
+                </p:nvCxnSpPr>
+                <p:spPr>
+                  <a:xfrm>
+                    <a:off x="28637753" y="6052837"/>
+                    <a:ext cx="914400" cy="914400"/>
+                  </a:xfrm>
+                  <a:prstGeom prst="bentConnector3">
+                    <a:avLst/>
+                  </a:prstGeom>
+                </p:spPr>
+                <p:style>
+                  <a:lnRef idx="1">
+                    <a:schemeClr val="dk1"/>
+                  </a:lnRef>
+                  <a:fillRef idx="0">
+                    <a:schemeClr val="dk1"/>
+                  </a:fillRef>
+                  <a:effectRef idx="0">
+                    <a:schemeClr val="dk1"/>
+                  </a:effectRef>
+                  <a:fontRef idx="minor">
+                    <a:schemeClr val="tx1"/>
+                  </a:fontRef>
+                </p:style>
+              </p:cxnSp>
+              <p:cxnSp>
+                <p:nvCxnSpPr>
+                  <p:cNvPr id="216" name="Elbow Connector 215"/>
+                  <p:cNvCxnSpPr/>
+                  <p:nvPr/>
+                </p:nvCxnSpPr>
+                <p:spPr>
+                  <a:xfrm flipV="1">
+                    <a:off x="29567393" y="6045217"/>
+                    <a:ext cx="426720" cy="922020"/>
+                  </a:xfrm>
+                  <a:prstGeom prst="bentConnector3">
+                    <a:avLst>
+                      <a:gd name="adj1" fmla="val 15517"/>
+                    </a:avLst>
+                  </a:prstGeom>
+                </p:spPr>
+                <p:style>
+                  <a:lnRef idx="1">
+                    <a:schemeClr val="dk1"/>
+                  </a:lnRef>
+                  <a:fillRef idx="0">
+                    <a:schemeClr val="dk1"/>
+                  </a:fillRef>
+                  <a:effectRef idx="0">
+                    <a:schemeClr val="dk1"/>
+                  </a:effectRef>
+                  <a:fontRef idx="minor">
+                    <a:schemeClr val="tx1"/>
+                  </a:fontRef>
+                </p:style>
+              </p:cxnSp>
+              <p:cxnSp>
+                <p:nvCxnSpPr>
+                  <p:cNvPr id="217" name="Elbow Connector 216"/>
+                  <p:cNvCxnSpPr/>
+                  <p:nvPr/>
+                </p:nvCxnSpPr>
+                <p:spPr>
+                  <a:xfrm>
+                    <a:off x="29750273" y="6045217"/>
+                    <a:ext cx="914400" cy="914400"/>
+                  </a:xfrm>
+                  <a:prstGeom prst="bentConnector3">
+                    <a:avLst/>
+                  </a:prstGeom>
+                </p:spPr>
+                <p:style>
+                  <a:lnRef idx="1">
+                    <a:schemeClr val="dk1"/>
+                  </a:lnRef>
+                  <a:fillRef idx="0">
+                    <a:schemeClr val="dk1"/>
+                  </a:fillRef>
+                  <a:effectRef idx="0">
+                    <a:schemeClr val="dk1"/>
+                  </a:effectRef>
+                  <a:fontRef idx="minor">
+                    <a:schemeClr val="tx1"/>
+                  </a:fontRef>
+                </p:style>
+              </p:cxnSp>
+              <p:sp>
+                <p:nvSpPr>
+                  <p:cNvPr id="218" name="Rectangle 217"/>
                   <p:cNvSpPr/>
                   <p:nvPr/>
                 </p:nvSpPr>
                 <p:spPr>
                   <a:xfrm>
-                    <a:off x="30815420" y="18061132"/>
-                    <a:ext cx="196430" cy="152272"/>
+                    <a:off x="30565613" y="5793757"/>
+                    <a:ext cx="982980" cy="1447800"/>
                   </a:xfrm>
                   <a:prstGeom prst="rect">
                     <a:avLst/>
                   </a:prstGeom>
-                  <a:solidFill>
-                    <a:schemeClr val="bg1"/>
-                  </a:solidFill>
-                  <a:ln>
-                    <a:solidFill>
-                      <a:schemeClr val="bg1"/>
-                    </a:solidFill>
-                  </a:ln>
                 </p:spPr>
                 <p:style>
                   <a:lnRef idx="2">
-                    <a:schemeClr val="accent1">
+                    <a:schemeClr val="accent3">
                       <a:shade val="50000"/>
                     </a:schemeClr>
                   </a:lnRef>
                   <a:fillRef idx="1">
-                    <a:schemeClr val="accent1"/>
+                    <a:schemeClr val="accent3"/>
                   </a:fillRef>
                   <a:effectRef idx="0">
-                    <a:schemeClr val="accent1"/>
+                    <a:schemeClr val="accent3"/>
                   </a:effectRef>
                   <a:fontRef idx="minor">
                     <a:schemeClr val="lt1"/>
                   </a:fontRef>
                 </p:style>
                 <p:txBody>
-                  <a:bodyPr rtlCol="0" anchor="ctr"/>
+                  <a:bodyPr rot="0" spcFirstLastPara="0" vert="horz" wrap="square" lIns="91440" tIns="45720" rIns="91440" bIns="45720" numCol="1" spcCol="0" rtlCol="0" fromWordArt="0" anchor="ctr" anchorCtr="0" forceAA="0" compatLnSpc="1">
+                    <a:prstTxWarp prst="textNoShape">
+                      <a:avLst/>
+                    </a:prstTxWarp>
+                    <a:noAutofit/>
+                  </a:bodyPr>
                   <a:lstStyle/>
                   <a:p>
-                    <a:pPr algn="ctr"/>
                     <a:endParaRPr lang="en-US"/>
                   </a:p>
                 </p:txBody>
               </p:sp>
               <p:sp>
                 <p:nvSpPr>
-                  <p:cNvPr id="201" name="Rectangle 200"/>
-                  <p:cNvSpPr/>
+                  <p:cNvPr id="219" name="Text Box 17"/>
+                  <p:cNvSpPr txBox="1"/>
                   <p:nvPr/>
                 </p:nvSpPr>
                 <p:spPr>
                   <a:xfrm>
-                    <a:off x="28916443" y="18884598"/>
-                    <a:ext cx="196430" cy="152272"/>
+                    <a:off x="30497668" y="6403357"/>
+                    <a:ext cx="1096645" cy="417195"/>
                   </a:xfrm>
                   <a:prstGeom prst="rect">
                     <a:avLst/>
                   </a:prstGeom>
-                  <a:solidFill>
-                    <a:schemeClr val="bg1"/>
-                  </a:solidFill>
+                  <a:noFill/>
                   <a:ln>
-                    <a:solidFill>
-                      <a:schemeClr val="bg1"/>
-                    </a:solidFill>
+                    <a:noFill/>
                   </a:ln>
+                  <a:effectLst/>
                 </p:spPr>
-                <p:style>
-                  <a:lnRef idx="2">
-                    <a:schemeClr val="accent1">
-                      <a:shade val="50000"/>
-                    </a:schemeClr>
-                  </a:lnRef>
-                  <a:fillRef idx="1">
-                    <a:schemeClr val="accent1"/>
-                  </a:fillRef>
-                  <a:effectRef idx="0">
-                    <a:schemeClr val="accent1"/>
-                  </a:effectRef>
-                  <a:fontRef idx="minor">
-                    <a:schemeClr val="lt1"/>
-                  </a:fontRef>
-                </p:style>
                 <p:txBody>
-                  <a:bodyPr rtlCol="0" anchor="ctr"/>
+                  <a:bodyPr rot="0" spcFirstLastPara="0" vert="horz" wrap="none" lIns="91440" tIns="45720" rIns="91440" bIns="45720" numCol="1" spcCol="0" rtlCol="0" fromWordArt="0" anchor="t" anchorCtr="0" forceAA="0" compatLnSpc="1">
+                    <a:prstTxWarp prst="textNoShape">
+                      <a:avLst/>
+                    </a:prstTxWarp>
+                    <a:spAutoFit/>
+                  </a:bodyPr>
                   <a:lstStyle/>
                   <a:p>
-                    <a:pPr algn="ctr"/>
-                    <a:endParaRPr lang="en-US"/>
+                    <a:pPr marL="0" marR="0" algn="ctr">
+                      <a:lnSpc>
+                        <a:spcPct val="107000"/>
+                      </a:lnSpc>
+                      <a:spcBef>
+                        <a:spcPts val="0"/>
+                      </a:spcBef>
+                      <a:spcAft>
+                        <a:spcPts val="800"/>
+                      </a:spcAft>
+                    </a:pPr>
+                    <a:r>
+                      <a:rPr lang="en-US" sz="1200">
+                        <a:ln>
+                          <a:noFill/>
+                        </a:ln>
+                        <a:solidFill>
+                          <a:srgbClr val="000000"/>
+                        </a:solidFill>
+                        <a:effectLst>
+                          <a:outerShdw blurRad="38100" dist="19050" dir="2700000" algn="tl">
+                            <a:schemeClr val="dk1">
+                              <a:alpha val="40000"/>
+                            </a:schemeClr>
+                          </a:outerShdw>
+                        </a:effectLst>
+                        <a:latin typeface="Calibri" panose="020F0502020204030204" pitchFamily="34" charset="0"/>
+                        <a:ea typeface="Calibri" panose="020F0502020204030204" pitchFamily="34" charset="0"/>
+                        <a:cs typeface="Times New Roman" panose="02020603050405020304" pitchFamily="18" charset="0"/>
+                      </a:rPr>
+                      <a:t>Low Pass Filter</a:t>
+                    </a:r>
+                    <a:endParaRPr lang="en-US" sz="1100">
+                      <a:effectLst/>
+                      <a:latin typeface="Calibri" panose="020F0502020204030204" pitchFamily="34" charset="0"/>
+                      <a:ea typeface="Calibri" panose="020F0502020204030204" pitchFamily="34" charset="0"/>
+                      <a:cs typeface="Times New Roman" panose="02020603050405020304" pitchFamily="18" charset="0"/>
+                    </a:endParaRPr>
                   </a:p>
                 </p:txBody>
               </p:sp>
               <p:sp>
                 <p:nvSpPr>
-                  <p:cNvPr id="202" name="Rectangle 201"/>
-                  <p:cNvSpPr/>
+                  <p:cNvPr id="221" name="Text Box 24"/>
+                  <p:cNvSpPr txBox="1"/>
                   <p:nvPr/>
                 </p:nvSpPr>
                 <p:spPr>
                   <a:xfrm>
-                    <a:off x="30708444" y="18885426"/>
-                    <a:ext cx="196430" cy="152272"/>
+                    <a:off x="33174193" y="6083317"/>
+                    <a:ext cx="1452880" cy="742950"/>
                   </a:xfrm>
                   <a:prstGeom prst="rect">
                     <a:avLst/>
                   </a:prstGeom>
-                  <a:solidFill>
-                    <a:schemeClr val="bg1"/>
-                  </a:solidFill>
+                  <a:noFill/>
                   <a:ln>
-                    <a:solidFill>
-                      <a:schemeClr val="bg1"/>
-                    </a:solidFill>
+                    <a:noFill/>
+                  </a:ln>
+                  <a:effectLst/>
+                </p:spPr>
+                <p:txBody>
+                  <a:bodyPr rot="0" spcFirstLastPara="0" vert="horz" wrap="none" lIns="91440" tIns="45720" rIns="91440" bIns="45720" numCol="1" spcCol="0" rtlCol="0" fromWordArt="0" anchor="t" anchorCtr="0" forceAA="0" compatLnSpc="1">
+                    <a:prstTxWarp prst="textNoShape">
+                      <a:avLst/>
+                    </a:prstTxWarp>
+                    <a:spAutoFit/>
+                  </a:bodyPr>
+                  <a:lstStyle/>
+                  <a:p>
+                    <a:pPr marL="0" marR="0">
+                      <a:lnSpc>
+                        <a:spcPct val="107000"/>
+                      </a:lnSpc>
+                      <a:spcBef>
+                        <a:spcPts val="0"/>
+                      </a:spcBef>
+                      <a:spcAft>
+                        <a:spcPts val="800"/>
+                      </a:spcAft>
+                    </a:pPr>
+                    <a:r>
+                      <a:rPr lang="en-US" sz="1200" dirty="0">
+                        <a:ln>
+                          <a:noFill/>
+                        </a:ln>
+                        <a:solidFill>
+                          <a:srgbClr val="000000"/>
+                        </a:solidFill>
+                        <a:effectLst>
+                          <a:outerShdw blurRad="38100" dist="19050" dir="2700000" algn="tl">
+                            <a:schemeClr val="dk1">
+                              <a:alpha val="40000"/>
+                            </a:schemeClr>
+                          </a:outerShdw>
+                        </a:effectLst>
+                        <a:latin typeface="Calibri" panose="020F0502020204030204" pitchFamily="34" charset="0"/>
+                        <a:ea typeface="Calibri" panose="020F0502020204030204" pitchFamily="34" charset="0"/>
+                        <a:cs typeface="Times New Roman" panose="02020603050405020304" pitchFamily="18" charset="0"/>
+                      </a:rPr>
+                      <a:t> </a:t>
+                    </a:r>
+                    <a:endParaRPr lang="en-US" sz="1100" dirty="0">
+                      <a:effectLst/>
+                      <a:latin typeface="Calibri" panose="020F0502020204030204" pitchFamily="34" charset="0"/>
+                      <a:ea typeface="Calibri" panose="020F0502020204030204" pitchFamily="34" charset="0"/>
+                      <a:cs typeface="Times New Roman" panose="02020603050405020304" pitchFamily="18" charset="0"/>
+                    </a:endParaRPr>
+                  </a:p>
+                  <a:p>
+                    <a:pPr marL="0" marR="0">
+                      <a:lnSpc>
+                        <a:spcPct val="107000"/>
+                      </a:lnSpc>
+                      <a:spcBef>
+                        <a:spcPts val="0"/>
+                      </a:spcBef>
+                      <a:spcAft>
+                        <a:spcPts val="800"/>
+                      </a:spcAft>
+                    </a:pPr>
+                    <a:r>
+                      <a:rPr lang="en-US" sz="1200" dirty="0">
+                        <a:ln>
+                          <a:noFill/>
+                        </a:ln>
+                        <a:solidFill>
+                          <a:srgbClr val="000000"/>
+                        </a:solidFill>
+                        <a:effectLst>
+                          <a:outerShdw blurRad="38100" dist="19050" dir="2700000" algn="tl">
+                            <a:schemeClr val="dk1">
+                              <a:alpha val="40000"/>
+                            </a:schemeClr>
+                          </a:outerShdw>
+                        </a:effectLst>
+                        <a:latin typeface="Calibri" panose="020F0502020204030204" pitchFamily="34" charset="0"/>
+                        <a:ea typeface="Calibri" panose="020F0502020204030204" pitchFamily="34" charset="0"/>
+                        <a:cs typeface="Times New Roman" panose="02020603050405020304" pitchFamily="18" charset="0"/>
+                      </a:rPr>
+                      <a:t>Valves and Cylinders</a:t>
+                    </a:r>
+                    <a:endParaRPr lang="en-US" sz="1100" dirty="0">
+                      <a:effectLst/>
+                      <a:latin typeface="Calibri" panose="020F0502020204030204" pitchFamily="34" charset="0"/>
+                      <a:ea typeface="Calibri" panose="020F0502020204030204" pitchFamily="34" charset="0"/>
+                      <a:cs typeface="Times New Roman" panose="02020603050405020304" pitchFamily="18" charset="0"/>
+                    </a:endParaRPr>
+                  </a:p>
+                </p:txBody>
+              </p:sp>
+              <p:cxnSp>
+                <p:nvCxnSpPr>
+                  <p:cNvPr id="222" name="Curved Connector 221"/>
+                  <p:cNvCxnSpPr/>
+                  <p:nvPr/>
+                </p:nvCxnSpPr>
+                <p:spPr>
+                  <a:xfrm flipH="1">
+                    <a:off x="31632413" y="7233937"/>
+                    <a:ext cx="1409700" cy="579120"/>
+                  </a:xfrm>
+                  <a:prstGeom prst="curvedConnector3">
+                    <a:avLst/>
+                  </a:prstGeom>
+                  <a:ln>
+                    <a:tailEnd type="triangle"/>
                   </a:ln>
                 </p:spPr>
                 <p:style>
-                  <a:lnRef idx="2">
-                    <a:schemeClr val="accent1">
-                      <a:shade val="50000"/>
-                    </a:schemeClr>
+                  <a:lnRef idx="1">
+                    <a:schemeClr val="dk1"/>
                   </a:lnRef>
-                  <a:fillRef idx="1">
-                    <a:schemeClr val="accent1"/>
+                  <a:fillRef idx="0">
+                    <a:schemeClr val="dk1"/>
                   </a:fillRef>
                   <a:effectRef idx="0">
-                    <a:schemeClr val="accent1"/>
+                    <a:schemeClr val="dk1"/>
                   </a:effectRef>
                   <a:fontRef idx="minor">
-                    <a:schemeClr val="lt1"/>
+                    <a:schemeClr val="tx1"/>
                   </a:fontRef>
                 </p:style>
+              </p:cxnSp>
+              <p:cxnSp>
+                <p:nvCxnSpPr>
+                  <p:cNvPr id="223" name="Curved Connector 222"/>
+                  <p:cNvCxnSpPr/>
+                  <p:nvPr/>
+                </p:nvCxnSpPr>
+                <p:spPr>
+                  <a:xfrm flipH="1" flipV="1">
+                    <a:off x="28637753" y="7157737"/>
+                    <a:ext cx="1874520" cy="670560"/>
+                  </a:xfrm>
+                  <a:prstGeom prst="curvedConnector3">
+                    <a:avLst/>
+                  </a:prstGeom>
+                  <a:ln>
+                    <a:tailEnd type="triangle"/>
+                  </a:ln>
+                </p:spPr>
+                <p:style>
+                  <a:lnRef idx="1">
+                    <a:schemeClr val="dk1"/>
+                  </a:lnRef>
+                  <a:fillRef idx="0">
+                    <a:schemeClr val="dk1"/>
+                  </a:fillRef>
+                  <a:effectRef idx="0">
+                    <a:schemeClr val="dk1"/>
+                  </a:effectRef>
+                  <a:fontRef idx="minor">
+                    <a:schemeClr val="tx1"/>
+                  </a:fontRef>
+                </p:style>
+              </p:cxnSp>
+              <p:sp>
+                <p:nvSpPr>
+                  <p:cNvPr id="224" name="Text Box 29"/>
+                  <p:cNvSpPr txBox="1"/>
+                  <p:nvPr/>
+                </p:nvSpPr>
+                <p:spPr>
+                  <a:xfrm>
+                    <a:off x="30497033" y="7668277"/>
+                    <a:ext cx="1170940" cy="417195"/>
+                  </a:xfrm>
+                  <a:prstGeom prst="rect">
+                    <a:avLst/>
+                  </a:prstGeom>
+                  <a:noFill/>
+                  <a:ln>
+                    <a:noFill/>
+                  </a:ln>
+                  <a:effectLst/>
+                </p:spPr>
                 <p:txBody>
-                  <a:bodyPr rtlCol="0" anchor="ctr"/>
+                  <a:bodyPr rot="0" spcFirstLastPara="0" vert="horz" wrap="none" lIns="91440" tIns="45720" rIns="91440" bIns="45720" numCol="1" spcCol="0" rtlCol="0" fromWordArt="0" anchor="t" anchorCtr="0" forceAA="0" compatLnSpc="1">
+                    <a:prstTxWarp prst="textNoShape">
+                      <a:avLst/>
+                    </a:prstTxWarp>
+                    <a:spAutoFit/>
+                  </a:bodyPr>
+                  <a:lstStyle/>
+                  <a:p>
+                    <a:pPr marL="0" marR="0" algn="ctr">
+                      <a:lnSpc>
+                        <a:spcPct val="107000"/>
+                      </a:lnSpc>
+                      <a:spcBef>
+                        <a:spcPts val="0"/>
+                      </a:spcBef>
+                      <a:spcAft>
+                        <a:spcPts val="800"/>
+                      </a:spcAft>
+                    </a:pPr>
+                    <a:r>
+                      <a:rPr lang="en-US" sz="1200">
+                        <a:ln>
+                          <a:noFill/>
+                        </a:ln>
+                        <a:solidFill>
+                          <a:srgbClr val="000000"/>
+                        </a:solidFill>
+                        <a:effectLst>
+                          <a:outerShdw blurRad="38100" dist="19050" dir="2700000" algn="tl">
+                            <a:schemeClr val="dk1">
+                              <a:alpha val="40000"/>
+                            </a:schemeClr>
+                          </a:outerShdw>
+                        </a:effectLst>
+                        <a:latin typeface="Calibri" panose="020F0502020204030204" pitchFamily="34" charset="0"/>
+                        <a:ea typeface="Calibri" panose="020F0502020204030204" pitchFamily="34" charset="0"/>
+                        <a:cs typeface="Times New Roman" panose="02020603050405020304" pitchFamily="18" charset="0"/>
+                      </a:rPr>
+                      <a:t>Feedback Signal</a:t>
+                    </a:r>
+                    <a:endParaRPr lang="en-US" sz="1100">
+                      <a:effectLst/>
+                      <a:latin typeface="Calibri" panose="020F0502020204030204" pitchFamily="34" charset="0"/>
+                      <a:ea typeface="Calibri" panose="020F0502020204030204" pitchFamily="34" charset="0"/>
+                      <a:cs typeface="Times New Roman" panose="02020603050405020304" pitchFamily="18" charset="0"/>
+                    </a:endParaRPr>
+                  </a:p>
+                </p:txBody>
+              </p:sp>
+              <p:sp>
+                <p:nvSpPr>
+                  <p:cNvPr id="225" name="Text Box 30"/>
+                  <p:cNvSpPr txBox="1"/>
+                  <p:nvPr/>
+                </p:nvSpPr>
+                <p:spPr>
+                  <a:xfrm>
+                    <a:off x="28546313" y="5610877"/>
+                    <a:ext cx="2047875" cy="417195"/>
+                  </a:xfrm>
+                  <a:prstGeom prst="rect">
+                    <a:avLst/>
+                  </a:prstGeom>
+                  <a:noFill/>
+                  <a:ln>
+                    <a:noFill/>
+                  </a:ln>
+                  <a:effectLst/>
+                </p:spPr>
+                <p:txBody>
+                  <a:bodyPr rot="0" spcFirstLastPara="0" vert="horz" wrap="none" lIns="91440" tIns="45720" rIns="91440" bIns="45720" numCol="1" spcCol="0" rtlCol="0" fromWordArt="0" anchor="t" anchorCtr="0" forceAA="0" compatLnSpc="1">
+                    <a:prstTxWarp prst="textNoShape">
+                      <a:avLst/>
+                    </a:prstTxWarp>
+                    <a:spAutoFit/>
+                  </a:bodyPr>
+                  <a:lstStyle/>
+                  <a:p>
+                    <a:pPr marL="0" marR="0" algn="ctr">
+                      <a:lnSpc>
+                        <a:spcPct val="107000"/>
+                      </a:lnSpc>
+                      <a:spcBef>
+                        <a:spcPts val="0"/>
+                      </a:spcBef>
+                      <a:spcAft>
+                        <a:spcPts val="800"/>
+                      </a:spcAft>
+                    </a:pPr>
+                    <a:r>
+                      <a:rPr lang="en-US" sz="1200">
+                        <a:ln>
+                          <a:noFill/>
+                        </a:ln>
+                        <a:solidFill>
+                          <a:srgbClr val="000000"/>
+                        </a:solidFill>
+                        <a:effectLst>
+                          <a:outerShdw blurRad="38100" dist="19050" dir="2700000" algn="tl">
+                            <a:schemeClr val="dk1">
+                              <a:alpha val="40000"/>
+                            </a:schemeClr>
+                          </a:outerShdw>
+                        </a:effectLst>
+                        <a:latin typeface="Calibri" panose="020F0502020204030204" pitchFamily="34" charset="0"/>
+                        <a:ea typeface="Calibri" panose="020F0502020204030204" pitchFamily="34" charset="0"/>
+                        <a:cs typeface="Times New Roman" panose="02020603050405020304" pitchFamily="18" charset="0"/>
+                      </a:rPr>
+                      <a:t>Pulse Width Modulated Signal</a:t>
+                    </a:r>
+                    <a:endParaRPr lang="en-US" sz="1100">
+                      <a:effectLst/>
+                      <a:latin typeface="Calibri" panose="020F0502020204030204" pitchFamily="34" charset="0"/>
+                      <a:ea typeface="Calibri" panose="020F0502020204030204" pitchFamily="34" charset="0"/>
+                      <a:cs typeface="Times New Roman" panose="02020603050405020304" pitchFamily="18" charset="0"/>
+                    </a:endParaRPr>
+                  </a:p>
+                </p:txBody>
+              </p:sp>
+              <p:sp>
+                <p:nvSpPr>
+                  <p:cNvPr id="226" name="Text Box 31"/>
+                  <p:cNvSpPr txBox="1"/>
+                  <p:nvPr/>
+                </p:nvSpPr>
+                <p:spPr>
+                  <a:xfrm>
+                    <a:off x="31876253" y="5588017"/>
+                    <a:ext cx="941705" cy="399415"/>
+                  </a:xfrm>
+                  <a:prstGeom prst="rect">
+                    <a:avLst/>
+                  </a:prstGeom>
+                  <a:noFill/>
+                  <a:ln>
+                    <a:noFill/>
+                  </a:ln>
+                  <a:effectLst/>
+                </p:spPr>
+                <p:txBody>
+                  <a:bodyPr rot="0" spcFirstLastPara="0" vert="horz" wrap="none" lIns="91440" tIns="45720" rIns="91440" bIns="45720" numCol="1" spcCol="0" rtlCol="0" fromWordArt="0" anchor="t" anchorCtr="0" forceAA="0" compatLnSpc="1">
+                    <a:prstTxWarp prst="textNoShape">
+                      <a:avLst/>
+                    </a:prstTxWarp>
+                    <a:spAutoFit/>
+                  </a:bodyPr>
+                  <a:lstStyle/>
+                  <a:p>
+                    <a:pPr marL="0" marR="0" algn="ctr">
+                      <a:lnSpc>
+                        <a:spcPct val="107000"/>
+                      </a:lnSpc>
+                      <a:spcBef>
+                        <a:spcPts val="0"/>
+                      </a:spcBef>
+                      <a:spcAft>
+                        <a:spcPts val="800"/>
+                      </a:spcAft>
+                    </a:pPr>
+                    <a:r>
+                      <a:rPr lang="en-US" sz="1100">
+                        <a:ln>
+                          <a:noFill/>
+                        </a:ln>
+                        <a:solidFill>
+                          <a:srgbClr val="000000"/>
+                        </a:solidFill>
+                        <a:effectLst>
+                          <a:outerShdw blurRad="38100" dist="19050" dir="2700000" algn="tl">
+                            <a:schemeClr val="dk1">
+                              <a:alpha val="40000"/>
+                            </a:schemeClr>
+                          </a:outerShdw>
+                        </a:effectLst>
+                        <a:latin typeface="Calibri" panose="020F0502020204030204" pitchFamily="34" charset="0"/>
+                        <a:ea typeface="Calibri" panose="020F0502020204030204" pitchFamily="34" charset="0"/>
+                        <a:cs typeface="Times New Roman" panose="02020603050405020304" pitchFamily="18" charset="0"/>
+                      </a:rPr>
+                      <a:t>Analog Signal</a:t>
+                    </a:r>
+                    <a:endParaRPr lang="en-US" sz="1100">
+                      <a:effectLst/>
+                      <a:latin typeface="Calibri" panose="020F0502020204030204" pitchFamily="34" charset="0"/>
+                      <a:ea typeface="Calibri" panose="020F0502020204030204" pitchFamily="34" charset="0"/>
+                      <a:cs typeface="Times New Roman" panose="02020603050405020304" pitchFamily="18" charset="0"/>
+                    </a:endParaRPr>
+                  </a:p>
+                </p:txBody>
+              </p:sp>
+              <p:sp>
+                <p:nvSpPr>
+                  <p:cNvPr id="227" name="TextBox 226"/>
+                  <p:cNvSpPr txBox="1"/>
+                  <p:nvPr/>
+                </p:nvSpPr>
+                <p:spPr>
+                  <a:xfrm>
+                    <a:off x="26370406" y="7920019"/>
+                    <a:ext cx="9696730" cy="338554"/>
+                  </a:xfrm>
+                  <a:prstGeom prst="rect">
+                    <a:avLst/>
+                  </a:prstGeom>
+                  <a:noFill/>
+                </p:spPr>
+                <p:txBody>
+                  <a:bodyPr wrap="square" rtlCol="0">
+                    <a:spAutoFit/>
+                  </a:bodyPr>
                   <a:lstStyle/>
                   <a:p>
                     <a:pPr algn="ctr"/>
-                    <a:endParaRPr lang="en-US"/>
+                    <a:r>
+                      <a:rPr lang="en-US" sz="1600" dirty="0" smtClean="0"/>
+                      <a:t>Figure 7: Electrical Signal Path and Conditioning</a:t>
+                    </a:r>
+                    <a:endParaRPr lang="en-US" sz="1600" dirty="0"/>
                   </a:p>
                 </p:txBody>
               </p:sp>
             </p:grpSp>
+            <p:sp>
+              <p:nvSpPr>
+                <p:cNvPr id="210" name="Rectangle 209"/>
+                <p:cNvSpPr/>
+                <p:nvPr/>
+              </p:nvSpPr>
+              <p:spPr>
+                <a:xfrm>
+                  <a:off x="27814793" y="5885197"/>
+                  <a:ext cx="45720" cy="1196340"/>
+                </a:xfrm>
+                <a:prstGeom prst="rect">
+                  <a:avLst/>
+                </a:prstGeom>
+              </p:spPr>
+              <p:style>
+                <a:lnRef idx="2">
+                  <a:schemeClr val="dk1">
+                    <a:shade val="50000"/>
+                  </a:schemeClr>
+                </a:lnRef>
+                <a:fillRef idx="1">
+                  <a:schemeClr val="dk1"/>
+                </a:fillRef>
+                <a:effectRef idx="0">
+                  <a:schemeClr val="dk1"/>
+                </a:effectRef>
+                <a:fontRef idx="minor">
+                  <a:schemeClr val="lt1"/>
+                </a:fontRef>
+              </p:style>
+              <p:txBody>
+                <a:bodyPr rot="0" spcFirstLastPara="0" vert="horz" wrap="square" lIns="91440" tIns="45720" rIns="91440" bIns="45720" numCol="1" spcCol="0" rtlCol="0" fromWordArt="0" anchor="ctr" anchorCtr="0" forceAA="0" compatLnSpc="1">
+                  <a:prstTxWarp prst="textNoShape">
+                    <a:avLst/>
+                  </a:prstTxWarp>
+                  <a:noAutofit/>
+                </a:bodyPr>
+                <a:lstStyle/>
+                <a:p>
+                  <a:endParaRPr lang="en-US"/>
+                </a:p>
+              </p:txBody>
+            </p:sp>
+            <p:sp>
+              <p:nvSpPr>
+                <p:cNvPr id="212" name="Rectangle 211"/>
+                <p:cNvSpPr/>
+                <p:nvPr/>
+              </p:nvSpPr>
+              <p:spPr>
+                <a:xfrm>
+                  <a:off x="28508213" y="5869957"/>
+                  <a:ext cx="45720" cy="1196340"/>
+                </a:xfrm>
+                <a:prstGeom prst="rect">
+                  <a:avLst/>
+                </a:prstGeom>
+              </p:spPr>
+              <p:style>
+                <a:lnRef idx="2">
+                  <a:schemeClr val="dk1">
+                    <a:shade val="50000"/>
+                  </a:schemeClr>
+                </a:lnRef>
+                <a:fillRef idx="1">
+                  <a:schemeClr val="dk1"/>
+                </a:fillRef>
+                <a:effectRef idx="0">
+                  <a:schemeClr val="dk1"/>
+                </a:effectRef>
+                <a:fontRef idx="minor">
+                  <a:schemeClr val="lt1"/>
+                </a:fontRef>
+              </p:style>
+              <p:txBody>
+                <a:bodyPr rot="0" spcFirstLastPara="0" vert="horz" wrap="square" lIns="91440" tIns="45720" rIns="91440" bIns="45720" numCol="1" spcCol="0" rtlCol="0" fromWordArt="0" anchor="ctr" anchorCtr="0" forceAA="0" compatLnSpc="1">
+                  <a:prstTxWarp prst="textNoShape">
+                    <a:avLst/>
+                  </a:prstTxWarp>
+                  <a:noAutofit/>
+                </a:bodyPr>
+                <a:lstStyle/>
+                <a:p>
+                  <a:endParaRPr lang="en-US"/>
+                </a:p>
+              </p:txBody>
+            </p:sp>
           </p:grpSp>
         </p:grpSp>
+      </p:grpSp>
+      <p:grpSp>
+        <p:nvGrpSpPr>
+          <p:cNvPr id="233" name="Group 232"/>
+          <p:cNvGrpSpPr/>
+          <p:nvPr/>
+        </p:nvGrpSpPr>
+        <p:grpSpPr>
+          <a:xfrm>
+            <a:off x="26349960" y="24460200"/>
+            <a:ext cx="9717176" cy="3959424"/>
+            <a:chOff x="26362786" y="20771408"/>
+            <a:chExt cx="9717176" cy="3959424"/>
+          </a:xfrm>
+        </p:grpSpPr>
         <p:sp>
           <p:nvSpPr>
-            <p:cNvPr id="123" name="Rectangle 122"/>
-            <p:cNvSpPr/>
+            <p:cNvPr id="101" name="TextBox 100"/>
+            <p:cNvSpPr txBox="1"/>
             <p:nvPr/>
           </p:nvSpPr>
           <p:spPr>
             <a:xfrm>
-              <a:off x="28249068" y="17983328"/>
-              <a:ext cx="196430" cy="152272"/>
+              <a:off x="26392996" y="20771408"/>
+              <a:ext cx="9686966" cy="584775"/>
             </a:xfrm>
             <a:prstGeom prst="rect">
               <a:avLst/>
             </a:prstGeom>
             <a:solidFill>
-              <a:schemeClr val="bg1"/>
+              <a:schemeClr val="accent2"/>
             </a:solidFill>
-            <a:ln>
-              <a:solidFill>
-                <a:schemeClr val="bg1"/>
-              </a:solidFill>
-            </a:ln>
           </p:spPr>
-          <p:style>
-            <a:lnRef idx="2">
-              <a:schemeClr val="accent1">
-                <a:shade val="50000"/>
-              </a:schemeClr>
-            </a:lnRef>
-            <a:fillRef idx="1">
-              <a:schemeClr val="accent1"/>
-            </a:fillRef>
-            <a:effectRef idx="0">
-              <a:schemeClr val="accent1"/>
-            </a:effectRef>
-            <a:fontRef idx="minor">
-              <a:schemeClr val="lt1"/>
-            </a:fontRef>
-          </p:style>
           <p:txBody>
-            <a:bodyPr rtlCol="0" anchor="ctr"/>
+            <a:bodyPr wrap="square" rtlCol="0">
+              <a:spAutoFit/>
+            </a:bodyPr>
             <a:lstStyle/>
             <a:p>
-              <a:pPr algn="ctr"/>
-              <a:endParaRPr lang="en-US"/>
+              <a:r>
+                <a:rPr lang="en-US" sz="3200" b="1" dirty="0" smtClean="0">
+                  <a:solidFill>
+                    <a:schemeClr val="bg1"/>
+                  </a:solidFill>
+                </a:rPr>
+                <a:t>Conclusion and Results</a:t>
+              </a:r>
+              <a:endParaRPr lang="en-US" sz="3200" b="1" dirty="0">
+                <a:solidFill>
+                  <a:schemeClr val="bg1"/>
+                </a:solidFill>
+              </a:endParaRPr>
+            </a:p>
+          </p:txBody>
+        </p:sp>
+        <p:sp>
+          <p:nvSpPr>
+            <p:cNvPr id="228" name="TextBox 227"/>
+            <p:cNvSpPr txBox="1"/>
+            <p:nvPr/>
+          </p:nvSpPr>
+          <p:spPr>
+            <a:xfrm>
+              <a:off x="26362786" y="21560733"/>
+              <a:ext cx="9525000" cy="3170099"/>
+            </a:xfrm>
+            <a:prstGeom prst="rect">
+              <a:avLst/>
+            </a:prstGeom>
+            <a:noFill/>
+          </p:spPr>
+          <p:txBody>
+            <a:bodyPr wrap="square" rtlCol="0">
+              <a:spAutoFit/>
+            </a:bodyPr>
+            <a:lstStyle/>
+            <a:p>
+              <a:pPr marL="342900" indent="-342900">
+                <a:buFont typeface="Arial" panose="020B0604020202020204" pitchFamily="34" charset="0"/>
+                <a:buChar char="•"/>
+              </a:pPr>
+              <a:r>
+                <a:rPr lang="en-US" sz="2000" dirty="0" smtClean="0"/>
+                <a:t>An educational pneumatic robot was developed that is capable of walking</a:t>
+              </a:r>
+            </a:p>
+            <a:p>
+              <a:pPr marL="342900" indent="-342900">
+                <a:buFont typeface="Arial" panose="020B0604020202020204" pitchFamily="34" charset="0"/>
+                <a:buChar char="•"/>
+              </a:pPr>
+              <a:r>
+                <a:rPr lang="en-US" sz="2000" dirty="0"/>
+                <a:t>The robot kinematics and kinetics were determined to aid in the mechanical </a:t>
+              </a:r>
+              <a:r>
+                <a:rPr lang="en-US" sz="2000" dirty="0" smtClean="0"/>
+                <a:t>design</a:t>
+              </a:r>
+            </a:p>
+            <a:p>
+              <a:pPr marL="342900" indent="-342900">
+                <a:buFont typeface="Arial" panose="020B0604020202020204" pitchFamily="34" charset="0"/>
+                <a:buChar char="•"/>
+              </a:pPr>
+              <a:r>
+                <a:rPr lang="en-US" sz="2000" dirty="0" smtClean="0"/>
+                <a:t>The mechanical prototype was constructed for hardware testing</a:t>
+              </a:r>
+            </a:p>
+            <a:p>
+              <a:pPr marL="342900" indent="-342900">
+                <a:buFont typeface="Arial" panose="020B0604020202020204" pitchFamily="34" charset="0"/>
+                <a:buChar char="•"/>
+              </a:pPr>
+              <a:r>
+                <a:rPr lang="en-US" sz="2000" dirty="0" smtClean="0"/>
+                <a:t>Electrical subsystems were soldered to prototyping boards for hardware testing</a:t>
+              </a:r>
+            </a:p>
+            <a:p>
+              <a:pPr marL="342900" indent="-342900">
+                <a:buFont typeface="Arial" panose="020B0604020202020204" pitchFamily="34" charset="0"/>
+                <a:buChar char="•"/>
+              </a:pPr>
+              <a:r>
+                <a:rPr lang="en-US" sz="2000" dirty="0" smtClean="0"/>
+                <a:t>A wireless communication system and user interface was created</a:t>
+              </a:r>
+            </a:p>
+            <a:p>
+              <a:pPr marL="342900" indent="-342900">
+                <a:buFont typeface="Arial" panose="020B0604020202020204" pitchFamily="34" charset="0"/>
+                <a:buChar char="•"/>
+              </a:pPr>
+              <a:r>
+                <a:rPr lang="en-US" sz="2000" dirty="0" smtClean="0"/>
+                <a:t> More work is needed to implement more dynamic gaits and to characterize the valve/piston system dynamics</a:t>
+              </a:r>
+            </a:p>
+            <a:p>
+              <a:pPr marL="342900" indent="-342900">
+                <a:buFont typeface="Arial" panose="020B0604020202020204" pitchFamily="34" charset="0"/>
+                <a:buChar char="•"/>
+              </a:pPr>
+              <a:r>
+                <a:rPr lang="en-US" sz="2000" dirty="0" smtClean="0"/>
+                <a:t>Additional work is also needed to characterize the performance of the current controller and to implement  a more sophisticated multivariable control  architecture</a:t>
+              </a:r>
+            </a:p>
+            <a:p>
+              <a:pPr marL="342900" indent="-342900">
+                <a:buFont typeface="Arial" panose="020B0604020202020204" pitchFamily="34" charset="0"/>
+                <a:buChar char="•"/>
+              </a:pPr>
+              <a:endParaRPr lang="en-US" sz="2000" dirty="0" smtClean="0">
+                <a:solidFill>
+                  <a:srgbClr val="FF0000"/>
+                </a:solidFill>
+              </a:endParaRPr>
             </a:p>
           </p:txBody>
         </p:sp>
       </p:grpSp>
-      <p:sp>
-        <p:nvSpPr>
-          <p:cNvPr id="205" name="Freeform 204"/>
-          <p:cNvSpPr/>
+      <p:grpSp>
+        <p:nvGrpSpPr>
+          <p:cNvPr id="265" name="Group 264"/>
+          <p:cNvGrpSpPr/>
           <p:nvPr/>
-        </p:nvSpPr>
-        <p:spPr>
+        </p:nvGrpSpPr>
+        <p:grpSpPr>
           <a:xfrm>
-            <a:off x="31350473" y="5899167"/>
-            <a:ext cx="2034540" cy="1075055"/>
+            <a:off x="26036727" y="3048000"/>
+            <a:ext cx="9740014" cy="4586707"/>
+            <a:chOff x="26036727" y="2042693"/>
+            <a:chExt cx="9740014" cy="4586707"/>
           </a:xfrm>
-          <a:custGeom>
-            <a:avLst/>
-            <a:gdLst>
-              <a:gd name="connsiteX0" fmla="*/ 0 w 2034540"/>
-              <a:gd name="connsiteY0" fmla="*/ 1075552 h 1075552"/>
-              <a:gd name="connsiteX1" fmla="*/ 434340 w 2034540"/>
-              <a:gd name="connsiteY1" fmla="*/ 717412 h 1075552"/>
-              <a:gd name="connsiteX2" fmla="*/ 640080 w 2034540"/>
-              <a:gd name="connsiteY2" fmla="*/ 168772 h 1075552"/>
-              <a:gd name="connsiteX3" fmla="*/ 952500 w 2034540"/>
-              <a:gd name="connsiteY3" fmla="*/ 1132 h 1075552"/>
-              <a:gd name="connsiteX4" fmla="*/ 1272540 w 2034540"/>
-              <a:gd name="connsiteY4" fmla="*/ 229732 h 1075552"/>
-              <a:gd name="connsiteX5" fmla="*/ 1554480 w 2034540"/>
-              <a:gd name="connsiteY5" fmla="*/ 260212 h 1075552"/>
-              <a:gd name="connsiteX6" fmla="*/ 1767840 w 2034540"/>
-              <a:gd name="connsiteY6" fmla="*/ 176392 h 1075552"/>
-              <a:gd name="connsiteX7" fmla="*/ 2034540 w 2034540"/>
-              <a:gd name="connsiteY7" fmla="*/ 168772 h 1075552"/>
-            </a:gdLst>
-            <a:ahLst/>
-            <a:cxnLst>
-              <a:cxn ang="0">
-                <a:pos x="connsiteX0" y="connsiteY0"/>
-              </a:cxn>
-              <a:cxn ang="0">
-                <a:pos x="connsiteX1" y="connsiteY1"/>
-              </a:cxn>
-              <a:cxn ang="0">
-                <a:pos x="connsiteX2" y="connsiteY2"/>
-              </a:cxn>
-              <a:cxn ang="0">
-                <a:pos x="connsiteX3" y="connsiteY3"/>
-              </a:cxn>
-              <a:cxn ang="0">
-                <a:pos x="connsiteX4" y="connsiteY4"/>
-              </a:cxn>
-              <a:cxn ang="0">
-                <a:pos x="connsiteX5" y="connsiteY5"/>
-              </a:cxn>
-              <a:cxn ang="0">
-                <a:pos x="connsiteX6" y="connsiteY6"/>
-              </a:cxn>
-              <a:cxn ang="0">
-                <a:pos x="connsiteX7" y="connsiteY7"/>
-              </a:cxn>
-            </a:cxnLst>
-            <a:rect l="l" t="t" r="r" b="b"/>
-            <a:pathLst>
-              <a:path w="2034540" h="1075552">
-                <a:moveTo>
-                  <a:pt x="0" y="1075552"/>
-                </a:moveTo>
-                <a:cubicBezTo>
-                  <a:pt x="163830" y="972047"/>
-                  <a:pt x="327660" y="868542"/>
-                  <a:pt x="434340" y="717412"/>
-                </a:cubicBezTo>
-                <a:cubicBezTo>
-                  <a:pt x="541020" y="566282"/>
-                  <a:pt x="553720" y="288152"/>
-                  <a:pt x="640080" y="168772"/>
-                </a:cubicBezTo>
-                <a:cubicBezTo>
-                  <a:pt x="726440" y="49392"/>
-                  <a:pt x="847090" y="-9028"/>
-                  <a:pt x="952500" y="1132"/>
-                </a:cubicBezTo>
-                <a:cubicBezTo>
-                  <a:pt x="1057910" y="11292"/>
-                  <a:pt x="1172210" y="186552"/>
-                  <a:pt x="1272540" y="229732"/>
-                </a:cubicBezTo>
-                <a:cubicBezTo>
-                  <a:pt x="1372870" y="272912"/>
-                  <a:pt x="1471930" y="269102"/>
-                  <a:pt x="1554480" y="260212"/>
-                </a:cubicBezTo>
-                <a:cubicBezTo>
-                  <a:pt x="1637030" y="251322"/>
-                  <a:pt x="1687830" y="191632"/>
-                  <a:pt x="1767840" y="176392"/>
-                </a:cubicBezTo>
-                <a:cubicBezTo>
-                  <a:pt x="1847850" y="161152"/>
-                  <a:pt x="1969770" y="170042"/>
-                  <a:pt x="2034540" y="168772"/>
-                </a:cubicBezTo>
-              </a:path>
-            </a:pathLst>
-          </a:custGeom>
-        </p:spPr>
-        <p:style>
-          <a:lnRef idx="1">
-            <a:schemeClr val="dk1"/>
-          </a:lnRef>
-          <a:fillRef idx="0">
-            <a:schemeClr val="dk1"/>
-          </a:fillRef>
-          <a:effectRef idx="0">
-            <a:schemeClr val="dk1"/>
-          </a:effectRef>
-          <a:fontRef idx="minor">
-            <a:schemeClr val="tx1"/>
-          </a:fontRef>
-        </p:style>
-        <p:txBody>
-          <a:bodyPr rot="0" spcFirstLastPara="0" vert="horz" wrap="square" lIns="91440" tIns="45720" rIns="91440" bIns="45720" numCol="1" spcCol="0" rtlCol="0" fromWordArt="0" anchor="ctr" anchorCtr="0" forceAA="0" compatLnSpc="1">
-            <a:prstTxWarp prst="textNoShape">
-              <a:avLst/>
-            </a:prstTxWarp>
-            <a:noAutofit/>
-          </a:bodyPr>
-          <a:lstStyle/>
-          <a:p>
-            <a:endParaRPr lang="en-US"/>
-          </a:p>
-        </p:txBody>
-      </p:sp>
-      <p:sp>
-        <p:nvSpPr>
-          <p:cNvPr id="208" name="Rectangle 207"/>
-          <p:cNvSpPr/>
-          <p:nvPr/>
-        </p:nvSpPr>
-        <p:spPr>
-          <a:xfrm>
-            <a:off x="27769073" y="5770897"/>
-            <a:ext cx="815340" cy="1478280"/>
-          </a:xfrm>
-          <a:prstGeom prst="rect">
-            <a:avLst/>
-          </a:prstGeom>
-        </p:spPr>
-        <p:style>
-          <a:lnRef idx="2">
-            <a:schemeClr val="accent1">
-              <a:shade val="50000"/>
-            </a:schemeClr>
-          </a:lnRef>
-          <a:fillRef idx="1">
-            <a:schemeClr val="accent1"/>
-          </a:fillRef>
-          <a:effectRef idx="0">
-            <a:schemeClr val="accent1"/>
-          </a:effectRef>
-          <a:fontRef idx="minor">
-            <a:schemeClr val="lt1"/>
-          </a:fontRef>
-        </p:style>
-        <p:txBody>
-          <a:bodyPr rot="0" spcFirstLastPara="0" vert="horz" wrap="square" lIns="91440" tIns="45720" rIns="91440" bIns="45720" numCol="1" spcCol="0" rtlCol="0" fromWordArt="0" anchor="ctr" anchorCtr="0" forceAA="0" compatLnSpc="1">
-            <a:prstTxWarp prst="textNoShape">
-              <a:avLst/>
-            </a:prstTxWarp>
-            <a:noAutofit/>
-          </a:bodyPr>
-          <a:lstStyle/>
-          <a:p>
-            <a:endParaRPr lang="en-US"/>
-          </a:p>
-        </p:txBody>
-      </p:sp>
-      <p:sp>
-        <p:nvSpPr>
-          <p:cNvPr id="210" name="Rectangle 209"/>
-          <p:cNvSpPr/>
-          <p:nvPr/>
-        </p:nvSpPr>
-        <p:spPr>
-          <a:xfrm>
-            <a:off x="27814793" y="5885197"/>
-            <a:ext cx="45720" cy="1196340"/>
-          </a:xfrm>
-          <a:prstGeom prst="rect">
-            <a:avLst/>
-          </a:prstGeom>
-        </p:spPr>
-        <p:style>
-          <a:lnRef idx="2">
-            <a:schemeClr val="dk1">
-              <a:shade val="50000"/>
-            </a:schemeClr>
-          </a:lnRef>
-          <a:fillRef idx="1">
-            <a:schemeClr val="dk1"/>
-          </a:fillRef>
-          <a:effectRef idx="0">
-            <a:schemeClr val="dk1"/>
-          </a:effectRef>
-          <a:fontRef idx="minor">
-            <a:schemeClr val="lt1"/>
-          </a:fontRef>
-        </p:style>
-        <p:txBody>
-          <a:bodyPr rot="0" spcFirstLastPara="0" vert="horz" wrap="square" lIns="91440" tIns="45720" rIns="91440" bIns="45720" numCol="1" spcCol="0" rtlCol="0" fromWordArt="0" anchor="ctr" anchorCtr="0" forceAA="0" compatLnSpc="1">
-            <a:prstTxWarp prst="textNoShape">
-              <a:avLst/>
-            </a:prstTxWarp>
-            <a:noAutofit/>
-          </a:bodyPr>
-          <a:lstStyle/>
-          <a:p>
-            <a:endParaRPr lang="en-US"/>
-          </a:p>
-        </p:txBody>
-      </p:sp>
-      <p:sp>
-        <p:nvSpPr>
-          <p:cNvPr id="212" name="Rectangle 211"/>
-          <p:cNvSpPr/>
-          <p:nvPr/>
-        </p:nvSpPr>
-        <p:spPr>
-          <a:xfrm>
-            <a:off x="28508213" y="5869957"/>
-            <a:ext cx="45720" cy="1196340"/>
-          </a:xfrm>
-          <a:prstGeom prst="rect">
-            <a:avLst/>
-          </a:prstGeom>
-        </p:spPr>
-        <p:style>
-          <a:lnRef idx="2">
-            <a:schemeClr val="dk1">
-              <a:shade val="50000"/>
-            </a:schemeClr>
-          </a:lnRef>
-          <a:fillRef idx="1">
-            <a:schemeClr val="dk1"/>
-          </a:fillRef>
-          <a:effectRef idx="0">
-            <a:schemeClr val="dk1"/>
-          </a:effectRef>
-          <a:fontRef idx="minor">
-            <a:schemeClr val="lt1"/>
-          </a:fontRef>
-        </p:style>
-        <p:txBody>
-          <a:bodyPr rot="0" spcFirstLastPara="0" vert="horz" wrap="square" lIns="91440" tIns="45720" rIns="91440" bIns="45720" numCol="1" spcCol="0" rtlCol="0" fromWordArt="0" anchor="ctr" anchorCtr="0" forceAA="0" compatLnSpc="1">
-            <a:prstTxWarp prst="textNoShape">
-              <a:avLst/>
-            </a:prstTxWarp>
-            <a:noAutofit/>
-          </a:bodyPr>
-          <a:lstStyle/>
-          <a:p>
-            <a:endParaRPr lang="en-US"/>
-          </a:p>
-        </p:txBody>
-      </p:sp>
-      <p:sp>
-        <p:nvSpPr>
-          <p:cNvPr id="213" name="Rectangle 212"/>
-          <p:cNvSpPr/>
-          <p:nvPr/>
-        </p:nvSpPr>
-        <p:spPr>
-          <a:xfrm>
-            <a:off x="27944333" y="5793122"/>
-            <a:ext cx="472440" cy="45085"/>
-          </a:xfrm>
-          <a:prstGeom prst="rect">
-            <a:avLst/>
-          </a:prstGeom>
-        </p:spPr>
-        <p:style>
-          <a:lnRef idx="2">
-            <a:schemeClr val="dk1">
-              <a:shade val="50000"/>
-            </a:schemeClr>
-          </a:lnRef>
-          <a:fillRef idx="1">
-            <a:schemeClr val="dk1"/>
-          </a:fillRef>
-          <a:effectRef idx="0">
-            <a:schemeClr val="dk1"/>
-          </a:effectRef>
-          <a:fontRef idx="minor">
-            <a:schemeClr val="lt1"/>
-          </a:fontRef>
-        </p:style>
-        <p:txBody>
-          <a:bodyPr rot="0" spcFirstLastPara="0" vert="horz" wrap="square" lIns="91440" tIns="45720" rIns="91440" bIns="45720" numCol="1" spcCol="0" rtlCol="0" fromWordArt="0" anchor="ctr" anchorCtr="0" forceAA="0" compatLnSpc="1">
-            <a:prstTxWarp prst="textNoShape">
-              <a:avLst/>
-            </a:prstTxWarp>
-            <a:noAutofit/>
-          </a:bodyPr>
-          <a:lstStyle/>
-          <a:p>
-            <a:endParaRPr lang="en-US"/>
-          </a:p>
-        </p:txBody>
-      </p:sp>
-      <p:sp>
-        <p:nvSpPr>
-          <p:cNvPr id="214" name="Text Box 1"/>
-          <p:cNvSpPr txBox="1"/>
-          <p:nvPr/>
-        </p:nvSpPr>
-        <p:spPr>
-          <a:xfrm>
-            <a:off x="27830033" y="6083317"/>
-            <a:ext cx="739140" cy="723900"/>
-          </a:xfrm>
-          <a:prstGeom prst="rect">
-            <a:avLst/>
-          </a:prstGeom>
-          <a:noFill/>
-          <a:ln>
-            <a:noFill/>
-          </a:ln>
-          <a:effectLst/>
-        </p:spPr>
-        <p:txBody>
-          <a:bodyPr rot="0" spcFirstLastPara="0" vert="horz" wrap="square" lIns="91440" tIns="45720" rIns="91440" bIns="45720" numCol="1" spcCol="0" rtlCol="0" fromWordArt="0" anchor="t" anchorCtr="0" forceAA="0" compatLnSpc="1">
-            <a:prstTxWarp prst="textNoShape">
-              <a:avLst/>
-            </a:prstTxWarp>
-            <a:noAutofit/>
-          </a:bodyPr>
-          <a:lstStyle/>
-          <a:p>
-            <a:pPr marL="0" marR="0">
-              <a:lnSpc>
-                <a:spcPct val="107000"/>
-              </a:lnSpc>
-              <a:spcBef>
-                <a:spcPts val="0"/>
-              </a:spcBef>
-              <a:spcAft>
-                <a:spcPts val="800"/>
-              </a:spcAft>
-            </a:pPr>
-            <a:r>
-              <a:rPr lang="en-US" sz="1200">
-                <a:ln>
-                  <a:noFill/>
-                </a:ln>
+        </p:grpSpPr>
+        <p:grpSp>
+          <p:nvGrpSpPr>
+            <p:cNvPr id="264" name="Group 263"/>
+            <p:cNvGrpSpPr/>
+            <p:nvPr/>
+          </p:nvGrpSpPr>
+          <p:grpSpPr>
+            <a:xfrm>
+              <a:off x="28968468" y="4038600"/>
+              <a:ext cx="3454269" cy="2362200"/>
+              <a:chOff x="28968468" y="4038600"/>
+              <a:chExt cx="3454269" cy="2362200"/>
+            </a:xfrm>
+          </p:grpSpPr>
+          <p:pic>
+            <p:nvPicPr>
+              <p:cNvPr id="18" name="Picture 17"/>
+              <p:cNvPicPr>
+                <a:picLocks noChangeAspect="1"/>
+              </p:cNvPicPr>
+              <p:nvPr/>
+            </p:nvPicPr>
+            <p:blipFill>
+              <a:blip r:embed="rId19">
+                <a:extLst>
+                  <a:ext uri="{28A0092B-C50C-407E-A947-70E740481C1C}">
+                    <a14:useLocalDpi xmlns:a14="http://schemas.microsoft.com/office/drawing/2010/main" val="0"/>
+                  </a:ext>
+                </a:extLst>
+              </a:blip>
+              <a:stretch>
+                <a:fillRect/>
+              </a:stretch>
+            </p:blipFill>
+            <p:spPr>
+              <a:xfrm>
+                <a:off x="28968468" y="4100010"/>
+                <a:ext cx="3454269" cy="2300790"/>
+              </a:xfrm>
+              <a:prstGeom prst="rect">
+                <a:avLst/>
+              </a:prstGeom>
+            </p:spPr>
+          </p:pic>
+          <p:sp>
+            <p:nvSpPr>
+              <p:cNvPr id="262" name="Rectangle 261"/>
+              <p:cNvSpPr/>
+              <p:nvPr/>
+            </p:nvSpPr>
+            <p:spPr>
+              <a:xfrm>
+                <a:off x="30269087" y="4038600"/>
+                <a:ext cx="1296951" cy="228600"/>
+              </a:xfrm>
+              <a:prstGeom prst="rect">
+                <a:avLst/>
+              </a:prstGeom>
+              <a:solidFill>
+                <a:schemeClr val="bg1"/>
+              </a:solidFill>
+              <a:ln>
                 <a:solidFill>
-                  <a:srgbClr val="000000"/>
+                  <a:schemeClr val="bg1"/>
                 </a:solidFill>
-                <a:effectLst>
-                  <a:outerShdw blurRad="38100" dist="19050" dir="2700000" algn="tl">
-                    <a:schemeClr val="dk1">
-                      <a:alpha val="40000"/>
-                    </a:schemeClr>
-                  </a:outerShdw>
-                </a:effectLst>
-                <a:latin typeface="Calibri" panose="020F0502020204030204" pitchFamily="34" charset="0"/>
-                <a:ea typeface="Calibri" panose="020F0502020204030204" pitchFamily="34" charset="0"/>
-                <a:cs typeface="Times New Roman" panose="02020603050405020304" pitchFamily="18" charset="0"/>
-              </a:rPr>
-              <a:t>Arduino</a:t>
-            </a:r>
-            <a:endParaRPr lang="en-US" sz="1100">
-              <a:effectLst/>
-              <a:latin typeface="Calibri" panose="020F0502020204030204" pitchFamily="34" charset="0"/>
-              <a:ea typeface="Calibri" panose="020F0502020204030204" pitchFamily="34" charset="0"/>
-              <a:cs typeface="Times New Roman" panose="02020603050405020304" pitchFamily="18" charset="0"/>
-            </a:endParaRPr>
-          </a:p>
-          <a:p>
-            <a:pPr marL="0" marR="0">
-              <a:lnSpc>
-                <a:spcPct val="107000"/>
-              </a:lnSpc>
-              <a:spcBef>
-                <a:spcPts val="0"/>
-              </a:spcBef>
-              <a:spcAft>
-                <a:spcPts val="800"/>
-              </a:spcAft>
-            </a:pPr>
-            <a:r>
-              <a:rPr lang="en-US" sz="1200">
-                <a:ln>
-                  <a:noFill/>
-                </a:ln>
-                <a:solidFill>
-                  <a:srgbClr val="000000"/>
-                </a:solidFill>
-                <a:effectLst>
-                  <a:outerShdw blurRad="38100" dist="19050" dir="2700000" algn="tl">
-                    <a:schemeClr val="dk1">
-                      <a:alpha val="40000"/>
-                    </a:schemeClr>
-                  </a:outerShdw>
-                </a:effectLst>
-                <a:latin typeface="Calibri" panose="020F0502020204030204" pitchFamily="34" charset="0"/>
-                <a:ea typeface="Calibri" panose="020F0502020204030204" pitchFamily="34" charset="0"/>
-                <a:cs typeface="Times New Roman" panose="02020603050405020304" pitchFamily="18" charset="0"/>
-              </a:rPr>
-              <a:t>Mega</a:t>
-            </a:r>
-            <a:endParaRPr lang="en-US" sz="1100">
-              <a:effectLst/>
-              <a:latin typeface="Calibri" panose="020F0502020204030204" pitchFamily="34" charset="0"/>
-              <a:ea typeface="Calibri" panose="020F0502020204030204" pitchFamily="34" charset="0"/>
-              <a:cs typeface="Times New Roman" panose="02020603050405020304" pitchFamily="18" charset="0"/>
-            </a:endParaRPr>
-          </a:p>
-        </p:txBody>
-      </p:sp>
-      <p:cxnSp>
-        <p:nvCxnSpPr>
-          <p:cNvPr id="215" name="Elbow Connector 214"/>
-          <p:cNvCxnSpPr/>
-          <p:nvPr/>
-        </p:nvCxnSpPr>
-        <p:spPr>
-          <a:xfrm>
-            <a:off x="28637753" y="6052837"/>
-            <a:ext cx="914400" cy="914400"/>
-          </a:xfrm>
-          <a:prstGeom prst="bentConnector3">
-            <a:avLst/>
-          </a:prstGeom>
-        </p:spPr>
-        <p:style>
-          <a:lnRef idx="1">
-            <a:schemeClr val="dk1"/>
-          </a:lnRef>
-          <a:fillRef idx="0">
-            <a:schemeClr val="dk1"/>
-          </a:fillRef>
-          <a:effectRef idx="0">
-            <a:schemeClr val="dk1"/>
-          </a:effectRef>
-          <a:fontRef idx="minor">
-            <a:schemeClr val="tx1"/>
-          </a:fontRef>
-        </p:style>
-      </p:cxnSp>
-      <p:cxnSp>
-        <p:nvCxnSpPr>
-          <p:cNvPr id="216" name="Elbow Connector 215"/>
-          <p:cNvCxnSpPr/>
-          <p:nvPr/>
-        </p:nvCxnSpPr>
-        <p:spPr>
-          <a:xfrm flipV="1">
-            <a:off x="29567393" y="6045217"/>
-            <a:ext cx="426720" cy="922020"/>
-          </a:xfrm>
-          <a:prstGeom prst="bentConnector3">
-            <a:avLst>
-              <a:gd name="adj1" fmla="val 15517"/>
-            </a:avLst>
-          </a:prstGeom>
-        </p:spPr>
-        <p:style>
-          <a:lnRef idx="1">
-            <a:schemeClr val="dk1"/>
-          </a:lnRef>
-          <a:fillRef idx="0">
-            <a:schemeClr val="dk1"/>
-          </a:fillRef>
-          <a:effectRef idx="0">
-            <a:schemeClr val="dk1"/>
-          </a:effectRef>
-          <a:fontRef idx="minor">
-            <a:schemeClr val="tx1"/>
-          </a:fontRef>
-        </p:style>
-      </p:cxnSp>
-      <p:cxnSp>
-        <p:nvCxnSpPr>
-          <p:cNvPr id="217" name="Elbow Connector 216"/>
-          <p:cNvCxnSpPr/>
-          <p:nvPr/>
-        </p:nvCxnSpPr>
-        <p:spPr>
-          <a:xfrm>
-            <a:off x="29750273" y="6045217"/>
-            <a:ext cx="914400" cy="914400"/>
-          </a:xfrm>
-          <a:prstGeom prst="bentConnector3">
-            <a:avLst/>
-          </a:prstGeom>
-        </p:spPr>
-        <p:style>
-          <a:lnRef idx="1">
-            <a:schemeClr val="dk1"/>
-          </a:lnRef>
-          <a:fillRef idx="0">
-            <a:schemeClr val="dk1"/>
-          </a:fillRef>
-          <a:effectRef idx="0">
-            <a:schemeClr val="dk1"/>
-          </a:effectRef>
-          <a:fontRef idx="minor">
-            <a:schemeClr val="tx1"/>
-          </a:fontRef>
-        </p:style>
-      </p:cxnSp>
-      <p:sp>
-        <p:nvSpPr>
-          <p:cNvPr id="218" name="Rectangle 217"/>
-          <p:cNvSpPr/>
-          <p:nvPr/>
-        </p:nvSpPr>
-        <p:spPr>
-          <a:xfrm>
-            <a:off x="30565613" y="5793757"/>
-            <a:ext cx="982980" cy="1447800"/>
-          </a:xfrm>
-          <a:prstGeom prst="rect">
-            <a:avLst/>
-          </a:prstGeom>
-        </p:spPr>
-        <p:style>
-          <a:lnRef idx="2">
-            <a:schemeClr val="accent3">
-              <a:shade val="50000"/>
-            </a:schemeClr>
-          </a:lnRef>
-          <a:fillRef idx="1">
-            <a:schemeClr val="accent3"/>
-          </a:fillRef>
-          <a:effectRef idx="0">
-            <a:schemeClr val="accent3"/>
-          </a:effectRef>
-          <a:fontRef idx="minor">
-            <a:schemeClr val="lt1"/>
-          </a:fontRef>
-        </p:style>
-        <p:txBody>
-          <a:bodyPr rot="0" spcFirstLastPara="0" vert="horz" wrap="square" lIns="91440" tIns="45720" rIns="91440" bIns="45720" numCol="1" spcCol="0" rtlCol="0" fromWordArt="0" anchor="ctr" anchorCtr="0" forceAA="0" compatLnSpc="1">
-            <a:prstTxWarp prst="textNoShape">
-              <a:avLst/>
-            </a:prstTxWarp>
-            <a:noAutofit/>
-          </a:bodyPr>
-          <a:lstStyle/>
-          <a:p>
-            <a:endParaRPr lang="en-US"/>
-          </a:p>
-        </p:txBody>
-      </p:sp>
-      <p:sp>
-        <p:nvSpPr>
-          <p:cNvPr id="219" name="Text Box 17"/>
-          <p:cNvSpPr txBox="1"/>
-          <p:nvPr/>
-        </p:nvSpPr>
-        <p:spPr>
-          <a:xfrm>
-            <a:off x="30497668" y="6403357"/>
-            <a:ext cx="1096645" cy="417195"/>
-          </a:xfrm>
-          <a:prstGeom prst="rect">
-            <a:avLst/>
-          </a:prstGeom>
-          <a:noFill/>
-          <a:ln>
-            <a:noFill/>
-          </a:ln>
-          <a:effectLst/>
-        </p:spPr>
-        <p:txBody>
-          <a:bodyPr rot="0" spcFirstLastPara="0" vert="horz" wrap="none" lIns="91440" tIns="45720" rIns="91440" bIns="45720" numCol="1" spcCol="0" rtlCol="0" fromWordArt="0" anchor="t" anchorCtr="0" forceAA="0" compatLnSpc="1">
-            <a:prstTxWarp prst="textNoShape">
-              <a:avLst/>
-            </a:prstTxWarp>
-            <a:spAutoFit/>
-          </a:bodyPr>
-          <a:lstStyle/>
-          <a:p>
-            <a:pPr marL="0" marR="0" algn="ctr">
-              <a:lnSpc>
-                <a:spcPct val="107000"/>
-              </a:lnSpc>
-              <a:spcBef>
-                <a:spcPts val="0"/>
-              </a:spcBef>
-              <a:spcAft>
-                <a:spcPts val="800"/>
-              </a:spcAft>
-            </a:pPr>
-            <a:r>
-              <a:rPr lang="en-US" sz="1200">
-                <a:ln>
-                  <a:noFill/>
-                </a:ln>
-                <a:solidFill>
-                  <a:srgbClr val="000000"/>
-                </a:solidFill>
-                <a:effectLst>
-                  <a:outerShdw blurRad="38100" dist="19050" dir="2700000" algn="tl">
-                    <a:schemeClr val="dk1">
-                      <a:alpha val="40000"/>
-                    </a:schemeClr>
-                  </a:outerShdw>
-                </a:effectLst>
-                <a:latin typeface="Calibri" panose="020F0502020204030204" pitchFamily="34" charset="0"/>
-                <a:ea typeface="Calibri" panose="020F0502020204030204" pitchFamily="34" charset="0"/>
-                <a:cs typeface="Times New Roman" panose="02020603050405020304" pitchFamily="18" charset="0"/>
-              </a:rPr>
-              <a:t>Low Pass Filter</a:t>
-            </a:r>
-            <a:endParaRPr lang="en-US" sz="1100">
-              <a:effectLst/>
-              <a:latin typeface="Calibri" panose="020F0502020204030204" pitchFamily="34" charset="0"/>
-              <a:ea typeface="Calibri" panose="020F0502020204030204" pitchFamily="34" charset="0"/>
-              <a:cs typeface="Times New Roman" panose="02020603050405020304" pitchFamily="18" charset="0"/>
-            </a:endParaRPr>
-          </a:p>
-        </p:txBody>
-      </p:sp>
-      <p:sp>
-        <p:nvSpPr>
-          <p:cNvPr id="220" name="Rounded Rectangle 219"/>
-          <p:cNvSpPr/>
-          <p:nvPr/>
-        </p:nvSpPr>
-        <p:spPr>
-          <a:xfrm>
-            <a:off x="33122123" y="5816617"/>
-            <a:ext cx="1478280" cy="1531620"/>
-          </a:xfrm>
-          <a:prstGeom prst="roundRect">
-            <a:avLst/>
-          </a:prstGeom>
-        </p:spPr>
-        <p:style>
-          <a:lnRef idx="2">
-            <a:schemeClr val="accent1">
-              <a:shade val="50000"/>
-            </a:schemeClr>
-          </a:lnRef>
-          <a:fillRef idx="1">
-            <a:schemeClr val="accent1"/>
-          </a:fillRef>
-          <a:effectRef idx="0">
-            <a:schemeClr val="accent1"/>
-          </a:effectRef>
-          <a:fontRef idx="minor">
-            <a:schemeClr val="lt1"/>
-          </a:fontRef>
-        </p:style>
-        <p:txBody>
-          <a:bodyPr rot="0" spcFirstLastPara="0" vert="horz" wrap="square" lIns="91440" tIns="45720" rIns="91440" bIns="45720" numCol="1" spcCol="0" rtlCol="0" fromWordArt="0" anchor="ctr" anchorCtr="0" forceAA="0" compatLnSpc="1">
-            <a:prstTxWarp prst="textNoShape">
-              <a:avLst/>
-            </a:prstTxWarp>
-            <a:noAutofit/>
-          </a:bodyPr>
-          <a:lstStyle/>
-          <a:p>
-            <a:endParaRPr lang="en-US"/>
-          </a:p>
-        </p:txBody>
-      </p:sp>
-      <p:sp>
-        <p:nvSpPr>
-          <p:cNvPr id="221" name="Text Box 24"/>
-          <p:cNvSpPr txBox="1"/>
-          <p:nvPr/>
-        </p:nvSpPr>
-        <p:spPr>
-          <a:xfrm>
-            <a:off x="33174193" y="6083317"/>
-            <a:ext cx="1452880" cy="742950"/>
-          </a:xfrm>
-          <a:prstGeom prst="rect">
-            <a:avLst/>
-          </a:prstGeom>
-          <a:noFill/>
-          <a:ln>
-            <a:noFill/>
-          </a:ln>
-          <a:effectLst/>
-        </p:spPr>
-        <p:txBody>
-          <a:bodyPr rot="0" spcFirstLastPara="0" vert="horz" wrap="none" lIns="91440" tIns="45720" rIns="91440" bIns="45720" numCol="1" spcCol="0" rtlCol="0" fromWordArt="0" anchor="t" anchorCtr="0" forceAA="0" compatLnSpc="1">
-            <a:prstTxWarp prst="textNoShape">
-              <a:avLst/>
-            </a:prstTxWarp>
-            <a:spAutoFit/>
-          </a:bodyPr>
-          <a:lstStyle/>
-          <a:p>
-            <a:pPr marL="0" marR="0">
-              <a:lnSpc>
-                <a:spcPct val="107000"/>
-              </a:lnSpc>
-              <a:spcBef>
-                <a:spcPts val="0"/>
-              </a:spcBef>
-              <a:spcAft>
-                <a:spcPts val="800"/>
-              </a:spcAft>
-            </a:pPr>
-            <a:r>
-              <a:rPr lang="en-US" sz="1200">
-                <a:ln>
-                  <a:noFill/>
-                </a:ln>
-                <a:solidFill>
-                  <a:srgbClr val="000000"/>
-                </a:solidFill>
-                <a:effectLst>
-                  <a:outerShdw blurRad="38100" dist="19050" dir="2700000" algn="tl">
-                    <a:schemeClr val="dk1">
-                      <a:alpha val="40000"/>
-                    </a:schemeClr>
-                  </a:outerShdw>
-                </a:effectLst>
-                <a:latin typeface="Calibri" panose="020F0502020204030204" pitchFamily="34" charset="0"/>
-                <a:ea typeface="Calibri" panose="020F0502020204030204" pitchFamily="34" charset="0"/>
-                <a:cs typeface="Times New Roman" panose="02020603050405020304" pitchFamily="18" charset="0"/>
-              </a:rPr>
-              <a:t> </a:t>
-            </a:r>
-            <a:endParaRPr lang="en-US" sz="1100">
-              <a:effectLst/>
-              <a:latin typeface="Calibri" panose="020F0502020204030204" pitchFamily="34" charset="0"/>
-              <a:ea typeface="Calibri" panose="020F0502020204030204" pitchFamily="34" charset="0"/>
-              <a:cs typeface="Times New Roman" panose="02020603050405020304" pitchFamily="18" charset="0"/>
-            </a:endParaRPr>
-          </a:p>
-          <a:p>
-            <a:pPr marL="0" marR="0">
-              <a:lnSpc>
-                <a:spcPct val="107000"/>
-              </a:lnSpc>
-              <a:spcBef>
-                <a:spcPts val="0"/>
-              </a:spcBef>
-              <a:spcAft>
-                <a:spcPts val="800"/>
-              </a:spcAft>
-            </a:pPr>
-            <a:r>
-              <a:rPr lang="en-US" sz="1200">
-                <a:ln>
-                  <a:noFill/>
-                </a:ln>
-                <a:solidFill>
-                  <a:srgbClr val="000000"/>
-                </a:solidFill>
-                <a:effectLst>
-                  <a:outerShdw blurRad="38100" dist="19050" dir="2700000" algn="tl">
-                    <a:schemeClr val="dk1">
-                      <a:alpha val="40000"/>
-                    </a:schemeClr>
-                  </a:outerShdw>
-                </a:effectLst>
-                <a:latin typeface="Calibri" panose="020F0502020204030204" pitchFamily="34" charset="0"/>
-                <a:ea typeface="Calibri" panose="020F0502020204030204" pitchFamily="34" charset="0"/>
-                <a:cs typeface="Times New Roman" panose="02020603050405020304" pitchFamily="18" charset="0"/>
-              </a:rPr>
-              <a:t>Valves and Cylinders</a:t>
-            </a:r>
-            <a:endParaRPr lang="en-US" sz="1100">
-              <a:effectLst/>
-              <a:latin typeface="Calibri" panose="020F0502020204030204" pitchFamily="34" charset="0"/>
-              <a:ea typeface="Calibri" panose="020F0502020204030204" pitchFamily="34" charset="0"/>
-              <a:cs typeface="Times New Roman" panose="02020603050405020304" pitchFamily="18" charset="0"/>
-            </a:endParaRPr>
-          </a:p>
-        </p:txBody>
-      </p:sp>
-      <p:cxnSp>
-        <p:nvCxnSpPr>
-          <p:cNvPr id="222" name="Curved Connector 221"/>
-          <p:cNvCxnSpPr/>
-          <p:nvPr/>
-        </p:nvCxnSpPr>
-        <p:spPr>
-          <a:xfrm flipH="1">
-            <a:off x="31632413" y="7233937"/>
-            <a:ext cx="1409700" cy="579120"/>
-          </a:xfrm>
-          <a:prstGeom prst="curvedConnector3">
-            <a:avLst/>
-          </a:prstGeom>
-          <a:ln>
-            <a:tailEnd type="triangle"/>
-          </a:ln>
-        </p:spPr>
-        <p:style>
-          <a:lnRef idx="1">
-            <a:schemeClr val="dk1"/>
-          </a:lnRef>
-          <a:fillRef idx="0">
-            <a:schemeClr val="dk1"/>
-          </a:fillRef>
-          <a:effectRef idx="0">
-            <a:schemeClr val="dk1"/>
-          </a:effectRef>
-          <a:fontRef idx="minor">
-            <a:schemeClr val="tx1"/>
-          </a:fontRef>
-        </p:style>
-      </p:cxnSp>
-      <p:cxnSp>
-        <p:nvCxnSpPr>
-          <p:cNvPr id="223" name="Curved Connector 222"/>
-          <p:cNvCxnSpPr/>
-          <p:nvPr/>
-        </p:nvCxnSpPr>
-        <p:spPr>
-          <a:xfrm flipH="1" flipV="1">
-            <a:off x="28637753" y="7157737"/>
-            <a:ext cx="1874520" cy="670560"/>
-          </a:xfrm>
-          <a:prstGeom prst="curvedConnector3">
-            <a:avLst/>
-          </a:prstGeom>
-          <a:ln>
-            <a:tailEnd type="triangle"/>
-          </a:ln>
-        </p:spPr>
-        <p:style>
-          <a:lnRef idx="1">
-            <a:schemeClr val="dk1"/>
-          </a:lnRef>
-          <a:fillRef idx="0">
-            <a:schemeClr val="dk1"/>
-          </a:fillRef>
-          <a:effectRef idx="0">
-            <a:schemeClr val="dk1"/>
-          </a:effectRef>
-          <a:fontRef idx="minor">
-            <a:schemeClr val="tx1"/>
-          </a:fontRef>
-        </p:style>
-      </p:cxnSp>
-      <p:sp>
-        <p:nvSpPr>
-          <p:cNvPr id="224" name="Text Box 29"/>
-          <p:cNvSpPr txBox="1"/>
-          <p:nvPr/>
-        </p:nvSpPr>
-        <p:spPr>
-          <a:xfrm>
-            <a:off x="30497033" y="7668277"/>
-            <a:ext cx="1170940" cy="417195"/>
-          </a:xfrm>
-          <a:prstGeom prst="rect">
-            <a:avLst/>
-          </a:prstGeom>
-          <a:noFill/>
-          <a:ln>
-            <a:noFill/>
-          </a:ln>
-          <a:effectLst/>
-        </p:spPr>
-        <p:txBody>
-          <a:bodyPr rot="0" spcFirstLastPara="0" vert="horz" wrap="none" lIns="91440" tIns="45720" rIns="91440" bIns="45720" numCol="1" spcCol="0" rtlCol="0" fromWordArt="0" anchor="t" anchorCtr="0" forceAA="0" compatLnSpc="1">
-            <a:prstTxWarp prst="textNoShape">
-              <a:avLst/>
-            </a:prstTxWarp>
-            <a:spAutoFit/>
-          </a:bodyPr>
-          <a:lstStyle/>
-          <a:p>
-            <a:pPr marL="0" marR="0" algn="ctr">
-              <a:lnSpc>
-                <a:spcPct val="107000"/>
-              </a:lnSpc>
-              <a:spcBef>
-                <a:spcPts val="0"/>
-              </a:spcBef>
-              <a:spcAft>
-                <a:spcPts val="800"/>
-              </a:spcAft>
-            </a:pPr>
-            <a:r>
-              <a:rPr lang="en-US" sz="1200">
-                <a:ln>
-                  <a:noFill/>
-                </a:ln>
-                <a:solidFill>
-                  <a:srgbClr val="000000"/>
-                </a:solidFill>
-                <a:effectLst>
-                  <a:outerShdw blurRad="38100" dist="19050" dir="2700000" algn="tl">
-                    <a:schemeClr val="dk1">
-                      <a:alpha val="40000"/>
-                    </a:schemeClr>
-                  </a:outerShdw>
-                </a:effectLst>
-                <a:latin typeface="Calibri" panose="020F0502020204030204" pitchFamily="34" charset="0"/>
-                <a:ea typeface="Calibri" panose="020F0502020204030204" pitchFamily="34" charset="0"/>
-                <a:cs typeface="Times New Roman" panose="02020603050405020304" pitchFamily="18" charset="0"/>
-              </a:rPr>
-              <a:t>Feedback Signal</a:t>
-            </a:r>
-            <a:endParaRPr lang="en-US" sz="1100">
-              <a:effectLst/>
-              <a:latin typeface="Calibri" panose="020F0502020204030204" pitchFamily="34" charset="0"/>
-              <a:ea typeface="Calibri" panose="020F0502020204030204" pitchFamily="34" charset="0"/>
-              <a:cs typeface="Times New Roman" panose="02020603050405020304" pitchFamily="18" charset="0"/>
-            </a:endParaRPr>
-          </a:p>
-        </p:txBody>
-      </p:sp>
-      <p:sp>
-        <p:nvSpPr>
-          <p:cNvPr id="225" name="Text Box 30"/>
-          <p:cNvSpPr txBox="1"/>
-          <p:nvPr/>
-        </p:nvSpPr>
-        <p:spPr>
-          <a:xfrm>
-            <a:off x="28546313" y="5610877"/>
-            <a:ext cx="2047875" cy="417195"/>
-          </a:xfrm>
-          <a:prstGeom prst="rect">
-            <a:avLst/>
-          </a:prstGeom>
-          <a:noFill/>
-          <a:ln>
-            <a:noFill/>
-          </a:ln>
-          <a:effectLst/>
-        </p:spPr>
-        <p:txBody>
-          <a:bodyPr rot="0" spcFirstLastPara="0" vert="horz" wrap="none" lIns="91440" tIns="45720" rIns="91440" bIns="45720" numCol="1" spcCol="0" rtlCol="0" fromWordArt="0" anchor="t" anchorCtr="0" forceAA="0" compatLnSpc="1">
-            <a:prstTxWarp prst="textNoShape">
-              <a:avLst/>
-            </a:prstTxWarp>
-            <a:spAutoFit/>
-          </a:bodyPr>
-          <a:lstStyle/>
-          <a:p>
-            <a:pPr marL="0" marR="0" algn="ctr">
-              <a:lnSpc>
-                <a:spcPct val="107000"/>
-              </a:lnSpc>
-              <a:spcBef>
-                <a:spcPts val="0"/>
-              </a:spcBef>
-              <a:spcAft>
-                <a:spcPts val="800"/>
-              </a:spcAft>
-            </a:pPr>
-            <a:r>
-              <a:rPr lang="en-US" sz="1200">
-                <a:ln>
-                  <a:noFill/>
-                </a:ln>
-                <a:solidFill>
-                  <a:srgbClr val="000000"/>
-                </a:solidFill>
-                <a:effectLst>
-                  <a:outerShdw blurRad="38100" dist="19050" dir="2700000" algn="tl">
-                    <a:schemeClr val="dk1">
-                      <a:alpha val="40000"/>
-                    </a:schemeClr>
-                  </a:outerShdw>
-                </a:effectLst>
-                <a:latin typeface="Calibri" panose="020F0502020204030204" pitchFamily="34" charset="0"/>
-                <a:ea typeface="Calibri" panose="020F0502020204030204" pitchFamily="34" charset="0"/>
-                <a:cs typeface="Times New Roman" panose="02020603050405020304" pitchFamily="18" charset="0"/>
-              </a:rPr>
-              <a:t>Pulse Width Modulated Signal</a:t>
-            </a:r>
-            <a:endParaRPr lang="en-US" sz="1100">
-              <a:effectLst/>
-              <a:latin typeface="Calibri" panose="020F0502020204030204" pitchFamily="34" charset="0"/>
-              <a:ea typeface="Calibri" panose="020F0502020204030204" pitchFamily="34" charset="0"/>
-              <a:cs typeface="Times New Roman" panose="02020603050405020304" pitchFamily="18" charset="0"/>
-            </a:endParaRPr>
-          </a:p>
-        </p:txBody>
-      </p:sp>
-      <p:sp>
-        <p:nvSpPr>
-          <p:cNvPr id="226" name="Text Box 31"/>
-          <p:cNvSpPr txBox="1"/>
-          <p:nvPr/>
-        </p:nvSpPr>
-        <p:spPr>
-          <a:xfrm>
-            <a:off x="31876253" y="5588017"/>
-            <a:ext cx="941705" cy="399415"/>
-          </a:xfrm>
-          <a:prstGeom prst="rect">
-            <a:avLst/>
-          </a:prstGeom>
-          <a:noFill/>
-          <a:ln>
-            <a:noFill/>
-          </a:ln>
-          <a:effectLst/>
-        </p:spPr>
-        <p:txBody>
-          <a:bodyPr rot="0" spcFirstLastPara="0" vert="horz" wrap="none" lIns="91440" tIns="45720" rIns="91440" bIns="45720" numCol="1" spcCol="0" rtlCol="0" fromWordArt="0" anchor="t" anchorCtr="0" forceAA="0" compatLnSpc="1">
-            <a:prstTxWarp prst="textNoShape">
-              <a:avLst/>
-            </a:prstTxWarp>
-            <a:spAutoFit/>
-          </a:bodyPr>
-          <a:lstStyle/>
-          <a:p>
-            <a:pPr marL="0" marR="0" algn="ctr">
-              <a:lnSpc>
-                <a:spcPct val="107000"/>
-              </a:lnSpc>
-              <a:spcBef>
-                <a:spcPts val="0"/>
-              </a:spcBef>
-              <a:spcAft>
-                <a:spcPts val="800"/>
-              </a:spcAft>
-            </a:pPr>
-            <a:r>
-              <a:rPr lang="en-US" sz="1100">
-                <a:ln>
-                  <a:noFill/>
-                </a:ln>
-                <a:solidFill>
-                  <a:srgbClr val="000000"/>
-                </a:solidFill>
-                <a:effectLst>
-                  <a:outerShdw blurRad="38100" dist="19050" dir="2700000" algn="tl">
-                    <a:schemeClr val="dk1">
-                      <a:alpha val="40000"/>
-                    </a:schemeClr>
-                  </a:outerShdw>
-                </a:effectLst>
-                <a:latin typeface="Calibri" panose="020F0502020204030204" pitchFamily="34" charset="0"/>
-                <a:ea typeface="Calibri" panose="020F0502020204030204" pitchFamily="34" charset="0"/>
-                <a:cs typeface="Times New Roman" panose="02020603050405020304" pitchFamily="18" charset="0"/>
-              </a:rPr>
-              <a:t>Analog Signal</a:t>
-            </a:r>
-            <a:endParaRPr lang="en-US" sz="1100">
-              <a:effectLst/>
-              <a:latin typeface="Calibri" panose="020F0502020204030204" pitchFamily="34" charset="0"/>
-              <a:ea typeface="Calibri" panose="020F0502020204030204" pitchFamily="34" charset="0"/>
-              <a:cs typeface="Times New Roman" panose="02020603050405020304" pitchFamily="18" charset="0"/>
-            </a:endParaRPr>
-          </a:p>
-        </p:txBody>
-      </p:sp>
-      <p:sp>
-        <p:nvSpPr>
-          <p:cNvPr id="3" name="Rectangle 19"/>
-          <p:cNvSpPr>
-            <a:spLocks noChangeArrowheads="1"/>
-          </p:cNvSpPr>
-          <p:nvPr/>
-        </p:nvSpPr>
-        <p:spPr bwMode="auto">
-          <a:xfrm>
-            <a:off x="25142682" y="3375516"/>
-            <a:ext cx="36576000" cy="457200"/>
-          </a:xfrm>
-          <a:prstGeom prst="rect">
-            <a:avLst/>
-          </a:prstGeom>
-          <a:noFill/>
-          <a:ln>
-            <a:noFill/>
-          </a:ln>
-          <a:effectLst/>
-          <a:extLst>
-            <a:ext uri="{909E8E84-426E-40DD-AFC4-6F175D3DCCD1}">
-              <a14:hiddenFill xmlns:a14="http://schemas.microsoft.com/office/drawing/2010/main">
-                <a:solidFill>
-                  <a:schemeClr val="accent1"/>
-                </a:solidFill>
-              </a14:hiddenFill>
-            </a:ext>
-            <a:ext uri="{91240B29-F687-4F45-9708-019B960494DF}">
-              <a14:hiddenLine xmlns:a14="http://schemas.microsoft.com/office/drawing/2010/main" w="9525">
-                <a:solidFill>
-                  <a:schemeClr val="tx1"/>
-                </a:solidFill>
-                <a:miter lim="800000"/>
-                <a:headEnd/>
-                <a:tailEnd/>
-              </a14:hiddenLine>
-            </a:ext>
-            <a:ext uri="{AF507438-7753-43E0-B8FC-AC1667EBCBE1}">
-              <a14:hiddenEffects xmlns:a14="http://schemas.microsoft.com/office/drawing/2010/main">
-                <a:effectLst>
-                  <a:outerShdw dist="35921" dir="2700000" algn="ctr" rotWithShape="0">
-                    <a:schemeClr val="bg2"/>
-                  </a:outerShdw>
-                </a:effectLst>
-              </a14:hiddenEffects>
-            </a:ext>
-          </a:extLst>
-        </p:spPr>
-        <p:txBody>
-          <a:bodyPr vert="horz" wrap="none" lIns="91440" tIns="45720" rIns="91440" bIns="45720" numCol="1" anchor="ctr" anchorCtr="0" compatLnSpc="1">
-            <a:prstTxWarp prst="textNoShape">
-              <a:avLst/>
-            </a:prstTxWarp>
-            <a:spAutoFit/>
-          </a:bodyPr>
-          <a:lstStyle/>
-          <a:p>
-            <a:endParaRPr lang="en-US"/>
-          </a:p>
-        </p:txBody>
-      </p:sp>
-      <p:sp>
-        <p:nvSpPr>
-          <p:cNvPr id="227" name="TextBox 226"/>
-          <p:cNvSpPr txBox="1"/>
-          <p:nvPr/>
-        </p:nvSpPr>
-        <p:spPr>
-          <a:xfrm>
-            <a:off x="26370406" y="7934632"/>
-            <a:ext cx="9509760" cy="338554"/>
-          </a:xfrm>
-          <a:prstGeom prst="rect">
-            <a:avLst/>
-          </a:prstGeom>
-          <a:noFill/>
-        </p:spPr>
-        <p:txBody>
-          <a:bodyPr wrap="square" rtlCol="0">
-            <a:spAutoFit/>
-          </a:bodyPr>
-          <a:lstStyle/>
-          <a:p>
-            <a:r>
-              <a:rPr lang="en-US" sz="1600" dirty="0" smtClean="0"/>
-              <a:t>Figure 6: Electrical Signal Path and Conditioning</a:t>
-            </a:r>
-            <a:endParaRPr lang="en-US" sz="1600" dirty="0"/>
-          </a:p>
-        </p:txBody>
-      </p:sp>
-      <p:sp>
-        <p:nvSpPr>
-          <p:cNvPr id="228" name="TextBox 227"/>
-          <p:cNvSpPr txBox="1"/>
-          <p:nvPr/>
-        </p:nvSpPr>
-        <p:spPr>
-          <a:xfrm>
-            <a:off x="26362786" y="21560733"/>
-            <a:ext cx="9525000" cy="3477875"/>
-          </a:xfrm>
-          <a:prstGeom prst="rect">
-            <a:avLst/>
-          </a:prstGeom>
-          <a:noFill/>
-        </p:spPr>
-        <p:txBody>
-          <a:bodyPr wrap="square" rtlCol="0">
-            <a:spAutoFit/>
-          </a:bodyPr>
-          <a:lstStyle/>
-          <a:p>
-            <a:pPr marL="342900" indent="-342900">
-              <a:buFont typeface="Arial" panose="020B0604020202020204" pitchFamily="34" charset="0"/>
-              <a:buChar char="•"/>
-            </a:pPr>
-            <a:r>
-              <a:rPr lang="en-US" sz="2000" dirty="0" smtClean="0"/>
-              <a:t>An educational pneumatic robot was developed that is capable of walking using a simple creep </a:t>
-            </a:r>
-            <a:r>
-              <a:rPr lang="en-US" sz="2000" dirty="0" smtClean="0"/>
-              <a:t>gait</a:t>
-            </a:r>
-          </a:p>
-          <a:p>
-            <a:pPr marL="342900" indent="-342900">
-              <a:buFont typeface="Arial" panose="020B0604020202020204" pitchFamily="34" charset="0"/>
-              <a:buChar char="•"/>
-            </a:pPr>
-            <a:r>
-              <a:rPr lang="en-US" sz="2000" dirty="0"/>
-              <a:t>The robot kinematics and kinetics were determined to aid in the mechanical </a:t>
-            </a:r>
-            <a:r>
-              <a:rPr lang="en-US" sz="2000" dirty="0" smtClean="0"/>
-              <a:t>design</a:t>
-            </a:r>
-            <a:endParaRPr lang="en-US" sz="2000" dirty="0" smtClean="0"/>
-          </a:p>
-          <a:p>
-            <a:pPr marL="342900" indent="-342900">
-              <a:buFont typeface="Arial" panose="020B0604020202020204" pitchFamily="34" charset="0"/>
-              <a:buChar char="•"/>
-            </a:pPr>
-            <a:r>
-              <a:rPr lang="en-US" sz="2000" dirty="0" smtClean="0"/>
-              <a:t>The mechanical prototype was constructed for hardware testing</a:t>
-            </a:r>
-          </a:p>
-          <a:p>
-            <a:pPr marL="342900" indent="-342900">
-              <a:buFont typeface="Arial" panose="020B0604020202020204" pitchFamily="34" charset="0"/>
-              <a:buChar char="•"/>
-            </a:pPr>
-            <a:r>
-              <a:rPr lang="en-US" sz="2000" dirty="0" smtClean="0"/>
-              <a:t>Electrical subsystems were soldered to prototyping boards for hardware testing</a:t>
-            </a:r>
-            <a:endParaRPr lang="en-US" sz="2000" dirty="0" smtClean="0"/>
-          </a:p>
-          <a:p>
-            <a:pPr marL="342900" indent="-342900">
-              <a:buFont typeface="Arial" panose="020B0604020202020204" pitchFamily="34" charset="0"/>
-              <a:buChar char="•"/>
-            </a:pPr>
-            <a:r>
-              <a:rPr lang="en-US" sz="2000" dirty="0" smtClean="0"/>
-              <a:t>A wireless communication system and user interface was created</a:t>
-            </a:r>
-            <a:endParaRPr lang="en-US" sz="2000" dirty="0" smtClean="0"/>
-          </a:p>
-          <a:p>
-            <a:pPr marL="342900" indent="-342900">
-              <a:buFont typeface="Arial" panose="020B0604020202020204" pitchFamily="34" charset="0"/>
-              <a:buChar char="•"/>
-            </a:pPr>
-            <a:r>
-              <a:rPr lang="en-US" sz="2000" dirty="0" smtClean="0"/>
-              <a:t> More work is needed to implement more dynamic gaits and to characterize the valve/piston system dynamics</a:t>
-            </a:r>
-          </a:p>
-          <a:p>
-            <a:pPr marL="342900" indent="-342900">
-              <a:buFont typeface="Arial" panose="020B0604020202020204" pitchFamily="34" charset="0"/>
-              <a:buChar char="•"/>
-            </a:pPr>
-            <a:r>
-              <a:rPr lang="en-US" sz="2000" dirty="0" smtClean="0"/>
-              <a:t>Additional work is also needed to characterize the performance of the current controller and no implement  more sophisticated multivariable control  </a:t>
-            </a:r>
-            <a:r>
-              <a:rPr lang="en-US" sz="2000" dirty="0" smtClean="0"/>
-              <a:t>architecture</a:t>
-            </a:r>
-            <a:endParaRPr lang="en-US" sz="2000" dirty="0" smtClean="0"/>
-          </a:p>
-          <a:p>
-            <a:pPr marL="342900" indent="-342900">
-              <a:buFont typeface="Arial" panose="020B0604020202020204" pitchFamily="34" charset="0"/>
-              <a:buChar char="•"/>
-            </a:pPr>
-            <a:endParaRPr lang="en-US" sz="2000" dirty="0" smtClean="0">
+              </a:ln>
+            </p:spPr>
+            <p:style>
+              <a:lnRef idx="2">
+                <a:schemeClr val="accent1">
+                  <a:shade val="50000"/>
+                </a:schemeClr>
+              </a:lnRef>
+              <a:fillRef idx="1">
+                <a:schemeClr val="accent1"/>
+              </a:fillRef>
+              <a:effectRef idx="0">
+                <a:schemeClr val="accent1"/>
+              </a:effectRef>
+              <a:fontRef idx="minor">
+                <a:schemeClr val="lt1"/>
+              </a:fontRef>
+            </p:style>
+            <p:txBody>
+              <a:bodyPr rtlCol="0" anchor="ctr"/>
+              <a:lstStyle/>
+              <a:p>
+                <a:pPr algn="ctr"/>
+                <a:endParaRPr lang="en-US"/>
+              </a:p>
+            </p:txBody>
+          </p:sp>
+        </p:grpSp>
+        <p:grpSp>
+          <p:nvGrpSpPr>
+            <p:cNvPr id="236" name="Group 235"/>
+            <p:cNvGrpSpPr/>
+            <p:nvPr/>
+          </p:nvGrpSpPr>
+          <p:grpSpPr>
+            <a:xfrm>
+              <a:off x="26036727" y="2042693"/>
+              <a:ext cx="9740014" cy="4586707"/>
+              <a:chOff x="26367402" y="3233409"/>
+              <a:chExt cx="9740014" cy="4586707"/>
+            </a:xfrm>
+          </p:grpSpPr>
+          <p:sp>
+            <p:nvSpPr>
+              <p:cNvPr id="237" name="TextBox 236"/>
+              <p:cNvSpPr txBox="1"/>
+              <p:nvPr/>
+            </p:nvSpPr>
+            <p:spPr>
+              <a:xfrm>
+                <a:off x="26392996" y="3233409"/>
+                <a:ext cx="9583874" cy="584775"/>
+              </a:xfrm>
+              <a:prstGeom prst="rect">
+                <a:avLst/>
+              </a:prstGeom>
               <a:solidFill>
-                <a:srgbClr val="FF0000"/>
+                <a:schemeClr val="accent2"/>
               </a:solidFill>
-            </a:endParaRPr>
-          </a:p>
-        </p:txBody>
-      </p:sp>
+            </p:spPr>
+            <p:txBody>
+              <a:bodyPr wrap="square" rtlCol="0">
+                <a:spAutoFit/>
+              </a:bodyPr>
+              <a:lstStyle/>
+              <a:p>
+                <a:r>
+                  <a:rPr lang="en-US" sz="3200" b="1" dirty="0" smtClean="0">
+                    <a:solidFill>
+                      <a:schemeClr val="bg1"/>
+                    </a:solidFill>
+                  </a:rPr>
+                  <a:t>Simulation</a:t>
+                </a:r>
+                <a:endParaRPr lang="en-US" sz="3200" b="1" dirty="0">
+                  <a:solidFill>
+                    <a:schemeClr val="bg1"/>
+                  </a:solidFill>
+                </a:endParaRPr>
+              </a:p>
+            </p:txBody>
+          </p:sp>
+          <p:grpSp>
+            <p:nvGrpSpPr>
+              <p:cNvPr id="241" name="Group 240"/>
+              <p:cNvGrpSpPr/>
+              <p:nvPr/>
+            </p:nvGrpSpPr>
+            <p:grpSpPr>
+              <a:xfrm>
+                <a:off x="26367402" y="3902900"/>
+                <a:ext cx="9740014" cy="3917216"/>
+                <a:chOff x="26367402" y="3902900"/>
+                <a:chExt cx="9740014" cy="3917216"/>
+              </a:xfrm>
+            </p:grpSpPr>
+            <p:sp>
+              <p:nvSpPr>
+                <p:cNvPr id="260" name="TextBox 259"/>
+                <p:cNvSpPr txBox="1"/>
+                <p:nvPr/>
+              </p:nvSpPr>
+              <p:spPr>
+                <a:xfrm>
+                  <a:off x="26558715" y="7481562"/>
+                  <a:ext cx="9509760" cy="338554"/>
+                </a:xfrm>
+                <a:prstGeom prst="rect">
+                  <a:avLst/>
+                </a:prstGeom>
+                <a:noFill/>
+              </p:spPr>
+              <p:txBody>
+                <a:bodyPr wrap="square" rtlCol="0">
+                  <a:spAutoFit/>
+                </a:bodyPr>
+                <a:lstStyle/>
+                <a:p>
+                  <a:pPr algn="ctr"/>
+                  <a:r>
+                    <a:rPr lang="en-US" sz="1600" dirty="0" smtClean="0"/>
+                    <a:t>Figure 6: Image of the kinematic </a:t>
+                  </a:r>
+                  <a:r>
+                    <a:rPr lang="en-US" sz="1600" dirty="0" smtClean="0"/>
+                    <a:t>simulation</a:t>
+                  </a:r>
+                  <a:endParaRPr lang="en-US" sz="1600" dirty="0"/>
+                </a:p>
+              </p:txBody>
+            </p:sp>
+            <p:sp>
+              <p:nvSpPr>
+                <p:cNvPr id="244" name="TextBox 243"/>
+                <p:cNvSpPr txBox="1"/>
+                <p:nvPr/>
+              </p:nvSpPr>
+              <p:spPr>
+                <a:xfrm>
+                  <a:off x="26367402" y="3902900"/>
+                  <a:ext cx="9740014" cy="1631216"/>
+                </a:xfrm>
+                <a:prstGeom prst="rect">
+                  <a:avLst/>
+                </a:prstGeom>
+                <a:noFill/>
+              </p:spPr>
+              <p:txBody>
+                <a:bodyPr wrap="square" rtlCol="0">
+                  <a:spAutoFit/>
+                </a:bodyPr>
+                <a:lstStyle/>
+                <a:p>
+                  <a:r>
+                    <a:rPr lang="en-US" sz="2000" dirty="0" smtClean="0"/>
+                    <a:t>To determine the forces and torques acting on the robot during motion a dynamic and kinematic simulation </a:t>
+                  </a:r>
+                  <a:r>
+                    <a:rPr lang="en-US" sz="2000" dirty="0" smtClean="0"/>
+                    <a:t>was developed</a:t>
+                  </a:r>
+                  <a:r>
+                    <a:rPr lang="en-US" sz="2000" dirty="0" smtClean="0"/>
+                    <a:t>. The kinematic simulation calculated the angular position, velocity, and acceleration of each joint as the foot moved through an elliptical trajectory. The dynamic simulation then took these values along with some assumed foot reaction forces and calculated the resulting torques and forces acting on each joint.</a:t>
+                  </a:r>
+                </a:p>
+              </p:txBody>
+            </p:sp>
+          </p:grpSp>
+        </p:grpSp>
+      </p:grpSp>
     </p:spTree>
     <p:extLst>
       <p:ext uri="{BB962C8B-B14F-4D97-AF65-F5344CB8AC3E}">
